--- a/help/data-sheets/assets/EliteSupportDatasheet.pptx
+++ b/help/data-sheets/assets/EliteSupportDatasheet.pptx
@@ -301,7 +301,7 @@
           <a:p>
             <a:fld id="{C12E57D6-2086-AA47-A7A4-C0CDE7C14E44}" type="datetimeFigureOut">
               <a:rPr lang="en-US" smtClean="0"/>
-              <a:t>9/22/2021</a:t>
+              <a:t>10/1/2021</a:t>
             </a:fld>
             <a:endParaRPr lang="en-US"/>
           </a:p>
@@ -875,7 +875,7 @@
           <a:p>
             <a:fld id="{1D8BD707-D9CF-40AE-B4C6-C98DA3205C09}" type="datetimeFigureOut">
               <a:rPr lang="en-US"/>
-              <a:t>9/22/2021</a:t>
+              <a:t>10/1/2021</a:t>
             </a:fld>
             <a:endParaRPr lang="en-US"/>
           </a:p>
@@ -1120,7 +1120,7 @@
           <a:p>
             <a:fld id="{1D8BD707-D9CF-40AE-B4C6-C98DA3205C09}" type="datetimeFigureOut">
               <a:rPr lang="en-US"/>
-              <a:t>9/22/2021</a:t>
+              <a:t>10/1/2021</a:t>
             </a:fld>
             <a:endParaRPr lang="en-US"/>
           </a:p>
@@ -1378,7 +1378,7 @@
           <a:p>
             <a:fld id="{1D8BD707-D9CF-40AE-B4C6-C98DA3205C09}" type="datetimeFigureOut">
               <a:rPr lang="en-US"/>
-              <a:t>9/22/2021</a:t>
+              <a:t>10/1/2021</a:t>
             </a:fld>
             <a:endParaRPr lang="en-US"/>
           </a:p>
@@ -1570,7 +1570,7 @@
           <a:p>
             <a:fld id="{1D8BD707-D9CF-40AE-B4C6-C98DA3205C09}" type="datetimeFigureOut">
               <a:rPr lang="en-US"/>
-              <a:t>9/22/2021</a:t>
+              <a:t>10/1/2021</a:t>
             </a:fld>
             <a:endParaRPr lang="en-US"/>
           </a:p>
@@ -1733,7 +1733,7 @@
           <a:p>
             <a:fld id="{1D8BD707-D9CF-40AE-B4C6-C98DA3205C09}" type="datetimeFigureOut">
               <a:rPr lang="en-US"/>
-              <a:t>9/22/2021</a:t>
+              <a:t>10/1/2021</a:t>
             </a:fld>
             <a:endParaRPr lang="en-US"/>
           </a:p>
@@ -1996,7 +1996,7 @@
           <a:p>
             <a:fld id="{1D8BD707-D9CF-40AE-B4C6-C98DA3205C09}" type="datetimeFigureOut">
               <a:rPr lang="en-US"/>
-              <a:t>9/22/2021</a:t>
+              <a:t>10/1/2021</a:t>
             </a:fld>
             <a:endParaRPr lang="en-US"/>
           </a:p>
@@ -2272,7 +2272,7 @@
         <p:spPr>
           <a:xfrm>
             <a:off x="502828" y="65103"/>
-            <a:ext cx="3840572" cy="366767"/>
+            <a:ext cx="4450172" cy="366767"/>
           </a:xfrm>
           <a:prstGeom prst="rect">
             <a:avLst/>
@@ -2293,10 +2293,10 @@
               </a:spcBef>
             </a:pPr>
             <a:r>
-              <a:rPr sz="2300" dirty="0">
+              <a:rPr lang="es-ES" sz="2300" dirty="0">
                 <a:latin typeface="Adobe Clean" panose="020B0503020404020204" pitchFamily="34" charset="0"/>
               </a:rPr>
-              <a:t>ADOBE SUPPORTOFFERINGS</a:t>
+              <a:t>OFERTA DE ASISTENCIA DE ADOBE</a:t>
             </a:r>
           </a:p>
         </p:txBody>
@@ -2309,8 +2309,8 @@
         </p:nvSpPr>
         <p:spPr>
           <a:xfrm>
-            <a:off x="159522" y="560755"/>
-            <a:ext cx="7003277" cy="1466427"/>
+            <a:off x="159523" y="560755"/>
+            <a:ext cx="6927078" cy="1466427"/>
           </a:xfrm>
           <a:prstGeom prst="rect">
             <a:avLst/>
@@ -2331,107 +2331,17 @@
               </a:spcBef>
             </a:pPr>
             <a:r>
-              <a:rPr sz="1100" spc="-5" dirty="0">
+              <a:rPr lang="es-ES" sz="1100" dirty="0">
                 <a:solidFill>
                   <a:srgbClr val="FFFFFF"/>
                 </a:solidFill>
                 <a:latin typeface="AdobeClean-Light"/>
                 <a:cs typeface="AdobeClean-Light"/>
               </a:rPr>
-              <a:t>Online</a:t>
-            </a:r>
-            <a:r>
-              <a:rPr sz="1100" dirty="0">
-                <a:solidFill>
-                  <a:srgbClr val="FFFFFF"/>
-                </a:solidFill>
-                <a:latin typeface="AdobeClean-Light"/>
-                <a:cs typeface="AdobeClean-Light"/>
-              </a:rPr>
-              <a:t> |</a:t>
-            </a:r>
-            <a:r>
-              <a:rPr sz="1100" spc="5" dirty="0">
-                <a:solidFill>
-                  <a:srgbClr val="FFFFFF"/>
-                </a:solidFill>
-                <a:latin typeface="AdobeClean-Light"/>
-                <a:cs typeface="AdobeClean-Light"/>
-              </a:rPr>
-              <a:t> </a:t>
-            </a:r>
-            <a:r>
-              <a:rPr sz="1100" spc="-5" dirty="0">
-                <a:solidFill>
-                  <a:srgbClr val="FFFFFF"/>
-                </a:solidFill>
-                <a:latin typeface="AdobeClean-Light"/>
-                <a:cs typeface="AdobeClean-Light"/>
-              </a:rPr>
-              <a:t>Business</a:t>
-            </a:r>
-            <a:r>
-              <a:rPr sz="1100" dirty="0">
-                <a:solidFill>
-                  <a:srgbClr val="FFFFFF"/>
-                </a:solidFill>
-                <a:latin typeface="AdobeClean-Light"/>
-                <a:cs typeface="AdobeClean-Light"/>
-              </a:rPr>
-              <a:t> |</a:t>
-            </a:r>
-            <a:r>
-              <a:rPr sz="1100" spc="10" dirty="0">
-                <a:solidFill>
-                  <a:srgbClr val="FFFFFF"/>
-                </a:solidFill>
-                <a:latin typeface="AdobeClean-Light"/>
-                <a:cs typeface="AdobeClean-Light"/>
-              </a:rPr>
-              <a:t> </a:t>
-            </a:r>
-            <a:r>
-              <a:rPr sz="1100" spc="-5" dirty="0">
-                <a:solidFill>
-                  <a:srgbClr val="FFFFFF"/>
-                </a:solidFill>
-                <a:latin typeface="AdobeClean-Light"/>
-                <a:cs typeface="AdobeClean-Light"/>
-              </a:rPr>
-              <a:t>Enterprise</a:t>
-            </a:r>
-            <a:r>
-              <a:rPr sz="1100" spc="10" dirty="0">
-                <a:solidFill>
-                  <a:srgbClr val="FFFFFF"/>
-                </a:solidFill>
-                <a:latin typeface="AdobeClean-Light"/>
-                <a:cs typeface="AdobeClean-Light"/>
-              </a:rPr>
-              <a:t> </a:t>
-            </a:r>
-            <a:r>
-              <a:rPr sz="1100" dirty="0">
-                <a:solidFill>
-                  <a:srgbClr val="FFFFFF"/>
-                </a:solidFill>
-                <a:latin typeface="AdobeClean-Light"/>
-                <a:cs typeface="AdobeClean-Light"/>
-              </a:rPr>
-              <a:t>|</a:t>
-            </a:r>
-            <a:r>
-              <a:rPr sz="1100" spc="5" dirty="0">
-                <a:solidFill>
-                  <a:srgbClr val="FFFFFF"/>
-                </a:solidFill>
-                <a:latin typeface="AdobeClean-Light"/>
-                <a:cs typeface="AdobeClean-Light"/>
-              </a:rPr>
-              <a:t> </a:t>
-            </a:r>
-            <a:r>
-              <a:rPr sz="1100" b="1" spc="-65" dirty="0">
+              <a:t>Online | Business | Enterprise | </a:t>
+            </a:r>
+            <a:r>
+              <a:rPr lang="es-ES" sz="1100" b="1" dirty="0">
                 <a:solidFill>
                   <a:srgbClr val="FFFFFF"/>
                 </a:solidFill>
@@ -2440,10 +2350,6 @@
               </a:rPr>
               <a:t>Elite</a:t>
             </a:r>
-            <a:endParaRPr sz="1100" dirty="0">
-              <a:latin typeface="Arial"/>
-              <a:cs typeface="Arial"/>
-            </a:endParaRPr>
           </a:p>
           <a:p>
             <a:pPr marL="12700" marR="1076325">
@@ -2452,21 +2358,103 @@
               </a:spcBef>
             </a:pPr>
             <a:r>
-              <a:rPr lang="en-US" sz="900" dirty="0">
+              <a:rPr lang="es-ES" sz="900" spc="-40" dirty="0">
                 <a:solidFill>
                   <a:schemeClr val="bg1"/>
                 </a:solidFill>
                 <a:latin typeface="Adobe Clean SemiLight" panose="020B0403020404020204" pitchFamily="34" charset="0"/>
               </a:rPr>
-              <a:t>Adobe provides a comprehensive range of technical resources to help support your business included as part of your Experience Cloud license subscription and further enhanced in the ELITE support package. ELITE support includes access to personalized learning paths and monitored community forums via the Adobe Experience League. You can also take advantage of our detailed and in-depth technical product documentation and current release notes. ELITE customers will also have access to a Named Support Engineer as well as a Technical Account Manager who combine and work in partnership with you to provide best in class proactive and reactive support while acting as your designated technical contacts in the Adobe Support Team. With deep experience in your designated Experience Cloud solutions, your support team work to ensure that no matter how complex your support needs are, the Adobe Support team will be there side by side with you throughout, to ensure you maximize your investment in the Adobe Experience Cloud solutions and to help you avoid problems before they happen.</a:t>
-            </a:r>
-            <a:endParaRPr sz="900" dirty="0">
-              <a:solidFill>
-                <a:schemeClr val="bg1"/>
-              </a:solidFill>
-              <a:latin typeface="AdobeClean-Light"/>
-              <a:cs typeface="AdobeClean-Light"/>
-            </a:endParaRPr>
+              <a:t>Adobe ofrece una amplia variedad de recursos técnicos para ayudar a su negocio, incluidos como parte de su suscripción de licencia </a:t>
+            </a:r>
+            <a:br>
+              <a:rPr lang="sk-SK" sz="900" spc="-40" dirty="0">
+                <a:solidFill>
+                  <a:schemeClr val="bg1"/>
+                </a:solidFill>
+                <a:latin typeface="Adobe Clean SemiLight" panose="020B0403020404020204" pitchFamily="34" charset="0"/>
+              </a:rPr>
+            </a:br>
+            <a:r>
+              <a:rPr lang="es-ES" sz="900" spc="-40" dirty="0">
+                <a:solidFill>
+                  <a:schemeClr val="bg1"/>
+                </a:solidFill>
+                <a:latin typeface="Adobe Clean SemiLight" panose="020B0403020404020204" pitchFamily="34" charset="0"/>
+              </a:rPr>
+              <a:t>de </a:t>
+            </a:r>
+            <a:r>
+              <a:rPr lang="es-ES" sz="900" spc="-40" dirty="0" err="1">
+                <a:solidFill>
+                  <a:schemeClr val="bg1"/>
+                </a:solidFill>
+                <a:latin typeface="Adobe Clean SemiLight" panose="020B0403020404020204" pitchFamily="34" charset="0"/>
+              </a:rPr>
+              <a:t>Experience</a:t>
+            </a:r>
+            <a:r>
+              <a:rPr lang="es-ES" sz="900" spc="-40" dirty="0">
+                <a:solidFill>
+                  <a:schemeClr val="bg1"/>
+                </a:solidFill>
+                <a:latin typeface="Adobe Clean SemiLight" panose="020B0403020404020204" pitchFamily="34" charset="0"/>
+              </a:rPr>
+              <a:t> Cloud y todavía más mejorados en el paquete de soporte ELITE. El paquete ELITE incluye acceso a rutas de aprendizaje personalizadas y foros de la comunidad monitorizados a través de Adobe </a:t>
+            </a:r>
+            <a:r>
+              <a:rPr lang="es-ES" sz="900" spc="-40" dirty="0" err="1">
+                <a:solidFill>
+                  <a:schemeClr val="bg1"/>
+                </a:solidFill>
+                <a:latin typeface="Adobe Clean SemiLight" panose="020B0403020404020204" pitchFamily="34" charset="0"/>
+              </a:rPr>
+              <a:t>Experience</a:t>
+            </a:r>
+            <a:r>
+              <a:rPr lang="es-ES" sz="900" spc="-40" dirty="0">
+                <a:solidFill>
+                  <a:schemeClr val="bg1"/>
+                </a:solidFill>
+                <a:latin typeface="Adobe Clean SemiLight" panose="020B0403020404020204" pitchFamily="34" charset="0"/>
+              </a:rPr>
+              <a:t> League. También puede disfrutar de documentación técnica completa y detallada sobre productos y notas de la versión actual. Los clientes del paquete ELITE también podrán contar con un ingeniero de asistencia técnica especializado además de un gestor técnico de cuentas que trabajarán codo con codo con usted para proporcionar la asistencia idónea y proactiva y, a su vez, serán sus puntos de contacto para cualquier problema técnico dentro del equipo de Soporte de Adobe. Su equipo de Soporte, que cuenta con una amplia experiencia en su soluciones de </a:t>
+            </a:r>
+            <a:r>
+              <a:rPr lang="es-ES" sz="900" spc="-40" dirty="0" err="1">
+                <a:solidFill>
+                  <a:schemeClr val="bg1"/>
+                </a:solidFill>
+                <a:latin typeface="Adobe Clean SemiLight" panose="020B0403020404020204" pitchFamily="34" charset="0"/>
+              </a:rPr>
+              <a:t>Experience</a:t>
+            </a:r>
+            <a:r>
+              <a:rPr lang="es-ES" sz="900" spc="-40" dirty="0">
+                <a:solidFill>
+                  <a:schemeClr val="bg1"/>
+                </a:solidFill>
+                <a:latin typeface="Adobe Clean SemiLight" panose="020B0403020404020204" pitchFamily="34" charset="0"/>
+              </a:rPr>
+              <a:t> Cloud, trabajará para asegurarse de que pueden estar con usted de principio a fin para solucionar cualquier problema, sin importar su complejidad, de forma que pueda sacar el máximo provecho a su inversión en las soluciones de Adobe </a:t>
+            </a:r>
+            <a:r>
+              <a:rPr lang="es-ES" sz="900" spc="-40" dirty="0" err="1">
+                <a:solidFill>
+                  <a:schemeClr val="bg1"/>
+                </a:solidFill>
+                <a:latin typeface="Adobe Clean SemiLight" panose="020B0403020404020204" pitchFamily="34" charset="0"/>
+              </a:rPr>
+              <a:t>Experience</a:t>
+            </a:r>
+            <a:r>
+              <a:rPr lang="es-ES" sz="900" spc="-40" dirty="0">
+                <a:solidFill>
+                  <a:schemeClr val="bg1"/>
+                </a:solidFill>
+                <a:latin typeface="Adobe Clean SemiLight" panose="020B0403020404020204" pitchFamily="34" charset="0"/>
+              </a:rPr>
+              <a:t> Cloud y para ayudarle a evitar problemas antes de que se conviertan en realidad.</a:t>
+            </a:r>
           </a:p>
         </p:txBody>
       </p:sp>
@@ -2479,7 +2467,7 @@
         <p:spPr>
           <a:xfrm>
             <a:off x="168564" y="7024371"/>
-            <a:ext cx="2780665" cy="238760"/>
+            <a:ext cx="4174836" cy="228268"/>
           </a:xfrm>
           <a:prstGeom prst="rect">
             <a:avLst/>
@@ -2500,7 +2488,7 @@
               </a:spcBef>
             </a:pPr>
             <a:r>
-              <a:rPr sz="1400" b="1" u="heavy" spc="20" dirty="0">
+              <a:rPr lang="es-ES" sz="1400" b="1" u="heavy" dirty="0">
                 <a:solidFill>
                   <a:srgbClr val="020302"/>
                 </a:solidFill>
@@ -2512,447 +2500,8 @@
                 <a:latin typeface="Adobe Clean"/>
                 <a:cs typeface="Adobe Clean"/>
               </a:rPr>
-              <a:t>S</a:t>
-            </a:r>
-            <a:r>
-              <a:rPr sz="1400" b="1" u="heavy" dirty="0">
-                <a:solidFill>
-                  <a:srgbClr val="020302"/>
-                </a:solidFill>
-                <a:uFill>
-                  <a:solidFill>
-                    <a:srgbClr val="020302"/>
-                  </a:solidFill>
-                </a:uFill>
-                <a:latin typeface="Adobe Clean"/>
-                <a:cs typeface="Adobe Clean"/>
-              </a:rPr>
-              <a:t>er</a:t>
-            </a:r>
-            <a:r>
-              <a:rPr sz="1400" b="1" u="heavy" spc="10" dirty="0">
-                <a:solidFill>
-                  <a:srgbClr val="020302"/>
-                </a:solidFill>
-                <a:uFill>
-                  <a:solidFill>
-                    <a:srgbClr val="020302"/>
-                  </a:solidFill>
-                </a:uFill>
-                <a:latin typeface="Adobe Clean"/>
-                <a:cs typeface="Adobe Clean"/>
-              </a:rPr>
-              <a:t>vi</a:t>
-            </a:r>
-            <a:r>
-              <a:rPr sz="1400" b="1" u="heavy" dirty="0">
-                <a:solidFill>
-                  <a:srgbClr val="020302"/>
-                </a:solidFill>
-                <a:uFill>
-                  <a:solidFill>
-                    <a:srgbClr val="020302"/>
-                  </a:solidFill>
-                </a:uFill>
-                <a:latin typeface="Adobe Clean"/>
-                <a:cs typeface="Adobe Clean"/>
-              </a:rPr>
-              <a:t>ce</a:t>
-            </a:r>
-            <a:r>
-              <a:rPr sz="1400" b="1" u="heavy" spc="20" dirty="0">
-                <a:solidFill>
-                  <a:srgbClr val="020302"/>
-                </a:solidFill>
-                <a:uFill>
-                  <a:solidFill>
-                    <a:srgbClr val="020302"/>
-                  </a:solidFill>
-                </a:uFill>
-                <a:latin typeface="Adobe Clean"/>
-                <a:cs typeface="Adobe Clean"/>
-              </a:rPr>
-              <a:t> </a:t>
-            </a:r>
-            <a:r>
-              <a:rPr sz="1400" b="1" u="heavy" spc="-20" dirty="0">
-                <a:solidFill>
-                  <a:srgbClr val="020302"/>
-                </a:solidFill>
-                <a:uFill>
-                  <a:solidFill>
-                    <a:srgbClr val="020302"/>
-                  </a:solidFill>
-                </a:uFill>
-                <a:latin typeface="Adobe Clean"/>
-                <a:cs typeface="Adobe Clean"/>
-              </a:rPr>
-              <a:t>Le</a:t>
-            </a:r>
-            <a:r>
-              <a:rPr sz="1400" b="1" u="heavy" spc="-10" dirty="0">
-                <a:solidFill>
-                  <a:srgbClr val="020302"/>
-                </a:solidFill>
-                <a:uFill>
-                  <a:solidFill>
-                    <a:srgbClr val="020302"/>
-                  </a:solidFill>
-                </a:uFill>
-                <a:latin typeface="Adobe Clean"/>
-                <a:cs typeface="Adobe Clean"/>
-              </a:rPr>
-              <a:t>v</a:t>
-            </a:r>
-            <a:r>
-              <a:rPr sz="1400" b="1" u="heavy" spc="-20" dirty="0">
-                <a:solidFill>
-                  <a:srgbClr val="020302"/>
-                </a:solidFill>
-                <a:uFill>
-                  <a:solidFill>
-                    <a:srgbClr val="020302"/>
-                  </a:solidFill>
-                </a:uFill>
-                <a:latin typeface="Adobe Clean"/>
-                <a:cs typeface="Adobe Clean"/>
-              </a:rPr>
-              <a:t>e</a:t>
-            </a:r>
-            <a:r>
-              <a:rPr sz="1400" b="1" u="heavy" dirty="0">
-                <a:solidFill>
-                  <a:srgbClr val="020302"/>
-                </a:solidFill>
-                <a:uFill>
-                  <a:solidFill>
-                    <a:srgbClr val="020302"/>
-                  </a:solidFill>
-                </a:uFill>
-                <a:latin typeface="Adobe Clean"/>
-                <a:cs typeface="Adobe Clean"/>
-              </a:rPr>
-              <a:t>l</a:t>
-            </a:r>
-            <a:r>
-              <a:rPr sz="1400" b="1" u="heavy" spc="-10" dirty="0">
-                <a:solidFill>
-                  <a:srgbClr val="020302"/>
-                </a:solidFill>
-                <a:uFill>
-                  <a:solidFill>
-                    <a:srgbClr val="020302"/>
-                  </a:solidFill>
-                </a:uFill>
-                <a:latin typeface="Adobe Clean"/>
-                <a:cs typeface="Adobe Clean"/>
-              </a:rPr>
-              <a:t> </a:t>
-            </a:r>
-            <a:r>
-              <a:rPr sz="1400" b="1" u="heavy" spc="-65" dirty="0">
-                <a:solidFill>
-                  <a:srgbClr val="020302"/>
-                </a:solidFill>
-                <a:uFill>
-                  <a:solidFill>
-                    <a:srgbClr val="020302"/>
-                  </a:solidFill>
-                </a:uFill>
-                <a:latin typeface="Adobe Clean"/>
-                <a:cs typeface="Adobe Clean"/>
-              </a:rPr>
-              <a:t>T</a:t>
-            </a:r>
-            <a:r>
-              <a:rPr sz="1400" b="1" u="heavy" spc="-35" dirty="0">
-                <a:solidFill>
-                  <a:srgbClr val="020302"/>
-                </a:solidFill>
-                <a:uFill>
-                  <a:solidFill>
-                    <a:srgbClr val="020302"/>
-                  </a:solidFill>
-                </a:uFill>
-                <a:latin typeface="Adobe Clean"/>
-                <a:cs typeface="Adobe Clean"/>
-              </a:rPr>
-              <a:t>a</a:t>
-            </a:r>
-            <a:r>
-              <a:rPr sz="1400" b="1" u="heavy" spc="-45" dirty="0">
-                <a:solidFill>
-                  <a:srgbClr val="020302"/>
-                </a:solidFill>
-                <a:uFill>
-                  <a:solidFill>
-                    <a:srgbClr val="020302"/>
-                  </a:solidFill>
-                </a:uFill>
-                <a:latin typeface="Adobe Clean"/>
-                <a:cs typeface="Adobe Clean"/>
-              </a:rPr>
-              <a:t>r</a:t>
-            </a:r>
-            <a:r>
-              <a:rPr sz="1400" b="1" u="heavy" spc="-35" dirty="0">
-                <a:solidFill>
-                  <a:srgbClr val="020302"/>
-                </a:solidFill>
-                <a:uFill>
-                  <a:solidFill>
-                    <a:srgbClr val="020302"/>
-                  </a:solidFill>
-                </a:uFill>
-                <a:latin typeface="Adobe Clean"/>
-                <a:cs typeface="Adobe Clean"/>
-              </a:rPr>
-              <a:t>g</a:t>
-            </a:r>
-            <a:r>
-              <a:rPr sz="1400" b="1" u="heavy" spc="-55" dirty="0">
-                <a:solidFill>
-                  <a:srgbClr val="020302"/>
-                </a:solidFill>
-                <a:uFill>
-                  <a:solidFill>
-                    <a:srgbClr val="020302"/>
-                  </a:solidFill>
-                </a:uFill>
-                <a:latin typeface="Adobe Clean"/>
-                <a:cs typeface="Adobe Clean"/>
-              </a:rPr>
-              <a:t>et</a:t>
-            </a:r>
-            <a:r>
-              <a:rPr sz="1400" b="1" u="heavy" spc="-45" dirty="0">
-                <a:solidFill>
-                  <a:srgbClr val="020302"/>
-                </a:solidFill>
-                <a:uFill>
-                  <a:solidFill>
-                    <a:srgbClr val="020302"/>
-                  </a:solidFill>
-                </a:uFill>
-                <a:latin typeface="Adobe Clean"/>
-                <a:cs typeface="Adobe Clean"/>
-              </a:rPr>
-              <a:t>s</a:t>
-            </a:r>
-            <a:r>
-              <a:rPr sz="1400" b="1" u="heavy" dirty="0">
-                <a:solidFill>
-                  <a:srgbClr val="020302"/>
-                </a:solidFill>
-                <a:uFill>
-                  <a:solidFill>
-                    <a:srgbClr val="020302"/>
-                  </a:solidFill>
-                </a:uFill>
-                <a:latin typeface="Adobe Clean"/>
-                <a:cs typeface="Adobe Clean"/>
-              </a:rPr>
-              <a:t>:</a:t>
-            </a:r>
-            <a:r>
-              <a:rPr sz="1400" b="1" u="heavy" spc="-80" dirty="0">
-                <a:solidFill>
-                  <a:srgbClr val="020302"/>
-                </a:solidFill>
-                <a:uFill>
-                  <a:solidFill>
-                    <a:srgbClr val="020302"/>
-                  </a:solidFill>
-                </a:uFill>
-                <a:latin typeface="Adobe Clean"/>
-                <a:cs typeface="Adobe Clean"/>
-              </a:rPr>
-              <a:t> </a:t>
-            </a:r>
-            <a:r>
-              <a:rPr sz="1400" b="1" u="heavy" spc="-20" dirty="0">
-                <a:solidFill>
-                  <a:srgbClr val="020302"/>
-                </a:solidFill>
-                <a:uFill>
-                  <a:solidFill>
-                    <a:srgbClr val="020302"/>
-                  </a:solidFill>
-                </a:uFill>
-                <a:latin typeface="Adobe Clean"/>
-                <a:cs typeface="Adobe Clean"/>
-              </a:rPr>
-              <a:t>I</a:t>
-            </a:r>
-            <a:r>
-              <a:rPr sz="1400" b="1" u="heavy" spc="-10" dirty="0">
-                <a:solidFill>
-                  <a:srgbClr val="020302"/>
-                </a:solidFill>
-                <a:uFill>
-                  <a:solidFill>
-                    <a:srgbClr val="020302"/>
-                  </a:solidFill>
-                </a:uFill>
-                <a:latin typeface="Adobe Clean"/>
-                <a:cs typeface="Adobe Clean"/>
-              </a:rPr>
-              <a:t>ni</a:t>
-            </a:r>
-            <a:r>
-              <a:rPr sz="1400" b="1" u="heavy" spc="-20" dirty="0">
-                <a:solidFill>
-                  <a:srgbClr val="020302"/>
-                </a:solidFill>
-                <a:uFill>
-                  <a:solidFill>
-                    <a:srgbClr val="020302"/>
-                  </a:solidFill>
-                </a:uFill>
-                <a:latin typeface="Adobe Clean"/>
-                <a:cs typeface="Adobe Clean"/>
-              </a:rPr>
-              <a:t>t</a:t>
-            </a:r>
-            <a:r>
-              <a:rPr sz="1400" b="1" u="heavy" spc="-10" dirty="0">
-                <a:solidFill>
-                  <a:srgbClr val="020302"/>
-                </a:solidFill>
-                <a:uFill>
-                  <a:solidFill>
-                    <a:srgbClr val="020302"/>
-                  </a:solidFill>
-                </a:uFill>
-                <a:latin typeface="Adobe Clean"/>
-                <a:cs typeface="Adobe Clean"/>
-              </a:rPr>
-              <a:t>i</a:t>
-            </a:r>
-            <a:r>
-              <a:rPr sz="1400" b="1" u="heavy" dirty="0">
-                <a:solidFill>
-                  <a:srgbClr val="020302"/>
-                </a:solidFill>
-                <a:uFill>
-                  <a:solidFill>
-                    <a:srgbClr val="020302"/>
-                  </a:solidFill>
-                </a:uFill>
-                <a:latin typeface="Adobe Clean"/>
-                <a:cs typeface="Adobe Clean"/>
-              </a:rPr>
-              <a:t>al</a:t>
-            </a:r>
-            <a:r>
-              <a:rPr sz="1400" b="1" u="heavy" spc="-140" dirty="0">
-                <a:solidFill>
-                  <a:srgbClr val="020302"/>
-                </a:solidFill>
-                <a:uFill>
-                  <a:solidFill>
-                    <a:srgbClr val="020302"/>
-                  </a:solidFill>
-                </a:uFill>
-                <a:latin typeface="Adobe Clean"/>
-                <a:cs typeface="Adobe Clean"/>
-              </a:rPr>
-              <a:t> </a:t>
-            </a:r>
-            <a:r>
-              <a:rPr sz="1400" b="1" u="heavy" spc="-15" dirty="0">
-                <a:solidFill>
-                  <a:srgbClr val="020302"/>
-                </a:solidFill>
-                <a:uFill>
-                  <a:solidFill>
-                    <a:srgbClr val="020302"/>
-                  </a:solidFill>
-                </a:uFill>
-                <a:latin typeface="Adobe Clean"/>
-                <a:cs typeface="Adobe Clean"/>
-              </a:rPr>
-              <a:t>R</a:t>
-            </a:r>
-            <a:r>
-              <a:rPr sz="1400" b="1" u="heavy" spc="-25" dirty="0">
-                <a:solidFill>
-                  <a:srgbClr val="020302"/>
-                </a:solidFill>
-                <a:uFill>
-                  <a:solidFill>
-                    <a:srgbClr val="020302"/>
-                  </a:solidFill>
-                </a:uFill>
-                <a:latin typeface="Adobe Clean"/>
-                <a:cs typeface="Adobe Clean"/>
-              </a:rPr>
-              <a:t>e</a:t>
-            </a:r>
-            <a:r>
-              <a:rPr sz="1400" b="1" u="heavy" spc="-15" dirty="0">
-                <a:solidFill>
-                  <a:srgbClr val="020302"/>
-                </a:solidFill>
-                <a:uFill>
-                  <a:solidFill>
-                    <a:srgbClr val="020302"/>
-                  </a:solidFill>
-                </a:uFill>
-                <a:latin typeface="Adobe Clean"/>
-                <a:cs typeface="Adobe Clean"/>
-              </a:rPr>
-              <a:t>s</a:t>
-            </a:r>
-            <a:r>
-              <a:rPr sz="1400" b="1" u="heavy" spc="-25" dirty="0">
-                <a:solidFill>
-                  <a:srgbClr val="020302"/>
-                </a:solidFill>
-                <a:uFill>
-                  <a:solidFill>
-                    <a:srgbClr val="020302"/>
-                  </a:solidFill>
-                </a:uFill>
-                <a:latin typeface="Adobe Clean"/>
-                <a:cs typeface="Adobe Clean"/>
-              </a:rPr>
-              <a:t>p</a:t>
-            </a:r>
-            <a:r>
-              <a:rPr sz="1400" b="1" u="heavy" spc="-15" dirty="0">
-                <a:solidFill>
-                  <a:srgbClr val="020302"/>
-                </a:solidFill>
-                <a:uFill>
-                  <a:solidFill>
-                    <a:srgbClr val="020302"/>
-                  </a:solidFill>
-                </a:uFill>
-                <a:latin typeface="Adobe Clean"/>
-                <a:cs typeface="Adobe Clean"/>
-              </a:rPr>
-              <a:t>ons</a:t>
-            </a:r>
-            <a:r>
-              <a:rPr sz="1400" b="1" u="heavy" dirty="0">
-                <a:solidFill>
-                  <a:srgbClr val="020302"/>
-                </a:solidFill>
-                <a:uFill>
-                  <a:solidFill>
-                    <a:srgbClr val="020302"/>
-                  </a:solidFill>
-                </a:uFill>
-                <a:latin typeface="Adobe Clean"/>
-                <a:cs typeface="Adobe Clean"/>
-              </a:rPr>
-              <a:t>e</a:t>
-            </a:r>
-            <a:endParaRPr sz="1400" dirty="0">
-              <a:latin typeface="Adobe Clean"/>
-              <a:cs typeface="Adobe Clean"/>
-            </a:endParaRPr>
+              <a:t>Destinatarios de nivel de servicio: Respuesta inicial</a:t>
+            </a:r>
           </a:p>
         </p:txBody>
       </p:sp>
@@ -2965,14 +2514,14 @@
           <p:nvPr>
             <p:extLst>
               <p:ext uri="{D42A27DB-BD31-4B8C-83A1-F6EECF244321}">
-                <p14:modId xmlns:p14="http://schemas.microsoft.com/office/powerpoint/2010/main" val="101721845"/>
+                <p14:modId xmlns:p14="http://schemas.microsoft.com/office/powerpoint/2010/main" val="3604647190"/>
               </p:ext>
             </p:extLst>
           </p:nvPr>
         </p:nvGraphicFramePr>
         <p:xfrm>
           <a:off x="145668" y="7473158"/>
-          <a:ext cx="7409815" cy="2259721"/>
+          <a:ext cx="7409815" cy="2386721"/>
         </p:xfrm>
         <a:graphic>
           <a:graphicData uri="http://schemas.openxmlformats.org/drawingml/2006/table">
@@ -3018,19 +2567,15 @@
                         </a:spcBef>
                       </a:pPr>
                       <a:r>
-                        <a:rPr sz="900" spc="0" dirty="0">
+                        <a:rPr lang="es-ES" sz="900">
                           <a:solidFill>
                             <a:srgbClr val="020302"/>
                           </a:solidFill>
                           <a:latin typeface="Adobe Clean"/>
                           <a:cs typeface="Adobe Clean"/>
                         </a:rPr>
-                        <a:t>Priority</a:t>
+                        <a:t>Prioridad</a:t>
                       </a:r>
-                      <a:endParaRPr sz="900" spc="0" dirty="0">
-                        <a:latin typeface="Adobe Clean"/>
-                        <a:cs typeface="Adobe Clean"/>
-                      </a:endParaRPr>
                     </a:p>
                   </a:txBody>
                   <a:tcPr marL="0" marR="0" marT="5715" marB="0" anchor="ctr">
@@ -3077,39 +2622,15 @@
                         </a:spcBef>
                       </a:pPr>
                       <a:r>
-                        <a:rPr sz="900" spc="0" dirty="0">
+                        <a:rPr lang="es-ES" sz="900">
                           <a:solidFill>
                             <a:srgbClr val="020302"/>
                           </a:solidFill>
                           <a:latin typeface="Adobe Clean"/>
                           <a:cs typeface="Adobe Clean"/>
                         </a:rPr>
-                        <a:t>Online</a:t>
+                        <a:t>Soporte Online</a:t>
                       </a:r>
-                      <a:r>
-                        <a:rPr lang="en-US" sz="900" spc="0" dirty="0">
-                          <a:solidFill>
-                            <a:srgbClr val="020302"/>
-                          </a:solidFill>
-                          <a:latin typeface="Adobe Clean"/>
-                          <a:cs typeface="Adobe Clean"/>
-                        </a:rPr>
-                        <a:t> </a:t>
-                      </a:r>
-                      <a:r>
-                        <a:rPr sz="900" spc="0" dirty="0">
-                          <a:solidFill>
-                            <a:srgbClr val="020302"/>
-                          </a:solidFill>
-                          <a:latin typeface="Adobe Clean"/>
-                          <a:cs typeface="Adobe Clean"/>
-                        </a:rPr>
-                        <a:t> Support</a:t>
-                      </a:r>
-                      <a:endParaRPr sz="900" spc="0" dirty="0">
-                        <a:latin typeface="Adobe Clean"/>
-                        <a:cs typeface="Adobe Clean"/>
-                      </a:endParaRPr>
                     </a:p>
                   </a:txBody>
                   <a:tcPr marL="0" marR="0" marT="5715" marB="0" anchor="ctr">
@@ -3159,39 +2680,15 @@
                         </a:spcBef>
                       </a:pPr>
                       <a:r>
-                        <a:rPr sz="900" spc="0" dirty="0">
+                        <a:rPr lang="es-ES" sz="900">
                           <a:solidFill>
                             <a:srgbClr val="FFFFFF"/>
                           </a:solidFill>
                           <a:latin typeface="Adobe Clean"/>
                           <a:cs typeface="Adobe Clean"/>
                         </a:rPr>
-                        <a:t>Elite </a:t>
+                        <a:t>Soporte Elite</a:t>
                       </a:r>
-                      <a:r>
-                        <a:rPr lang="en-US" sz="900" spc="0" dirty="0">
-                          <a:solidFill>
-                            <a:srgbClr val="FFFFFF"/>
-                          </a:solidFill>
-                          <a:latin typeface="Adobe Clean"/>
-                          <a:cs typeface="Adobe Clean"/>
-                        </a:rPr>
-                        <a:t> </a:t>
-                      </a:r>
-                      <a:r>
-                        <a:rPr sz="900" spc="0" dirty="0">
-                          <a:solidFill>
-                            <a:srgbClr val="FFFFFF"/>
-                          </a:solidFill>
-                          <a:latin typeface="Adobe Clean"/>
-                          <a:cs typeface="Adobe Clean"/>
-                        </a:rPr>
-                        <a:t>Support</a:t>
-                      </a:r>
-                      <a:endParaRPr sz="900" spc="0" dirty="0">
-                        <a:latin typeface="Adobe Clean"/>
-                        <a:cs typeface="Adobe Clean"/>
-                      </a:endParaRPr>
                     </a:p>
                   </a:txBody>
                   <a:tcPr marL="0" marR="0" marT="8255" marB="0" anchor="ctr">
@@ -3248,19 +2745,15 @@
                         </a:spcBef>
                       </a:pPr>
                       <a:r>
-                        <a:rPr sz="900" b="1" spc="0" dirty="0">
+                        <a:rPr lang="es-ES" sz="900" b="1" dirty="0">
                           <a:solidFill>
                             <a:srgbClr val="020302"/>
                           </a:solidFill>
                           <a:latin typeface="Adobe Clean"/>
                           <a:cs typeface="Adobe Clean"/>
                         </a:rPr>
-                        <a:t>PRIORITY 1</a:t>
+                        <a:t>PRIORIDAD 1</a:t>
                       </a:r>
-                      <a:endParaRPr sz="900" spc="0" dirty="0">
-                        <a:latin typeface="Adobe Clean"/>
-                        <a:cs typeface="Adobe Clean"/>
-                      </a:endParaRPr>
                     </a:p>
                     <a:p>
                       <a:pPr marL="50165" marR="495934" algn="l">
@@ -3272,19 +2765,31 @@
                         </a:spcBef>
                       </a:pPr>
                       <a:r>
-                        <a:rPr lang="en-US" sz="900" b="0" i="0" u="none" strike="noStrike" spc="0" dirty="0">
+                        <a:rPr lang="es-ES" sz="900" b="0" i="0" u="none" strike="noStrike" dirty="0">
                           <a:solidFill>
                             <a:srgbClr val="000000"/>
                           </a:solidFill>
-                          <a:effectLst/>
                           <a:latin typeface="Adobe Clean Light" panose="020B0303020404020204" pitchFamily="34" charset="0"/>
                         </a:rPr>
-                        <a:t>Customer's production business functions are down or have significant data loss or service degradation and immediate attention is required to restore functionality and usability</a:t>
+                        <a:t>Las funciones empresariales de producción del cliente no están activadas o pierden datos </a:t>
                       </a:r>
-                      <a:endParaRPr sz="900" spc="0" dirty="0">
-                        <a:latin typeface="AdobeClean-Light"/>
-                        <a:cs typeface="AdobeClean-Light"/>
-                      </a:endParaRPr>
+                      <a:br>
+                        <a:rPr lang="sk-SK" sz="900" b="0" i="0" u="none" strike="noStrike" dirty="0">
+                          <a:solidFill>
+                            <a:srgbClr val="000000"/>
+                          </a:solidFill>
+                          <a:latin typeface="Adobe Clean Light" panose="020B0303020404020204" pitchFamily="34" charset="0"/>
+                        </a:rPr>
+                      </a:br>
+                      <a:r>
+                        <a:rPr lang="es-ES" sz="900" b="0" i="0" u="none" strike="noStrike" dirty="0">
+                          <a:solidFill>
+                            <a:srgbClr val="000000"/>
+                          </a:solidFill>
+                          <a:latin typeface="Adobe Clean Light" panose="020B0303020404020204" pitchFamily="34" charset="0"/>
+                        </a:rPr>
+                        <a:t>o presentan una degradación del servicio significativa, por lo que se requiere atención inmediata para restaurar la funcionalidad y facilidad de uso.</a:t>
+                      </a:r>
                     </a:p>
                   </a:txBody>
                   <a:tcPr marL="0" marR="0" marT="0" marB="0" anchor="ctr">
@@ -3322,85 +2827,40 @@
                     <a:bodyPr/>
                     <a:lstStyle/>
                     <a:p>
-                      <a:pPr marL="542925" marR="492125" algn="l">
+                      <a:pPr marL="542925" marR="492125" algn="ctr">
                         <a:lnSpc>
                           <a:spcPct val="102200"/>
                         </a:lnSpc>
                       </a:pPr>
                       <a:r>
-                        <a:rPr sz="900" spc="0" dirty="0">
+                        <a:rPr lang="es-ES" sz="900" dirty="0">
                           <a:solidFill>
                             <a:srgbClr val="020302"/>
                           </a:solidFill>
                           <a:latin typeface="AdobeClean-Light"/>
                           <a:cs typeface="AdobeClean-Light"/>
                         </a:rPr>
-                        <a:t>24x7</a:t>
+                        <a:t>24x7 /</a:t>
                       </a:r>
-                      <a:r>
-                        <a:rPr lang="en-US" sz="900" spc="0" dirty="0">
+                      <a:br>
+                        <a:rPr lang="sk-SK" sz="900" dirty="0">
                           <a:solidFill>
                             <a:srgbClr val="020302"/>
                           </a:solidFill>
                           <a:latin typeface="AdobeClean-Light"/>
                           <a:cs typeface="AdobeClean-Light"/>
                         </a:rPr>
-                        <a:t> </a:t>
-                      </a:r>
+                      </a:br>
                       <a:r>
-                        <a:rPr sz="900" spc="0" dirty="0">
+                        <a:rPr lang="es-ES" sz="900" dirty="0">
                           <a:solidFill>
                             <a:srgbClr val="020302"/>
                           </a:solidFill>
                           <a:latin typeface="AdobeClean-Light"/>
                           <a:cs typeface="AdobeClean-Light"/>
                         </a:rPr>
-                        <a:t>/</a:t>
+                        <a:t>1 hora</a:t>
                       </a:r>
-                      <a:r>
-                        <a:rPr lang="en-US" sz="900" spc="0" dirty="0">
-                          <a:solidFill>
-                            <a:srgbClr val="020302"/>
-                          </a:solidFill>
-                          <a:latin typeface="AdobeClean-Light"/>
-                          <a:cs typeface="AdobeClean-Light"/>
-                        </a:rPr>
-                        <a:t>         </a:t>
-                      </a:r>
-                      <a:r>
-                        <a:rPr sz="900" spc="0" dirty="0">
-                          <a:solidFill>
-                            <a:srgbClr val="020302"/>
-                          </a:solidFill>
-                          <a:latin typeface="AdobeClean-Light"/>
-                          <a:cs typeface="AdobeClean-Light"/>
-                        </a:rPr>
-                        <a:t>  1</a:t>
-                      </a:r>
-                      <a:r>
-                        <a:rPr lang="en-US" sz="900" spc="0" dirty="0">
-                          <a:solidFill>
-                            <a:srgbClr val="020302"/>
-                          </a:solidFill>
-                          <a:latin typeface="AdobeClean-Light"/>
-                          <a:cs typeface="AdobeClean-Light"/>
-                        </a:rPr>
-                        <a:t> </a:t>
-                      </a:r>
-                      <a:r>
-                        <a:rPr sz="900" spc="0" dirty="0">
-                          <a:solidFill>
-                            <a:srgbClr val="020302"/>
-                          </a:solidFill>
-                          <a:latin typeface="AdobeClean-Light"/>
-                          <a:cs typeface="AdobeClean-Light"/>
-                        </a:rPr>
-                        <a:t>hour</a:t>
-                      </a:r>
-                      <a:endParaRPr sz="900" spc="0" dirty="0">
-                        <a:latin typeface="AdobeClean-Light"/>
-                        <a:cs typeface="AdobeClean-Light"/>
-                      </a:endParaRPr>
                     </a:p>
                   </a:txBody>
                   <a:tcPr marL="0" marR="0" marT="0" marB="0" anchor="ctr">
@@ -3438,75 +2898,21 @@
                     <a:bodyPr/>
                     <a:lstStyle/>
                     <a:p>
-                      <a:pPr marL="405130" marR="459740" indent="92710" algn="l">
+                      <a:pPr marL="405130" marR="459740" indent="92710" algn="ctr">
                         <a:lnSpc>
                           <a:spcPct val="100000"/>
                         </a:lnSpc>
                       </a:pPr>
                       <a:r>
-                        <a:rPr lang="en-US" sz="900" spc="0" dirty="0">
+                        <a:rPr lang="es-ES" sz="900">
                           <a:solidFill>
                             <a:srgbClr val="020302"/>
                           </a:solidFill>
                           <a:latin typeface="AdobeClean-Light"/>
                           <a:cs typeface="AdobeClean-Light"/>
                         </a:rPr>
-                        <a:t>2</a:t>
+                        <a:t>24x7 /   15 minutos</a:t>
                       </a:r>
-                      <a:r>
-                        <a:rPr sz="900" spc="0" dirty="0">
-                          <a:solidFill>
-                            <a:srgbClr val="020302"/>
-                          </a:solidFill>
-                          <a:latin typeface="AdobeClean-Light"/>
-                          <a:cs typeface="AdobeClean-Light"/>
-                        </a:rPr>
-                        <a:t>4x7 / </a:t>
-                      </a:r>
-                      <a:r>
-                        <a:rPr lang="en-US" sz="900" spc="0" dirty="0">
-                          <a:solidFill>
-                            <a:srgbClr val="020302"/>
-                          </a:solidFill>
-                          <a:latin typeface="AdobeClean-Light"/>
-                          <a:cs typeface="AdobeClean-Light"/>
-                        </a:rPr>
-                        <a:t> </a:t>
-                      </a:r>
-                      <a:r>
-                        <a:rPr sz="900" spc="0" dirty="0">
-                          <a:solidFill>
-                            <a:srgbClr val="020302"/>
-                          </a:solidFill>
-                          <a:latin typeface="AdobeClean-Light"/>
-                          <a:cs typeface="AdobeClean-Light"/>
-                        </a:rPr>
-                        <a:t> 15</a:t>
-                      </a:r>
-                      <a:r>
-                        <a:rPr lang="en-US" sz="900" spc="0" dirty="0">
-                          <a:solidFill>
-                            <a:srgbClr val="020302"/>
-                          </a:solidFill>
-                          <a:latin typeface="AdobeClean-Light"/>
-                          <a:cs typeface="AdobeClean-Light"/>
-                        </a:rPr>
-                        <a:t> </a:t>
-                      </a:r>
-                      <a:r>
-                        <a:rPr sz="900" spc="0" dirty="0">
-                          <a:solidFill>
-                            <a:srgbClr val="020302"/>
-                          </a:solidFill>
-                          <a:latin typeface="AdobeClean-Light"/>
-                          <a:cs typeface="AdobeClean-Light"/>
-                        </a:rPr>
-                        <a:t>minutes</a:t>
-                      </a:r>
-                      <a:endParaRPr sz="900" spc="0" dirty="0">
-                        <a:latin typeface="AdobeClean-Light"/>
-                        <a:cs typeface="AdobeClean-Light"/>
-                      </a:endParaRPr>
                     </a:p>
                   </a:txBody>
                   <a:tcPr marL="0" marR="0" marT="2540" marB="0" anchor="ctr">
@@ -3568,19 +2974,15 @@
                         </a:spcBef>
                       </a:pPr>
                       <a:r>
-                        <a:rPr sz="900" b="1" spc="0" dirty="0">
+                        <a:rPr lang="es-ES" sz="900" b="1" dirty="0">
                           <a:solidFill>
                             <a:srgbClr val="020302"/>
                           </a:solidFill>
                           <a:latin typeface="Adobe Clean"/>
                           <a:cs typeface="Adobe Clean"/>
                         </a:rPr>
-                        <a:t>PRIORITY 2</a:t>
+                        <a:t>PRIORIDAD 2</a:t>
                       </a:r>
-                      <a:endParaRPr sz="900" spc="0" dirty="0">
-                        <a:latin typeface="Adobe Clean"/>
-                        <a:cs typeface="Adobe Clean"/>
-                      </a:endParaRPr>
                     </a:p>
                     <a:p>
                       <a:pPr marL="49530" marR="719455" algn="l">
@@ -3592,19 +2994,14 @@
                         </a:spcBef>
                       </a:pPr>
                       <a:r>
-                        <a:rPr lang="en-US" sz="900" b="0" i="0" u="none" strike="noStrike" spc="0" dirty="0">
+                        <a:rPr lang="es-ES" sz="900" b="0" i="0" u="none" strike="noStrike" dirty="0">
                           <a:solidFill>
                             <a:srgbClr val="000000"/>
                           </a:solidFill>
-                          <a:effectLst/>
                           <a:latin typeface="Adobe Clean Light" panose="020B0303020404020204" pitchFamily="34" charset="0"/>
                         </a:rPr>
-                        <a:t>Customer's business functions have major service degradation or potential data loss, or a major feature is impacted</a:t>
+                        <a:t>Las funciones empresariales del cliente presentan una importante degradación del servicio o hay una posible pérdida de datos, o una función clave se está viendo afectada.</a:t>
                       </a:r>
-                      <a:endParaRPr sz="900" spc="0" dirty="0">
-                        <a:latin typeface="AdobeClean-Light"/>
-                        <a:cs typeface="AdobeClean-Light"/>
-                      </a:endParaRPr>
                     </a:p>
                   </a:txBody>
                   <a:tcPr marL="0" marR="0" marT="0" marB="0" anchor="ctr">
@@ -3642,23 +3039,23 @@
                     <a:bodyPr/>
                     <a:lstStyle/>
                     <a:p>
-                      <a:pPr marL="473709" marR="343535" indent="-175895" algn="l">
+                      <a:pPr marL="174625" marR="343535" indent="-60325" algn="ctr">
                         <a:lnSpc>
                           <a:spcPct val="102200"/>
                         </a:lnSpc>
                       </a:pPr>
                       <a:r>
-                        <a:rPr sz="900" spc="0" dirty="0">
+                        <a:rPr lang="es-ES" sz="900" dirty="0">
                           <a:solidFill>
                             <a:srgbClr val="020302"/>
                           </a:solidFill>
                           <a:latin typeface="AdobeClean-Light"/>
                           <a:cs typeface="AdobeClean-Light"/>
                         </a:rPr>
-                        <a:t>Business hours</a:t>
+                        <a:t>Horario de trabajo</a:t>
                       </a:r>
                       <a:r>
-                        <a:rPr lang="en-US" sz="900" spc="0" dirty="0">
+                        <a:rPr lang="sk-SK" sz="900" dirty="0">
                           <a:solidFill>
                             <a:srgbClr val="020302"/>
                           </a:solidFill>
@@ -3668,39 +3065,34 @@
                         <a:t> </a:t>
                       </a:r>
                       <a:r>
-                        <a:rPr sz="900" spc="0" dirty="0">
+                        <a:rPr lang="es-ES" sz="900" dirty="0">
                           <a:solidFill>
                             <a:srgbClr val="020302"/>
                           </a:solidFill>
                           <a:latin typeface="AdobeClean-Light"/>
                           <a:cs typeface="AdobeClean-Light"/>
                         </a:rPr>
-                        <a:t>/  </a:t>
+                        <a:t>/ </a:t>
                       </a:r>
-                      <a:r>
-                        <a:rPr lang="en-US" sz="900" spc="0" dirty="0">
+                      <a:br>
+                        <a:rPr lang="sk-SK" sz="900" dirty="0">
                           <a:solidFill>
                             <a:srgbClr val="020302"/>
                           </a:solidFill>
                           <a:latin typeface="AdobeClean-Light"/>
                           <a:cs typeface="AdobeClean-Light"/>
                         </a:rPr>
-                        <a:t>     </a:t>
-                      </a:r>
+                      </a:br>
                       <a:r>
-                        <a:rPr sz="900" spc="0" dirty="0">
+                        <a:rPr lang="es-ES" sz="900" dirty="0">
                           <a:solidFill>
                             <a:srgbClr val="020302"/>
                           </a:solidFill>
                           <a:latin typeface="AdobeClean-Light"/>
                           <a:cs typeface="AdobeClean-Light"/>
                         </a:rPr>
-                        <a:t>4 hours</a:t>
+                        <a:t>4 horas</a:t>
                       </a:r>
-                      <a:endParaRPr sz="900" spc="0" dirty="0">
-                        <a:latin typeface="AdobeClean-Light"/>
-                        <a:cs typeface="AdobeClean-Light"/>
-                      </a:endParaRPr>
                     </a:p>
                   </a:txBody>
                   <a:tcPr marL="0" marR="0" marT="0" marB="0" anchor="ctr">
@@ -3735,45 +3127,21 @@
                     <a:bodyPr/>
                     <a:lstStyle/>
                     <a:p>
-                      <a:pPr marL="351790" marR="481330" indent="144145" algn="l">
+                      <a:pPr marL="351790" marR="481330" indent="144145" algn="ctr">
                         <a:lnSpc>
                           <a:spcPct val="102299"/>
                         </a:lnSpc>
                       </a:pPr>
                       <a:r>
-                        <a:rPr sz="900" spc="0" dirty="0">
+                        <a:rPr lang="es-ES" sz="900">
                           <a:solidFill>
                             <a:srgbClr val="020302"/>
                           </a:solidFill>
                           <a:latin typeface="AdobeClean-Light"/>
                           <a:cs typeface="AdobeClean-Light"/>
                         </a:rPr>
-                        <a:t>24x5 /  30</a:t>
+                        <a:t>24x5 /  30 minutos</a:t>
                       </a:r>
-                      <a:r>
-                        <a:rPr lang="en-US" sz="900" spc="0" dirty="0">
-                          <a:solidFill>
-                            <a:srgbClr val="020302"/>
-                          </a:solidFill>
-                          <a:latin typeface="AdobeClean-Light"/>
-                          <a:cs typeface="AdobeClean-Light"/>
-                        </a:rPr>
-                        <a:t> m</a:t>
-                      </a:r>
-                      <a:r>
-                        <a:rPr sz="900" spc="0" dirty="0">
-                          <a:solidFill>
-                            <a:srgbClr val="020302"/>
-                          </a:solidFill>
-                          <a:latin typeface="AdobeClean-Light"/>
-                          <a:cs typeface="AdobeClean-Light"/>
-                        </a:rPr>
-                        <a:t>inutes</a:t>
-                      </a:r>
-                      <a:endParaRPr sz="900" spc="0" dirty="0">
-                        <a:latin typeface="AdobeClean-Light"/>
-                        <a:cs typeface="AdobeClean-Light"/>
-                      </a:endParaRPr>
                     </a:p>
                   </a:txBody>
                   <a:tcPr marL="0" marR="0" marT="5080" marB="0" anchor="ctr">
@@ -3817,7 +3185,7 @@
                   </a:ext>
                 </a:extLst>
               </a:tr>
-              <a:tr h="380435">
+              <a:tr h="394800">
                 <a:tc>
                   <a:txBody>
                     <a:bodyPr/>
@@ -3832,19 +3200,15 @@
                         </a:spcBef>
                       </a:pPr>
                       <a:r>
-                        <a:rPr sz="900" b="1" spc="0" dirty="0">
+                        <a:rPr lang="es-ES" sz="900" b="1" dirty="0">
                           <a:solidFill>
                             <a:srgbClr val="020302"/>
                           </a:solidFill>
                           <a:latin typeface="Adobe Clean"/>
                           <a:cs typeface="Adobe Clean"/>
                         </a:rPr>
-                        <a:t>PRIORITY 3</a:t>
+                        <a:t>PRIORIDAD 3</a:t>
                       </a:r>
-                      <a:endParaRPr sz="900" spc="0" dirty="0">
-                        <a:latin typeface="Adobe Clean"/>
-                        <a:cs typeface="Adobe Clean"/>
-                      </a:endParaRPr>
                     </a:p>
                     <a:p>
                       <a:pPr marL="48895" marR="387985" indent="-2540" algn="l">
@@ -3856,19 +3220,31 @@
                         </a:spcBef>
                       </a:pPr>
                       <a:r>
-                        <a:rPr lang="en-US" sz="900" b="0" i="0" u="none" strike="noStrike" spc="0" dirty="0">
+                        <a:rPr lang="es-ES" sz="900" b="0" i="0" u="none" strike="noStrike" dirty="0">
                           <a:solidFill>
                             <a:srgbClr val="000000"/>
                           </a:solidFill>
-                          <a:effectLst/>
                           <a:latin typeface="Adobe Clean Light" panose="020B0303020404020204" pitchFamily="34" charset="0"/>
                         </a:rPr>
-                        <a:t>Customer’s business functions has minor to no service degradation but there exists a solution/workaround allowing business functions to continue normally</a:t>
+                        <a:t>Las funciones empresariales del cliente presentan una menor degradación del servicio, </a:t>
                       </a:r>
-                      <a:endParaRPr sz="900" spc="0" dirty="0">
-                        <a:latin typeface="AdobeClean-Light"/>
-                        <a:cs typeface="AdobeClean-Light"/>
-                      </a:endParaRPr>
+                      <a:br>
+                        <a:rPr lang="sk-SK" sz="900" b="0" i="0" u="none" strike="noStrike" dirty="0">
+                          <a:solidFill>
+                            <a:srgbClr val="000000"/>
+                          </a:solidFill>
+                          <a:latin typeface="Adobe Clean Light" panose="020B0303020404020204" pitchFamily="34" charset="0"/>
+                        </a:rPr>
+                      </a:br>
+                      <a:r>
+                        <a:rPr lang="es-ES" sz="900" b="0" i="0" u="none" strike="noStrike" dirty="0">
+                          <a:solidFill>
+                            <a:srgbClr val="000000"/>
+                          </a:solidFill>
+                          <a:latin typeface="Adobe Clean Light" panose="020B0303020404020204" pitchFamily="34" charset="0"/>
+                        </a:rPr>
+                        <a:t>o ninguna degradación en absoluto, pero existe una solución que permite que las funciones empresariales sigan funcionando como de normal.</a:t>
+                      </a:r>
                     </a:p>
                   </a:txBody>
                   <a:tcPr marL="0" marR="0" marT="0" marB="0" anchor="ctr">
@@ -3906,25 +3282,60 @@
                     <a:bodyPr/>
                     <a:lstStyle/>
                     <a:p>
-                      <a:pPr marL="473709" marR="343535" indent="-175895" algn="l">
+                      <a:pPr marL="174625" marR="343535" indent="-60325" algn="ctr">
                         <a:lnSpc>
                           <a:spcPct val="102200"/>
                         </a:lnSpc>
                       </a:pPr>
                       <a:r>
-                        <a:rPr lang="en-US" sz="900" spc="0" dirty="0">
+                        <a:rPr lang="es-ES" sz="900" dirty="0">
                           <a:solidFill>
                             <a:srgbClr val="020302"/>
                           </a:solidFill>
                           <a:latin typeface="AdobeClean-Light"/>
                           <a:cs typeface="AdobeClean-Light"/>
                         </a:rPr>
-                        <a:t>Business hours /       6 hours</a:t>
+                        <a:t>Horario de trabajo</a:t>
                       </a:r>
-                      <a:endParaRPr lang="en-US" sz="900" spc="0" dirty="0">
-                        <a:latin typeface="AdobeClean-Light"/>
-                        <a:cs typeface="AdobeClean-Light"/>
-                      </a:endParaRPr>
+                      <a:r>
+                        <a:rPr lang="sk-SK" sz="900" dirty="0">
+                          <a:solidFill>
+                            <a:srgbClr val="020302"/>
+                          </a:solidFill>
+                          <a:latin typeface="AdobeClean-Light"/>
+                          <a:cs typeface="AdobeClean-Light"/>
+                        </a:rPr>
+                        <a:t> </a:t>
+                      </a:r>
+                      <a:r>
+                        <a:rPr lang="es-ES" sz="900" dirty="0">
+                          <a:solidFill>
+                            <a:srgbClr val="020302"/>
+                          </a:solidFill>
+                          <a:latin typeface="AdobeClean-Light"/>
+                          <a:cs typeface="AdobeClean-Light"/>
+                        </a:rPr>
+                        <a:t>/ </a:t>
+                      </a:r>
+                      <a:br>
+                        <a:rPr lang="sk-SK" sz="900" dirty="0">
+                          <a:solidFill>
+                            <a:srgbClr val="020302"/>
+                          </a:solidFill>
+                          <a:latin typeface="AdobeClean-Light"/>
+                          <a:cs typeface="AdobeClean-Light"/>
+                        </a:rPr>
+                      </a:br>
+                      <a:r>
+                        <a:rPr lang="es-ES" sz="900" dirty="0">
+                          <a:solidFill>
+                            <a:srgbClr val="020302"/>
+                          </a:solidFill>
+                          <a:latin typeface="AdobeClean-Light"/>
+                          <a:cs typeface="AdobeClean-Light"/>
+                        </a:rPr>
+                        <a:t>6 horas</a:t>
+                      </a:r>
                     </a:p>
                   </a:txBody>
                   <a:tcPr marL="0" marR="0" marT="0" marB="0" anchor="ctr">
@@ -3959,13 +3370,13 @@
                     <a:bodyPr/>
                     <a:lstStyle/>
                     <a:p>
-                      <a:pPr marL="508000" marR="531495" indent="1270" algn="l">
+                      <a:pPr marL="508000" marR="531495" indent="1270" algn="ctr">
                         <a:lnSpc>
                           <a:spcPct val="102200"/>
                         </a:lnSpc>
                       </a:pPr>
                       <a:r>
-                        <a:rPr lang="en-US" sz="900" spc="0" dirty="0">
+                        <a:rPr lang="es-ES" sz="900" dirty="0">
                           <a:solidFill>
                             <a:srgbClr val="020302"/>
                           </a:solidFill>
@@ -3976,7 +3387,7 @@
                         <a:t>2</a:t>
                       </a:r>
                       <a:r>
-                        <a:rPr sz="900" spc="0" dirty="0">
+                        <a:rPr lang="es-ES" sz="900" dirty="0">
                           <a:solidFill>
                             <a:srgbClr val="020302"/>
                           </a:solidFill>
@@ -3984,10 +3395,10 @@
                           <a:ea typeface="+mn-ea"/>
                           <a:cs typeface="AdobeClean-Light"/>
                         </a:rPr>
-                        <a:t>4x5/  </a:t>
+                        <a:t>4x5</a:t>
                       </a:r>
                       <a:r>
-                        <a:rPr lang="en-US" sz="900" spc="0" dirty="0">
+                        <a:rPr lang="sk-SK" sz="900" dirty="0">
                           <a:solidFill>
                             <a:srgbClr val="020302"/>
                           </a:solidFill>
@@ -3998,7 +3409,7 @@
                         <a:t> </a:t>
                       </a:r>
                       <a:r>
-                        <a:rPr sz="900" spc="0" dirty="0">
+                        <a:rPr lang="es-ES" sz="900" dirty="0">
                           <a:solidFill>
                             <a:srgbClr val="020302"/>
                           </a:solidFill>
@@ -4006,7 +3417,7 @@
                           <a:ea typeface="+mn-ea"/>
                           <a:cs typeface="AdobeClean-Light"/>
                         </a:rPr>
-                        <a:t>1 hour</a:t>
+                        <a:t>/   1 hora</a:t>
                       </a:r>
                     </a:p>
                   </a:txBody>
@@ -4066,19 +3477,15 @@
                         </a:spcBef>
                       </a:pPr>
                       <a:r>
-                        <a:rPr sz="900" b="1" spc="0" dirty="0">
+                        <a:rPr lang="es-ES" sz="900" b="1" dirty="0">
                           <a:solidFill>
                             <a:srgbClr val="020302"/>
                           </a:solidFill>
                           <a:latin typeface="Adobe Clean"/>
                           <a:cs typeface="Adobe Clean"/>
                         </a:rPr>
-                        <a:t>PRIORITY 4</a:t>
+                        <a:t>PRIORIDAD 4</a:t>
                       </a:r>
-                      <a:endParaRPr sz="900" spc="0" dirty="0">
-                        <a:latin typeface="Adobe Clean"/>
-                        <a:cs typeface="Adobe Clean"/>
-                      </a:endParaRPr>
                     </a:p>
                     <a:p>
                       <a:pPr marL="62230" algn="l">
@@ -4090,19 +3497,14 @@
                         </a:spcBef>
                       </a:pPr>
                       <a:r>
-                        <a:rPr lang="en-US" sz="900" b="0" i="0" u="none" strike="noStrike" spc="0" dirty="0">
+                        <a:rPr lang="es-ES" sz="900" b="0" i="0" u="none" strike="noStrike" dirty="0">
                           <a:solidFill>
                             <a:srgbClr val="000000"/>
                           </a:solidFill>
-                          <a:effectLst/>
                           <a:latin typeface="Adobe Clean Light" panose="020B0303020404020204" pitchFamily="34" charset="0"/>
                         </a:rPr>
-                        <a:t>General question regarding current product functionality or an enhancement request</a:t>
+                        <a:t>Pregunta general sobre la funcionalidad actual del producto o una solicitud de mejora.</a:t>
                       </a:r>
-                      <a:endParaRPr sz="900" spc="0" dirty="0">
-                        <a:latin typeface="AdobeClean-Light"/>
-                        <a:cs typeface="AdobeClean-Light"/>
-                      </a:endParaRPr>
                     </a:p>
                   </a:txBody>
                   <a:tcPr marL="0" marR="0" marT="0" marB="0" anchor="ctr">
@@ -4140,25 +3542,61 @@
                     <a:bodyPr/>
                     <a:lstStyle/>
                     <a:p>
-                      <a:pPr marL="473709" marR="343535" indent="-175895" algn="l">
+                      <a:pPr marL="288925" marR="343535" indent="-60325" algn="ctr">
                         <a:lnSpc>
                           <a:spcPct val="102200"/>
                         </a:lnSpc>
                       </a:pPr>
                       <a:r>
-                        <a:rPr lang="en-US" sz="900" spc="0" dirty="0">
+                        <a:rPr lang="es-ES" sz="900" dirty="0">
                           <a:solidFill>
                             <a:srgbClr val="020302"/>
                           </a:solidFill>
                           <a:latin typeface="AdobeClean-Light"/>
                           <a:cs typeface="AdobeClean-Light"/>
                         </a:rPr>
-                        <a:t>Business days /       3 days</a:t>
+                        <a:t>Días laborables</a:t>
                       </a:r>
-                      <a:endParaRPr lang="en-US" sz="900" spc="0" dirty="0">
-                        <a:latin typeface="AdobeClean-Light"/>
-                        <a:cs typeface="AdobeClean-Light"/>
-                      </a:endParaRPr>
+                      <a:r>
+                        <a:rPr lang="sk-SK" sz="900" dirty="0">
+                          <a:solidFill>
+                            <a:srgbClr val="020302"/>
+                          </a:solidFill>
+                          <a:latin typeface="AdobeClean-Light"/>
+                          <a:cs typeface="AdobeClean-Light"/>
+                        </a:rPr>
+                        <a:t> </a:t>
+                      </a:r>
+                      <a:r>
+                        <a:rPr lang="es-ES" sz="900" dirty="0">
+                          <a:solidFill>
+                            <a:srgbClr val="020302"/>
+                          </a:solidFill>
+                          <a:latin typeface="AdobeClean-Light"/>
+                          <a:cs typeface="AdobeClean-Light"/>
+                        </a:rPr>
+                        <a:t>/</a:t>
+                      </a:r>
+                      <a:r>
+                        <a:rPr lang="sk-SK" sz="900" dirty="0">
+                          <a:solidFill>
+                            <a:srgbClr val="020302"/>
+                          </a:solidFill>
+                          <a:latin typeface="AdobeClean-Light"/>
+                          <a:cs typeface="AdobeClean-Light"/>
+                        </a:rPr>
+                        <a:t> </a:t>
+                      </a:r>
+                      <a:r>
+                        <a:rPr lang="es-ES" sz="900" dirty="0">
+                          <a:solidFill>
+                            <a:srgbClr val="020302"/>
+                          </a:solidFill>
+                          <a:latin typeface="AdobeClean-Light"/>
+                          <a:cs typeface="AdobeClean-Light"/>
+                        </a:rPr>
+                        <a:t>3 días</a:t>
+                      </a:r>
                     </a:p>
                   </a:txBody>
                   <a:tcPr marL="0" marR="0" marT="0" marB="0" anchor="ctr">
@@ -4193,25 +3631,21 @@
                     <a:bodyPr/>
                     <a:lstStyle/>
                     <a:p>
-                      <a:pPr marL="473709" marR="343535" indent="-175895" algn="l">
+                      <a:pPr marL="473709" marR="343535" indent="-175895" algn="ctr">
                         <a:lnSpc>
                           <a:spcPct val="102200"/>
                         </a:lnSpc>
                       </a:pPr>
                       <a:r>
-                        <a:rPr lang="en-US" sz="900" spc="0" dirty="0">
+                        <a:rPr lang="es-ES" sz="900" dirty="0">
                           <a:solidFill>
                             <a:srgbClr val="020302"/>
                           </a:solidFill>
                           <a:latin typeface="AdobeClean-Light"/>
                           <a:cs typeface="AdobeClean-Light"/>
                         </a:rPr>
-                        <a:t>Business days /       1 day</a:t>
+                        <a:t>Días laborables /      1 día</a:t>
                       </a:r>
-                      <a:endParaRPr lang="en-US" sz="900" spc="0" dirty="0">
-                        <a:latin typeface="AdobeClean-Light"/>
-                        <a:cs typeface="AdobeClean-Light"/>
-                      </a:endParaRPr>
                     </a:p>
                   </a:txBody>
                   <a:tcPr marL="0" marR="0" marT="27940" marB="0" anchor="ctr">
@@ -4289,8 +3723,8 @@
         </p:nvSpPr>
         <p:spPr>
           <a:xfrm>
-            <a:off x="97787" y="9888626"/>
-            <a:ext cx="2202180" cy="149860"/>
+            <a:off x="97786" y="9888626"/>
+            <a:ext cx="2950213" cy="133370"/>
           </a:xfrm>
           <a:prstGeom prst="rect">
             <a:avLst/>
@@ -4311,99 +3745,95 @@
               </a:spcBef>
             </a:pPr>
             <a:r>
-              <a:rPr sz="800" spc="-15" dirty="0">
+              <a:rPr lang="es-ES" sz="800" dirty="0">
                 <a:solidFill>
                   <a:srgbClr val="6D6D6D"/>
                 </a:solidFill>
                 <a:latin typeface="Adobe Clean"/>
                 <a:cs typeface="Adobe Clean"/>
               </a:rPr>
-              <a:t>©2021 </a:t>
-            </a:r>
-            <a:r>
-              <a:rPr sz="800" spc="-5" dirty="0">
+              <a:t>©2021 Adobe. </a:t>
+            </a:r>
+            <a:r>
+              <a:rPr lang="es-ES" sz="800" dirty="0" err="1">
                 <a:solidFill>
                   <a:srgbClr val="6D6D6D"/>
                 </a:solidFill>
                 <a:latin typeface="Adobe Clean"/>
                 <a:cs typeface="Adobe Clean"/>
               </a:rPr>
-              <a:t>Adobe. All</a:t>
-            </a:r>
-            <a:r>
-              <a:rPr sz="800" spc="-15" dirty="0">
+              <a:t>All</a:t>
+            </a:r>
+            <a:r>
+              <a:rPr lang="es-ES" sz="800" dirty="0">
                 <a:solidFill>
                   <a:srgbClr val="6D6D6D"/>
                 </a:solidFill>
                 <a:latin typeface="Adobe Clean"/>
                 <a:cs typeface="Adobe Clean"/>
               </a:rPr>
-              <a:t> Rights</a:t>
-            </a:r>
-            <a:r>
-              <a:rPr sz="800" spc="-5" dirty="0">
+              <a:t> </a:t>
+            </a:r>
+            <a:r>
+              <a:rPr lang="es-ES" sz="800" dirty="0" err="1">
                 <a:solidFill>
                   <a:srgbClr val="6D6D6D"/>
                 </a:solidFill>
                 <a:latin typeface="Adobe Clean"/>
                 <a:cs typeface="Adobe Clean"/>
               </a:rPr>
-              <a:t> </a:t>
-            </a:r>
-            <a:r>
-              <a:rPr sz="800" spc="-15" dirty="0">
+              <a:t>Rights</a:t>
+            </a:r>
+            <a:r>
+              <a:rPr lang="es-ES" sz="800" dirty="0">
                 <a:solidFill>
                   <a:srgbClr val="6D6D6D"/>
                 </a:solidFill>
                 <a:latin typeface="Adobe Clean"/>
                 <a:cs typeface="Adobe Clean"/>
               </a:rPr>
-              <a:t>Reserved.</a:t>
-            </a:r>
-            <a:r>
-              <a:rPr sz="800" spc="-10" dirty="0">
+              <a:t> </a:t>
+            </a:r>
+            <a:r>
+              <a:rPr lang="es-ES" sz="800" dirty="0" err="1">
                 <a:solidFill>
                   <a:srgbClr val="6D6D6D"/>
                 </a:solidFill>
                 <a:latin typeface="Adobe Clean"/>
                 <a:cs typeface="Adobe Clean"/>
               </a:rPr>
-              <a:t> </a:t>
-            </a:r>
-            <a:r>
-              <a:rPr sz="800" spc="-5" dirty="0">
+              <a:t>Reserved</a:t>
+            </a:r>
+            <a:r>
+              <a:rPr lang="es-ES" sz="800" dirty="0">
                 <a:solidFill>
                   <a:srgbClr val="6D6D6D"/>
                 </a:solidFill>
                 <a:latin typeface="Adobe Clean"/>
                 <a:cs typeface="Adobe Clean"/>
               </a:rPr>
-              <a:t>Adobe</a:t>
-            </a:r>
-            <a:r>
-              <a:rPr sz="800" spc="65" dirty="0">
+              <a:t>. Adobe </a:t>
+            </a:r>
+            <a:r>
+              <a:rPr lang="es-ES" sz="800" dirty="0" err="1">
                 <a:solidFill>
                   <a:srgbClr val="6D6D6D"/>
                 </a:solidFill>
                 <a:latin typeface="Adobe Clean"/>
                 <a:cs typeface="Adobe Clean"/>
               </a:rPr>
-              <a:t> </a:t>
-            </a:r>
-            <a:r>
-              <a:rPr sz="800" spc="-15" dirty="0">
+              <a:t>Confidential</a:t>
+            </a:r>
+            <a:r>
+              <a:rPr lang="es-ES" sz="800" dirty="0">
                 <a:solidFill>
                   <a:srgbClr val="6D6D6D"/>
                 </a:solidFill>
                 <a:latin typeface="Adobe Clean"/>
                 <a:cs typeface="Adobe Clean"/>
               </a:rPr>
-              <a:t>Confidential.</a:t>
-            </a:r>
-            <a:endParaRPr sz="800">
-              <a:latin typeface="Adobe Clean"/>
-              <a:cs typeface="Adobe Clean"/>
-            </a:endParaRPr>
+              <a:t>.</a:t>
+            </a:r>
           </a:p>
         </p:txBody>
       </p:sp>
@@ -4436,7 +3866,7 @@
           <a:lstStyle/>
           <a:p>
             <a:r>
-              <a:rPr lang="en-US" sz="700" i="1" dirty="0">
+              <a:rPr lang="es-ES" sz="700" i="1">
                 <a:solidFill>
                   <a:schemeClr val="bg1"/>
                 </a:solidFill>
@@ -4461,7 +3891,7 @@
           <p:nvPr>
             <p:extLst>
               <p:ext uri="{D42A27DB-BD31-4B8C-83A1-F6EECF244321}">
-                <p14:modId xmlns:p14="http://schemas.microsoft.com/office/powerpoint/2010/main" val="1734001763"/>
+                <p14:modId xmlns:p14="http://schemas.microsoft.com/office/powerpoint/2010/main" val="1959389403"/>
               </p:ext>
             </p:extLst>
           </p:nvPr>
@@ -4550,39 +3980,15 @@
                         <a:defRPr/>
                       </a:pPr>
                       <a:r>
-                        <a:rPr lang="en-US" sz="900" spc="-20" dirty="0">
+                        <a:rPr lang="es-ES" sz="900">
                           <a:solidFill>
                             <a:srgbClr val="404040"/>
                           </a:solidFill>
                           <a:latin typeface="Adobe Clean"/>
                           <a:cs typeface="Adobe Clean"/>
                         </a:rPr>
-                        <a:t>Online </a:t>
+                        <a:t>Soporte Online</a:t>
                       </a:r>
-                      <a:r>
-                        <a:rPr lang="en-US" sz="900" spc="-135" dirty="0">
-                          <a:solidFill>
-                            <a:srgbClr val="404040"/>
-                          </a:solidFill>
-                          <a:latin typeface="Adobe Clean"/>
-                          <a:cs typeface="Adobe Clean"/>
-                        </a:rPr>
-                        <a:t> </a:t>
-                      </a:r>
-                      <a:r>
-                        <a:rPr lang="en-US" sz="900" spc="-20" dirty="0">
-                          <a:solidFill>
-                            <a:srgbClr val="404040"/>
-                          </a:solidFill>
-                          <a:latin typeface="Adobe Clean"/>
-                          <a:cs typeface="Adobe Clean"/>
-                        </a:rPr>
-                        <a:t>Support</a:t>
-                      </a:r>
-                      <a:endParaRPr lang="en-US" sz="900" dirty="0">
-                        <a:latin typeface="Adobe Clean"/>
-                        <a:cs typeface="Adobe Clean"/>
-                      </a:endParaRPr>
                     </a:p>
                   </a:txBody>
                   <a:tcPr marL="0" marR="0" marT="7620" marB="0" anchor="ctr">
@@ -4623,29 +4029,15 @@
                         </a:spcBef>
                       </a:pPr>
                       <a:r>
-                        <a:rPr lang="en-US" sz="900" spc="-20" dirty="0">
+                        <a:rPr lang="es-ES" sz="900">
                           <a:solidFill>
                             <a:srgbClr val="FFFFFF"/>
                           </a:solidFill>
                           <a:latin typeface="Adobe Clean"/>
                           <a:cs typeface="Adobe Clean"/>
                         </a:rPr>
-                        <a:t>Elite </a:t>
+                        <a:t>Soporte Elite</a:t>
                       </a:r>
-                      <a:r>
-                        <a:rPr sz="900" spc="-20" dirty="0">
-                          <a:solidFill>
-                            <a:srgbClr val="FFFFFF"/>
-                          </a:solidFill>
-                          <a:latin typeface="Adobe Clean"/>
-                          <a:cs typeface="Adobe Clean"/>
-                        </a:rPr>
-                        <a:t>Support</a:t>
-                      </a:r>
-                      <a:endParaRPr sz="900" dirty="0">
-                        <a:latin typeface="Adobe Clean"/>
-                        <a:cs typeface="Adobe Clean"/>
-                      </a:endParaRPr>
                     </a:p>
                   </a:txBody>
                   <a:tcPr marL="0" marR="0" marT="7620" marB="0" anchor="ctr">
@@ -4710,7 +4102,7 @@
                     <a:bodyPr/>
                     <a:lstStyle/>
                     <a:p>
-                      <a:pPr marL="0" marR="0" lvl="0" indent="0" algn="ctr" defTabSz="914400" eaLnBrk="1" fontAlgn="auto" latinLnBrk="0" hangingPunct="1">
+                      <a:pPr marL="0" marR="0" lvl="0" indent="0" algn="l" defTabSz="914400" rtl="0" eaLnBrk="1" fontAlgn="auto" latinLnBrk="0" hangingPunct="1">
                         <a:lnSpc>
                           <a:spcPct val="100000"/>
                         </a:lnSpc>
@@ -4791,13 +4183,13 @@
                         <a:defRPr/>
                       </a:pPr>
                       <a:r>
-                        <a:rPr lang="en-US" sz="800" i="1" dirty="0">
+                        <a:rPr lang="es-ES" sz="800" i="1">
                           <a:solidFill>
                             <a:schemeClr val="bg1"/>
                           </a:solidFill>
                           <a:latin typeface="Adobe Clean Light" panose="020B0303020404020204" pitchFamily="34" charset="0"/>
                         </a:rPr>
-                        <a:t>Paid Support ($)</a:t>
+                        <a:t>Soporte de pago ($)</a:t>
                       </a:r>
                     </a:p>
                   </a:txBody>
@@ -4861,22 +4253,15 @@
                         </a:spcBef>
                       </a:pPr>
                       <a:r>
-                        <a:rPr lang="en-US" sz="1000" b="1" i="0" spc="0" dirty="0">
+                        <a:rPr lang="es-ES" sz="1000" b="1" i="0">
                           <a:solidFill>
                             <a:schemeClr val="bg1"/>
                           </a:solidFill>
                           <a:latin typeface="Adobe Clean" panose="020B0503020404020204" pitchFamily="34" charset="0"/>
                           <a:cs typeface="AdobeClean-Light"/>
                         </a:rPr>
-                        <a:t>Assigned Experts</a:t>
+                        <a:t>Expertos asignados</a:t>
                       </a:r>
-                      <a:endParaRPr sz="1000" b="1" i="0" spc="0" dirty="0">
-                        <a:solidFill>
-                          <a:schemeClr val="bg1"/>
-                        </a:solidFill>
-                        <a:latin typeface="Adobe Clean" panose="020B0503020404020204" pitchFamily="34" charset="0"/>
-                        <a:cs typeface="AdobeClean-Light"/>
-                      </a:endParaRPr>
                     </a:p>
                   </a:txBody>
                   <a:tcPr marL="0" marR="0" marT="58419" marB="0" anchor="ctr">
@@ -4923,19 +4308,15 @@
                         </a:spcBef>
                       </a:pPr>
                       <a:r>
-                        <a:rPr sz="900" spc="0" dirty="0">
+                        <a:rPr lang="es-ES" sz="900">
                           <a:solidFill>
                             <a:srgbClr val="020302"/>
                           </a:solidFill>
                           <a:latin typeface="AdobeClean-Light"/>
                           <a:cs typeface="AdobeClean-Light"/>
                         </a:rPr>
-                        <a:t>Account Support Lead</a:t>
+                        <a:t>Responsable de la asistencia técnica de la cuenta</a:t>
                       </a:r>
-                      <a:endParaRPr sz="900" spc="0" dirty="0">
-                        <a:latin typeface="AdobeClean-Light"/>
-                        <a:cs typeface="AdobeClean-Light"/>
-                      </a:endParaRPr>
                     </a:p>
                   </a:txBody>
                   <a:tcPr marL="0" marR="0" marT="58419" marB="0">
@@ -4970,7 +4351,7 @@
                     <a:bodyPr/>
                     <a:lstStyle/>
                     <a:p>
-                      <a:pPr algn="ctr">
+                      <a:pPr algn="l" rtl="0">
                         <a:lnSpc>
                           <a:spcPct val="100000"/>
                         </a:lnSpc>
@@ -5011,7 +4392,7 @@
                     <a:bodyPr/>
                     <a:lstStyle/>
                     <a:p>
-                      <a:pPr algn="ctr">
+                      <a:pPr algn="l" rtl="0">
                         <a:lnSpc>
                           <a:spcPct val="100000"/>
                         </a:lnSpc>
@@ -5054,7 +4435,7 @@
                     <a:bodyPr/>
                     <a:lstStyle/>
                     <a:p>
-                      <a:pPr marL="50800">
+                      <a:pPr marL="50800" algn="l" rtl="0">
                         <a:lnSpc>
                           <a:spcPct val="100000"/>
                         </a:lnSpc>
@@ -5100,19 +4481,15 @@
                         </a:spcBef>
                       </a:pPr>
                       <a:r>
-                        <a:rPr sz="900" spc="0" dirty="0">
+                        <a:rPr lang="es-ES" sz="900">
                           <a:solidFill>
                             <a:srgbClr val="020302"/>
                           </a:solidFill>
                           <a:latin typeface="AdobeClean-Light"/>
                           <a:cs typeface="AdobeClean-Light"/>
                         </a:rPr>
-                        <a:t>Named Support Engineer</a:t>
+                        <a:t>Ingeniero de asistencia técnica especializado</a:t>
                       </a:r>
-                      <a:endParaRPr sz="900" spc="0" dirty="0">
-                        <a:latin typeface="AdobeClean-Light"/>
-                        <a:cs typeface="AdobeClean-Light"/>
-                      </a:endParaRPr>
                     </a:p>
                   </a:txBody>
                   <a:tcPr marL="0" marR="0" marT="58419" marB="0">
@@ -5135,7 +4512,7 @@
                     <a:bodyPr/>
                     <a:lstStyle/>
                     <a:p>
-                      <a:pPr algn="ctr">
+                      <a:pPr algn="l" rtl="0">
                         <a:lnSpc>
                           <a:spcPct val="100000"/>
                         </a:lnSpc>
@@ -5182,7 +4559,7 @@
                         <a:defRPr/>
                       </a:pPr>
                       <a:r>
-                        <a:rPr lang="en-US" sz="900" dirty="0">
+                        <a:rPr lang="es-ES" sz="900">
                           <a:solidFill>
                             <a:srgbClr val="020302"/>
                           </a:solidFill>
@@ -5191,10 +4568,6 @@
                         </a:rPr>
                         <a:t></a:t>
                       </a:r>
-                      <a:endParaRPr lang="en-US" sz="900" dirty="0">
-                        <a:latin typeface="Wingdings"/>
-                        <a:cs typeface="Wingdings"/>
-                      </a:endParaRPr>
                     </a:p>
                   </a:txBody>
                   <a:tcPr marL="0" marR="0" marT="0" marB="0" anchor="ctr">
@@ -5217,7 +4590,7 @@
                     <a:bodyPr/>
                     <a:lstStyle/>
                     <a:p>
-                      <a:pPr marL="50800">
+                      <a:pPr marL="50800" algn="l" rtl="0">
                         <a:lnSpc>
                           <a:spcPct val="100000"/>
                         </a:lnSpc>
@@ -5275,19 +4648,15 @@
                         </a:spcBef>
                       </a:pPr>
                       <a:r>
-                        <a:rPr sz="900" spc="0" dirty="0">
+                        <a:rPr lang="es-ES" sz="900">
                           <a:solidFill>
                             <a:srgbClr val="020302"/>
                           </a:solidFill>
                           <a:latin typeface="AdobeClean-Light"/>
                           <a:cs typeface="AdobeClean-Light"/>
                         </a:rPr>
-                        <a:t>Technical Account Manager</a:t>
+                        <a:t>Gestor técnico de cuentas</a:t>
                       </a:r>
-                      <a:endParaRPr sz="900" spc="0" dirty="0">
-                        <a:latin typeface="AdobeClean-Light"/>
-                        <a:cs typeface="AdobeClean-Light"/>
-                      </a:endParaRPr>
                     </a:p>
                   </a:txBody>
                   <a:tcPr marL="0" marR="0" marT="63500" marB="0">
@@ -5316,7 +4685,7 @@
                     <a:bodyPr/>
                     <a:lstStyle/>
                     <a:p>
-                      <a:pPr algn="ctr">
+                      <a:pPr algn="l" rtl="0">
                         <a:lnSpc>
                           <a:spcPct val="100000"/>
                         </a:lnSpc>
@@ -5372,7 +4741,7 @@
                         <a:defRPr/>
                       </a:pPr>
                       <a:r>
-                        <a:rPr lang="en-US" sz="900" dirty="0">
+                        <a:rPr lang="es-ES" sz="900">
                           <a:solidFill>
                             <a:srgbClr val="020302"/>
                           </a:solidFill>
@@ -5381,10 +4750,6 @@
                         </a:rPr>
                         <a:t></a:t>
                       </a:r>
-                      <a:endParaRPr lang="en-US" sz="900" dirty="0">
-                        <a:latin typeface="Wingdings"/>
-                        <a:cs typeface="Wingdings"/>
-                      </a:endParaRPr>
                     </a:p>
                   </a:txBody>
                   <a:tcPr marL="0" marR="0" marT="0" marB="0" anchor="ctr">
@@ -5425,22 +4790,15 @@
                         </a:spcBef>
                       </a:pPr>
                       <a:r>
-                        <a:rPr lang="en-US" sz="1000" b="1" i="0" spc="0" dirty="0">
+                        <a:rPr lang="es-ES" sz="1000" b="1" i="0">
                           <a:solidFill>
                             <a:schemeClr val="bg1"/>
                           </a:solidFill>
                           <a:latin typeface="Adobe Clean" panose="020B0503020404020204" pitchFamily="34" charset="0"/>
                           <a:cs typeface="AdobeClean-Light"/>
                         </a:rPr>
-                        <a:t>Support Services</a:t>
+                        <a:t>Servicios de soporte</a:t>
                       </a:r>
-                      <a:endParaRPr sz="1000" b="1" i="0" spc="0" dirty="0">
-                        <a:solidFill>
-                          <a:schemeClr val="bg1"/>
-                        </a:solidFill>
-                        <a:latin typeface="Adobe Clean" panose="020B0503020404020204" pitchFamily="34" charset="0"/>
-                        <a:cs typeface="AdobeClean-Light"/>
-                      </a:endParaRPr>
                     </a:p>
                   </a:txBody>
                   <a:tcPr marL="0" marR="0" marT="57150" marB="0" anchor="ctr">
@@ -5496,29 +4854,15 @@
                         </a:spcBef>
                       </a:pPr>
                       <a:r>
-                        <a:rPr lang="en-US" sz="900" spc="0" dirty="0">
+                        <a:rPr lang="es-ES" sz="900">
                           <a:solidFill>
                             <a:srgbClr val="020302"/>
                           </a:solidFill>
                           <a:latin typeface="AdobeClean-Light"/>
                           <a:cs typeface="AdobeClean-Light"/>
                         </a:rPr>
-                        <a:t>Online</a:t>
+                        <a:t>Soporte Online</a:t>
                       </a:r>
-                      <a:r>
-                        <a:rPr sz="900" spc="0" dirty="0">
-                          <a:solidFill>
-                            <a:srgbClr val="020302"/>
-                          </a:solidFill>
-                          <a:latin typeface="AdobeClean-Light"/>
-                          <a:cs typeface="AdobeClean-Light"/>
-                        </a:rPr>
-                        <a:t> Support</a:t>
-                      </a:r>
-                      <a:endParaRPr sz="900" spc="0" dirty="0">
-                        <a:latin typeface="AdobeClean-Light"/>
-                        <a:cs typeface="AdobeClean-Light"/>
-                      </a:endParaRPr>
                     </a:p>
                   </a:txBody>
                   <a:tcPr marL="0" marR="0" marT="57150" marB="0">
@@ -5556,39 +4900,15 @@
                         </a:spcBef>
                       </a:pPr>
                       <a:r>
-                        <a:rPr sz="900" spc="-25" dirty="0">
+                        <a:rPr lang="es-ES" sz="900">
                           <a:solidFill>
                             <a:srgbClr val="020302"/>
                           </a:solidFill>
                           <a:latin typeface="AdobeClean-Light"/>
                           <a:cs typeface="AdobeClean-Light"/>
                         </a:rPr>
-                        <a:t>Business</a:t>
+                        <a:t>Horario de trabajo</a:t>
                       </a:r>
-                      <a:r>
-                        <a:rPr sz="900" spc="-15" dirty="0">
-                          <a:solidFill>
-                            <a:srgbClr val="020302"/>
-                          </a:solidFill>
-                          <a:latin typeface="AdobeClean-Light"/>
-                          <a:cs typeface="AdobeClean-Light"/>
-                        </a:rPr>
-                        <a:t> </a:t>
-                      </a:r>
-                      <a:r>
-                        <a:rPr sz="900" spc="-30" dirty="0">
-                          <a:solidFill>
-                            <a:srgbClr val="020302"/>
-                          </a:solidFill>
-                          <a:latin typeface="AdobeClean-Light"/>
-                          <a:cs typeface="AdobeClean-Light"/>
-                        </a:rPr>
-                        <a:t>hours</a:t>
-                      </a:r>
-                      <a:endParaRPr sz="900" dirty="0">
-                        <a:latin typeface="AdobeClean-Light"/>
-                        <a:cs typeface="AdobeClean-Light"/>
-                      </a:endParaRPr>
                     </a:p>
                   </a:txBody>
                   <a:tcPr marL="0" marR="0" marT="67945" marB="0">
@@ -5627,19 +4947,15 @@
                         </a:spcBef>
                       </a:pPr>
                       <a:r>
-                        <a:rPr lang="en-US" sz="900" spc="-25" dirty="0">
+                        <a:rPr lang="es-ES" sz="900">
                           <a:solidFill>
                             <a:srgbClr val="020302"/>
                           </a:solidFill>
                           <a:latin typeface="AdobeClean-Light"/>
                           <a:cs typeface="AdobeClean-Light"/>
                         </a:rPr>
-                        <a:t>24x5</a:t>
+                        <a:t>24 x 5</a:t>
                       </a:r>
-                      <a:endParaRPr sz="900" dirty="0">
-                        <a:latin typeface="AdobeClean-Light"/>
-                        <a:cs typeface="AdobeClean-Light"/>
-                      </a:endParaRPr>
                     </a:p>
                   </a:txBody>
                   <a:tcPr marL="0" marR="0" marT="67945" marB="0" anchor="ctr">
@@ -5671,7 +4987,7 @@
                     <a:bodyPr/>
                     <a:lstStyle/>
                     <a:p>
-                      <a:pPr marL="50800">
+                      <a:pPr marL="50800" algn="l" rtl="0">
                         <a:lnSpc>
                           <a:spcPct val="100000"/>
                         </a:lnSpc>
@@ -5720,39 +5036,15 @@
                         </a:spcBef>
                       </a:pPr>
                       <a:r>
-                        <a:rPr sz="900" spc="0" dirty="0">
+                        <a:rPr lang="es-ES" sz="900">
                           <a:solidFill>
                             <a:srgbClr val="020302"/>
                           </a:solidFill>
                           <a:latin typeface="AdobeClean-Light"/>
                           <a:cs typeface="AdobeClean-Light"/>
                         </a:rPr>
-                        <a:t>24x7</a:t>
+                        <a:t>Soporte con problemas P1 24 x 7 x 365</a:t>
                       </a:r>
-                      <a:r>
-                        <a:rPr lang="en-US" sz="900" spc="0" dirty="0">
-                          <a:solidFill>
-                            <a:srgbClr val="020302"/>
-                          </a:solidFill>
-                          <a:latin typeface="AdobeClean-Light"/>
-                          <a:cs typeface="AdobeClean-Light"/>
-                        </a:rPr>
-                        <a:t>x365</a:t>
-                      </a:r>
-                      <a:r>
-                        <a:rPr sz="900" spc="0" dirty="0">
-                          <a:solidFill>
-                            <a:srgbClr val="020302"/>
-                          </a:solidFill>
-                          <a:latin typeface="AdobeClean-Light"/>
-                          <a:cs typeface="AdobeClean-Light"/>
-                        </a:rPr>
-                        <a:t> P1 Issue Support</a:t>
-                      </a:r>
-                      <a:endParaRPr sz="900" spc="0" dirty="0">
-                        <a:latin typeface="AdobeClean-Light"/>
-                        <a:cs typeface="AdobeClean-Light"/>
-                      </a:endParaRPr>
                     </a:p>
                   </a:txBody>
                   <a:tcPr marL="0" marR="0" marT="57785" marB="0">
@@ -5784,7 +5076,7 @@
                         </a:spcBef>
                       </a:pPr>
                       <a:r>
-                        <a:rPr sz="900" dirty="0">
+                        <a:rPr lang="es-ES" sz="900">
                           <a:solidFill>
                             <a:srgbClr val="020302"/>
                           </a:solidFill>
@@ -5793,10 +5085,6 @@
                         </a:rPr>
                         <a:t></a:t>
                       </a:r>
-                      <a:endParaRPr sz="900" dirty="0">
-                        <a:latin typeface="Wingdings"/>
-                        <a:cs typeface="Wingdings"/>
-                      </a:endParaRPr>
                     </a:p>
                   </a:txBody>
                   <a:tcPr marL="0" marR="0" marT="58419" marB="0">
@@ -5826,7 +5114,7 @@
                         </a:spcBef>
                       </a:pPr>
                       <a:r>
-                        <a:rPr sz="900" dirty="0">
+                        <a:rPr lang="es-ES" sz="900">
                           <a:solidFill>
                             <a:srgbClr val="020302"/>
                           </a:solidFill>
@@ -5835,10 +5123,6 @@
                         </a:rPr>
                         <a:t></a:t>
                       </a:r>
-                      <a:endParaRPr sz="900" dirty="0">
-                        <a:latin typeface="Wingdings"/>
-                        <a:cs typeface="Wingdings"/>
-                      </a:endParaRPr>
                     </a:p>
                   </a:txBody>
                   <a:tcPr marL="0" marR="0" marT="58419" marB="0" anchor="ctr">
@@ -5861,7 +5145,7 @@
                     <a:bodyPr/>
                     <a:lstStyle/>
                     <a:p>
-                      <a:pPr marL="50800">
+                      <a:pPr marL="50800" algn="l" rtl="0">
                         <a:lnSpc>
                           <a:spcPct val="100000"/>
                         </a:lnSpc>
@@ -5919,19 +5203,15 @@
                         </a:spcBef>
                       </a:pPr>
                       <a:r>
-                        <a:rPr lang="en-US" sz="900" spc="0" dirty="0">
+                        <a:rPr lang="es-ES" sz="900">
                           <a:solidFill>
                             <a:srgbClr val="020302"/>
                           </a:solidFill>
                           <a:latin typeface="AdobeClean-Light"/>
                           <a:cs typeface="AdobeClean-Light"/>
                         </a:rPr>
-                        <a:t>Named Support Contacts (per product)</a:t>
+                        <a:t>Contactos de soporte particulares (por producto)</a:t>
                       </a:r>
-                      <a:endParaRPr sz="900" spc="0" dirty="0">
-                        <a:latin typeface="AdobeClean-Light"/>
-                        <a:cs typeface="AdobeClean-Light"/>
-                      </a:endParaRPr>
                     </a:p>
                   </a:txBody>
                   <a:tcPr marL="0" marR="0" marT="57785" marB="0">
@@ -5969,7 +5249,7 @@
                         </a:spcBef>
                       </a:pPr>
                       <a:r>
-                        <a:rPr sz="900" dirty="0">
+                        <a:rPr lang="es-ES" sz="900">
                           <a:solidFill>
                             <a:srgbClr val="020302"/>
                           </a:solidFill>
@@ -5978,10 +5258,6 @@
                         </a:rPr>
                         <a:t>4</a:t>
                       </a:r>
-                      <a:endParaRPr sz="900" dirty="0">
-                        <a:latin typeface="AdobeClean-Light"/>
-                        <a:cs typeface="AdobeClean-Light"/>
-                      </a:endParaRPr>
                     </a:p>
                   </a:txBody>
                   <a:tcPr marL="0" marR="0" marT="57785" marB="0">
@@ -6011,7 +5287,7 @@
                         </a:spcBef>
                       </a:pPr>
                       <a:r>
-                        <a:rPr lang="en-US" sz="900" dirty="0">
+                        <a:rPr lang="es-ES" sz="900">
                           <a:solidFill>
                             <a:srgbClr val="020302"/>
                           </a:solidFill>
@@ -6020,10 +5296,6 @@
                         </a:rPr>
                         <a:t>15</a:t>
                       </a:r>
-                      <a:endParaRPr sz="900" dirty="0">
-                        <a:latin typeface="AdobeClean-Light"/>
-                        <a:cs typeface="AdobeClean-Light"/>
-                      </a:endParaRPr>
                     </a:p>
                   </a:txBody>
                   <a:tcPr marL="0" marR="0" marT="57785" marB="0" anchor="ctr">
@@ -6046,7 +5318,7 @@
                     <a:bodyPr/>
                     <a:lstStyle/>
                     <a:p>
-                      <a:pPr marL="50800">
+                      <a:pPr marL="50800" algn="l" rtl="0">
                         <a:lnSpc>
                           <a:spcPct val="100000"/>
                         </a:lnSpc>
@@ -6095,19 +5367,15 @@
                         </a:spcBef>
                       </a:pPr>
                       <a:r>
-                        <a:rPr lang="en-US" sz="900" spc="0" dirty="0">
+                        <a:rPr lang="es-ES" sz="900">
                           <a:solidFill>
                             <a:srgbClr val="020302"/>
                           </a:solidFill>
                           <a:latin typeface="AdobeClean-Light"/>
                           <a:cs typeface="AdobeClean-Light"/>
                         </a:rPr>
-                        <a:t>Live Telephone Support</a:t>
+                        <a:t>Asistencia telefónica en directo</a:t>
                       </a:r>
-                      <a:endParaRPr sz="900" spc="0" dirty="0">
-                        <a:latin typeface="AdobeClean-Light"/>
-                        <a:cs typeface="AdobeClean-Light"/>
-                      </a:endParaRPr>
                     </a:p>
                   </a:txBody>
                   <a:tcPr marL="0" marR="0" marT="57785" marB="0">
@@ -6130,7 +5398,7 @@
                     <a:bodyPr/>
                     <a:lstStyle/>
                     <a:p>
-                      <a:pPr algn="ctr">
+                      <a:pPr algn="l" rtl="0">
                         <a:lnSpc>
                           <a:spcPct val="100000"/>
                         </a:lnSpc>
@@ -6171,7 +5439,7 @@
                         </a:spcBef>
                       </a:pPr>
                       <a:r>
-                        <a:rPr sz="900" dirty="0">
+                        <a:rPr lang="es-ES" sz="900">
                           <a:solidFill>
                             <a:srgbClr val="020302"/>
                           </a:solidFill>
@@ -6180,10 +5448,6 @@
                         </a:rPr>
                         <a:t></a:t>
                       </a:r>
-                      <a:endParaRPr sz="900" dirty="0">
-                        <a:latin typeface="Wingdings"/>
-                        <a:cs typeface="Wingdings"/>
-                      </a:endParaRPr>
                     </a:p>
                   </a:txBody>
                   <a:tcPr marL="0" marR="0" marT="59054" marB="0" anchor="ctr">
@@ -6206,7 +5470,7 @@
                     <a:bodyPr/>
                     <a:lstStyle/>
                     <a:p>
-                      <a:pPr marL="50800">
+                      <a:pPr marL="50800" algn="l" rtl="0">
                         <a:lnSpc>
                           <a:spcPct val="100000"/>
                         </a:lnSpc>
@@ -6255,19 +5519,15 @@
                         </a:spcBef>
                       </a:pPr>
                       <a:r>
-                        <a:rPr sz="900" spc="0" dirty="0">
+                        <a:rPr lang="es-ES" sz="900">
                           <a:solidFill>
                             <a:srgbClr val="020302"/>
                           </a:solidFill>
                           <a:latin typeface="AdobeClean-Light"/>
                           <a:cs typeface="AdobeClean-Light"/>
                         </a:rPr>
-                        <a:t>Escalation Management</a:t>
+                        <a:t>Administración de la escalabilidad</a:t>
                       </a:r>
-                      <a:endParaRPr sz="900" spc="0" dirty="0">
-                        <a:latin typeface="AdobeClean-Light"/>
-                        <a:cs typeface="AdobeClean-Light"/>
-                      </a:endParaRPr>
                     </a:p>
                   </a:txBody>
                   <a:tcPr marL="0" marR="0" marT="58419" marB="0">
@@ -6290,7 +5550,7 @@
                     <a:bodyPr/>
                     <a:lstStyle/>
                     <a:p>
-                      <a:pPr algn="ctr">
+                      <a:pPr algn="l" rtl="0">
                         <a:lnSpc>
                           <a:spcPct val="100000"/>
                         </a:lnSpc>
@@ -6331,7 +5591,7 @@
                         </a:spcBef>
                       </a:pPr>
                       <a:r>
-                        <a:rPr sz="900" dirty="0">
+                        <a:rPr lang="es-ES" sz="900">
                           <a:solidFill>
                             <a:srgbClr val="020302"/>
                           </a:solidFill>
@@ -6340,10 +5600,6 @@
                         </a:rPr>
                         <a:t></a:t>
                       </a:r>
-                      <a:endParaRPr sz="900" dirty="0">
-                        <a:latin typeface="Wingdings"/>
-                        <a:cs typeface="Wingdings"/>
-                      </a:endParaRPr>
                     </a:p>
                   </a:txBody>
                   <a:tcPr marL="0" marR="0" marT="59690" marB="0" anchor="ctr">
@@ -6366,7 +5622,7 @@
                     <a:bodyPr/>
                     <a:lstStyle/>
                     <a:p>
-                      <a:pPr marL="50800">
+                      <a:pPr marL="50800" algn="l" rtl="0">
                         <a:lnSpc>
                           <a:spcPct val="100000"/>
                         </a:lnSpc>
@@ -6415,29 +5671,15 @@
                         </a:spcBef>
                       </a:pPr>
                       <a:r>
-                        <a:rPr sz="900" spc="0" dirty="0">
+                        <a:rPr lang="es-ES" sz="900">
                           <a:solidFill>
                             <a:srgbClr val="020302"/>
                           </a:solidFill>
                           <a:latin typeface="AdobeClean-Light"/>
                           <a:cs typeface="AdobeClean-Light"/>
                         </a:rPr>
-                        <a:t>Service Reviews </a:t>
+                        <a:t>Revisiones de servicio al año</a:t>
                       </a:r>
-                      <a:r>
-                        <a:rPr lang="en-US" sz="900" spc="0" dirty="0">
-                          <a:solidFill>
-                            <a:srgbClr val="020302"/>
-                          </a:solidFill>
-                          <a:latin typeface="AdobeClean-Light"/>
-                          <a:cs typeface="AdobeClean-Light"/>
-                        </a:rPr>
-                        <a:t>per Year</a:t>
-                      </a:r>
-                      <a:endParaRPr sz="900" spc="0" dirty="0">
-                        <a:latin typeface="AdobeClean-Light"/>
-                        <a:cs typeface="AdobeClean-Light"/>
-                      </a:endParaRPr>
                     </a:p>
                   </a:txBody>
                   <a:tcPr marL="0" marR="0" marT="57150" marB="0">
@@ -6460,7 +5702,7 @@
                     <a:bodyPr/>
                     <a:lstStyle/>
                     <a:p>
-                      <a:pPr>
+                      <a:pPr algn="l" rtl="0">
                         <a:lnSpc>
                           <a:spcPct val="100000"/>
                         </a:lnSpc>
@@ -6495,16 +5737,12 @@
                         </a:lnSpc>
                       </a:pPr>
                       <a:r>
-                        <a:rPr lang="en-US" sz="900" dirty="0">
+                        <a:rPr lang="es-ES" sz="900">
                           <a:latin typeface="Times New Roman"/>
                           <a:cs typeface="Times New Roman"/>
                         </a:rPr>
                         <a:t>4</a:t>
                       </a:r>
-                      <a:endParaRPr sz="900" dirty="0">
-                        <a:latin typeface="Times New Roman"/>
-                        <a:cs typeface="Times New Roman"/>
-                      </a:endParaRPr>
                     </a:p>
                   </a:txBody>
                   <a:tcPr marL="0" marR="0" marT="0" marB="0" anchor="ctr">
@@ -6546,16 +5784,12 @@
                         </a:spcBef>
                       </a:pPr>
                       <a:r>
-                        <a:rPr lang="en-US" sz="900" spc="0" dirty="0">
+                        <a:rPr lang="es-ES" sz="900">
                           <a:latin typeface="AdobeClean-Light"/>
                           <a:cs typeface="AdobeClean-Light"/>
                         </a:rPr>
-                        <a:t>Expert Sessions per Year</a:t>
+                        <a:t>Sesiones con expertos al año</a:t>
                       </a:r>
-                      <a:endParaRPr sz="900" spc="0" dirty="0">
-                        <a:latin typeface="AdobeClean-Light"/>
-                        <a:cs typeface="AdobeClean-Light"/>
-                      </a:endParaRPr>
                     </a:p>
                   </a:txBody>
                   <a:tcPr marL="0" marR="0" marT="57150" marB="0">
@@ -6584,7 +5818,7 @@
                     <a:bodyPr/>
                     <a:lstStyle/>
                     <a:p>
-                      <a:pPr>
+                      <a:pPr algn="l" rtl="0">
                         <a:lnSpc>
                           <a:spcPct val="100000"/>
                         </a:lnSpc>
@@ -6619,16 +5853,12 @@
                         </a:lnSpc>
                       </a:pPr>
                       <a:r>
-                        <a:rPr lang="en-US" sz="900" dirty="0">
+                        <a:rPr lang="es-ES" sz="900">
                           <a:latin typeface="Times New Roman"/>
                           <a:cs typeface="Times New Roman"/>
                         </a:rPr>
                         <a:t>4</a:t>
                       </a:r>
-                      <a:endParaRPr sz="900" dirty="0">
-                        <a:latin typeface="Times New Roman"/>
-                        <a:cs typeface="Times New Roman"/>
-                      </a:endParaRPr>
                     </a:p>
                   </a:txBody>
                   <a:tcPr marL="0" marR="0" marT="0" marB="0" anchor="ctr">
@@ -6670,16 +5900,12 @@
                         </a:spcBef>
                       </a:pPr>
                       <a:r>
-                        <a:rPr lang="en-US" sz="900" spc="0" dirty="0">
+                        <a:rPr lang="es-ES" sz="900">
                           <a:latin typeface="AdobeClean-Light"/>
                           <a:cs typeface="AdobeClean-Light"/>
                         </a:rPr>
-                        <a:t>Case Reviews</a:t>
+                        <a:t>Reseñas de casos</a:t>
                       </a:r>
-                      <a:endParaRPr sz="900" spc="0" dirty="0">
-                        <a:latin typeface="AdobeClean-Light"/>
-                        <a:cs typeface="AdobeClean-Light"/>
-                      </a:endParaRPr>
                     </a:p>
                   </a:txBody>
                   <a:tcPr marL="0" marR="0" marT="57150" marB="0">
@@ -6708,7 +5934,7 @@
                     <a:bodyPr/>
                     <a:lstStyle/>
                     <a:p>
-                      <a:pPr>
+                      <a:pPr algn="l" rtl="0">
                         <a:lnSpc>
                           <a:spcPct val="100000"/>
                         </a:lnSpc>
@@ -6755,7 +5981,7 @@
                         <a:defRPr/>
                       </a:pPr>
                       <a:r>
-                        <a:rPr lang="en-US" sz="900" dirty="0">
+                        <a:rPr lang="es-ES" sz="900">
                           <a:solidFill>
                             <a:srgbClr val="020302"/>
                           </a:solidFill>
@@ -6764,10 +5990,6 @@
                         </a:rPr>
                         <a:t></a:t>
                       </a:r>
-                      <a:endParaRPr lang="en-US" sz="900" dirty="0">
-                        <a:latin typeface="Wingdings"/>
-                        <a:cs typeface="Wingdings"/>
-                      </a:endParaRPr>
                     </a:p>
                   </a:txBody>
                   <a:tcPr marL="0" marR="0" marT="0" marB="0" anchor="ctr">
@@ -6790,7 +6012,7 @@
                     <a:bodyPr/>
                     <a:lstStyle/>
                     <a:p>
-                      <a:pPr marL="48895">
+                      <a:pPr marL="48895" algn="l" rtl="0">
                         <a:lnSpc>
                           <a:spcPct val="100000"/>
                         </a:lnSpc>
@@ -6848,29 +6070,15 @@
                         </a:spcBef>
                       </a:pPr>
                       <a:r>
-                        <a:rPr sz="900" spc="0" dirty="0">
+                        <a:rPr lang="es-ES" sz="900" dirty="0">
                           <a:solidFill>
                             <a:srgbClr val="020302"/>
                           </a:solidFill>
                           <a:latin typeface="AdobeClean-Light"/>
                           <a:cs typeface="AdobeClean-Light"/>
                         </a:rPr>
-                        <a:t>Event </a:t>
+                        <a:t>Gestión de eventos</a:t>
                       </a:r>
-                      <a:r>
-                        <a:rPr lang="en-US" sz="900" spc="0" dirty="0">
-                          <a:solidFill>
-                            <a:srgbClr val="020302"/>
-                          </a:solidFill>
-                          <a:latin typeface="AdobeClean-Light"/>
-                          <a:cs typeface="AdobeClean-Light"/>
-                        </a:rPr>
-                        <a:t>Management</a:t>
-                      </a:r>
-                      <a:endParaRPr sz="900" spc="0" dirty="0">
-                        <a:latin typeface="AdobeClean-Light"/>
-                        <a:cs typeface="AdobeClean-Light"/>
-                      </a:endParaRPr>
                     </a:p>
                   </a:txBody>
                   <a:tcPr marL="0" marR="0" marT="58419" marB="0">
@@ -6899,7 +6107,7 @@
                     <a:bodyPr/>
                     <a:lstStyle/>
                     <a:p>
-                      <a:pPr>
+                      <a:pPr algn="l" rtl="0">
                         <a:lnSpc>
                           <a:spcPct val="100000"/>
                         </a:lnSpc>
@@ -6946,7 +6154,7 @@
                         <a:defRPr/>
                       </a:pPr>
                       <a:r>
-                        <a:rPr lang="en-US" sz="900" dirty="0">
+                        <a:rPr lang="es-ES" sz="900">
                           <a:solidFill>
                             <a:srgbClr val="020302"/>
                           </a:solidFill>
@@ -6955,10 +6163,6 @@
                         </a:rPr>
                         <a:t></a:t>
                       </a:r>
-                      <a:endParaRPr lang="en-US" sz="900" dirty="0">
-                        <a:latin typeface="Wingdings"/>
-                        <a:cs typeface="Wingdings"/>
-                      </a:endParaRPr>
                     </a:p>
                   </a:txBody>
                   <a:tcPr marL="0" marR="0" marT="0" marB="0" anchor="ctr">
@@ -6981,7 +6185,7 @@
                     <a:bodyPr/>
                     <a:lstStyle/>
                     <a:p>
-                      <a:pPr marL="48895">
+                      <a:pPr marL="48895" algn="l" rtl="0">
                         <a:lnSpc>
                           <a:spcPct val="100000"/>
                         </a:lnSpc>
@@ -7030,39 +6234,15 @@
                         </a:spcBef>
                       </a:pPr>
                       <a:r>
-                        <a:rPr sz="900" spc="0" dirty="0">
+                        <a:rPr lang="es-ES" sz="900">
                           <a:solidFill>
                             <a:srgbClr val="020302"/>
                           </a:solidFill>
                           <a:latin typeface="AdobeClean-Light"/>
                           <a:cs typeface="AdobeClean-Light"/>
                         </a:rPr>
-                        <a:t>Environment</a:t>
+                        <a:t>Revisión, mantenimiento y monitorización del entorno</a:t>
                       </a:r>
-                      <a:r>
-                        <a:rPr lang="en-US" sz="900" spc="0" dirty="0">
-                          <a:solidFill>
-                            <a:srgbClr val="020302"/>
-                          </a:solidFill>
-                          <a:latin typeface="AdobeClean-Light"/>
-                          <a:cs typeface="AdobeClean-Light"/>
-                        </a:rPr>
-                        <a:t> </a:t>
-                      </a:r>
-                      <a:r>
-                        <a:rPr sz="900" spc="0" dirty="0">
-                          <a:solidFill>
-                            <a:srgbClr val="020302"/>
-                          </a:solidFill>
-                          <a:latin typeface="AdobeClean-Light"/>
-                          <a:cs typeface="AdobeClean-Light"/>
-                        </a:rPr>
-                        <a:t>Review, Maintenance &amp; Monitoring</a:t>
-                      </a:r>
-                      <a:endParaRPr sz="900" spc="0" dirty="0">
-                        <a:latin typeface="AdobeClean-Light"/>
-                        <a:cs typeface="AdobeClean-Light"/>
-                      </a:endParaRPr>
                     </a:p>
                   </a:txBody>
                   <a:tcPr marL="0" marR="0" marT="59055" marB="0">
@@ -7085,7 +6265,7 @@
                     <a:bodyPr/>
                     <a:lstStyle/>
                     <a:p>
-                      <a:pPr>
+                      <a:pPr algn="l" rtl="0">
                         <a:lnSpc>
                           <a:spcPct val="100000"/>
                         </a:lnSpc>
@@ -7132,7 +6312,7 @@
                         <a:defRPr/>
                       </a:pPr>
                       <a:r>
-                        <a:rPr lang="en-US" sz="900" dirty="0">
+                        <a:rPr lang="es-ES" sz="900">
                           <a:solidFill>
                             <a:srgbClr val="020302"/>
                           </a:solidFill>
@@ -7141,10 +6321,6 @@
                         </a:rPr>
                         <a:t></a:t>
                       </a:r>
-                      <a:endParaRPr lang="en-US" sz="900" dirty="0">
-                        <a:latin typeface="Wingdings"/>
-                        <a:cs typeface="Wingdings"/>
-                      </a:endParaRPr>
                     </a:p>
                   </a:txBody>
                   <a:tcPr marL="0" marR="0" marT="0" marB="0" anchor="ctr">
@@ -7167,7 +6343,7 @@
                     <a:bodyPr/>
                     <a:lstStyle/>
                     <a:p>
-                      <a:pPr marL="49530">
+                      <a:pPr marL="49530" algn="l" rtl="0">
                         <a:lnSpc>
                           <a:spcPct val="100000"/>
                         </a:lnSpc>
@@ -7216,19 +6392,15 @@
                         </a:spcBef>
                       </a:pPr>
                       <a:r>
-                        <a:rPr sz="900" spc="0" dirty="0">
+                        <a:rPr lang="es-ES" sz="850" spc="-40" baseline="0" dirty="0">
                           <a:solidFill>
                             <a:srgbClr val="020302"/>
                           </a:solidFill>
                           <a:latin typeface="AdobeClean-Light"/>
                           <a:cs typeface="AdobeClean-Light"/>
                         </a:rPr>
-                        <a:t>Release, Migration, Upgrade &amp; Product Roadmap Review</a:t>
+                        <a:t>Lanzamiento, migración, actualización y revisión de la hoja de ruta del producto</a:t>
                       </a:r>
-                      <a:endParaRPr sz="900" spc="0" dirty="0">
-                        <a:latin typeface="AdobeClean-Light"/>
-                        <a:cs typeface="AdobeClean-Light"/>
-                      </a:endParaRPr>
                     </a:p>
                   </a:txBody>
                   <a:tcPr marL="0" marR="0" marT="63500" marB="0">
@@ -7251,7 +6423,7 @@
                     <a:bodyPr/>
                     <a:lstStyle/>
                     <a:p>
-                      <a:pPr>
+                      <a:pPr algn="l" rtl="0">
                         <a:lnSpc>
                           <a:spcPct val="100000"/>
                         </a:lnSpc>
@@ -7298,7 +6470,7 @@
                         <a:defRPr/>
                       </a:pPr>
                       <a:r>
-                        <a:rPr lang="en-US" sz="900" dirty="0">
+                        <a:rPr lang="es-ES" sz="900">
                           <a:solidFill>
                             <a:srgbClr val="020302"/>
                           </a:solidFill>
@@ -7307,10 +6479,6 @@
                         </a:rPr>
                         <a:t></a:t>
                       </a:r>
-                      <a:endParaRPr lang="en-US" sz="900" dirty="0">
-                        <a:latin typeface="Wingdings"/>
-                        <a:cs typeface="Wingdings"/>
-                      </a:endParaRPr>
                     </a:p>
                   </a:txBody>
                   <a:tcPr marL="0" marR="0" marT="0" marB="0" anchor="ctr">
@@ -7333,7 +6501,7 @@
                     <a:bodyPr/>
                     <a:lstStyle/>
                     <a:p>
-                      <a:pPr marL="49530">
+                      <a:pPr marL="49530" algn="l" rtl="0">
                         <a:lnSpc>
                           <a:spcPct val="100000"/>
                         </a:lnSpc>
@@ -7391,11 +6559,11 @@
                         </a:spcBef>
                       </a:pPr>
                       <a:r>
-                        <a:rPr sz="900" spc="0" dirty="0">
+                        <a:rPr lang="es-ES" sz="900">
                           <a:latin typeface="AdobeClean-Light"/>
                           <a:cs typeface="AdobeClean-Light"/>
                         </a:rPr>
-                        <a:t>Cloud Support Activities – Experience Manager as Cloud</a:t>
+                        <a:t>Actividades de asistencia en la nube: Experience Manager as Cloud</a:t>
                       </a:r>
                     </a:p>
                   </a:txBody>
@@ -7425,7 +6593,7 @@
                     <a:bodyPr/>
                     <a:lstStyle/>
                     <a:p>
-                      <a:pPr>
+                      <a:pPr algn="l" rtl="0">
                         <a:lnSpc>
                           <a:spcPct val="100000"/>
                         </a:lnSpc>
@@ -7481,7 +6649,7 @@
                         <a:defRPr/>
                       </a:pPr>
                       <a:r>
-                        <a:rPr lang="en-US" sz="900" dirty="0">
+                        <a:rPr lang="es-ES" sz="900">
                           <a:solidFill>
                             <a:srgbClr val="020302"/>
                           </a:solidFill>
@@ -7490,10 +6658,6 @@
                         </a:rPr>
                         <a:t></a:t>
                       </a:r>
-                      <a:endParaRPr lang="en-US" sz="900" dirty="0">
-                        <a:latin typeface="Wingdings"/>
-                        <a:cs typeface="Wingdings"/>
-                      </a:endParaRPr>
                     </a:p>
                   </a:txBody>
                   <a:tcPr marL="0" marR="0" marT="0" marB="0" anchor="ctr">
@@ -7534,22 +6698,15 @@
                         </a:spcBef>
                       </a:pPr>
                       <a:r>
-                        <a:rPr lang="en-US" sz="1000" b="1" i="0" spc="0" dirty="0">
+                        <a:rPr lang="es-ES" sz="1000" b="1" i="0">
                           <a:solidFill>
                             <a:schemeClr val="bg1"/>
                           </a:solidFill>
                           <a:latin typeface="Adobe Clean" panose="020B0503020404020204" pitchFamily="34" charset="0"/>
                           <a:cs typeface="AdobeClean-Light"/>
                         </a:rPr>
-                        <a:t>Field Services</a:t>
+                        <a:t>Servicios de campo</a:t>
                       </a:r>
-                      <a:endParaRPr sz="1000" b="1" i="0" spc="0" dirty="0">
-                        <a:solidFill>
-                          <a:schemeClr val="bg1"/>
-                        </a:solidFill>
-                        <a:latin typeface="Adobe Clean" panose="020B0503020404020204" pitchFamily="34" charset="0"/>
-                        <a:cs typeface="AdobeClean-Light"/>
-                      </a:endParaRPr>
                     </a:p>
                   </a:txBody>
                   <a:tcPr marL="0" marR="0" marT="48260" marB="0" anchor="ctr">
@@ -7602,14 +6759,14 @@
                         </a:spcBef>
                       </a:pPr>
                       <a:r>
-                        <a:rPr sz="900" spc="0" dirty="0">
+                        <a:rPr lang="es-ES" sz="900">
                           <a:solidFill>
                             <a:srgbClr val="020302"/>
                           </a:solidFill>
                           <a:latin typeface="AdobeClean-Light"/>
                           <a:cs typeface="AdobeClean-Light"/>
                         </a:rPr>
-                        <a:t>Launch Advisory Services – First Year of new solution</a:t>
+                        <a:t>Servicios de Launch Advisory: primer año de la nueva solución</a:t>
                       </a:r>
                     </a:p>
                   </a:txBody>
@@ -7649,7 +6806,7 @@
                     <a:bodyPr/>
                     <a:lstStyle/>
                     <a:p>
-                      <a:pPr>
+                      <a:pPr algn="l" rtl="0">
                         <a:lnSpc>
                           <a:spcPct val="100000"/>
                         </a:lnSpc>
@@ -7721,7 +6878,7 @@
                         <a:defRPr/>
                       </a:pPr>
                       <a:r>
-                        <a:rPr lang="en-US" sz="900" dirty="0">
+                        <a:rPr lang="es-ES" sz="900">
                           <a:solidFill>
                             <a:srgbClr val="020302"/>
                           </a:solidFill>
@@ -7730,10 +6887,6 @@
                         </a:rPr>
                         <a:t></a:t>
                       </a:r>
-                      <a:endParaRPr lang="en-US" sz="900" dirty="0">
-                        <a:latin typeface="Wingdings"/>
-                        <a:cs typeface="Wingdings"/>
-                      </a:endParaRPr>
                     </a:p>
                   </a:txBody>
                   <a:tcPr marL="0" marR="0" marT="0" marB="0" anchor="ctr">
@@ -7812,11 +6965,11 @@
                         <a:defRPr/>
                       </a:pPr>
                       <a:r>
-                        <a:rPr lang="en-US" sz="900" spc="0" dirty="0">
+                        <a:rPr lang="es-ES" sz="900">
                           <a:latin typeface="AdobeClean-Light"/>
                           <a:cs typeface="AdobeClean-Light"/>
                         </a:rPr>
-                        <a:t>Field Service Activities </a:t>
+                        <a:t>Actividades del servicio de campo </a:t>
                       </a:r>
                     </a:p>
                   </a:txBody>
@@ -7850,7 +7003,7 @@
                     <a:bodyPr/>
                     <a:lstStyle/>
                     <a:p>
-                      <a:pPr algn="ctr"/>
+                      <a:pPr algn="l" rtl="0"/>
                       <a:endParaRPr lang="en-US" dirty="0"/>
                     </a:p>
                   </a:txBody>
@@ -7899,13 +7052,12 @@
                     <a:p>
                       <a:pPr algn="ctr"/>
                       <a:r>
-                        <a:rPr lang="en-US" sz="900" dirty="0">
+                        <a:rPr lang="es-ES" sz="900" dirty="0">
                           <a:latin typeface="Times New Roman"/>
                           <a:cs typeface="Times New Roman"/>
                         </a:rPr>
                         <a:t>4</a:t>
                       </a:r>
-                      <a:endParaRPr lang="en-US" dirty="0"/>
                     </a:p>
                   </a:txBody>
                   <a:tcPr marL="0" marR="0" marT="0" marB="0" anchor="ctr">
@@ -7996,8 +7148,8 @@
         </p:nvSpPr>
         <p:spPr>
           <a:xfrm>
-            <a:off x="357339" y="897487"/>
-            <a:ext cx="1736725" cy="0"/>
+            <a:off x="357339" y="897486"/>
+            <a:ext cx="2004860" cy="45719"/>
           </a:xfrm>
           <a:custGeom>
             <a:avLst/>
@@ -8038,8 +7190,8 @@
         </p:nvSpPr>
         <p:spPr>
           <a:xfrm>
-            <a:off x="357339" y="608961"/>
-            <a:ext cx="1647825" cy="238760"/>
+            <a:off x="357338" y="608961"/>
+            <a:ext cx="2004861" cy="228268"/>
           </a:xfrm>
           <a:prstGeom prst="rect">
             <a:avLst/>
@@ -8060,59 +7212,15 @@
               </a:spcBef>
             </a:pPr>
             <a:r>
-              <a:rPr sz="1400" b="1" spc="-10" dirty="0">
+              <a:rPr lang="es-ES" sz="1400" b="1" dirty="0">
                 <a:solidFill>
                   <a:srgbClr val="020302"/>
                 </a:solidFill>
                 <a:latin typeface="Adobe Clean"/>
                 <a:cs typeface="Adobe Clean"/>
               </a:rPr>
-              <a:t>Elite</a:t>
-            </a:r>
-            <a:r>
-              <a:rPr sz="1400" b="1" spc="-50" dirty="0">
-                <a:solidFill>
-                  <a:srgbClr val="020302"/>
-                </a:solidFill>
-                <a:latin typeface="Adobe Clean"/>
-                <a:cs typeface="Adobe Clean"/>
-              </a:rPr>
-              <a:t> </a:t>
-            </a:r>
-            <a:r>
-              <a:rPr sz="1400" b="1" spc="-10" dirty="0">
-                <a:solidFill>
-                  <a:srgbClr val="020302"/>
-                </a:solidFill>
-                <a:latin typeface="Adobe Clean"/>
-                <a:cs typeface="Adobe Clean"/>
-              </a:rPr>
-              <a:t>Support</a:t>
-            </a:r>
-            <a:r>
-              <a:rPr sz="1400" b="1" spc="-45" dirty="0">
-                <a:solidFill>
-                  <a:srgbClr val="020302"/>
-                </a:solidFill>
-                <a:latin typeface="Adobe Clean"/>
-                <a:cs typeface="Adobe Clean"/>
-              </a:rPr>
-              <a:t> </a:t>
-            </a:r>
-            <a:r>
-              <a:rPr sz="1400" b="1" spc="-15" dirty="0">
-                <a:solidFill>
-                  <a:srgbClr val="020302"/>
-                </a:solidFill>
-                <a:latin typeface="Adobe Clean"/>
-                <a:cs typeface="Adobe Clean"/>
-              </a:rPr>
-              <a:t>Features</a:t>
-            </a:r>
-            <a:endParaRPr sz="1400" dirty="0">
-              <a:latin typeface="Adobe Clean"/>
-              <a:cs typeface="Adobe Clean"/>
-            </a:endParaRPr>
+              <a:t>Funciones de soporte Elite</a:t>
+            </a:r>
           </a:p>
         </p:txBody>
       </p:sp>
@@ -8125,7 +7233,7 @@
         <p:spPr>
           <a:xfrm>
             <a:off x="2868167" y="1433668"/>
-            <a:ext cx="2194560" cy="936154"/>
+            <a:ext cx="2465198" cy="936154"/>
           </a:xfrm>
           <a:prstGeom prst="rect">
             <a:avLst/>
@@ -8146,19 +7254,72 @@
               </a:spcBef>
             </a:pPr>
             <a:r>
-              <a:rPr sz="1000" dirty="0">
+              <a:rPr lang="es-ES" sz="1000" dirty="0">
                 <a:solidFill>
                   <a:srgbClr val="4B4B4B"/>
                 </a:solidFill>
                 <a:latin typeface="AdobeClean-Light"/>
                 <a:cs typeface="AdobeClean-Light"/>
               </a:rPr>
-              <a:t>A designated support engineer who  becomes familiar with your solution  environment and business goals. The NSE  is an experienced support engineer that  helps coordinate your Enterprise Support  experience..</a:t>
-            </a:r>
-            <a:endParaRPr sz="1000" dirty="0">
-              <a:latin typeface="AdobeClean-Light"/>
-              <a:cs typeface="AdobeClean-Light"/>
-            </a:endParaRPr>
+              <a:t>Un ingeniero de asistencia técnica </a:t>
+            </a:r>
+            <a:br>
+              <a:rPr lang="sk-SK" sz="1000" dirty="0">
+                <a:solidFill>
+                  <a:srgbClr val="4B4B4B"/>
+                </a:solidFill>
+                <a:latin typeface="AdobeClean-Light"/>
+                <a:cs typeface="AdobeClean-Light"/>
+              </a:rPr>
+            </a:br>
+            <a:r>
+              <a:rPr lang="es-ES" sz="1000" dirty="0">
+                <a:solidFill>
+                  <a:srgbClr val="4B4B4B"/>
+                </a:solidFill>
+                <a:latin typeface="AdobeClean-Light"/>
+                <a:cs typeface="AdobeClean-Light"/>
+              </a:rPr>
+              <a:t>especializado que esté familiarizado con </a:t>
+            </a:r>
+            <a:br>
+              <a:rPr lang="sk-SK" sz="1000" dirty="0">
+                <a:solidFill>
+                  <a:srgbClr val="4B4B4B"/>
+                </a:solidFill>
+                <a:latin typeface="AdobeClean-Light"/>
+                <a:cs typeface="AdobeClean-Light"/>
+              </a:rPr>
+            </a:br>
+            <a:r>
+              <a:rPr lang="es-ES" sz="1000" dirty="0">
+                <a:solidFill>
+                  <a:srgbClr val="4B4B4B"/>
+                </a:solidFill>
+                <a:latin typeface="AdobeClean-Light"/>
+                <a:cs typeface="AdobeClean-Light"/>
+              </a:rPr>
+              <a:t>el entorno de su solución y sus objetivos empresariales. Es un ingeniero de asistencia técnica experimentado que le ayudará </a:t>
+            </a:r>
+            <a:br>
+              <a:rPr lang="sk-SK" sz="1000" dirty="0">
+                <a:solidFill>
+                  <a:srgbClr val="4B4B4B"/>
+                </a:solidFill>
+                <a:latin typeface="AdobeClean-Light"/>
+                <a:cs typeface="AdobeClean-Light"/>
+              </a:rPr>
+            </a:br>
+            <a:r>
+              <a:rPr lang="es-ES" sz="1000" dirty="0">
+                <a:solidFill>
+                  <a:srgbClr val="4B4B4B"/>
+                </a:solidFill>
+                <a:latin typeface="AdobeClean-Light"/>
+                <a:cs typeface="AdobeClean-Light"/>
+              </a:rPr>
+              <a:t>a coordinar su experiencia de soporte Enterprise.</a:t>
+            </a:r>
           </a:p>
         </p:txBody>
       </p:sp>
@@ -8178,7 +7339,7 @@
         </p:blipFill>
         <p:spPr>
           <a:xfrm>
-            <a:off x="2768925" y="1066800"/>
+            <a:off x="2768925" y="973601"/>
             <a:ext cx="365760" cy="365760"/>
           </a:xfrm>
           <a:prstGeom prst="rect">
@@ -8218,8 +7379,8 @@
         </p:nvSpPr>
         <p:spPr>
           <a:xfrm>
-            <a:off x="5333365" y="1433668"/>
-            <a:ext cx="2194560" cy="936154"/>
+            <a:off x="5333364" y="1433668"/>
+            <a:ext cx="2461775" cy="843821"/>
           </a:xfrm>
           <a:prstGeom prst="rect">
             <a:avLst/>
@@ -8240,19 +7401,53 @@
               </a:spcBef>
             </a:pPr>
             <a:r>
-              <a:rPr sz="1000" dirty="0">
+              <a:rPr lang="es-ES" sz="900" dirty="0">
                 <a:solidFill>
                   <a:srgbClr val="4B4B4B"/>
                 </a:solidFill>
                 <a:latin typeface="AdobeClean-Light"/>
                 <a:cs typeface="AdobeClean-Light"/>
               </a:rPr>
-              <a:t>Regular scheduled review of open  support requests, ensuring customer  alignment on case description, business  impact, status, priority and agreement on  next steps required to ensure an  expedient resolution.</a:t>
-            </a:r>
-            <a:endParaRPr sz="1000" dirty="0">
-              <a:latin typeface="AdobeClean-Light"/>
-              <a:cs typeface="AdobeClean-Light"/>
-            </a:endParaRPr>
+              <a:t>Revisión programada periódica de las solicitudes </a:t>
+            </a:r>
+            <a:br>
+              <a:rPr lang="sk-SK" sz="900" dirty="0">
+                <a:solidFill>
+                  <a:srgbClr val="4B4B4B"/>
+                </a:solidFill>
+                <a:latin typeface="AdobeClean-Light"/>
+                <a:cs typeface="AdobeClean-Light"/>
+              </a:rPr>
+            </a:br>
+            <a:r>
+              <a:rPr lang="es-ES" sz="900" dirty="0">
+                <a:solidFill>
+                  <a:srgbClr val="4B4B4B"/>
+                </a:solidFill>
+                <a:latin typeface="AdobeClean-Light"/>
+                <a:cs typeface="AdobeClean-Light"/>
+              </a:rPr>
+              <a:t>de soporte abiertas, lo que garantiza la alineación del cliente en la descripción de casos, el impacto empresarial, el estado, la prioridad y el acuerdo </a:t>
+            </a:r>
+            <a:br>
+              <a:rPr lang="sk-SK" sz="900" dirty="0">
+                <a:solidFill>
+                  <a:srgbClr val="4B4B4B"/>
+                </a:solidFill>
+                <a:latin typeface="AdobeClean-Light"/>
+                <a:cs typeface="AdobeClean-Light"/>
+              </a:rPr>
+            </a:br>
+            <a:r>
+              <a:rPr lang="es-ES" sz="900" dirty="0">
+                <a:solidFill>
+                  <a:srgbClr val="4B4B4B"/>
+                </a:solidFill>
+                <a:latin typeface="AdobeClean-Light"/>
+                <a:cs typeface="AdobeClean-Light"/>
+              </a:rPr>
+              <a:t>en cuanto a los siguientes pasos necesarios para garantizar una solución adecuada.</a:t>
+            </a:r>
           </a:p>
         </p:txBody>
       </p:sp>
@@ -8289,7 +7484,7 @@
         <p:spPr>
           <a:xfrm>
             <a:off x="324341" y="1433668"/>
-            <a:ext cx="2194560" cy="782265"/>
+            <a:ext cx="2194560" cy="936154"/>
           </a:xfrm>
           <a:prstGeom prst="rect">
             <a:avLst/>
@@ -8310,24 +7505,33 @@
               </a:spcBef>
             </a:pPr>
             <a:r>
-              <a:rPr sz="1000" dirty="0">
+              <a:rPr lang="es-ES" sz="1000" dirty="0">
                 <a:solidFill>
                   <a:srgbClr val="020302"/>
                 </a:solidFill>
                 <a:latin typeface="AdobeClean-Light"/>
                 <a:cs typeface="AdobeClean-Light"/>
               </a:rPr>
-              <a:t>A designated Technical Account Manager to  oversee your Elite experience, coordinate  the support and field services  engagements, and provide proactive services  to maximize your business valu</a:t>
-            </a:r>
-            <a:r>
-              <a:rPr lang="en-US" sz="1000" dirty="0">
+              <a:t>Un gestor técnico de cuentas particular para supervisar su experiencia con Elite, coordinar las contrataciones de asistencia y los servicios de campo, y proporcionar servicios proactivos para maximizar </a:t>
+            </a:r>
+            <a:br>
+              <a:rPr lang="sk-SK" sz="1000" dirty="0">
                 <a:solidFill>
                   <a:srgbClr val="020302"/>
                 </a:solidFill>
                 <a:latin typeface="AdobeClean-Light"/>
                 <a:cs typeface="AdobeClean-Light"/>
               </a:rPr>
-              <a:t>e.</a:t>
+            </a:br>
+            <a:r>
+              <a:rPr lang="es-ES" sz="1000" dirty="0">
+                <a:solidFill>
+                  <a:srgbClr val="020302"/>
+                </a:solidFill>
+                <a:latin typeface="AdobeClean-Light"/>
+                <a:cs typeface="AdobeClean-Light"/>
+              </a:rPr>
+              <a:t>el valor empresarial.</a:t>
             </a:r>
           </a:p>
         </p:txBody>
@@ -8340,7 +7544,7 @@
         </p:nvSpPr>
         <p:spPr>
           <a:xfrm>
-            <a:off x="689237" y="1126245"/>
+            <a:off x="689237" y="1033046"/>
             <a:ext cx="2194560" cy="169277"/>
           </a:xfrm>
           <a:prstGeom prst="rect">
@@ -8362,19 +7566,15 @@
               </a:spcBef>
             </a:pPr>
             <a:r>
-              <a:rPr sz="1100" b="1" dirty="0">
+              <a:rPr lang="es-ES" sz="1100" b="1">
                 <a:solidFill>
                   <a:srgbClr val="020302"/>
                 </a:solidFill>
                 <a:latin typeface="Adobe Clean" panose="020B0503020404020204" pitchFamily="34" charset="0"/>
                 <a:cs typeface="Arial"/>
               </a:rPr>
-              <a:t>Technical Account Manager</a:t>
-            </a:r>
-            <a:endParaRPr sz="1100" dirty="0">
-              <a:latin typeface="Adobe Clean" panose="020B0503020404020204" pitchFamily="34" charset="0"/>
-              <a:cs typeface="Arial"/>
-            </a:endParaRPr>
+              <a:t>Gestor técnico de cuentas</a:t>
+            </a:r>
           </a:p>
         </p:txBody>
       </p:sp>
@@ -8394,7 +7594,7 @@
         </p:blipFill>
         <p:spPr>
           <a:xfrm>
-            <a:off x="228600" y="1066800"/>
+            <a:off x="228600" y="973601"/>
             <a:ext cx="365760" cy="365760"/>
           </a:xfrm>
           <a:prstGeom prst="rect">
@@ -8418,7 +7618,7 @@
         </p:blipFill>
         <p:spPr>
           <a:xfrm>
-            <a:off x="5257800" y="1066800"/>
+            <a:off x="5257800" y="973601"/>
             <a:ext cx="365760" cy="365760"/>
           </a:xfrm>
           <a:prstGeom prst="rect">
@@ -8435,7 +7635,7 @@
         <p:spPr>
           <a:xfrm>
             <a:off x="2791726" y="5243920"/>
-            <a:ext cx="2194560" cy="499111"/>
+            <a:ext cx="2194560" cy="672172"/>
           </a:xfrm>
           <a:prstGeom prst="rect">
             <a:avLst/>
@@ -8456,49 +7656,15 @@
               </a:spcBef>
             </a:pPr>
             <a:r>
-              <a:rPr sz="1000" dirty="0">
+              <a:rPr lang="es-ES" sz="1000" dirty="0">
                 <a:solidFill>
                   <a:srgbClr val="020302"/>
                 </a:solidFill>
                 <a:latin typeface="AdobeClean-Light"/>
                 <a:cs typeface="AdobeClean-Light"/>
               </a:rPr>
-              <a:t>Ongoing knowledge transfer from Adobe  </a:t>
-            </a:r>
-            <a:r>
-              <a:rPr lang="en-US" sz="1000" dirty="0">
-                <a:solidFill>
-                  <a:srgbClr val="020302"/>
-                </a:solidFill>
-                <a:latin typeface="AdobeClean-Light"/>
-                <a:cs typeface="AdobeClean-Light"/>
-              </a:rPr>
-              <a:t>Support team</a:t>
-            </a:r>
-            <a:r>
-              <a:rPr sz="1000" dirty="0">
-                <a:solidFill>
-                  <a:srgbClr val="020302"/>
-                </a:solidFill>
-                <a:latin typeface="AdobeClean-Light"/>
-                <a:cs typeface="AdobeClean-Light"/>
-              </a:rPr>
-              <a:t> to provide </a:t>
-            </a:r>
-            <a:r>
-              <a:rPr lang="en-US" sz="1000" dirty="0">
-                <a:solidFill>
-                  <a:srgbClr val="020302"/>
-                </a:solidFill>
-                <a:latin typeface="AdobeClean-Light"/>
-                <a:cs typeface="AdobeClean-Light"/>
-              </a:rPr>
-              <a:t>best practices around solution usage.</a:t>
-            </a:r>
-            <a:endParaRPr sz="1000" dirty="0">
-              <a:latin typeface="AdobeClean-Light"/>
-              <a:cs typeface="AdobeClean-Light"/>
-            </a:endParaRPr>
+              <a:t>Transferencia de conocimientos en curso del equipo de soporte de Adobe para ofrecer prácticas recomendadas sobre el uso de la solución.</a:t>
+            </a:r>
           </a:p>
         </p:txBody>
       </p:sp>
@@ -8510,8 +7676,8 @@
         </p:nvSpPr>
         <p:spPr>
           <a:xfrm>
-            <a:off x="5265661" y="5243920"/>
-            <a:ext cx="2194560" cy="669927"/>
+            <a:off x="5265660" y="5243920"/>
+            <a:ext cx="2278139" cy="669927"/>
           </a:xfrm>
           <a:prstGeom prst="rect">
             <a:avLst/>
@@ -8532,19 +7698,15 @@
               </a:spcBef>
             </a:pPr>
             <a:r>
-              <a:rPr sz="1000" dirty="0">
+              <a:rPr lang="es-ES" sz="1000" dirty="0">
                 <a:solidFill>
                   <a:srgbClr val="020302"/>
                 </a:solidFill>
                 <a:latin typeface="AdobeClean-Light"/>
                 <a:cs typeface="AdobeClean-Light"/>
               </a:rPr>
-              <a:t>Manage key events to ensure you have the  right level of support, coverage, and  mitigation plan in place during those key  business and project milestones.</a:t>
-            </a:r>
-            <a:endParaRPr sz="1000" dirty="0">
-              <a:latin typeface="AdobeClean-Light"/>
-              <a:cs typeface="AdobeClean-Light"/>
-            </a:endParaRPr>
+              <a:t>Administre eventos clave para garantizar que dispone del nivel adecuado de asistencia, cobertura y plan de mitigación durante esos hitos clave empresariales y de proyecto.</a:t>
+            </a:r>
           </a:p>
         </p:txBody>
       </p:sp>
@@ -8556,8 +7718,8 @@
         </p:nvSpPr>
         <p:spPr>
           <a:xfrm>
-            <a:off x="324341" y="5262204"/>
-            <a:ext cx="2194560" cy="698781"/>
+            <a:off x="324340" y="5262204"/>
+            <a:ext cx="2428139" cy="631070"/>
           </a:xfrm>
           <a:prstGeom prst="rect">
             <a:avLst/>
@@ -8578,19 +7740,35 @@
               </a:spcBef>
             </a:pPr>
             <a:r>
-              <a:rPr sz="1000" dirty="0">
+              <a:rPr lang="es-ES" sz="900" dirty="0">
                 <a:solidFill>
                   <a:srgbClr val="020302"/>
                 </a:solidFill>
                 <a:latin typeface="AdobeClean-Light"/>
                 <a:cs typeface="AdobeClean-Light"/>
               </a:rPr>
-              <a:t>Receive personalized guidance on new  product features to take advantage of  latest innovations, and have Adobe  experts review release and upgrade plan.</a:t>
-            </a:r>
-            <a:endParaRPr sz="1000" dirty="0">
-              <a:latin typeface="AdobeClean-Light"/>
-              <a:cs typeface="AdobeClean-Light"/>
-            </a:endParaRPr>
+              <a:t>Reciba orientación personalizada sobre las nuevas funciones de los productos para</a:t>
+            </a:r>
+            <a:r>
+              <a:rPr lang="sk-SK" sz="900" dirty="0">
+                <a:solidFill>
+                  <a:srgbClr val="020302"/>
+                </a:solidFill>
+                <a:latin typeface="AdobeClean-Light"/>
+                <a:cs typeface="AdobeClean-Light"/>
+              </a:rPr>
+              <a:t> </a:t>
+            </a:r>
+            <a:r>
+              <a:rPr lang="es-ES" sz="900" dirty="0">
+                <a:solidFill>
+                  <a:srgbClr val="020302"/>
+                </a:solidFill>
+                <a:latin typeface="AdobeClean-Light"/>
+                <a:cs typeface="AdobeClean-Light"/>
+              </a:rPr>
+              <a:t>aprovechar las últimas innovaciones, y pida a los expertos en Adobe que revisen la versión y el plan de actualización.</a:t>
+            </a:r>
           </a:p>
         </p:txBody>
       </p:sp>
@@ -8602,8 +7780,8 @@
         </p:nvSpPr>
         <p:spPr>
           <a:xfrm>
-            <a:off x="97787" y="9888626"/>
-            <a:ext cx="2202180" cy="149860"/>
+            <a:off x="97786" y="9888626"/>
+            <a:ext cx="2912693" cy="133370"/>
           </a:xfrm>
           <a:prstGeom prst="rect">
             <a:avLst/>
@@ -8624,99 +7802,95 @@
               </a:spcBef>
             </a:pPr>
             <a:r>
-              <a:rPr sz="800" spc="-15" dirty="0">
+              <a:rPr lang="es-ES" sz="800" dirty="0">
                 <a:solidFill>
                   <a:srgbClr val="6D6D6D"/>
                 </a:solidFill>
                 <a:latin typeface="Adobe Clean"/>
                 <a:cs typeface="Adobe Clean"/>
               </a:rPr>
-              <a:t>©2021 </a:t>
-            </a:r>
-            <a:r>
-              <a:rPr sz="800" spc="-5" dirty="0">
+              <a:t>©2021 Adobe. </a:t>
+            </a:r>
+            <a:r>
+              <a:rPr lang="es-ES" sz="800" dirty="0" err="1">
                 <a:solidFill>
                   <a:srgbClr val="6D6D6D"/>
                 </a:solidFill>
                 <a:latin typeface="Adobe Clean"/>
                 <a:cs typeface="Adobe Clean"/>
               </a:rPr>
-              <a:t>Adobe. All</a:t>
-            </a:r>
-            <a:r>
-              <a:rPr sz="800" spc="-15" dirty="0">
+              <a:t>All</a:t>
+            </a:r>
+            <a:r>
+              <a:rPr lang="es-ES" sz="800" dirty="0">
                 <a:solidFill>
                   <a:srgbClr val="6D6D6D"/>
                 </a:solidFill>
                 <a:latin typeface="Adobe Clean"/>
                 <a:cs typeface="Adobe Clean"/>
               </a:rPr>
-              <a:t> Rights</a:t>
-            </a:r>
-            <a:r>
-              <a:rPr sz="800" spc="-5" dirty="0">
+              <a:t> </a:t>
+            </a:r>
+            <a:r>
+              <a:rPr lang="es-ES" sz="800" dirty="0" err="1">
                 <a:solidFill>
                   <a:srgbClr val="6D6D6D"/>
                 </a:solidFill>
                 <a:latin typeface="Adobe Clean"/>
                 <a:cs typeface="Adobe Clean"/>
               </a:rPr>
-              <a:t> </a:t>
-            </a:r>
-            <a:r>
-              <a:rPr sz="800" spc="-15" dirty="0">
+              <a:t>Rights</a:t>
+            </a:r>
+            <a:r>
+              <a:rPr lang="es-ES" sz="800" dirty="0">
                 <a:solidFill>
                   <a:srgbClr val="6D6D6D"/>
                 </a:solidFill>
                 <a:latin typeface="Adobe Clean"/>
                 <a:cs typeface="Adobe Clean"/>
               </a:rPr>
-              <a:t>Reserved.</a:t>
-            </a:r>
-            <a:r>
-              <a:rPr sz="800" spc="-10" dirty="0">
+              <a:t> </a:t>
+            </a:r>
+            <a:r>
+              <a:rPr lang="es-ES" sz="800" dirty="0" err="1">
                 <a:solidFill>
                   <a:srgbClr val="6D6D6D"/>
                 </a:solidFill>
                 <a:latin typeface="Adobe Clean"/>
                 <a:cs typeface="Adobe Clean"/>
               </a:rPr>
-              <a:t> </a:t>
-            </a:r>
-            <a:r>
-              <a:rPr sz="800" spc="-5" dirty="0">
+              <a:t>Reserved</a:t>
+            </a:r>
+            <a:r>
+              <a:rPr lang="es-ES" sz="800" dirty="0">
                 <a:solidFill>
                   <a:srgbClr val="6D6D6D"/>
                 </a:solidFill>
                 <a:latin typeface="Adobe Clean"/>
                 <a:cs typeface="Adobe Clean"/>
               </a:rPr>
-              <a:t>Adobe</a:t>
-            </a:r>
-            <a:r>
-              <a:rPr sz="800" spc="65" dirty="0">
+              <a:t>. Adobe </a:t>
+            </a:r>
+            <a:r>
+              <a:rPr lang="es-ES" sz="800" dirty="0" err="1">
                 <a:solidFill>
                   <a:srgbClr val="6D6D6D"/>
                 </a:solidFill>
                 <a:latin typeface="Adobe Clean"/>
                 <a:cs typeface="Adobe Clean"/>
               </a:rPr>
-              <a:t> </a:t>
-            </a:r>
-            <a:r>
-              <a:rPr sz="800" spc="-15" dirty="0">
+              <a:t>Confidential</a:t>
+            </a:r>
+            <a:r>
+              <a:rPr lang="es-ES" sz="800" dirty="0">
                 <a:solidFill>
                   <a:srgbClr val="6D6D6D"/>
                 </a:solidFill>
                 <a:latin typeface="Adobe Clean"/>
                 <a:cs typeface="Adobe Clean"/>
               </a:rPr>
-              <a:t>Confidential.</a:t>
-            </a:r>
-            <a:endParaRPr sz="800">
-              <a:latin typeface="Adobe Clean"/>
-              <a:cs typeface="Adobe Clean"/>
-            </a:endParaRPr>
+              <a:t>.</a:t>
+            </a:r>
           </a:p>
         </p:txBody>
       </p:sp>
@@ -8774,7 +7948,7 @@
         <p:spPr>
           <a:xfrm>
             <a:off x="2791726" y="9060487"/>
-            <a:ext cx="2194560" cy="487313"/>
+            <a:ext cx="2255260" cy="795089"/>
           </a:xfrm>
           <a:prstGeom prst="rect">
             <a:avLst/>
@@ -8798,152 +7972,15 @@
               </a:tabLst>
             </a:pPr>
             <a:r>
-              <a:rPr sz="1000" spc="-20" dirty="0">
+              <a:rPr lang="es-ES" sz="1000" dirty="0">
                 <a:solidFill>
                   <a:srgbClr val="020302"/>
                 </a:solidFill>
                 <a:latin typeface="AdobeClean-Light"/>
                 <a:cs typeface="AdobeClean-Light"/>
               </a:rPr>
-              <a:t>Start </a:t>
-            </a:r>
-            <a:r>
-              <a:rPr sz="1000" dirty="0">
-                <a:solidFill>
-                  <a:srgbClr val="020302"/>
-                </a:solidFill>
-                <a:latin typeface="AdobeClean-Light"/>
-                <a:cs typeface="AdobeClean-Light"/>
-              </a:rPr>
-              <a:t>a </a:t>
-            </a:r>
-            <a:r>
-              <a:rPr sz="1000" spc="-15" dirty="0">
-                <a:solidFill>
-                  <a:srgbClr val="020302"/>
-                </a:solidFill>
-                <a:latin typeface="AdobeClean-Light"/>
-                <a:cs typeface="AdobeClean-Light"/>
-              </a:rPr>
-              <a:t>chat </a:t>
-            </a:r>
-            <a:r>
-              <a:rPr sz="1000" spc="-10" dirty="0">
-                <a:solidFill>
-                  <a:srgbClr val="020302"/>
-                </a:solidFill>
-                <a:latin typeface="AdobeClean-Light"/>
-                <a:cs typeface="AdobeClean-Light"/>
-              </a:rPr>
-              <a:t>session </a:t>
-            </a:r>
-            <a:r>
-              <a:rPr sz="1000" spc="-5" dirty="0">
-                <a:solidFill>
-                  <a:srgbClr val="020302"/>
-                </a:solidFill>
-                <a:latin typeface="AdobeClean-Light"/>
-                <a:cs typeface="AdobeClean-Light"/>
-              </a:rPr>
-              <a:t>to </a:t>
-            </a:r>
-            <a:r>
-              <a:rPr sz="1000" spc="-10" dirty="0">
-                <a:solidFill>
-                  <a:srgbClr val="020302"/>
-                </a:solidFill>
-                <a:latin typeface="AdobeClean-Light"/>
-                <a:cs typeface="AdobeClean-Light"/>
-              </a:rPr>
-              <a:t>get </a:t>
-            </a:r>
-            <a:r>
-              <a:rPr sz="1000" spc="-20" dirty="0">
-                <a:solidFill>
-                  <a:srgbClr val="020302"/>
-                </a:solidFill>
-                <a:latin typeface="AdobeClean-Light"/>
-                <a:cs typeface="AdobeClean-Light"/>
-              </a:rPr>
-              <a:t>answers</a:t>
-            </a:r>
-            <a:r>
-              <a:rPr lang="en-US" sz="1000" spc="-45" dirty="0">
-                <a:solidFill>
-                  <a:srgbClr val="020302"/>
-                </a:solidFill>
-                <a:latin typeface="AdobeClean-Light"/>
-                <a:cs typeface="AdobeClean-Light"/>
-              </a:rPr>
-              <a:t> </a:t>
-            </a:r>
-            <a:r>
-              <a:rPr lang="en-US" sz="1000" dirty="0">
-                <a:solidFill>
-                  <a:srgbClr val="020302"/>
-                </a:solidFill>
-                <a:latin typeface="AdobeClean-Light"/>
-                <a:cs typeface="AdobeClean-Light"/>
-              </a:rPr>
-              <a:t>&amp; </a:t>
-            </a:r>
-            <a:r>
-              <a:rPr sz="1000" spc="-15" dirty="0">
-                <a:solidFill>
-                  <a:srgbClr val="020302"/>
-                </a:solidFill>
-                <a:latin typeface="AdobeClean-Light"/>
-                <a:cs typeface="AdobeClean-Light"/>
-              </a:rPr>
-              <a:t>help </a:t>
-            </a:r>
-            <a:r>
-              <a:rPr sz="1000" spc="-10" dirty="0">
-                <a:solidFill>
-                  <a:srgbClr val="020302"/>
-                </a:solidFill>
-                <a:latin typeface="AdobeClean-Light"/>
-                <a:cs typeface="AdobeClean-Light"/>
-              </a:rPr>
-              <a:t>with</a:t>
-            </a:r>
-            <a:r>
-              <a:rPr sz="1000" spc="85" dirty="0">
-                <a:solidFill>
-                  <a:srgbClr val="020302"/>
-                </a:solidFill>
-                <a:latin typeface="AdobeClean-Light"/>
-                <a:cs typeface="AdobeClean-Light"/>
-              </a:rPr>
-              <a:t> </a:t>
-            </a:r>
-            <a:r>
-              <a:rPr sz="1000" spc="-10" dirty="0">
-                <a:solidFill>
-                  <a:srgbClr val="020302"/>
-                </a:solidFill>
-                <a:latin typeface="AdobeClean-Light"/>
-                <a:cs typeface="AdobeClean-Light"/>
-              </a:rPr>
-              <a:t>case </a:t>
-            </a:r>
-            <a:r>
-              <a:rPr sz="1000" spc="-20" dirty="0">
-                <a:solidFill>
-                  <a:srgbClr val="020302"/>
-                </a:solidFill>
-                <a:latin typeface="AdobeClean-Light"/>
-                <a:cs typeface="AdobeClean-Light"/>
-              </a:rPr>
-              <a:t>submission</a:t>
-            </a:r>
-            <a:endParaRPr lang="en-US" sz="1000" spc="-20" dirty="0">
-              <a:solidFill>
-                <a:srgbClr val="020302"/>
-              </a:solidFill>
-              <a:latin typeface="AdobeClean-Light"/>
-              <a:cs typeface="AdobeClean-Light"/>
-            </a:endParaRPr>
+              <a:t>Inicie una sesión de chat para obtener respuestas y ayuda con el envío de casos.</a:t>
+            </a:r>
           </a:p>
           <a:p>
             <a:pPr marL="33020" marR="159385">
@@ -8958,39 +7995,25 @@
               </a:tabLst>
             </a:pPr>
             <a:r>
-              <a:rPr sz="1000" i="1" spc="-10" dirty="0">
+              <a:rPr lang="es-ES" sz="1000" i="1" dirty="0">
                 <a:solidFill>
                   <a:srgbClr val="7A7A7A"/>
                 </a:solidFill>
                 <a:latin typeface="AdobeClean-LightIt"/>
                 <a:cs typeface="AdobeClean-LightIt"/>
               </a:rPr>
-              <a:t>*Not all </a:t>
-            </a:r>
-            <a:r>
-              <a:rPr sz="1000" i="1" spc="-20" dirty="0">
+              <a:t>* No todos los productos ofrecen la opción de disfrutar de asistencia mediante chat en directo</a:t>
+            </a:r>
+            <a:r>
+              <a:rPr lang="es-ES" sz="900" i="1" dirty="0">
                 <a:solidFill>
                   <a:srgbClr val="7A7A7A"/>
                 </a:solidFill>
                 <a:latin typeface="AdobeClean-LightIt"/>
                 <a:cs typeface="AdobeClean-LightIt"/>
               </a:rPr>
-              <a:t>products have live chat support</a:t>
-            </a:r>
-            <a:r>
-              <a:rPr sz="900" i="1" spc="-20" dirty="0">
-                <a:solidFill>
-                  <a:srgbClr val="7A7A7A"/>
-                </a:solidFill>
-                <a:latin typeface="AdobeClean-LightIt"/>
-                <a:cs typeface="AdobeClean-LightIt"/>
-              </a:rPr>
               <a:t>.  </a:t>
             </a:r>
-            <a:endParaRPr sz="900" dirty="0">
-              <a:latin typeface="AdobeClean-Light"/>
-              <a:cs typeface="AdobeClean-Light"/>
-            </a:endParaRPr>
           </a:p>
         </p:txBody>
       </p:sp>
@@ -9037,12 +8060,12 @@
               <a:defRPr/>
             </a:pPr>
             <a:r>
-              <a:rPr lang="en-US" sz="1200" dirty="0">
+              <a:rPr lang="es-ES" sz="1200">
                 <a:solidFill>
                   <a:srgbClr val="000000"/>
                 </a:solidFill>
               </a:rPr>
-              <a:t>Community Forums</a:t>
+              <a:t>Foros de la comunidad</a:t>
             </a:r>
           </a:p>
         </p:txBody>
@@ -9085,12 +8108,12 @@
               </a:spcAft>
             </a:pPr>
             <a:r>
-              <a:rPr lang="en-US" sz="1200" b="1" dirty="0">
+              <a:rPr lang="es-ES" sz="1200" b="1">
                 <a:latin typeface="+mj-lt"/>
                 <a:ea typeface="Open Sans" pitchFamily="34" charset="0"/>
                 <a:cs typeface="Open Sans" pitchFamily="34" charset="0"/>
               </a:rPr>
-              <a:t>Online Forums</a:t>
+              <a:t>Foros en línea</a:t>
             </a:r>
           </a:p>
         </p:txBody>
@@ -9110,7 +8133,7 @@
         <p:spPr>
           <a:xfrm>
             <a:off x="324341" y="7152361"/>
-            <a:ext cx="2194560" cy="959237"/>
+            <a:ext cx="2194560" cy="1267014"/>
           </a:xfrm>
           <a:prstGeom prst="rect">
             <a:avLst/>
@@ -9123,13 +8146,115 @@
           <a:lstStyle/>
           <a:p>
             <a:r>
-              <a:rPr lang="en-US" sz="1000" dirty="0">
+              <a:rPr lang="es-ES" sz="1000" dirty="0">
                 <a:solidFill>
                   <a:srgbClr val="4B4B4B"/>
                 </a:solidFill>
                 <a:latin typeface="Adobe Clean Light" panose="020B0303020404020204" pitchFamily="34" charset="0"/>
               </a:rPr>
-              <a:t>Continuous online access to a growing database of technical solutions, product documentation, FAQs and more. Connect with practitioners and other customers on Adobe Community to share best practices and lessons learned</a:t>
+              <a:t>Acceso continuo en línea a una base </a:t>
+            </a:r>
+            <a:br>
+              <a:rPr lang="sk-SK" sz="1000" dirty="0">
+                <a:solidFill>
+                  <a:srgbClr val="4B4B4B"/>
+                </a:solidFill>
+                <a:latin typeface="Adobe Clean Light" panose="020B0303020404020204" pitchFamily="34" charset="0"/>
+              </a:rPr>
+            </a:br>
+            <a:r>
+              <a:rPr lang="es-ES" sz="1000" dirty="0">
+                <a:solidFill>
+                  <a:srgbClr val="4B4B4B"/>
+                </a:solidFill>
+                <a:latin typeface="Adobe Clean Light" panose="020B0303020404020204" pitchFamily="34" charset="0"/>
+              </a:rPr>
+              <a:t>de datos donde encontrará cada vez más soluciones técnicas, documentación </a:t>
+            </a:r>
+            <a:br>
+              <a:rPr lang="sk-SK" sz="1000" dirty="0">
+                <a:solidFill>
+                  <a:srgbClr val="4B4B4B"/>
+                </a:solidFill>
+                <a:latin typeface="Adobe Clean Light" panose="020B0303020404020204" pitchFamily="34" charset="0"/>
+              </a:rPr>
+            </a:br>
+            <a:r>
+              <a:rPr lang="es-ES" sz="1000" dirty="0">
+                <a:solidFill>
+                  <a:srgbClr val="4B4B4B"/>
+                </a:solidFill>
+                <a:latin typeface="Adobe Clean Light" panose="020B0303020404020204" pitchFamily="34" charset="0"/>
+              </a:rPr>
+              <a:t>de productos, preguntas frecuentes </a:t>
+            </a:r>
+            <a:br>
+              <a:rPr lang="sk-SK" sz="1000" dirty="0">
+                <a:solidFill>
+                  <a:srgbClr val="4B4B4B"/>
+                </a:solidFill>
+                <a:latin typeface="Adobe Clean Light" panose="020B0303020404020204" pitchFamily="34" charset="0"/>
+              </a:rPr>
+            </a:br>
+            <a:r>
+              <a:rPr lang="es-ES" sz="1000" dirty="0">
+                <a:solidFill>
+                  <a:srgbClr val="4B4B4B"/>
+                </a:solidFill>
+                <a:latin typeface="Adobe Clean Light" panose="020B0303020404020204" pitchFamily="34" charset="0"/>
+              </a:rPr>
+              <a:t>y mucho más. Hable con profesionales </a:t>
+            </a:r>
+            <a:br>
+              <a:rPr lang="sk-SK" sz="1000" dirty="0">
+                <a:solidFill>
+                  <a:srgbClr val="4B4B4B"/>
+                </a:solidFill>
+                <a:latin typeface="Adobe Clean Light" panose="020B0303020404020204" pitchFamily="34" charset="0"/>
+              </a:rPr>
+            </a:br>
+            <a:r>
+              <a:rPr lang="es-ES" sz="1000" dirty="0">
+                <a:solidFill>
+                  <a:srgbClr val="4B4B4B"/>
+                </a:solidFill>
+                <a:latin typeface="Adobe Clean Light" panose="020B0303020404020204" pitchFamily="34" charset="0"/>
+              </a:rPr>
+              <a:t>y otros clientes en la Comunidad de Adobe </a:t>
+            </a:r>
+            <a:br>
+              <a:rPr lang="sk-SK" sz="1000" dirty="0">
+                <a:solidFill>
+                  <a:srgbClr val="4B4B4B"/>
+                </a:solidFill>
+                <a:latin typeface="Adobe Clean Light" panose="020B0303020404020204" pitchFamily="34" charset="0"/>
+              </a:rPr>
+            </a:br>
+            <a:r>
+              <a:rPr lang="es-ES" sz="1000" dirty="0">
+                <a:solidFill>
+                  <a:srgbClr val="4B4B4B"/>
+                </a:solidFill>
+                <a:latin typeface="Adobe Clean Light" panose="020B0303020404020204" pitchFamily="34" charset="0"/>
+              </a:rPr>
+              <a:t>para compartir prácticas recomendadas </a:t>
+            </a:r>
+            <a:br>
+              <a:rPr lang="sk-SK" sz="1000" dirty="0">
+                <a:solidFill>
+                  <a:srgbClr val="4B4B4B"/>
+                </a:solidFill>
+                <a:latin typeface="Adobe Clean Light" panose="020B0303020404020204" pitchFamily="34" charset="0"/>
+              </a:rPr>
+            </a:br>
+            <a:r>
+              <a:rPr lang="es-ES" sz="1000" dirty="0">
+                <a:solidFill>
+                  <a:srgbClr val="4B4B4B"/>
+                </a:solidFill>
+                <a:latin typeface="Adobe Clean Light" panose="020B0303020404020204" pitchFamily="34" charset="0"/>
+              </a:rPr>
+              <a:t>y lecciones aprendidas.</a:t>
             </a:r>
           </a:p>
         </p:txBody>
@@ -9177,7 +8302,7 @@
               <a:defRPr/>
             </a:pPr>
             <a:r>
-              <a:rPr lang="en-US" sz="1200" dirty="0">
+              <a:rPr lang="es-ES" sz="1200">
                 <a:solidFill>
                   <a:srgbClr val="000000"/>
                 </a:solidFill>
@@ -9225,12 +8350,12 @@
               </a:spcAft>
             </a:pPr>
             <a:r>
-              <a:rPr lang="en-US" sz="1200" b="1" dirty="0">
+              <a:rPr lang="es-ES" sz="1200" b="1">
                 <a:latin typeface="+mj-lt"/>
                 <a:ea typeface="Open Sans" pitchFamily="34" charset="0"/>
                 <a:cs typeface="Open Sans" pitchFamily="34" charset="0"/>
               </a:rPr>
-              <a:t>Self-guided Journeys</a:t>
+              <a:t>Recorridos autoguiados</a:t>
             </a:r>
           </a:p>
         </p:txBody>
@@ -9263,13 +8388,67 @@
           <a:lstStyle/>
           <a:p>
             <a:r>
-              <a:rPr lang="en-US" sz="1000" dirty="0">
+              <a:rPr lang="es-ES" sz="1000" dirty="0">
                 <a:solidFill>
                   <a:srgbClr val="4B4B4B"/>
                 </a:solidFill>
                 <a:latin typeface="Adobe Clean Light" panose="020B0303020404020204" pitchFamily="34" charset="0"/>
               </a:rPr>
-              <a:t>Experience Makers are made with Experience League. Customers can kickstart their Customer Experience Management abilities with personalized learning to develop skills, engage with a global community of peers, and earn career advancing recognition</a:t>
+              <a:t>Los </a:t>
+            </a:r>
+            <a:r>
+              <a:rPr lang="es-ES" sz="1000" dirty="0" err="1">
+                <a:solidFill>
+                  <a:srgbClr val="4B4B4B"/>
+                </a:solidFill>
+                <a:latin typeface="Adobe Clean Light" panose="020B0303020404020204" pitchFamily="34" charset="0"/>
+              </a:rPr>
+              <a:t>experience</a:t>
+            </a:r>
+            <a:r>
+              <a:rPr lang="es-ES" sz="1000" dirty="0">
+                <a:solidFill>
+                  <a:srgbClr val="4B4B4B"/>
+                </a:solidFill>
+                <a:latin typeface="Adobe Clean Light" panose="020B0303020404020204" pitchFamily="34" charset="0"/>
+              </a:rPr>
+              <a:t> </a:t>
+            </a:r>
+            <a:r>
+              <a:rPr lang="es-ES" sz="1000" dirty="0" err="1">
+                <a:solidFill>
+                  <a:srgbClr val="4B4B4B"/>
+                </a:solidFill>
+                <a:latin typeface="Adobe Clean Light" panose="020B0303020404020204" pitchFamily="34" charset="0"/>
+              </a:rPr>
+              <a:t>makers</a:t>
+            </a:r>
+            <a:r>
+              <a:rPr lang="es-ES" sz="1000" dirty="0">
+                <a:solidFill>
+                  <a:srgbClr val="4B4B4B"/>
+                </a:solidFill>
+                <a:latin typeface="Adobe Clean Light" panose="020B0303020404020204" pitchFamily="34" charset="0"/>
+              </a:rPr>
+              <a:t> se realizan con </a:t>
+            </a:r>
+            <a:r>
+              <a:rPr lang="es-ES" sz="1000" dirty="0" err="1">
+                <a:solidFill>
+                  <a:srgbClr val="4B4B4B"/>
+                </a:solidFill>
+                <a:latin typeface="Adobe Clean Light" panose="020B0303020404020204" pitchFamily="34" charset="0"/>
+              </a:rPr>
+              <a:t>Experience</a:t>
+            </a:r>
+            <a:r>
+              <a:rPr lang="es-ES" sz="1000" dirty="0">
+                <a:solidFill>
+                  <a:srgbClr val="4B4B4B"/>
+                </a:solidFill>
+                <a:latin typeface="Adobe Clean Light" panose="020B0303020404020204" pitchFamily="34" charset="0"/>
+              </a:rPr>
+              <a:t> League. Los clientes pueden aplicar sus conocimientos de administración de la experiencia del cliente con aprendizaje personalizado para desarrollar habilidades, interactuar con la comunidad internacional de compañeros y obtener reconocimiento en su trayectoria profesional.</a:t>
             </a:r>
           </a:p>
         </p:txBody>
@@ -9291,7 +8470,7 @@
         <p:spPr>
           <a:xfrm>
             <a:off x="3201544" y="8560230"/>
-            <a:ext cx="1543003" cy="184666"/>
+            <a:ext cx="1903856" cy="369332"/>
           </a:xfrm>
           <a:prstGeom prst="rect">
             <a:avLst/>
@@ -9317,12 +8496,12 @@
               <a:defRPr/>
             </a:pPr>
             <a:r>
-              <a:rPr lang="en-US" sz="1200" dirty="0">
+              <a:rPr lang="es-ES" sz="1200" dirty="0">
                 <a:solidFill>
                   <a:srgbClr val="000000"/>
                 </a:solidFill>
               </a:rPr>
-              <a:t>Live Chat  Support*</a:t>
+              <a:t>Asistencia mediante chat en directo*</a:t>
             </a:r>
           </a:p>
         </p:txBody>
@@ -9365,12 +8544,12 @@
               </a:spcAft>
             </a:pPr>
             <a:r>
-              <a:rPr lang="en-US" sz="1200" b="1" dirty="0">
+              <a:rPr lang="es-ES" sz="1200" b="1">
                 <a:latin typeface="+mj-lt"/>
                 <a:ea typeface="Open Sans" pitchFamily="34" charset="0"/>
                 <a:cs typeface="Open Sans" pitchFamily="34" charset="0"/>
               </a:rPr>
-              <a:t>Chat Support</a:t>
+              <a:t>Asistencia mediante chat</a:t>
             </a:r>
           </a:p>
         </p:txBody>
@@ -9418,12 +8597,12 @@
               <a:defRPr/>
             </a:pPr>
             <a:r>
-              <a:rPr lang="en-US" sz="1200" dirty="0">
+              <a:rPr lang="es-ES" sz="1200">
                 <a:solidFill>
                   <a:srgbClr val="000000"/>
                 </a:solidFill>
               </a:rPr>
-              <a:t>24X7 P1 </a:t>
+              <a:t>24/7 P1 </a:t>
             </a:r>
           </a:p>
         </p:txBody>
@@ -9466,12 +8645,12 @@
               </a:spcAft>
             </a:pPr>
             <a:r>
-              <a:rPr lang="en-US" sz="1200" b="1" dirty="0">
+              <a:rPr lang="es-ES" sz="1200" b="1">
                 <a:latin typeface="+mj-lt"/>
                 <a:ea typeface="Open Sans" pitchFamily="34" charset="0"/>
                 <a:cs typeface="Open Sans" pitchFamily="34" charset="0"/>
               </a:rPr>
-              <a:t>Phone  Support</a:t>
+              <a:t>Asistencia telefónica</a:t>
             </a:r>
           </a:p>
         </p:txBody>
@@ -9491,7 +8670,7 @@
         <p:spPr>
           <a:xfrm>
             <a:off x="2791726" y="7152361"/>
-            <a:ext cx="2194560" cy="805349"/>
+            <a:ext cx="2313674" cy="1113125"/>
           </a:xfrm>
           <a:prstGeom prst="rect">
             <a:avLst/>
@@ -9504,35 +8683,59 @@
           <a:lstStyle/>
           <a:p>
             <a:r>
-              <a:rPr lang="en-US" sz="1000" dirty="0">
+              <a:rPr lang="es-ES" sz="1000" b="1" dirty="0">
                 <a:solidFill>
                   <a:srgbClr val="020302"/>
                 </a:solidFill>
                 <a:latin typeface="AdobeClean-Light"/>
               </a:rPr>
-              <a:t>Authorized users or </a:t>
-            </a:r>
-            <a:r>
-              <a:rPr lang="en-US" sz="1000" b="1" dirty="0">
+              <a:t>Los usuarios autorizados o los contactos </a:t>
+            </a:r>
+            <a:br>
+              <a:rPr lang="sk-SK" sz="1000" b="1" dirty="0">
                 <a:solidFill>
                   <a:srgbClr val="020302"/>
                 </a:solidFill>
                 <a:latin typeface="AdobeClean-Light"/>
               </a:rPr>
-              <a:t>Named Support Contacts </a:t>
-            </a:r>
-            <a:r>
-              <a:rPr lang="en-US" sz="1000" dirty="0">
+            </a:br>
+            <a:r>
+              <a:rPr lang="es-ES" sz="1000" b="1" dirty="0">
+                <a:solidFill>
+                  <a:srgbClr val="020302"/>
+                </a:solidFill>
+                <a:latin typeface="AdobeClean-Light"/>
+              </a:rPr>
+              <a:t>de soporte particulares</a:t>
+            </a:r>
+            <a:r>
+              <a:rPr lang="es-ES" sz="1000" dirty="0">
                 <a:latin typeface="Adobe Clean Light" panose="020B0303020404020204" pitchFamily="34" charset="0"/>
               </a:rPr>
-              <a:t>can submit issues through all available  channels (including phone for P1) and interact with our technical support team on behalf of your company. </a:t>
-            </a:r>
-            <a:endParaRPr lang="en-US" sz="1000" dirty="0">
-              <a:solidFill>
-                <a:srgbClr val="000000"/>
-              </a:solidFill>
-              <a:latin typeface="Adobe Clean Light" panose="020B0303020404020204" pitchFamily="34" charset="0"/>
-            </a:endParaRPr>
+              <a:t> pueden enviar problemas a través de todos los canales disponibles (incluido el teléfono en el caso </a:t>
+            </a:r>
+            <a:br>
+              <a:rPr lang="sk-SK" sz="1000" dirty="0">
+                <a:latin typeface="Adobe Clean Light" panose="020B0303020404020204" pitchFamily="34" charset="0"/>
+              </a:rPr>
+            </a:br>
+            <a:r>
+              <a:rPr lang="es-ES" sz="1000" dirty="0">
+                <a:latin typeface="Adobe Clean Light" panose="020B0303020404020204" pitchFamily="34" charset="0"/>
+              </a:rPr>
+              <a:t>de los problemas P1) y hablar con nuestro equipo de asistencia en nombre de </a:t>
+            </a:r>
+            <a:br>
+              <a:rPr lang="sk-SK" sz="1000" dirty="0">
+                <a:latin typeface="Adobe Clean Light" panose="020B0303020404020204" pitchFamily="34" charset="0"/>
+              </a:rPr>
+            </a:br>
+            <a:r>
+              <a:rPr lang="es-ES" sz="1000" dirty="0">
+                <a:latin typeface="Adobe Clean Light" panose="020B0303020404020204" pitchFamily="34" charset="0"/>
+              </a:rPr>
+              <a:t>su empresa. </a:t>
+            </a:r>
           </a:p>
         </p:txBody>
       </p:sp>
@@ -9601,7 +8804,7 @@
         <p:spPr>
           <a:xfrm>
             <a:off x="689237" y="8560230"/>
-            <a:ext cx="991521" cy="184666"/>
+            <a:ext cx="1373941" cy="184666"/>
           </a:xfrm>
           <a:prstGeom prst="rect">
             <a:avLst/>
@@ -9627,12 +8830,12 @@
               <a:defRPr/>
             </a:pPr>
             <a:r>
-              <a:rPr lang="en-US" sz="1200" dirty="0">
+              <a:rPr lang="es-ES" sz="1200" dirty="0">
                 <a:solidFill>
                   <a:srgbClr val="000000"/>
                 </a:solidFill>
               </a:rPr>
-              <a:t>Office Hours</a:t>
+              <a:t>Horario de oficina</a:t>
             </a:r>
           </a:p>
         </p:txBody>
@@ -9675,12 +8878,12 @@
               </a:spcAft>
             </a:pPr>
             <a:r>
-              <a:rPr lang="en-US" sz="1200" b="1" dirty="0">
+              <a:rPr lang="es-ES" sz="1200" b="1">
                 <a:latin typeface="+mj-lt"/>
                 <a:ea typeface="Open Sans" pitchFamily="34" charset="0"/>
                 <a:cs typeface="Open Sans" pitchFamily="34" charset="0"/>
               </a:rPr>
-              <a:t>Webinars</a:t>
+              <a:t>Seminarios web</a:t>
             </a:r>
           </a:p>
         </p:txBody>
@@ -9699,8 +8902,8 @@
         </p:nvSpPr>
         <p:spPr>
           <a:xfrm>
-            <a:off x="355868" y="9026059"/>
-            <a:ext cx="2194560" cy="805349"/>
+            <a:off x="355867" y="8991600"/>
+            <a:ext cx="2396611" cy="866904"/>
           </a:xfrm>
           <a:prstGeom prst="rect">
             <a:avLst/>
@@ -9713,13 +8916,13 @@
           <a:lstStyle/>
           <a:p>
             <a:r>
-              <a:rPr lang="en-US" sz="1000" dirty="0">
+              <a:rPr lang="es-ES" sz="900" dirty="0">
                 <a:solidFill>
                   <a:srgbClr val="4B4B4B"/>
                 </a:solidFill>
                 <a:latin typeface="Adobe Clean Light" panose="020B0303020404020204" pitchFamily="34" charset="0"/>
               </a:rPr>
-              <a:t>Office Hours led by the Adobe Customer Support team includes sessions designed to inform as well as help participants troubleshoot problems and provide tips and tricks for success with Adobe solutions. </a:t>
+              <a:t>En el horario de oficina del equipo de asistencia al cliente de Adobe se incluyen sesiones diseñadas para informar y ayudar a los participantes a solucionar problemas, así como para proporcionar consejos y trucos para que los participantes logren el éxito con las soluciones de Adobe. </a:t>
             </a:r>
           </a:p>
         </p:txBody>
@@ -9741,7 +8944,7 @@
         <p:spPr>
           <a:xfrm>
             <a:off x="5723508" y="8560230"/>
-            <a:ext cx="1303746" cy="184666"/>
+            <a:ext cx="1591692" cy="184666"/>
           </a:xfrm>
           <a:prstGeom prst="rect">
             <a:avLst/>
@@ -9767,12 +8970,12 @@
               <a:defRPr/>
             </a:pPr>
             <a:r>
-              <a:rPr lang="en-US" sz="1200" dirty="0">
+              <a:rPr lang="es-ES" sz="1200" dirty="0">
                 <a:solidFill>
                   <a:srgbClr val="000000"/>
                 </a:solidFill>
               </a:rPr>
-              <a:t>Self-help Portals</a:t>
+              <a:t>Portales de autoayuda</a:t>
             </a:r>
           </a:p>
         </p:txBody>
@@ -9815,12 +9018,12 @@
               </a:spcAft>
             </a:pPr>
             <a:r>
-              <a:rPr lang="en-US" sz="1200" b="1" dirty="0">
+              <a:rPr lang="es-ES" sz="1200" b="1">
                 <a:latin typeface="+mj-lt"/>
                 <a:ea typeface="Open Sans" pitchFamily="34" charset="0"/>
                 <a:cs typeface="Open Sans" pitchFamily="34" charset="0"/>
               </a:rPr>
-              <a:t>24/7 Support Portal</a:t>
+              <a:t>Portal de asistencia 24/7</a:t>
             </a:r>
           </a:p>
         </p:txBody>
@@ -9840,7 +9043,7 @@
         <p:spPr>
           <a:xfrm>
             <a:off x="5265661" y="8987081"/>
-            <a:ext cx="2194560" cy="805349"/>
+            <a:ext cx="2396610" cy="959237"/>
           </a:xfrm>
           <a:prstGeom prst="rect">
             <a:avLst/>
@@ -9853,30 +9056,13 @@
           <a:lstStyle/>
           <a:p>
             <a:r>
-              <a:rPr lang="en-US" sz="1000" dirty="0">
+              <a:rPr lang="es-ES" sz="1000" dirty="0">
                 <a:solidFill>
                   <a:srgbClr val="4B4B4B"/>
                 </a:solidFill>
                 <a:latin typeface="Adobe Clean Light" panose="020B0303020404020204" pitchFamily="34" charset="0"/>
               </a:rPr>
-              <a:t>On-demand access to the online </a:t>
-            </a:r>
-            <a:br>
-              <a:rPr lang="en-US" sz="1000" dirty="0">
-                <a:solidFill>
-                  <a:srgbClr val="4B4B4B"/>
-                </a:solidFill>
-                <a:latin typeface="Adobe Clean Light" panose="020B0303020404020204" pitchFamily="34" charset="0"/>
-              </a:rPr>
-            </a:br>
-            <a:r>
-              <a:rPr lang="en-US" sz="1000" dirty="0">
-                <a:solidFill>
-                  <a:srgbClr val="4B4B4B"/>
-                </a:solidFill>
-                <a:latin typeface="Adobe Clean Light" panose="020B0303020404020204" pitchFamily="34" charset="0"/>
-              </a:rPr>
-              <a:t>Self-help Support Portal to submit support requests, review case status, and browse other resources, like our knowledgebase, news and alerts, featured tips, and more.</a:t>
+              <a:t>Acceso al portal de asistencia de autoayuda en línea previa solicitud para enviar solicitudes de asistencia, revisar el estado de los casos y examinar otros recursos, como la base de conocimiento, noticias y alertas, sugerencias destacadas, y mucho más.</a:t>
             </a:r>
           </a:p>
         </p:txBody>
@@ -10206,19 +9392,15 @@
               </a:spcBef>
             </a:pPr>
             <a:r>
-              <a:rPr lang="en-US" sz="1400" b="1" dirty="0">
+              <a:rPr lang="es-ES" sz="1400" b="1">
                 <a:solidFill>
                   <a:srgbClr val="020302"/>
                 </a:solidFill>
                 <a:latin typeface="Adobe Clean"/>
                 <a:cs typeface="Adobe Clean"/>
               </a:rPr>
-              <a:t>Online Support Features</a:t>
-            </a:r>
-            <a:endParaRPr lang="en-US" sz="1400" dirty="0">
-              <a:latin typeface="Adobe Clean"/>
-              <a:cs typeface="Adobe Clean"/>
-            </a:endParaRPr>
+              <a:t>Funciones de soporte Online</a:t>
+            </a:r>
           </a:p>
         </p:txBody>
       </p:sp>
@@ -10363,7 +9545,7 @@
         </p:nvSpPr>
         <p:spPr>
           <a:xfrm rot="5400000" flipH="1">
-            <a:off x="3863341" y="1912620"/>
+            <a:off x="3863341" y="2034540"/>
             <a:ext cx="45719" cy="5577840"/>
           </a:xfrm>
           <a:custGeom>
@@ -10419,7 +9601,7 @@
         <p:spPr>
           <a:xfrm>
             <a:off x="324341" y="4031705"/>
-            <a:ext cx="2194560" cy="499111"/>
+            <a:ext cx="2194560" cy="672172"/>
           </a:xfrm>
           <a:prstGeom prst="rect">
             <a:avLst/>
@@ -10440,22 +9622,34 @@
               </a:spcBef>
             </a:pPr>
             <a:r>
-              <a:rPr lang="en-US" sz="1000" dirty="0">
+              <a:rPr lang="es-ES" sz="1000" dirty="0">
                 <a:solidFill>
                   <a:srgbClr val="020302"/>
                 </a:solidFill>
                 <a:latin typeface="AdobeClean-Light"/>
                 <a:cs typeface="AdobeClean-Light"/>
               </a:rPr>
-              <a:t>Proactive review of your solution  deployment, configuration, and overall  architecture, including integrations.</a:t>
-            </a:r>
-            <a:endParaRPr lang="en-US" sz="1000" dirty="0">
-              <a:solidFill>
-                <a:prstClr val="black"/>
-              </a:solidFill>
-              <a:latin typeface="AdobeClean-Light"/>
-              <a:cs typeface="AdobeClean-Light"/>
-            </a:endParaRPr>
+              <a:t>Revisión proactiva de la implementación, configuración </a:t>
+            </a:r>
+            <a:br>
+              <a:rPr lang="sk-SK" sz="1000" dirty="0">
+                <a:solidFill>
+                  <a:srgbClr val="020302"/>
+                </a:solidFill>
+                <a:latin typeface="AdobeClean-Light"/>
+                <a:cs typeface="AdobeClean-Light"/>
+              </a:rPr>
+            </a:br>
+            <a:r>
+              <a:rPr lang="es-ES" sz="1000" dirty="0">
+                <a:solidFill>
+                  <a:srgbClr val="020302"/>
+                </a:solidFill>
+                <a:latin typeface="AdobeClean-Light"/>
+                <a:cs typeface="AdobeClean-Light"/>
+              </a:rPr>
+              <a:t>y arquitectura general de la solución, incluidas las integraciones.</a:t>
+            </a:r>
           </a:p>
         </p:txBody>
       </p:sp>
@@ -10474,14 +9668,14 @@
         <p:spPr>
           <a:xfrm>
             <a:off x="5265661" y="4031705"/>
-            <a:ext cx="2194560" cy="652615"/>
+            <a:ext cx="2194560" cy="821059"/>
           </a:xfrm>
           <a:prstGeom prst="rect">
             <a:avLst/>
           </a:prstGeom>
         </p:spPr>
         <p:txBody>
-          <a:bodyPr lIns="0" tIns="0" rIns="0" bIns="0">
+          <a:bodyPr wrap="square" lIns="0" tIns="0" rIns="0" bIns="0">
             <a:spAutoFit/>
           </a:bodyPr>
           <a:lstStyle/>
@@ -10495,22 +9689,53 @@
               </a:spcBef>
             </a:pPr>
             <a:r>
-              <a:rPr lang="en-US" sz="1000" dirty="0">
+              <a:rPr lang="es-ES" sz="1000" dirty="0">
                 <a:solidFill>
                   <a:srgbClr val="020302"/>
                 </a:solidFill>
                 <a:latin typeface="AdobeClean-Light"/>
                 <a:cs typeface="AdobeClean-Light"/>
               </a:rPr>
-              <a:t>Receive maintenance best practices and latest  fixes (SPs, MR, patches, FPs) to remain up-to-  date on all maintenance checks</a:t>
-            </a:r>
-            <a:endParaRPr lang="en-US" sz="1000" dirty="0">
-              <a:solidFill>
-                <a:prstClr val="black"/>
-              </a:solidFill>
-              <a:latin typeface="AdobeClean-Light"/>
-              <a:cs typeface="AdobeClean-Light"/>
-            </a:endParaRPr>
+              <a:t>Reciba las prácticas recomendadas </a:t>
+            </a:r>
+            <a:br>
+              <a:rPr lang="sk-SK" sz="1000" dirty="0">
+                <a:solidFill>
+                  <a:srgbClr val="020302"/>
+                </a:solidFill>
+                <a:latin typeface="AdobeClean-Light"/>
+                <a:cs typeface="AdobeClean-Light"/>
+              </a:rPr>
+            </a:br>
+            <a:r>
+              <a:rPr lang="es-ES" sz="1000" dirty="0">
+                <a:solidFill>
+                  <a:srgbClr val="020302"/>
+                </a:solidFill>
+                <a:latin typeface="AdobeClean-Light"/>
+                <a:cs typeface="AdobeClean-Light"/>
+              </a:rPr>
+              <a:t>de mantenimiento y las correcciones </a:t>
+            </a:r>
+            <a:br>
+              <a:rPr lang="sk-SK" sz="1000" dirty="0">
+                <a:solidFill>
+                  <a:srgbClr val="020302"/>
+                </a:solidFill>
+                <a:latin typeface="AdobeClean-Light"/>
+                <a:cs typeface="AdobeClean-Light"/>
+              </a:rPr>
+            </a:br>
+            <a:r>
+              <a:rPr lang="es-ES" sz="1000" dirty="0">
+                <a:solidFill>
+                  <a:srgbClr val="020302"/>
+                </a:solidFill>
+                <a:latin typeface="AdobeClean-Light"/>
+                <a:cs typeface="AdobeClean-Light"/>
+              </a:rPr>
+              <a:t>más recientes (SP, MR, parches, FP) para mantenerse actualizado en cuando a todas las comprobaciones de mantenimiento</a:t>
+            </a:r>
           </a:p>
         </p:txBody>
       </p:sp>
@@ -10547,22 +9772,15 @@
               </a:spcBef>
             </a:pPr>
             <a:r>
-              <a:rPr lang="en-US" sz="1000" dirty="0">
+              <a:rPr lang="es-ES" sz="1000">
                 <a:solidFill>
                   <a:srgbClr val="4B4B4B"/>
                 </a:solidFill>
                 <a:latin typeface="AdobeClean-Light"/>
                 <a:cs typeface="AdobeClean-Light"/>
               </a:rPr>
-              <a:t>A regular review of Elite program services, support metrics, and deliverables, including a forward-looking plan</a:t>
-            </a:r>
-            <a:endParaRPr lang="en-US" sz="1000" dirty="0">
-              <a:solidFill>
-                <a:prstClr val="black"/>
-              </a:solidFill>
-              <a:latin typeface="AdobeClean-Light"/>
-              <a:cs typeface="AdobeClean-Light"/>
-            </a:endParaRPr>
+              <a:t>Una revisión periódica de los servicios del programa Elite, las métricas de soporte y los entregables, incluyendo un plan orientado al futuro.</a:t>
+            </a:r>
           </a:p>
         </p:txBody>
       </p:sp>
@@ -10581,14 +9799,14 @@
         <p:spPr>
           <a:xfrm>
             <a:off x="5431520" y="2854370"/>
-            <a:ext cx="2194560" cy="615553"/>
+            <a:ext cx="2340880" cy="615553"/>
           </a:xfrm>
           <a:prstGeom prst="rect">
             <a:avLst/>
           </a:prstGeom>
         </p:spPr>
         <p:txBody>
-          <a:bodyPr lIns="0" tIns="0" rIns="0" bIns="0">
+          <a:bodyPr wrap="square" lIns="0" tIns="0" rIns="0" bIns="0">
             <a:spAutoFit/>
           </a:bodyPr>
           <a:lstStyle/>
@@ -10599,22 +9817,53 @@
               </a:spcBef>
             </a:pPr>
             <a:r>
-              <a:rPr lang="en-US" sz="1000" dirty="0">
+              <a:rPr lang="es-ES" sz="1000" dirty="0">
                 <a:solidFill>
                   <a:srgbClr val="4B4B4B"/>
                 </a:solidFill>
                 <a:latin typeface="AdobeClean-Light"/>
                 <a:cs typeface="AdobeClean-Light"/>
               </a:rPr>
-              <a:t>A 60-minute session focusing on a  specific product feature and how it can  be utilized to solve common business  problems.</a:t>
-            </a:r>
-            <a:endParaRPr lang="en-US" sz="1000" dirty="0">
-              <a:solidFill>
-                <a:prstClr val="black"/>
-              </a:solidFill>
-              <a:latin typeface="AdobeClean-Light"/>
-              <a:cs typeface="AdobeClean-Light"/>
-            </a:endParaRPr>
+              <a:t>Una sesión de 60 minutos centrada </a:t>
+            </a:r>
+            <a:br>
+              <a:rPr lang="sk-SK" sz="1000" dirty="0">
+                <a:solidFill>
+                  <a:srgbClr val="4B4B4B"/>
+                </a:solidFill>
+                <a:latin typeface="AdobeClean-Light"/>
+                <a:cs typeface="AdobeClean-Light"/>
+              </a:rPr>
+            </a:br>
+            <a:r>
+              <a:rPr lang="es-ES" sz="1000" dirty="0">
+                <a:solidFill>
+                  <a:srgbClr val="4B4B4B"/>
+                </a:solidFill>
+                <a:latin typeface="AdobeClean-Light"/>
+                <a:cs typeface="AdobeClean-Light"/>
+              </a:rPr>
+              <a:t>en una función específica del producto </a:t>
+            </a:r>
+            <a:br>
+              <a:rPr lang="sk-SK" sz="1000" dirty="0">
+                <a:solidFill>
+                  <a:srgbClr val="4B4B4B"/>
+                </a:solidFill>
+                <a:latin typeface="AdobeClean-Light"/>
+                <a:cs typeface="AdobeClean-Light"/>
+              </a:rPr>
+            </a:br>
+            <a:r>
+              <a:rPr lang="es-ES" sz="1000" dirty="0">
+                <a:solidFill>
+                  <a:srgbClr val="4B4B4B"/>
+                </a:solidFill>
+                <a:latin typeface="AdobeClean-Light"/>
+                <a:cs typeface="AdobeClean-Light"/>
+              </a:rPr>
+              <a:t>y en cómo se puede utilizar para resolver problemas empresariales comunes.</a:t>
+            </a:r>
           </a:p>
         </p:txBody>
       </p:sp>
@@ -10633,14 +9882,14 @@
         <p:spPr>
           <a:xfrm>
             <a:off x="324341" y="2842848"/>
-            <a:ext cx="2194560" cy="615553"/>
+            <a:ext cx="2428138" cy="769441"/>
           </a:xfrm>
           <a:prstGeom prst="rect">
             <a:avLst/>
           </a:prstGeom>
         </p:spPr>
         <p:txBody>
-          <a:bodyPr lIns="0" tIns="0" rIns="0" bIns="0">
+          <a:bodyPr wrap="square" lIns="0" tIns="0" rIns="0" bIns="0">
             <a:spAutoFit/>
           </a:bodyPr>
           <a:lstStyle/>
@@ -10651,16 +9900,15 @@
               </a:spcBef>
             </a:pPr>
             <a:r>
-              <a:rPr lang="en-US" sz="1000" dirty="0">
+              <a:rPr lang="es-ES" sz="1000" dirty="0">
                 <a:solidFill>
                   <a:srgbClr val="4B4B4B"/>
                 </a:solidFill>
                 <a:latin typeface="AdobeClean-Light"/>
                 <a:cs typeface="AdobeClean-Light"/>
               </a:rPr>
-              <a:t>A designated point of contact within Adobe  who can provide escalation assistance,  regular updates and ensure priority is given  to your most critical open support requests.</a:t>
-            </a:r>
-            <a:endParaRPr lang="en-US" dirty="0"/>
+              <a:t>Un punto de contacto designado de Adobe que puede proporcionar asistencia en cuanto a escalabilidad y actualizaciones frecuentes, así como garantizar que se dé prioridad a sus solicitudes de soporte abierto más críticas.</a:t>
+            </a:r>
           </a:p>
         </p:txBody>
       </p:sp>
@@ -10678,8 +9926,8 @@
         </p:nvSpPr>
         <p:spPr>
           <a:xfrm>
-            <a:off x="3153726" y="1126245"/>
-            <a:ext cx="2194560" cy="169277"/>
+            <a:off x="3153726" y="1033046"/>
+            <a:ext cx="2194560" cy="338554"/>
           </a:xfrm>
           <a:prstGeom prst="rect">
             <a:avLst/>
@@ -10697,22 +9945,34 @@
               </a:spcBef>
             </a:pPr>
             <a:r>
-              <a:rPr lang="en-US" sz="1100" b="1" dirty="0">
+              <a:rPr lang="es-ES" sz="1100" b="1" dirty="0">
                 <a:solidFill>
                   <a:srgbClr val="020302"/>
                 </a:solidFill>
                 <a:latin typeface="Adobe Clean" panose="020B0503020404020204" pitchFamily="34" charset="0"/>
                 <a:cs typeface="Arial"/>
               </a:rPr>
-              <a:t>Named Support Engineer</a:t>
-            </a:r>
-            <a:endParaRPr lang="en-US" sz="1100" dirty="0">
-              <a:solidFill>
-                <a:prstClr val="black"/>
-              </a:solidFill>
-              <a:latin typeface="Adobe Clean" panose="020B0503020404020204" pitchFamily="34" charset="0"/>
-              <a:cs typeface="Arial"/>
-            </a:endParaRPr>
+              <a:t>Ingeniero de asistencia </a:t>
+            </a:r>
+            <a:br>
+              <a:rPr lang="sk-SK" sz="1100" b="1" dirty="0">
+                <a:solidFill>
+                  <a:srgbClr val="020302"/>
+                </a:solidFill>
+                <a:latin typeface="Adobe Clean" panose="020B0503020404020204" pitchFamily="34" charset="0"/>
+                <a:cs typeface="Arial"/>
+              </a:rPr>
+            </a:br>
+            <a:r>
+              <a:rPr lang="es-ES" sz="1100" b="1" dirty="0">
+                <a:solidFill>
+                  <a:srgbClr val="020302"/>
+                </a:solidFill>
+                <a:latin typeface="Adobe Clean" panose="020B0503020404020204" pitchFamily="34" charset="0"/>
+                <a:cs typeface="Arial"/>
+              </a:rPr>
+              <a:t>técnica especializado</a:t>
+            </a:r>
           </a:p>
         </p:txBody>
       </p:sp>
@@ -10730,7 +9990,7 @@
         </p:nvSpPr>
         <p:spPr>
           <a:xfrm>
-            <a:off x="5723508" y="1126245"/>
+            <a:off x="5723508" y="1033046"/>
             <a:ext cx="2194560" cy="169277"/>
           </a:xfrm>
           <a:prstGeom prst="rect">
@@ -10749,22 +10009,15 @@
               </a:spcBef>
             </a:pPr>
             <a:r>
-              <a:rPr lang="en-US" sz="1100" b="1" dirty="0">
+              <a:rPr lang="es-ES" sz="1100" b="1">
                 <a:solidFill>
                   <a:srgbClr val="020302"/>
                 </a:solidFill>
                 <a:latin typeface="Adobe Clean" panose="020B0503020404020204" pitchFamily="34" charset="0"/>
                 <a:cs typeface="Arial"/>
               </a:rPr>
-              <a:t>Case Reviews</a:t>
-            </a:r>
-            <a:endParaRPr lang="en-US" sz="1100" dirty="0">
-              <a:solidFill>
-                <a:prstClr val="black"/>
-              </a:solidFill>
-              <a:latin typeface="Adobe Clean" panose="020B0503020404020204" pitchFamily="34" charset="0"/>
-              <a:cs typeface="Arial"/>
-            </a:endParaRPr>
+              <a:t>Reseñas de casos</a:t>
+            </a:r>
           </a:p>
         </p:txBody>
       </p:sp>
@@ -10801,22 +10054,15 @@
               </a:spcBef>
             </a:pPr>
             <a:r>
-              <a:rPr lang="en-US" sz="1100" b="1" dirty="0">
+              <a:rPr lang="es-ES" sz="1100" b="1">
                 <a:solidFill>
                   <a:srgbClr val="020302"/>
                 </a:solidFill>
                 <a:latin typeface="Adobe Clean" panose="020B0503020404020204" pitchFamily="34" charset="0"/>
                 <a:cs typeface="Adobe Clean"/>
               </a:rPr>
-              <a:t>Maintenance &amp; Monitoring</a:t>
-            </a:r>
-            <a:endParaRPr lang="en-US" sz="1100" dirty="0">
-              <a:solidFill>
-                <a:prstClr val="black"/>
-              </a:solidFill>
-              <a:latin typeface="Adobe Clean" panose="020B0503020404020204" pitchFamily="34" charset="0"/>
-              <a:cs typeface="Adobe Clean"/>
-            </a:endParaRPr>
+              <a:t>Mantenimiento y monitorización</a:t>
+            </a:r>
           </a:p>
         </p:txBody>
       </p:sp>
@@ -10853,22 +10099,15 @@
               </a:spcBef>
             </a:pPr>
             <a:r>
-              <a:rPr lang="en-US" sz="1100" b="1" dirty="0">
+              <a:rPr lang="es-ES" sz="1100" b="1">
                 <a:solidFill>
                   <a:srgbClr val="020302"/>
                 </a:solidFill>
                 <a:latin typeface="Adobe Clean" panose="020B0503020404020204" pitchFamily="34" charset="0"/>
                 <a:cs typeface="Adobe Clean"/>
               </a:rPr>
-              <a:t>Solution Roadmap Review</a:t>
-            </a:r>
-            <a:endParaRPr lang="en-US" sz="1100" dirty="0">
-              <a:solidFill>
-                <a:prstClr val="black"/>
-              </a:solidFill>
-              <a:latin typeface="Adobe Clean" panose="020B0503020404020204" pitchFamily="34" charset="0"/>
-              <a:cs typeface="Adobe Clean"/>
-            </a:endParaRPr>
+              <a:t>Revisión del plan de las soluciones</a:t>
+            </a:r>
           </a:p>
         </p:txBody>
       </p:sp>
@@ -10905,22 +10144,15 @@
               </a:spcBef>
             </a:pPr>
             <a:r>
-              <a:rPr lang="en-US" sz="1100" b="1" dirty="0">
+              <a:rPr lang="es-ES" sz="1100" b="1">
                 <a:solidFill>
                   <a:srgbClr val="020302"/>
                 </a:solidFill>
                 <a:latin typeface="Adobe Clean" panose="020B0503020404020204" pitchFamily="34" charset="0"/>
                 <a:cs typeface="Adobe Clean"/>
               </a:rPr>
-              <a:t>Environment Review</a:t>
-            </a:r>
-            <a:endParaRPr lang="en-US" sz="1100" dirty="0">
-              <a:solidFill>
-                <a:prstClr val="black"/>
-              </a:solidFill>
-              <a:latin typeface="Adobe Clean" panose="020B0503020404020204" pitchFamily="34" charset="0"/>
-              <a:cs typeface="Adobe Clean"/>
-            </a:endParaRPr>
+              <a:t>Revisión del entorno</a:t>
+            </a:r>
           </a:p>
         </p:txBody>
       </p:sp>
@@ -10957,22 +10189,15 @@
               </a:spcBef>
             </a:pPr>
             <a:r>
-              <a:rPr lang="en-US" sz="1100" b="1" dirty="0">
+              <a:rPr lang="es-ES" sz="1100" b="1" dirty="0">
                 <a:solidFill>
                   <a:srgbClr val="020302"/>
                 </a:solidFill>
                 <a:latin typeface="Adobe Clean" panose="020B0503020404020204" pitchFamily="34" charset="0"/>
                 <a:cs typeface="Adobe Clean"/>
               </a:rPr>
-              <a:t>Escalation Management</a:t>
-            </a:r>
-            <a:endParaRPr lang="en-US" sz="1100" dirty="0">
-              <a:solidFill>
-                <a:prstClr val="black"/>
-              </a:solidFill>
-              <a:latin typeface="Adobe Clean" panose="020B0503020404020204" pitchFamily="34" charset="0"/>
-              <a:cs typeface="Adobe Clean"/>
-            </a:endParaRPr>
+              <a:t>Administración de la escalabilidad</a:t>
+            </a:r>
           </a:p>
         </p:txBody>
       </p:sp>
@@ -11009,22 +10234,15 @@
               </a:spcBef>
             </a:pPr>
             <a:r>
-              <a:rPr lang="en-US" sz="1100" b="1" dirty="0">
+              <a:rPr lang="es-ES" sz="1100" b="1">
                 <a:solidFill>
                   <a:srgbClr val="020302"/>
                 </a:solidFill>
                 <a:latin typeface="Adobe Clean" panose="020B0503020404020204" pitchFamily="34" charset="0"/>
                 <a:cs typeface="Adobe Clean"/>
               </a:rPr>
-              <a:t>Service Reviews</a:t>
-            </a:r>
-            <a:endParaRPr lang="en-US" sz="1100" dirty="0">
-              <a:solidFill>
-                <a:prstClr val="black"/>
-              </a:solidFill>
-              <a:latin typeface="Adobe Clean" panose="020B0503020404020204" pitchFamily="34" charset="0"/>
-              <a:cs typeface="Adobe Clean"/>
-            </a:endParaRPr>
+              <a:t>Revisiones del servicio</a:t>
+            </a:r>
           </a:p>
         </p:txBody>
       </p:sp>
@@ -11061,22 +10279,15 @@
               </a:spcBef>
             </a:pPr>
             <a:r>
-              <a:rPr lang="en-US" sz="1100" b="1" dirty="0">
+              <a:rPr lang="es-ES" sz="1100" b="1">
                 <a:solidFill>
                   <a:srgbClr val="020302"/>
                 </a:solidFill>
                 <a:latin typeface="Adobe Clean" panose="020B0503020404020204" pitchFamily="34" charset="0"/>
                 <a:cs typeface="Adobe Clean"/>
               </a:rPr>
-              <a:t>Expert Sessions</a:t>
-            </a:r>
-            <a:endParaRPr lang="en-US" sz="1100" dirty="0">
-              <a:solidFill>
-                <a:prstClr val="black"/>
-              </a:solidFill>
-              <a:latin typeface="Adobe Clean" panose="020B0503020404020204" pitchFamily="34" charset="0"/>
-              <a:cs typeface="Adobe Clean"/>
-            </a:endParaRPr>
+              <a:t>Sesiones de expertos</a:t>
+            </a:r>
           </a:p>
         </p:txBody>
       </p:sp>
@@ -11094,8 +10305,8 @@
         </p:nvSpPr>
         <p:spPr>
           <a:xfrm>
-            <a:off x="689237" y="4935181"/>
-            <a:ext cx="2194560" cy="169277"/>
+            <a:off x="689237" y="4876800"/>
+            <a:ext cx="2194560" cy="338554"/>
           </a:xfrm>
           <a:prstGeom prst="rect">
             <a:avLst/>
@@ -11113,22 +10324,34 @@
               </a:spcBef>
             </a:pPr>
             <a:r>
-              <a:rPr lang="en-US" sz="1100" b="1" dirty="0">
+              <a:rPr lang="es-ES" sz="1100" b="1" dirty="0">
                 <a:solidFill>
                   <a:srgbClr val="020302"/>
                 </a:solidFill>
                 <a:latin typeface="Adobe Clean" panose="020B0503020404020204" pitchFamily="34" charset="0"/>
                 <a:cs typeface="Adobe Clean"/>
               </a:rPr>
-              <a:t>Release Preparation &amp; Review</a:t>
-            </a:r>
-            <a:endParaRPr lang="en-US" sz="1100" dirty="0">
-              <a:solidFill>
-                <a:prstClr val="black"/>
-              </a:solidFill>
-              <a:latin typeface="Adobe Clean" panose="020B0503020404020204" pitchFamily="34" charset="0"/>
-              <a:cs typeface="Adobe Clean"/>
-            </a:endParaRPr>
+              <a:t>Preparación </a:t>
+            </a:r>
+            <a:br>
+              <a:rPr lang="sk-SK" sz="1100" b="1" dirty="0">
+                <a:solidFill>
+                  <a:srgbClr val="020302"/>
+                </a:solidFill>
+                <a:latin typeface="Adobe Clean" panose="020B0503020404020204" pitchFamily="34" charset="0"/>
+                <a:cs typeface="Adobe Clean"/>
+              </a:rPr>
+            </a:br>
+            <a:r>
+              <a:rPr lang="es-ES" sz="1100" b="1" dirty="0">
+                <a:solidFill>
+                  <a:srgbClr val="020302"/>
+                </a:solidFill>
+                <a:latin typeface="Adobe Clean" panose="020B0503020404020204" pitchFamily="34" charset="0"/>
+                <a:cs typeface="Adobe Clean"/>
+              </a:rPr>
+              <a:t>y revisión de la versión</a:t>
+            </a:r>
           </a:p>
         </p:txBody>
       </p:sp>
@@ -11168,19 +10391,15 @@
               </a:spcBef>
             </a:pPr>
             <a:r>
-              <a:rPr lang="en-US" sz="1100" b="1" dirty="0">
+              <a:rPr lang="es-ES" sz="1100" b="1">
                 <a:solidFill>
                   <a:srgbClr val="020302"/>
                 </a:solidFill>
                 <a:latin typeface="Adobe Clean" panose="020B0503020404020204" pitchFamily="34" charset="0"/>
                 <a:cs typeface="Adobe Clean"/>
               </a:rPr>
-              <a:t>Knowledge Transfer</a:t>
-            </a:r>
-            <a:endParaRPr lang="en-US" sz="1100" dirty="0">
-              <a:latin typeface="Adobe Clean" panose="020B0503020404020204" pitchFamily="34" charset="0"/>
-              <a:cs typeface="Adobe Clean"/>
-            </a:endParaRPr>
+              <a:t>Transferencia de conocimientos</a:t>
+            </a:r>
           </a:p>
         </p:txBody>
       </p:sp>
@@ -11220,19 +10439,15 @@
               </a:spcBef>
             </a:pPr>
             <a:r>
-              <a:rPr lang="en-US" sz="1100" b="1" dirty="0">
+              <a:rPr lang="es-ES" sz="1100" b="1">
                 <a:solidFill>
                   <a:srgbClr val="020302"/>
                 </a:solidFill>
                 <a:latin typeface="Adobe Clean" panose="020B0503020404020204" pitchFamily="34" charset="0"/>
                 <a:cs typeface="Adobe Clean"/>
               </a:rPr>
-              <a:t>Event Management</a:t>
-            </a:r>
-            <a:endParaRPr lang="en-US" sz="1100" dirty="0">
-              <a:latin typeface="Adobe Clean" panose="020B0503020404020204" pitchFamily="34" charset="0"/>
-              <a:cs typeface="Adobe Clean"/>
-            </a:endParaRPr>
+              <a:t>Gestión de eventos</a:t>
+            </a:r>
           </a:p>
         </p:txBody>
       </p:sp>
@@ -11250,7 +10465,7 @@
         </p:nvSpPr>
         <p:spPr>
           <a:xfrm rot="5400000" flipH="1">
-            <a:off x="3863341" y="756920"/>
+            <a:off x="3863341" y="815340"/>
             <a:ext cx="45719" cy="5577840"/>
           </a:xfrm>
           <a:custGeom>
@@ -11305,7 +10520,7 @@
         </p:nvSpPr>
         <p:spPr>
           <a:xfrm rot="5400000" flipH="1">
-            <a:off x="3863341" y="-322580"/>
+            <a:off x="3863341" y="-327660"/>
             <a:ext cx="45719" cy="5577840"/>
           </a:xfrm>
           <a:custGeom>
@@ -11559,7 +10774,7 @@
         <p:spPr>
           <a:xfrm>
             <a:off x="2764975" y="4039530"/>
-            <a:ext cx="2282011" cy="708399"/>
+            <a:ext cx="2282011" cy="881460"/>
           </a:xfrm>
           <a:prstGeom prst="rect">
             <a:avLst/>
@@ -11580,19 +10795,34 @@
               </a:spcBef>
             </a:pPr>
             <a:r>
-              <a:rPr lang="en-US" sz="1000" dirty="0">
+              <a:rPr lang="es-ES" sz="1000" dirty="0">
                 <a:solidFill>
                   <a:srgbClr val="020302"/>
                 </a:solidFill>
                 <a:latin typeface="AdobeClean-Light"/>
                 <a:cs typeface="AdobeClean-Light"/>
               </a:rPr>
-              <a:t>Compare and align Adobe solution  roadmap with your project roadmap to  mitigate risk and prepare for the future.</a:t>
-            </a:r>
-            <a:endParaRPr lang="en-US" sz="1000" dirty="0">
-              <a:latin typeface="AdobeClean-Light"/>
-              <a:cs typeface="AdobeClean-Light"/>
-            </a:endParaRPr>
+              <a:t>Compare y alinee la hoja de ruta de la solución de Adobe con la hoja de ruta de su proyecto para mitigar el riesgo </a:t>
+            </a:r>
+            <a:br>
+              <a:rPr lang="sk-SK" sz="1000" dirty="0">
+                <a:solidFill>
+                  <a:srgbClr val="020302"/>
+                </a:solidFill>
+                <a:latin typeface="AdobeClean-Light"/>
+                <a:cs typeface="AdobeClean-Light"/>
+              </a:rPr>
+            </a:br>
+            <a:r>
+              <a:rPr lang="es-ES" sz="1000" dirty="0">
+                <a:solidFill>
+                  <a:srgbClr val="020302"/>
+                </a:solidFill>
+                <a:latin typeface="AdobeClean-Light"/>
+                <a:cs typeface="AdobeClean-Light"/>
+              </a:rPr>
+              <a:t>y prepararse para el futuro.</a:t>
+            </a:r>
           </a:p>
           <a:p>
             <a:pPr marL="18415" marR="262255" lvl="0">
@@ -11604,7 +10834,7 @@
               </a:spcBef>
             </a:pPr>
             <a:r>
-              <a:rPr lang="en-US" sz="1000" dirty="0">
+              <a:rPr lang="es-ES" sz="1000" dirty="0">
                 <a:solidFill>
                   <a:srgbClr val="020302"/>
                 </a:solidFill>
@@ -11613,13 +10843,6 @@
               </a:rPr>
               <a:t>.</a:t>
             </a:r>
-            <a:endParaRPr lang="en-US" sz="1000" dirty="0">
-              <a:solidFill>
-                <a:prstClr val="black"/>
-              </a:solidFill>
-              <a:latin typeface="AdobeClean-Light"/>
-              <a:cs typeface="AdobeClean-Light"/>
-            </a:endParaRPr>
           </a:p>
         </p:txBody>
       </p:sp>
@@ -11906,8 +11129,8 @@
         </p:nvSpPr>
         <p:spPr>
           <a:xfrm>
-            <a:off x="4724779" y="2654678"/>
-            <a:ext cx="1894205" cy="0"/>
+            <a:off x="4333468" y="2608959"/>
+            <a:ext cx="2524525" cy="75996"/>
           </a:xfrm>
           <a:custGeom>
             <a:avLst/>
@@ -11948,8 +11171,8 @@
         </p:nvSpPr>
         <p:spPr>
           <a:xfrm>
-            <a:off x="4843269" y="2329688"/>
-            <a:ext cx="1656080" cy="238760"/>
+            <a:off x="4333468" y="2286000"/>
+            <a:ext cx="2676932" cy="228268"/>
           </a:xfrm>
           <a:prstGeom prst="rect">
             <a:avLst/>
@@ -11970,179 +11193,15 @@
               </a:spcBef>
             </a:pPr>
             <a:r>
-              <a:rPr sz="1400" b="1" spc="-25" dirty="0">
+              <a:rPr lang="es-ES" sz="1400" b="1" dirty="0">
                 <a:solidFill>
                   <a:srgbClr val="020302"/>
                 </a:solidFill>
                 <a:latin typeface="Adobe Clean"/>
                 <a:cs typeface="Adobe Clean"/>
               </a:rPr>
-              <a:t>Fi</a:t>
-            </a:r>
-            <a:r>
-              <a:rPr sz="1400" b="1" spc="-35" dirty="0">
-                <a:solidFill>
-                  <a:srgbClr val="020302"/>
-                </a:solidFill>
-                <a:latin typeface="Adobe Clean"/>
-                <a:cs typeface="Adobe Clean"/>
-              </a:rPr>
-              <a:t>e</a:t>
-            </a:r>
-            <a:r>
-              <a:rPr sz="1400" b="1" spc="-25" dirty="0">
-                <a:solidFill>
-                  <a:srgbClr val="020302"/>
-                </a:solidFill>
-                <a:latin typeface="Adobe Clean"/>
-                <a:cs typeface="Adobe Clean"/>
-              </a:rPr>
-              <a:t>l</a:t>
-            </a:r>
-            <a:r>
-              <a:rPr sz="1400" b="1" dirty="0">
-                <a:solidFill>
-                  <a:srgbClr val="020302"/>
-                </a:solidFill>
-                <a:latin typeface="Adobe Clean"/>
-                <a:cs typeface="Adobe Clean"/>
-              </a:rPr>
-              <a:t>d</a:t>
-            </a:r>
-            <a:r>
-              <a:rPr sz="1400" b="1" spc="-40" dirty="0">
-                <a:solidFill>
-                  <a:srgbClr val="020302"/>
-                </a:solidFill>
-                <a:latin typeface="Adobe Clean"/>
-                <a:cs typeface="Adobe Clean"/>
-              </a:rPr>
-              <a:t> </a:t>
-            </a:r>
-            <a:r>
-              <a:rPr sz="1400" b="1" spc="25" dirty="0">
-                <a:solidFill>
-                  <a:srgbClr val="020302"/>
-                </a:solidFill>
-                <a:latin typeface="Adobe Clean"/>
-                <a:cs typeface="Adobe Clean"/>
-              </a:rPr>
-              <a:t>S</a:t>
-            </a:r>
-            <a:r>
-              <a:rPr sz="1400" b="1" spc="5" dirty="0">
-                <a:solidFill>
-                  <a:srgbClr val="020302"/>
-                </a:solidFill>
-                <a:latin typeface="Adobe Clean"/>
-                <a:cs typeface="Adobe Clean"/>
-              </a:rPr>
-              <a:t>e</a:t>
-            </a:r>
-            <a:r>
-              <a:rPr sz="1400" b="1" spc="15" dirty="0">
-                <a:solidFill>
-                  <a:srgbClr val="020302"/>
-                </a:solidFill>
-                <a:latin typeface="Adobe Clean"/>
-                <a:cs typeface="Adobe Clean"/>
-              </a:rPr>
-              <a:t>rvi</a:t>
-            </a:r>
-            <a:r>
-              <a:rPr sz="1400" b="1" spc="5" dirty="0">
-                <a:solidFill>
-                  <a:srgbClr val="020302"/>
-                </a:solidFill>
-                <a:latin typeface="Adobe Clean"/>
-                <a:cs typeface="Adobe Clean"/>
-              </a:rPr>
-              <a:t>c</a:t>
-            </a:r>
-            <a:r>
-              <a:rPr sz="1400" b="1" dirty="0">
-                <a:solidFill>
-                  <a:srgbClr val="020302"/>
-                </a:solidFill>
-                <a:latin typeface="Adobe Clean"/>
-                <a:cs typeface="Adobe Clean"/>
-              </a:rPr>
-              <a:t>e</a:t>
-            </a:r>
-            <a:r>
-              <a:rPr sz="1400" b="1" spc="-190" dirty="0">
-                <a:solidFill>
-                  <a:srgbClr val="020302"/>
-                </a:solidFill>
-                <a:latin typeface="Adobe Clean"/>
-                <a:cs typeface="Adobe Clean"/>
-              </a:rPr>
-              <a:t> </a:t>
-            </a:r>
-            <a:r>
-              <a:rPr sz="1400" b="1" spc="5" dirty="0">
-                <a:solidFill>
-                  <a:srgbClr val="020302"/>
-                </a:solidFill>
-                <a:latin typeface="Adobe Clean"/>
-                <a:cs typeface="Adobe Clean"/>
-              </a:rPr>
-              <a:t>A</a:t>
-            </a:r>
-            <a:r>
-              <a:rPr sz="1400" b="1" spc="-5" dirty="0">
-                <a:solidFill>
-                  <a:srgbClr val="020302"/>
-                </a:solidFill>
-                <a:latin typeface="Adobe Clean"/>
-                <a:cs typeface="Adobe Clean"/>
-              </a:rPr>
-              <a:t>ct</a:t>
-            </a:r>
-            <a:r>
-              <a:rPr sz="1400" b="1" spc="5" dirty="0">
-                <a:solidFill>
-                  <a:srgbClr val="020302"/>
-                </a:solidFill>
-                <a:latin typeface="Adobe Clean"/>
-                <a:cs typeface="Adobe Clean"/>
-              </a:rPr>
-              <a:t>ivi</a:t>
-            </a:r>
-            <a:r>
-              <a:rPr sz="1400" b="1" spc="-5" dirty="0">
-                <a:solidFill>
-                  <a:srgbClr val="020302"/>
-                </a:solidFill>
-                <a:latin typeface="Adobe Clean"/>
-                <a:cs typeface="Adobe Clean"/>
-              </a:rPr>
-              <a:t>t</a:t>
-            </a:r>
-            <a:r>
-              <a:rPr sz="1400" b="1" spc="5" dirty="0">
-                <a:solidFill>
-                  <a:srgbClr val="020302"/>
-                </a:solidFill>
-                <a:latin typeface="Adobe Clean"/>
-                <a:cs typeface="Adobe Clean"/>
-              </a:rPr>
-              <a:t>i</a:t>
-            </a:r>
-            <a:r>
-              <a:rPr sz="1400" b="1" spc="-5" dirty="0">
-                <a:solidFill>
-                  <a:srgbClr val="020302"/>
-                </a:solidFill>
-                <a:latin typeface="Adobe Clean"/>
-                <a:cs typeface="Adobe Clean"/>
-              </a:rPr>
-              <a:t>es</a:t>
-            </a:r>
-            <a:endParaRPr sz="1400">
-              <a:latin typeface="Adobe Clean"/>
-              <a:cs typeface="Adobe Clean"/>
-            </a:endParaRPr>
+              <a:t>Actividades del servicio de campo</a:t>
+            </a:r>
           </a:p>
         </p:txBody>
       </p:sp>
@@ -12154,8 +11213,8 @@
         </p:nvSpPr>
         <p:spPr>
           <a:xfrm>
-            <a:off x="914422" y="2342312"/>
-            <a:ext cx="1242060" cy="238760"/>
+            <a:off x="838200" y="2342312"/>
+            <a:ext cx="1804469" cy="228268"/>
           </a:xfrm>
           <a:prstGeom prst="rect">
             <a:avLst/>
@@ -12176,96 +11235,39 @@
               </a:spcBef>
             </a:pPr>
             <a:r>
-              <a:rPr sz="1400" b="1" spc="-25" dirty="0">
+              <a:rPr lang="es-ES" sz="1400" b="1" dirty="0" err="1">
                 <a:solidFill>
                   <a:srgbClr val="020302"/>
                 </a:solidFill>
                 <a:latin typeface="Adobe Clean"/>
                 <a:cs typeface="Adobe Clean"/>
               </a:rPr>
-              <a:t>L</a:t>
-            </a:r>
-            <a:r>
-              <a:rPr sz="1400" b="1" spc="-5" dirty="0">
+              <a:t>Launch</a:t>
+            </a:r>
+            <a:r>
+              <a:rPr lang="es-ES" sz="1400" b="1" dirty="0">
                 <a:solidFill>
                   <a:srgbClr val="020302"/>
                 </a:solidFill>
                 <a:latin typeface="Adobe Clean"/>
                 <a:cs typeface="Adobe Clean"/>
               </a:rPr>
-              <a:t>a</a:t>
-            </a:r>
-            <a:r>
-              <a:rPr sz="1400" b="1" spc="-20" dirty="0">
+              <a:t> </a:t>
+            </a:r>
+            <a:r>
+              <a:rPr lang="es-ES" sz="1400" b="1" dirty="0" err="1">
                 <a:solidFill>
                   <a:srgbClr val="020302"/>
                 </a:solidFill>
                 <a:latin typeface="Adobe Clean"/>
                 <a:cs typeface="Adobe Clean"/>
               </a:rPr>
-              <a:t>u</a:t>
-            </a:r>
-            <a:r>
-              <a:rPr sz="1400" b="1" spc="-15" dirty="0">
-                <a:solidFill>
-                  <a:srgbClr val="020302"/>
-                </a:solidFill>
-                <a:latin typeface="Adobe Clean"/>
-                <a:cs typeface="Adobe Clean"/>
-              </a:rPr>
-              <a:t>n</a:t>
-            </a:r>
-            <a:r>
-              <a:rPr sz="1400" b="1" spc="-25" dirty="0">
-                <a:solidFill>
-                  <a:srgbClr val="020302"/>
-                </a:solidFill>
-                <a:latin typeface="Adobe Clean"/>
-                <a:cs typeface="Adobe Clean"/>
-              </a:rPr>
-              <a:t>c</a:t>
-            </a:r>
-            <a:r>
-              <a:rPr sz="1400" b="1" dirty="0">
-                <a:solidFill>
-                  <a:srgbClr val="020302"/>
-                </a:solidFill>
-                <a:latin typeface="Adobe Clean"/>
-                <a:cs typeface="Adobe Clean"/>
-              </a:rPr>
-              <a:t>h</a:t>
-            </a:r>
-            <a:r>
-              <a:rPr sz="1400" b="1" spc="-25" dirty="0">
-                <a:solidFill>
-                  <a:srgbClr val="020302"/>
-                </a:solidFill>
-                <a:latin typeface="Adobe Clean"/>
-                <a:cs typeface="Adobe Clean"/>
-              </a:rPr>
-              <a:t> </a:t>
-            </a:r>
-            <a:r>
-              <a:rPr sz="1400" b="1" spc="-10" dirty="0">
-                <a:solidFill>
-                  <a:srgbClr val="020302"/>
-                </a:solidFill>
-                <a:latin typeface="Adobe Clean"/>
-                <a:cs typeface="Adobe Clean"/>
-              </a:rPr>
-              <a:t>Advisor</a:t>
-            </a:r>
-            <a:r>
-              <a:rPr sz="1400" b="1" dirty="0">
-                <a:solidFill>
-                  <a:srgbClr val="020302"/>
-                </a:solidFill>
-                <a:latin typeface="Adobe Clean"/>
-                <a:cs typeface="Adobe Clean"/>
-              </a:rPr>
-              <a:t>y</a:t>
-            </a:r>
-            <a:endParaRPr sz="1400">
+              <a:t>Advisory</a:t>
+            </a:r>
+            <a:endParaRPr lang="es-ES" sz="1400" b="1" dirty="0">
+              <a:solidFill>
+                <a:srgbClr val="020302"/>
+              </a:solidFill>
               <a:latin typeface="Adobe Clean"/>
               <a:cs typeface="Adobe Clean"/>
             </a:endParaRPr>
@@ -12281,7 +11283,7 @@
         <p:spPr>
           <a:xfrm>
             <a:off x="242187" y="2787904"/>
-            <a:ext cx="3004185" cy="635000"/>
+            <a:ext cx="3004185" cy="795089"/>
           </a:xfrm>
           <a:prstGeom prst="rect">
             <a:avLst/>
@@ -12302,103 +11304,156 @@
               </a:spcBef>
             </a:pPr>
             <a:r>
-              <a:rPr sz="1000" dirty="0">
+              <a:rPr lang="es-ES" sz="1000" dirty="0">
                 <a:solidFill>
                   <a:srgbClr val="1F1F1F"/>
                 </a:solidFill>
                 <a:latin typeface="AdobeClean-Light"/>
                 <a:cs typeface="AdobeClean-Light"/>
               </a:rPr>
-              <a:t>For customers implementing a </a:t>
-            </a:r>
-            <a:r>
-              <a:rPr sz="1000" b="1" dirty="0">
+              <a:t>Para los clientes que piensan implementar una </a:t>
+            </a:r>
+            <a:r>
+              <a:rPr lang="es-ES" sz="1000" b="1" dirty="0">
                 <a:solidFill>
                   <a:srgbClr val="1F1F1F"/>
                 </a:solidFill>
                 <a:latin typeface="Adobe Clean"/>
                 <a:cs typeface="Adobe Clean"/>
               </a:rPr>
-              <a:t>new Adobe Experience Cloud  solution, </a:t>
-            </a:r>
-            <a:r>
-              <a:rPr sz="1000" dirty="0">
+              <a:t>nueva solución de Adobe </a:t>
+            </a:r>
+            <a:r>
+              <a:rPr lang="es-ES" sz="1000" b="1" dirty="0" err="1">
+                <a:solidFill>
+                  <a:srgbClr val="1F1F1F"/>
+                </a:solidFill>
+                <a:latin typeface="Adobe Clean"/>
+                <a:cs typeface="Adobe Clean"/>
+              </a:rPr>
+              <a:t>Experience</a:t>
+            </a:r>
+            <a:r>
+              <a:rPr lang="es-ES" sz="1000" b="1" dirty="0">
+                <a:solidFill>
+                  <a:srgbClr val="1F1F1F"/>
+                </a:solidFill>
+                <a:latin typeface="Adobe Clean"/>
+                <a:cs typeface="Adobe Clean"/>
+              </a:rPr>
+              <a:t> Cloud, </a:t>
+            </a:r>
+            <a:r>
+              <a:rPr lang="es-ES" sz="1000" dirty="0" err="1">
                 <a:latin typeface="AdobeClean-Light"/>
                 <a:cs typeface="AdobeClean-Light"/>
               </a:rPr>
-              <a:t>Launch Advisory </a:t>
-            </a:r>
-            <a:r>
-              <a:rPr sz="1000" dirty="0">
+              <a:t>Launch</a:t>
+            </a:r>
+            <a:r>
+              <a:rPr lang="es-ES" sz="1000" dirty="0">
+                <a:latin typeface="AdobeClean-Light"/>
+                <a:cs typeface="AdobeClean-Light"/>
+              </a:rPr>
+              <a:t> </a:t>
+            </a:r>
+            <a:r>
+              <a:rPr lang="es-ES" sz="1000" dirty="0" err="1">
+                <a:latin typeface="AdobeClean-Light"/>
+                <a:cs typeface="AdobeClean-Light"/>
+              </a:rPr>
+              <a:t>Advisory</a:t>
+            </a:r>
+            <a:br>
+              <a:rPr lang="sk-SK" sz="1000" dirty="0">
+                <a:latin typeface="AdobeClean-Light"/>
+                <a:cs typeface="AdobeClean-Light"/>
+              </a:rPr>
+            </a:br>
+            <a:r>
+              <a:rPr lang="es-ES" sz="1000" dirty="0">
                 <a:latin typeface="AdobeClean-SemiLight"/>
                 <a:cs typeface="AdobeClean-SemiLight"/>
               </a:rPr>
-              <a:t>is a </a:t>
-            </a:r>
-            <a:r>
-              <a:rPr sz="950" dirty="0">
+              <a:t>es un servicio </a:t>
+            </a:r>
+            <a:r>
+              <a:rPr lang="es-ES" sz="950" dirty="0">
                 <a:latin typeface="AdobeClean-SemiLight"/>
                 <a:cs typeface="AdobeClean-SemiLight"/>
               </a:rPr>
-              <a:t>core set of advisory</a:t>
-            </a:r>
-            <a:endParaRPr sz="950">
-              <a:latin typeface="AdobeClean-SemiLight"/>
-              <a:cs typeface="AdobeClean-SemiLight"/>
+              <a:t>esencial de asesoría</a:t>
+            </a:r>
+            <a:r>
+              <a:rPr lang="sk-SK" sz="950" dirty="0">
+                <a:latin typeface="AdobeClean-SemiLight"/>
+                <a:cs typeface="AdobeClean-SemiLight"/>
+              </a:rPr>
+              <a:t> </a:t>
+            </a:r>
+            <a:r>
+              <a:rPr lang="es-ES" sz="950" dirty="0">
+                <a:latin typeface="AdobeClean-SemiLight"/>
+                <a:cs typeface="AdobeClean-SemiLight"/>
+              </a:rPr>
+              <a:t>cuyas </a:t>
+            </a:r>
+            <a:r>
+              <a:rPr lang="es-ES" sz="1000" dirty="0">
+                <a:latin typeface="AdobeClean-Light"/>
+                <a:cs typeface="AdobeClean-Light"/>
+              </a:rPr>
+              <a:t>recomendaciones ayudan a </a:t>
+            </a:r>
+            <a:r>
+              <a:rPr lang="es-ES" sz="950" dirty="0">
+                <a:latin typeface="AdobeClean-Light"/>
+                <a:cs typeface="AdobeClean-Light"/>
+              </a:rPr>
+              <a:t>conseguir implementaciones adecuadas </a:t>
+            </a:r>
+            <a:r>
+              <a:rPr lang="es-ES" sz="1000" dirty="0">
+                <a:latin typeface="AdobeClean-Light"/>
+                <a:cs typeface="AdobeClean-Light"/>
+              </a:rPr>
+              <a:t>y </a:t>
+            </a:r>
+            <a:r>
+              <a:rPr lang="es-ES" sz="950" dirty="0">
+                <a:latin typeface="AdobeClean-Light"/>
+                <a:cs typeface="AdobeClean-Light"/>
+              </a:rPr>
+              <a:t>agilizan </a:t>
+            </a:r>
+            <a:endParaRPr lang="sk-SK" sz="950" dirty="0">
+              <a:latin typeface="AdobeClean-Light"/>
+              <a:cs typeface="AdobeClean-Light"/>
             </a:endParaRPr>
           </a:p>
           <a:p>
-            <a:pPr marL="12700" marR="86995" indent="-635">
+            <a:pPr marL="12700" marR="5080">
               <a:lnSpc>
                 <a:spcPct val="100000"/>
               </a:lnSpc>
+              <a:spcBef>
+                <a:spcPts val="100"/>
+              </a:spcBef>
             </a:pPr>
             <a:r>
-              <a:rPr sz="950" dirty="0">
-                <a:latin typeface="AdobeClean-SemiLight"/>
-                <a:cs typeface="AdobeClean-SemiLight"/>
-              </a:rPr>
-              <a:t>services </a:t>
-            </a:r>
-            <a:r>
-              <a:rPr sz="1000" dirty="0">
+              <a:rPr lang="es-ES" sz="950" dirty="0">
                 <a:latin typeface="AdobeClean-Light"/>
                 <a:cs typeface="AdobeClean-Light"/>
               </a:rPr>
-              <a:t>and recommendations that are proven to </a:t>
-            </a:r>
-            <a:r>
-              <a:rPr sz="950" dirty="0">
+              <a:t>la obtención de rentabilidad</a:t>
+            </a:r>
+            <a:r>
+              <a:rPr lang="es-ES" sz="1000" dirty="0">
                 <a:latin typeface="AdobeClean-Light"/>
                 <a:cs typeface="AdobeClean-Light"/>
               </a:rPr>
-              <a:t>support  successful deployments </a:t>
-            </a:r>
-            <a:r>
-              <a:rPr sz="1000" dirty="0">
-                <a:latin typeface="AdobeClean-Light"/>
-                <a:cs typeface="AdobeClean-Light"/>
-              </a:rPr>
-              <a:t>and </a:t>
-            </a:r>
-            <a:r>
-              <a:rPr sz="950" dirty="0">
-                <a:latin typeface="AdobeClean-Light"/>
-                <a:cs typeface="AdobeClean-Light"/>
-              </a:rPr>
-              <a:t>accelerate time-to-value</a:t>
-            </a:r>
-            <a:r>
-              <a:rPr sz="1000" dirty="0">
-                <a:latin typeface="AdobeClean-Light"/>
-                <a:cs typeface="AdobeClean-Light"/>
-              </a:rPr>
               <a:t>.</a:t>
             </a:r>
-            <a:endParaRPr sz="1000">
-              <a:latin typeface="AdobeClean-Light"/>
-              <a:cs typeface="AdobeClean-Light"/>
-            </a:endParaRPr>
           </a:p>
         </p:txBody>
       </p:sp>
@@ -12490,7 +11545,7 @@
         <p:spPr>
           <a:xfrm>
             <a:off x="3976901" y="2790952"/>
-            <a:ext cx="3543300" cy="628377"/>
+            <a:ext cx="3543300" cy="782265"/>
           </a:xfrm>
           <a:prstGeom prst="rect">
             <a:avLst/>
@@ -12511,79 +11566,150 @@
               </a:spcBef>
             </a:pPr>
             <a:r>
-              <a:rPr sz="1000" dirty="0">
+              <a:rPr lang="es-ES" sz="1000" dirty="0">
                 <a:solidFill>
                   <a:srgbClr val="4B4B4B"/>
                 </a:solidFill>
                 <a:latin typeface="AdobeClean-Light"/>
                 <a:cs typeface="AdobeClean-Light"/>
               </a:rPr>
-              <a:t>Field Services are used for </a:t>
-            </a:r>
-            <a:r>
-              <a:rPr sz="1000" b="1" dirty="0">
+              <a:t>Los servicios de campo se utilizan para</a:t>
+            </a:r>
+            <a:r>
+              <a:rPr lang="es-ES" sz="1000" b="1" dirty="0">
                 <a:solidFill>
                   <a:srgbClr val="4B4B4B"/>
                 </a:solidFill>
                 <a:latin typeface="Adobe Clean"/>
                 <a:cs typeface="Adobe Clean"/>
               </a:rPr>
-              <a:t>quick resolution</a:t>
-            </a:r>
-            <a:r>
-              <a:rPr sz="1000" dirty="0">
+              <a:t> fines de resolución rápida</a:t>
+            </a:r>
+            <a:r>
+              <a:rPr lang="es-ES" sz="1000" dirty="0">
                 <a:solidFill>
                   <a:srgbClr val="4B4B4B"/>
                 </a:solidFill>
                 <a:latin typeface="AdobeClean-Light"/>
                 <a:cs typeface="AdobeClean-Light"/>
               </a:rPr>
-              <a:t>, focused customer success  and accelerated </a:t>
-            </a:r>
-            <a:r>
-              <a:rPr sz="1000" b="1" dirty="0">
+              <a:t>, éxito centrado en el cliente y</a:t>
+            </a:r>
+            <a:r>
+              <a:rPr lang="es-ES" sz="1000" dirty="0">
+                <a:solidFill>
+                  <a:srgbClr val="4B4B4B"/>
+                </a:solidFill>
+              </a:rPr>
+              <a:t> </a:t>
+            </a:r>
+            <a:r>
+              <a:rPr lang="es-ES" sz="1000" b="1" dirty="0">
                 <a:solidFill>
                   <a:srgbClr val="4B4B4B"/>
                 </a:solidFill>
                 <a:latin typeface="Adobe Clean"/>
                 <a:cs typeface="Adobe Clean"/>
               </a:rPr>
-              <a:t>time-to-value</a:t>
-            </a:r>
-            <a:r>
-              <a:rPr sz="1000" dirty="0">
+              <a:t>una obtención de rentabilidad más rápida</a:t>
+            </a:r>
+            <a:r>
+              <a:rPr lang="es-ES" sz="1000" dirty="0">
                 <a:solidFill>
                   <a:srgbClr val="4B4B4B"/>
                 </a:solidFill>
                 <a:latin typeface="AdobeClean-Light"/>
                 <a:cs typeface="AdobeClean-Light"/>
               </a:rPr>
-              <a:t>. If Launch advisory is active there will be  </a:t>
-            </a:r>
-            <a:r>
-              <a:rPr sz="1000" b="1" dirty="0">
+              <a:t>. Si </a:t>
+            </a:r>
+            <a:r>
+              <a:rPr lang="es-ES" sz="1000" dirty="0" err="1">
+                <a:solidFill>
+                  <a:srgbClr val="4B4B4B"/>
+                </a:solidFill>
+                <a:latin typeface="AdobeClean-Light"/>
+                <a:cs typeface="AdobeClean-Light"/>
+              </a:rPr>
+              <a:t>Launch</a:t>
+            </a:r>
+            <a:r>
+              <a:rPr lang="es-ES" sz="1000" dirty="0">
+                <a:solidFill>
+                  <a:srgbClr val="4B4B4B"/>
+                </a:solidFill>
+                <a:latin typeface="AdobeClean-Light"/>
+                <a:cs typeface="AdobeClean-Light"/>
+              </a:rPr>
+              <a:t> </a:t>
+            </a:r>
+            <a:r>
+              <a:rPr lang="es-ES" sz="1000" dirty="0" err="1">
+                <a:solidFill>
+                  <a:srgbClr val="4B4B4B"/>
+                </a:solidFill>
+                <a:latin typeface="AdobeClean-Light"/>
+                <a:cs typeface="AdobeClean-Light"/>
+              </a:rPr>
+              <a:t>Advisory</a:t>
+            </a:r>
+            <a:r>
+              <a:rPr lang="es-ES" sz="1000" dirty="0">
+                <a:solidFill>
+                  <a:srgbClr val="4B4B4B"/>
+                </a:solidFill>
+                <a:latin typeface="AdobeClean-Light"/>
+                <a:cs typeface="AdobeClean-Light"/>
+              </a:rPr>
+              <a:t> está activado,</a:t>
+            </a:r>
+            <a:r>
+              <a:rPr lang="es-ES" sz="1000" dirty="0">
+                <a:solidFill>
+                  <a:srgbClr val="4B4B4B"/>
+                </a:solidFill>
+              </a:rPr>
+              <a:t> </a:t>
+            </a:r>
+            <a:r>
+              <a:rPr lang="es-ES" sz="1000" b="1" dirty="0">
                 <a:solidFill>
                   <a:srgbClr val="4B4B4B"/>
                 </a:solidFill>
                 <a:latin typeface="Adobe Clean"/>
                 <a:cs typeface="Adobe Clean"/>
               </a:rPr>
-              <a:t>no Field Services in year 1 </a:t>
-            </a:r>
-            <a:r>
-              <a:rPr sz="1000" dirty="0">
+              <a:t>no habrá ningún servicio </a:t>
+            </a:r>
+            <a:br>
+              <a:rPr lang="sk-SK" sz="1000" b="1" dirty="0">
+                <a:solidFill>
+                  <a:srgbClr val="4B4B4B"/>
+                </a:solidFill>
+                <a:latin typeface="Adobe Clean"/>
+                <a:cs typeface="Adobe Clean"/>
+              </a:rPr>
+            </a:br>
+            <a:r>
+              <a:rPr lang="es-ES" sz="1000" b="1" dirty="0">
+                <a:solidFill>
+                  <a:srgbClr val="4B4B4B"/>
+                </a:solidFill>
+                <a:latin typeface="Adobe Clean"/>
+                <a:cs typeface="Adobe Clean"/>
+              </a:rPr>
+              <a:t>de campo en el año 1</a:t>
+            </a:r>
+            <a:r>
+              <a:rPr lang="es-ES" sz="1000" dirty="0">
                 <a:solidFill>
                   <a:srgbClr val="4B4B4B"/>
                 </a:solidFill>
                 <a:latin typeface="AdobeClean-Light"/>
                 <a:cs typeface="AdobeClean-Light"/>
               </a:rPr>
-              <a:t>for any solution product covered by a  Support contract.</a:t>
-            </a:r>
-            <a:endParaRPr sz="1000" dirty="0">
-              <a:latin typeface="AdobeClean-Light"/>
-              <a:cs typeface="AdobeClean-Light"/>
-            </a:endParaRPr>
+              <a:t> para ningún producto de solución cubierto por un contrato de soporte de Adobe.</a:t>
+            </a:r>
           </a:p>
         </p:txBody>
       </p:sp>
@@ -12595,7 +11721,7 @@
         </p:nvSpPr>
         <p:spPr>
           <a:xfrm>
-            <a:off x="924304" y="2667378"/>
+            <a:off x="838200" y="2667378"/>
             <a:ext cx="1245870" cy="0"/>
           </a:xfrm>
           <a:custGeom>
@@ -12680,7 +11806,7 @@
         <p:spPr>
           <a:xfrm>
             <a:off x="263464" y="5348732"/>
-            <a:ext cx="3114040" cy="482600"/>
+            <a:ext cx="3335020" cy="628377"/>
           </a:xfrm>
           <a:prstGeom prst="rect">
             <a:avLst/>
@@ -12701,11 +11827,58 @@
               </a:spcBef>
             </a:pPr>
             <a:r>
-              <a:rPr sz="1000" dirty="0">
+              <a:rPr lang="es-ES" sz="1000" dirty="0" err="1">
                 <a:latin typeface="AdobeClean-Light"/>
                 <a:cs typeface="AdobeClean-Light"/>
               </a:rPr>
-              <a:t>Launch Advisory will align with your project schedule through  common milestones (Kickoff, Define, Design, Go-live and Post  Launch) to guide, validate, assess and make recommendations.</a:t>
+              <a:t>Launch</a:t>
+            </a:r>
+            <a:r>
+              <a:rPr lang="es-ES" sz="1000" dirty="0">
+                <a:latin typeface="AdobeClean-Light"/>
+                <a:cs typeface="AdobeClean-Light"/>
+              </a:rPr>
+              <a:t> </a:t>
+            </a:r>
+            <a:r>
+              <a:rPr lang="es-ES" sz="1000" dirty="0" err="1">
+                <a:latin typeface="AdobeClean-Light"/>
+                <a:cs typeface="AdobeClean-Light"/>
+              </a:rPr>
+              <a:t>Advisory</a:t>
+            </a:r>
+            <a:r>
+              <a:rPr lang="es-ES" sz="1000" dirty="0">
+                <a:latin typeface="AdobeClean-Light"/>
+                <a:cs typeface="AdobeClean-Light"/>
+              </a:rPr>
+              <a:t> se alineará con la programación de su proyecto </a:t>
+            </a:r>
+            <a:br>
+              <a:rPr lang="sk-SK" sz="1000" dirty="0">
+                <a:latin typeface="AdobeClean-Light"/>
+                <a:cs typeface="AdobeClean-Light"/>
+              </a:rPr>
+            </a:br>
+            <a:r>
+              <a:rPr lang="es-ES" sz="1000" dirty="0">
+                <a:latin typeface="AdobeClean-Light"/>
+                <a:cs typeface="AdobeClean-Light"/>
+              </a:rPr>
+              <a:t>a través de hitos comunes (inicio, definición, diseño, lanzamiento </a:t>
+            </a:r>
+            <a:br>
+              <a:rPr lang="sk-SK" sz="1000" dirty="0">
+                <a:latin typeface="AdobeClean-Light"/>
+                <a:cs typeface="AdobeClean-Light"/>
+              </a:rPr>
+            </a:br>
+            <a:r>
+              <a:rPr lang="es-ES" sz="1000" dirty="0">
+                <a:latin typeface="AdobeClean-Light"/>
+                <a:cs typeface="AdobeClean-Light"/>
+              </a:rPr>
+              <a:t>y lanzamiento posterior) para guiar, validar, evaluar y hacer recomendaciones.</a:t>
             </a:r>
           </a:p>
         </p:txBody>
@@ -12718,8 +11891,8 @@
         </p:nvSpPr>
         <p:spPr>
           <a:xfrm>
-            <a:off x="263464" y="5982715"/>
-            <a:ext cx="1247140" cy="166712"/>
+            <a:off x="263464" y="6003438"/>
+            <a:ext cx="1972670" cy="168762"/>
           </a:xfrm>
           <a:prstGeom prst="rect">
             <a:avLst/>
@@ -12740,16 +11913,12 @@
               </a:spcBef>
             </a:pPr>
             <a:r>
-              <a:rPr sz="1000" dirty="0">
+              <a:rPr lang="es-ES" sz="1000" dirty="0">
                 <a:latin typeface="AdobeClean-Light"/>
                 <a:cs typeface="AdobeClean-Light"/>
               </a:rPr>
-              <a:t>Key Deliverables include:</a:t>
-            </a:r>
-            <a:endParaRPr sz="1000">
-              <a:latin typeface="AdobeClean-Light"/>
-              <a:cs typeface="AdobeClean-Light"/>
-            </a:endParaRPr>
+              <a:t>Entre los entregables clave se incluyen:</a:t>
+            </a:r>
           </a:p>
         </p:txBody>
       </p:sp>
@@ -12762,7 +11931,7 @@
         <p:spPr>
           <a:xfrm>
             <a:off x="205422" y="6308299"/>
-            <a:ext cx="2745105" cy="592470"/>
+            <a:ext cx="3737351" cy="592470"/>
           </a:xfrm>
           <a:prstGeom prst="rect">
             <a:avLst/>
@@ -12782,12 +11951,12 @@
               <a:buChar char="•"/>
             </a:pPr>
             <a:r>
-              <a:rPr lang="en-US" sz="1000" dirty="0">
+              <a:rPr lang="es-ES" sz="1000" dirty="0">
                 <a:solidFill>
                   <a:prstClr val="black"/>
                 </a:solidFill>
               </a:rPr>
-              <a:t>Kickoff (including project collaboration plan) deck</a:t>
+              <a:t>Plan de lanzamiento (incluido el plan de colaboración del proyecto)</a:t>
             </a:r>
           </a:p>
           <a:p>
@@ -12799,12 +11968,12 @@
               <a:buChar char="•"/>
             </a:pPr>
             <a:r>
-              <a:rPr lang="en-US" sz="1000" dirty="0">
+              <a:rPr lang="es-ES" sz="1000" dirty="0">
                 <a:solidFill>
                   <a:prstClr val="black"/>
                 </a:solidFill>
               </a:rPr>
-              <a:t>Assessment &amp; recommendations document(s)</a:t>
+              <a:t>Documentos de evaluación y recomendaciones</a:t>
             </a:r>
           </a:p>
           <a:p>
@@ -12816,12 +11985,12 @@
               <a:buChar char="•"/>
             </a:pPr>
             <a:r>
-              <a:rPr lang="en-US" sz="1000" dirty="0">
+              <a:rPr lang="es-ES" sz="1000" dirty="0">
                 <a:solidFill>
                   <a:prstClr val="black"/>
                 </a:solidFill>
               </a:rPr>
-              <a:t>Engagement summary</a:t>
+              <a:t>Resumen de la participación</a:t>
             </a:r>
           </a:p>
         </p:txBody>
@@ -12834,8 +12003,8 @@
         </p:nvSpPr>
         <p:spPr>
           <a:xfrm>
-            <a:off x="263464" y="4126991"/>
-            <a:ext cx="3141980" cy="1070610"/>
+            <a:off x="263463" y="4126991"/>
+            <a:ext cx="3428817" cy="1070610"/>
           </a:xfrm>
           <a:prstGeom prst="rect">
             <a:avLst/>
@@ -12856,19 +12025,15 @@
               </a:spcBef>
             </a:pPr>
             <a:r>
-              <a:rPr sz="1600" dirty="0">
+              <a:rPr lang="es-ES" sz="1600" dirty="0">
                 <a:solidFill>
                   <a:srgbClr val="FFFFFF"/>
                 </a:solidFill>
                 <a:latin typeface="Arial"/>
                 <a:cs typeface="Arial"/>
               </a:rPr>
-              <a:t>Implementation</a:t>
-            </a:r>
-            <a:endParaRPr sz="1600" dirty="0">
-              <a:latin typeface="Arial"/>
-              <a:cs typeface="Arial"/>
-            </a:endParaRPr>
+              <a:t>Implementación</a:t>
+            </a:r>
           </a:p>
           <a:p>
             <a:pPr marL="12700" marR="5080">
@@ -12880,32 +12045,39 @@
               </a:spcBef>
             </a:pPr>
             <a:r>
-              <a:rPr sz="1000" dirty="0">
+              <a:rPr lang="es-ES" sz="1000" dirty="0">
                 <a:latin typeface="AdobeClean-Light"/>
                 <a:cs typeface="AdobeClean-Light"/>
               </a:rPr>
-              <a:t>Adobe solution experts help validate requirements, architecture,  development process, and launch readiness reviews </a:t>
-            </a:r>
-            <a:r>
-              <a:rPr sz="1000" dirty="0">
+              <a:t>Los expertos en soluciones de Adobe ayudan a validar los requisitos, la arquitectura, el proceso de desarrollo y las revisiones de la preparación de los lanzamientos </a:t>
+            </a:r>
+            <a:r>
+              <a:rPr lang="es-ES" sz="1000" dirty="0" err="1">
                 <a:latin typeface="AdobeClean-SemiLight"/>
                 <a:cs typeface="AdobeClean-SemiLight"/>
               </a:rPr>
-              <a:t>with </a:t>
-            </a:r>
-            <a:r>
-              <a:rPr sz="950" dirty="0">
+              <a:t>con</a:t>
+            </a:r>
+            <a:r>
+              <a:rPr lang="es-ES" sz="950" dirty="0" err="1">
                 <a:latin typeface="AdobeClean-SemiLight"/>
                 <a:cs typeface="AdobeClean-SemiLight"/>
               </a:rPr>
-              <a:t>best  practice-based guidance </a:t>
-            </a:r>
-            <a:r>
-              <a:rPr sz="1000" dirty="0">
+              <a:t>directrices</a:t>
+            </a:r>
+            <a:r>
+              <a:rPr lang="es-ES" sz="950" dirty="0">
                 <a:latin typeface="AdobeClean-SemiLight"/>
                 <a:cs typeface="AdobeClean-SemiLight"/>
               </a:rPr>
-              <a:t>to customers and implementation  partners.</a:t>
+              <a:t> basadas en prácticas recomendadas</a:t>
+            </a:r>
+            <a:r>
+              <a:rPr lang="es-ES" sz="1000" dirty="0">
+                <a:latin typeface="AdobeClean-SemiLight"/>
+                <a:cs typeface="AdobeClean-SemiLight"/>
+              </a:rPr>
+              <a:t> para los clientes y los socios de implementación.</a:t>
             </a:r>
           </a:p>
         </p:txBody>
@@ -12917,15 +12089,20 @@
           <p:nvPr/>
         </p:nvPicPr>
         <p:blipFill>
-          <a:blip r:embed="rId3" cstate="print"/>
-          <a:stretch>
-            <a:fillRect/>
-          </a:stretch>
+          <a:blip r:embed="rId3">
+            <a:extLst>
+              <a:ext uri="{28A0092B-C50C-407E-A947-70E740481C1C}">
+                <a14:useLocalDpi xmlns:a14="http://schemas.microsoft.com/office/drawing/2010/main" val="0"/>
+              </a:ext>
+            </a:extLst>
+          </a:blip>
+          <a:srcRect/>
+          <a:stretch/>
         </p:blipFill>
         <p:spPr>
           <a:xfrm>
-            <a:off x="363328" y="6930985"/>
-            <a:ext cx="3053821" cy="2818913"/>
+            <a:off x="363328" y="6932449"/>
+            <a:ext cx="3053821" cy="2815984"/>
           </a:xfrm>
           <a:prstGeom prst="rect">
             <a:avLst/>
@@ -12941,7 +12118,7 @@
         <p:spPr>
           <a:xfrm>
             <a:off x="3947346" y="5363972"/>
-            <a:ext cx="3335020" cy="659765"/>
+            <a:ext cx="3672654" cy="805029"/>
           </a:xfrm>
           <a:prstGeom prst="rect">
             <a:avLst/>
@@ -12962,18 +12139,57 @@
               </a:spcBef>
             </a:pPr>
             <a:r>
-              <a:rPr sz="1000" b="1" dirty="0">
+              <a:rPr lang="es-ES" sz="1000" b="1" dirty="0">
                 <a:latin typeface="Arial"/>
                 <a:cs typeface="Arial"/>
               </a:rPr>
-              <a:t>Technical Track Activities </a:t>
-            </a:r>
-            <a:r>
-              <a:rPr sz="1000" dirty="0">
+              <a:t>Las actividades de seguimiento técnicas</a:t>
+            </a:r>
+            <a:r>
+              <a:rPr lang="es-ES" sz="1000" dirty="0">
                 <a:latin typeface="AdobeClean-Light"/>
                 <a:cs typeface="AdobeClean-Light"/>
               </a:rPr>
-              <a:t>ensure customers are technically sound  and maximizing their tool adoption. Specifically, these types of  activities include support and recommendations related to platform  configurations, integrations and troubleshooting</a:t>
+              <a:t> garantizan que </a:t>
+            </a:r>
+            <a:br>
+              <a:rPr lang="sk-SK" sz="1000" dirty="0">
+                <a:latin typeface="AdobeClean-Light"/>
+                <a:cs typeface="AdobeClean-Light"/>
+              </a:rPr>
+            </a:br>
+            <a:r>
+              <a:rPr lang="es-ES" sz="1000" dirty="0">
+                <a:latin typeface="AdobeClean-Light"/>
+                <a:cs typeface="AdobeClean-Light"/>
+              </a:rPr>
+              <a:t>los clientes estén técnicamente implementados y maximicen la adopción </a:t>
+            </a:r>
+            <a:br>
+              <a:rPr lang="sk-SK" sz="1000" dirty="0">
+                <a:latin typeface="AdobeClean-Light"/>
+                <a:cs typeface="AdobeClean-Light"/>
+              </a:rPr>
+            </a:br>
+            <a:r>
+              <a:rPr lang="es-ES" sz="1000" dirty="0">
+                <a:latin typeface="AdobeClean-Light"/>
+                <a:cs typeface="AdobeClean-Light"/>
+              </a:rPr>
+              <a:t>de sus herramientas. Específicamente, estos tipos de actividades incluyen soporte y recomendaciones relacionadas con configuraciones </a:t>
+            </a:r>
+            <a:br>
+              <a:rPr lang="sk-SK" sz="1000" dirty="0">
+                <a:latin typeface="AdobeClean-Light"/>
+                <a:cs typeface="AdobeClean-Light"/>
+              </a:rPr>
+            </a:br>
+            <a:r>
+              <a:rPr lang="es-ES" sz="1000" dirty="0">
+                <a:latin typeface="AdobeClean-Light"/>
+                <a:cs typeface="AdobeClean-Light"/>
+              </a:rPr>
+              <a:t>de plataforma, integraciones y resolución de problemas.</a:t>
             </a:r>
           </a:p>
         </p:txBody>
@@ -12987,7 +12203,7 @@
         <p:spPr>
           <a:xfrm>
             <a:off x="3947346" y="6174740"/>
-            <a:ext cx="2099310" cy="1436291"/>
+            <a:ext cx="2377254" cy="1436291"/>
           </a:xfrm>
           <a:prstGeom prst="rect">
             <a:avLst/>
@@ -13008,11 +12224,11 @@
               </a:spcBef>
             </a:pPr>
             <a:r>
-              <a:rPr sz="1000" dirty="0">
+              <a:rPr lang="es-ES" sz="1000" dirty="0">
                 <a:latin typeface="AdobeClean-Light"/>
                 <a:cs typeface="AdobeClean-Light"/>
               </a:rPr>
-              <a:t>Types of technical activities available::</a:t>
+              <a:t>Tipos de actividades técnicas disponibles:</a:t>
             </a:r>
           </a:p>
           <a:p>
@@ -13027,12 +12243,12 @@
               <a:buChar char="ü"/>
             </a:pPr>
             <a:r>
-              <a:rPr lang="en-US" sz="1000" dirty="0">
+              <a:rPr lang="es-ES" sz="1000" dirty="0">
                 <a:solidFill>
                   <a:prstClr val="black"/>
                 </a:solidFill>
               </a:rPr>
-              <a:t>Health audit</a:t>
+              <a:t>Auditoría de estado</a:t>
             </a:r>
           </a:p>
           <a:p>
@@ -13047,12 +12263,12 @@
               <a:buChar char="ü"/>
             </a:pPr>
             <a:r>
-              <a:rPr lang="en-US" sz="1000" dirty="0">
+              <a:rPr lang="es-ES" sz="1000" dirty="0">
                 <a:solidFill>
                   <a:prstClr val="black"/>
                 </a:solidFill>
               </a:rPr>
-              <a:t>Platform audit</a:t>
+              <a:t>Auditoría de plataforma</a:t>
             </a:r>
           </a:p>
           <a:p>
@@ -13067,12 +12283,12 @@
               <a:buChar char="ü"/>
             </a:pPr>
             <a:r>
-              <a:rPr lang="en-US" sz="1000" dirty="0">
+              <a:rPr lang="es-ES" sz="1000" dirty="0">
                 <a:solidFill>
                   <a:prstClr val="black"/>
                 </a:solidFill>
               </a:rPr>
-              <a:t>Feature set enablement</a:t>
+              <a:t>Habilitación del conjunto de funciones</a:t>
             </a:r>
           </a:p>
           <a:p>
@@ -13087,12 +12303,12 @@
               <a:buChar char="ü"/>
             </a:pPr>
             <a:r>
-              <a:rPr lang="en-US" sz="1000" dirty="0">
+              <a:rPr lang="es-ES" sz="1000" dirty="0">
                 <a:solidFill>
                   <a:prstClr val="black"/>
                 </a:solidFill>
               </a:rPr>
-              <a:t>Basic integrations and configurations</a:t>
+              <a:t>Integraciones y configuraciones básicas</a:t>
             </a:r>
           </a:p>
           <a:p>
@@ -13107,12 +12323,12 @@
               <a:buChar char="ü"/>
             </a:pPr>
             <a:r>
-              <a:rPr lang="en-US" sz="1000" dirty="0">
+              <a:rPr lang="es-ES" sz="1000" dirty="0">
                 <a:solidFill>
                   <a:prstClr val="black"/>
                 </a:solidFill>
               </a:rPr>
-              <a:t>Customer solution troubleshooting</a:t>
+              <a:t>Solución de problemas del cliente</a:t>
             </a:r>
           </a:p>
           <a:p>
@@ -13127,12 +12343,12 @@
               <a:buChar char="ü"/>
             </a:pPr>
             <a:r>
-              <a:rPr lang="en-US" sz="1000" dirty="0">
+              <a:rPr lang="es-ES" sz="1000" dirty="0">
                 <a:solidFill>
                   <a:prstClr val="black"/>
                 </a:solidFill>
               </a:rPr>
-              <a:t>Cloud service support</a:t>
+              <a:t>Soporte del servicio en la nube</a:t>
             </a:r>
           </a:p>
         </p:txBody>
@@ -13146,7 +12362,7 @@
         <p:spPr>
           <a:xfrm>
             <a:off x="3942774" y="7717028"/>
-            <a:ext cx="3208655" cy="1989006"/>
+            <a:ext cx="3466298" cy="1989006"/>
           </a:xfrm>
           <a:prstGeom prst="rect">
             <a:avLst/>
@@ -13167,18 +12383,18 @@
               </a:spcBef>
             </a:pPr>
             <a:r>
-              <a:rPr sz="1000" b="1" dirty="0">
+              <a:rPr lang="es-ES" sz="1000" b="1" dirty="0">
                 <a:latin typeface="Arial"/>
                 <a:cs typeface="Arial"/>
               </a:rPr>
-              <a:t>Strategic Track Activities </a:t>
-            </a:r>
-            <a:r>
-              <a:rPr sz="1000" dirty="0">
+              <a:t>Las actividades de seguimiento estratégicas</a:t>
+            </a:r>
+            <a:r>
+              <a:rPr lang="es-ES" sz="1000" dirty="0">
                 <a:latin typeface="AdobeClean-Light"/>
                 <a:cs typeface="AdobeClean-Light"/>
               </a:rPr>
-              <a:t>locate opportunities to ensure value is  being realized from a customer’s Adobe solutions. They include  support recommendations related to strategy, measurement and  maturity to drive value realization across one or more Adobe  solutions.</a:t>
+              <a:t> localizan oportunidades para garantizar que las soluciones de Adobe de un cliente estén obteniendo valor. Incluyen recomendaciones de soporte relacionadas con la estrategia, la medición y la madurez para impulsar la realización de valor en una o más soluciones de Adobe.</a:t>
             </a:r>
           </a:p>
           <a:p>
@@ -13202,11 +12418,11 @@
               </a:lnSpc>
             </a:pPr>
             <a:r>
-              <a:rPr sz="1000" dirty="0">
+              <a:rPr lang="es-ES" sz="1000" dirty="0">
                 <a:latin typeface="AdobeClean-Light"/>
                 <a:cs typeface="AdobeClean-Light"/>
               </a:rPr>
-              <a:t>Types of strategic activities available::</a:t>
+              <a:t>Tipos de actividades estratégicas disponibles:</a:t>
             </a:r>
           </a:p>
           <a:p>
@@ -13221,12 +12437,12 @@
               <a:buChar char="ü"/>
             </a:pPr>
             <a:r>
-              <a:rPr lang="en-US" sz="1000" dirty="0">
+              <a:rPr lang="es-ES" sz="1000" dirty="0">
                 <a:solidFill>
                   <a:prstClr val="black"/>
                 </a:solidFill>
               </a:rPr>
-              <a:t>Maturity Roadmap</a:t>
+              <a:t>Plan de madurez</a:t>
             </a:r>
           </a:p>
           <a:p>
@@ -13241,12 +12457,12 @@
               <a:buChar char="ü"/>
             </a:pPr>
             <a:r>
-              <a:rPr lang="en-US" sz="1000" dirty="0">
+              <a:rPr lang="es-ES" sz="1000" dirty="0">
                 <a:solidFill>
                   <a:prstClr val="black"/>
                 </a:solidFill>
               </a:rPr>
-              <a:t>Use case development/measurement</a:t>
+              <a:t>Medición y desarrollo de casos de uso</a:t>
             </a:r>
           </a:p>
           <a:p>
@@ -13261,12 +12477,12 @@
               <a:buChar char="ü"/>
             </a:pPr>
             <a:r>
-              <a:rPr lang="en-US" sz="1000" dirty="0">
+              <a:rPr lang="es-ES" sz="1000" dirty="0">
                 <a:solidFill>
                   <a:prstClr val="black"/>
                 </a:solidFill>
               </a:rPr>
-              <a:t>Reporting &amp; analysis</a:t>
+              <a:t>Informes y análisis</a:t>
             </a:r>
           </a:p>
           <a:p>
@@ -13281,12 +12497,12 @@
               <a:buChar char="ü"/>
             </a:pPr>
             <a:r>
-              <a:rPr lang="en-US" sz="1000" dirty="0">
+              <a:rPr lang="es-ES" sz="1000" dirty="0">
                 <a:solidFill>
                   <a:prstClr val="black"/>
                 </a:solidFill>
               </a:rPr>
-              <a:t>Best practices enablement</a:t>
+              <a:t>Habilitación de prácticas recomendadas</a:t>
             </a:r>
           </a:p>
         </p:txBody>
@@ -13321,19 +12537,15 @@
               </a:spcBef>
             </a:pPr>
             <a:r>
-              <a:rPr sz="1600" dirty="0">
+              <a:rPr lang="es-ES" sz="1600">
                 <a:solidFill>
                   <a:srgbClr val="FFFFFF"/>
                 </a:solidFill>
                 <a:latin typeface="Arial"/>
                 <a:cs typeface="Arial"/>
               </a:rPr>
-              <a:t>Run &amp; Operate</a:t>
-            </a:r>
-            <a:endParaRPr sz="1600" dirty="0">
-              <a:latin typeface="Arial"/>
-              <a:cs typeface="Arial"/>
-            </a:endParaRPr>
+              <a:t>Ejecutar y operar</a:t>
+            </a:r>
           </a:p>
           <a:p>
             <a:pPr marL="12700">
@@ -13345,37 +12557,17 @@
               </a:spcBef>
             </a:pPr>
             <a:r>
-              <a:rPr sz="1000" dirty="0">
+              <a:rPr lang="es-ES" sz="1000">
                 <a:solidFill>
                   <a:srgbClr val="1F1F1F"/>
                 </a:solidFill>
                 <a:latin typeface="Adobe Clean"/>
                 <a:cs typeface="Adobe Clean"/>
               </a:rPr>
-              <a:t>As an </a:t>
-            </a:r>
-            <a:r>
-              <a:rPr lang="en-US" sz="1000" dirty="0">
-                <a:solidFill>
-                  <a:srgbClr val="1F1F1F"/>
-                </a:solidFill>
-                <a:latin typeface="Adobe Clean"/>
-                <a:cs typeface="Adobe Clean"/>
-              </a:rPr>
-              <a:t>Elite</a:t>
-            </a:r>
-            <a:r>
-              <a:rPr sz="1000" dirty="0">
-                <a:solidFill>
-                  <a:srgbClr val="1F1F1F"/>
-                </a:solidFill>
-                <a:latin typeface="Adobe Clean"/>
-                <a:cs typeface="Adobe Clean"/>
-              </a:rPr>
-              <a:t> customer, you are  eligible for</a:t>
-            </a:r>
-            <a:r>
-              <a:rPr lang="en-US" sz="1200" dirty="0">
+              <a:t>Como cliente Elite, puede realizar </a:t>
+            </a:r>
+            <a:r>
+              <a:rPr lang="es-ES" sz="1200">
                 <a:solidFill>
                   <a:srgbClr val="1F1F1F"/>
                 </a:solidFill>
@@ -13390,7 +12582,7 @@
               <a:t> </a:t>
             </a:r>
             <a:r>
-              <a:rPr lang="en-US" sz="1200" u="sng" dirty="0">
+              <a:rPr lang="es-ES" sz="1200" u="sng">
                 <a:solidFill>
                   <a:srgbClr val="1F1F1F"/>
                 </a:solidFill>
@@ -13405,7 +12597,7 @@
               <a:t>4</a:t>
             </a:r>
             <a:r>
-              <a:rPr sz="1200" b="1" dirty="0">
+              <a:rPr lang="es-ES" sz="1200" b="1">
                 <a:solidFill>
                   <a:srgbClr val="1F1F1F"/>
                 </a:solidFill>
@@ -13415,19 +12607,15 @@
               <a:t> </a:t>
             </a:r>
             <a:r>
-              <a:rPr sz="1000" b="1" dirty="0">
+              <a:rPr lang="es-ES" sz="1000" b="1">
                 <a:solidFill>
                   <a:srgbClr val="1F1F1F"/>
                 </a:solidFill>
                 <a:latin typeface="Arial"/>
                 <a:cs typeface="Arial"/>
               </a:rPr>
-              <a:t>activities per year</a:t>
-            </a:r>
-            <a:endParaRPr sz="1000" dirty="0">
-              <a:latin typeface="Arial"/>
-              <a:cs typeface="Arial"/>
-            </a:endParaRPr>
+              <a:t>actividades al año</a:t>
+            </a:r>
           </a:p>
           <a:p>
             <a:pPr marL="12700">
@@ -13439,47 +12627,47 @@
               </a:spcBef>
             </a:pPr>
             <a:r>
-              <a:rPr sz="1000" dirty="0">
+              <a:rPr lang="es-ES" sz="1000">
                 <a:solidFill>
                   <a:srgbClr val="1F1F1F"/>
                 </a:solidFill>
                 <a:latin typeface="Adobe Clean"/>
                 <a:cs typeface="Adobe Clean"/>
               </a:rPr>
-              <a:t>from the following two tracks: </a:t>
-            </a:r>
-            <a:r>
-              <a:rPr sz="1000" b="1" dirty="0">
+              <a:t>de los siguientes dos ámbitos: </a:t>
+            </a:r>
+            <a:r>
+              <a:rPr lang="es-ES" sz="1000" b="1">
                 <a:solidFill>
                   <a:srgbClr val="1F1F1F"/>
                 </a:solidFill>
                 <a:latin typeface="Arial"/>
                 <a:cs typeface="Arial"/>
               </a:rPr>
-              <a:t>Technical </a:t>
-            </a:r>
-            <a:r>
-              <a:rPr sz="1000" dirty="0">
+              <a:t>Técnico </a:t>
+            </a:r>
+            <a:r>
+              <a:rPr lang="es-ES" sz="1000">
                 <a:solidFill>
                   <a:srgbClr val="1F1F1F"/>
                 </a:solidFill>
                 <a:latin typeface="Adobe Clean"/>
                 <a:cs typeface="Adobe Clean"/>
               </a:rPr>
-              <a:t>and/or </a:t>
-            </a:r>
-            <a:r>
-              <a:rPr sz="1000" b="1" dirty="0">
+              <a:t>o </a:t>
+            </a:r>
+            <a:r>
+              <a:rPr lang="es-ES" sz="1000" b="1">
                 <a:solidFill>
                   <a:srgbClr val="1F1F1F"/>
                 </a:solidFill>
                 <a:latin typeface="Arial"/>
                 <a:cs typeface="Arial"/>
               </a:rPr>
-              <a:t>Strategic</a:t>
-            </a:r>
-            <a:r>
-              <a:rPr sz="1000" dirty="0">
+              <a:t>Estratégico</a:t>
+            </a:r>
+            <a:r>
+              <a:rPr lang="es-ES" sz="1000">
                 <a:solidFill>
                   <a:srgbClr val="1F1F1F"/>
                 </a:solidFill>
@@ -13488,10 +12676,6 @@
               </a:rPr>
               <a:t>.</a:t>
             </a:r>
-            <a:endParaRPr sz="1000" dirty="0">
-              <a:latin typeface="AdobeClean-Light"/>
-              <a:cs typeface="AdobeClean-Light"/>
-            </a:endParaRPr>
           </a:p>
         </p:txBody>
       </p:sp>
@@ -13504,7 +12688,7 @@
         <p:spPr>
           <a:xfrm>
             <a:off x="923023" y="538480"/>
-            <a:ext cx="2323349" cy="228268"/>
+            <a:ext cx="3191777" cy="228268"/>
           </a:xfrm>
           <a:prstGeom prst="rect">
             <a:avLst/>
@@ -13525,69 +12709,15 @@
               </a:spcBef>
             </a:pPr>
             <a:r>
-              <a:rPr sz="1400" b="1" spc="-15" dirty="0">
+              <a:rPr lang="es-ES" sz="1400" b="1" dirty="0">
                 <a:solidFill>
                   <a:srgbClr val="020302"/>
                 </a:solidFill>
                 <a:latin typeface="Adobe Clean"/>
                 <a:cs typeface="Adobe Clean"/>
               </a:rPr>
-              <a:t>Cloud</a:t>
-            </a:r>
-            <a:r>
-              <a:rPr sz="1400" b="1" spc="-45" dirty="0">
-                <a:solidFill>
-                  <a:srgbClr val="020302"/>
-                </a:solidFill>
-                <a:latin typeface="Adobe Clean"/>
-                <a:cs typeface="Adobe Clean"/>
-              </a:rPr>
-              <a:t> </a:t>
-            </a:r>
-            <a:r>
-              <a:rPr sz="1400" b="1" spc="-15" dirty="0">
-                <a:solidFill>
-                  <a:srgbClr val="020302"/>
-                </a:solidFill>
-                <a:latin typeface="Adobe Clean"/>
-                <a:cs typeface="Adobe Clean"/>
-              </a:rPr>
-              <a:t>Support</a:t>
-            </a:r>
-            <a:r>
-              <a:rPr sz="1400" b="1" spc="-50" dirty="0">
-                <a:solidFill>
-                  <a:srgbClr val="020302"/>
-                </a:solidFill>
-                <a:latin typeface="Adobe Clean"/>
-                <a:cs typeface="Adobe Clean"/>
-              </a:rPr>
-              <a:t> </a:t>
-            </a:r>
-            <a:r>
-              <a:rPr sz="1400" b="1" spc="-15" dirty="0">
-                <a:solidFill>
-                  <a:srgbClr val="020302"/>
-                </a:solidFill>
-                <a:latin typeface="Adobe Clean"/>
-                <a:cs typeface="Adobe Clean"/>
-              </a:rPr>
-              <a:t>Activities</a:t>
-            </a:r>
-            <a:r>
-              <a:rPr lang="en-US" sz="1400" b="1" spc="-15" dirty="0">
-                <a:solidFill>
-                  <a:srgbClr val="020302"/>
-                </a:solidFill>
-                <a:latin typeface="Adobe Clean"/>
-                <a:cs typeface="Adobe Clean"/>
-              </a:rPr>
-              <a:t> - AEM</a:t>
-            </a:r>
-            <a:endParaRPr sz="1400" dirty="0">
-              <a:latin typeface="Adobe Clean"/>
-              <a:cs typeface="Adobe Clean"/>
-            </a:endParaRPr>
+              <a:t>Actividades de soporte en la nube - AEM</a:t>
+            </a:r>
           </a:p>
         </p:txBody>
       </p:sp>
@@ -13600,7 +12730,7 @@
         <p:spPr>
           <a:xfrm>
             <a:off x="924894" y="814263"/>
-            <a:ext cx="2321477" cy="45719"/>
+            <a:ext cx="3052007" cy="58482"/>
           </a:xfrm>
           <a:custGeom>
             <a:avLst/>
@@ -13703,6 +12833,10 @@
           </p:nvPr>
         </p:nvSpPr>
         <p:spPr>
+          <a:xfrm>
+            <a:off x="97787" y="9861194"/>
+            <a:ext cx="2654800" cy="133370"/>
+          </a:xfrm>
           <a:prstGeom prst="rect">
             <a:avLst/>
           </a:prstGeom>
@@ -13722,36 +12856,40 @@
               </a:spcBef>
             </a:pPr>
             <a:r>
-              <a:rPr spc="-5" dirty="0"/>
-              <a:t>©2021 Adobe. All</a:t>
-            </a:r>
-            <a:r>
-              <a:rPr spc="-15" dirty="0"/>
-              <a:t> Rights</a:t>
-            </a:r>
-            <a:r>
-              <a:rPr spc="-10" dirty="0"/>
+              <a:rPr lang="es-ES" dirty="0"/>
+              <a:t>©2021 Adobe. </a:t>
+            </a:r>
+            <a:r>
+              <a:rPr lang="es-ES" dirty="0" err="1"/>
+              <a:t>All</a:t>
+            </a:r>
+            <a:r>
+              <a:rPr lang="es-ES" dirty="0"/>
               <a:t> </a:t>
             </a:r>
             <a:r>
-              <a:rPr spc="-15" dirty="0"/>
-              <a:t>Reserved.</a:t>
-            </a:r>
-            <a:r>
-              <a:rPr spc="-10" dirty="0"/>
+              <a:rPr lang="es-ES" dirty="0" err="1"/>
+              <a:t>Rights</a:t>
+            </a:r>
+            <a:r>
+              <a:rPr lang="es-ES" dirty="0"/>
               <a:t> </a:t>
             </a:r>
             <a:r>
-              <a:rPr spc="-5" dirty="0"/>
-              <a:t>Adobe</a:t>
-            </a:r>
-            <a:r>
-              <a:rPr spc="60" dirty="0"/>
-              <a:t> </a:t>
-            </a:r>
-            <a:r>
-              <a:rPr spc="-15" dirty="0"/>
-              <a:t>Confidential.</a:t>
+              <a:rPr lang="es-ES" dirty="0" err="1"/>
+              <a:t>Reserved</a:t>
+            </a:r>
+            <a:r>
+              <a:rPr lang="es-ES" dirty="0"/>
+              <a:t>. Adobe </a:t>
+            </a:r>
+            <a:r>
+              <a:rPr lang="es-ES" dirty="0" err="1"/>
+              <a:t>Confidential</a:t>
+            </a:r>
+            <a:r>
+              <a:rPr lang="es-ES" dirty="0"/>
+              <a:t>.</a:t>
             </a:r>
           </a:p>
         </p:txBody>
@@ -13807,8 +12945,8 @@
           <a:p>
             <a:pPr algn="ctr"/>
             <a:r>
-              <a:rPr lang="en-US" sz="1600" dirty="0"/>
-              <a:t>Run &amp; Operate</a:t>
+              <a:rPr lang="es-ES" sz="1600"/>
+              <a:t>Ejecutar y operar</a:t>
             </a:r>
           </a:p>
         </p:txBody>
@@ -13864,8 +13002,8 @@
           <a:p>
             <a:pPr algn="ctr"/>
             <a:r>
-              <a:rPr lang="en-US" sz="1600" dirty="0"/>
-              <a:t>Implementation</a:t>
+              <a:rPr lang="es-ES" sz="1600"/>
+              <a:t>Implementación</a:t>
             </a:r>
           </a:p>
         </p:txBody>
@@ -13884,7 +13022,7 @@
         </p:nvSpPr>
         <p:spPr>
           <a:xfrm>
-            <a:off x="2918286" y="3586760"/>
+            <a:off x="2918286" y="3472190"/>
             <a:ext cx="933111" cy="261610"/>
           </a:xfrm>
           <a:prstGeom prst="rect">
@@ -13900,8 +13038,8 @@
           <a:p>
             <a:pPr algn="ctr"/>
             <a:r>
-              <a:rPr lang="en-US" sz="1100" dirty="0"/>
-              <a:t>Post Launch</a:t>
+              <a:rPr lang="es-ES" sz="1100" dirty="0"/>
+              <a:t>Después del lanzamiento</a:t>
             </a:r>
           </a:p>
         </p:txBody>
@@ -13920,7 +13058,7 @@
         </p:nvSpPr>
         <p:spPr>
           <a:xfrm>
-            <a:off x="2236134" y="3586760"/>
+            <a:off x="2236134" y="3472190"/>
             <a:ext cx="826006" cy="261610"/>
           </a:xfrm>
           <a:prstGeom prst="rect">
@@ -13936,8 +13074,8 @@
           <a:p>
             <a:pPr algn="ctr"/>
             <a:r>
-              <a:rPr lang="en-US" sz="1100" dirty="0"/>
-              <a:t>Go-Live</a:t>
+              <a:rPr lang="es-ES" sz="1100" dirty="0"/>
+              <a:t>Puesta en marcha</a:t>
             </a:r>
           </a:p>
         </p:txBody>
@@ -13972,8 +13110,8 @@
           <a:p>
             <a:pPr algn="ctr"/>
             <a:r>
-              <a:rPr lang="en-US" sz="1100" dirty="0"/>
-              <a:t>Define</a:t>
+              <a:rPr lang="es-ES" sz="1100"/>
+              <a:t>Definir</a:t>
             </a:r>
           </a:p>
         </p:txBody>
@@ -14008,8 +13146,8 @@
           <a:p>
             <a:pPr algn="ctr"/>
             <a:r>
-              <a:rPr lang="en-US" sz="1100" dirty="0"/>
-              <a:t>Kickoff</a:t>
+              <a:rPr lang="es-ES" sz="1100"/>
+              <a:t>Empezar</a:t>
             </a:r>
           </a:p>
         </p:txBody>
@@ -14044,8 +13182,8 @@
           <a:p>
             <a:pPr algn="ctr"/>
             <a:r>
-              <a:rPr lang="en-US" sz="1100" dirty="0"/>
-              <a:t>Design</a:t>
+              <a:rPr lang="es-ES" sz="1100"/>
+              <a:t>Diseñar</a:t>
             </a:r>
           </a:p>
         </p:txBody>
@@ -14102,14 +13240,14 @@
           <a:p>
             <a:pPr algn="ctr"/>
             <a:r>
-              <a:rPr lang="en-US" sz="1400" dirty="0">
+              <a:rPr lang="es-ES" sz="1400">
                 <a:solidFill>
                   <a:schemeClr val="accent1">
                     <a:lumMod val="50000"/>
                   </a:schemeClr>
                 </a:solidFill>
               </a:rPr>
-              <a:t>4 Activities per Year</a:t>
+              <a:t>4 actividades al año</a:t>
             </a:r>
           </a:p>
         </p:txBody>
@@ -14150,20 +13288,14 @@
               </a:spcBef>
             </a:pPr>
             <a:r>
-              <a:rPr lang="en-US" sz="1000" dirty="0">
+              <a:rPr lang="es-ES" sz="1000">
                 <a:solidFill>
                   <a:srgbClr val="4B4B4B"/>
                 </a:solidFill>
                 <a:latin typeface="Adobe Clean Light" panose="020B0303020404020204" pitchFamily="34" charset="0"/>
               </a:rPr>
-              <a:t>Drive adoption of customization best practices and core components in AEM as a Cloud Service</a:t>
-            </a:r>
-            <a:endParaRPr sz="1000" dirty="0">
-              <a:solidFill>
-                <a:srgbClr val="4B4B4B"/>
-              </a:solidFill>
-              <a:latin typeface="Adobe Clean Light" panose="020B0303020404020204" pitchFamily="34" charset="0"/>
-            </a:endParaRPr>
+              <a:t>Impulse la adopción de prácticas recomendadas de personalización y componentes principales en AEM as a Cloud Service.</a:t>
+            </a:r>
           </a:p>
         </p:txBody>
       </p:sp>
@@ -14203,20 +13335,14 @@
               </a:spcBef>
             </a:pPr>
             <a:r>
-              <a:rPr lang="en-US" sz="1000" dirty="0">
+              <a:rPr lang="es-ES" sz="1000">
                 <a:solidFill>
                   <a:srgbClr val="4B4B4B"/>
                 </a:solidFill>
                 <a:latin typeface="Adobe Clean Light" panose="020B0303020404020204" pitchFamily="34" charset="0"/>
               </a:rPr>
-              <a:t>Identify, review and provide recommendations on customized solution adoption areas that have opportunities for optimization</a:t>
-            </a:r>
-            <a:endParaRPr sz="1000" dirty="0">
-              <a:solidFill>
-                <a:srgbClr val="4B4B4B"/>
-              </a:solidFill>
-              <a:latin typeface="Adobe Clean Light" panose="020B0303020404020204" pitchFamily="34" charset="0"/>
-            </a:endParaRPr>
+              <a:t>Identifique, revise y proporcione recomendaciones sobre áreas de adopción de soluciones personalizadas con oportunidades de optimización.</a:t>
+            </a:r>
           </a:p>
         </p:txBody>
       </p:sp>
@@ -14256,20 +13382,50 @@
               </a:spcBef>
             </a:pPr>
             <a:r>
-              <a:rPr lang="en-US" sz="1000" dirty="0">
+              <a:rPr lang="es-ES" sz="1000" dirty="0">
                 <a:solidFill>
                   <a:srgbClr val="4B4B4B"/>
                 </a:solidFill>
                 <a:latin typeface="Adobe Clean Light" panose="020B0303020404020204" pitchFamily="34" charset="0"/>
               </a:rPr>
-              <a:t>Technical &amp; operational governance to assist AEM as a Cloud Service Customers in adhering to industry standards and best practices for AEM as a Cloud Service</a:t>
-            </a:r>
-            <a:endParaRPr sz="1000" dirty="0">
-              <a:solidFill>
-                <a:srgbClr val="4B4B4B"/>
-              </a:solidFill>
-              <a:latin typeface="Adobe Clean Light" panose="020B0303020404020204" pitchFamily="34" charset="0"/>
-            </a:endParaRPr>
+              <a:t>Gobernanza técnica y operativa para ayudar a los clientes de AEM as a Cloud </a:t>
+            </a:r>
+            <a:r>
+              <a:rPr lang="es-ES" sz="1000" dirty="0" err="1">
+                <a:solidFill>
+                  <a:srgbClr val="4B4B4B"/>
+                </a:solidFill>
+                <a:latin typeface="Adobe Clean Light" panose="020B0303020404020204" pitchFamily="34" charset="0"/>
+              </a:rPr>
+              <a:t>Service</a:t>
+            </a:r>
+            <a:r>
+              <a:rPr lang="es-ES" sz="1000" dirty="0">
+                <a:solidFill>
+                  <a:srgbClr val="4B4B4B"/>
+                </a:solidFill>
+                <a:latin typeface="Adobe Clean Light" panose="020B0303020404020204" pitchFamily="34" charset="0"/>
+              </a:rPr>
+              <a:t> a cumplir con los estándares del sector y las prácticas recomendadas para AEM as a Cloud </a:t>
+            </a:r>
+            <a:r>
+              <a:rPr lang="es-ES" sz="1000" dirty="0" err="1">
+                <a:solidFill>
+                  <a:srgbClr val="4B4B4B"/>
+                </a:solidFill>
+                <a:latin typeface="Adobe Clean Light" panose="020B0303020404020204" pitchFamily="34" charset="0"/>
+              </a:rPr>
+              <a:t>Service</a:t>
+            </a:r>
+            <a:r>
+              <a:rPr lang="es-ES" sz="1000" dirty="0">
+                <a:solidFill>
+                  <a:srgbClr val="4B4B4B"/>
+                </a:solidFill>
+                <a:latin typeface="Adobe Clean Light" panose="020B0303020404020204" pitchFamily="34" charset="0"/>
+              </a:rPr>
+              <a:t>.</a:t>
+            </a:r>
           </a:p>
         </p:txBody>
       </p:sp>
@@ -14287,8 +13443,8 @@
         </p:nvSpPr>
         <p:spPr>
           <a:xfrm>
-            <a:off x="5181600" y="936612"/>
-            <a:ext cx="1972258" cy="461665"/>
+            <a:off x="5181599" y="936612"/>
+            <a:ext cx="2278621" cy="646331"/>
           </a:xfrm>
           <a:prstGeom prst="rect">
             <a:avLst/>
@@ -14309,486 +13465,48 @@
               </a:spcBef>
             </a:pPr>
             <a:r>
-              <a:rPr lang="en-US" sz="1200" b="1" spc="-15" dirty="0">
+              <a:rPr lang="es-ES" sz="1200" b="1" dirty="0">
                 <a:solidFill>
                   <a:srgbClr val="020302"/>
                 </a:solidFill>
                 <a:latin typeface="Adobe Clean"/>
                 <a:cs typeface="Adobe Clean"/>
               </a:rPr>
-              <a:t>C</a:t>
-            </a:r>
-            <a:r>
-              <a:rPr lang="en-US" sz="1200" b="1" spc="-20" dirty="0">
+              <a:t>Prácticas recomendadas de personalización para AEM </a:t>
+            </a:r>
+            <a:br>
+              <a:rPr lang="sk-SK" sz="1200" b="1" dirty="0">
                 <a:solidFill>
                   <a:srgbClr val="020302"/>
                 </a:solidFill>
                 <a:latin typeface="Adobe Clean"/>
                 <a:cs typeface="Adobe Clean"/>
               </a:rPr>
-              <a:t>u</a:t>
-            </a:r>
-            <a:r>
-              <a:rPr lang="en-US" sz="1200" b="1" spc="-25" dirty="0">
+            </a:br>
+            <a:r>
+              <a:rPr lang="es-ES" sz="1200" b="1" dirty="0">
                 <a:solidFill>
                   <a:srgbClr val="020302"/>
                 </a:solidFill>
                 <a:latin typeface="Adobe Clean"/>
                 <a:cs typeface="Adobe Clean"/>
               </a:rPr>
-              <a:t>st</a:t>
-            </a:r>
-            <a:r>
-              <a:rPr lang="en-US" sz="1200" b="1" spc="-15" dirty="0">
+              <a:t>as a Cloud </a:t>
+            </a:r>
+            <a:r>
+              <a:rPr lang="es-ES" sz="1200" b="1" dirty="0" err="1">
                 <a:solidFill>
                   <a:srgbClr val="020302"/>
                 </a:solidFill>
                 <a:latin typeface="Adobe Clean"/>
                 <a:cs typeface="Adobe Clean"/>
               </a:rPr>
-              <a:t>o</a:t>
-            </a:r>
-            <a:r>
-              <a:rPr lang="en-US" sz="1200" b="1" spc="-20" dirty="0">
-                <a:solidFill>
-                  <a:srgbClr val="020302"/>
-                </a:solidFill>
-                <a:latin typeface="Adobe Clean"/>
-                <a:cs typeface="Adobe Clean"/>
-              </a:rPr>
-              <a:t>miza</a:t>
-            </a:r>
-            <a:r>
-              <a:rPr lang="en-US" sz="1200" b="1" spc="-25" dirty="0">
-                <a:solidFill>
-                  <a:srgbClr val="020302"/>
-                </a:solidFill>
-                <a:latin typeface="Adobe Clean"/>
-                <a:cs typeface="Adobe Clean"/>
-              </a:rPr>
-              <a:t>t</a:t>
-            </a:r>
-            <a:r>
-              <a:rPr lang="en-US" sz="1200" b="1" spc="-20" dirty="0">
-                <a:solidFill>
-                  <a:srgbClr val="020302"/>
-                </a:solidFill>
-                <a:latin typeface="Adobe Clean"/>
-                <a:cs typeface="Adobe Clean"/>
-              </a:rPr>
-              <a:t>i</a:t>
-            </a:r>
-            <a:r>
-              <a:rPr lang="en-US" sz="1200" b="1" spc="-15" dirty="0">
-                <a:solidFill>
-                  <a:srgbClr val="020302"/>
-                </a:solidFill>
-                <a:latin typeface="Adobe Clean"/>
-                <a:cs typeface="Adobe Clean"/>
-              </a:rPr>
-              <a:t>o</a:t>
-            </a:r>
-            <a:r>
-              <a:rPr lang="en-US" sz="1200" b="1" dirty="0">
-                <a:solidFill>
-                  <a:srgbClr val="020302"/>
-                </a:solidFill>
-                <a:latin typeface="Adobe Clean"/>
-                <a:cs typeface="Adobe Clean"/>
-              </a:rPr>
-              <a:t>n</a:t>
-            </a:r>
-            <a:r>
-              <a:rPr lang="en-US" sz="1200" b="1" spc="-50" dirty="0">
-                <a:solidFill>
-                  <a:srgbClr val="020302"/>
-                </a:solidFill>
-                <a:latin typeface="Adobe Clean"/>
-                <a:cs typeface="Adobe Clean"/>
-              </a:rPr>
-              <a:t> </a:t>
-            </a:r>
-            <a:r>
-              <a:rPr lang="en-US" sz="1200" b="1" spc="-20" dirty="0">
-                <a:solidFill>
-                  <a:srgbClr val="020302"/>
-                </a:solidFill>
-                <a:latin typeface="Adobe Clean"/>
-                <a:cs typeface="Adobe Clean"/>
-              </a:rPr>
-              <a:t>B</a:t>
-            </a:r>
-            <a:r>
-              <a:rPr lang="en-US" sz="1200" b="1" spc="-25" dirty="0">
-                <a:solidFill>
-                  <a:srgbClr val="020302"/>
-                </a:solidFill>
-                <a:latin typeface="Adobe Clean"/>
-                <a:cs typeface="Adobe Clean"/>
-              </a:rPr>
-              <a:t>es</a:t>
-            </a:r>
-            <a:r>
-              <a:rPr lang="en-US" sz="1200" b="1" dirty="0">
-                <a:solidFill>
-                  <a:srgbClr val="020302"/>
-                </a:solidFill>
-                <a:latin typeface="Adobe Clean"/>
-                <a:cs typeface="Adobe Clean"/>
-              </a:rPr>
-              <a:t>t</a:t>
-            </a:r>
-            <a:r>
-              <a:rPr lang="en-US" sz="1200" b="1" spc="-50" dirty="0">
-                <a:solidFill>
-                  <a:srgbClr val="020302"/>
-                </a:solidFill>
-                <a:latin typeface="Adobe Clean"/>
-                <a:cs typeface="Adobe Clean"/>
-              </a:rPr>
-              <a:t> </a:t>
-            </a:r>
-            <a:r>
-              <a:rPr lang="en-US" sz="1200" b="1" spc="-25" dirty="0">
-                <a:solidFill>
-                  <a:srgbClr val="020302"/>
-                </a:solidFill>
-                <a:latin typeface="Adobe Clean"/>
-                <a:cs typeface="Adobe Clean"/>
-              </a:rPr>
-              <a:t>P</a:t>
-            </a:r>
-            <a:r>
-              <a:rPr lang="en-US" sz="1200" b="1" spc="-20" dirty="0">
-                <a:solidFill>
-                  <a:srgbClr val="020302"/>
-                </a:solidFill>
-                <a:latin typeface="Adobe Clean"/>
-                <a:cs typeface="Adobe Clean"/>
-              </a:rPr>
-              <a:t>ra</a:t>
-            </a:r>
-            <a:r>
-              <a:rPr lang="en-US" sz="1200" b="1" spc="-30" dirty="0">
-                <a:solidFill>
-                  <a:srgbClr val="020302"/>
-                </a:solidFill>
-                <a:latin typeface="Adobe Clean"/>
-                <a:cs typeface="Adobe Clean"/>
-              </a:rPr>
-              <a:t>c</a:t>
-            </a:r>
-            <a:r>
-              <a:rPr lang="en-US" sz="1200" b="1" spc="-25" dirty="0">
-                <a:solidFill>
-                  <a:srgbClr val="020302"/>
-                </a:solidFill>
-                <a:latin typeface="Adobe Clean"/>
-                <a:cs typeface="Adobe Clean"/>
-              </a:rPr>
-              <a:t>t</a:t>
-            </a:r>
-            <a:r>
-              <a:rPr lang="en-US" sz="1200" b="1" spc="-20" dirty="0">
-                <a:solidFill>
-                  <a:srgbClr val="020302"/>
-                </a:solidFill>
-                <a:latin typeface="Adobe Clean"/>
-                <a:cs typeface="Adobe Clean"/>
-              </a:rPr>
-              <a:t>i</a:t>
-            </a:r>
-            <a:r>
-              <a:rPr lang="en-US" sz="1200" b="1" spc="-30" dirty="0">
-                <a:solidFill>
-                  <a:srgbClr val="020302"/>
-                </a:solidFill>
-                <a:latin typeface="Adobe Clean"/>
-                <a:cs typeface="Adobe Clean"/>
-              </a:rPr>
-              <a:t>c</a:t>
-            </a:r>
-            <a:r>
-              <a:rPr lang="en-US" sz="1200" b="1" spc="-25" dirty="0">
-                <a:solidFill>
-                  <a:srgbClr val="020302"/>
-                </a:solidFill>
-                <a:latin typeface="Adobe Clean"/>
-                <a:cs typeface="Adobe Clean"/>
-              </a:rPr>
-              <a:t>e</a:t>
-            </a:r>
-            <a:r>
-              <a:rPr lang="en-US" sz="1200" b="1" dirty="0">
-                <a:solidFill>
-                  <a:srgbClr val="020302"/>
-                </a:solidFill>
-                <a:latin typeface="Adobe Clean"/>
-                <a:cs typeface="Adobe Clean"/>
-              </a:rPr>
-              <a:t>s</a:t>
-            </a:r>
-            <a:r>
-              <a:rPr lang="en-US" sz="1200" b="1" spc="-45" dirty="0">
-                <a:solidFill>
-                  <a:srgbClr val="020302"/>
-                </a:solidFill>
-                <a:latin typeface="Adobe Clean"/>
-                <a:cs typeface="Adobe Clean"/>
-              </a:rPr>
-              <a:t> </a:t>
-            </a:r>
-            <a:r>
-              <a:rPr lang="en-US" sz="1200" b="1" spc="-25" dirty="0">
-                <a:solidFill>
-                  <a:srgbClr val="020302"/>
-                </a:solidFill>
-                <a:latin typeface="Adobe Clean"/>
-                <a:cs typeface="Adobe Clean"/>
-              </a:rPr>
-              <a:t>f</a:t>
-            </a:r>
-            <a:r>
-              <a:rPr lang="en-US" sz="1200" b="1" spc="-15" dirty="0">
-                <a:solidFill>
-                  <a:srgbClr val="020302"/>
-                </a:solidFill>
-                <a:latin typeface="Adobe Clean"/>
-                <a:cs typeface="Adobe Clean"/>
-              </a:rPr>
-              <a:t>o</a:t>
-            </a:r>
-            <a:r>
-              <a:rPr lang="en-US" sz="1200" b="1" dirty="0">
-                <a:solidFill>
-                  <a:srgbClr val="020302"/>
-                </a:solidFill>
-                <a:latin typeface="Adobe Clean"/>
-                <a:cs typeface="Adobe Clean"/>
-              </a:rPr>
-              <a:t>r</a:t>
-            </a:r>
-            <a:r>
-              <a:rPr lang="en-US" sz="1200" b="1" spc="-45" dirty="0">
-                <a:solidFill>
-                  <a:srgbClr val="020302"/>
-                </a:solidFill>
-                <a:latin typeface="Adobe Clean"/>
-                <a:cs typeface="Adobe Clean"/>
-              </a:rPr>
-              <a:t> </a:t>
-            </a:r>
-            <a:r>
-              <a:rPr lang="en-US" sz="1200" b="1" spc="-30" dirty="0">
-                <a:solidFill>
-                  <a:srgbClr val="020302"/>
-                </a:solidFill>
-                <a:latin typeface="Adobe Clean"/>
-                <a:cs typeface="Adobe Clean"/>
-              </a:rPr>
-              <a:t>AE</a:t>
-            </a:r>
-            <a:r>
-              <a:rPr lang="en-US" sz="1200" b="1" dirty="0">
-                <a:solidFill>
-                  <a:srgbClr val="020302"/>
-                </a:solidFill>
-                <a:latin typeface="Adobe Clean"/>
-                <a:cs typeface="Adobe Clean"/>
-              </a:rPr>
-              <a:t>M</a:t>
-            </a:r>
-            <a:r>
-              <a:rPr lang="en-US" sz="1200" b="1" spc="-55" dirty="0">
-                <a:solidFill>
-                  <a:srgbClr val="020302"/>
-                </a:solidFill>
-                <a:latin typeface="Adobe Clean"/>
-                <a:cs typeface="Adobe Clean"/>
-              </a:rPr>
-              <a:t> </a:t>
-            </a:r>
-            <a:r>
-              <a:rPr lang="en-US" sz="1200" b="1" spc="-20" dirty="0">
-                <a:solidFill>
-                  <a:srgbClr val="020302"/>
-                </a:solidFill>
-                <a:latin typeface="Adobe Clean"/>
-                <a:cs typeface="Adobe Clean"/>
-              </a:rPr>
-              <a:t>a</a:t>
-            </a:r>
-            <a:r>
-              <a:rPr lang="en-US" sz="1200" b="1" dirty="0">
-                <a:solidFill>
-                  <a:srgbClr val="020302"/>
-                </a:solidFill>
-                <a:latin typeface="Adobe Clean"/>
-                <a:cs typeface="Adobe Clean"/>
-              </a:rPr>
-              <a:t>s</a:t>
-            </a:r>
-            <a:r>
-              <a:rPr lang="en-US" sz="1200" b="1" spc="-45" dirty="0">
-                <a:solidFill>
-                  <a:srgbClr val="020302"/>
-                </a:solidFill>
-                <a:latin typeface="Adobe Clean"/>
-                <a:cs typeface="Adobe Clean"/>
-              </a:rPr>
-              <a:t> </a:t>
-            </a:r>
-            <a:r>
-              <a:rPr lang="en-US" sz="1200" b="1" dirty="0">
-                <a:solidFill>
-                  <a:srgbClr val="020302"/>
-                </a:solidFill>
-                <a:latin typeface="Adobe Clean"/>
-                <a:cs typeface="Adobe Clean"/>
-              </a:rPr>
-              <a:t>a</a:t>
-            </a:r>
-            <a:r>
-              <a:rPr lang="en-US" sz="1200" b="1" spc="-45" dirty="0">
-                <a:solidFill>
-                  <a:srgbClr val="020302"/>
-                </a:solidFill>
-                <a:latin typeface="Adobe Clean"/>
-                <a:cs typeface="Adobe Clean"/>
-              </a:rPr>
-              <a:t> </a:t>
-            </a:r>
-            <a:r>
-              <a:rPr lang="en-US" sz="1200" b="1" spc="-15" dirty="0">
-                <a:solidFill>
-                  <a:srgbClr val="020302"/>
-                </a:solidFill>
-                <a:latin typeface="Adobe Clean"/>
-                <a:cs typeface="Adobe Clean"/>
-              </a:rPr>
-              <a:t>C</a:t>
-            </a:r>
-            <a:r>
-              <a:rPr lang="en-US" sz="1200" b="1" spc="-25" dirty="0">
-                <a:solidFill>
-                  <a:srgbClr val="020302"/>
-                </a:solidFill>
-                <a:latin typeface="Adobe Clean"/>
-                <a:cs typeface="Adobe Clean"/>
-              </a:rPr>
-              <a:t>l</a:t>
-            </a:r>
-            <a:r>
-              <a:rPr lang="en-US" sz="1200" b="1" spc="-15" dirty="0">
-                <a:solidFill>
-                  <a:srgbClr val="020302"/>
-                </a:solidFill>
-                <a:latin typeface="Adobe Clean"/>
-                <a:cs typeface="Adobe Clean"/>
-              </a:rPr>
-              <a:t>o</a:t>
-            </a:r>
-            <a:r>
-              <a:rPr lang="en-US" sz="1200" b="1" spc="-20" dirty="0">
-                <a:solidFill>
-                  <a:srgbClr val="020302"/>
-                </a:solidFill>
-                <a:latin typeface="Adobe Clean"/>
-                <a:cs typeface="Adobe Clean"/>
-              </a:rPr>
-              <a:t>u</a:t>
-            </a:r>
-            <a:r>
-              <a:rPr lang="en-US" sz="1200" b="1" dirty="0">
-                <a:solidFill>
-                  <a:srgbClr val="020302"/>
-                </a:solidFill>
-                <a:latin typeface="Adobe Clean"/>
-                <a:cs typeface="Adobe Clean"/>
-              </a:rPr>
-              <a:t>d</a:t>
-            </a:r>
-            <a:r>
-              <a:rPr lang="en-US" sz="1200" b="1" spc="-50" dirty="0">
-                <a:solidFill>
-                  <a:srgbClr val="020302"/>
-                </a:solidFill>
-                <a:latin typeface="Adobe Clean"/>
-                <a:cs typeface="Adobe Clean"/>
-              </a:rPr>
-              <a:t> </a:t>
-            </a:r>
-            <a:r>
-              <a:rPr lang="en-US" sz="1200" b="1" spc="-20" dirty="0">
-                <a:solidFill>
-                  <a:srgbClr val="020302"/>
-                </a:solidFill>
-                <a:latin typeface="Adobe Clean"/>
-                <a:cs typeface="Adobe Clean"/>
-              </a:rPr>
-              <a:t>S</a:t>
-            </a:r>
-            <a:r>
-              <a:rPr lang="en-US" sz="1200" b="1" spc="-25" dirty="0">
-                <a:solidFill>
-                  <a:srgbClr val="020302"/>
-                </a:solidFill>
-                <a:latin typeface="Adobe Clean"/>
-                <a:cs typeface="Adobe Clean"/>
-              </a:rPr>
-              <a:t>e</a:t>
-            </a:r>
-            <a:r>
-              <a:rPr lang="en-US" sz="1200" b="1" spc="-20" dirty="0">
-                <a:solidFill>
-                  <a:srgbClr val="020302"/>
-                </a:solidFill>
-                <a:latin typeface="Adobe Clean"/>
-                <a:cs typeface="Adobe Clean"/>
-              </a:rPr>
-              <a:t>r</a:t>
-            </a:r>
-            <a:r>
-              <a:rPr lang="en-US" sz="1200" b="1" spc="-30" dirty="0">
-                <a:solidFill>
-                  <a:srgbClr val="020302"/>
-                </a:solidFill>
-                <a:latin typeface="Adobe Clean"/>
-                <a:cs typeface="Adobe Clean"/>
-              </a:rPr>
-              <a:t>v</a:t>
-            </a:r>
-            <a:r>
-              <a:rPr lang="en-US" sz="1200" b="1" spc="-20" dirty="0">
-                <a:solidFill>
-                  <a:srgbClr val="020302"/>
-                </a:solidFill>
-                <a:latin typeface="Adobe Clean"/>
-                <a:cs typeface="Adobe Clean"/>
-              </a:rPr>
-              <a:t>i</a:t>
-            </a:r>
-            <a:r>
-              <a:rPr lang="en-US" sz="1200" b="1" spc="-30" dirty="0">
-                <a:solidFill>
-                  <a:srgbClr val="020302"/>
-                </a:solidFill>
-                <a:latin typeface="Adobe Clean"/>
-                <a:cs typeface="Adobe Clean"/>
-              </a:rPr>
-              <a:t>c</a:t>
-            </a:r>
-            <a:r>
-              <a:rPr lang="en-US" sz="1200" b="1" dirty="0">
-                <a:solidFill>
-                  <a:srgbClr val="020302"/>
-                </a:solidFill>
-                <a:latin typeface="Adobe Clean"/>
-                <a:cs typeface="Adobe Clean"/>
-              </a:rPr>
-              <a:t>e</a:t>
-            </a:r>
-            <a:endParaRPr lang="en-US" sz="1200" dirty="0">
+              <a:t>Service</a:t>
+            </a:r>
+            <a:endParaRPr lang="es-ES" sz="1200" b="1" dirty="0">
+              <a:solidFill>
+                <a:srgbClr val="020302"/>
+              </a:solidFill>
               <a:latin typeface="Adobe Clean"/>
               <a:cs typeface="Adobe Clean"/>
             </a:endParaRPr>
@@ -14809,8 +13527,8 @@
         </p:nvSpPr>
         <p:spPr>
           <a:xfrm>
-            <a:off x="2752588" y="908302"/>
-            <a:ext cx="1708650" cy="461665"/>
+            <a:off x="2752587" y="908302"/>
+            <a:ext cx="2090681" cy="461665"/>
           </a:xfrm>
           <a:prstGeom prst="rect">
             <a:avLst/>
@@ -14831,16 +13549,29 @@
               </a:spcBef>
             </a:pPr>
             <a:r>
-              <a:rPr lang="en-US" sz="1200" b="1" spc="-25" dirty="0">
+              <a:rPr lang="es-ES" sz="1200" b="1" dirty="0">
                 <a:solidFill>
                   <a:srgbClr val="020302"/>
                 </a:solidFill>
                 <a:latin typeface="Adobe Clean"/>
                 <a:cs typeface="Adobe Clean"/>
               </a:rPr>
-              <a:t>Value-added Services for AEM as a Cloud Service</a:t>
-            </a:r>
-            <a:endParaRPr lang="en-US" sz="1200" dirty="0">
+              <a:t>Servicios de valor añadido para AEM as a Cloud </a:t>
+            </a:r>
+            <a:r>
+              <a:rPr lang="es-ES" sz="1200" b="1" dirty="0" err="1">
+                <a:solidFill>
+                  <a:srgbClr val="020302"/>
+                </a:solidFill>
+                <a:latin typeface="Adobe Clean"/>
+                <a:cs typeface="Adobe Clean"/>
+              </a:rPr>
+              <a:t>Service</a:t>
+            </a:r>
+            <a:endParaRPr lang="es-ES" sz="1200" b="1" dirty="0">
+              <a:solidFill>
+                <a:srgbClr val="020302"/>
+              </a:solidFill>
               <a:latin typeface="Adobe Clean"/>
               <a:cs typeface="Adobe Clean"/>
             </a:endParaRPr>
@@ -14883,356 +13614,48 @@
               </a:spcBef>
             </a:pPr>
             <a:r>
-              <a:rPr lang="en-US" sz="1200" b="1" spc="-20" dirty="0">
+              <a:rPr lang="es-ES" sz="1200" b="1" dirty="0">
                 <a:solidFill>
                   <a:srgbClr val="020302"/>
                 </a:solidFill>
                 <a:latin typeface="Adobe Clean"/>
                 <a:cs typeface="Adobe Clean"/>
               </a:rPr>
-              <a:t>G</a:t>
-            </a:r>
-            <a:r>
-              <a:rPr lang="en-US" sz="1200" b="1" spc="-15" dirty="0">
+              <a:t>Gobernanza de AEM </a:t>
+            </a:r>
+            <a:br>
+              <a:rPr lang="sk-SK" sz="1200" b="1" dirty="0">
                 <a:solidFill>
                   <a:srgbClr val="020302"/>
                 </a:solidFill>
                 <a:latin typeface="Adobe Clean"/>
                 <a:cs typeface="Adobe Clean"/>
               </a:rPr>
-              <a:t>o</a:t>
-            </a:r>
-            <a:r>
-              <a:rPr lang="en-US" sz="1200" b="1" spc="-25" dirty="0">
+            </a:br>
+            <a:r>
+              <a:rPr lang="es-ES" sz="1200" b="1" dirty="0">
                 <a:solidFill>
                   <a:srgbClr val="020302"/>
                 </a:solidFill>
                 <a:latin typeface="Adobe Clean"/>
                 <a:cs typeface="Adobe Clean"/>
               </a:rPr>
-              <a:t>ve</a:t>
-            </a:r>
-            <a:r>
-              <a:rPr lang="en-US" sz="1200" b="1" spc="-20" dirty="0">
+              <a:t>as a Cloud </a:t>
+            </a:r>
+            <a:r>
+              <a:rPr lang="es-ES" sz="1200" b="1" dirty="0" err="1">
                 <a:solidFill>
                   <a:srgbClr val="020302"/>
                 </a:solidFill>
                 <a:latin typeface="Adobe Clean"/>
                 <a:cs typeface="Adobe Clean"/>
               </a:rPr>
-              <a:t>r</a:t>
-            </a:r>
-            <a:r>
-              <a:rPr lang="en-US" sz="1200" b="1" spc="-25" dirty="0">
-                <a:solidFill>
-                  <a:srgbClr val="020302"/>
-                </a:solidFill>
-                <a:latin typeface="Adobe Clean"/>
-                <a:cs typeface="Adobe Clean"/>
-              </a:rPr>
-              <a:t>n</a:t>
-            </a:r>
-            <a:r>
-              <a:rPr lang="en-US" sz="1200" b="1" spc="-20" dirty="0">
-                <a:solidFill>
-                  <a:srgbClr val="020302"/>
-                </a:solidFill>
-                <a:latin typeface="Adobe Clean"/>
-                <a:cs typeface="Adobe Clean"/>
-              </a:rPr>
-              <a:t>a</a:t>
-            </a:r>
-            <a:r>
-              <a:rPr lang="en-US" sz="1200" b="1" spc="-25" dirty="0">
-                <a:solidFill>
-                  <a:srgbClr val="020302"/>
-                </a:solidFill>
-                <a:latin typeface="Adobe Clean"/>
-                <a:cs typeface="Adobe Clean"/>
-              </a:rPr>
-              <a:t>n</a:t>
-            </a:r>
-            <a:r>
-              <a:rPr lang="en-US" sz="1200" b="1" spc="-30" dirty="0">
-                <a:solidFill>
-                  <a:srgbClr val="020302"/>
-                </a:solidFill>
-                <a:latin typeface="Adobe Clean"/>
-                <a:cs typeface="Adobe Clean"/>
-              </a:rPr>
-              <a:t>c</a:t>
-            </a:r>
-            <a:r>
-              <a:rPr lang="en-US" sz="1200" b="1" dirty="0">
-                <a:solidFill>
-                  <a:srgbClr val="020302"/>
-                </a:solidFill>
-                <a:latin typeface="Adobe Clean"/>
-                <a:cs typeface="Adobe Clean"/>
-              </a:rPr>
-              <a:t>e</a:t>
-            </a:r>
-            <a:r>
-              <a:rPr lang="en-US" sz="1200" b="1" spc="-50" dirty="0">
-                <a:solidFill>
-                  <a:srgbClr val="020302"/>
-                </a:solidFill>
-                <a:latin typeface="Adobe Clean"/>
-                <a:cs typeface="Adobe Clean"/>
-              </a:rPr>
-              <a:t> </a:t>
-            </a:r>
-            <a:r>
-              <a:rPr lang="en-US" sz="1200" b="1" spc="-25" dirty="0">
-                <a:solidFill>
-                  <a:srgbClr val="020302"/>
-                </a:solidFill>
-                <a:latin typeface="Adobe Clean"/>
-                <a:cs typeface="Adobe Clean"/>
-              </a:rPr>
-              <a:t>f</a:t>
-            </a:r>
-            <a:r>
-              <a:rPr lang="en-US" sz="1200" b="1" spc="-15" dirty="0">
-                <a:solidFill>
-                  <a:srgbClr val="020302"/>
-                </a:solidFill>
-                <a:latin typeface="Adobe Clean"/>
-                <a:cs typeface="Adobe Clean"/>
-              </a:rPr>
-              <a:t>o</a:t>
-            </a:r>
-            <a:r>
-              <a:rPr lang="en-US" sz="1200" b="1" dirty="0">
-                <a:solidFill>
-                  <a:srgbClr val="020302"/>
-                </a:solidFill>
-                <a:latin typeface="Adobe Clean"/>
-                <a:cs typeface="Adobe Clean"/>
-              </a:rPr>
-              <a:t>r</a:t>
-            </a:r>
-            <a:r>
-              <a:rPr lang="en-US" sz="1200" b="1" spc="-45" dirty="0">
-                <a:solidFill>
-                  <a:srgbClr val="020302"/>
-                </a:solidFill>
-                <a:latin typeface="Adobe Clean"/>
-                <a:cs typeface="Adobe Clean"/>
-              </a:rPr>
-              <a:t> </a:t>
-            </a:r>
-            <a:r>
-              <a:rPr lang="en-US" sz="1200" b="1" spc="-30" dirty="0">
-                <a:solidFill>
-                  <a:srgbClr val="020302"/>
-                </a:solidFill>
-                <a:latin typeface="Adobe Clean"/>
-                <a:cs typeface="Adobe Clean"/>
-              </a:rPr>
-              <a:t>A</a:t>
-            </a:r>
-            <a:r>
-              <a:rPr lang="en-US" sz="1200" b="1" spc="-25" dirty="0">
-                <a:solidFill>
-                  <a:srgbClr val="020302"/>
-                </a:solidFill>
-                <a:latin typeface="Adobe Clean"/>
-                <a:cs typeface="Adobe Clean"/>
-              </a:rPr>
-              <a:t>E</a:t>
-            </a:r>
-            <a:r>
-              <a:rPr lang="en-US" sz="1200" b="1" dirty="0">
-                <a:solidFill>
-                  <a:srgbClr val="020302"/>
-                </a:solidFill>
-                <a:latin typeface="Adobe Clean"/>
-                <a:cs typeface="Adobe Clean"/>
-              </a:rPr>
-              <a:t>M</a:t>
-            </a:r>
-            <a:r>
-              <a:rPr lang="en-US" sz="1200" b="1" spc="-50" dirty="0">
-                <a:solidFill>
-                  <a:srgbClr val="020302"/>
-                </a:solidFill>
-                <a:latin typeface="Adobe Clean"/>
-                <a:cs typeface="Adobe Clean"/>
-              </a:rPr>
-              <a:t> </a:t>
-            </a:r>
-            <a:r>
-              <a:rPr lang="en-US" sz="1200" b="1" spc="-20" dirty="0">
-                <a:solidFill>
-                  <a:srgbClr val="020302"/>
-                </a:solidFill>
-                <a:latin typeface="Adobe Clean"/>
-                <a:cs typeface="Adobe Clean"/>
-              </a:rPr>
-              <a:t>a</a:t>
-            </a:r>
-            <a:r>
-              <a:rPr lang="en-US" sz="1200" b="1" dirty="0">
-                <a:solidFill>
-                  <a:srgbClr val="020302"/>
-                </a:solidFill>
-                <a:latin typeface="Adobe Clean"/>
-                <a:cs typeface="Adobe Clean"/>
-              </a:rPr>
-              <a:t>s</a:t>
-            </a:r>
-            <a:r>
-              <a:rPr lang="en-US" sz="1200" b="1" spc="-45" dirty="0">
-                <a:solidFill>
-                  <a:srgbClr val="020302"/>
-                </a:solidFill>
-                <a:latin typeface="Adobe Clean"/>
-                <a:cs typeface="Adobe Clean"/>
-              </a:rPr>
-              <a:t> </a:t>
-            </a:r>
-            <a:r>
-              <a:rPr lang="en-US" sz="1200" b="1" dirty="0">
-                <a:solidFill>
-                  <a:srgbClr val="020302"/>
-                </a:solidFill>
-                <a:latin typeface="Adobe Clean"/>
-                <a:cs typeface="Adobe Clean"/>
-              </a:rPr>
-              <a:t>a</a:t>
-            </a:r>
-            <a:r>
-              <a:rPr lang="en-US" sz="1200" b="1" spc="-40" dirty="0">
-                <a:solidFill>
-                  <a:srgbClr val="020302"/>
-                </a:solidFill>
-                <a:latin typeface="Adobe Clean"/>
-                <a:cs typeface="Adobe Clean"/>
-              </a:rPr>
-              <a:t> </a:t>
-            </a:r>
-            <a:r>
-              <a:rPr lang="en-US" sz="1200" b="1" spc="-15" dirty="0">
-                <a:solidFill>
-                  <a:srgbClr val="020302"/>
-                </a:solidFill>
-                <a:latin typeface="Adobe Clean"/>
-                <a:cs typeface="Adobe Clean"/>
-              </a:rPr>
-              <a:t>C</a:t>
-            </a:r>
-            <a:r>
-              <a:rPr lang="en-US" sz="1200" b="1" spc="-25" dirty="0">
-                <a:solidFill>
-                  <a:srgbClr val="020302"/>
-                </a:solidFill>
-                <a:latin typeface="Adobe Clean"/>
-                <a:cs typeface="Adobe Clean"/>
-              </a:rPr>
-              <a:t>l</a:t>
-            </a:r>
-            <a:r>
-              <a:rPr lang="en-US" sz="1200" b="1" spc="-15" dirty="0">
-                <a:solidFill>
-                  <a:srgbClr val="020302"/>
-                </a:solidFill>
-                <a:latin typeface="Adobe Clean"/>
-                <a:cs typeface="Adobe Clean"/>
-              </a:rPr>
-              <a:t>ou</a:t>
-            </a:r>
-            <a:r>
-              <a:rPr lang="en-US" sz="1200" b="1" dirty="0">
-                <a:solidFill>
-                  <a:srgbClr val="020302"/>
-                </a:solidFill>
-                <a:latin typeface="Adobe Clean"/>
-                <a:cs typeface="Adobe Clean"/>
-              </a:rPr>
-              <a:t>d</a:t>
-            </a:r>
-            <a:r>
-              <a:rPr lang="en-US" sz="1200" b="1" spc="-50" dirty="0">
-                <a:solidFill>
-                  <a:srgbClr val="020302"/>
-                </a:solidFill>
-                <a:latin typeface="Adobe Clean"/>
-                <a:cs typeface="Adobe Clean"/>
-              </a:rPr>
-              <a:t> </a:t>
-            </a:r>
-            <a:r>
-              <a:rPr lang="en-US" sz="1200" b="1" spc="-20" dirty="0">
-                <a:solidFill>
-                  <a:srgbClr val="020302"/>
-                </a:solidFill>
-                <a:latin typeface="Adobe Clean"/>
-                <a:cs typeface="Adobe Clean"/>
-              </a:rPr>
-              <a:t>S</a:t>
-            </a:r>
-            <a:r>
-              <a:rPr lang="en-US" sz="1200" b="1" spc="-25" dirty="0">
-                <a:solidFill>
-                  <a:srgbClr val="020302"/>
-                </a:solidFill>
-                <a:latin typeface="Adobe Clean"/>
-                <a:cs typeface="Adobe Clean"/>
-              </a:rPr>
-              <a:t>e</a:t>
-            </a:r>
-            <a:r>
-              <a:rPr lang="en-US" sz="1200" b="1" spc="-20" dirty="0">
-                <a:solidFill>
-                  <a:srgbClr val="020302"/>
-                </a:solidFill>
-                <a:latin typeface="Adobe Clean"/>
-                <a:cs typeface="Adobe Clean"/>
-              </a:rPr>
-              <a:t>r</a:t>
-            </a:r>
-            <a:r>
-              <a:rPr lang="en-US" sz="1200" b="1" spc="-25" dirty="0">
-                <a:solidFill>
-                  <a:srgbClr val="020302"/>
-                </a:solidFill>
-                <a:latin typeface="Adobe Clean"/>
-                <a:cs typeface="Adobe Clean"/>
-              </a:rPr>
-              <a:t>v</a:t>
-            </a:r>
-            <a:r>
-              <a:rPr lang="en-US" sz="1200" b="1" spc="-20" dirty="0">
-                <a:solidFill>
-                  <a:srgbClr val="020302"/>
-                </a:solidFill>
-                <a:latin typeface="Adobe Clean"/>
-                <a:cs typeface="Adobe Clean"/>
-              </a:rPr>
-              <a:t>i</a:t>
-            </a:r>
-            <a:r>
-              <a:rPr lang="en-US" sz="1200" b="1" spc="-30" dirty="0">
-                <a:solidFill>
-                  <a:srgbClr val="020302"/>
-                </a:solidFill>
-                <a:latin typeface="Adobe Clean"/>
-                <a:cs typeface="Adobe Clean"/>
-              </a:rPr>
-              <a:t>c</a:t>
-            </a:r>
-            <a:r>
-              <a:rPr lang="en-US" sz="1200" b="1" dirty="0">
-                <a:solidFill>
-                  <a:srgbClr val="020302"/>
-                </a:solidFill>
-                <a:latin typeface="Adobe Clean"/>
-                <a:cs typeface="Adobe Clean"/>
-              </a:rPr>
-              <a:t>e</a:t>
-            </a:r>
-            <a:endParaRPr lang="en-US" sz="1200" dirty="0">
+              <a:t>Service</a:t>
+            </a:r>
+            <a:endParaRPr lang="es-ES" sz="1200" b="1" dirty="0">
+              <a:solidFill>
+                <a:srgbClr val="020302"/>
+              </a:solidFill>
               <a:latin typeface="Adobe Clean"/>
               <a:cs typeface="Adobe Clean"/>
             </a:endParaRPr>
@@ -15296,49 +13719,15 @@
               </a:lnSpc>
             </a:pPr>
             <a:r>
-              <a:rPr sz="500" spc="-5" dirty="0">
+              <a:rPr lang="es-ES" sz="500">
                 <a:solidFill>
                   <a:srgbClr val="6C6C6C"/>
                 </a:solidFill>
                 <a:latin typeface="Adobe Clean"/>
                 <a:cs typeface="Adobe Clean"/>
               </a:rPr>
-              <a:t>©2020 Adobe. All Rights Reserved. </a:t>
-            </a:r>
-            <a:r>
-              <a:rPr sz="500" dirty="0">
-                <a:solidFill>
-                  <a:srgbClr val="6C6C6C"/>
-                </a:solidFill>
-                <a:latin typeface="Adobe Clean"/>
-                <a:cs typeface="Adobe Clean"/>
-              </a:rPr>
-              <a:t>Adobe</a:t>
-            </a:r>
-            <a:r>
-              <a:rPr sz="500" spc="5" dirty="0">
-                <a:solidFill>
-                  <a:srgbClr val="6C6C6C"/>
-                </a:solidFill>
-                <a:latin typeface="Adobe Clean"/>
-                <a:cs typeface="Adobe Clean"/>
-              </a:rPr>
-              <a:t> </a:t>
-            </a:r>
-            <a:r>
-              <a:rPr sz="500" spc="-5" dirty="0">
-                <a:solidFill>
-                  <a:srgbClr val="6C6C6C"/>
-                </a:solidFill>
-                <a:latin typeface="Adobe Clean"/>
-                <a:cs typeface="Adobe Clean"/>
-              </a:rPr>
-              <a:t>Confidential.</a:t>
-            </a:r>
-            <a:endParaRPr sz="500">
-              <a:latin typeface="Adobe Clean"/>
-              <a:cs typeface="Adobe Clean"/>
-            </a:endParaRPr>
+              <a:t>©2020 Adobe. All Rights Reserved. Adobe Confidential.</a:t>
+            </a:r>
           </a:p>
           <a:p>
             <a:pPr>
@@ -15364,39 +13753,15 @@
               </a:spcBef>
             </a:pPr>
             <a:r>
-              <a:rPr sz="800" spc="-5" dirty="0">
+              <a:rPr lang="es-ES" sz="800">
                 <a:solidFill>
                   <a:srgbClr val="6D6D6D"/>
                 </a:solidFill>
                 <a:latin typeface="Adobe Clean"/>
                 <a:cs typeface="Adobe Clean"/>
               </a:rPr>
-              <a:t>©2020 Adobe. All Rights Reserved. Adobe</a:t>
-            </a:r>
-            <a:r>
-              <a:rPr sz="800" spc="75" dirty="0">
-                <a:solidFill>
-                  <a:srgbClr val="6D6D6D"/>
-                </a:solidFill>
-                <a:latin typeface="Adobe Clean"/>
-                <a:cs typeface="Adobe Clean"/>
-              </a:rPr>
-              <a:t> </a:t>
-            </a:r>
-            <a:r>
-              <a:rPr sz="800" spc="-5" dirty="0">
-                <a:solidFill>
-                  <a:srgbClr val="6D6D6D"/>
-                </a:solidFill>
-                <a:latin typeface="Adobe Clean"/>
-                <a:cs typeface="Adobe Clean"/>
-              </a:rPr>
-              <a:t>Confidential.</a:t>
-            </a:r>
-            <a:endParaRPr sz="800">
-              <a:latin typeface="Adobe Clean"/>
-              <a:cs typeface="Adobe Clean"/>
-            </a:endParaRPr>
+              <a:t>©2020 Adobe. All Rights Reserved. Adobe Confidential.</a:t>
+            </a:r>
           </a:p>
         </p:txBody>
       </p:sp>
@@ -15480,19 +13845,15 @@
               </a:spcBef>
             </a:pPr>
             <a:r>
-              <a:rPr lang="en-US" sz="1400" b="1" spc="-15" dirty="0">
+              <a:rPr lang="es-ES" sz="1400" b="1">
                 <a:solidFill>
                   <a:srgbClr val="020302"/>
                 </a:solidFill>
                 <a:latin typeface="Adobe Clean"/>
                 <a:cs typeface="Adobe Clean"/>
               </a:rPr>
-              <a:t>Resources</a:t>
-            </a:r>
-            <a:endParaRPr sz="1400" dirty="0">
-              <a:latin typeface="Adobe Clean"/>
-              <a:cs typeface="Adobe Clean"/>
-            </a:endParaRPr>
+              <a:t>Recursos</a:t>
+            </a:r>
           </a:p>
         </p:txBody>
       </p:sp>
@@ -15526,7 +13887,7 @@
               </a:spcBef>
             </a:pPr>
             <a:r>
-              <a:rPr sz="800" spc="-15" dirty="0">
+              <a:rPr lang="es-ES" sz="800">
                 <a:solidFill>
                   <a:srgbClr val="777879"/>
                 </a:solidFill>
@@ -15535,10 +13896,6 @@
               </a:rPr>
               <a:t>Adobe</a:t>
             </a:r>
-            <a:endParaRPr sz="800">
-              <a:latin typeface="Adobe Clean"/>
-              <a:cs typeface="Adobe Clean"/>
-            </a:endParaRPr>
           </a:p>
           <a:p>
             <a:pPr marL="12700">
@@ -15547,39 +13904,15 @@
               </a:lnSpc>
             </a:pPr>
             <a:r>
-              <a:rPr sz="800" spc="-15" dirty="0">
+              <a:rPr lang="es-ES" sz="800">
                 <a:solidFill>
                   <a:srgbClr val="777879"/>
                 </a:solidFill>
                 <a:latin typeface="Adobe Clean"/>
                 <a:cs typeface="Adobe Clean"/>
               </a:rPr>
-              <a:t>345 Park</a:t>
-            </a:r>
-            <a:r>
-              <a:rPr sz="800" spc="-100" dirty="0">
-                <a:solidFill>
-                  <a:srgbClr val="777879"/>
-                </a:solidFill>
-                <a:latin typeface="Adobe Clean"/>
-                <a:cs typeface="Adobe Clean"/>
-              </a:rPr>
-              <a:t> </a:t>
-            </a:r>
-            <a:r>
-              <a:rPr sz="800" spc="-15" dirty="0">
-                <a:solidFill>
-                  <a:srgbClr val="777879"/>
-                </a:solidFill>
-                <a:latin typeface="Adobe Clean"/>
-                <a:cs typeface="Adobe Clean"/>
-              </a:rPr>
-              <a:t>Avenue</a:t>
-            </a:r>
-            <a:endParaRPr sz="800">
-              <a:latin typeface="Adobe Clean"/>
-              <a:cs typeface="Adobe Clean"/>
-            </a:endParaRPr>
+              <a:t>345 Park Avenue</a:t>
+            </a:r>
           </a:p>
           <a:p>
             <a:pPr marL="12700">
@@ -15588,49 +13921,15 @@
               </a:lnSpc>
             </a:pPr>
             <a:r>
-              <a:rPr sz="800" spc="-10" dirty="0">
+              <a:rPr lang="es-ES" sz="800">
                 <a:solidFill>
                   <a:srgbClr val="777879"/>
                 </a:solidFill>
                 <a:latin typeface="Adobe Clean"/>
                 <a:cs typeface="Adobe Clean"/>
               </a:rPr>
-              <a:t>San </a:t>
-            </a:r>
-            <a:r>
-              <a:rPr sz="800" spc="-15" dirty="0">
-                <a:solidFill>
-                  <a:srgbClr val="777879"/>
-                </a:solidFill>
-                <a:latin typeface="Adobe Clean"/>
-                <a:cs typeface="Adobe Clean"/>
-              </a:rPr>
-              <a:t>Jose,</a:t>
-            </a:r>
-            <a:r>
-              <a:rPr sz="800" spc="-140" dirty="0">
-                <a:solidFill>
-                  <a:srgbClr val="777879"/>
-                </a:solidFill>
-                <a:latin typeface="Adobe Clean"/>
-                <a:cs typeface="Adobe Clean"/>
-              </a:rPr>
-              <a:t> </a:t>
-            </a:r>
-            <a:r>
-              <a:rPr sz="800" spc="-20" dirty="0">
-                <a:solidFill>
-                  <a:srgbClr val="777879"/>
-                </a:solidFill>
-                <a:latin typeface="Adobe Clean"/>
-                <a:cs typeface="Adobe Clean"/>
-              </a:rPr>
-              <a:t>CA95110-2704</a:t>
-            </a:r>
-            <a:endParaRPr sz="800">
-              <a:latin typeface="Adobe Clean"/>
-              <a:cs typeface="Adobe Clean"/>
-            </a:endParaRPr>
+              <a:t>San José, CA95110-2704</a:t>
+            </a:r>
           </a:p>
           <a:p>
             <a:pPr marL="12700">
@@ -15642,19 +13941,15 @@
               </a:spcBef>
             </a:pPr>
             <a:r>
-              <a:rPr sz="800" spc="-10" dirty="0">
+              <a:rPr lang="es-ES" sz="800">
                 <a:solidFill>
                   <a:srgbClr val="777879"/>
                 </a:solidFill>
                 <a:latin typeface="Adobe Clean"/>
                 <a:cs typeface="Adobe Clean"/>
               </a:rPr>
-              <a:t>USA</a:t>
-            </a:r>
-            <a:endParaRPr sz="800">
-              <a:latin typeface="Adobe Clean"/>
-              <a:cs typeface="Adobe Clean"/>
-            </a:endParaRPr>
+              <a:t>EE. UU.</a:t>
+            </a:r>
           </a:p>
           <a:p>
             <a:pPr marL="12700">
@@ -15666,7 +13961,7 @@
               </a:spcBef>
             </a:pPr>
             <a:r>
-              <a:rPr sz="800" u="sng" spc="-25" dirty="0">
+              <a:rPr lang="es-ES" sz="800" u="sng">
                 <a:solidFill>
                   <a:srgbClr val="5F5F5F"/>
                 </a:solidFill>
@@ -15681,10 +13976,6 @@
               </a:rPr>
               <a:t>www.adobe.com</a:t>
             </a:r>
-            <a:endParaRPr sz="800">
-              <a:latin typeface="Adobe Clean"/>
-              <a:cs typeface="Adobe Clean"/>
-            </a:endParaRPr>
           </a:p>
         </p:txBody>
       </p:sp>
@@ -15859,409 +14150,74 @@
               </a:spcBef>
             </a:pPr>
             <a:r>
-              <a:rPr sz="1100" i="1" spc="-10" dirty="0">
+              <a:rPr lang="es-ES" sz="1100" i="1" dirty="0">
                 <a:solidFill>
                   <a:srgbClr val="777879"/>
                 </a:solidFill>
                 <a:latin typeface="AdobeClean-LightIt"/>
                 <a:cs typeface="AdobeClean-LightIt"/>
               </a:rPr>
-              <a:t>To</a:t>
-            </a:r>
-            <a:r>
-              <a:rPr sz="1100" i="1" spc="-50" dirty="0">
+              <a:t>Para saber más sobre las ofertas de asistencia de Adobe y el nivel adecuado para usted, póngase </a:t>
+            </a:r>
+            <a:br>
+              <a:rPr lang="sk-SK" sz="1100" i="1" dirty="0">
                 <a:solidFill>
                   <a:srgbClr val="777879"/>
                 </a:solidFill>
                 <a:latin typeface="AdobeClean-LightIt"/>
                 <a:cs typeface="AdobeClean-LightIt"/>
               </a:rPr>
-              <a:t> </a:t>
-            </a:r>
-            <a:r>
-              <a:rPr sz="1100" i="1" spc="-15" dirty="0">
+            </a:br>
+            <a:r>
+              <a:rPr lang="es-ES" sz="1100" i="1" dirty="0">
                 <a:solidFill>
                   <a:srgbClr val="777879"/>
                 </a:solidFill>
                 <a:latin typeface="AdobeClean-LightIt"/>
                 <a:cs typeface="AdobeClean-LightIt"/>
               </a:rPr>
-              <a:t>learn</a:t>
-            </a:r>
-            <a:r>
-              <a:rPr sz="1100" i="1" spc="-40" dirty="0">
+              <a:t>en contacto con su administrador de cuentas (NAM) o con su </a:t>
+            </a:r>
+            <a:r>
+              <a:rPr lang="es-ES" sz="1100" i="1" dirty="0" err="1">
                 <a:solidFill>
                   <a:srgbClr val="777879"/>
                 </a:solidFill>
                 <a:latin typeface="AdobeClean-LightIt"/>
                 <a:cs typeface="AdobeClean-LightIt"/>
               </a:rPr>
-              <a:t> </a:t>
-            </a:r>
-            <a:r>
-              <a:rPr sz="1100" i="1" spc="-15" dirty="0">
+              <a:t>Customer</a:t>
+            </a:r>
+            <a:r>
+              <a:rPr lang="es-ES" sz="1100" i="1" dirty="0">
                 <a:solidFill>
                   <a:srgbClr val="777879"/>
                 </a:solidFill>
                 <a:latin typeface="AdobeClean-LightIt"/>
                 <a:cs typeface="AdobeClean-LightIt"/>
               </a:rPr>
-              <a:t>more</a:t>
-            </a:r>
-            <a:r>
-              <a:rPr sz="1100" i="1" spc="-45" dirty="0">
+              <a:t> </a:t>
+            </a:r>
+            <a:r>
+              <a:rPr lang="es-ES" sz="1100" i="1" dirty="0" err="1">
                 <a:solidFill>
                   <a:srgbClr val="777879"/>
                 </a:solidFill>
                 <a:latin typeface="AdobeClean-LightIt"/>
                 <a:cs typeface="AdobeClean-LightIt"/>
               </a:rPr>
-              <a:t> </a:t>
-            </a:r>
-            <a:r>
-              <a:rPr sz="1100" i="1" spc="-15" dirty="0">
+              <a:t>Success</a:t>
+            </a:r>
+            <a:r>
+              <a:rPr lang="es-ES" sz="1100" i="1" dirty="0">
                 <a:solidFill>
                   <a:srgbClr val="777879"/>
                 </a:solidFill>
                 <a:latin typeface="AdobeClean-LightIt"/>
                 <a:cs typeface="AdobeClean-LightIt"/>
               </a:rPr>
-              <a:t>about</a:t>
-            </a:r>
-            <a:r>
-              <a:rPr sz="1100" i="1" spc="-45" dirty="0">
-                <a:solidFill>
-                  <a:srgbClr val="777879"/>
-                </a:solidFill>
-                <a:latin typeface="AdobeClean-LightIt"/>
-                <a:cs typeface="AdobeClean-LightIt"/>
-              </a:rPr>
-              <a:t> </a:t>
-            </a:r>
-            <a:r>
-              <a:rPr sz="1100" i="1" spc="-15" dirty="0">
-                <a:solidFill>
-                  <a:srgbClr val="777879"/>
-                </a:solidFill>
-                <a:latin typeface="AdobeClean-LightIt"/>
-                <a:cs typeface="AdobeClean-LightIt"/>
-              </a:rPr>
-              <a:t>Adobe</a:t>
-            </a:r>
-            <a:r>
-              <a:rPr sz="1100" i="1" spc="-60" dirty="0">
-                <a:solidFill>
-                  <a:srgbClr val="777879"/>
-                </a:solidFill>
-                <a:latin typeface="AdobeClean-LightIt"/>
-                <a:cs typeface="AdobeClean-LightIt"/>
-              </a:rPr>
-              <a:t> </a:t>
-            </a:r>
-            <a:r>
-              <a:rPr sz="1100" i="1" spc="-15" dirty="0">
-                <a:solidFill>
-                  <a:srgbClr val="777879"/>
-                </a:solidFill>
-                <a:latin typeface="AdobeClean-LightIt"/>
-                <a:cs typeface="AdobeClean-LightIt"/>
-              </a:rPr>
-              <a:t>Support</a:t>
-            </a:r>
-            <a:r>
-              <a:rPr lang="en-US" sz="1100" i="1" spc="-15" dirty="0">
-                <a:solidFill>
-                  <a:srgbClr val="777879"/>
-                </a:solidFill>
-                <a:latin typeface="AdobeClean-LightIt"/>
-                <a:cs typeface="AdobeClean-LightIt"/>
-              </a:rPr>
-              <a:t> Offerings</a:t>
-            </a:r>
-            <a:r>
-              <a:rPr sz="1100" i="1" spc="-75" dirty="0">
-                <a:solidFill>
-                  <a:srgbClr val="777879"/>
-                </a:solidFill>
-                <a:latin typeface="AdobeClean-LightIt"/>
-                <a:cs typeface="AdobeClean-LightIt"/>
-              </a:rPr>
-              <a:t> </a:t>
-            </a:r>
-            <a:r>
-              <a:rPr sz="1100" i="1" spc="-15" dirty="0">
-                <a:solidFill>
-                  <a:srgbClr val="777879"/>
-                </a:solidFill>
-                <a:latin typeface="AdobeClean-LightIt"/>
-                <a:cs typeface="AdobeClean-LightIt"/>
-              </a:rPr>
-              <a:t>and</a:t>
-            </a:r>
-            <a:r>
-              <a:rPr sz="1100" i="1" spc="-50" dirty="0">
-                <a:solidFill>
-                  <a:srgbClr val="777879"/>
-                </a:solidFill>
-                <a:latin typeface="AdobeClean-LightIt"/>
-                <a:cs typeface="AdobeClean-LightIt"/>
-              </a:rPr>
-              <a:t> </a:t>
-            </a:r>
-            <a:r>
-              <a:rPr sz="1100" i="1" spc="-15" dirty="0">
-                <a:solidFill>
-                  <a:srgbClr val="777879"/>
-                </a:solidFill>
-                <a:latin typeface="AdobeClean-LightIt"/>
-                <a:cs typeface="AdobeClean-LightIt"/>
-              </a:rPr>
-              <a:t>the</a:t>
-            </a:r>
-            <a:r>
-              <a:rPr sz="1100" i="1" spc="-55" dirty="0">
-                <a:solidFill>
-                  <a:srgbClr val="777879"/>
-                </a:solidFill>
-                <a:latin typeface="AdobeClean-LightIt"/>
-                <a:cs typeface="AdobeClean-LightIt"/>
-              </a:rPr>
-              <a:t> </a:t>
-            </a:r>
-            <a:r>
-              <a:rPr sz="1100" i="1" spc="-15" dirty="0">
-                <a:solidFill>
-                  <a:srgbClr val="777879"/>
-                </a:solidFill>
-                <a:latin typeface="AdobeClean-LightIt"/>
-                <a:cs typeface="AdobeClean-LightIt"/>
-              </a:rPr>
-              <a:t>right</a:t>
-            </a:r>
-            <a:r>
-              <a:rPr sz="1100" i="1" spc="-95" dirty="0">
-                <a:solidFill>
-                  <a:srgbClr val="777879"/>
-                </a:solidFill>
-                <a:latin typeface="AdobeClean-LightIt"/>
-                <a:cs typeface="AdobeClean-LightIt"/>
-              </a:rPr>
-              <a:t> </a:t>
-            </a:r>
-            <a:r>
-              <a:rPr sz="1100" i="1" spc="-15" dirty="0">
-                <a:solidFill>
-                  <a:srgbClr val="777879"/>
-                </a:solidFill>
-                <a:latin typeface="AdobeClean-LightIt"/>
-                <a:cs typeface="AdobeClean-LightIt"/>
-              </a:rPr>
-              <a:t>level</a:t>
-            </a:r>
-            <a:r>
-              <a:rPr sz="1100" i="1" spc="-55" dirty="0">
-                <a:solidFill>
-                  <a:srgbClr val="777879"/>
-                </a:solidFill>
-                <a:latin typeface="AdobeClean-LightIt"/>
-                <a:cs typeface="AdobeClean-LightIt"/>
-              </a:rPr>
-              <a:t> </a:t>
-            </a:r>
-            <a:r>
-              <a:rPr sz="1100" i="1" spc="-15" dirty="0">
-                <a:solidFill>
-                  <a:srgbClr val="777879"/>
-                </a:solidFill>
-                <a:latin typeface="AdobeClean-LightIt"/>
-                <a:cs typeface="AdobeClean-LightIt"/>
-              </a:rPr>
-              <a:t>for</a:t>
-            </a:r>
-            <a:r>
-              <a:rPr sz="1100" i="1" spc="-85" dirty="0">
-                <a:solidFill>
-                  <a:srgbClr val="777879"/>
-                </a:solidFill>
-                <a:latin typeface="AdobeClean-LightIt"/>
-                <a:cs typeface="AdobeClean-LightIt"/>
-              </a:rPr>
-              <a:t> </a:t>
-            </a:r>
-            <a:r>
-              <a:rPr sz="1100" i="1" spc="-15" dirty="0">
-                <a:solidFill>
-                  <a:srgbClr val="777879"/>
-                </a:solidFill>
-                <a:latin typeface="AdobeClean-LightIt"/>
-                <a:cs typeface="AdobeClean-LightIt"/>
-              </a:rPr>
-              <a:t>you,</a:t>
-            </a:r>
-            <a:r>
-              <a:rPr sz="1100" i="1" spc="-65" dirty="0">
-                <a:solidFill>
-                  <a:srgbClr val="777879"/>
-                </a:solidFill>
-                <a:latin typeface="AdobeClean-LightIt"/>
-                <a:cs typeface="AdobeClean-LightIt"/>
-              </a:rPr>
-              <a:t> </a:t>
-            </a:r>
-            <a:r>
-              <a:rPr sz="1100" i="1" spc="-15" dirty="0">
-                <a:solidFill>
-                  <a:srgbClr val="777879"/>
-                </a:solidFill>
-                <a:latin typeface="AdobeClean-LightIt"/>
-                <a:cs typeface="AdobeClean-LightIt"/>
-              </a:rPr>
-              <a:t>contact</a:t>
-            </a:r>
-            <a:r>
-              <a:rPr sz="1100" i="1" spc="-85" dirty="0">
-                <a:solidFill>
-                  <a:srgbClr val="777879"/>
-                </a:solidFill>
-                <a:latin typeface="AdobeClean-LightIt"/>
-                <a:cs typeface="AdobeClean-LightIt"/>
-              </a:rPr>
-              <a:t> </a:t>
-            </a:r>
-            <a:r>
-              <a:rPr sz="1100" i="1" spc="-15" dirty="0">
-                <a:solidFill>
-                  <a:srgbClr val="777879"/>
-                </a:solidFill>
-                <a:latin typeface="AdobeClean-LightIt"/>
-                <a:cs typeface="AdobeClean-LightIt"/>
-              </a:rPr>
-              <a:t>your</a:t>
-            </a:r>
-            <a:r>
-              <a:rPr sz="1100" i="1" spc="-70" dirty="0">
-                <a:solidFill>
-                  <a:srgbClr val="777879"/>
-                </a:solidFill>
-                <a:latin typeface="AdobeClean-LightIt"/>
-                <a:cs typeface="AdobeClean-LightIt"/>
-              </a:rPr>
-              <a:t> </a:t>
-            </a:r>
-            <a:r>
-              <a:rPr sz="1100" i="1" spc="-15" dirty="0">
-                <a:solidFill>
-                  <a:srgbClr val="777879"/>
-                </a:solidFill>
-                <a:latin typeface="AdobeClean-LightIt"/>
-                <a:cs typeface="AdobeClean-LightIt"/>
-              </a:rPr>
-              <a:t>Named</a:t>
-            </a:r>
-            <a:r>
-              <a:rPr sz="1100" i="1" spc="-55" dirty="0">
-                <a:solidFill>
-                  <a:srgbClr val="777879"/>
-                </a:solidFill>
-                <a:latin typeface="AdobeClean-LightIt"/>
-                <a:cs typeface="AdobeClean-LightIt"/>
-              </a:rPr>
-              <a:t> </a:t>
-            </a:r>
-            <a:r>
-              <a:rPr sz="1100" i="1" spc="-25" dirty="0">
-                <a:solidFill>
-                  <a:srgbClr val="777879"/>
-                </a:solidFill>
-                <a:latin typeface="AdobeClean-LightIt"/>
-                <a:cs typeface="AdobeClean-LightIt"/>
-              </a:rPr>
-              <a:t>Account</a:t>
-            </a:r>
-            <a:r>
-              <a:rPr sz="1100" i="1" spc="-120" dirty="0">
-                <a:solidFill>
-                  <a:srgbClr val="777879"/>
-                </a:solidFill>
-                <a:latin typeface="AdobeClean-LightIt"/>
-                <a:cs typeface="AdobeClean-LightIt"/>
-              </a:rPr>
-              <a:t> </a:t>
-            </a:r>
-            <a:r>
-              <a:rPr sz="1100" i="1" spc="-20" dirty="0">
-                <a:solidFill>
-                  <a:srgbClr val="777879"/>
-                </a:solidFill>
-                <a:latin typeface="AdobeClean-LightIt"/>
-                <a:cs typeface="AdobeClean-LightIt"/>
-              </a:rPr>
-              <a:t>Manager  </a:t>
-            </a:r>
-            <a:r>
-              <a:rPr sz="1100" i="1" spc="-15" dirty="0">
-                <a:solidFill>
-                  <a:srgbClr val="777879"/>
-                </a:solidFill>
-                <a:latin typeface="AdobeClean-LightIt"/>
-                <a:cs typeface="AdobeClean-LightIt"/>
-              </a:rPr>
-              <a:t>(NAM) </a:t>
-            </a:r>
-            <a:r>
-              <a:rPr sz="1100" i="1" spc="-10" dirty="0">
-                <a:solidFill>
-                  <a:srgbClr val="777879"/>
-                </a:solidFill>
-                <a:latin typeface="AdobeClean-LightIt"/>
-                <a:cs typeface="AdobeClean-LightIt"/>
-              </a:rPr>
-              <a:t>or </a:t>
-            </a:r>
-            <a:r>
-              <a:rPr sz="1100" i="1" spc="-15" dirty="0">
-                <a:solidFill>
-                  <a:srgbClr val="777879"/>
-                </a:solidFill>
-                <a:latin typeface="AdobeClean-LightIt"/>
-                <a:cs typeface="AdobeClean-LightIt"/>
-              </a:rPr>
-              <a:t>Customer </a:t>
-            </a:r>
-            <a:r>
-              <a:rPr sz="1100" i="1" spc="-20" dirty="0">
-                <a:solidFill>
-                  <a:srgbClr val="777879"/>
-                </a:solidFill>
-                <a:latin typeface="AdobeClean-LightIt"/>
-                <a:cs typeface="AdobeClean-LightIt"/>
-              </a:rPr>
-              <a:t>Success</a:t>
-            </a:r>
-            <a:r>
-              <a:rPr sz="1100" i="1" spc="-180" dirty="0">
-                <a:solidFill>
-                  <a:srgbClr val="777879"/>
-                </a:solidFill>
-                <a:latin typeface="AdobeClean-LightIt"/>
-                <a:cs typeface="AdobeClean-LightIt"/>
-              </a:rPr>
-              <a:t> </a:t>
-            </a:r>
-            <a:r>
-              <a:rPr sz="1100" i="1" spc="-15" dirty="0">
-                <a:solidFill>
-                  <a:srgbClr val="777879"/>
-                </a:solidFill>
-                <a:latin typeface="AdobeClean-LightIt"/>
-                <a:cs typeface="AdobeClean-LightIt"/>
-              </a:rPr>
-              <a:t>Manager(CSM)</a:t>
-            </a:r>
-            <a:endParaRPr sz="1100" dirty="0">
-              <a:latin typeface="AdobeClean-LightIt"/>
-              <a:cs typeface="AdobeClean-LightIt"/>
-            </a:endParaRPr>
+              <a:t> Manager (CSM)</a:t>
+            </a:r>
           </a:p>
           <a:p>
             <a:pPr marL="34290">
@@ -16273,59 +14229,95 @@
               </a:spcBef>
             </a:pPr>
             <a:r>
-              <a:rPr sz="800" spc="-5" dirty="0">
+              <a:rPr lang="es-ES" sz="800" dirty="0">
                 <a:solidFill>
                   <a:srgbClr val="6D6D6D"/>
                 </a:solidFill>
                 <a:latin typeface="Adobe Clean"/>
                 <a:cs typeface="Adobe Clean"/>
               </a:rPr>
-              <a:t>©202</a:t>
-            </a:r>
-            <a:r>
-              <a:rPr lang="en-US" sz="800" spc="-5" dirty="0">
+              <a:t>©2021 Adobe. </a:t>
+            </a:r>
+            <a:r>
+              <a:rPr lang="es-ES" sz="800" dirty="0" err="1">
                 <a:solidFill>
                   <a:srgbClr val="6D6D6D"/>
                 </a:solidFill>
                 <a:latin typeface="Adobe Clean"/>
                 <a:cs typeface="Adobe Clean"/>
               </a:rPr>
-              <a:t>1</a:t>
-            </a:r>
-            <a:r>
-              <a:rPr sz="800" spc="-5" dirty="0">
+              <a:t>All</a:t>
+            </a:r>
+            <a:r>
+              <a:rPr lang="es-ES" sz="800" dirty="0">
                 <a:solidFill>
                   <a:srgbClr val="6D6D6D"/>
                 </a:solidFill>
                 <a:latin typeface="Adobe Clean"/>
                 <a:cs typeface="Adobe Clean"/>
               </a:rPr>
-              <a:t> Adobe. All Rights Reserved. Adobe</a:t>
-            </a:r>
-            <a:r>
-              <a:rPr sz="800" spc="75" dirty="0">
+              <a:t> </a:t>
+            </a:r>
+            <a:r>
+              <a:rPr lang="es-ES" sz="800" dirty="0" err="1">
                 <a:solidFill>
                   <a:srgbClr val="6D6D6D"/>
                 </a:solidFill>
                 <a:latin typeface="Adobe Clean"/>
                 <a:cs typeface="Adobe Clean"/>
               </a:rPr>
-              <a:t> </a:t>
-            </a:r>
-            <a:r>
-              <a:rPr sz="800" spc="-5" dirty="0">
+              <a:t>Rights</a:t>
+            </a:r>
+            <a:r>
+              <a:rPr lang="es-ES" sz="800" dirty="0">
                 <a:solidFill>
                   <a:srgbClr val="6D6D6D"/>
                 </a:solidFill>
                 <a:latin typeface="Adobe Clean"/>
                 <a:cs typeface="Adobe Clean"/>
               </a:rPr>
-              <a:t>Confidential.</a:t>
-            </a:r>
-            <a:endParaRPr sz="800" dirty="0">
-              <a:latin typeface="Adobe Clean"/>
-              <a:cs typeface="Adobe Clean"/>
-            </a:endParaRPr>
+              <a:t> </a:t>
+            </a:r>
+            <a:r>
+              <a:rPr lang="es-ES" sz="800" dirty="0" err="1">
+                <a:solidFill>
+                  <a:srgbClr val="6D6D6D"/>
+                </a:solidFill>
+                <a:latin typeface="Adobe Clean"/>
+                <a:cs typeface="Adobe Clean"/>
+              </a:rPr>
+              <a:t>Reserved</a:t>
+            </a:r>
+            <a:r>
+              <a:rPr lang="es-ES" sz="800" dirty="0">
+                <a:solidFill>
+                  <a:srgbClr val="6D6D6D"/>
+                </a:solidFill>
+                <a:latin typeface="Adobe Clean"/>
+                <a:cs typeface="Adobe Clean"/>
+              </a:rPr>
+              <a:t>. Adobe </a:t>
+            </a:r>
+            <a:r>
+              <a:rPr lang="es-ES" sz="800" dirty="0" err="1">
+                <a:solidFill>
+                  <a:srgbClr val="6D6D6D"/>
+                </a:solidFill>
+                <a:latin typeface="Adobe Clean"/>
+                <a:cs typeface="Adobe Clean"/>
+              </a:rPr>
+              <a:t>Confidential</a:t>
+            </a:r>
+            <a:r>
+              <a:rPr lang="es-ES" sz="800" dirty="0">
+                <a:solidFill>
+                  <a:srgbClr val="6D6D6D"/>
+                </a:solidFill>
+                <a:latin typeface="Adobe Clean"/>
+                <a:cs typeface="Adobe Clean"/>
+              </a:rPr>
+              <a:t>.</a:t>
+            </a:r>
           </a:p>
         </p:txBody>
       </p:sp>
@@ -16362,19 +14354,15 @@
               </a:spcBef>
             </a:pPr>
             <a:r>
-              <a:rPr lang="en-US" sz="1400" b="1" spc="-15" dirty="0">
+              <a:rPr lang="es-ES" sz="1400" b="1">
                 <a:solidFill>
                   <a:srgbClr val="020302"/>
                 </a:solidFill>
                 <a:latin typeface="Adobe Clean"/>
                 <a:cs typeface="Adobe Clean"/>
               </a:rPr>
-              <a:t>Regional scope of Adobe Support, Local Hours Of Operation And Language Support</a:t>
-            </a:r>
-            <a:endParaRPr lang="en-US" sz="1400" spc="-15" dirty="0">
-              <a:ea typeface="+mn-lt"/>
-              <a:cs typeface="+mn-lt"/>
-            </a:endParaRPr>
+              <a:t>Alcance regional del Soporte de Adobe, horas locales de trabajo y compatibilidad de idioma</a:t>
+            </a:r>
           </a:p>
           <a:p>
             <a:pPr>
@@ -16383,17 +14371,14 @@
               </a:spcBef>
             </a:pPr>
             <a:r>
-              <a:rPr lang="en-US" sz="1000" spc="-15" dirty="0">
+              <a:rPr lang="es-ES" sz="1000">
                 <a:solidFill>
                   <a:srgbClr val="1F1F1F"/>
                 </a:solidFill>
                 <a:latin typeface="AdobeClean-Light"/>
               </a:rPr>
-              <a:t>The regional scope of Adobe Support is established by aligning the customer's billing address (via the Sales Order or other Adobe Support purchasing document) to one of the following regions:</a:t>
-            </a:r>
-            <a:endParaRPr lang="en-US" sz="1000" dirty="0">
-              <a:latin typeface="AdobeClean-Light"/>
-            </a:endParaRPr>
+              <a:t>El alcance regional del Soporte de Adobe se establece asignando la dirección de facturación del cliente (mediante la orden de venta o el documento de compra de Soporte de Adobe) con una de estas regiones:</a:t>
+            </a:r>
           </a:p>
         </p:txBody>
       </p:sp>
@@ -16465,13 +14450,13 @@
                     <a:p>
                       <a:pPr algn="ctr"/>
                       <a:r>
-                        <a:rPr lang="en-US" sz="1100" dirty="0">
+                        <a:rPr lang="es-ES" sz="1100">
                           <a:solidFill>
                             <a:schemeClr val="tx1"/>
                           </a:solidFill>
                           <a:latin typeface="Adobe Clean" panose="020B0503020404020204" pitchFamily="34" charset="0"/>
                         </a:rPr>
-                        <a:t>Americas</a:t>
+                        <a:t>América</a:t>
                       </a:r>
                     </a:p>
                   </a:txBody>
@@ -16530,13 +14515,13 @@
                     <a:p>
                       <a:pPr algn="ctr"/>
                       <a:r>
-                        <a:rPr lang="en-US" sz="1100" dirty="0">
+                        <a:rPr lang="es-ES" sz="1100">
                           <a:solidFill>
                             <a:schemeClr val="tx1"/>
                           </a:solidFill>
                           <a:latin typeface="Adobe Clean" panose="020B0503020404020204" pitchFamily="34" charset="0"/>
                         </a:rPr>
-                        <a:t>Europe, Middle East &amp; Africa</a:t>
+                        <a:t>Europa, Oriente Medio y África</a:t>
                       </a:r>
                     </a:p>
                   </a:txBody>
@@ -16595,13 +14580,13 @@
                     <a:p>
                       <a:pPr algn="ctr"/>
                       <a:r>
-                        <a:rPr lang="en-US" sz="1100" dirty="0">
+                        <a:rPr lang="es-ES" sz="1100">
                           <a:solidFill>
                             <a:schemeClr val="tx1"/>
                           </a:solidFill>
                           <a:latin typeface="Adobe Clean" panose="020B0503020404020204" pitchFamily="34" charset="0"/>
                         </a:rPr>
-                        <a:t>Asia Pacific</a:t>
+                        <a:t>Asia-Pacífico</a:t>
                       </a:r>
                     </a:p>
                   </a:txBody>
@@ -16660,16 +14645,16 @@
                     <a:p>
                       <a:pPr algn="ctr"/>
                       <a:r>
-                        <a:rPr lang="en-US" sz="1100" dirty="0">
+                        <a:rPr lang="es-ES" sz="1100">
                           <a:solidFill>
                             <a:schemeClr val="tx1"/>
                           </a:solidFill>
                           <a:latin typeface="Adobe Clean" panose="020B0503020404020204" pitchFamily="34" charset="0"/>
                         </a:rPr>
-                        <a:t>Japan </a:t>
+                        <a:t>Japón </a:t>
                       </a:r>
                       <a:r>
-                        <a:rPr lang="en-US" sz="1100" baseline="30000" dirty="0">
+                        <a:rPr lang="es-ES" sz="1100" baseline="30000">
                           <a:solidFill>
                             <a:schemeClr val="tx1"/>
                           </a:solidFill>
@@ -16677,12 +14662,6 @@
                         </a:rPr>
                         <a:t>1 </a:t>
                       </a:r>
-                      <a:endParaRPr lang="en-US" sz="1100" dirty="0">
-                        <a:solidFill>
-                          <a:schemeClr val="tx1"/>
-                        </a:solidFill>
-                        <a:latin typeface="Adobe Clean" panose="020B0503020404020204" pitchFamily="34" charset="0"/>
-                      </a:endParaRPr>
                     </a:p>
                   </a:txBody>
                   <a:tcPr anchor="ctr">
@@ -16747,13 +14726,13 @@
                     <a:p>
                       <a:pPr algn="ctr"/>
                       <a:r>
-                        <a:rPr lang="en-US" sz="1100" dirty="0">
+                        <a:rPr lang="es-ES" sz="1100">
                           <a:solidFill>
                             <a:schemeClr val="tx1"/>
                           </a:solidFill>
                           <a:latin typeface="Adobe Clean" panose="020B0503020404020204" pitchFamily="34" charset="0"/>
                         </a:rPr>
-                        <a:t>6 am – 5:30 pm</a:t>
+                        <a:t>06:00 h - 17:30 h</a:t>
                       </a:r>
                     </a:p>
                   </a:txBody>
@@ -16812,13 +14791,13 @@
                     <a:p>
                       <a:pPr algn="ctr"/>
                       <a:r>
-                        <a:rPr lang="en-US" sz="1100" dirty="0">
+                        <a:rPr lang="es-ES" sz="1100">
                           <a:solidFill>
                             <a:schemeClr val="tx1"/>
                           </a:solidFill>
                           <a:latin typeface="Adobe Clean" panose="020B0503020404020204" pitchFamily="34" charset="0"/>
                         </a:rPr>
-                        <a:t>9 am – 5 pm</a:t>
+                        <a:t>09:00 h - 17:00 h</a:t>
                       </a:r>
                     </a:p>
                   </a:txBody>
@@ -16877,13 +14856,13 @@
                     <a:p>
                       <a:pPr algn="ctr"/>
                       <a:r>
-                        <a:rPr lang="en-US" sz="1100" dirty="0">
+                        <a:rPr lang="es-ES" sz="1100">
                           <a:solidFill>
                             <a:schemeClr val="tx1"/>
                           </a:solidFill>
                           <a:latin typeface="Adobe Clean" panose="020B0503020404020204" pitchFamily="34" charset="0"/>
                         </a:rPr>
-                        <a:t>9 am – 5 pm</a:t>
+                        <a:t>09:00 h - 17:00 h</a:t>
                       </a:r>
                     </a:p>
                   </a:txBody>
@@ -16942,13 +14921,13 @@
                     <a:p>
                       <a:pPr algn="ctr"/>
                       <a:r>
-                        <a:rPr lang="en-US" sz="1100" dirty="0">
+                        <a:rPr lang="es-ES" sz="1100">
                           <a:solidFill>
                             <a:schemeClr val="tx1"/>
                           </a:solidFill>
                           <a:latin typeface="Adobe Clean" panose="020B0503020404020204" pitchFamily="34" charset="0"/>
                         </a:rPr>
-                        <a:t>9 am – 5:30 pm</a:t>
+                        <a:t>09:00 h - 17:30 h</a:t>
                       </a:r>
                     </a:p>
                   </a:txBody>
@@ -17028,23 +15007,17 @@
                         <a:buNone/>
                       </a:pPr>
                       <a:r>
-                        <a:rPr lang="en-US" sz="1100" dirty="0">
+                        <a:rPr lang="es-ES" sz="1100">
                           <a:solidFill>
                             <a:schemeClr val="tx1"/>
                           </a:solidFill>
                           <a:latin typeface="Adobe Clean"/>
                         </a:rPr>
-                        <a:t>Language support is only available in English and Japanese. </a:t>
+                        <a:t>Compatibilidad de idioma solo disponible en inglés y japonés </a:t>
                       </a:r>
-                      <a:endParaRPr lang="en-US" sz="1100" dirty="0">
-                        <a:solidFill>
-                          <a:schemeClr val="tx1"/>
-                        </a:solidFill>
-                        <a:latin typeface="Adobe Clean" panose="020B0503020404020204" pitchFamily="34" charset="0"/>
-                      </a:endParaRPr>
                     </a:p>
                     <a:p>
-                      <a:pPr marL="0" marR="0" lvl="0" indent="0" algn="ctr" defTabSz="914400" eaLnBrk="1" fontAlgn="auto" latinLnBrk="0" hangingPunct="1">
+                      <a:pPr marL="0" marR="0" lvl="0" indent="0" algn="l" defTabSz="914400" rtl="0" eaLnBrk="1" fontAlgn="auto" latinLnBrk="0" hangingPunct="1">
                         <a:lnSpc>
                           <a:spcPct val="100000"/>
                         </a:lnSpc>
@@ -17079,7 +15052,7 @@
                     <a:p>
                       <a:pPr algn="ctr"/>
                       <a:r>
-                        <a:rPr lang="en-US" sz="1100" i="0" dirty="0">
+                        <a:rPr lang="es-ES" sz="1100" i="0">
                           <a:solidFill>
                             <a:schemeClr val="tx1"/>
                           </a:solidFill>
@@ -17088,7 +15061,7 @@
                         <a:t> </a:t>
                       </a:r>
                       <a:r>
-                        <a:rPr lang="en-US" sz="1100" i="0" baseline="30000" dirty="0">
+                        <a:rPr lang="es-ES" sz="1100" i="0" baseline="30000">
                           <a:solidFill>
                             <a:schemeClr val="tx1"/>
                           </a:solidFill>
@@ -17097,20 +15070,14 @@
                         <a:t>1 </a:t>
                       </a:r>
                       <a:r>
-                        <a:rPr lang="en-US" sz="1100" i="0" dirty="0">
+                        <a:rPr lang="es-ES" sz="1100" i="0">
                           <a:solidFill>
                             <a:schemeClr val="tx1"/>
                           </a:solidFill>
                           <a:latin typeface="Adobe Clean"/>
                         </a:rPr>
-                        <a:t>P2, P3, P4 cases are limited to business hours only in Japan.</a:t>
+                        <a:t>Los casos de P2, P3, P4 se limitan únicamente al horario laboral en Japón.</a:t>
                       </a:r>
-                      <a:endParaRPr lang="en-US" sz="1100" b="1" i="0" dirty="0">
-                        <a:solidFill>
-                          <a:schemeClr val="tx1"/>
-                        </a:solidFill>
-                        <a:latin typeface="Adobe Clean"/>
-                      </a:endParaRPr>
                     </a:p>
                   </a:txBody>
                   <a:tcPr anchor="ctr">
@@ -17465,7 +15432,7 @@
           </a:bodyPr>
           <a:lstStyle/>
           <a:p>
-            <a:pPr marL="139065" marR="5080" indent="-139065">
+            <a:pPr marR="5080" algn="ctr">
               <a:lnSpc>
                 <a:spcPts val="1390"/>
               </a:lnSpc>
@@ -17474,129 +15441,15 @@
               </a:spcBef>
             </a:pPr>
             <a:r>
-              <a:rPr sz="1200" b="1" spc="-15" dirty="0">
+              <a:rPr lang="es-ES" sz="1200" b="1" dirty="0">
                 <a:solidFill>
                   <a:srgbClr val="FFFFFF"/>
                 </a:solidFill>
                 <a:latin typeface="Adobe Clean"/>
                 <a:cs typeface="Adobe Clean"/>
               </a:rPr>
-              <a:t>U</a:t>
-            </a:r>
-            <a:r>
-              <a:rPr sz="1200" b="1" spc="-20" dirty="0">
-                <a:solidFill>
-                  <a:srgbClr val="FFFFFF"/>
-                </a:solidFill>
-                <a:latin typeface="Adobe Clean"/>
-                <a:cs typeface="Adobe Clean"/>
-              </a:rPr>
-              <a:t>n</a:t>
-            </a:r>
-            <a:r>
-              <a:rPr sz="1200" b="1" spc="-25" dirty="0">
-                <a:solidFill>
-                  <a:srgbClr val="FFFFFF"/>
-                </a:solidFill>
-                <a:latin typeface="Adobe Clean"/>
-                <a:cs typeface="Adobe Clean"/>
-              </a:rPr>
-              <a:t>p</a:t>
-            </a:r>
-            <a:r>
-              <a:rPr sz="1200" b="1" spc="-15" dirty="0">
-                <a:solidFill>
-                  <a:srgbClr val="FFFFFF"/>
-                </a:solidFill>
-                <a:latin typeface="Adobe Clean"/>
-                <a:cs typeface="Adobe Clean"/>
-              </a:rPr>
-              <a:t>a</a:t>
-            </a:r>
-            <a:r>
-              <a:rPr sz="1200" b="1" spc="-25" dirty="0">
-                <a:solidFill>
-                  <a:srgbClr val="FFFFFF"/>
-                </a:solidFill>
-                <a:latin typeface="Adobe Clean"/>
-                <a:cs typeface="Adobe Clean"/>
-              </a:rPr>
-              <a:t>r</a:t>
-            </a:r>
-            <a:r>
-              <a:rPr sz="1200" b="1" spc="-15" dirty="0">
-                <a:solidFill>
-                  <a:srgbClr val="FFFFFF"/>
-                </a:solidFill>
-                <a:latin typeface="Adobe Clean"/>
-                <a:cs typeface="Adobe Clean"/>
-              </a:rPr>
-              <a:t>a</a:t>
-            </a:r>
-            <a:r>
-              <a:rPr sz="1200" b="1" spc="-30" dirty="0">
-                <a:solidFill>
-                  <a:srgbClr val="FFFFFF"/>
-                </a:solidFill>
-                <a:latin typeface="Adobe Clean"/>
-                <a:cs typeface="Adobe Clean"/>
-              </a:rPr>
-              <a:t>ll</a:t>
-            </a:r>
-            <a:r>
-              <a:rPr sz="1200" b="1" spc="-25" dirty="0">
-                <a:solidFill>
-                  <a:srgbClr val="FFFFFF"/>
-                </a:solidFill>
-                <a:latin typeface="Adobe Clean"/>
-                <a:cs typeface="Adobe Clean"/>
-              </a:rPr>
-              <a:t>e</a:t>
-            </a:r>
-            <a:r>
-              <a:rPr sz="1200" b="1" spc="-30" dirty="0">
-                <a:solidFill>
-                  <a:srgbClr val="FFFFFF"/>
-                </a:solidFill>
-                <a:latin typeface="Adobe Clean"/>
-                <a:cs typeface="Adobe Clean"/>
-              </a:rPr>
-              <a:t>l</a:t>
-            </a:r>
-            <a:r>
-              <a:rPr sz="1200" b="1" spc="-25" dirty="0">
-                <a:solidFill>
-                  <a:srgbClr val="FFFFFF"/>
-                </a:solidFill>
-                <a:latin typeface="Adobe Clean"/>
-                <a:cs typeface="Adobe Clean"/>
-              </a:rPr>
-              <a:t>e</a:t>
-            </a:r>
-            <a:r>
-              <a:rPr sz="1200" b="1" dirty="0">
-                <a:solidFill>
-                  <a:srgbClr val="FFFFFF"/>
-                </a:solidFill>
-                <a:latin typeface="Adobe Clean"/>
-                <a:cs typeface="Adobe Clean"/>
-              </a:rPr>
-              <a:t>d  </a:t>
-            </a:r>
-            <a:r>
-              <a:rPr sz="1200" b="1" spc="-25" dirty="0">
-                <a:solidFill>
-                  <a:srgbClr val="FFFFFF"/>
-                </a:solidFill>
-                <a:latin typeface="Adobe Clean"/>
-                <a:cs typeface="Adobe Clean"/>
-              </a:rPr>
-              <a:t>Expertise</a:t>
-            </a:r>
-            <a:endParaRPr sz="1200" dirty="0">
-              <a:latin typeface="Adobe Clean"/>
-              <a:cs typeface="Adobe Clean"/>
-            </a:endParaRPr>
+              <a:t>Experiencia sin igual</a:t>
+            </a:r>
           </a:p>
         </p:txBody>
       </p:sp>
@@ -17614,7 +15467,7 @@
         </p:nvSpPr>
         <p:spPr>
           <a:xfrm>
-            <a:off x="4732495" y="8541244"/>
+            <a:off x="4675505" y="8541244"/>
             <a:ext cx="810895" cy="382797"/>
           </a:xfrm>
           <a:prstGeom prst="rect">
@@ -17627,7 +15480,7 @@
           </a:bodyPr>
           <a:lstStyle/>
           <a:p>
-            <a:pPr marL="139065" marR="5080" indent="-139065">
+            <a:pPr marR="5080" algn="ctr">
               <a:lnSpc>
                 <a:spcPts val="1390"/>
               </a:lnSpc>
@@ -17636,19 +15489,15 @@
               </a:spcBef>
             </a:pPr>
             <a:r>
-              <a:rPr lang="en-US" sz="1200" b="1" spc="-15" dirty="0">
+              <a:rPr lang="es-ES" sz="1200" b="1" dirty="0">
                 <a:solidFill>
                   <a:srgbClr val="FFFFFF"/>
                 </a:solidFill>
                 <a:latin typeface="Adobe Clean"/>
                 <a:cs typeface="Adobe Clean"/>
               </a:rPr>
-              <a:t>Accelerated Support</a:t>
-            </a:r>
-            <a:endParaRPr sz="1200" dirty="0">
-              <a:latin typeface="Adobe Clean"/>
-              <a:cs typeface="Adobe Clean"/>
-            </a:endParaRPr>
+              <a:t>Asistencia ágil</a:t>
+            </a:r>
           </a:p>
         </p:txBody>
       </p:sp>
@@ -17666,8 +15515,8 @@
         </p:nvSpPr>
         <p:spPr>
           <a:xfrm>
-            <a:off x="6624119" y="8543943"/>
-            <a:ext cx="510540" cy="385445"/>
+            <a:off x="6477000" y="8543943"/>
+            <a:ext cx="810895" cy="382797"/>
           </a:xfrm>
           <a:prstGeom prst="rect">
             <a:avLst/>
@@ -17679,7 +15528,7 @@
           </a:bodyPr>
           <a:lstStyle/>
           <a:p>
-            <a:pPr marL="50800" marR="5080" indent="-51435">
+            <a:pPr marR="5080" algn="ctr">
               <a:lnSpc>
                 <a:spcPts val="1390"/>
               </a:lnSpc>
@@ -17688,109 +15537,15 @@
               </a:spcBef>
             </a:pPr>
             <a:r>
-              <a:rPr sz="1200" b="1" spc="-50" dirty="0">
+              <a:rPr lang="es-ES" sz="1200" b="1" dirty="0">
                 <a:solidFill>
                   <a:srgbClr val="FFFFFF"/>
                 </a:solidFill>
                 <a:latin typeface="Adobe Clean"/>
                 <a:cs typeface="Adobe Clean"/>
               </a:rPr>
-              <a:t>S</a:t>
-            </a:r>
-            <a:r>
-              <a:rPr sz="1200" b="1" spc="-20" dirty="0">
-                <a:solidFill>
-                  <a:srgbClr val="FFFFFF"/>
-                </a:solidFill>
-                <a:latin typeface="Adobe Clean"/>
-                <a:cs typeface="Adobe Clean"/>
-              </a:rPr>
-              <a:t>t</a:t>
-            </a:r>
-            <a:r>
-              <a:rPr sz="1200" b="1" spc="-75" dirty="0">
-                <a:solidFill>
-                  <a:srgbClr val="FFFFFF"/>
-                </a:solidFill>
-                <a:latin typeface="Adobe Clean"/>
-                <a:cs typeface="Adobe Clean"/>
-              </a:rPr>
-              <a:t>r</a:t>
-            </a:r>
-            <a:r>
-              <a:rPr sz="1200" b="1" spc="-90" dirty="0">
-                <a:solidFill>
-                  <a:srgbClr val="FFFFFF"/>
-                </a:solidFill>
-                <a:latin typeface="Adobe Clean"/>
-                <a:cs typeface="Adobe Clean"/>
-              </a:rPr>
-              <a:t>a</a:t>
-            </a:r>
-            <a:r>
-              <a:rPr sz="1200" b="1" spc="-55" dirty="0">
-                <a:solidFill>
-                  <a:srgbClr val="FFFFFF"/>
-                </a:solidFill>
-                <a:latin typeface="Adobe Clean"/>
-                <a:cs typeface="Adobe Clean"/>
-              </a:rPr>
-              <a:t>t</a:t>
-            </a:r>
-            <a:r>
-              <a:rPr sz="1200" b="1" spc="-100" dirty="0">
-                <a:solidFill>
-                  <a:srgbClr val="FFFFFF"/>
-                </a:solidFill>
-                <a:latin typeface="Adobe Clean"/>
-                <a:cs typeface="Adobe Clean"/>
-              </a:rPr>
-              <a:t>e</a:t>
-            </a:r>
-            <a:r>
-              <a:rPr sz="1200" b="1" spc="-80" dirty="0">
-                <a:solidFill>
-                  <a:srgbClr val="FFFFFF"/>
-                </a:solidFill>
-                <a:latin typeface="Adobe Clean"/>
-                <a:cs typeface="Adobe Clean"/>
-              </a:rPr>
-              <a:t>g</a:t>
-            </a:r>
-            <a:r>
-              <a:rPr sz="1200" b="1" spc="-35" dirty="0">
-                <a:solidFill>
-                  <a:srgbClr val="FFFFFF"/>
-                </a:solidFill>
-                <a:latin typeface="Adobe Clean"/>
-                <a:cs typeface="Adobe Clean"/>
-              </a:rPr>
-              <a:t>i</a:t>
-            </a:r>
-            <a:r>
-              <a:rPr sz="1200" b="1" dirty="0">
-                <a:solidFill>
-                  <a:srgbClr val="FFFFFF"/>
-                </a:solidFill>
-                <a:latin typeface="Adobe Clean"/>
-                <a:cs typeface="Adobe Clean"/>
-              </a:rPr>
-              <a:t>c  </a:t>
-            </a:r>
-            <a:r>
-              <a:rPr sz="1200" b="1" spc="-45" dirty="0">
-                <a:solidFill>
-                  <a:srgbClr val="FFFFFF"/>
-                </a:solidFill>
-                <a:latin typeface="Adobe Clean"/>
-                <a:cs typeface="Adobe Clean"/>
-              </a:rPr>
-              <a:t>Advice</a:t>
-            </a:r>
-            <a:endParaRPr sz="1200" dirty="0">
-              <a:latin typeface="Adobe Clean"/>
-              <a:cs typeface="Adobe Clean"/>
-            </a:endParaRPr>
+              <a:t>Asesoría estratégica</a:t>
+            </a:r>
           </a:p>
         </p:txBody>
       </p:sp>
@@ -17809,14 +15564,14 @@
           <p:nvPr>
             <p:extLst>
               <p:ext uri="{D42A27DB-BD31-4B8C-83A1-F6EECF244321}">
-                <p14:modId xmlns:p14="http://schemas.microsoft.com/office/powerpoint/2010/main" val="1493671087"/>
+                <p14:modId xmlns:p14="http://schemas.microsoft.com/office/powerpoint/2010/main" val="3724188075"/>
               </p:ext>
             </p:extLst>
           </p:nvPr>
         </p:nvGraphicFramePr>
         <p:xfrm>
           <a:off x="194236" y="1059345"/>
-          <a:ext cx="7368291" cy="3235960"/>
+          <a:ext cx="7368291" cy="3388360"/>
         </p:xfrm>
         <a:graphic>
           <a:graphicData uri="http://schemas.openxmlformats.org/drawingml/2006/table">
@@ -17847,7 +15602,7 @@
                     <a:lstStyle/>
                     <a:p>
                       <a:r>
-                        <a:rPr lang="en-US" sz="1100" b="0" dirty="0">
+                        <a:rPr lang="es-ES" sz="1100" b="0">
                           <a:solidFill>
                             <a:schemeClr val="tx1"/>
                           </a:solidFill>
@@ -17858,14 +15613,6 @@
                         </a:rPr>
                         <a:t>Experience League</a:t>
                       </a:r>
-                      <a:endParaRPr lang="en-US" sz="1100" b="0" dirty="0">
-                        <a:solidFill>
-                          <a:schemeClr val="tx1"/>
-                        </a:solidFill>
-                        <a:latin typeface="Adobe Clean" panose="020B0503020404020204" pitchFamily="34" charset="0"/>
-                        <a:ea typeface="+mn-ea"/>
-                        <a:cs typeface="+mn-cs"/>
-                      </a:endParaRPr>
                     </a:p>
                   </a:txBody>
                   <a:tcPr marL="47625" marR="47625" marT="0" marB="0" anchor="ctr">
@@ -17939,7 +15686,7 @@
                         <a:defRPr/>
                       </a:pPr>
                       <a:r>
-                        <a:rPr lang="en-US" sz="1000" b="0" kern="1200" dirty="0">
+                        <a:rPr lang="es-ES" sz="1000" b="0" dirty="0" err="1">
                           <a:solidFill>
                             <a:srgbClr val="000000"/>
                           </a:solidFill>
@@ -17947,7 +15694,102 @@
                           <a:ea typeface="+mn-ea"/>
                           <a:cs typeface="+mn-cs"/>
                         </a:rPr>
-                        <a:t>Experience League is how Adobe helps businesses achieve the value they expect from their Adobe investment. It’s the unified place where customers can learn, connect, and grow along a personalized path to success that includes self-help tutorials, product documentation, instructor-led training, community and technical support. </a:t>
+                        <a:t>Experience</a:t>
+                      </a:r>
+                      <a:r>
+                        <a:rPr lang="es-ES" sz="1000" b="0" dirty="0">
+                          <a:solidFill>
+                            <a:srgbClr val="000000"/>
+                          </a:solidFill>
+                          <a:latin typeface="Adobe Clean Light" panose="020B0303020404020204" pitchFamily="34" charset="0"/>
+                          <a:ea typeface="+mn-ea"/>
+                          <a:cs typeface="+mn-cs"/>
+                        </a:rPr>
+                        <a:t> League permite a Adobe ayudar a las empresas a alcanzar el valor que esperan de su inversión en Adobe. Es el lugar unificado </a:t>
+                      </a:r>
+                      <a:br>
+                        <a:rPr lang="sk-SK" sz="1000" b="0" dirty="0">
+                          <a:solidFill>
+                            <a:srgbClr val="000000"/>
+                          </a:solidFill>
+                          <a:latin typeface="Adobe Clean Light" panose="020B0303020404020204" pitchFamily="34" charset="0"/>
+                          <a:ea typeface="+mn-ea"/>
+                          <a:cs typeface="+mn-cs"/>
+                        </a:rPr>
+                      </a:br>
+                      <a:r>
+                        <a:rPr lang="es-ES" sz="1000" b="0" dirty="0">
+                          <a:solidFill>
+                            <a:srgbClr val="000000"/>
+                          </a:solidFill>
+                          <a:latin typeface="Adobe Clean Light" panose="020B0303020404020204" pitchFamily="34" charset="0"/>
+                          <a:ea typeface="+mn-ea"/>
+                          <a:cs typeface="+mn-cs"/>
+                        </a:rPr>
+                        <a:t>en el que los clientes pueden aprender, dialogar y crecer siguiendo </a:t>
+                      </a:r>
+                      <a:br>
+                        <a:rPr lang="sk-SK" sz="1000" b="0" dirty="0">
+                          <a:solidFill>
+                            <a:srgbClr val="000000"/>
+                          </a:solidFill>
+                          <a:latin typeface="Adobe Clean Light" panose="020B0303020404020204" pitchFamily="34" charset="0"/>
+                          <a:ea typeface="+mn-ea"/>
+                          <a:cs typeface="+mn-cs"/>
+                        </a:rPr>
+                      </a:br>
+                      <a:r>
+                        <a:rPr lang="es-ES" sz="1000" b="0" dirty="0">
+                          <a:solidFill>
+                            <a:srgbClr val="000000"/>
+                          </a:solidFill>
+                          <a:latin typeface="Adobe Clean Light" panose="020B0303020404020204" pitchFamily="34" charset="0"/>
+                          <a:ea typeface="+mn-ea"/>
+                          <a:cs typeface="+mn-cs"/>
+                        </a:rPr>
+                        <a:t>un camino personalizado hacia el éxito que incluye tutoriales </a:t>
+                      </a:r>
+                      <a:br>
+                        <a:rPr lang="sk-SK" sz="1000" b="0" dirty="0">
+                          <a:solidFill>
+                            <a:srgbClr val="000000"/>
+                          </a:solidFill>
+                          <a:latin typeface="Adobe Clean Light" panose="020B0303020404020204" pitchFamily="34" charset="0"/>
+                          <a:ea typeface="+mn-ea"/>
+                          <a:cs typeface="+mn-cs"/>
+                        </a:rPr>
+                      </a:br>
+                      <a:r>
+                        <a:rPr lang="es-ES" sz="1000" b="0" dirty="0">
+                          <a:solidFill>
+                            <a:srgbClr val="000000"/>
+                          </a:solidFill>
+                          <a:latin typeface="Adobe Clean Light" panose="020B0303020404020204" pitchFamily="34" charset="0"/>
+                          <a:ea typeface="+mn-ea"/>
+                          <a:cs typeface="+mn-cs"/>
+                        </a:rPr>
+                        <a:t>de autoayuda, documentación de productos, formación dirigida </a:t>
+                      </a:r>
+                      <a:br>
+                        <a:rPr lang="sk-SK" sz="1000" b="0" dirty="0">
+                          <a:solidFill>
+                            <a:srgbClr val="000000"/>
+                          </a:solidFill>
+                          <a:latin typeface="Adobe Clean Light" panose="020B0303020404020204" pitchFamily="34" charset="0"/>
+                          <a:ea typeface="+mn-ea"/>
+                          <a:cs typeface="+mn-cs"/>
+                        </a:rPr>
+                      </a:br>
+                      <a:r>
+                        <a:rPr lang="es-ES" sz="1000" b="0" dirty="0">
+                          <a:solidFill>
+                            <a:srgbClr val="000000"/>
+                          </a:solidFill>
+                          <a:latin typeface="Adobe Clean Light" panose="020B0303020404020204" pitchFamily="34" charset="0"/>
+                          <a:ea typeface="+mn-ea"/>
+                          <a:cs typeface="+mn-cs"/>
+                        </a:rPr>
+                        <a:t>por instructores, y asistencia técnica y comunitaria. </a:t>
                       </a:r>
                     </a:p>
                   </a:txBody>
@@ -18029,39 +15871,28 @@
                         <a:defRPr/>
                       </a:pPr>
                       <a:r>
-                        <a:rPr lang="en-US" sz="1100" dirty="0">
+                        <a:rPr lang="es-ES" sz="1100">
                           <a:solidFill>
                             <a:schemeClr val="dk1"/>
                           </a:solidFill>
-                          <a:effectLst/>
                           <a:latin typeface="Adobe Clean" panose="020B0503020404020204" pitchFamily="34" charset="0"/>
                           <a:ea typeface="+mn-ea"/>
                           <a:cs typeface="+mn-cs"/>
                           <a:hlinkClick r:id="rId8"/>
                         </a:rPr>
-                        <a:t>Training</a:t>
+                        <a:t>Formación</a:t>
                       </a:r>
                       <a:r>
-                        <a:rPr lang="en-US" sz="1100" dirty="0">
+                        <a:rPr lang="es-ES" sz="1100">
                           <a:solidFill>
                             <a:schemeClr val="dk1"/>
                           </a:solidFill>
-                          <a:effectLst/>
                           <a:latin typeface="Adobe Clean" panose="020B0503020404020204" pitchFamily="34" charset="0"/>
                           <a:ea typeface="+mn-ea"/>
                           <a:cs typeface="+mn-cs"/>
                         </a:rPr>
                         <a:t> </a:t>
                       </a:r>
-                      <a:endParaRPr lang="en-US" sz="1100" dirty="0">
-                        <a:solidFill>
-                          <a:schemeClr val="tx1"/>
-                        </a:solidFill>
-                        <a:effectLst/>
-                        <a:latin typeface="Adobe Clean" panose="020B0503020404020204" pitchFamily="34" charset="0"/>
-                        <a:ea typeface="+mn-ea"/>
-                        <a:cs typeface="+mn-cs"/>
-                      </a:endParaRPr>
                     </a:p>
                   </a:txBody>
                   <a:tcPr anchor="ctr">
@@ -18135,7 +15966,7 @@
                         <a:defRPr/>
                       </a:pPr>
                       <a:r>
-                        <a:rPr lang="en-US" sz="1000" kern="1200" dirty="0">
+                        <a:rPr lang="es-ES" sz="1000">
                           <a:solidFill>
                             <a:srgbClr val="000000"/>
                           </a:solidFill>
@@ -18143,7 +15974,7 @@
                           <a:ea typeface="+mn-ea"/>
                           <a:cs typeface="+mn-cs"/>
                         </a:rPr>
-                        <a:t>Adobe Digital Learning Services courses are accessible from Experience League. Learning courses integrate both on-demand and instructor-led lessons.  Here you can accrue skills that have recognized market value and position them to drive success in your organizations.</a:t>
+                        <a:t>Puede acceder a los cursos de Adobe Digital Learning Services desde Experience League. Los cursos de formación incluyen desde lecciones bajo demanda hasta lecciones impartidas por instructores.  Aquí puede aprender habilidades con valor de mercado reconocido para impulsar el éxito en su organización.</a:t>
                       </a:r>
                     </a:p>
                   </a:txBody>
@@ -18225,27 +16056,17 @@
                         <a:defRPr/>
                       </a:pPr>
                       <a:r>
-                        <a:rPr lang="en-US" sz="1100" dirty="0">
+                        <a:rPr lang="es-ES" sz="1100">
                           <a:solidFill>
                             <a:schemeClr val="tx1"/>
                           </a:solidFill>
-                          <a:effectLst/>
                           <a:latin typeface="Adobe Clean" panose="020B0503020404020204" pitchFamily="34" charset="0"/>
                           <a:ea typeface="+mn-ea"/>
                           <a:cs typeface="+mn-cs"/>
                           <a:hlinkClick r:id="rId9"/>
                         </a:rPr>
-                        <a:t>Production Issues &amp; System Outages</a:t>
+                        <a:t>Problemas de producción e interrupciones del sistema</a:t>
                       </a:r>
-                      <a:endParaRPr lang="en-US" sz="1100" dirty="0">
-                        <a:solidFill>
-                          <a:schemeClr val="tx1"/>
-                        </a:solidFill>
-                        <a:effectLst/>
-                        <a:latin typeface="Adobe Clean" panose="020B0503020404020204" pitchFamily="34" charset="0"/>
-                        <a:ea typeface="+mn-ea"/>
-                        <a:cs typeface="+mn-cs"/>
-                      </a:endParaRPr>
                     </a:p>
                   </a:txBody>
                   <a:tcPr anchor="ctr">
@@ -18319,7 +16140,7 @@
                         <a:defRPr/>
                       </a:pPr>
                       <a:r>
-                        <a:rPr lang="en-US" sz="1000" kern="1200" dirty="0">
+                        <a:rPr lang="es-ES" sz="1000">
                           <a:solidFill>
                             <a:srgbClr val="000000"/>
                           </a:solidFill>
@@ -18327,7 +16148,7 @@
                           <a:ea typeface="+mn-ea"/>
                           <a:cs typeface="+mn-cs"/>
                         </a:rPr>
-                        <a:t>Status.adobe.com conveys the health information of all Adobe products and services that are deployed in multi-tenant environments. Customers can choose their subscription preferences to get email notifications whenever Adobe creates, updates or resolves a product event. This can include scheduled maintenance or service issues of varying levels of severity. </a:t>
+                        <a:t>Status.adobe.com transmite la información de estado de todos los productos y servicios de Adobe implementados en entornos de varios inquilinos. Los clientes pueden elegir sus preferencias de suscripción para recibir notificaciones por correo electrónico cada vez que Adobe cree, actualice o resuelva un evento de producto. Esto puede incluir problemas de mantenimiento o servicio programados de diversos niveles de gravedad. </a:t>
                       </a:r>
                     </a:p>
                   </a:txBody>
@@ -18409,27 +16230,17 @@
                         <a:defRPr/>
                       </a:pPr>
                       <a:r>
-                        <a:rPr lang="en-US" sz="1100" dirty="0">
+                        <a:rPr lang="es-ES" sz="1100">
                           <a:solidFill>
                             <a:schemeClr val="tx1"/>
                           </a:solidFill>
-                          <a:effectLst/>
                           <a:latin typeface="Adobe Clean" panose="020B0503020404020204" pitchFamily="34" charset="0"/>
                           <a:ea typeface="+mn-ea"/>
                           <a:cs typeface="+mn-cs"/>
                           <a:hlinkClick r:id="rId10"/>
                         </a:rPr>
-                        <a:t>Terms and Conditions</a:t>
+                        <a:t>Términos y condiciones</a:t>
                       </a:r>
-                      <a:endParaRPr lang="en-US" sz="1100" dirty="0">
-                        <a:solidFill>
-                          <a:schemeClr val="tx1"/>
-                        </a:solidFill>
-                        <a:effectLst/>
-                        <a:latin typeface="Adobe Clean" panose="020B0503020404020204" pitchFamily="34" charset="0"/>
-                        <a:ea typeface="+mn-ea"/>
-                        <a:cs typeface="+mn-cs"/>
-                      </a:endParaRPr>
                     </a:p>
                   </a:txBody>
                   <a:tcPr anchor="ctr">
@@ -18486,7 +16297,7 @@
                     <a:lstStyle/>
                     <a:p>
                       <a:r>
-                        <a:rPr lang="en-US" sz="1000" kern="1200" dirty="0">
+                        <a:rPr lang="es-ES" sz="1000" dirty="0">
                           <a:solidFill>
                             <a:srgbClr val="000000"/>
                           </a:solidFill>
@@ -18494,7 +16305,7 @@
                           <a:ea typeface="+mn-ea"/>
                           <a:cs typeface="+mn-cs"/>
                         </a:rPr>
-                        <a:t>Terms and conditions detailing Support Services offerings</a:t>
+                        <a:t>Términos y condiciones de las ofertas de los servicios de soporte</a:t>
                       </a:r>
                     </a:p>
                   </a:txBody>
@@ -19265,6 +17076,21 @@
 </file>
 
 <file path=customXml/item1.xml><?xml version="1.0" encoding="utf-8"?>
+<p:properties xmlns:p="http://schemas.microsoft.com/office/2006/metadata/properties" xmlns:xsi="http://www.w3.org/2001/XMLSchema-instance" xmlns:pc="http://schemas.microsoft.com/office/infopath/2007/PartnerControls">
+  <documentManagement/>
+</p:properties>
+</file>
+
+<file path=customXml/item2.xml><?xml version="1.0" encoding="utf-8"?>
+<?mso-contentType ?>
+<FormTemplates xmlns="http://schemas.microsoft.com/sharepoint/v3/contenttype/forms">
+  <Display>DocumentLibraryForm</Display>
+  <Edit>DocumentLibraryForm</Edit>
+  <New>DocumentLibraryForm</New>
+</FormTemplates>
+</file>
+
+<file path=customXml/item3.xml><?xml version="1.0" encoding="utf-8"?>
 <ct:contentTypeSchema xmlns:ct="http://schemas.microsoft.com/office/2006/metadata/contentType" xmlns:ma="http://schemas.microsoft.com/office/2006/metadata/properties/metaAttributes" ct:_="" ma:_="" ma:contentTypeName="Document" ma:contentTypeID="0x010100E783BF6876BCC646A459363AF21A7736" ma:contentTypeVersion="10" ma:contentTypeDescription="Create a new document." ma:contentTypeScope="" ma:versionID="c4ffda7f4f415767600769e454c2ea87">
   <xsd:schema xmlns:xsd="http://www.w3.org/2001/XMLSchema" xmlns:xs="http://www.w3.org/2001/XMLSchema" xmlns:p="http://schemas.microsoft.com/office/2006/metadata/properties" xmlns:ns2="8a053bff-88be-49e4-9a87-e748e18b8b62" xmlns:ns3="6c8368ec-3776-49b5-a5bb-90648cf9530f" targetNamespace="http://schemas.microsoft.com/office/2006/metadata/properties" ma:root="true" ma:fieldsID="df3ec33bccc23e23bce7bc897fad43d1" ns2:_="" ns3:_="">
     <xsd:import namespace="8a053bff-88be-49e4-9a87-e748e18b8b62"/>
@@ -19469,22 +17295,24 @@
 </ct:contentTypeSchema>
 </file>
 
-<file path=customXml/item2.xml><?xml version="1.0" encoding="utf-8"?>
-<?mso-contentType ?>
-<FormTemplates xmlns="http://schemas.microsoft.com/sharepoint/v3/contenttype/forms">
-  <Display>DocumentLibraryForm</Display>
-  <Edit>DocumentLibraryForm</Edit>
-  <New>DocumentLibraryForm</New>
-</FormTemplates>
+<file path=customXml/itemProps1.xml><?xml version="1.0" encoding="utf-8"?>
+<ds:datastoreItem xmlns:ds="http://schemas.openxmlformats.org/officeDocument/2006/customXml" ds:itemID="{CED41536-010B-47B1-9229-B72BE4090090}">
+  <ds:schemaRefs>
+    <ds:schemaRef ds:uri="http://schemas.microsoft.com/office/2006/metadata/properties"/>
+    <ds:schemaRef ds:uri="http://schemas.microsoft.com/office/infopath/2007/PartnerControls"/>
+  </ds:schemaRefs>
+</ds:datastoreItem>
 </file>
 
-<file path=customXml/item3.xml><?xml version="1.0" encoding="utf-8"?>
-<p:properties xmlns:p="http://schemas.microsoft.com/office/2006/metadata/properties" xmlns:xsi="http://www.w3.org/2001/XMLSchema-instance" xmlns:pc="http://schemas.microsoft.com/office/infopath/2007/PartnerControls">
-  <documentManagement/>
-</p:properties>
+<file path=customXml/itemProps2.xml><?xml version="1.0" encoding="utf-8"?>
+<ds:datastoreItem xmlns:ds="http://schemas.openxmlformats.org/officeDocument/2006/customXml" ds:itemID="{669D9D3B-3229-44EE-9964-24A06AE66887}">
+  <ds:schemaRefs>
+    <ds:schemaRef ds:uri="http://schemas.microsoft.com/sharepoint/v3/contenttype/forms"/>
+  </ds:schemaRefs>
+</ds:datastoreItem>
 </file>
 
-<file path=customXml/itemProps1.xml><?xml version="1.0" encoding="utf-8"?>
+<file path=customXml/itemProps3.xml><?xml version="1.0" encoding="utf-8"?>
 <ds:datastoreItem xmlns:ds="http://schemas.openxmlformats.org/officeDocument/2006/customXml" ds:itemID="{75C1A8FD-3884-41A0-BE37-D15776C885D1}">
   <ds:schemaRefs>
     <ds:schemaRef ds:uri="http://schemas.microsoft.com/office/2006/metadata/contentType"/>
@@ -19501,21 +17329,4 @@
     <ds:schemaRef ds:uri="http://schemas.microsoft.com/internal/obd"/>
   </ds:schemaRefs>
 </ds:datastoreItem>
-</file>
-
-<file path=customXml/itemProps2.xml><?xml version="1.0" encoding="utf-8"?>
-<ds:datastoreItem xmlns:ds="http://schemas.openxmlformats.org/officeDocument/2006/customXml" ds:itemID="{669D9D3B-3229-44EE-9964-24A06AE66887}">
-  <ds:schemaRefs>
-    <ds:schemaRef ds:uri="http://schemas.microsoft.com/sharepoint/v3/contenttype/forms"/>
-  </ds:schemaRefs>
-</ds:datastoreItem>
-</file>
-
-<file path=customXml/itemProps3.xml><?xml version="1.0" encoding="utf-8"?>
-<ds:datastoreItem xmlns:ds="http://schemas.openxmlformats.org/officeDocument/2006/customXml" ds:itemID="{CED41536-010B-47B1-9229-B72BE4090090}">
-  <ds:schemaRefs>
-    <ds:schemaRef ds:uri="http://schemas.microsoft.com/office/2006/metadata/properties"/>
-    <ds:schemaRef ds:uri="http://schemas.microsoft.com/office/infopath/2007/PartnerControls"/>
-  </ds:schemaRefs>
-</ds:datastoreItem>
 </file>
--- a/help/data-sheets/assets/EliteSupportDatasheet.pptx
+++ b/help/data-sheets/assets/EliteSupportDatasheet.pptx
@@ -151,9 +151,7 @@
 <file path=ppt/revisionInfo.xml><?xml version="1.0" encoding="utf-8"?>
 <p1510:revInfo xmlns:a="http://schemas.openxmlformats.org/drawingml/2006/main" xmlns:r="http://schemas.openxmlformats.org/officeDocument/2006/relationships" xmlns:p1510="http://schemas.microsoft.com/office/powerpoint/2015/10/main">
   <p1510:revLst>
-    <p1510:client id="{306579C9-8574-E621-57BF-C5D6F4C605CC}" v="6" dt="2021-09-22T22:58:26.163"/>
-    <p1510:client id="{86768B6F-E5DF-274A-B928-9320E1DF9962}" v="132" dt="2021-08-07T02:18:13.925"/>
-    <p1510:client id="{8C285145-5FF7-2B49-D44C-ABA3390CC068}" v="48" dt="2021-09-22T19:02:31.738"/>
+    <p1510:client id="{0BC4D7A0-4BBD-1B49-BE14-170949F0EA37}" v="4" dt="2021-10-13T19:10:14.670"/>
   </p1510:revLst>
 </p1510:revInfo>
 </file>
@@ -161,58 +159,26 @@
 <file path=ppt/changesInfos/changesInfo1.xml><?xml version="1.0" encoding="utf-8"?>
 <pc:chgInfo xmlns:a="http://schemas.openxmlformats.org/drawingml/2006/main" xmlns:r="http://schemas.openxmlformats.org/officeDocument/2006/relationships" xmlns:ac="http://schemas.microsoft.com/office/drawing/2013/main/command" xmlns:pc="http://schemas.microsoft.com/office/powerpoint/2013/main/command">
   <pc:docChgLst>
-    <pc:chgData name="Akilah Johnson" userId="S::akjohnso@adobe.com::2fa3aa60-0c9c-4d06-bae2-795983241227" providerId="AD" clId="Web-{306579C9-8574-E621-57BF-C5D6F4C605CC}"/>
+    <pc:chgData name="Lauren Schutte" userId="6e08b2d3-447a-4d66-86be-444d50df187f" providerId="ADAL" clId="{0BC4D7A0-4BBD-1B49-BE14-170949F0EA37}"/>
     <pc:docChg chg="modSld">
-      <pc:chgData name="Akilah Johnson" userId="S::akjohnso@adobe.com::2fa3aa60-0c9c-4d06-bae2-795983241227" providerId="AD" clId="Web-{306579C9-8574-E621-57BF-C5D6F4C605CC}" dt="2021-09-22T22:58:18.491" v="3"/>
+      <pc:chgData name="Lauren Schutte" userId="6e08b2d3-447a-4d66-86be-444d50df187f" providerId="ADAL" clId="{0BC4D7A0-4BBD-1B49-BE14-170949F0EA37}" dt="2021-10-13T19:10:14.671" v="3" actId="1035"/>
       <pc:docMkLst>
         <pc:docMk/>
       </pc:docMkLst>
-      <pc:sldChg chg="modSp">
-        <pc:chgData name="Akilah Johnson" userId="S::akjohnso@adobe.com::2fa3aa60-0c9c-4d06-bae2-795983241227" providerId="AD" clId="Web-{306579C9-8574-E621-57BF-C5D6F4C605CC}" dt="2021-09-22T22:58:18.491" v="3"/>
+      <pc:sldChg chg="modSp mod">
+        <pc:chgData name="Lauren Schutte" userId="6e08b2d3-447a-4d66-86be-444d50df187f" providerId="ADAL" clId="{0BC4D7A0-4BBD-1B49-BE14-170949F0EA37}" dt="2021-10-13T19:10:14.671" v="3" actId="1035"/>
         <pc:sldMkLst>
           <pc:docMk/>
-          <pc:sldMk cId="1050037809" sldId="261"/>
-        </pc:sldMkLst>
-        <pc:graphicFrameChg chg="mod modGraphic">
-          <ac:chgData name="Akilah Johnson" userId="S::akjohnso@adobe.com::2fa3aa60-0c9c-4d06-bae2-795983241227" providerId="AD" clId="Web-{306579C9-8574-E621-57BF-C5D6F4C605CC}" dt="2021-09-22T22:58:18.491" v="3"/>
-          <ac:graphicFrameMkLst>
-            <pc:docMk/>
-            <pc:sldMk cId="1050037809" sldId="261"/>
-            <ac:graphicFrameMk id="25" creationId="{3A91F5B0-3974-A14D-A146-FB590F2AAD18}"/>
-          </ac:graphicFrameMkLst>
-        </pc:graphicFrameChg>
-      </pc:sldChg>
-    </pc:docChg>
-  </pc:docChgLst>
-  <pc:docChgLst>
-    <pc:chgData name="Akilah Johnson" userId="S::akjohnso@adobe.com::2fa3aa60-0c9c-4d06-bae2-795983241227" providerId="AD" clId="Web-{8C285145-5FF7-2B49-D44C-ABA3390CC068}"/>
-    <pc:docChg chg="modSld">
-      <pc:chgData name="Akilah Johnson" userId="S::akjohnso@adobe.com::2fa3aa60-0c9c-4d06-bae2-795983241227" providerId="AD" clId="Web-{8C285145-5FF7-2B49-D44C-ABA3390CC068}" dt="2021-09-22T19:02:31.738" v="36" actId="1076"/>
-      <pc:docMkLst>
-        <pc:docMk/>
-      </pc:docMkLst>
-      <pc:sldChg chg="modSp">
-        <pc:chgData name="Akilah Johnson" userId="S::akjohnso@adobe.com::2fa3aa60-0c9c-4d06-bae2-795983241227" providerId="AD" clId="Web-{8C285145-5FF7-2B49-D44C-ABA3390CC068}" dt="2021-09-22T19:02:31.738" v="36" actId="1076"/>
-        <pc:sldMkLst>
-          <pc:docMk/>
-          <pc:sldMk cId="1050037809" sldId="261"/>
+          <pc:sldMk cId="0" sldId="256"/>
         </pc:sldMkLst>
         <pc:spChg chg="mod">
-          <ac:chgData name="Akilah Johnson" userId="S::akjohnso@adobe.com::2fa3aa60-0c9c-4d06-bae2-795983241227" providerId="AD" clId="Web-{8C285145-5FF7-2B49-D44C-ABA3390CC068}" dt="2021-09-22T19:02:31.738" v="36" actId="1076"/>
+          <ac:chgData name="Lauren Schutte" userId="6e08b2d3-447a-4d66-86be-444d50df187f" providerId="ADAL" clId="{0BC4D7A0-4BBD-1B49-BE14-170949F0EA37}" dt="2021-10-13T19:10:14.671" v="3" actId="1035"/>
           <ac:spMkLst>
             <pc:docMk/>
-            <pc:sldMk cId="1050037809" sldId="261"/>
-            <ac:spMk id="64" creationId="{41467BDC-3D83-D844-B922-CD07E94E5AAB}"/>
+            <pc:sldMk cId="0" sldId="256"/>
+            <ac:spMk id="4" creationId="{00000000-0000-0000-0000-000000000000}"/>
           </ac:spMkLst>
         </pc:spChg>
-        <pc:graphicFrameChg chg="mod modGraphic">
-          <ac:chgData name="Akilah Johnson" userId="S::akjohnso@adobe.com::2fa3aa60-0c9c-4d06-bae2-795983241227" providerId="AD" clId="Web-{8C285145-5FF7-2B49-D44C-ABA3390CC068}" dt="2021-09-22T18:59:49.504" v="34"/>
-          <ac:graphicFrameMkLst>
-            <pc:docMk/>
-            <pc:sldMk cId="1050037809" sldId="261"/>
-            <ac:graphicFrameMk id="25" creationId="{3A91F5B0-3974-A14D-A146-FB590F2AAD18}"/>
-          </ac:graphicFrameMkLst>
-        </pc:graphicFrameChg>
       </pc:sldChg>
     </pc:docChg>
   </pc:docChgLst>
@@ -301,7 +267,7 @@
           <a:p>
             <a:fld id="{C12E57D6-2086-AA47-A7A4-C0CDE7C14E44}" type="datetimeFigureOut">
               <a:rPr lang="en-US" smtClean="0"/>
-              <a:t>10/1/2021</a:t>
+              <a:t>11/11/2021</a:t>
             </a:fld>
             <a:endParaRPr lang="en-US"/>
           </a:p>
@@ -612,7 +578,7 @@
           <a:bodyPr/>
           <a:lstStyle/>
           <a:p>
-            <a:endParaRPr lang="en-US" dirty="0"/>
+            <a:endParaRPr lang="en-US"/>
           </a:p>
         </p:txBody>
       </p:sp>
@@ -696,7 +662,7 @@
           <a:bodyPr/>
           <a:lstStyle/>
           <a:p>
-            <a:endParaRPr lang="en-US" dirty="0"/>
+            <a:endParaRPr lang="en-US"/>
           </a:p>
         </p:txBody>
       </p:sp>
@@ -875,7 +841,7 @@
           <a:p>
             <a:fld id="{1D8BD707-D9CF-40AE-B4C6-C98DA3205C09}" type="datetimeFigureOut">
               <a:rPr lang="en-US"/>
-              <a:t>10/1/2021</a:t>
+              <a:t>11/11/2021</a:t>
             </a:fld>
             <a:endParaRPr lang="en-US"/>
           </a:p>
@@ -915,7 +881,7 @@
               </a:spcBef>
             </a:pPr>
             <a:r>
-              <a:rPr spc="-5" dirty="0"/>
+              <a:rPr spc="-5"/>
               <a:t>©</a:t>
             </a:r>
             <a:fld id="{81D60167-4931-47E6-BA6A-407CBD079E47}" type="slidenum">
@@ -923,35 +889,35 @@
               <a:t>‹#›</a:t>
             </a:fld>
             <a:r>
-              <a:rPr spc="-5" dirty="0"/>
+              <a:rPr spc="-5"/>
               <a:t> Adobe. All</a:t>
             </a:r>
             <a:r>
-              <a:rPr spc="-15" dirty="0"/>
+              <a:rPr spc="-15"/>
               <a:t> Rights</a:t>
             </a:r>
             <a:r>
-              <a:rPr spc="-10" dirty="0"/>
+              <a:rPr spc="-10"/>
               <a:t> </a:t>
             </a:r>
             <a:r>
-              <a:rPr spc="-15" dirty="0"/>
+              <a:rPr spc="-15"/>
               <a:t>Reserved.</a:t>
             </a:r>
             <a:r>
-              <a:rPr spc="-10" dirty="0"/>
+              <a:rPr spc="-10"/>
               <a:t> </a:t>
             </a:r>
             <a:r>
-              <a:rPr spc="-5" dirty="0"/>
+              <a:rPr spc="-5"/>
               <a:t>Adobe</a:t>
             </a:r>
             <a:r>
-              <a:rPr spc="60" dirty="0"/>
+              <a:rPr spc="60"/>
               <a:t> </a:t>
             </a:r>
             <a:r>
-              <a:rPr spc="-15" dirty="0"/>
+              <a:rPr spc="-15"/>
               <a:t>Confidential.</a:t>
             </a:r>
           </a:p>
@@ -1120,7 +1086,7 @@
           <a:p>
             <a:fld id="{1D8BD707-D9CF-40AE-B4C6-C98DA3205C09}" type="datetimeFigureOut">
               <a:rPr lang="en-US"/>
-              <a:t>10/1/2021</a:t>
+              <a:t>11/11/2021</a:t>
             </a:fld>
             <a:endParaRPr lang="en-US"/>
           </a:p>
@@ -1160,7 +1126,7 @@
               </a:spcBef>
             </a:pPr>
             <a:r>
-              <a:rPr spc="-5" dirty="0"/>
+              <a:rPr spc="-5"/>
               <a:t>©</a:t>
             </a:r>
             <a:fld id="{81D60167-4931-47E6-BA6A-407CBD079E47}" type="slidenum">
@@ -1168,35 +1134,35 @@
               <a:t>‹#›</a:t>
             </a:fld>
             <a:r>
-              <a:rPr spc="-5" dirty="0"/>
+              <a:rPr spc="-5"/>
               <a:t> Adobe. All</a:t>
             </a:r>
             <a:r>
-              <a:rPr spc="-15" dirty="0"/>
+              <a:rPr spc="-15"/>
               <a:t> Rights</a:t>
             </a:r>
             <a:r>
-              <a:rPr spc="-10" dirty="0"/>
+              <a:rPr spc="-10"/>
               <a:t> </a:t>
             </a:r>
             <a:r>
-              <a:rPr spc="-15" dirty="0"/>
+              <a:rPr spc="-15"/>
               <a:t>Reserved.</a:t>
             </a:r>
             <a:r>
-              <a:rPr spc="-10" dirty="0"/>
+              <a:rPr spc="-10"/>
               <a:t> </a:t>
             </a:r>
             <a:r>
-              <a:rPr spc="-5" dirty="0"/>
+              <a:rPr spc="-5"/>
               <a:t>Adobe</a:t>
             </a:r>
             <a:r>
-              <a:rPr spc="60" dirty="0"/>
+              <a:rPr spc="60"/>
               <a:t> </a:t>
             </a:r>
             <a:r>
-              <a:rPr spc="-15" dirty="0"/>
+              <a:rPr spc="-15"/>
               <a:t>Confidential.</a:t>
             </a:r>
           </a:p>
@@ -1378,7 +1344,7 @@
           <a:p>
             <a:fld id="{1D8BD707-D9CF-40AE-B4C6-C98DA3205C09}" type="datetimeFigureOut">
               <a:rPr lang="en-US"/>
-              <a:t>10/1/2021</a:t>
+              <a:t>11/11/2021</a:t>
             </a:fld>
             <a:endParaRPr lang="en-US"/>
           </a:p>
@@ -1418,7 +1384,7 @@
               </a:spcBef>
             </a:pPr>
             <a:r>
-              <a:rPr spc="-5" dirty="0"/>
+              <a:rPr spc="-5"/>
               <a:t>©</a:t>
             </a:r>
             <a:fld id="{81D60167-4931-47E6-BA6A-407CBD079E47}" type="slidenum">
@@ -1426,35 +1392,35 @@
               <a:t>‹#›</a:t>
             </a:fld>
             <a:r>
-              <a:rPr spc="-5" dirty="0"/>
+              <a:rPr spc="-5"/>
               <a:t> Adobe. All</a:t>
             </a:r>
             <a:r>
-              <a:rPr spc="-15" dirty="0"/>
+              <a:rPr spc="-15"/>
               <a:t> Rights</a:t>
             </a:r>
             <a:r>
-              <a:rPr spc="-10" dirty="0"/>
+              <a:rPr spc="-10"/>
               <a:t> </a:t>
             </a:r>
             <a:r>
-              <a:rPr spc="-15" dirty="0"/>
+              <a:rPr spc="-15"/>
               <a:t>Reserved.</a:t>
             </a:r>
             <a:r>
-              <a:rPr spc="-10" dirty="0"/>
+              <a:rPr spc="-10"/>
               <a:t> </a:t>
             </a:r>
             <a:r>
-              <a:rPr spc="-5" dirty="0"/>
+              <a:rPr spc="-5"/>
               <a:t>Adobe</a:t>
             </a:r>
             <a:r>
-              <a:rPr spc="60" dirty="0"/>
+              <a:rPr spc="60"/>
               <a:t> </a:t>
             </a:r>
             <a:r>
-              <a:rPr spc="-15" dirty="0"/>
+              <a:rPr spc="-15"/>
               <a:t>Confidential.</a:t>
             </a:r>
           </a:p>
@@ -1570,7 +1536,7 @@
           <a:p>
             <a:fld id="{1D8BD707-D9CF-40AE-B4C6-C98DA3205C09}" type="datetimeFigureOut">
               <a:rPr lang="en-US"/>
-              <a:t>10/1/2021</a:t>
+              <a:t>11/11/2021</a:t>
             </a:fld>
             <a:endParaRPr lang="en-US"/>
           </a:p>
@@ -1610,7 +1576,7 @@
               </a:spcBef>
             </a:pPr>
             <a:r>
-              <a:rPr spc="-5" dirty="0"/>
+              <a:rPr spc="-5"/>
               <a:t>©</a:t>
             </a:r>
             <a:fld id="{81D60167-4931-47E6-BA6A-407CBD079E47}" type="slidenum">
@@ -1618,35 +1584,35 @@
               <a:t>‹#›</a:t>
             </a:fld>
             <a:r>
-              <a:rPr spc="-5" dirty="0"/>
+              <a:rPr spc="-5"/>
               <a:t> Adobe. All</a:t>
             </a:r>
             <a:r>
-              <a:rPr spc="-15" dirty="0"/>
+              <a:rPr spc="-15"/>
               <a:t> Rights</a:t>
             </a:r>
             <a:r>
-              <a:rPr spc="-10" dirty="0"/>
+              <a:rPr spc="-10"/>
               <a:t> </a:t>
             </a:r>
             <a:r>
-              <a:rPr spc="-15" dirty="0"/>
+              <a:rPr spc="-15"/>
               <a:t>Reserved.</a:t>
             </a:r>
             <a:r>
-              <a:rPr spc="-10" dirty="0"/>
+              <a:rPr spc="-10"/>
               <a:t> </a:t>
             </a:r>
             <a:r>
-              <a:rPr spc="-5" dirty="0"/>
+              <a:rPr spc="-5"/>
               <a:t>Adobe</a:t>
             </a:r>
             <a:r>
-              <a:rPr spc="60" dirty="0"/>
+              <a:rPr spc="60"/>
               <a:t> </a:t>
             </a:r>
             <a:r>
-              <a:rPr spc="-15" dirty="0"/>
+              <a:rPr spc="-15"/>
               <a:t>Confidential.</a:t>
             </a:r>
           </a:p>
@@ -1733,7 +1699,7 @@
           <a:p>
             <a:fld id="{1D8BD707-D9CF-40AE-B4C6-C98DA3205C09}" type="datetimeFigureOut">
               <a:rPr lang="en-US"/>
-              <a:t>10/1/2021</a:t>
+              <a:t>11/11/2021</a:t>
             </a:fld>
             <a:endParaRPr lang="en-US"/>
           </a:p>
@@ -1773,7 +1739,7 @@
               </a:spcBef>
             </a:pPr>
             <a:r>
-              <a:rPr spc="-5" dirty="0"/>
+              <a:rPr spc="-5"/>
               <a:t>©</a:t>
             </a:r>
             <a:fld id="{81D60167-4931-47E6-BA6A-407CBD079E47}" type="slidenum">
@@ -1781,35 +1747,35 @@
               <a:t>‹#›</a:t>
             </a:fld>
             <a:r>
-              <a:rPr spc="-5" dirty="0"/>
+              <a:rPr spc="-5"/>
               <a:t> Adobe. All</a:t>
             </a:r>
             <a:r>
-              <a:rPr spc="-15" dirty="0"/>
+              <a:rPr spc="-15"/>
               <a:t> Rights</a:t>
             </a:r>
             <a:r>
-              <a:rPr spc="-10" dirty="0"/>
+              <a:rPr spc="-10"/>
               <a:t> </a:t>
             </a:r>
             <a:r>
-              <a:rPr spc="-15" dirty="0"/>
+              <a:rPr spc="-15"/>
               <a:t>Reserved.</a:t>
             </a:r>
             <a:r>
-              <a:rPr spc="-10" dirty="0"/>
+              <a:rPr spc="-10"/>
               <a:t> </a:t>
             </a:r>
             <a:r>
-              <a:rPr spc="-5" dirty="0"/>
+              <a:rPr spc="-5"/>
               <a:t>Adobe</a:t>
             </a:r>
             <a:r>
-              <a:rPr spc="60" dirty="0"/>
+              <a:rPr spc="60"/>
               <a:t> </a:t>
             </a:r>
             <a:r>
-              <a:rPr spc="-15" dirty="0"/>
+              <a:rPr spc="-15"/>
               <a:t>Confidential.</a:t>
             </a:r>
           </a:p>
@@ -1996,7 +1962,7 @@
           <a:p>
             <a:fld id="{1D8BD707-D9CF-40AE-B4C6-C98DA3205C09}" type="datetimeFigureOut">
               <a:rPr lang="en-US"/>
-              <a:t>10/1/2021</a:t>
+              <a:t>11/11/2021</a:t>
             </a:fld>
             <a:endParaRPr lang="en-US"/>
           </a:p>
@@ -2046,7 +2012,7 @@
               </a:spcBef>
             </a:pPr>
             <a:r>
-              <a:rPr spc="-5" dirty="0"/>
+              <a:rPr spc="-5"/>
               <a:t>©</a:t>
             </a:r>
             <a:fld id="{81D60167-4931-47E6-BA6A-407CBD079E47}" type="slidenum">
@@ -2054,35 +2020,35 @@
               <a:t>‹#›</a:t>
             </a:fld>
             <a:r>
-              <a:rPr spc="-5" dirty="0"/>
+              <a:rPr spc="-5"/>
               <a:t> Adobe. All</a:t>
             </a:r>
             <a:r>
-              <a:rPr spc="-15" dirty="0"/>
+              <a:rPr spc="-15"/>
               <a:t> Rights</a:t>
             </a:r>
             <a:r>
-              <a:rPr spc="-10" dirty="0"/>
+              <a:rPr spc="-10"/>
               <a:t> </a:t>
             </a:r>
             <a:r>
-              <a:rPr spc="-15" dirty="0"/>
+              <a:rPr spc="-15"/>
               <a:t>Reserved.</a:t>
             </a:r>
             <a:r>
-              <a:rPr spc="-10" dirty="0"/>
+              <a:rPr spc="-10"/>
               <a:t> </a:t>
             </a:r>
             <a:r>
-              <a:rPr spc="-5" dirty="0"/>
+              <a:rPr spc="-5"/>
               <a:t>Adobe</a:t>
             </a:r>
             <a:r>
-              <a:rPr spc="60" dirty="0"/>
+              <a:rPr spc="60"/>
               <a:t> </a:t>
             </a:r>
             <a:r>
-              <a:rPr spc="-15" dirty="0"/>
+              <a:rPr spc="-15"/>
               <a:t>Confidential.</a:t>
             </a:r>
           </a:p>
@@ -2272,31 +2238,26 @@
         <p:spPr>
           <a:xfrm>
             <a:off x="502828" y="65103"/>
-            <a:ext cx="4450172" cy="366767"/>
+            <a:ext cx="4972142" cy="366767"/>
           </a:xfrm>
           <a:prstGeom prst="rect">
             <a:avLst/>
           </a:prstGeom>
         </p:spPr>
         <p:txBody>
-          <a:bodyPr vert="horz" wrap="square" lIns="0" tIns="12700" rIns="0" bIns="0" rtlCol="0">
+          <a:bodyPr vert="horz" wrap="square" lIns="0" tIns="12700" rIns="0" bIns="0" rtlCol="0" anchor="t">
             <a:spAutoFit/>
           </a:bodyPr>
           <a:lstStyle/>
           <a:p>
             <a:pPr marL="12700">
-              <a:lnSpc>
-                <a:spcPct val="100000"/>
-              </a:lnSpc>
               <a:spcBef>
                 <a:spcPts val="100"/>
               </a:spcBef>
             </a:pPr>
             <a:r>
-              <a:rPr lang="es-ES" sz="2300" dirty="0">
-                <a:latin typeface="Adobe Clean" panose="020B0503020404020204" pitchFamily="34" charset="0"/>
-              </a:rPr>
-              <a:t>OFERTA DE ASISTENCIA DE ADOBE</a:t>
+              <a:rPr lang="es-ES" sz="2300" dirty="0"/>
+              <a:t>PLANES DE SOPORTE DE ADOBE</a:t>
             </a:r>
           </a:p>
         </p:txBody>
@@ -2309,8 +2270,8 @@
         </p:nvSpPr>
         <p:spPr>
           <a:xfrm>
-            <a:off x="159523" y="560755"/>
-            <a:ext cx="6927078" cy="1466427"/>
+            <a:off x="159523" y="495985"/>
+            <a:ext cx="6999468" cy="1527982"/>
           </a:xfrm>
           <a:prstGeom prst="rect">
             <a:avLst/>
@@ -2358,16 +2319,16 @@
               </a:spcBef>
             </a:pPr>
             <a:r>
-              <a:rPr lang="es-ES" sz="900" spc="-40" dirty="0">
+              <a:rPr lang="es-ES" sz="850" dirty="0">
                 <a:solidFill>
                   <a:schemeClr val="bg1"/>
                 </a:solidFill>
                 <a:latin typeface="Adobe Clean SemiLight" panose="020B0403020404020204" pitchFamily="34" charset="0"/>
               </a:rPr>
-              <a:t>Adobe ofrece una amplia variedad de recursos técnicos para ayudar a su negocio, incluidos como parte de su suscripción de licencia </a:t>
+              <a:t>Adobe ofrece una amplia variedad de recursos técnicos para ayudar a su negocio, incluidos como parte de su suscripción de licencia</a:t>
             </a:r>
             <a:br>
-              <a:rPr lang="sk-SK" sz="900" spc="-40" dirty="0">
+              <a:rPr lang="es-ES" sz="850" dirty="0">
                 <a:solidFill>
                   <a:schemeClr val="bg1"/>
                 </a:solidFill>
@@ -2375,7 +2336,7 @@
               </a:rPr>
             </a:br>
             <a:r>
-              <a:rPr lang="es-ES" sz="900" spc="-40" dirty="0">
+              <a:rPr lang="es-ES" sz="850" dirty="0">
                 <a:solidFill>
                   <a:schemeClr val="bg1"/>
                 </a:solidFill>
@@ -2384,7 +2345,7 @@
               <a:t>de </a:t>
             </a:r>
             <a:r>
-              <a:rPr lang="es-ES" sz="900" spc="-40" dirty="0" err="1">
+              <a:rPr lang="es-ES" sz="850" dirty="0" err="1">
                 <a:solidFill>
                   <a:schemeClr val="bg1"/>
                 </a:solidFill>
@@ -2393,7 +2354,7 @@
               <a:t>Experience</a:t>
             </a:r>
             <a:r>
-              <a:rPr lang="es-ES" sz="900" spc="-40" dirty="0">
+              <a:rPr lang="es-ES" sz="850" dirty="0">
                 <a:solidFill>
                   <a:schemeClr val="bg1"/>
                 </a:solidFill>
@@ -2402,7 +2363,7 @@
               <a:t> Cloud y todavía más mejorados en el paquete de soporte ELITE. El paquete ELITE incluye acceso a rutas de aprendizaje personalizadas y foros de la comunidad monitorizados a través de Adobe </a:t>
             </a:r>
             <a:r>
-              <a:rPr lang="es-ES" sz="900" spc="-40" dirty="0" err="1">
+              <a:rPr lang="es-ES" sz="850" dirty="0" err="1">
                 <a:solidFill>
                   <a:schemeClr val="bg1"/>
                 </a:solidFill>
@@ -2411,25 +2372,42 @@
               <a:t>Experience</a:t>
             </a:r>
             <a:r>
-              <a:rPr lang="es-ES" sz="900" spc="-40" dirty="0">
+              <a:rPr lang="es-ES" sz="850" dirty="0">
                 <a:solidFill>
                   <a:schemeClr val="bg1"/>
                 </a:solidFill>
                 <a:latin typeface="Adobe Clean SemiLight" panose="020B0403020404020204" pitchFamily="34" charset="0"/>
               </a:rPr>
-              <a:t> League. También puede disfrutar de documentación técnica completa y detallada sobre productos y notas de la versión actual. Los clientes del paquete ELITE también podrán contar con un ingeniero de asistencia técnica especializado además de un gestor técnico de cuentas que trabajarán codo con codo con usted para proporcionar la asistencia idónea y proactiva y, a su vez, serán sus puntos de contacto para cualquier problema técnico dentro del equipo de Soporte de Adobe. Su equipo de Soporte, que cuenta con una amplia experiencia en su soluciones de </a:t>
-            </a:r>
-            <a:r>
-              <a:rPr lang="es-ES" sz="900" spc="-40" dirty="0" err="1">
+              <a:t> League. También puede disfrutar de documentación técnica completa y detallada sobre productos y notas de la versión actual. Los clientes del paquete ELITE también podrán contar con </a:t>
+            </a:r>
+            <a:br>
+              <a:rPr lang="es-ES" sz="850" dirty="0">
                 <a:solidFill>
                   <a:schemeClr val="bg1"/>
                 </a:solidFill>
                 <a:latin typeface="Adobe Clean SemiLight" panose="020B0403020404020204" pitchFamily="34" charset="0"/>
               </a:rPr>
+            </a:br>
+            <a:r>
+              <a:rPr lang="es-ES" sz="850" dirty="0">
+                <a:solidFill>
+                  <a:schemeClr val="bg1"/>
+                </a:solidFill>
+                <a:latin typeface="Adobe Clean SemiLight" panose="020B0403020404020204" pitchFamily="34" charset="0"/>
+              </a:rPr>
+              <a:t>un ingeniero de asistencia técnica especializado además de un gestor técnico de cuentas que trabajarán codo con codo con usted para proporcionar la asistencia idónea y proactiva y, a su vez, serán sus puntos de contacto para cualquier problema técnico dentro del equipo de Soporte de Adobe. Su equipo de Soporte, que cuenta con una amplia experiencia en su soluciones de </a:t>
+            </a:r>
+            <a:r>
+              <a:rPr lang="es-ES" sz="850" dirty="0" err="1">
+                <a:solidFill>
+                  <a:schemeClr val="bg1"/>
+                </a:solidFill>
+                <a:latin typeface="Adobe Clean SemiLight" panose="020B0403020404020204" pitchFamily="34" charset="0"/>
+              </a:rPr>
               <a:t>Experience</a:t>
             </a:r>
             <a:r>
-              <a:rPr lang="es-ES" sz="900" spc="-40" dirty="0">
+              <a:rPr lang="es-ES" sz="850" dirty="0">
                 <a:solidFill>
                   <a:schemeClr val="bg1"/>
                 </a:solidFill>
@@ -2438,7 +2416,7 @@
               <a:t> Cloud, trabajará para asegurarse de que pueden estar con usted de principio a fin para solucionar cualquier problema, sin importar su complejidad, de forma que pueda sacar el máximo provecho a su inversión en las soluciones de Adobe </a:t>
             </a:r>
             <a:r>
-              <a:rPr lang="es-ES" sz="900" spc="-40" dirty="0" err="1">
+              <a:rPr lang="es-ES" sz="850" dirty="0" err="1">
                 <a:solidFill>
                   <a:schemeClr val="bg1"/>
                 </a:solidFill>
@@ -2447,7 +2425,7 @@
               <a:t>Experience</a:t>
             </a:r>
             <a:r>
-              <a:rPr lang="es-ES" sz="900" spc="-40" dirty="0">
+              <a:rPr lang="es-ES" sz="850" dirty="0">
                 <a:solidFill>
                   <a:schemeClr val="bg1"/>
                 </a:solidFill>
@@ -2466,8 +2444,8 @@
         </p:nvSpPr>
         <p:spPr>
           <a:xfrm>
-            <a:off x="168564" y="7024371"/>
-            <a:ext cx="4174836" cy="228268"/>
+            <a:off x="168564" y="7024093"/>
+            <a:ext cx="5093046" cy="228268"/>
           </a:xfrm>
           <a:prstGeom prst="rect">
             <a:avLst/>
@@ -2514,14 +2492,14 @@
           <p:nvPr>
             <p:extLst>
               <p:ext uri="{D42A27DB-BD31-4B8C-83A1-F6EECF244321}">
-                <p14:modId xmlns:p14="http://schemas.microsoft.com/office/powerpoint/2010/main" val="3604647190"/>
+                <p14:modId xmlns:p14="http://schemas.microsoft.com/office/powerpoint/2010/main" val="3703617015"/>
               </p:ext>
             </p:extLst>
           </p:nvPr>
         </p:nvGraphicFramePr>
         <p:xfrm>
-          <a:off x="145668" y="7473158"/>
-          <a:ext cx="7409815" cy="2386721"/>
+          <a:off x="145668" y="7334451"/>
+          <a:ext cx="7409815" cy="2458258"/>
         </p:xfrm>
         <a:graphic>
           <a:graphicData uri="http://schemas.openxmlformats.org/drawingml/2006/table">
@@ -2530,21 +2508,21 @@
                 <a:tableStyleId>{2D5ABB26-0587-4C30-8999-92F81FD0307C}</a:tableStyleId>
               </a:tblPr>
               <a:tblGrid>
-                <a:gridCol w="4654932">
+                <a:gridCol w="4121532">
                   <a:extLst>
                     <a:ext uri="{9D8B030D-6E8A-4147-A177-3AD203B41FA5}">
                       <a16:colId xmlns:a16="http://schemas.microsoft.com/office/drawing/2014/main" val="20000"/>
                     </a:ext>
                   </a:extLst>
                 </a:gridCol>
-                <a:gridCol w="1371600">
+                <a:gridCol w="1718310">
                   <a:extLst>
                     <a:ext uri="{9D8B030D-6E8A-4147-A177-3AD203B41FA5}">
                       <a16:colId xmlns:a16="http://schemas.microsoft.com/office/drawing/2014/main" val="20001"/>
                     </a:ext>
                   </a:extLst>
                 </a:gridCol>
-                <a:gridCol w="1383283">
+                <a:gridCol w="1569973">
                   <a:extLst>
                     <a:ext uri="{9D8B030D-6E8A-4147-A177-3AD203B41FA5}">
                       <a16:colId xmlns:a16="http://schemas.microsoft.com/office/drawing/2014/main" val="20002"/>
@@ -2552,7 +2530,7 @@
                   </a:extLst>
                 </a:gridCol>
               </a:tblGrid>
-              <a:tr h="375442">
+              <a:tr h="258879">
                 <a:tc>
                   <a:txBody>
                     <a:bodyPr/>
@@ -2567,7 +2545,7 @@
                         </a:spcBef>
                       </a:pPr>
                       <a:r>
-                        <a:rPr lang="es-ES" sz="900">
+                        <a:rPr lang="es-ES" sz="900" dirty="0">
                           <a:solidFill>
                             <a:srgbClr val="020302"/>
                           </a:solidFill>
@@ -2578,7 +2556,7 @@
                       </a:r>
                     </a:p>
                   </a:txBody>
-                  <a:tcPr marL="0" marR="0" marT="5715" marB="0" anchor="ctr">
+                  <a:tcPr marL="0" marR="0" marT="0" marB="0" anchor="ctr">
                     <a:lnL w="6350">
                       <a:solidFill>
                         <a:srgbClr val="B7B8B8"/>
@@ -2613,27 +2591,37 @@
                     <a:bodyPr/>
                     <a:lstStyle/>
                     <a:p>
-                      <a:pPr marL="382905" algn="l">
+                      <a:pPr marL="2540" marR="0" lvl="0" indent="0" algn="ctr" defTabSz="914400" eaLnBrk="1" fontAlgn="auto" latinLnBrk="0" hangingPunct="1">
                         <a:lnSpc>
                           <a:spcPct val="100000"/>
                         </a:lnSpc>
                         <a:spcBef>
-                          <a:spcPts val="45"/>
+                          <a:spcPts val="60"/>
                         </a:spcBef>
+                        <a:spcAft>
+                          <a:spcPts val="0"/>
+                        </a:spcAft>
+                        <a:buClrTx/>
+                        <a:buSzTx/>
+                        <a:buFontTx/>
+                        <a:buNone/>
+                        <a:tabLst/>
+                        <a:defRPr/>
                       </a:pPr>
                       <a:r>
-                        <a:rPr lang="es-ES" sz="900">
+                        <a:rPr lang="es-ES" sz="900" dirty="0">
                           <a:solidFill>
-                            <a:srgbClr val="020302"/>
+                            <a:srgbClr val="404040"/>
                           </a:solidFill>
                           <a:latin typeface="Adobe Clean"/>
+                          <a:ea typeface="+mn-ea"/>
                           <a:cs typeface="Adobe Clean"/>
                         </a:rPr>
                         <a:t>Soporte Online</a:t>
                       </a:r>
                     </a:p>
                   </a:txBody>
-                  <a:tcPr marL="0" marR="0" marT="5715" marB="0" anchor="ctr">
+                  <a:tcPr marL="0" marR="0" marT="0" marB="0" anchor="ctr">
                     <a:lnL w="6350">
                       <a:solidFill>
                         <a:srgbClr val="B7B8B8"/>
@@ -2671,27 +2659,37 @@
                     <a:bodyPr/>
                     <a:lstStyle/>
                     <a:p>
-                      <a:pPr marL="263525" algn="l">
+                      <a:pPr marL="2540" marR="0" lvl="0" indent="0" algn="ctr" defTabSz="914400" eaLnBrk="1" fontAlgn="auto" latinLnBrk="0" hangingPunct="1">
                         <a:lnSpc>
                           <a:spcPct val="100000"/>
                         </a:lnSpc>
                         <a:spcBef>
-                          <a:spcPts val="65"/>
+                          <a:spcPts val="60"/>
                         </a:spcBef>
+                        <a:spcAft>
+                          <a:spcPts val="0"/>
+                        </a:spcAft>
+                        <a:buClrTx/>
+                        <a:buSzTx/>
+                        <a:buFontTx/>
+                        <a:buNone/>
+                        <a:tabLst/>
+                        <a:defRPr/>
                       </a:pPr>
                       <a:r>
-                        <a:rPr lang="es-ES" sz="900">
+                        <a:rPr lang="es-ES" sz="900" dirty="0">
                           <a:solidFill>
                             <a:srgbClr val="FFFFFF"/>
                           </a:solidFill>
                           <a:latin typeface="Adobe Clean"/>
+                          <a:ea typeface="+mn-ea"/>
                           <a:cs typeface="Adobe Clean"/>
                         </a:rPr>
                         <a:t>Soporte Elite</a:t>
                       </a:r>
                     </a:p>
                   </a:txBody>
-                  <a:tcPr marL="0" marR="0" marT="8255" marB="0" anchor="ctr">
+                  <a:tcPr marL="0" marR="0" marT="0" marB="0" anchor="ctr">
                     <a:lnL w="6350">
                       <a:solidFill>
                         <a:srgbClr val="B7B8B8"/>
@@ -2730,7 +2728,7 @@
                   </a:ext>
                 </a:extLst>
               </a:tr>
-              <a:tr h="511415">
+              <a:tr h="615555">
                 <a:tc>
                   <a:txBody>
                     <a:bodyPr/>
@@ -2771,24 +2769,7 @@
                           </a:solidFill>
                           <a:latin typeface="Adobe Clean Light" panose="020B0303020404020204" pitchFamily="34" charset="0"/>
                         </a:rPr>
-                        <a:t>Las funciones empresariales de producción del cliente no están activadas o pierden datos </a:t>
-                      </a:r>
-                      <a:br>
-                        <a:rPr lang="sk-SK" sz="900" b="0" i="0" u="none" strike="noStrike" dirty="0">
-                          <a:solidFill>
-                            <a:srgbClr val="000000"/>
-                          </a:solidFill>
-                          <a:latin typeface="Adobe Clean Light" panose="020B0303020404020204" pitchFamily="34" charset="0"/>
-                        </a:rPr>
-                      </a:br>
-                      <a:r>
-                        <a:rPr lang="es-ES" sz="900" b="0" i="0" u="none" strike="noStrike" dirty="0">
-                          <a:solidFill>
-                            <a:srgbClr val="000000"/>
-                          </a:solidFill>
-                          <a:latin typeface="Adobe Clean Light" panose="020B0303020404020204" pitchFamily="34" charset="0"/>
-                        </a:rPr>
-                        <a:t>o presentan una degradación del servicio significativa, por lo que se requiere atención inmediata para restaurar la funcionalidad y facilidad de uso.</a:t>
+                        <a:t>Las funciones empresariales de producción del cliente no están activadas o pierden datos o presentan una degradación del servicio significativa, por lo que se requiere atención inmediata para restaurar la funcionalidad y facilidad de uso.</a:t>
                       </a:r>
                     </a:p>
                   </a:txBody>
@@ -2833,33 +2814,14 @@
                         </a:lnSpc>
                       </a:pPr>
                       <a:r>
-                        <a:rPr lang="es-ES" sz="900" dirty="0">
+                        <a:rPr lang="es-ES" sz="900" spc="-20" baseline="0" dirty="0">
                           <a:solidFill>
                             <a:srgbClr val="020302"/>
                           </a:solidFill>
                           <a:latin typeface="AdobeClean-Light"/>
                           <a:cs typeface="AdobeClean-Light"/>
                         </a:rPr>
-                        <a:t>24x7 /</a:t>
-                      </a:r>
-                      <a:br>
-                        <a:rPr lang="sk-SK" sz="900" dirty="0">
-                          <a:solidFill>
-                            <a:srgbClr val="020302"/>
-                          </a:solidFill>
-                          <a:latin typeface="AdobeClean-Light"/>
-                          <a:cs typeface="AdobeClean-Light"/>
-                        </a:rPr>
-                      </a:br>
-                      <a:r>
-                        <a:rPr lang="es-ES" sz="900" dirty="0">
-                          <a:solidFill>
-                            <a:srgbClr val="020302"/>
-                          </a:solidFill>
-                          <a:latin typeface="AdobeClean-Light"/>
-                          <a:cs typeface="AdobeClean-Light"/>
-                        </a:rPr>
-                        <a:t>1 hora</a:t>
+                        <a:t>24x7 / 1 hora</a:t>
                       </a:r>
                     </a:p>
                   </a:txBody>
@@ -2898,24 +2860,24 @@
                     <a:bodyPr/>
                     <a:lstStyle/>
                     <a:p>
-                      <a:pPr marL="405130" marR="459740" indent="92710" algn="ctr">
+                      <a:pPr marL="0" marR="459740" indent="0" algn="r">
                         <a:lnSpc>
                           <a:spcPct val="100000"/>
                         </a:lnSpc>
                       </a:pPr>
                       <a:r>
-                        <a:rPr lang="es-ES" sz="900">
+                        <a:rPr lang="es-ES" sz="900" spc="-20" baseline="0" dirty="0">
                           <a:solidFill>
                             <a:srgbClr val="020302"/>
                           </a:solidFill>
                           <a:latin typeface="AdobeClean-Light"/>
                           <a:cs typeface="AdobeClean-Light"/>
                         </a:rPr>
-                        <a:t>24x7 /   15 minutos</a:t>
+                        <a:t>24x7 / 15 minutos</a:t>
                       </a:r>
                     </a:p>
                   </a:txBody>
-                  <a:tcPr marL="0" marR="0" marT="2540" marB="0" anchor="ctr">
+                  <a:tcPr marL="0" marR="0" marT="0" marB="0" anchor="ctr">
                     <a:lnL w="6350" cap="flat" cmpd="sng" algn="ctr">
                       <a:solidFill>
                         <a:srgbClr val="B7B8B8"/>
@@ -2959,7 +2921,7 @@
                   </a:ext>
                 </a:extLst>
               </a:tr>
-              <a:tr h="511415">
+              <a:tr h="588010">
                 <a:tc>
                   <a:txBody>
                     <a:bodyPr/>
@@ -2992,6 +2954,7 @@
                         <a:spcBef>
                           <a:spcPts val="405"/>
                         </a:spcBef>
+                        <a:tabLst/>
                       </a:pPr>
                       <a:r>
                         <a:rPr lang="es-ES" sz="900" b="0" i="0" u="none" strike="noStrike" dirty="0">
@@ -3000,7 +2963,25 @@
                           </a:solidFill>
                           <a:latin typeface="Adobe Clean Light" panose="020B0303020404020204" pitchFamily="34" charset="0"/>
                         </a:rPr>
-                        <a:t>Las funciones empresariales del cliente presentan una importante degradación del servicio o hay una posible pérdida de datos, o una función clave se está viendo afectada.</a:t>
+                        <a:t>Las funciones empresariales del cliente presentan una importante degradación </a:t>
+                      </a:r>
+                      <a:r>
+                        <a:rPr lang="es-ES" sz="900" b="0" i="0" u="none" strike="noStrike" dirty="0" err="1">
+                          <a:solidFill>
+                            <a:srgbClr val="000000"/>
+                          </a:solidFill>
+                          <a:latin typeface="Adobe Clean Light" panose="020B0303020404020204" pitchFamily="34" charset="0"/>
+                        </a:rPr>
+                        <a:t>delservicio</a:t>
+                      </a:r>
+                      <a:r>
+                        <a:rPr lang="es-ES" sz="900" b="0" i="0" u="none" strike="noStrike" dirty="0">
+                          <a:solidFill>
+                            <a:srgbClr val="000000"/>
+                          </a:solidFill>
+                          <a:latin typeface="Adobe Clean Light" panose="020B0303020404020204" pitchFamily="34" charset="0"/>
+                        </a:rPr>
+                        <a:t> o hay una posible pérdida de datos, o una función clave se está viendo afectada.</a:t>
                       </a:r>
                     </a:p>
                   </a:txBody>
@@ -3039,59 +3020,20 @@
                     <a:bodyPr/>
                     <a:lstStyle/>
                     <a:p>
-                      <a:pPr marL="174625" marR="343535" indent="-60325" algn="ctr">
+                      <a:pPr marL="0" marR="343535" indent="0" algn="r">
                         <a:lnSpc>
                           <a:spcPct val="102200"/>
                         </a:lnSpc>
                       </a:pPr>
                       <a:r>
-                        <a:rPr lang="es-ES" sz="900" dirty="0">
+                        <a:rPr lang="es-ES" sz="900" spc="-20" baseline="0" dirty="0">
                           <a:solidFill>
                             <a:srgbClr val="020302"/>
                           </a:solidFill>
                           <a:latin typeface="AdobeClean-Light"/>
                           <a:cs typeface="AdobeClean-Light"/>
                         </a:rPr>
-                        <a:t>Horario de trabajo</a:t>
-                      </a:r>
-                      <a:r>
-                        <a:rPr lang="sk-SK" sz="900" dirty="0">
-                          <a:solidFill>
-                            <a:srgbClr val="020302"/>
-                          </a:solidFill>
-                          <a:latin typeface="AdobeClean-Light"/>
-                          <a:cs typeface="AdobeClean-Light"/>
-                        </a:rPr>
-                        <a:t> </a:t>
-                      </a:r>
-                      <a:r>
-                        <a:rPr lang="es-ES" sz="900" dirty="0">
-                          <a:solidFill>
-                            <a:srgbClr val="020302"/>
-                          </a:solidFill>
-                          <a:latin typeface="AdobeClean-Light"/>
-                          <a:cs typeface="AdobeClean-Light"/>
-                        </a:rPr>
-                        <a:t>/ </a:t>
-                      </a:r>
-                      <a:br>
-                        <a:rPr lang="sk-SK" sz="900" dirty="0">
-                          <a:solidFill>
-                            <a:srgbClr val="020302"/>
-                          </a:solidFill>
-                          <a:latin typeface="AdobeClean-Light"/>
-                          <a:cs typeface="AdobeClean-Light"/>
-                        </a:rPr>
-                      </a:br>
-                      <a:r>
-                        <a:rPr lang="es-ES" sz="900" dirty="0">
-                          <a:solidFill>
-                            <a:srgbClr val="020302"/>
-                          </a:solidFill>
-                          <a:latin typeface="AdobeClean-Light"/>
-                          <a:cs typeface="AdobeClean-Light"/>
-                        </a:rPr>
-                        <a:t>4 horas</a:t>
+                        <a:t>Horario de trabajo / 4 horas</a:t>
                       </a:r>
                     </a:p>
                   </a:txBody>
@@ -3127,24 +3069,24 @@
                     <a:bodyPr/>
                     <a:lstStyle/>
                     <a:p>
-                      <a:pPr marL="351790" marR="481330" indent="144145" algn="ctr">
+                      <a:pPr marL="0" marR="481330" indent="0" algn="r">
                         <a:lnSpc>
                           <a:spcPct val="102299"/>
                         </a:lnSpc>
                       </a:pPr>
                       <a:r>
-                        <a:rPr lang="es-ES" sz="900">
+                        <a:rPr lang="es-ES" sz="900" spc="-20" baseline="0" dirty="0">
                           <a:solidFill>
                             <a:srgbClr val="020302"/>
                           </a:solidFill>
                           <a:latin typeface="AdobeClean-Light"/>
                           <a:cs typeface="AdobeClean-Light"/>
                         </a:rPr>
-                        <a:t>24x5 /  30 minutos</a:t>
+                        <a:t>24x5 / 30 minutos</a:t>
                       </a:r>
                     </a:p>
                   </a:txBody>
-                  <a:tcPr marL="0" marR="0" marT="5080" marB="0" anchor="ctr">
+                  <a:tcPr marL="0" marR="0" marT="0" marB="0" anchor="ctr">
                     <a:lnL w="6350" cap="flat" cmpd="sng" algn="ctr">
                       <a:solidFill>
                         <a:srgbClr val="B7B8B8"/>
@@ -3185,7 +3127,7 @@
                   </a:ext>
                 </a:extLst>
               </a:tr>
-              <a:tr h="394800">
+              <a:tr h="646570">
                 <a:tc>
                   <a:txBody>
                     <a:bodyPr/>
@@ -3226,24 +3168,7 @@
                           </a:solidFill>
                           <a:latin typeface="Adobe Clean Light" panose="020B0303020404020204" pitchFamily="34" charset="0"/>
                         </a:rPr>
-                        <a:t>Las funciones empresariales del cliente presentan una menor degradación del servicio, </a:t>
-                      </a:r>
-                      <a:br>
-                        <a:rPr lang="sk-SK" sz="900" b="0" i="0" u="none" strike="noStrike" dirty="0">
-                          <a:solidFill>
-                            <a:srgbClr val="000000"/>
-                          </a:solidFill>
-                          <a:latin typeface="Adobe Clean Light" panose="020B0303020404020204" pitchFamily="34" charset="0"/>
-                        </a:rPr>
-                      </a:br>
-                      <a:r>
-                        <a:rPr lang="es-ES" sz="900" b="0" i="0" u="none" strike="noStrike" dirty="0">
-                          <a:solidFill>
-                            <a:srgbClr val="000000"/>
-                          </a:solidFill>
-                          <a:latin typeface="Adobe Clean Light" panose="020B0303020404020204" pitchFamily="34" charset="0"/>
-                        </a:rPr>
-                        <a:t>o ninguna degradación en absoluto, pero existe una solución que permite que las funciones empresariales sigan funcionando como de normal.</a:t>
+                        <a:t>Las funciones empresariales del cliente presentan una menor degradación del servicio, o ninguna degradación en absoluto, pero existe una solución que permite que las funciones empresariales sigan funcionando con normalidad.</a:t>
                       </a:r>
                     </a:p>
                   </a:txBody>
@@ -3282,59 +3207,23 @@
                     <a:bodyPr/>
                     <a:lstStyle/>
                     <a:p>
-                      <a:pPr marL="174625" marR="343535" indent="-60325" algn="ctr">
+                      <a:pPr marL="0" marR="343535" indent="0" algn="r">
                         <a:lnSpc>
                           <a:spcPct val="102200"/>
                         </a:lnSpc>
+                        <a:tabLst>
+                          <a:tab pos="1714500" algn="l"/>
+                        </a:tabLst>
                       </a:pPr>
                       <a:r>
-                        <a:rPr lang="es-ES" sz="900" dirty="0">
+                        <a:rPr lang="es-ES" sz="900" spc="-20" baseline="0" dirty="0">
                           <a:solidFill>
                             <a:srgbClr val="020302"/>
                           </a:solidFill>
                           <a:latin typeface="AdobeClean-Light"/>
                           <a:cs typeface="AdobeClean-Light"/>
                         </a:rPr>
-                        <a:t>Horario de trabajo</a:t>
-                      </a:r>
-                      <a:r>
-                        <a:rPr lang="sk-SK" sz="900" dirty="0">
-                          <a:solidFill>
-                            <a:srgbClr val="020302"/>
-                          </a:solidFill>
-                          <a:latin typeface="AdobeClean-Light"/>
-                          <a:cs typeface="AdobeClean-Light"/>
-                        </a:rPr>
-                        <a:t> </a:t>
-                      </a:r>
-                      <a:r>
-                        <a:rPr lang="es-ES" sz="900" dirty="0">
-                          <a:solidFill>
-                            <a:srgbClr val="020302"/>
-                          </a:solidFill>
-                          <a:latin typeface="AdobeClean-Light"/>
-                          <a:cs typeface="AdobeClean-Light"/>
-                        </a:rPr>
-                        <a:t>/ </a:t>
-                      </a:r>
-                      <a:br>
-                        <a:rPr lang="sk-SK" sz="900" dirty="0">
-                          <a:solidFill>
-                            <a:srgbClr val="020302"/>
-                          </a:solidFill>
-                          <a:latin typeface="AdobeClean-Light"/>
-                          <a:cs typeface="AdobeClean-Light"/>
-                        </a:rPr>
-                      </a:br>
-                      <a:r>
-                        <a:rPr lang="es-ES" sz="900" dirty="0">
-                          <a:solidFill>
-                            <a:srgbClr val="020302"/>
-                          </a:solidFill>
-                          <a:latin typeface="AdobeClean-Light"/>
-                          <a:cs typeface="AdobeClean-Light"/>
-                        </a:rPr>
-                        <a:t>6 horas</a:t>
+                        <a:t>Horario de trabajo / 6 horas</a:t>
                       </a:r>
                     </a:p>
                   </a:txBody>
@@ -3370,13 +3259,13 @@
                     <a:bodyPr/>
                     <a:lstStyle/>
                     <a:p>
-                      <a:pPr marL="508000" marR="531495" indent="1270" algn="ctr">
+                      <a:pPr marL="0" marR="531495" indent="0" algn="r">
                         <a:lnSpc>
                           <a:spcPct val="102200"/>
                         </a:lnSpc>
                       </a:pPr>
                       <a:r>
-                        <a:rPr lang="es-ES" sz="900" dirty="0">
+                        <a:rPr lang="es-ES" sz="900" spc="-20" baseline="0" dirty="0">
                           <a:solidFill>
                             <a:srgbClr val="020302"/>
                           </a:solidFill>
@@ -3387,7 +3276,7 @@
                         <a:t>2</a:t>
                       </a:r>
                       <a:r>
-                        <a:rPr lang="es-ES" sz="900" dirty="0">
+                        <a:rPr lang="es-ES" sz="900" spc="-20" baseline="0" dirty="0">
                           <a:solidFill>
                             <a:srgbClr val="020302"/>
                           </a:solidFill>
@@ -3395,33 +3284,11 @@
                           <a:ea typeface="+mn-ea"/>
                           <a:cs typeface="AdobeClean-Light"/>
                         </a:rPr>
-                        <a:t>4x5</a:t>
-                      </a:r>
-                      <a:r>
-                        <a:rPr lang="sk-SK" sz="900" dirty="0">
-                          <a:solidFill>
-                            <a:srgbClr val="020302"/>
-                          </a:solidFill>
-                          <a:latin typeface="AdobeClean-Light"/>
-                          <a:ea typeface="+mn-ea"/>
-                          <a:cs typeface="AdobeClean-Light"/>
-                        </a:rPr>
-                        <a:t> </a:t>
-                      </a:r>
-                      <a:r>
-                        <a:rPr lang="es-ES" sz="900" dirty="0">
-                          <a:solidFill>
-                            <a:srgbClr val="020302"/>
-                          </a:solidFill>
-                          <a:latin typeface="AdobeClean-Light"/>
-                          <a:ea typeface="+mn-ea"/>
-                          <a:cs typeface="AdobeClean-Light"/>
-                        </a:rPr>
-                        <a:t>/   1 hora</a:t>
+                        <a:t>4x5 /  1 hora</a:t>
                       </a:r>
                     </a:p>
                   </a:txBody>
-                  <a:tcPr marL="0" marR="0" marT="6985" marB="0" anchor="ctr">
+                  <a:tcPr marL="0" marR="0" marT="0" marB="0" anchor="ctr">
                     <a:lnL w="6350" cap="flat" cmpd="sng" algn="ctr">
                       <a:solidFill>
                         <a:srgbClr val="B7B8B8"/>
@@ -3542,60 +3409,20 @@
                     <a:bodyPr/>
                     <a:lstStyle/>
                     <a:p>
-                      <a:pPr marL="288925" marR="343535" indent="-60325" algn="ctr">
+                      <a:pPr marL="473709" marR="343535" indent="-175895" algn="ctr">
                         <a:lnSpc>
                           <a:spcPct val="102200"/>
                         </a:lnSpc>
                       </a:pPr>
                       <a:r>
-                        <a:rPr lang="es-ES" sz="900" dirty="0">
+                        <a:rPr lang="es-ES" sz="900" spc="-20" baseline="0" dirty="0">
                           <a:solidFill>
                             <a:srgbClr val="020302"/>
                           </a:solidFill>
                           <a:latin typeface="AdobeClean-Light"/>
                           <a:cs typeface="AdobeClean-Light"/>
                         </a:rPr>
-                        <a:t>Días laborables</a:t>
-                      </a:r>
-                      <a:r>
-                        <a:rPr lang="sk-SK" sz="900" dirty="0">
-                          <a:solidFill>
-                            <a:srgbClr val="020302"/>
-                          </a:solidFill>
-                          <a:latin typeface="AdobeClean-Light"/>
-                          <a:cs typeface="AdobeClean-Light"/>
-                        </a:rPr>
-                        <a:t> </a:t>
-                      </a:r>
-                      <a:r>
-                        <a:rPr lang="es-ES" sz="900" dirty="0">
-                          <a:solidFill>
-                            <a:srgbClr val="020302"/>
-                          </a:solidFill>
-                          <a:latin typeface="AdobeClean-Light"/>
-                          <a:cs typeface="AdobeClean-Light"/>
-                        </a:rPr>
-                        <a:t>/</a:t>
-                      </a:r>
-                      <a:r>
-                        <a:rPr lang="sk-SK" sz="900" dirty="0">
-                          <a:solidFill>
-                            <a:srgbClr val="020302"/>
-                          </a:solidFill>
-                          <a:latin typeface="AdobeClean-Light"/>
-                          <a:cs typeface="AdobeClean-Light"/>
-                        </a:rPr>
-                        <a:t> </a:t>
-                      </a:r>
-                      <a:r>
-                        <a:rPr lang="es-ES" sz="900" dirty="0">
-                          <a:solidFill>
-                            <a:srgbClr val="020302"/>
-                          </a:solidFill>
-                          <a:latin typeface="AdobeClean-Light"/>
-                          <a:cs typeface="AdobeClean-Light"/>
-                        </a:rPr>
-                        <a:t>3 días</a:t>
+                        <a:t>Días laborables / 3 días</a:t>
                       </a:r>
                     </a:p>
                   </a:txBody>
@@ -3637,18 +3464,18 @@
                         </a:lnSpc>
                       </a:pPr>
                       <a:r>
-                        <a:rPr lang="es-ES" sz="900" dirty="0">
+                        <a:rPr lang="es-ES" sz="900" spc="-20" baseline="0" dirty="0">
                           <a:solidFill>
                             <a:srgbClr val="020302"/>
                           </a:solidFill>
                           <a:latin typeface="AdobeClean-Light"/>
                           <a:cs typeface="AdobeClean-Light"/>
                         </a:rPr>
-                        <a:t>Días laborables /      1 día</a:t>
+                        <a:t>Días laborables / 1 día</a:t>
                       </a:r>
                     </a:p>
                   </a:txBody>
-                  <a:tcPr marL="0" marR="0" marT="27940" marB="0" anchor="ctr">
+                  <a:tcPr marL="0" marR="0" marT="0" marB="0" anchor="ctr">
                     <a:lnL w="6350" cap="flat" cmpd="sng" algn="ctr">
                       <a:solidFill>
                         <a:srgbClr val="B7B8B8"/>
@@ -3724,7 +3551,7 @@
         <p:spPr>
           <a:xfrm>
             <a:off x="97786" y="9888626"/>
-            <a:ext cx="2950213" cy="133370"/>
+            <a:ext cx="2938783" cy="133370"/>
           </a:xfrm>
           <a:prstGeom prst="rect">
             <a:avLst/>
@@ -3851,7 +3678,7 @@
         </p:nvSpPr>
         <p:spPr>
           <a:xfrm>
-            <a:off x="387610" y="421174"/>
+            <a:off x="387610" y="364024"/>
             <a:ext cx="2156171" cy="200055"/>
           </a:xfrm>
           <a:prstGeom prst="rect">
@@ -3866,12 +3693,28 @@
           <a:lstStyle/>
           <a:p>
             <a:r>
-              <a:rPr lang="es-ES" sz="700" i="1">
+              <a:rPr lang="es-ES" sz="700" i="1" dirty="0">
                 <a:solidFill>
                   <a:schemeClr val="bg1"/>
                 </a:solidFill>
               </a:rPr>
-              <a:t>Adobe Experience Cloud</a:t>
+              <a:t>Adobe </a:t>
+            </a:r>
+            <a:r>
+              <a:rPr lang="es-ES" sz="700" i="1" dirty="0" err="1">
+                <a:solidFill>
+                  <a:schemeClr val="bg1"/>
+                </a:solidFill>
+              </a:rPr>
+              <a:t>Experience</a:t>
+            </a:r>
+            <a:r>
+              <a:rPr lang="es-ES" sz="700" i="1" dirty="0">
+                <a:solidFill>
+                  <a:schemeClr val="bg1"/>
+                </a:solidFill>
+              </a:rPr>
+              <a:t> Cloud</a:t>
             </a:r>
           </a:p>
         </p:txBody>
@@ -3891,14 +3734,14 @@
           <p:nvPr>
             <p:extLst>
               <p:ext uri="{D42A27DB-BD31-4B8C-83A1-F6EECF244321}">
-                <p14:modId xmlns:p14="http://schemas.microsoft.com/office/powerpoint/2010/main" val="1959389403"/>
+                <p14:modId xmlns:p14="http://schemas.microsoft.com/office/powerpoint/2010/main" val="1509204548"/>
               </p:ext>
             </p:extLst>
           </p:nvPr>
         </p:nvGraphicFramePr>
         <p:xfrm>
           <a:off x="273550" y="2258474"/>
-          <a:ext cx="7281935" cy="4738570"/>
+          <a:ext cx="7281935" cy="4724093"/>
         </p:xfrm>
         <a:graphic>
           <a:graphicData uri="http://schemas.openxmlformats.org/drawingml/2006/table">
@@ -3936,13 +3779,13 @@
                   </a:extLst>
                 </a:gridCol>
               </a:tblGrid>
-              <a:tr h="360217">
+              <a:tr h="315353">
                 <a:tc gridSpan="2">
                   <a:txBody>
                     <a:bodyPr/>
                     <a:lstStyle/>
                     <a:p>
-                      <a:endParaRPr lang="en-US" dirty="0"/>
+                      <a:endParaRPr lang="en-US"/>
                     </a:p>
                   </a:txBody>
                   <a:tcPr/>
@@ -3980,7 +3823,7 @@
                         <a:defRPr/>
                       </a:pPr>
                       <a:r>
-                        <a:rPr lang="es-ES" sz="900">
+                        <a:rPr lang="es-ES" sz="900" dirty="0">
                           <a:solidFill>
                             <a:srgbClr val="404040"/>
                           </a:solidFill>
@@ -4029,7 +3872,7 @@
                         </a:spcBef>
                       </a:pPr>
                       <a:r>
-                        <a:rPr lang="es-ES" sz="900">
+                        <a:rPr lang="es-ES" sz="900" dirty="0">
                           <a:solidFill>
                             <a:srgbClr val="FFFFFF"/>
                           </a:solidFill>
@@ -4082,10 +3925,10 @@
                     <a:bodyPr/>
                     <a:lstStyle/>
                     <a:p>
-                      <a:endParaRPr lang="en-US" dirty="0"/>
+                      <a:endParaRPr lang="en-US"/>
                     </a:p>
                   </a:txBody>
-                  <a:tcPr/>
+                  <a:tcPr marL="0" marR="0" marT="0" marB="0"/>
                 </a:tc>
                 <a:tc hMerge="1">
                   <a:txBody>
@@ -4127,7 +3970,7 @@
                       </a:endParaRPr>
                     </a:p>
                   </a:txBody>
-                  <a:tcPr anchor="ctr">
+                  <a:tcPr marL="0" marR="0" marT="0" marB="0" anchor="ctr">
                     <a:lnR w="3175" cap="flat" cmpd="sng" algn="ctr">
                       <a:solidFill>
                         <a:srgbClr val="B7B8B8"/>
@@ -4183,7 +4026,7 @@
                         <a:defRPr/>
                       </a:pPr>
                       <a:r>
-                        <a:rPr lang="es-ES" sz="800" i="1">
+                        <a:rPr lang="es-ES" sz="800" i="1" dirty="0">
                           <a:solidFill>
                             <a:schemeClr val="bg1"/>
                           </a:solidFill>
@@ -4193,7 +4036,7 @@
                       </a:r>
                     </a:p>
                   </a:txBody>
-                  <a:tcPr anchor="ctr">
+                  <a:tcPr marL="0" marR="0" marT="0" marB="0" anchor="ctr">
                     <a:lnL w="3175" cap="flat" cmpd="sng" algn="ctr">
                       <a:solidFill>
                         <a:srgbClr val="B7B8B8"/>
@@ -4359,7 +4202,7 @@
                           <a:spcPts val="470"/>
                         </a:spcBef>
                       </a:pPr>
-                      <a:endParaRPr sz="900" dirty="0">
+                      <a:endParaRPr sz="900">
                         <a:latin typeface="Wingdings"/>
                         <a:cs typeface="Wingdings"/>
                       </a:endParaRPr>
@@ -4400,7 +4243,7 @@
                           <a:spcPts val="470"/>
                         </a:spcBef>
                       </a:pPr>
-                      <a:endParaRPr sz="900" dirty="0">
+                      <a:endParaRPr sz="900">
                         <a:latin typeface="Wingdings"/>
                         <a:cs typeface="Wingdings"/>
                       </a:endParaRPr>
@@ -4443,7 +4286,7 @@
                           <a:spcPts val="459"/>
                         </a:spcBef>
                       </a:pPr>
-                      <a:endParaRPr sz="900" dirty="0">
+                      <a:endParaRPr sz="900">
                         <a:latin typeface="AdobeClean-Light"/>
                         <a:cs typeface="AdobeClean-Light"/>
                       </a:endParaRPr>
@@ -4517,7 +4360,7 @@
                           <a:spcPct val="100000"/>
                         </a:lnSpc>
                       </a:pPr>
-                      <a:endParaRPr sz="900" dirty="0">
+                      <a:endParaRPr sz="900">
                         <a:latin typeface="Times New Roman"/>
                         <a:cs typeface="Times New Roman"/>
                       </a:endParaRPr>
@@ -4598,7 +4441,7 @@
                           <a:spcPts val="500"/>
                         </a:spcBef>
                       </a:pPr>
-                      <a:endParaRPr sz="900" dirty="0">
+                      <a:endParaRPr sz="900">
                         <a:latin typeface="AdobeClean-Light"/>
                         <a:cs typeface="AdobeClean-Light"/>
                       </a:endParaRPr>
@@ -4690,7 +4533,7 @@
                           <a:spcPct val="100000"/>
                         </a:lnSpc>
                       </a:pPr>
-                      <a:endParaRPr sz="900" dirty="0">
+                      <a:endParaRPr sz="900">
                         <a:latin typeface="Times New Roman"/>
                         <a:cs typeface="Times New Roman"/>
                       </a:endParaRPr>
@@ -4995,7 +4838,7 @@
                           <a:spcPts val="455"/>
                         </a:spcBef>
                       </a:pPr>
-                      <a:endParaRPr sz="900" dirty="0">
+                      <a:endParaRPr sz="900">
                         <a:latin typeface="AdobeClean-Light"/>
                         <a:cs typeface="AdobeClean-Light"/>
                       </a:endParaRPr>
@@ -5153,7 +4996,7 @@
                           <a:spcPts val="455"/>
                         </a:spcBef>
                       </a:pPr>
-                      <a:endParaRPr sz="900" dirty="0">
+                      <a:endParaRPr sz="900">
                         <a:latin typeface="AdobeClean-Light"/>
                         <a:cs typeface="AdobeClean-Light"/>
                       </a:endParaRPr>
@@ -5203,7 +5046,7 @@
                         </a:spcBef>
                       </a:pPr>
                       <a:r>
-                        <a:rPr lang="es-ES" sz="900">
+                        <a:rPr lang="es-ES" sz="900" dirty="0">
                           <a:solidFill>
                             <a:srgbClr val="020302"/>
                           </a:solidFill>
@@ -5326,7 +5169,7 @@
                           <a:spcPts val="455"/>
                         </a:spcBef>
                       </a:pPr>
-                      <a:endParaRPr sz="900" dirty="0">
+                      <a:endParaRPr sz="900">
                         <a:latin typeface="AdobeClean-Light"/>
                         <a:cs typeface="AdobeClean-Light"/>
                       </a:endParaRPr>
@@ -5406,7 +5249,7 @@
                           <a:spcPts val="464"/>
                         </a:spcBef>
                       </a:pPr>
-                      <a:endParaRPr sz="900" dirty="0">
+                      <a:endParaRPr sz="900">
                         <a:latin typeface="Wingdings"/>
                         <a:cs typeface="Wingdings"/>
                       </a:endParaRPr>
@@ -5478,7 +5321,7 @@
                           <a:spcPts val="459"/>
                         </a:spcBef>
                       </a:pPr>
-                      <a:endParaRPr sz="900" dirty="0">
+                      <a:endParaRPr sz="900">
                         <a:latin typeface="AdobeClean-Light"/>
                         <a:cs typeface="AdobeClean-Light"/>
                       </a:endParaRPr>
@@ -5558,7 +5401,7 @@
                           <a:spcPts val="470"/>
                         </a:spcBef>
                       </a:pPr>
-                      <a:endParaRPr sz="900" dirty="0">
+                      <a:endParaRPr sz="900">
                         <a:latin typeface="Wingdings"/>
                         <a:cs typeface="Wingdings"/>
                       </a:endParaRPr>
@@ -5630,7 +5473,7 @@
                           <a:spcPts val="450"/>
                         </a:spcBef>
                       </a:pPr>
-                      <a:endParaRPr sz="900" dirty="0">
+                      <a:endParaRPr sz="900">
                         <a:latin typeface="AdobeClean-Light"/>
                         <a:cs typeface="AdobeClean-Light"/>
                       </a:endParaRPr>
@@ -5707,7 +5550,7 @@
                           <a:spcPct val="100000"/>
                         </a:lnSpc>
                       </a:pPr>
-                      <a:endParaRPr sz="900" dirty="0">
+                      <a:endParaRPr sz="900">
                         <a:latin typeface="Times New Roman"/>
                         <a:cs typeface="Times New Roman"/>
                       </a:endParaRPr>
@@ -5823,7 +5666,7 @@
                           <a:spcPct val="100000"/>
                         </a:lnSpc>
                       </a:pPr>
-                      <a:endParaRPr sz="900" dirty="0">
+                      <a:endParaRPr sz="900">
                         <a:latin typeface="Times New Roman"/>
                         <a:cs typeface="Times New Roman"/>
                       </a:endParaRPr>
@@ -5939,7 +5782,7 @@
                           <a:spcPct val="100000"/>
                         </a:lnSpc>
                       </a:pPr>
-                      <a:endParaRPr sz="900" dirty="0">
+                      <a:endParaRPr sz="900">
                         <a:latin typeface="Times New Roman"/>
                         <a:cs typeface="Times New Roman"/>
                       </a:endParaRPr>
@@ -6020,7 +5863,7 @@
                           <a:spcPts val="459"/>
                         </a:spcBef>
                       </a:pPr>
-                      <a:endParaRPr sz="900" dirty="0">
+                      <a:endParaRPr sz="900">
                         <a:latin typeface="AdobeClean-Light"/>
                         <a:cs typeface="AdobeClean-Light"/>
                       </a:endParaRPr>
@@ -6070,7 +5913,7 @@
                         </a:spcBef>
                       </a:pPr>
                       <a:r>
-                        <a:rPr lang="es-ES" sz="900" dirty="0">
+                        <a:rPr lang="es-ES" sz="900">
                           <a:solidFill>
                             <a:srgbClr val="020302"/>
                           </a:solidFill>
@@ -6112,7 +5955,7 @@
                           <a:spcPct val="100000"/>
                         </a:lnSpc>
                       </a:pPr>
-                      <a:endParaRPr sz="900" dirty="0">
+                      <a:endParaRPr sz="900">
                         <a:latin typeface="Times New Roman"/>
                         <a:cs typeface="Times New Roman"/>
                       </a:endParaRPr>
@@ -6193,7 +6036,7 @@
                           <a:spcPts val="465"/>
                         </a:spcBef>
                       </a:pPr>
-                      <a:endParaRPr sz="900" dirty="0">
+                      <a:endParaRPr sz="900">
                         <a:latin typeface="AdobeClean-Light"/>
                         <a:cs typeface="AdobeClean-Light"/>
                       </a:endParaRPr>
@@ -6270,7 +6113,7 @@
                           <a:spcPct val="100000"/>
                         </a:lnSpc>
                       </a:pPr>
-                      <a:endParaRPr sz="900" dirty="0">
+                      <a:endParaRPr sz="900">
                         <a:latin typeface="Times New Roman"/>
                         <a:cs typeface="Times New Roman"/>
                       </a:endParaRPr>
@@ -6351,7 +6194,7 @@
                           <a:spcPts val="500"/>
                         </a:spcBef>
                       </a:pPr>
-                      <a:endParaRPr sz="900" dirty="0">
+                      <a:endParaRPr sz="900">
                         <a:latin typeface="AdobeClean-Light"/>
                         <a:cs typeface="AdobeClean-Light"/>
                       </a:endParaRPr>
@@ -6392,14 +6235,33 @@
                         </a:spcBef>
                       </a:pPr>
                       <a:r>
-                        <a:rPr lang="es-ES" sz="850" spc="-40" baseline="0" dirty="0">
+                        <a:rPr lang="es-ES" sz="900" dirty="0">
                           <a:solidFill>
                             <a:srgbClr val="020302"/>
                           </a:solidFill>
                           <a:latin typeface="AdobeClean-Light"/>
                           <a:cs typeface="AdobeClean-Light"/>
                         </a:rPr>
-                        <a:t>Lanzamiento, migración, actualización y revisión de la hoja de ruta del producto</a:t>
+                        <a:t>Lanzamiento, migración, actualización y revisión </a:t>
+                      </a:r>
+                      <a:br>
+                        <a:rPr lang="es-ES" sz="900" dirty="0">
+                          <a:solidFill>
+                            <a:srgbClr val="020302"/>
+                          </a:solidFill>
+                          <a:latin typeface="AdobeClean-Light"/>
+                          <a:cs typeface="AdobeClean-Light"/>
+                        </a:rPr>
+                      </a:br>
+                      <a:r>
+                        <a:rPr lang="es-ES" sz="900" dirty="0">
+                          <a:solidFill>
+                            <a:srgbClr val="020302"/>
+                          </a:solidFill>
+                          <a:latin typeface="AdobeClean-Light"/>
+                          <a:cs typeface="AdobeClean-Light"/>
+                        </a:rPr>
+                        <a:t>de la hoja de ruta del producto</a:t>
                       </a:r>
                     </a:p>
                   </a:txBody>
@@ -6428,7 +6290,7 @@
                           <a:spcPct val="100000"/>
                         </a:lnSpc>
                       </a:pPr>
-                      <a:endParaRPr sz="900" dirty="0">
+                      <a:endParaRPr sz="900">
                         <a:latin typeface="Times New Roman"/>
                         <a:cs typeface="Times New Roman"/>
                       </a:endParaRPr>
@@ -6495,7 +6357,7 @@
                   </a:ext>
                 </a:extLst>
               </a:tr>
-              <a:tr h="241305">
+              <a:tr h="217256">
                 <a:tc vMerge="1">
                   <a:txBody>
                     <a:bodyPr/>
@@ -6509,7 +6371,7 @@
                           <a:spcPts val="530"/>
                         </a:spcBef>
                       </a:pPr>
-                      <a:endParaRPr sz="900" dirty="0">
+                      <a:endParaRPr sz="900">
                         <a:latin typeface="AdobeClean-Light"/>
                         <a:cs typeface="AdobeClean-Light"/>
                       </a:endParaRPr>
@@ -6598,7 +6460,7 @@
                           <a:spcPct val="100000"/>
                         </a:lnSpc>
                       </a:pPr>
-                      <a:endParaRPr sz="900" dirty="0">
+                      <a:endParaRPr sz="900">
                         <a:latin typeface="Times New Roman"/>
                         <a:cs typeface="Times New Roman"/>
                       </a:endParaRPr>
@@ -6811,7 +6673,7 @@
                           <a:spcPct val="100000"/>
                         </a:lnSpc>
                       </a:pPr>
-                      <a:endParaRPr sz="900" dirty="0">
+                      <a:endParaRPr sz="900">
                         <a:latin typeface="Times New Roman"/>
                         <a:cs typeface="Times New Roman"/>
                       </a:endParaRPr>
@@ -6921,7 +6783,7 @@
                   </a:ext>
                 </a:extLst>
               </a:tr>
-              <a:tr h="169363">
+              <a:tr h="0">
                 <a:tc vMerge="1">
                   <a:txBody>
                     <a:bodyPr/>
@@ -7004,7 +6866,7 @@
                     <a:lstStyle/>
                     <a:p>
                       <a:pPr algn="l" rtl="0"/>
-                      <a:endParaRPr lang="en-US" dirty="0"/>
+                      <a:endParaRPr lang="en-US"/>
                     </a:p>
                   </a:txBody>
                   <a:tcPr marL="0" marR="0" marT="0" marB="0">
@@ -7147,9 +7009,9 @@
           <p:nvPr/>
         </p:nvSpPr>
         <p:spPr>
-          <a:xfrm>
-            <a:off x="357339" y="897486"/>
-            <a:ext cx="2004860" cy="45719"/>
+          <a:xfrm flipV="1">
+            <a:off x="357339" y="855139"/>
+            <a:ext cx="2014386" cy="53778"/>
           </a:xfrm>
           <a:custGeom>
             <a:avLst/>
@@ -7190,8 +7052,8 @@
         </p:nvSpPr>
         <p:spPr>
           <a:xfrm>
-            <a:off x="357338" y="608961"/>
-            <a:ext cx="2004861" cy="228268"/>
+            <a:off x="357339" y="608961"/>
+            <a:ext cx="2564931" cy="228268"/>
           </a:xfrm>
           <a:prstGeom prst="rect">
             <a:avLst/>
@@ -7232,8 +7094,8 @@
         </p:nvSpPr>
         <p:spPr>
           <a:xfrm>
-            <a:off x="2868167" y="1433668"/>
-            <a:ext cx="2465198" cy="936154"/>
+            <a:off x="2868167" y="1335625"/>
+            <a:ext cx="2194560" cy="843821"/>
           </a:xfrm>
           <a:prstGeom prst="rect">
             <a:avLst/>
@@ -7254,71 +7116,14 @@
               </a:spcBef>
             </a:pPr>
             <a:r>
-              <a:rPr lang="es-ES" sz="1000" dirty="0">
+              <a:rPr lang="es-ES" sz="900">
                 <a:solidFill>
                   <a:srgbClr val="4B4B4B"/>
                 </a:solidFill>
                 <a:latin typeface="AdobeClean-Light"/>
                 <a:cs typeface="AdobeClean-Light"/>
               </a:rPr>
-              <a:t>Un ingeniero de asistencia técnica </a:t>
-            </a:r>
-            <a:br>
-              <a:rPr lang="sk-SK" sz="1000" dirty="0">
-                <a:solidFill>
-                  <a:srgbClr val="4B4B4B"/>
-                </a:solidFill>
-                <a:latin typeface="AdobeClean-Light"/>
-                <a:cs typeface="AdobeClean-Light"/>
-              </a:rPr>
-            </a:br>
-            <a:r>
-              <a:rPr lang="es-ES" sz="1000" dirty="0">
-                <a:solidFill>
-                  <a:srgbClr val="4B4B4B"/>
-                </a:solidFill>
-                <a:latin typeface="AdobeClean-Light"/>
-                <a:cs typeface="AdobeClean-Light"/>
-              </a:rPr>
-              <a:t>especializado que esté familiarizado con </a:t>
-            </a:r>
-            <a:br>
-              <a:rPr lang="sk-SK" sz="1000" dirty="0">
-                <a:solidFill>
-                  <a:srgbClr val="4B4B4B"/>
-                </a:solidFill>
-                <a:latin typeface="AdobeClean-Light"/>
-                <a:cs typeface="AdobeClean-Light"/>
-              </a:rPr>
-            </a:br>
-            <a:r>
-              <a:rPr lang="es-ES" sz="1000" dirty="0">
-                <a:solidFill>
-                  <a:srgbClr val="4B4B4B"/>
-                </a:solidFill>
-                <a:latin typeface="AdobeClean-Light"/>
-                <a:cs typeface="AdobeClean-Light"/>
-              </a:rPr>
-              <a:t>el entorno de su solución y sus objetivos empresariales. Es un ingeniero de asistencia técnica experimentado que le ayudará </a:t>
-            </a:r>
-            <a:br>
-              <a:rPr lang="sk-SK" sz="1000" dirty="0">
-                <a:solidFill>
-                  <a:srgbClr val="4B4B4B"/>
-                </a:solidFill>
-                <a:latin typeface="AdobeClean-Light"/>
-                <a:cs typeface="AdobeClean-Light"/>
-              </a:rPr>
-            </a:br>
-            <a:r>
-              <a:rPr lang="es-ES" sz="1000" dirty="0">
-                <a:solidFill>
-                  <a:srgbClr val="4B4B4B"/>
-                </a:solidFill>
-                <a:latin typeface="AdobeClean-Light"/>
-                <a:cs typeface="AdobeClean-Light"/>
-              </a:rPr>
-              <a:t>a coordinar su experiencia de soporte Enterprise.</a:t>
+              <a:t>Un ingeniero de asistencia técnica especializado que esté familiarizado con el entorno de su solución y sus objetivos empresariales. Es un ingeniero de asistencia técnica experimentado que le ayudará a coordinar su experiencia de soporte Enterprise.</a:t>
             </a:r>
           </a:p>
         </p:txBody>
@@ -7339,7 +7144,7 @@
         </p:blipFill>
         <p:spPr>
           <a:xfrm>
-            <a:off x="2768925" y="973601"/>
+            <a:off x="2768925" y="968757"/>
             <a:ext cx="365760" cy="365760"/>
           </a:xfrm>
           <a:prstGeom prst="rect">
@@ -7363,7 +7168,7 @@
         </p:blipFill>
         <p:spPr>
           <a:xfrm>
-            <a:off x="5257800" y="2561747"/>
+            <a:off x="5257800" y="2557188"/>
             <a:ext cx="365760" cy="365760"/>
           </a:xfrm>
           <a:prstGeom prst="rect">
@@ -7379,8 +7184,8 @@
         </p:nvSpPr>
         <p:spPr>
           <a:xfrm>
-            <a:off x="5333364" y="1433668"/>
-            <a:ext cx="2461775" cy="843821"/>
+            <a:off x="5333365" y="1335625"/>
+            <a:ext cx="2194560" cy="982320"/>
           </a:xfrm>
           <a:prstGeom prst="rect">
             <a:avLst/>
@@ -7408,45 +7213,7 @@
                 <a:latin typeface="AdobeClean-Light"/>
                 <a:cs typeface="AdobeClean-Light"/>
               </a:rPr>
-              <a:t>Revisión programada periódica de las solicitudes </a:t>
-            </a:r>
-            <a:br>
-              <a:rPr lang="sk-SK" sz="900" dirty="0">
-                <a:solidFill>
-                  <a:srgbClr val="4B4B4B"/>
-                </a:solidFill>
-                <a:latin typeface="AdobeClean-Light"/>
-                <a:cs typeface="AdobeClean-Light"/>
-              </a:rPr>
-            </a:br>
-            <a:r>
-              <a:rPr lang="es-ES" sz="900" dirty="0">
-                <a:solidFill>
-                  <a:srgbClr val="4B4B4B"/>
-                </a:solidFill>
-                <a:latin typeface="AdobeClean-Light"/>
-                <a:cs typeface="AdobeClean-Light"/>
-              </a:rPr>
-              <a:t>de soporte abiertas, lo que garantiza la alineación del cliente en la descripción de casos, el impacto empresarial, el estado, la prioridad y el acuerdo </a:t>
-            </a:r>
-            <a:br>
-              <a:rPr lang="sk-SK" sz="900" dirty="0">
-                <a:solidFill>
-                  <a:srgbClr val="4B4B4B"/>
-                </a:solidFill>
-                <a:latin typeface="AdobeClean-Light"/>
-                <a:cs typeface="AdobeClean-Light"/>
-              </a:rPr>
-            </a:br>
-            <a:r>
-              <a:rPr lang="es-ES" sz="900" dirty="0">
-                <a:solidFill>
-                  <a:srgbClr val="4B4B4B"/>
-                </a:solidFill>
-                <a:latin typeface="AdobeClean-Light"/>
-                <a:cs typeface="AdobeClean-Light"/>
-              </a:rPr>
-              <a:t>en cuanto a los siguientes pasos necesarios para garantizar una solución adecuada.</a:t>
+              <a:t>Revisión programada periódica de las solicitudes de soporte abiertas, lo que garantiza la alineación del cliente en la descripción de casos, el impacto empresarial, el estado, la prioridad y el acuerdo en cuanto a los siguientes pasos necesarios para garantizar una solución adecuada.</a:t>
             </a:r>
           </a:p>
         </p:txBody>
@@ -7467,8 +7234,8 @@
         </p:blipFill>
         <p:spPr>
           <a:xfrm>
-            <a:off x="2768925" y="2500787"/>
-            <a:ext cx="241555" cy="365760"/>
+            <a:off x="2728851" y="2543234"/>
+            <a:ext cx="365760" cy="365760"/>
           </a:xfrm>
           <a:prstGeom prst="rect">
             <a:avLst/>
@@ -7483,8 +7250,8 @@
         </p:nvSpPr>
         <p:spPr>
           <a:xfrm>
-            <a:off x="324341" y="1433668"/>
-            <a:ext cx="2194560" cy="936154"/>
+            <a:off x="324340" y="1335625"/>
+            <a:ext cx="2249511" cy="705321"/>
           </a:xfrm>
           <a:prstGeom prst="rect">
             <a:avLst/>
@@ -7505,33 +7272,14 @@
               </a:spcBef>
             </a:pPr>
             <a:r>
-              <a:rPr lang="es-ES" sz="1000" dirty="0">
+              <a:rPr lang="es-ES" sz="900" dirty="0">
                 <a:solidFill>
                   <a:srgbClr val="020302"/>
                 </a:solidFill>
                 <a:latin typeface="AdobeClean-Light"/>
                 <a:cs typeface="AdobeClean-Light"/>
               </a:rPr>
-              <a:t>Un gestor técnico de cuentas particular para supervisar su experiencia con Elite, coordinar las contrataciones de asistencia y los servicios de campo, y proporcionar servicios proactivos para maximizar </a:t>
-            </a:r>
-            <a:br>
-              <a:rPr lang="sk-SK" sz="1000" dirty="0">
-                <a:solidFill>
-                  <a:srgbClr val="020302"/>
-                </a:solidFill>
-                <a:latin typeface="AdobeClean-Light"/>
-                <a:cs typeface="AdobeClean-Light"/>
-              </a:rPr>
-            </a:br>
-            <a:r>
-              <a:rPr lang="es-ES" sz="1000" dirty="0">
-                <a:solidFill>
-                  <a:srgbClr val="020302"/>
-                </a:solidFill>
-                <a:latin typeface="AdobeClean-Light"/>
-                <a:cs typeface="AdobeClean-Light"/>
-              </a:rPr>
-              <a:t>el valor empresarial.</a:t>
+              <a:t>Un gestor técnico de cuentas particular para supervisar su experiencia con Elite, coordinar las contrataciones de asistencia y los servicios de campo, y proporcionar servicios proactivos para maximizar el valor empresarial.</a:t>
             </a:r>
           </a:p>
         </p:txBody>
@@ -7544,7 +7292,7 @@
         </p:nvSpPr>
         <p:spPr>
           <a:xfrm>
-            <a:off x="689237" y="1033046"/>
+            <a:off x="689237" y="1028202"/>
             <a:ext cx="2194560" cy="169277"/>
           </a:xfrm>
           <a:prstGeom prst="rect">
@@ -7594,7 +7342,7 @@
         </p:blipFill>
         <p:spPr>
           <a:xfrm>
-            <a:off x="228600" y="973601"/>
+            <a:off x="228600" y="968757"/>
             <a:ext cx="365760" cy="365760"/>
           </a:xfrm>
           <a:prstGeom prst="rect">
@@ -7618,7 +7366,7 @@
         </p:blipFill>
         <p:spPr>
           <a:xfrm>
-            <a:off x="5257800" y="973601"/>
+            <a:off x="5257800" y="968757"/>
             <a:ext cx="365760" cy="365760"/>
           </a:xfrm>
           <a:prstGeom prst="rect">
@@ -7634,8 +7382,8 @@
         </p:nvSpPr>
         <p:spPr>
           <a:xfrm>
-            <a:off x="2791726" y="5243920"/>
-            <a:ext cx="2194560" cy="672172"/>
+            <a:off x="2791726" y="5396172"/>
+            <a:ext cx="2194560" cy="605102"/>
           </a:xfrm>
           <a:prstGeom prst="rect">
             <a:avLst/>
@@ -7656,7 +7404,7 @@
               </a:spcBef>
             </a:pPr>
             <a:r>
-              <a:rPr lang="es-ES" sz="1000" dirty="0">
+              <a:rPr lang="es-ES" sz="900">
                 <a:solidFill>
                   <a:srgbClr val="020302"/>
                 </a:solidFill>
@@ -7676,8 +7424,8 @@
         </p:nvSpPr>
         <p:spPr>
           <a:xfrm>
-            <a:off x="5265660" y="5243920"/>
-            <a:ext cx="2278139" cy="669927"/>
+            <a:off x="5265661" y="5396172"/>
+            <a:ext cx="2194560" cy="605102"/>
           </a:xfrm>
           <a:prstGeom prst="rect">
             <a:avLst/>
@@ -7698,7 +7446,7 @@
               </a:spcBef>
             </a:pPr>
             <a:r>
-              <a:rPr lang="es-ES" sz="1000" dirty="0">
+              <a:rPr lang="es-ES" sz="900" dirty="0">
                 <a:solidFill>
                   <a:srgbClr val="020302"/>
                 </a:solidFill>
@@ -7718,8 +7466,8 @@
         </p:nvSpPr>
         <p:spPr>
           <a:xfrm>
-            <a:off x="324340" y="5262204"/>
-            <a:ext cx="2428139" cy="631070"/>
+            <a:off x="324340" y="5414456"/>
+            <a:ext cx="2357899" cy="631070"/>
           </a:xfrm>
           <a:prstGeom prst="rect">
             <a:avLst/>
@@ -7731,7 +7479,7 @@
           </a:bodyPr>
           <a:lstStyle/>
           <a:p>
-            <a:pPr marL="12700" marR="5080" indent="97790">
+            <a:pPr marL="12700" marR="5080" indent="-12700">
               <a:lnSpc>
                 <a:spcPct val="116199"/>
               </a:lnSpc>
@@ -7747,27 +7495,7 @@
                 <a:latin typeface="AdobeClean-Light"/>
                 <a:cs typeface="AdobeClean-Light"/>
               </a:rPr>
-              <a:t>Reciba orientación personalizada sobre las nuevas funciones de los productos para</a:t>
-            </a:r>
-            <a:r>
-              <a:rPr lang="sk-SK" sz="900" dirty="0">
-                <a:solidFill>
-                  <a:srgbClr val="020302"/>
-                </a:solidFill>
-                <a:latin typeface="AdobeClean-Light"/>
-                <a:cs typeface="AdobeClean-Light"/>
-              </a:rPr>
-              <a:t> </a:t>
-            </a:r>
-            <a:r>
-              <a:rPr lang="es-ES" sz="900" dirty="0">
-                <a:solidFill>
-                  <a:srgbClr val="020302"/>
-                </a:solidFill>
-                <a:latin typeface="AdobeClean-Light"/>
-                <a:cs typeface="AdobeClean-Light"/>
-              </a:rPr>
-              <a:t>aprovechar las últimas innovaciones, y pida a los expertos en Adobe que revisen la versión y el plan de actualización.</a:t>
+              <a:t>Reciba orientación personalizada sobre las nuevas funciones de los productos para aprovechar las últimas innovaciones, y pida a los expertos en Adobe que revisen la versión y el plan de actualización.</a:t>
             </a:r>
           </a:p>
         </p:txBody>
@@ -7780,8 +7508,8 @@
         </p:nvSpPr>
         <p:spPr>
           <a:xfrm>
-            <a:off x="97786" y="9888626"/>
-            <a:ext cx="2912693" cy="133370"/>
+            <a:off x="97786" y="9886962"/>
+            <a:ext cx="3402651" cy="133370"/>
           </a:xfrm>
           <a:prstGeom prst="rect">
             <a:avLst/>
@@ -7802,94 +7530,14 @@
               </a:spcBef>
             </a:pPr>
             <a:r>
-              <a:rPr lang="es-ES" sz="800" dirty="0">
+              <a:rPr lang="es-ES" sz="800">
                 <a:solidFill>
                   <a:srgbClr val="6D6D6D"/>
                 </a:solidFill>
                 <a:latin typeface="Adobe Clean"/>
                 <a:cs typeface="Adobe Clean"/>
               </a:rPr>
-              <a:t>©2021 Adobe. </a:t>
-            </a:r>
-            <a:r>
-              <a:rPr lang="es-ES" sz="800" dirty="0" err="1">
-                <a:solidFill>
-                  <a:srgbClr val="6D6D6D"/>
-                </a:solidFill>
-                <a:latin typeface="Adobe Clean"/>
-                <a:cs typeface="Adobe Clean"/>
-              </a:rPr>
-              <a:t>All</a:t>
-            </a:r>
-            <a:r>
-              <a:rPr lang="es-ES" sz="800" dirty="0">
-                <a:solidFill>
-                  <a:srgbClr val="6D6D6D"/>
-                </a:solidFill>
-                <a:latin typeface="Adobe Clean"/>
-                <a:cs typeface="Adobe Clean"/>
-              </a:rPr>
-              <a:t> </a:t>
-            </a:r>
-            <a:r>
-              <a:rPr lang="es-ES" sz="800" dirty="0" err="1">
-                <a:solidFill>
-                  <a:srgbClr val="6D6D6D"/>
-                </a:solidFill>
-                <a:latin typeface="Adobe Clean"/>
-                <a:cs typeface="Adobe Clean"/>
-              </a:rPr>
-              <a:t>Rights</a:t>
-            </a:r>
-            <a:r>
-              <a:rPr lang="es-ES" sz="800" dirty="0">
-                <a:solidFill>
-                  <a:srgbClr val="6D6D6D"/>
-                </a:solidFill>
-                <a:latin typeface="Adobe Clean"/>
-                <a:cs typeface="Adobe Clean"/>
-              </a:rPr>
-              <a:t> </a:t>
-            </a:r>
-            <a:r>
-              <a:rPr lang="es-ES" sz="800" dirty="0" err="1">
-                <a:solidFill>
-                  <a:srgbClr val="6D6D6D"/>
-                </a:solidFill>
-                <a:latin typeface="Adobe Clean"/>
-                <a:cs typeface="Adobe Clean"/>
-              </a:rPr>
-              <a:t>Reserved</a:t>
-            </a:r>
-            <a:r>
-              <a:rPr lang="es-ES" sz="800" dirty="0">
-                <a:solidFill>
-                  <a:srgbClr val="6D6D6D"/>
-                </a:solidFill>
-                <a:latin typeface="Adobe Clean"/>
-                <a:cs typeface="Adobe Clean"/>
-              </a:rPr>
-              <a:t>. Adobe </a:t>
-            </a:r>
-            <a:r>
-              <a:rPr lang="es-ES" sz="800" dirty="0" err="1">
-                <a:solidFill>
-                  <a:srgbClr val="6D6D6D"/>
-                </a:solidFill>
-                <a:latin typeface="Adobe Clean"/>
-                <a:cs typeface="Adobe Clean"/>
-              </a:rPr>
-              <a:t>Confidential</a:t>
-            </a:r>
-            <a:r>
-              <a:rPr lang="es-ES" sz="800" dirty="0">
-                <a:solidFill>
-                  <a:srgbClr val="6D6D6D"/>
-                </a:solidFill>
-                <a:latin typeface="Adobe Clean"/>
-                <a:cs typeface="Adobe Clean"/>
-              </a:rPr>
-              <a:t>.</a:t>
+              <a:t>©2021 Adobe. All Rights Reserved. Adobe Confidential.</a:t>
             </a:r>
           </a:p>
         </p:txBody>
@@ -7925,7 +7573,7 @@
         </p:blipFill>
         <p:spPr>
           <a:xfrm>
-            <a:off x="228599" y="2472569"/>
+            <a:off x="228599" y="2515016"/>
             <a:ext cx="365760" cy="365760"/>
           </a:xfrm>
           <a:prstGeom prst="rect">
@@ -7947,8 +7595,8 @@
         </p:nvSpPr>
         <p:spPr>
           <a:xfrm>
-            <a:off x="2791726" y="9060487"/>
-            <a:ext cx="2255260" cy="795089"/>
+            <a:off x="2791726" y="8986198"/>
+            <a:ext cx="2194560" cy="579646"/>
           </a:xfrm>
           <a:prstGeom prst="rect">
             <a:avLst/>
@@ -7972,7 +7620,7 @@
               </a:tabLst>
             </a:pPr>
             <a:r>
-              <a:rPr lang="es-ES" sz="1000" dirty="0">
+              <a:rPr lang="es-ES" sz="900" dirty="0">
                 <a:solidFill>
                   <a:srgbClr val="020302"/>
                 </a:solidFill>
@@ -7995,24 +7643,14 @@
               </a:tabLst>
             </a:pPr>
             <a:r>
-              <a:rPr lang="es-ES" sz="1000" i="1" dirty="0">
+              <a:rPr lang="es-ES" sz="900" i="1" dirty="0">
                 <a:solidFill>
                   <a:srgbClr val="7A7A7A"/>
                 </a:solidFill>
                 <a:latin typeface="AdobeClean-LightIt"/>
                 <a:cs typeface="AdobeClean-LightIt"/>
               </a:rPr>
-              <a:t>* No todos los productos ofrecen la opción de disfrutar de asistencia mediante chat en directo</a:t>
-            </a:r>
-            <a:r>
-              <a:rPr lang="es-ES" sz="900" i="1" dirty="0">
-                <a:solidFill>
-                  <a:srgbClr val="7A7A7A"/>
-                </a:solidFill>
-                <a:latin typeface="AdobeClean-LightIt"/>
-                <a:cs typeface="AdobeClean-LightIt"/>
-              </a:rPr>
-              <a:t>.  </a:t>
+              <a:t>* No todos los productos ofrecen la opción de disfrutar de asistencia mediante chat en directo.  </a:t>
             </a:r>
           </a:p>
         </p:txBody>
@@ -8033,7 +7671,7 @@
         </p:nvSpPr>
         <p:spPr>
           <a:xfrm>
-            <a:off x="689237" y="6756914"/>
+            <a:off x="689237" y="6682625"/>
             <a:ext cx="1568246" cy="184666"/>
           </a:xfrm>
           <a:prstGeom prst="rect">
@@ -8086,7 +7724,7 @@
         </p:nvSpPr>
         <p:spPr>
           <a:xfrm>
-            <a:off x="689237" y="6960100"/>
+            <a:off x="689237" y="6885811"/>
             <a:ext cx="959314" cy="184666"/>
           </a:xfrm>
           <a:prstGeom prst="rect">
@@ -8132,8 +7770,8 @@
         </p:nvSpPr>
         <p:spPr>
           <a:xfrm>
-            <a:off x="324341" y="7152361"/>
-            <a:ext cx="2194560" cy="1267014"/>
+            <a:off x="324341" y="7078072"/>
+            <a:ext cx="2194560" cy="1005403"/>
           </a:xfrm>
           <a:prstGeom prst="rect">
             <a:avLst/>
@@ -8146,115 +7784,13 @@
           <a:lstStyle/>
           <a:p>
             <a:r>
-              <a:rPr lang="es-ES" sz="1000" dirty="0">
+              <a:rPr lang="es-ES" sz="900" dirty="0">
                 <a:solidFill>
                   <a:srgbClr val="4B4B4B"/>
                 </a:solidFill>
                 <a:latin typeface="Adobe Clean Light" panose="020B0303020404020204" pitchFamily="34" charset="0"/>
               </a:rPr>
-              <a:t>Acceso continuo en línea a una base </a:t>
-            </a:r>
-            <a:br>
-              <a:rPr lang="sk-SK" sz="1000" dirty="0">
-                <a:solidFill>
-                  <a:srgbClr val="4B4B4B"/>
-                </a:solidFill>
-                <a:latin typeface="Adobe Clean Light" panose="020B0303020404020204" pitchFamily="34" charset="0"/>
-              </a:rPr>
-            </a:br>
-            <a:r>
-              <a:rPr lang="es-ES" sz="1000" dirty="0">
-                <a:solidFill>
-                  <a:srgbClr val="4B4B4B"/>
-                </a:solidFill>
-                <a:latin typeface="Adobe Clean Light" panose="020B0303020404020204" pitchFamily="34" charset="0"/>
-              </a:rPr>
-              <a:t>de datos donde encontrará cada vez más soluciones técnicas, documentación </a:t>
-            </a:r>
-            <a:br>
-              <a:rPr lang="sk-SK" sz="1000" dirty="0">
-                <a:solidFill>
-                  <a:srgbClr val="4B4B4B"/>
-                </a:solidFill>
-                <a:latin typeface="Adobe Clean Light" panose="020B0303020404020204" pitchFamily="34" charset="0"/>
-              </a:rPr>
-            </a:br>
-            <a:r>
-              <a:rPr lang="es-ES" sz="1000" dirty="0">
-                <a:solidFill>
-                  <a:srgbClr val="4B4B4B"/>
-                </a:solidFill>
-                <a:latin typeface="Adobe Clean Light" panose="020B0303020404020204" pitchFamily="34" charset="0"/>
-              </a:rPr>
-              <a:t>de productos, preguntas frecuentes </a:t>
-            </a:r>
-            <a:br>
-              <a:rPr lang="sk-SK" sz="1000" dirty="0">
-                <a:solidFill>
-                  <a:srgbClr val="4B4B4B"/>
-                </a:solidFill>
-                <a:latin typeface="Adobe Clean Light" panose="020B0303020404020204" pitchFamily="34" charset="0"/>
-              </a:rPr>
-            </a:br>
-            <a:r>
-              <a:rPr lang="es-ES" sz="1000" dirty="0">
-                <a:solidFill>
-                  <a:srgbClr val="4B4B4B"/>
-                </a:solidFill>
-                <a:latin typeface="Adobe Clean Light" panose="020B0303020404020204" pitchFamily="34" charset="0"/>
-              </a:rPr>
-              <a:t>y mucho más. Hable con profesionales </a:t>
-            </a:r>
-            <a:br>
-              <a:rPr lang="sk-SK" sz="1000" dirty="0">
-                <a:solidFill>
-                  <a:srgbClr val="4B4B4B"/>
-                </a:solidFill>
-                <a:latin typeface="Adobe Clean Light" panose="020B0303020404020204" pitchFamily="34" charset="0"/>
-              </a:rPr>
-            </a:br>
-            <a:r>
-              <a:rPr lang="es-ES" sz="1000" dirty="0">
-                <a:solidFill>
-                  <a:srgbClr val="4B4B4B"/>
-                </a:solidFill>
-                <a:latin typeface="Adobe Clean Light" panose="020B0303020404020204" pitchFamily="34" charset="0"/>
-              </a:rPr>
-              <a:t>y otros clientes en la Comunidad de Adobe </a:t>
-            </a:r>
-            <a:br>
-              <a:rPr lang="sk-SK" sz="1000" dirty="0">
-                <a:solidFill>
-                  <a:srgbClr val="4B4B4B"/>
-                </a:solidFill>
-                <a:latin typeface="Adobe Clean Light" panose="020B0303020404020204" pitchFamily="34" charset="0"/>
-              </a:rPr>
-            </a:br>
-            <a:r>
-              <a:rPr lang="es-ES" sz="1000" dirty="0">
-                <a:solidFill>
-                  <a:srgbClr val="4B4B4B"/>
-                </a:solidFill>
-                <a:latin typeface="Adobe Clean Light" panose="020B0303020404020204" pitchFamily="34" charset="0"/>
-              </a:rPr>
-              <a:t>para compartir prácticas recomendadas </a:t>
-            </a:r>
-            <a:br>
-              <a:rPr lang="sk-SK" sz="1000" dirty="0">
-                <a:solidFill>
-                  <a:srgbClr val="4B4B4B"/>
-                </a:solidFill>
-                <a:latin typeface="Adobe Clean Light" panose="020B0303020404020204" pitchFamily="34" charset="0"/>
-              </a:rPr>
-            </a:br>
-            <a:r>
-              <a:rPr lang="es-ES" sz="1000" dirty="0">
-                <a:solidFill>
-                  <a:srgbClr val="4B4B4B"/>
-                </a:solidFill>
-                <a:latin typeface="Adobe Clean Light" panose="020B0303020404020204" pitchFamily="34" charset="0"/>
-              </a:rPr>
-              <a:t>y lecciones aprendidas.</a:t>
+              <a:t>Acceso continuo en línea a una base de datos donde encontrará cada vez más soluciones técnicas, documentación de productos, preguntas frecuentes y mucho más. Hable con profesionales y otros clientes en la Comunidad de Adobe para compartir prácticas recomendadas y lecciones aprendidas.</a:t>
             </a:r>
           </a:p>
         </p:txBody>
@@ -8275,7 +7811,7 @@
         </p:nvSpPr>
         <p:spPr>
           <a:xfrm>
-            <a:off x="5723508" y="6756914"/>
+            <a:off x="5723508" y="6682625"/>
             <a:ext cx="1463040" cy="184666"/>
           </a:xfrm>
           <a:prstGeom prst="rect">
@@ -8328,7 +7864,7 @@
         </p:nvSpPr>
         <p:spPr>
           <a:xfrm>
-            <a:off x="5723508" y="6960100"/>
+            <a:off x="5723508" y="6885811"/>
             <a:ext cx="1316707" cy="184666"/>
           </a:xfrm>
           <a:prstGeom prst="rect">
@@ -8374,8 +7910,8 @@
         </p:nvSpPr>
         <p:spPr>
           <a:xfrm>
-            <a:off x="5265661" y="7152361"/>
-            <a:ext cx="2194560" cy="1113125"/>
+            <a:off x="5265661" y="7078072"/>
+            <a:ext cx="2194560" cy="1143903"/>
           </a:xfrm>
           <a:prstGeom prst="rect">
             <a:avLst/>
@@ -8388,7 +7924,7 @@
           <a:lstStyle/>
           <a:p>
             <a:r>
-              <a:rPr lang="es-ES" sz="1000" dirty="0">
+              <a:rPr lang="es-ES" sz="900" dirty="0">
                 <a:solidFill>
                   <a:srgbClr val="4B4B4B"/>
                 </a:solidFill>
@@ -8397,7 +7933,7 @@
               <a:t>Los </a:t>
             </a:r>
             <a:r>
-              <a:rPr lang="es-ES" sz="1000" dirty="0" err="1">
+              <a:rPr lang="es-ES" sz="900" dirty="0" err="1">
                 <a:solidFill>
                   <a:srgbClr val="4B4B4B"/>
                 </a:solidFill>
@@ -8406,7 +7942,7 @@
               <a:t>experience</a:t>
             </a:r>
             <a:r>
-              <a:rPr lang="es-ES" sz="1000" dirty="0">
+              <a:rPr lang="es-ES" sz="900" dirty="0">
                 <a:solidFill>
                   <a:srgbClr val="4B4B4B"/>
                 </a:solidFill>
@@ -8415,7 +7951,7 @@
               <a:t> </a:t>
             </a:r>
             <a:r>
-              <a:rPr lang="es-ES" sz="1000" dirty="0" err="1">
+              <a:rPr lang="es-ES" sz="900" dirty="0" err="1">
                 <a:solidFill>
                   <a:srgbClr val="4B4B4B"/>
                 </a:solidFill>
@@ -8424,7 +7960,7 @@
               <a:t>makers</a:t>
             </a:r>
             <a:r>
-              <a:rPr lang="es-ES" sz="1000" dirty="0">
+              <a:rPr lang="es-ES" sz="900" dirty="0">
                 <a:solidFill>
                   <a:srgbClr val="4B4B4B"/>
                 </a:solidFill>
@@ -8432,23 +7968,82 @@
               </a:rPr>
               <a:t> se realizan con </a:t>
             </a:r>
-            <a:r>
-              <a:rPr lang="es-ES" sz="1000" dirty="0" err="1">
+            <a:br>
+              <a:rPr lang="es-ES" sz="900" dirty="0">
                 <a:solidFill>
                   <a:srgbClr val="4B4B4B"/>
                 </a:solidFill>
                 <a:latin typeface="Adobe Clean Light" panose="020B0303020404020204" pitchFamily="34" charset="0"/>
               </a:rPr>
+            </a:br>
+            <a:r>
+              <a:rPr lang="es-ES" sz="900" dirty="0" err="1">
+                <a:solidFill>
+                  <a:srgbClr val="4B4B4B"/>
+                </a:solidFill>
+                <a:latin typeface="Adobe Clean Light" panose="020B0303020404020204" pitchFamily="34" charset="0"/>
+              </a:rPr>
               <a:t>Experience</a:t>
             </a:r>
             <a:r>
-              <a:rPr lang="es-ES" sz="1000" dirty="0">
+              <a:rPr lang="es-ES" sz="900" dirty="0">
                 <a:solidFill>
                   <a:srgbClr val="4B4B4B"/>
                 </a:solidFill>
                 <a:latin typeface="Adobe Clean Light" panose="020B0303020404020204" pitchFamily="34" charset="0"/>
               </a:rPr>
-              <a:t> League. Los clientes pueden aplicar sus conocimientos de administración de la experiencia del cliente con aprendizaje personalizado para desarrollar habilidades, interactuar con la comunidad internacional de compañeros y obtener reconocimiento en su trayectoria profesional.</a:t>
+              <a:t> League. Los clientes pueden aplicar sus conocimientos de administración de</a:t>
+            </a:r>
+            <a:br>
+              <a:rPr lang="es-ES" sz="900" dirty="0">
+                <a:solidFill>
+                  <a:srgbClr val="4B4B4B"/>
+                </a:solidFill>
+                <a:latin typeface="Adobe Clean Light" panose="020B0303020404020204" pitchFamily="34" charset="0"/>
+              </a:rPr>
+            </a:br>
+            <a:r>
+              <a:rPr lang="es-ES" sz="900" dirty="0">
+                <a:solidFill>
+                  <a:srgbClr val="4B4B4B"/>
+                </a:solidFill>
+                <a:latin typeface="Adobe Clean Light" panose="020B0303020404020204" pitchFamily="34" charset="0"/>
+              </a:rPr>
+              <a:t>la experiencia del cliente con aprendizaje personalizado para desarrollar habilidades, interactuar con la comunidad internacional </a:t>
+            </a:r>
+            <a:br>
+              <a:rPr lang="es-ES" sz="900" dirty="0">
+                <a:solidFill>
+                  <a:srgbClr val="4B4B4B"/>
+                </a:solidFill>
+                <a:latin typeface="Adobe Clean Light" panose="020B0303020404020204" pitchFamily="34" charset="0"/>
+              </a:rPr>
+            </a:br>
+            <a:r>
+              <a:rPr lang="es-ES" sz="900" dirty="0">
+                <a:solidFill>
+                  <a:srgbClr val="4B4B4B"/>
+                </a:solidFill>
+                <a:latin typeface="Adobe Clean Light" panose="020B0303020404020204" pitchFamily="34" charset="0"/>
+              </a:rPr>
+              <a:t>de compañeros y obtener reconocimiento </a:t>
+            </a:r>
+            <a:br>
+              <a:rPr lang="es-ES" sz="900" dirty="0">
+                <a:solidFill>
+                  <a:srgbClr val="4B4B4B"/>
+                </a:solidFill>
+                <a:latin typeface="Adobe Clean Light" panose="020B0303020404020204" pitchFamily="34" charset="0"/>
+              </a:rPr>
+            </a:br>
+            <a:r>
+              <a:rPr lang="es-ES" sz="900" dirty="0">
+                <a:solidFill>
+                  <a:srgbClr val="4B4B4B"/>
+                </a:solidFill>
+                <a:latin typeface="Adobe Clean Light" panose="020B0303020404020204" pitchFamily="34" charset="0"/>
+              </a:rPr>
+              <a:t>en su trayectoria profesional.</a:t>
             </a:r>
           </a:p>
         </p:txBody>
@@ -8469,8 +8064,8 @@
         </p:nvSpPr>
         <p:spPr>
           <a:xfrm>
-            <a:off x="3201544" y="8560230"/>
-            <a:ext cx="1903856" cy="369332"/>
+            <a:off x="3201544" y="8440697"/>
+            <a:ext cx="2467736" cy="369332"/>
           </a:xfrm>
           <a:prstGeom prst="rect">
             <a:avLst/>
@@ -8501,7 +8096,22 @@
                   <a:srgbClr val="000000"/>
                 </a:solidFill>
               </a:rPr>
-              <a:t>Asistencia mediante chat en directo*</a:t>
+              <a:t>Asistencia mediante</a:t>
+            </a:r>
+            <a:br>
+              <a:rPr lang="es-ES" sz="1200" dirty="0">
+                <a:solidFill>
+                  <a:srgbClr val="000000"/>
+                </a:solidFill>
+              </a:rPr>
+            </a:br>
+            <a:r>
+              <a:rPr lang="es-ES" sz="1200" dirty="0">
+                <a:solidFill>
+                  <a:srgbClr val="000000"/>
+                </a:solidFill>
+              </a:rPr>
+              <a:t>chat en directo*</a:t>
             </a:r>
           </a:p>
         </p:txBody>
@@ -8522,7 +8132,7 @@
         </p:nvSpPr>
         <p:spPr>
           <a:xfrm>
-            <a:off x="3201544" y="8741449"/>
+            <a:off x="3201544" y="8778407"/>
             <a:ext cx="840166" cy="184666"/>
           </a:xfrm>
           <a:prstGeom prst="rect">
@@ -8570,7 +8180,7 @@
         </p:nvSpPr>
         <p:spPr>
           <a:xfrm>
-            <a:off x="3201544" y="6756914"/>
+            <a:off x="3201544" y="6682625"/>
             <a:ext cx="2520000" cy="184666"/>
           </a:xfrm>
           <a:prstGeom prst="rect">
@@ -8623,7 +8233,7 @@
         </p:nvSpPr>
         <p:spPr>
           <a:xfrm>
-            <a:off x="3201544" y="6960100"/>
+            <a:off x="3201544" y="6885811"/>
             <a:ext cx="992259" cy="184666"/>
           </a:xfrm>
           <a:prstGeom prst="rect">
@@ -8669,8 +8279,8 @@
         </p:nvSpPr>
         <p:spPr>
           <a:xfrm>
-            <a:off x="2791726" y="7152361"/>
-            <a:ext cx="2313674" cy="1113125"/>
+            <a:off x="2791726" y="7078072"/>
+            <a:ext cx="2194560" cy="866904"/>
           </a:xfrm>
           <a:prstGeom prst="rect">
             <a:avLst/>
@@ -8683,58 +8293,41 @@
           <a:lstStyle/>
           <a:p>
             <a:r>
-              <a:rPr lang="es-ES" sz="1000" b="1" dirty="0">
+              <a:rPr lang="es-ES" sz="900" b="1" dirty="0">
                 <a:solidFill>
                   <a:srgbClr val="020302"/>
                 </a:solidFill>
                 <a:latin typeface="AdobeClean-Light"/>
               </a:rPr>
-              <a:t>Los usuarios autorizados o los contactos </a:t>
+              <a:t>Los usuarios autorizados o los contactos de soporte particulares</a:t>
+            </a:r>
+            <a:r>
+              <a:rPr lang="es-ES" sz="900" dirty="0">
+                <a:latin typeface="Adobe Clean Light" panose="020B0303020404020204" pitchFamily="34" charset="0"/>
+              </a:rPr>
+              <a:t> pueden enviar problemas </a:t>
             </a:r>
             <a:br>
-              <a:rPr lang="sk-SK" sz="1000" b="1" dirty="0">
-                <a:solidFill>
-                  <a:srgbClr val="020302"/>
-                </a:solidFill>
-                <a:latin typeface="AdobeClean-Light"/>
+              <a:rPr lang="es-ES" sz="900" dirty="0">
+                <a:latin typeface="Adobe Clean Light" panose="020B0303020404020204" pitchFamily="34" charset="0"/>
               </a:rPr>
             </a:br>
             <a:r>
-              <a:rPr lang="es-ES" sz="1000" b="1" dirty="0">
-                <a:solidFill>
-                  <a:srgbClr val="020302"/>
-                </a:solidFill>
-                <a:latin typeface="AdobeClean-Light"/>
-              </a:rPr>
-              <a:t>de soporte particulares</a:t>
-            </a:r>
-            <a:r>
-              <a:rPr lang="es-ES" sz="1000" dirty="0">
+              <a:rPr lang="es-ES" sz="900" dirty="0">
                 <a:latin typeface="Adobe Clean Light" panose="020B0303020404020204" pitchFamily="34" charset="0"/>
               </a:rPr>
-              <a:t> pueden enviar problemas a través de todos los canales disponibles (incluido el teléfono en el caso </a:t>
+              <a:t>a través de todos los canales disponibles (incluido el teléfono en el caso de los problemas P1) y hablar con nuestro equipo de asistencia </a:t>
             </a:r>
             <a:br>
-              <a:rPr lang="sk-SK" sz="1000" dirty="0">
+              <a:rPr lang="es-ES" sz="900" dirty="0">
                 <a:latin typeface="Adobe Clean Light" panose="020B0303020404020204" pitchFamily="34" charset="0"/>
               </a:rPr>
             </a:br>
             <a:r>
-              <a:rPr lang="es-ES" sz="1000" dirty="0">
+              <a:rPr lang="es-ES" sz="900" dirty="0">
                 <a:latin typeface="Adobe Clean Light" panose="020B0303020404020204" pitchFamily="34" charset="0"/>
               </a:rPr>
-              <a:t>de los problemas P1) y hablar con nuestro equipo de asistencia en nombre de </a:t>
-            </a:r>
-            <a:br>
-              <a:rPr lang="sk-SK" sz="1000" dirty="0">
-                <a:latin typeface="Adobe Clean Light" panose="020B0303020404020204" pitchFamily="34" charset="0"/>
-              </a:rPr>
-            </a:br>
-            <a:r>
-              <a:rPr lang="es-ES" sz="1000" dirty="0">
-                <a:latin typeface="Adobe Clean Light" panose="020B0303020404020204" pitchFamily="34" charset="0"/>
-              </a:rPr>
-              <a:t>su empresa. </a:t>
+              <a:t>en nombre de su empresa. </a:t>
             </a:r>
           </a:p>
         </p:txBody>
@@ -8753,8 +8346,8 @@
         </p:nvSpPr>
         <p:spPr>
           <a:xfrm>
-            <a:off x="214971" y="6447157"/>
-            <a:ext cx="1848207" cy="45719"/>
+            <a:off x="214971" y="6533840"/>
+            <a:ext cx="2156754" cy="45719"/>
           </a:xfrm>
           <a:custGeom>
             <a:avLst/>
@@ -8803,8 +8396,8 @@
         </p:nvSpPr>
         <p:spPr>
           <a:xfrm>
-            <a:off x="689237" y="8560230"/>
-            <a:ext cx="1373941" cy="184666"/>
+            <a:off x="689237" y="8485941"/>
+            <a:ext cx="1644388" cy="184666"/>
           </a:xfrm>
           <a:prstGeom prst="rect">
             <a:avLst/>
@@ -8856,7 +8449,7 @@
         </p:nvSpPr>
         <p:spPr>
           <a:xfrm>
-            <a:off x="689237" y="8741449"/>
+            <a:off x="689237" y="8667160"/>
             <a:ext cx="604974" cy="184666"/>
           </a:xfrm>
           <a:prstGeom prst="rect">
@@ -8902,8 +8495,8 @@
         </p:nvSpPr>
         <p:spPr>
           <a:xfrm>
-            <a:off x="355867" y="8991600"/>
-            <a:ext cx="2396611" cy="866904"/>
+            <a:off x="355867" y="8951770"/>
+            <a:ext cx="2326371" cy="866904"/>
           </a:xfrm>
           <a:prstGeom prst="rect">
             <a:avLst/>
@@ -8922,7 +8515,41 @@
                 </a:solidFill>
                 <a:latin typeface="Adobe Clean Light" panose="020B0303020404020204" pitchFamily="34" charset="0"/>
               </a:rPr>
-              <a:t>En el horario de oficina del equipo de asistencia al cliente de Adobe se incluyen sesiones diseñadas para informar y ayudar a los participantes a solucionar problemas, así como para proporcionar consejos y trucos para que los participantes logren el éxito con las soluciones de Adobe. </a:t>
+              <a:t>En el horario de oficina del equipo de asistencia </a:t>
+            </a:r>
+            <a:br>
+              <a:rPr lang="es-ES" sz="900" dirty="0">
+                <a:solidFill>
+                  <a:srgbClr val="4B4B4B"/>
+                </a:solidFill>
+                <a:latin typeface="Adobe Clean Light" panose="020B0303020404020204" pitchFamily="34" charset="0"/>
+              </a:rPr>
+            </a:br>
+            <a:r>
+              <a:rPr lang="es-ES" sz="900" dirty="0">
+                <a:solidFill>
+                  <a:srgbClr val="4B4B4B"/>
+                </a:solidFill>
+                <a:latin typeface="Adobe Clean Light" panose="020B0303020404020204" pitchFamily="34" charset="0"/>
+              </a:rPr>
+              <a:t>al cliente de Adobe se incluyen sesiones </a:t>
+            </a:r>
+            <a:br>
+              <a:rPr lang="es-ES" sz="900" dirty="0">
+                <a:solidFill>
+                  <a:srgbClr val="4B4B4B"/>
+                </a:solidFill>
+                <a:latin typeface="Adobe Clean Light" panose="020B0303020404020204" pitchFamily="34" charset="0"/>
+              </a:rPr>
+            </a:br>
+            <a:r>
+              <a:rPr lang="es-ES" sz="900" dirty="0">
+                <a:solidFill>
+                  <a:srgbClr val="4B4B4B"/>
+                </a:solidFill>
+                <a:latin typeface="Adobe Clean Light" panose="020B0303020404020204" pitchFamily="34" charset="0"/>
+              </a:rPr>
+              <a:t>diseñadas para informar y ayudar a los participantes a solucionar problemas, así como para proporcionar consejos y trucos para que los participantes logren el éxito con las soluciones de Adobe. </a:t>
             </a:r>
           </a:p>
         </p:txBody>
@@ -8943,8 +8570,8 @@
         </p:nvSpPr>
         <p:spPr>
           <a:xfrm>
-            <a:off x="5723508" y="8560230"/>
-            <a:ext cx="1591692" cy="184666"/>
+            <a:off x="5723508" y="8485941"/>
+            <a:ext cx="1853630" cy="184666"/>
           </a:xfrm>
           <a:prstGeom prst="rect">
             <a:avLst/>
@@ -8996,7 +8623,7 @@
         </p:nvSpPr>
         <p:spPr>
           <a:xfrm>
-            <a:off x="5723508" y="8741449"/>
+            <a:off x="5723508" y="8667160"/>
             <a:ext cx="1267206" cy="184666"/>
           </a:xfrm>
           <a:prstGeom prst="rect">
@@ -9042,8 +8669,8 @@
         </p:nvSpPr>
         <p:spPr>
           <a:xfrm>
-            <a:off x="5265661" y="8987081"/>
-            <a:ext cx="2396610" cy="959237"/>
+            <a:off x="5265661" y="8912792"/>
+            <a:ext cx="2194560" cy="866904"/>
           </a:xfrm>
           <a:prstGeom prst="rect">
             <a:avLst/>
@@ -9056,13 +8683,81 @@
           <a:lstStyle/>
           <a:p>
             <a:r>
-              <a:rPr lang="es-ES" sz="1000" dirty="0">
+              <a:rPr lang="es-ES" sz="900" dirty="0">
                 <a:solidFill>
                   <a:srgbClr val="4B4B4B"/>
                 </a:solidFill>
                 <a:latin typeface="Adobe Clean Light" panose="020B0303020404020204" pitchFamily="34" charset="0"/>
               </a:rPr>
-              <a:t>Acceso al portal de asistencia de autoayuda en línea previa solicitud para enviar solicitudes de asistencia, revisar el estado de los casos y examinar otros recursos, como la base de conocimiento, noticias y alertas, sugerencias destacadas, y mucho más.</a:t>
+              <a:t>Acceso al portal de asistencia de autoayuda </a:t>
+            </a:r>
+            <a:br>
+              <a:rPr lang="es-ES" sz="900" dirty="0">
+                <a:solidFill>
+                  <a:srgbClr val="4B4B4B"/>
+                </a:solidFill>
+                <a:latin typeface="Adobe Clean Light" panose="020B0303020404020204" pitchFamily="34" charset="0"/>
+              </a:rPr>
+            </a:br>
+            <a:r>
+              <a:rPr lang="es-ES" sz="900" dirty="0">
+                <a:solidFill>
+                  <a:srgbClr val="4B4B4B"/>
+                </a:solidFill>
+                <a:latin typeface="Adobe Clean Light" panose="020B0303020404020204" pitchFamily="34" charset="0"/>
+              </a:rPr>
+              <a:t>en línea previa solicitud para enviar solicitudes </a:t>
+            </a:r>
+            <a:br>
+              <a:rPr lang="es-ES" sz="900" dirty="0">
+                <a:solidFill>
+                  <a:srgbClr val="4B4B4B"/>
+                </a:solidFill>
+                <a:latin typeface="Adobe Clean Light" panose="020B0303020404020204" pitchFamily="34" charset="0"/>
+              </a:rPr>
+            </a:br>
+            <a:r>
+              <a:rPr lang="es-ES" sz="900" dirty="0">
+                <a:solidFill>
+                  <a:srgbClr val="4B4B4B"/>
+                </a:solidFill>
+                <a:latin typeface="Adobe Clean Light" panose="020B0303020404020204" pitchFamily="34" charset="0"/>
+              </a:rPr>
+              <a:t>de asistencia, revisar el estado de los casos </a:t>
+            </a:r>
+            <a:br>
+              <a:rPr lang="es-ES" sz="900" dirty="0">
+                <a:solidFill>
+                  <a:srgbClr val="4B4B4B"/>
+                </a:solidFill>
+                <a:latin typeface="Adobe Clean Light" panose="020B0303020404020204" pitchFamily="34" charset="0"/>
+              </a:rPr>
+            </a:br>
+            <a:r>
+              <a:rPr lang="es-ES" sz="900" dirty="0">
+                <a:solidFill>
+                  <a:srgbClr val="4B4B4B"/>
+                </a:solidFill>
+                <a:latin typeface="Adobe Clean Light" panose="020B0303020404020204" pitchFamily="34" charset="0"/>
+              </a:rPr>
+              <a:t>y examinar otros recursos, como la base </a:t>
+            </a:r>
+            <a:br>
+              <a:rPr lang="es-ES" sz="900" dirty="0">
+                <a:solidFill>
+                  <a:srgbClr val="4B4B4B"/>
+                </a:solidFill>
+                <a:latin typeface="Adobe Clean Light" panose="020B0303020404020204" pitchFamily="34" charset="0"/>
+              </a:rPr>
+            </a:br>
+            <a:r>
+              <a:rPr lang="es-ES" sz="900" dirty="0">
+                <a:solidFill>
+                  <a:srgbClr val="4B4B4B"/>
+                </a:solidFill>
+                <a:latin typeface="Adobe Clean Light" panose="020B0303020404020204" pitchFamily="34" charset="0"/>
+              </a:rPr>
+              <a:t>de conocimiento, noticias y alertas, sugerencias destacadas, y mucho más.</a:t>
             </a:r>
           </a:p>
         </p:txBody>
@@ -9098,7 +8793,7 @@
         </p:blipFill>
         <p:spPr>
           <a:xfrm>
-            <a:off x="2768925" y="6771954"/>
+            <a:off x="2768925" y="6697665"/>
             <a:ext cx="411480" cy="411480"/>
           </a:xfrm>
           <a:prstGeom prst="rect">
@@ -9137,7 +8832,7 @@
         </p:blipFill>
         <p:spPr>
           <a:xfrm>
-            <a:off x="228600" y="8560230"/>
+            <a:off x="228600" y="8485941"/>
             <a:ext cx="411480" cy="411480"/>
           </a:xfrm>
           <a:prstGeom prst="rect">
@@ -9176,7 +8871,7 @@
         </p:blipFill>
         <p:spPr>
           <a:xfrm>
-            <a:off x="228600" y="6733286"/>
+            <a:off x="228600" y="6658997"/>
             <a:ext cx="411480" cy="411480"/>
           </a:xfrm>
           <a:prstGeom prst="rect">
@@ -9215,7 +8910,7 @@
         </p:blipFill>
         <p:spPr>
           <a:xfrm>
-            <a:off x="5257800" y="6721476"/>
+            <a:off x="5257800" y="6647187"/>
             <a:ext cx="411480" cy="411480"/>
           </a:xfrm>
           <a:prstGeom prst="rect">
@@ -9254,7 +8949,7 @@
         </p:blipFill>
         <p:spPr>
           <a:xfrm>
-            <a:off x="5257800" y="8560230"/>
+            <a:off x="5257800" y="8485941"/>
             <a:ext cx="411480" cy="411480"/>
           </a:xfrm>
           <a:prstGeom prst="rect">
@@ -9293,7 +8988,7 @@
         </p:blipFill>
         <p:spPr>
           <a:xfrm>
-            <a:off x="2776853" y="8560230"/>
+            <a:off x="2776853" y="8485941"/>
             <a:ext cx="411480" cy="411480"/>
           </a:xfrm>
           <a:prstGeom prst="rect">
@@ -9315,7 +9010,7 @@
         </p:nvSpPr>
         <p:spPr>
           <a:xfrm rot="5400000" flipH="1">
-            <a:off x="3863341" y="5600443"/>
+            <a:off x="3863341" y="5526154"/>
             <a:ext cx="45719" cy="5577840"/>
           </a:xfrm>
           <a:custGeom>
@@ -9370,7 +9065,7 @@
         </p:nvSpPr>
         <p:spPr>
           <a:xfrm>
-            <a:off x="214971" y="6124178"/>
+            <a:off x="228599" y="6205745"/>
             <a:ext cx="1930978" cy="307777"/>
           </a:xfrm>
           <a:prstGeom prst="rect">
@@ -9392,7 +9087,7 @@
               </a:spcBef>
             </a:pPr>
             <a:r>
-              <a:rPr lang="es-ES" sz="1400" b="1">
+              <a:rPr lang="es-ES" sz="1400" b="1" dirty="0">
                 <a:solidFill>
                   <a:srgbClr val="020302"/>
                 </a:solidFill>
@@ -9418,9 +9113,9 @@
         </p:nvGrpSpPr>
         <p:grpSpPr>
           <a:xfrm rot="5400000">
-            <a:off x="1113102" y="-747421"/>
-            <a:ext cx="5753361" cy="7931849"/>
-            <a:chOff x="-247019" y="421767"/>
+            <a:off x="945763" y="-823085"/>
+            <a:ext cx="5892731" cy="8127161"/>
+            <a:chOff x="-324005" y="421767"/>
             <a:chExt cx="3875281" cy="7641336"/>
           </a:xfrm>
         </p:grpSpPr>
@@ -9438,7 +9133,7 @@
           </p:nvSpPr>
           <p:spPr>
             <a:xfrm>
-              <a:off x="3628262" y="576453"/>
+              <a:off x="3551276" y="576453"/>
               <a:ext cx="0" cy="7486650"/>
             </a:xfrm>
             <a:custGeom>
@@ -9486,7 +9181,7 @@
           </p:nvSpPr>
           <p:spPr>
             <a:xfrm>
-              <a:off x="-247019" y="421767"/>
+              <a:off x="-324005" y="421767"/>
               <a:ext cx="3844040" cy="7600950"/>
             </a:xfrm>
             <a:custGeom>
@@ -9545,7 +9240,7 @@
         </p:nvSpPr>
         <p:spPr>
           <a:xfrm rot="5400000" flipH="1">
-            <a:off x="3863341" y="2034540"/>
+            <a:off x="3863341" y="1985111"/>
             <a:ext cx="45719" cy="5577840"/>
           </a:xfrm>
           <a:custGeom>
@@ -9600,8 +9295,8 @@
         </p:nvSpPr>
         <p:spPr>
           <a:xfrm>
-            <a:off x="324341" y="4031705"/>
-            <a:ext cx="2194560" cy="672172"/>
+            <a:off x="324341" y="4148278"/>
+            <a:ext cx="2194560" cy="451342"/>
           </a:xfrm>
           <a:prstGeom prst="rect">
             <a:avLst/>
@@ -9622,17 +9317,17 @@
               </a:spcBef>
             </a:pPr>
             <a:r>
-              <a:rPr lang="es-ES" sz="1000" dirty="0">
+              <a:rPr lang="es-ES" sz="900" dirty="0">
                 <a:solidFill>
                   <a:srgbClr val="020302"/>
                 </a:solidFill>
                 <a:latin typeface="AdobeClean-Light"/>
                 <a:cs typeface="AdobeClean-Light"/>
               </a:rPr>
-              <a:t>Revisión proactiva de la implementación, configuración </a:t>
+              <a:t>Revisión proactiva de la implementación, configuración y arquitectura general de </a:t>
             </a:r>
             <a:br>
-              <a:rPr lang="sk-SK" sz="1000" dirty="0">
+              <a:rPr lang="es-ES" sz="900" dirty="0">
                 <a:solidFill>
                   <a:srgbClr val="020302"/>
                 </a:solidFill>
@@ -9641,14 +9336,14 @@
               </a:rPr>
             </a:br>
             <a:r>
-              <a:rPr lang="es-ES" sz="1000" dirty="0">
+              <a:rPr lang="es-ES" sz="900" dirty="0">
                 <a:solidFill>
                   <a:srgbClr val="020302"/>
                 </a:solidFill>
                 <a:latin typeface="AdobeClean-Light"/>
                 <a:cs typeface="AdobeClean-Light"/>
               </a:rPr>
-              <a:t>y arquitectura general de la solución, incluidas las integraciones.</a:t>
+              <a:t>la solución, incluidas las integraciones.</a:t>
             </a:r>
           </a:p>
         </p:txBody>
@@ -9667,8 +9362,8 @@
         </p:nvSpPr>
         <p:spPr>
           <a:xfrm>
-            <a:off x="5265661" y="4031705"/>
-            <a:ext cx="2194560" cy="821059"/>
+            <a:off x="5265661" y="4099049"/>
+            <a:ext cx="2182398" cy="739048"/>
           </a:xfrm>
           <a:prstGeom prst="rect">
             <a:avLst/>
@@ -9689,52 +9384,14 @@
               </a:spcBef>
             </a:pPr>
             <a:r>
-              <a:rPr lang="es-ES" sz="1000" dirty="0">
+              <a:rPr lang="es-ES" sz="900" dirty="0">
                 <a:solidFill>
                   <a:srgbClr val="020302"/>
                 </a:solidFill>
                 <a:latin typeface="AdobeClean-Light"/>
                 <a:cs typeface="AdobeClean-Light"/>
               </a:rPr>
-              <a:t>Reciba las prácticas recomendadas </a:t>
-            </a:r>
-            <a:br>
-              <a:rPr lang="sk-SK" sz="1000" dirty="0">
-                <a:solidFill>
-                  <a:srgbClr val="020302"/>
-                </a:solidFill>
-                <a:latin typeface="AdobeClean-Light"/>
-                <a:cs typeface="AdobeClean-Light"/>
-              </a:rPr>
-            </a:br>
-            <a:r>
-              <a:rPr lang="es-ES" sz="1000" dirty="0">
-                <a:solidFill>
-                  <a:srgbClr val="020302"/>
-                </a:solidFill>
-                <a:latin typeface="AdobeClean-Light"/>
-                <a:cs typeface="AdobeClean-Light"/>
-              </a:rPr>
-              <a:t>de mantenimiento y las correcciones </a:t>
-            </a:r>
-            <a:br>
-              <a:rPr lang="sk-SK" sz="1000" dirty="0">
-                <a:solidFill>
-                  <a:srgbClr val="020302"/>
-                </a:solidFill>
-                <a:latin typeface="AdobeClean-Light"/>
-                <a:cs typeface="AdobeClean-Light"/>
-              </a:rPr>
-            </a:br>
-            <a:r>
-              <a:rPr lang="es-ES" sz="1000" dirty="0">
-                <a:solidFill>
-                  <a:srgbClr val="020302"/>
-                </a:solidFill>
-                <a:latin typeface="AdobeClean-Light"/>
-                <a:cs typeface="AdobeClean-Light"/>
-              </a:rPr>
-              <a:t>más recientes (SP, MR, parches, FP) para mantenerse actualizado en cuando a todas las comprobaciones de mantenimiento</a:t>
+              <a:t>Reciba las prácticas recomendadas de mantenimiento y las correcciones más recientes (SP, MR, parches, FP) para mantenerse actualizado en cuando a todas las comprobaciones de mantenimiento.</a:t>
             </a:r>
           </a:p>
         </p:txBody>
@@ -9753,8 +9410,8 @@
         </p:nvSpPr>
         <p:spPr>
           <a:xfrm>
-            <a:off x="2852427" y="2847845"/>
-            <a:ext cx="2194560" cy="615553"/>
+            <a:off x="2852427" y="2905532"/>
+            <a:ext cx="2194560" cy="553998"/>
           </a:xfrm>
           <a:prstGeom prst="rect">
             <a:avLst/>
@@ -9772,14 +9429,33 @@
               </a:spcBef>
             </a:pPr>
             <a:r>
-              <a:rPr lang="es-ES" sz="1000">
+              <a:rPr lang="es-ES" sz="900" dirty="0">
                 <a:solidFill>
                   <a:srgbClr val="4B4B4B"/>
                 </a:solidFill>
                 <a:latin typeface="AdobeClean-Light"/>
                 <a:cs typeface="AdobeClean-Light"/>
               </a:rPr>
-              <a:t>Una revisión periódica de los servicios del programa Elite, las métricas de soporte y los entregables, incluyendo un plan orientado al futuro.</a:t>
+              <a:t>Una revisión periódica de los servicios del programa Elite, las métricas de soporte </a:t>
+            </a:r>
+            <a:br>
+              <a:rPr lang="es-ES" sz="900" dirty="0">
+                <a:solidFill>
+                  <a:srgbClr val="4B4B4B"/>
+                </a:solidFill>
+                <a:latin typeface="AdobeClean-Light"/>
+                <a:cs typeface="AdobeClean-Light"/>
+              </a:rPr>
+            </a:br>
+            <a:r>
+              <a:rPr lang="es-ES" sz="900" dirty="0">
+                <a:solidFill>
+                  <a:srgbClr val="4B4B4B"/>
+                </a:solidFill>
+                <a:latin typeface="AdobeClean-Light"/>
+                <a:cs typeface="AdobeClean-Light"/>
+              </a:rPr>
+              <a:t>y los entregables, incluyendo un plan orientado al futuro.</a:t>
             </a:r>
           </a:p>
         </p:txBody>
@@ -9798,15 +9474,15 @@
         </p:nvSpPr>
         <p:spPr>
           <a:xfrm>
-            <a:off x="5431520" y="2854370"/>
-            <a:ext cx="2340880" cy="615553"/>
+            <a:off x="5431520" y="2912057"/>
+            <a:ext cx="2194560" cy="553998"/>
           </a:xfrm>
           <a:prstGeom prst="rect">
             <a:avLst/>
           </a:prstGeom>
         </p:spPr>
         <p:txBody>
-          <a:bodyPr wrap="square" lIns="0" tIns="0" rIns="0" bIns="0">
+          <a:bodyPr lIns="0" tIns="0" rIns="0" bIns="0">
             <a:spAutoFit/>
           </a:bodyPr>
           <a:lstStyle/>
@@ -9817,52 +9493,14 @@
               </a:spcBef>
             </a:pPr>
             <a:r>
-              <a:rPr lang="es-ES" sz="1000" dirty="0">
+              <a:rPr lang="es-ES" sz="900" dirty="0">
                 <a:solidFill>
                   <a:srgbClr val="4B4B4B"/>
                 </a:solidFill>
                 <a:latin typeface="AdobeClean-Light"/>
                 <a:cs typeface="AdobeClean-Light"/>
               </a:rPr>
-              <a:t>Una sesión de 60 minutos centrada </a:t>
-            </a:r>
-            <a:br>
-              <a:rPr lang="sk-SK" sz="1000" dirty="0">
-                <a:solidFill>
-                  <a:srgbClr val="4B4B4B"/>
-                </a:solidFill>
-                <a:latin typeface="AdobeClean-Light"/>
-                <a:cs typeface="AdobeClean-Light"/>
-              </a:rPr>
-            </a:br>
-            <a:r>
-              <a:rPr lang="es-ES" sz="1000" dirty="0">
-                <a:solidFill>
-                  <a:srgbClr val="4B4B4B"/>
-                </a:solidFill>
-                <a:latin typeface="AdobeClean-Light"/>
-                <a:cs typeface="AdobeClean-Light"/>
-              </a:rPr>
-              <a:t>en una función específica del producto </a:t>
-            </a:r>
-            <a:br>
-              <a:rPr lang="sk-SK" sz="1000" dirty="0">
-                <a:solidFill>
-                  <a:srgbClr val="4B4B4B"/>
-                </a:solidFill>
-                <a:latin typeface="AdobeClean-Light"/>
-                <a:cs typeface="AdobeClean-Light"/>
-              </a:rPr>
-            </a:br>
-            <a:r>
-              <a:rPr lang="es-ES" sz="1000" dirty="0">
-                <a:solidFill>
-                  <a:srgbClr val="4B4B4B"/>
-                </a:solidFill>
-                <a:latin typeface="AdobeClean-Light"/>
-                <a:cs typeface="AdobeClean-Light"/>
-              </a:rPr>
-              <a:t>y en cómo se puede utilizar para resolver problemas empresariales comunes.</a:t>
+              <a:t>Una sesión de 60 minutos centrada en una función específica del producto y en cómo se puede utilizar para resolver problemas empresariales comunes.</a:t>
             </a:r>
           </a:p>
         </p:txBody>
@@ -9881,15 +9519,15 @@
         </p:nvSpPr>
         <p:spPr>
           <a:xfrm>
-            <a:off x="324341" y="2842848"/>
-            <a:ext cx="2428138" cy="769441"/>
+            <a:off x="324341" y="2900535"/>
+            <a:ext cx="2194560" cy="692497"/>
           </a:xfrm>
           <a:prstGeom prst="rect">
             <a:avLst/>
           </a:prstGeom>
         </p:spPr>
         <p:txBody>
-          <a:bodyPr wrap="square" lIns="0" tIns="0" rIns="0" bIns="0">
+          <a:bodyPr lIns="0" tIns="0" rIns="0" bIns="0">
             <a:spAutoFit/>
           </a:bodyPr>
           <a:lstStyle/>
@@ -9900,7 +9538,7 @@
               </a:spcBef>
             </a:pPr>
             <a:r>
-              <a:rPr lang="es-ES" sz="1000" dirty="0">
+              <a:rPr lang="es-ES" sz="900" dirty="0">
                 <a:solidFill>
                   <a:srgbClr val="4B4B4B"/>
                 </a:solidFill>
@@ -9926,8 +9564,8 @@
         </p:nvSpPr>
         <p:spPr>
           <a:xfrm>
-            <a:off x="3153726" y="1033046"/>
-            <a:ext cx="2194560" cy="338554"/>
+            <a:off x="3153726" y="984569"/>
+            <a:ext cx="1764984" cy="338554"/>
           </a:xfrm>
           <a:prstGeom prst="rect">
             <a:avLst/>
@@ -9952,26 +9590,7 @@
                 <a:latin typeface="Adobe Clean" panose="020B0503020404020204" pitchFamily="34" charset="0"/>
                 <a:cs typeface="Arial"/>
               </a:rPr>
-              <a:t>Ingeniero de asistencia </a:t>
-            </a:r>
-            <a:br>
-              <a:rPr lang="sk-SK" sz="1100" b="1" dirty="0">
-                <a:solidFill>
-                  <a:srgbClr val="020302"/>
-                </a:solidFill>
-                <a:latin typeface="Adobe Clean" panose="020B0503020404020204" pitchFamily="34" charset="0"/>
-                <a:cs typeface="Arial"/>
-              </a:rPr>
-            </a:br>
-            <a:r>
-              <a:rPr lang="es-ES" sz="1100" b="1" dirty="0">
-                <a:solidFill>
-                  <a:srgbClr val="020302"/>
-                </a:solidFill>
-                <a:latin typeface="Adobe Clean" panose="020B0503020404020204" pitchFamily="34" charset="0"/>
-                <a:cs typeface="Arial"/>
-              </a:rPr>
-              <a:t>técnica especializado</a:t>
+              <a:t>Ingeniero de asistencia técnica especializado</a:t>
             </a:r>
           </a:p>
         </p:txBody>
@@ -9990,7 +9609,7 @@
         </p:nvSpPr>
         <p:spPr>
           <a:xfrm>
-            <a:off x="5723508" y="1033046"/>
+            <a:off x="5723508" y="1028202"/>
             <a:ext cx="2194560" cy="169277"/>
           </a:xfrm>
           <a:prstGeom prst="rect">
@@ -10035,7 +9654,7 @@
         </p:nvSpPr>
         <p:spPr>
           <a:xfrm>
-            <a:off x="5723508" y="3778989"/>
+            <a:off x="5669280" y="3846333"/>
             <a:ext cx="2194560" cy="169277"/>
           </a:xfrm>
           <a:prstGeom prst="rect">
@@ -10054,7 +9673,7 @@
               </a:spcBef>
             </a:pPr>
             <a:r>
-              <a:rPr lang="es-ES" sz="1100" b="1">
+              <a:rPr lang="es-ES" sz="1100" b="1" dirty="0">
                 <a:solidFill>
                   <a:srgbClr val="020302"/>
                 </a:solidFill>
@@ -10080,8 +9699,8 @@
         </p:nvSpPr>
         <p:spPr>
           <a:xfrm>
-            <a:off x="3138805" y="3778989"/>
-            <a:ext cx="2194560" cy="169277"/>
+            <a:off x="3138805" y="3780648"/>
+            <a:ext cx="2194560" cy="338554"/>
           </a:xfrm>
           <a:prstGeom prst="rect">
             <a:avLst/>
@@ -10099,14 +9718,33 @@
               </a:spcBef>
             </a:pPr>
             <a:r>
-              <a:rPr lang="es-ES" sz="1100" b="1">
+              <a:rPr lang="es-ES" sz="1100" b="1" dirty="0">
                 <a:solidFill>
                   <a:srgbClr val="020302"/>
                 </a:solidFill>
                 <a:latin typeface="Adobe Clean" panose="020B0503020404020204" pitchFamily="34" charset="0"/>
                 <a:cs typeface="Adobe Clean"/>
               </a:rPr>
-              <a:t>Revisión del plan de las soluciones</a:t>
+              <a:t>Revisión del plan </a:t>
+            </a:r>
+            <a:br>
+              <a:rPr lang="es-ES" sz="1100" b="1" dirty="0">
+                <a:solidFill>
+                  <a:srgbClr val="020302"/>
+                </a:solidFill>
+                <a:latin typeface="Adobe Clean" panose="020B0503020404020204" pitchFamily="34" charset="0"/>
+                <a:cs typeface="Adobe Clean"/>
+              </a:rPr>
+            </a:br>
+            <a:r>
+              <a:rPr lang="es-ES" sz="1100" b="1" dirty="0">
+                <a:solidFill>
+                  <a:srgbClr val="020302"/>
+                </a:solidFill>
+                <a:latin typeface="Adobe Clean" panose="020B0503020404020204" pitchFamily="34" charset="0"/>
+                <a:cs typeface="Adobe Clean"/>
+              </a:rPr>
+              <a:t>de las soluciones</a:t>
             </a:r>
           </a:p>
         </p:txBody>
@@ -10125,7 +9763,7 @@
         </p:nvSpPr>
         <p:spPr>
           <a:xfrm>
-            <a:off x="689237" y="3778989"/>
+            <a:off x="689237" y="3865383"/>
             <a:ext cx="2194560" cy="169277"/>
           </a:xfrm>
           <a:prstGeom prst="rect">
@@ -10170,8 +9808,8 @@
         </p:nvSpPr>
         <p:spPr>
           <a:xfrm>
-            <a:off x="689237" y="2599639"/>
-            <a:ext cx="2194560" cy="169277"/>
+            <a:off x="689237" y="2530989"/>
+            <a:ext cx="2194560" cy="338554"/>
           </a:xfrm>
           <a:prstGeom prst="rect">
             <a:avLst/>
@@ -10196,7 +9834,26 @@
                 <a:latin typeface="Adobe Clean" panose="020B0503020404020204" pitchFamily="34" charset="0"/>
                 <a:cs typeface="Adobe Clean"/>
               </a:rPr>
-              <a:t>Administración de la escalabilidad</a:t>
+              <a:t>Administración de </a:t>
+            </a:r>
+            <a:br>
+              <a:rPr lang="es-ES" sz="1100" b="1" dirty="0">
+                <a:solidFill>
+                  <a:srgbClr val="020302"/>
+                </a:solidFill>
+                <a:latin typeface="Adobe Clean" panose="020B0503020404020204" pitchFamily="34" charset="0"/>
+                <a:cs typeface="Adobe Clean"/>
+              </a:rPr>
+            </a:br>
+            <a:r>
+              <a:rPr lang="es-ES" sz="1100" b="1" dirty="0">
+                <a:solidFill>
+                  <a:srgbClr val="020302"/>
+                </a:solidFill>
+                <a:latin typeface="Adobe Clean" panose="020B0503020404020204" pitchFamily="34" charset="0"/>
+                <a:cs typeface="Adobe Clean"/>
+              </a:rPr>
+              <a:t>la escalabilidad</a:t>
             </a:r>
           </a:p>
         </p:txBody>
@@ -10215,7 +9872,7 @@
         </p:nvSpPr>
         <p:spPr>
           <a:xfrm>
-            <a:off x="3153726" y="2599639"/>
+            <a:off x="3153726" y="2642086"/>
             <a:ext cx="2194560" cy="169277"/>
           </a:xfrm>
           <a:prstGeom prst="rect">
@@ -10260,7 +9917,7 @@
         </p:nvSpPr>
         <p:spPr>
           <a:xfrm>
-            <a:off x="5723508" y="2599639"/>
+            <a:off x="5723508" y="2642086"/>
             <a:ext cx="2194560" cy="169277"/>
           </a:xfrm>
           <a:prstGeom prst="rect">
@@ -10305,7 +9962,7 @@
         </p:nvSpPr>
         <p:spPr>
           <a:xfrm>
-            <a:off x="689237" y="4876800"/>
+            <a:off x="689237" y="5011024"/>
             <a:ext cx="2194560" cy="338554"/>
           </a:xfrm>
           <a:prstGeom prst="rect">
@@ -10331,10 +9988,10 @@
                 <a:latin typeface="Adobe Clean" panose="020B0503020404020204" pitchFamily="34" charset="0"/>
                 <a:cs typeface="Adobe Clean"/>
               </a:rPr>
-              <a:t>Preparación </a:t>
+              <a:t>Preparación y revisión </a:t>
             </a:r>
             <a:br>
-              <a:rPr lang="sk-SK" sz="1100" b="1" dirty="0">
+              <a:rPr lang="es-ES" sz="1100" b="1" dirty="0">
                 <a:solidFill>
                   <a:srgbClr val="020302"/>
                 </a:solidFill>
@@ -10350,7 +10007,7 @@
                 <a:latin typeface="Adobe Clean" panose="020B0503020404020204" pitchFamily="34" charset="0"/>
                 <a:cs typeface="Adobe Clean"/>
               </a:rPr>
-              <a:t>y revisión de la versión</a:t>
+              <a:t>de la versión</a:t>
             </a:r>
           </a:p>
         </p:txBody>
@@ -10369,7 +10026,7 @@
         </p:nvSpPr>
         <p:spPr>
           <a:xfrm>
-            <a:off x="3113405" y="4935181"/>
+            <a:off x="3113405" y="5087433"/>
             <a:ext cx="2194560" cy="169277"/>
           </a:xfrm>
           <a:prstGeom prst="rect">
@@ -10417,7 +10074,7 @@
         </p:nvSpPr>
         <p:spPr>
           <a:xfrm>
-            <a:off x="5723508" y="4935181"/>
+            <a:off x="5723508" y="5087433"/>
             <a:ext cx="2194560" cy="169277"/>
           </a:xfrm>
           <a:prstGeom prst="rect">
@@ -10465,7 +10122,7 @@
         </p:nvSpPr>
         <p:spPr>
           <a:xfrm rot="5400000" flipH="1">
-            <a:off x="3863341" y="815340"/>
+            <a:off x="3863341" y="867410"/>
             <a:ext cx="45719" cy="5577840"/>
           </a:xfrm>
           <a:custGeom>
@@ -10520,7 +10177,7 @@
         </p:nvSpPr>
         <p:spPr>
           <a:xfrm rot="5400000" flipH="1">
-            <a:off x="3863341" y="-327660"/>
+            <a:off x="3863341" y="-420623"/>
             <a:ext cx="45719" cy="5577840"/>
           </a:xfrm>
           <a:custGeom>
@@ -10592,7 +10249,7 @@
         </p:blipFill>
         <p:spPr>
           <a:xfrm>
-            <a:off x="228599" y="3634381"/>
+            <a:off x="228599" y="3720775"/>
             <a:ext cx="457200" cy="457200"/>
           </a:xfrm>
           <a:prstGeom prst="rect">
@@ -10622,7 +10279,7 @@
         </p:blipFill>
         <p:spPr>
           <a:xfrm>
-            <a:off x="2768925" y="3722747"/>
+            <a:off x="2768925" y="3809141"/>
             <a:ext cx="309943" cy="288000"/>
           </a:xfrm>
           <a:prstGeom prst="rect">
@@ -10652,7 +10309,7 @@
         </p:blipFill>
         <p:spPr>
           <a:xfrm>
-            <a:off x="355868" y="4878393"/>
+            <a:off x="355868" y="5030645"/>
             <a:ext cx="240657" cy="300821"/>
           </a:xfrm>
           <a:prstGeom prst="rect">
@@ -10682,7 +10339,7 @@
         </p:blipFill>
         <p:spPr>
           <a:xfrm>
-            <a:off x="5276601" y="3720877"/>
+            <a:off x="5276601" y="3788221"/>
             <a:ext cx="328157" cy="284207"/>
           </a:xfrm>
           <a:prstGeom prst="rect">
@@ -10712,7 +10369,7 @@
         </p:blipFill>
         <p:spPr>
           <a:xfrm>
-            <a:off x="5276601" y="4928329"/>
+            <a:off x="5276601" y="5080581"/>
             <a:ext cx="347646" cy="264530"/>
           </a:xfrm>
           <a:prstGeom prst="rect">
@@ -10751,7 +10408,7 @@
         </p:blipFill>
         <p:spPr>
           <a:xfrm>
-            <a:off x="2768925" y="4836780"/>
+            <a:off x="2768925" y="4989032"/>
             <a:ext cx="365760" cy="365760"/>
           </a:xfrm>
           <a:prstGeom prst="rect">
@@ -10773,8 +10430,8 @@
         </p:nvSpPr>
         <p:spPr>
           <a:xfrm>
-            <a:off x="2764975" y="4039530"/>
-            <a:ext cx="2282011" cy="881460"/>
+            <a:off x="2764975" y="4125924"/>
+            <a:ext cx="2282011" cy="797334"/>
           </a:xfrm>
           <a:prstGeom prst="rect">
             <a:avLst/>
@@ -10795,17 +10452,17 @@
               </a:spcBef>
             </a:pPr>
             <a:r>
-              <a:rPr lang="es-ES" sz="1000" dirty="0">
+              <a:rPr lang="es-ES" sz="900" dirty="0">
                 <a:solidFill>
                   <a:srgbClr val="020302"/>
                 </a:solidFill>
                 <a:latin typeface="AdobeClean-Light"/>
                 <a:cs typeface="AdobeClean-Light"/>
               </a:rPr>
-              <a:t>Compare y alinee la hoja de ruta de la solución de Adobe con la hoja de ruta de su proyecto para mitigar el riesgo </a:t>
+              <a:t>Compare y alinee la hoja de ruta de </a:t>
             </a:r>
             <a:br>
-              <a:rPr lang="sk-SK" sz="1000" dirty="0">
+              <a:rPr lang="es-ES" sz="900" dirty="0">
                 <a:solidFill>
                   <a:srgbClr val="020302"/>
                 </a:solidFill>
@@ -10814,7 +10471,45 @@
               </a:rPr>
             </a:br>
             <a:r>
-              <a:rPr lang="es-ES" sz="1000" dirty="0">
+              <a:rPr lang="es-ES" sz="900" dirty="0">
+                <a:solidFill>
+                  <a:srgbClr val="020302"/>
+                </a:solidFill>
+                <a:latin typeface="AdobeClean-Light"/>
+                <a:cs typeface="AdobeClean-Light"/>
+              </a:rPr>
+              <a:t>la solución de Adobe con la hoja de ruta </a:t>
+            </a:r>
+            <a:br>
+              <a:rPr lang="es-ES" sz="900" dirty="0">
+                <a:solidFill>
+                  <a:srgbClr val="020302"/>
+                </a:solidFill>
+                <a:latin typeface="AdobeClean-Light"/>
+                <a:cs typeface="AdobeClean-Light"/>
+              </a:rPr>
+            </a:br>
+            <a:r>
+              <a:rPr lang="es-ES" sz="900" dirty="0">
+                <a:solidFill>
+                  <a:srgbClr val="020302"/>
+                </a:solidFill>
+                <a:latin typeface="AdobeClean-Light"/>
+                <a:cs typeface="AdobeClean-Light"/>
+              </a:rPr>
+              <a:t>de su proyecto para mitigar el riesgo </a:t>
+            </a:r>
+            <a:br>
+              <a:rPr lang="es-ES" sz="900" dirty="0">
+                <a:solidFill>
+                  <a:srgbClr val="020302"/>
+                </a:solidFill>
+                <a:latin typeface="AdobeClean-Light"/>
+                <a:cs typeface="AdobeClean-Light"/>
+              </a:rPr>
+            </a:br>
+            <a:r>
+              <a:rPr lang="es-ES" sz="900" dirty="0">
                 <a:solidFill>
                   <a:srgbClr val="020302"/>
                 </a:solidFill>
@@ -10834,7 +10529,7 @@
               </a:spcBef>
             </a:pPr>
             <a:r>
-              <a:rPr lang="es-ES" sz="1000" dirty="0">
+              <a:rPr lang="es-ES" sz="900" dirty="0">
                 <a:solidFill>
                   <a:srgbClr val="020302"/>
                 </a:solidFill>
@@ -11128,9 +10823,9 @@
           <p:nvPr/>
         </p:nvSpPr>
         <p:spPr>
-          <a:xfrm>
-            <a:off x="4333468" y="2608959"/>
-            <a:ext cx="2524525" cy="75996"/>
+          <a:xfrm flipV="1">
+            <a:off x="4336982" y="2654676"/>
+            <a:ext cx="2602567" cy="45719"/>
           </a:xfrm>
           <a:custGeom>
             <a:avLst/>
@@ -11171,8 +10866,8 @@
         </p:nvSpPr>
         <p:spPr>
           <a:xfrm>
-            <a:off x="4333468" y="2286000"/>
-            <a:ext cx="2676932" cy="228268"/>
+            <a:off x="4336982" y="2329688"/>
+            <a:ext cx="2668654" cy="228268"/>
           </a:xfrm>
           <a:prstGeom prst="rect">
             <a:avLst/>
@@ -11213,8 +10908,8 @@
         </p:nvSpPr>
         <p:spPr>
           <a:xfrm>
-            <a:off x="838200" y="2342312"/>
-            <a:ext cx="1804469" cy="228268"/>
+            <a:off x="-48534" y="2342312"/>
+            <a:ext cx="3167972" cy="228268"/>
           </a:xfrm>
           <a:prstGeom prst="rect">
             <a:avLst/>
@@ -11226,7 +10921,7 @@
           </a:bodyPr>
           <a:lstStyle/>
           <a:p>
-            <a:pPr marL="12700">
+            <a:pPr marL="12700" algn="ctr">
               <a:lnSpc>
                 <a:spcPct val="100000"/>
               </a:lnSpc>
@@ -11282,8 +10977,8 @@
         </p:nvSpPr>
         <p:spPr>
           <a:xfrm>
-            <a:off x="242187" y="2787904"/>
-            <a:ext cx="3004185" cy="795089"/>
+            <a:off x="242186" y="2787904"/>
+            <a:ext cx="3396363" cy="628377"/>
           </a:xfrm>
           <a:prstGeom prst="rect">
             <a:avLst/>
@@ -11321,18 +11016,17 @@
                 <a:latin typeface="Adobe Clean"/>
                 <a:cs typeface="Adobe Clean"/>
               </a:rPr>
-              <a:t>nueva solución de Adobe </a:t>
-            </a:r>
-            <a:r>
-              <a:rPr lang="es-ES" sz="1000" b="1" dirty="0" err="1">
+              <a:t>nueva solución </a:t>
+            </a:r>
+            <a:br>
+              <a:rPr lang="es-ES" sz="1000" b="1" dirty="0">
                 <a:solidFill>
                   <a:srgbClr val="1F1F1F"/>
                 </a:solidFill>
                 <a:latin typeface="Adobe Clean"/>
                 <a:cs typeface="Adobe Clean"/>
               </a:rPr>
-              <a:t>Experience</a:t>
-            </a:r>
+            </a:br>
             <a:r>
               <a:rPr lang="es-ES" sz="1000" b="1" dirty="0">
                 <a:solidFill>
@@ -11341,111 +11035,63 @@
                 <a:latin typeface="Adobe Clean"/>
                 <a:cs typeface="Adobe Clean"/>
               </a:rPr>
+              <a:t>de Adobe </a:t>
+            </a:r>
+            <a:r>
+              <a:rPr lang="es-ES" sz="1000" b="1" dirty="0" err="1">
+                <a:solidFill>
+                  <a:srgbClr val="1F1F1F"/>
+                </a:solidFill>
+                <a:latin typeface="Adobe Clean"/>
+                <a:cs typeface="Adobe Clean"/>
+              </a:rPr>
+              <a:t>Experience</a:t>
+            </a:r>
+            <a:r>
+              <a:rPr lang="es-ES" sz="1000" b="1" dirty="0">
+                <a:solidFill>
+                  <a:srgbClr val="1F1F1F"/>
+                </a:solidFill>
+                <a:latin typeface="Adobe Clean"/>
+                <a:cs typeface="Adobe Clean"/>
+              </a:rPr>
               <a:t> Cloud, </a:t>
             </a:r>
             <a:r>
               <a:rPr lang="es-ES" sz="1000" dirty="0" err="1">
+                <a:solidFill>
+                  <a:srgbClr val="1F1F1F"/>
+                </a:solidFill>
                 <a:latin typeface="AdobeClean-Light"/>
-                <a:cs typeface="AdobeClean-Light"/>
               </a:rPr>
               <a:t>Launch</a:t>
             </a:r>
             <a:r>
               <a:rPr lang="es-ES" sz="1000" dirty="0">
+                <a:solidFill>
+                  <a:srgbClr val="1F1F1F"/>
+                </a:solidFill>
                 <a:latin typeface="AdobeClean-Light"/>
-                <a:cs typeface="AdobeClean-Light"/>
               </a:rPr>
               <a:t> </a:t>
             </a:r>
             <a:r>
               <a:rPr lang="es-ES" sz="1000" dirty="0" err="1">
+                <a:solidFill>
+                  <a:srgbClr val="1F1F1F"/>
+                </a:solidFill>
                 <a:latin typeface="AdobeClean-Light"/>
-                <a:cs typeface="AdobeClean-Light"/>
               </a:rPr>
               <a:t>Advisory</a:t>
             </a:r>
-            <a:br>
-              <a:rPr lang="sk-SK" sz="1000" dirty="0">
+            <a:r>
+              <a:rPr lang="es-ES" sz="1000" dirty="0">
+                <a:solidFill>
+                  <a:srgbClr val="1F1F1F"/>
+                </a:solidFill>
                 <a:latin typeface="AdobeClean-Light"/>
-                <a:cs typeface="AdobeClean-Light"/>
-              </a:rPr>
-            </a:br>
-            <a:r>
-              <a:rPr lang="es-ES" sz="1000" dirty="0">
-                <a:latin typeface="AdobeClean-SemiLight"/>
-                <a:cs typeface="AdobeClean-SemiLight"/>
-              </a:rPr>
-              <a:t>es un servicio </a:t>
-            </a:r>
-            <a:r>
-              <a:rPr lang="es-ES" sz="950" dirty="0">
-                <a:latin typeface="AdobeClean-SemiLight"/>
-                <a:cs typeface="AdobeClean-SemiLight"/>
-              </a:rPr>
-              <a:t>esencial de asesoría</a:t>
-            </a:r>
-            <a:r>
-              <a:rPr lang="sk-SK" sz="950" dirty="0">
-                <a:latin typeface="AdobeClean-SemiLight"/>
-                <a:cs typeface="AdobeClean-SemiLight"/>
-              </a:rPr>
-              <a:t> </a:t>
-            </a:r>
-            <a:r>
-              <a:rPr lang="es-ES" sz="950" dirty="0">
-                <a:latin typeface="AdobeClean-SemiLight"/>
-                <a:cs typeface="AdobeClean-SemiLight"/>
-              </a:rPr>
-              <a:t>cuyas </a:t>
-            </a:r>
-            <a:r>
-              <a:rPr lang="es-ES" sz="1000" dirty="0">
-                <a:latin typeface="AdobeClean-Light"/>
-                <a:cs typeface="AdobeClean-Light"/>
-              </a:rPr>
-              <a:t>recomendaciones ayudan a </a:t>
-            </a:r>
-            <a:r>
-              <a:rPr lang="es-ES" sz="950" dirty="0">
-                <a:latin typeface="AdobeClean-Light"/>
-                <a:cs typeface="AdobeClean-Light"/>
-              </a:rPr>
-              <a:t>conseguir implementaciones adecuadas </a:t>
-            </a:r>
-            <a:r>
-              <a:rPr lang="es-ES" sz="1000" dirty="0">
-                <a:latin typeface="AdobeClean-Light"/>
-                <a:cs typeface="AdobeClean-Light"/>
-              </a:rPr>
-              <a:t>y </a:t>
-            </a:r>
-            <a:r>
-              <a:rPr lang="es-ES" sz="950" dirty="0">
-                <a:latin typeface="AdobeClean-Light"/>
-                <a:cs typeface="AdobeClean-Light"/>
-              </a:rPr>
-              <a:t>agilizan </a:t>
-            </a:r>
-            <a:endParaRPr lang="sk-SK" sz="950" dirty="0">
-              <a:latin typeface="AdobeClean-Light"/>
-              <a:cs typeface="AdobeClean-Light"/>
-            </a:endParaRPr>
-          </a:p>
-          <a:p>
-            <a:pPr marL="12700" marR="5080">
-              <a:lnSpc>
-                <a:spcPct val="100000"/>
-              </a:lnSpc>
-              <a:spcBef>
-                <a:spcPts val="100"/>
-              </a:spcBef>
-            </a:pPr>
-            <a:r>
-              <a:rPr lang="es-ES" sz="950" dirty="0">
-                <a:latin typeface="AdobeClean-Light"/>
-                <a:cs typeface="AdobeClean-Light"/>
-              </a:rPr>
-              <a:t>la obtención de rentabilidad</a:t>
+              </a:rPr>
+              <a:t> es un servicio esencial de asesoría cuyas recomendaciones ayudan a conseguir implementaciones adecuadas y agilizan la obtención de rentabilidad</a:t>
             </a:r>
             <a:r>
               <a:rPr lang="es-ES" sz="1000" dirty="0">
@@ -11545,7 +11191,7 @@
         <p:spPr>
           <a:xfrm>
             <a:off x="3976901" y="2790952"/>
-            <a:ext cx="3543300" cy="782265"/>
+            <a:ext cx="3438312" cy="782265"/>
           </a:xfrm>
           <a:prstGeom prst="rect">
             <a:avLst/>
@@ -11679,26 +11325,7 @@
                 <a:latin typeface="Adobe Clean"/>
                 <a:cs typeface="Adobe Clean"/>
               </a:rPr>
-              <a:t>no habrá ningún servicio </a:t>
-            </a:r>
-            <a:br>
-              <a:rPr lang="sk-SK" sz="1000" b="1" dirty="0">
-                <a:solidFill>
-                  <a:srgbClr val="4B4B4B"/>
-                </a:solidFill>
-                <a:latin typeface="Adobe Clean"/>
-                <a:cs typeface="Adobe Clean"/>
-              </a:rPr>
-            </a:br>
-            <a:r>
-              <a:rPr lang="es-ES" sz="1000" b="1" dirty="0">
-                <a:solidFill>
-                  <a:srgbClr val="4B4B4B"/>
-                </a:solidFill>
-                <a:latin typeface="Adobe Clean"/>
-                <a:cs typeface="Adobe Clean"/>
-              </a:rPr>
-              <a:t>de campo en el año 1</a:t>
+              <a:t>no habrá ningún servicio de campo en el año 1</a:t>
             </a:r>
             <a:r>
               <a:rPr lang="es-ES" sz="1000" dirty="0">
@@ -11721,7 +11348,7 @@
         </p:nvSpPr>
         <p:spPr>
           <a:xfrm>
-            <a:off x="838200" y="2667378"/>
+            <a:off x="924304" y="2667378"/>
             <a:ext cx="1245870" cy="0"/>
           </a:xfrm>
           <a:custGeom>
@@ -11763,8 +11390,8 @@
         </p:nvSpPr>
         <p:spPr>
           <a:xfrm>
-            <a:off x="3692282" y="2413489"/>
-            <a:ext cx="0" cy="1005840"/>
+            <a:off x="3792300" y="2418187"/>
+            <a:ext cx="45719" cy="953673"/>
           </a:xfrm>
           <a:custGeom>
             <a:avLst/>
@@ -11805,8 +11432,8 @@
         </p:nvSpPr>
         <p:spPr>
           <a:xfrm>
-            <a:off x="263464" y="5348732"/>
-            <a:ext cx="3335020" cy="628377"/>
+            <a:off x="263464" y="5268502"/>
+            <a:ext cx="3114040" cy="482600"/>
           </a:xfrm>
           <a:prstGeom prst="rect">
             <a:avLst/>
@@ -11852,33 +11479,7 @@
                 <a:latin typeface="AdobeClean-Light"/>
                 <a:cs typeface="AdobeClean-Light"/>
               </a:rPr>
-              <a:t> se alineará con la programación de su proyecto </a:t>
-            </a:r>
-            <a:br>
-              <a:rPr lang="sk-SK" sz="1000" dirty="0">
-                <a:latin typeface="AdobeClean-Light"/>
-                <a:cs typeface="AdobeClean-Light"/>
-              </a:rPr>
-            </a:br>
-            <a:r>
-              <a:rPr lang="es-ES" sz="1000" dirty="0">
-                <a:latin typeface="AdobeClean-Light"/>
-                <a:cs typeface="AdobeClean-Light"/>
-              </a:rPr>
-              <a:t>a través de hitos comunes (inicio, definición, diseño, lanzamiento </a:t>
-            </a:r>
-            <a:br>
-              <a:rPr lang="sk-SK" sz="1000" dirty="0">
-                <a:latin typeface="AdobeClean-Light"/>
-                <a:cs typeface="AdobeClean-Light"/>
-              </a:rPr>
-            </a:br>
-            <a:r>
-              <a:rPr lang="es-ES" sz="1000" dirty="0">
-                <a:latin typeface="AdobeClean-Light"/>
-                <a:cs typeface="AdobeClean-Light"/>
-              </a:rPr>
-              <a:t>y lanzamiento posterior) para guiar, validar, evaluar y hacer recomendaciones.</a:t>
+              <a:t> se alineará con la programación de su proyecto a través de hitos comunes (inicio, definición, diseño, lanzamiento y lanzamiento posterior) para guiar, validar, evaluar y hacer recomendaciones.</a:t>
             </a:r>
           </a:p>
         </p:txBody>
@@ -11891,8 +11492,8 @@
         </p:nvSpPr>
         <p:spPr>
           <a:xfrm>
-            <a:off x="263464" y="6003438"/>
-            <a:ext cx="1972670" cy="168762"/>
+            <a:off x="263464" y="6101249"/>
+            <a:ext cx="2369246" cy="166712"/>
           </a:xfrm>
           <a:prstGeom prst="rect">
             <a:avLst/>
@@ -11931,7 +11532,7 @@
         <p:spPr>
           <a:xfrm>
             <a:off x="205422" y="6308299"/>
-            <a:ext cx="3737351" cy="592470"/>
+            <a:ext cx="2856718" cy="746358"/>
           </a:xfrm>
           <a:prstGeom prst="rect">
             <a:avLst/>
@@ -11956,7 +11557,22 @@
                   <a:prstClr val="black"/>
                 </a:solidFill>
               </a:rPr>
-              <a:t>Plan de lanzamiento (incluido el plan de colaboración del proyecto)</a:t>
+              <a:t>Plan de lanzamiento (incluido el plan </a:t>
+            </a:r>
+            <a:br>
+              <a:rPr lang="es-ES" sz="1000" dirty="0">
+                <a:solidFill>
+                  <a:prstClr val="black"/>
+                </a:solidFill>
+              </a:rPr>
+            </a:br>
+            <a:r>
+              <a:rPr lang="es-ES" sz="1000" dirty="0">
+                <a:solidFill>
+                  <a:prstClr val="black"/>
+                </a:solidFill>
+              </a:rPr>
+              <a:t>de colaboración del proyecto)</a:t>
             </a:r>
           </a:p>
           <a:p>
@@ -12004,7 +11620,7 @@
         <p:spPr>
           <a:xfrm>
             <a:off x="263463" y="4126991"/>
-            <a:ext cx="3428817" cy="1070610"/>
+            <a:ext cx="3375085" cy="1070610"/>
           </a:xfrm>
           <a:prstGeom prst="rect">
             <a:avLst/>
@@ -12089,7 +11705,7 @@
           <p:nvPr/>
         </p:nvPicPr>
         <p:blipFill>
-          <a:blip r:embed="rId3">
+          <a:blip r:embed="rId3" cstate="print">
             <a:extLst>
               <a:ext uri="{28A0092B-C50C-407E-A947-70E740481C1C}">
                 <a14:useLocalDpi xmlns:a14="http://schemas.microsoft.com/office/drawing/2010/main" val="0"/>
@@ -12101,8 +11717,8 @@
         </p:blipFill>
         <p:spPr>
           <a:xfrm>
-            <a:off x="363328" y="6932449"/>
-            <a:ext cx="3053821" cy="2815984"/>
+            <a:off x="428738" y="7120115"/>
+            <a:ext cx="2856718" cy="2636970"/>
           </a:xfrm>
           <a:prstGeom prst="rect">
             <a:avLst/>
@@ -12117,8 +11733,8 @@
         </p:nvSpPr>
         <p:spPr>
           <a:xfrm>
-            <a:off x="3947346" y="5363972"/>
-            <a:ext cx="3672654" cy="805029"/>
+            <a:off x="3947346" y="5283742"/>
+            <a:ext cx="3539894" cy="805029"/>
           </a:xfrm>
           <a:prstGeom prst="rect">
             <a:avLst/>
@@ -12140,56 +11756,24 @@
             </a:pPr>
             <a:r>
               <a:rPr lang="es-ES" sz="1000" b="1" dirty="0">
-                <a:latin typeface="Arial"/>
+                <a:latin typeface="Adobe Clean" panose="020B0503020404020204" pitchFamily="34" charset="0"/>
                 <a:cs typeface="Arial"/>
               </a:rPr>
               <a:t>Las actividades de seguimiento técnicas</a:t>
+            </a:r>
+            <a:r>
+              <a:rPr lang="es-ES" sz="1000" dirty="0">
+                <a:latin typeface="Adobe Clean" panose="020B0503020404020204" pitchFamily="34" charset="0"/>
+                <a:cs typeface="AdobeClean-Light"/>
+              </a:rPr>
+              <a:t> </a:t>
             </a:r>
             <a:r>
               <a:rPr lang="es-ES" sz="1000" dirty="0">
                 <a:latin typeface="AdobeClean-Light"/>
                 <a:cs typeface="AdobeClean-Light"/>
               </a:rPr>
-              <a:t> garantizan que </a:t>
-            </a:r>
-            <a:br>
-              <a:rPr lang="sk-SK" sz="1000" dirty="0">
-                <a:latin typeface="AdobeClean-Light"/>
-                <a:cs typeface="AdobeClean-Light"/>
-              </a:rPr>
-            </a:br>
-            <a:r>
-              <a:rPr lang="es-ES" sz="1000" dirty="0">
-                <a:latin typeface="AdobeClean-Light"/>
-                <a:cs typeface="AdobeClean-Light"/>
-              </a:rPr>
-              <a:t>los clientes estén técnicamente implementados y maximicen la adopción </a:t>
-            </a:r>
-            <a:br>
-              <a:rPr lang="sk-SK" sz="1000" dirty="0">
-                <a:latin typeface="AdobeClean-Light"/>
-                <a:cs typeface="AdobeClean-Light"/>
-              </a:rPr>
-            </a:br>
-            <a:r>
-              <a:rPr lang="es-ES" sz="1000" dirty="0">
-                <a:latin typeface="AdobeClean-Light"/>
-                <a:cs typeface="AdobeClean-Light"/>
-              </a:rPr>
-              <a:t>de sus herramientas. Específicamente, estos tipos de actividades incluyen soporte y recomendaciones relacionadas con configuraciones </a:t>
-            </a:r>
-            <a:br>
-              <a:rPr lang="sk-SK" sz="1000" dirty="0">
-                <a:latin typeface="AdobeClean-Light"/>
-                <a:cs typeface="AdobeClean-Light"/>
-              </a:rPr>
-            </a:br>
-            <a:r>
-              <a:rPr lang="es-ES" sz="1000" dirty="0">
-                <a:latin typeface="AdobeClean-Light"/>
-                <a:cs typeface="AdobeClean-Light"/>
-              </a:rPr>
-              <a:t>de plataforma, integraciones y resolución de problemas.</a:t>
+              <a:t>garantizan que los clientes estén técnicamente implementados y maximicen la adopción de sus herramientas. Específicamente, estos tipos de actividades incluyen soporte y recomendaciones relacionadas con configuraciones de plataforma, integraciones y resolución de problemas.</a:t>
             </a:r>
           </a:p>
         </p:txBody>
@@ -12203,7 +11787,7 @@
         <p:spPr>
           <a:xfrm>
             <a:off x="3947346" y="6174740"/>
-            <a:ext cx="2377254" cy="1436291"/>
+            <a:ext cx="3561590" cy="1436291"/>
           </a:xfrm>
           <a:prstGeom prst="rect">
             <a:avLst/>
@@ -12362,7 +11946,7 @@
         <p:spPr>
           <a:xfrm>
             <a:off x="3942774" y="7717028"/>
-            <a:ext cx="3466298" cy="1989006"/>
+            <a:ext cx="3400888" cy="1989006"/>
           </a:xfrm>
           <a:prstGeom prst="rect">
             <a:avLst/>
@@ -12384,17 +11968,37 @@
             </a:pPr>
             <a:r>
               <a:rPr lang="es-ES" sz="1000" b="1" dirty="0">
-                <a:latin typeface="Arial"/>
+                <a:latin typeface="Adobe Clean" panose="020B0503020404020204" pitchFamily="34" charset="0"/>
                 <a:cs typeface="Arial"/>
               </a:rPr>
               <a:t>Las actividades de seguimiento estratégicas</a:t>
+            </a:r>
+            <a:r>
+              <a:rPr lang="es-ES" sz="1000" dirty="0">
+                <a:latin typeface="Adobe Clean" panose="020B0503020404020204" pitchFamily="34" charset="0"/>
+                <a:cs typeface="AdobeClean-Light"/>
+              </a:rPr>
+              <a:t> </a:t>
             </a:r>
             <a:r>
               <a:rPr lang="es-ES" sz="1000" dirty="0">
                 <a:latin typeface="AdobeClean-Light"/>
                 <a:cs typeface="AdobeClean-Light"/>
               </a:rPr>
-              <a:t> localizan oportunidades para garantizar que las soluciones de Adobe de un cliente estén obteniendo valor. Incluyen recomendaciones de soporte relacionadas con la estrategia, la medición y la madurez para impulsar la realización de valor en una o más soluciones de Adobe.</a:t>
+              <a:t>localizan oportunidades para garantizar que las soluciones de Adobe de </a:t>
+            </a:r>
+            <a:br>
+              <a:rPr lang="es-ES" sz="1000" dirty="0">
+                <a:latin typeface="AdobeClean-Light"/>
+                <a:cs typeface="AdobeClean-Light"/>
+              </a:rPr>
+            </a:br>
+            <a:r>
+              <a:rPr lang="es-ES" sz="1000" dirty="0">
+                <a:latin typeface="AdobeClean-Light"/>
+                <a:cs typeface="AdobeClean-Light"/>
+              </a:rPr>
+              <a:t>un cliente estén obteniendo valor. Incluyen recomendaciones de soporte relacionadas con la estrategia, la medición y la madurez para impulsar la realización de valor en una o más soluciones de Adobe.</a:t>
             </a:r>
           </a:p>
           <a:p>
@@ -12516,14 +12120,14 @@
         <p:spPr>
           <a:xfrm>
             <a:off x="3942773" y="4126991"/>
-            <a:ext cx="3275329" cy="969496"/>
+            <a:ext cx="3275329" cy="802784"/>
           </a:xfrm>
           <a:prstGeom prst="rect">
             <a:avLst/>
           </a:prstGeom>
         </p:spPr>
         <p:txBody>
-          <a:bodyPr vert="horz" wrap="square" lIns="0" tIns="12700" rIns="0" bIns="0" rtlCol="0">
+          <a:bodyPr vert="horz" wrap="square" lIns="0" tIns="12700" rIns="0" bIns="0" rtlCol="0" anchor="t">
             <a:spAutoFit/>
           </a:bodyPr>
           <a:lstStyle/>
@@ -12537,7 +12141,7 @@
               </a:spcBef>
             </a:pPr>
             <a:r>
-              <a:rPr lang="es-ES" sz="1600">
+              <a:rPr lang="es-ES" sz="1600" dirty="0">
                 <a:solidFill>
                   <a:srgbClr val="FFFFFF"/>
                 </a:solidFill>
@@ -12549,25 +12153,22 @@
           </a:p>
           <a:p>
             <a:pPr marL="12700">
-              <a:lnSpc>
-                <a:spcPct val="100000"/>
-              </a:lnSpc>
               <a:spcBef>
                 <a:spcPts val="1595"/>
               </a:spcBef>
             </a:pPr>
             <a:r>
-              <a:rPr lang="es-ES" sz="1000">
+              <a:rPr lang="es-ES" sz="1000" dirty="0">
                 <a:solidFill>
                   <a:srgbClr val="1F1F1F"/>
                 </a:solidFill>
-                <a:latin typeface="Adobe Clean"/>
+                <a:latin typeface="Adobe Clean" panose="020B0503020404020204" pitchFamily="34" charset="0"/>
                 <a:cs typeface="Adobe Clean"/>
               </a:rPr>
-              <a:t>Como cliente Elite, puede realizar </a:t>
-            </a:r>
-            <a:r>
-              <a:rPr lang="es-ES" sz="1200">
+              <a:t>Como cliente Elite, puede optar a </a:t>
+            </a:r>
+            <a:r>
+              <a:rPr lang="es-ES" sz="1200" dirty="0">
                 <a:solidFill>
                   <a:srgbClr val="1F1F1F"/>
                 </a:solidFill>
@@ -12576,13 +12177,13 @@
                     <a:srgbClr val="1F1F1F"/>
                   </a:solidFill>
                 </a:uFill>
-                <a:latin typeface="Times New Roman"/>
+                <a:latin typeface="Adobe Clean" panose="020B0503020404020204" pitchFamily="34" charset="0"/>
                 <a:cs typeface="Times New Roman"/>
               </a:rPr>
               <a:t> </a:t>
             </a:r>
             <a:r>
-              <a:rPr lang="es-ES" sz="1200" u="sng">
+              <a:rPr lang="es-ES" sz="1200" u="sng" dirty="0">
                 <a:solidFill>
                   <a:srgbClr val="1F1F1F"/>
                 </a:solidFill>
@@ -12591,88 +12192,97 @@
                     <a:srgbClr val="1F1F1F"/>
                   </a:solidFill>
                 </a:uFill>
-                <a:latin typeface="Times New Roman"/>
+                <a:latin typeface="Adobe Clean" panose="020B0503020404020204" pitchFamily="34" charset="0"/>
                 <a:cs typeface="Times New Roman"/>
               </a:rPr>
               <a:t>4</a:t>
             </a:r>
             <a:r>
-              <a:rPr lang="es-ES" sz="1200" b="1">
+              <a:rPr lang="es-ES" sz="1200" b="1" dirty="0">
                 <a:solidFill>
                   <a:srgbClr val="1F1F1F"/>
                 </a:solidFill>
-                <a:latin typeface="Arial"/>
+                <a:latin typeface="Adobe Clean" panose="020B0503020404020204" pitchFamily="34" charset="0"/>
                 <a:cs typeface="Arial"/>
               </a:rPr>
               <a:t> </a:t>
             </a:r>
             <a:r>
-              <a:rPr lang="es-ES" sz="1000" b="1">
+              <a:rPr lang="es-ES" sz="1000" b="1" dirty="0">
                 <a:solidFill>
                   <a:srgbClr val="1F1F1F"/>
                 </a:solidFill>
-                <a:latin typeface="Arial"/>
+                <a:latin typeface="Adobe Clean" panose="020B0503020404020204" pitchFamily="34" charset="0"/>
                 <a:cs typeface="Arial"/>
               </a:rPr>
-              <a:t>actividades al año</a:t>
-            </a:r>
-          </a:p>
-          <a:p>
-            <a:pPr marL="12700">
-              <a:lnSpc>
-                <a:spcPct val="100000"/>
-              </a:lnSpc>
-              <a:spcBef>
-                <a:spcPts val="55"/>
-              </a:spcBef>
-            </a:pPr>
-            <a:r>
-              <a:rPr lang="es-ES" sz="1000">
+              <a:t>actividades al año </a:t>
+            </a:r>
+            <a:br>
+              <a:rPr lang="es-ES" sz="1000" b="1" dirty="0">
                 <a:solidFill>
                   <a:srgbClr val="1F1F1F"/>
                 </a:solidFill>
-                <a:latin typeface="Adobe Clean"/>
+                <a:latin typeface="Adobe Clean" panose="020B0503020404020204" pitchFamily="34" charset="0"/>
+                <a:cs typeface="Arial"/>
+              </a:rPr>
+            </a:br>
+            <a:r>
+              <a:rPr lang="es-ES" sz="1000" dirty="0">
+                <a:solidFill>
+                  <a:srgbClr val="1F1F1F"/>
+                </a:solidFill>
+                <a:latin typeface="Adobe Clean" panose="020B0503020404020204" pitchFamily="34" charset="0"/>
+                <a:cs typeface="Arial"/>
+              </a:rPr>
+              <a:t>en</a:t>
+            </a:r>
+            <a:r>
+              <a:rPr lang="es-ES" sz="1000" dirty="0">
+                <a:solidFill>
+                  <a:srgbClr val="1F1F1F"/>
+                </a:solidFill>
+                <a:latin typeface="Adobe Clean" panose="020B0503020404020204" pitchFamily="34" charset="0"/>
                 <a:cs typeface="Adobe Clean"/>
               </a:rPr>
-              <a:t>de los siguientes dos ámbitos: </a:t>
-            </a:r>
-            <a:r>
-              <a:rPr lang="es-ES" sz="1000" b="1">
+              <a:t> los dos ámbitos siguientes: </a:t>
+            </a:r>
+            <a:r>
+              <a:rPr lang="es-ES" sz="1000" b="1" dirty="0">
                 <a:solidFill>
                   <a:srgbClr val="1F1F1F"/>
                 </a:solidFill>
-                <a:latin typeface="Arial"/>
+                <a:latin typeface="Adobe Clean" panose="020B0503020404020204" pitchFamily="34" charset="0"/>
                 <a:cs typeface="Arial"/>
               </a:rPr>
               <a:t>Técnico </a:t>
             </a:r>
             <a:r>
-              <a:rPr lang="es-ES" sz="1000">
+              <a:rPr lang="es-ES" sz="1000" dirty="0">
                 <a:solidFill>
                   <a:srgbClr val="1F1F1F"/>
                 </a:solidFill>
-                <a:latin typeface="Adobe Clean"/>
+                <a:latin typeface="Adobe Clean" panose="020B0503020404020204" pitchFamily="34" charset="0"/>
                 <a:cs typeface="Adobe Clean"/>
               </a:rPr>
               <a:t>o </a:t>
             </a:r>
             <a:r>
-              <a:rPr lang="es-ES" sz="1000" b="1">
+              <a:rPr lang="es-ES" sz="1000" b="1" dirty="0">
                 <a:solidFill>
                   <a:srgbClr val="1F1F1F"/>
                 </a:solidFill>
-                <a:latin typeface="Arial"/>
+                <a:latin typeface="Adobe Clean" panose="020B0503020404020204" pitchFamily="34" charset="0"/>
                 <a:cs typeface="Arial"/>
               </a:rPr>
               <a:t>Estratégico</a:t>
             </a:r>
             <a:r>
-              <a:rPr lang="es-ES" sz="1000">
+              <a:rPr lang="es-ES" sz="1000" dirty="0">
                 <a:solidFill>
                   <a:srgbClr val="1F1F1F"/>
                 </a:solidFill>
-                <a:latin typeface="AdobeClean-Light"/>
-                <a:cs typeface="AdobeClean-Light"/>
+                <a:latin typeface="Adobe Clean" panose="020B0503020404020204" pitchFamily="34" charset="0"/>
+                <a:cs typeface="Arial"/>
               </a:rPr>
               <a:t>.</a:t>
             </a:r>
@@ -12687,8 +12297,8 @@
         </p:nvSpPr>
         <p:spPr>
           <a:xfrm>
-            <a:off x="923023" y="538480"/>
-            <a:ext cx="3191777" cy="228268"/>
+            <a:off x="923023" y="538479"/>
+            <a:ext cx="3853765" cy="228268"/>
           </a:xfrm>
           <a:prstGeom prst="rect">
             <a:avLst/>
@@ -12730,7 +12340,7 @@
         <p:spPr>
           <a:xfrm>
             <a:off x="924894" y="814263"/>
-            <a:ext cx="3052007" cy="58482"/>
+            <a:ext cx="3052007" cy="58481"/>
           </a:xfrm>
           <a:custGeom>
             <a:avLst/>
@@ -12834,8 +12444,8 @@
         </p:nvSpPr>
         <p:spPr>
           <a:xfrm>
-            <a:off x="97787" y="9861194"/>
-            <a:ext cx="2654800" cy="133370"/>
+            <a:off x="97787" y="9882188"/>
+            <a:ext cx="2738860" cy="133370"/>
           </a:xfrm>
           <a:prstGeom prst="rect">
             <a:avLst/>
@@ -13022,8 +12632,8 @@
         </p:nvSpPr>
         <p:spPr>
           <a:xfrm>
-            <a:off x="2918286" y="3472190"/>
-            <a:ext cx="933111" cy="261610"/>
+            <a:off x="2918286" y="3472392"/>
+            <a:ext cx="933111" cy="376450"/>
           </a:xfrm>
           <a:prstGeom prst="rect">
             <a:avLst/>
@@ -13036,7 +12646,11 @@
           </a:bodyPr>
           <a:lstStyle/>
           <a:p>
-            <a:pPr algn="ctr"/>
+            <a:pPr algn="ctr">
+              <a:lnSpc>
+                <a:spcPts val="1100"/>
+              </a:lnSpc>
+            </a:pPr>
             <a:r>
               <a:rPr lang="es-ES" sz="1100" dirty="0"/>
               <a:t>Después del lanzamiento</a:t>
@@ -13058,8 +12672,8 @@
         </p:nvSpPr>
         <p:spPr>
           <a:xfrm>
-            <a:off x="2236134" y="3472190"/>
-            <a:ext cx="826006" cy="261610"/>
+            <a:off x="2236134" y="3472392"/>
+            <a:ext cx="826006" cy="376450"/>
           </a:xfrm>
           <a:prstGeom prst="rect">
             <a:avLst/>
@@ -13072,10 +12686,21 @@
           </a:bodyPr>
           <a:lstStyle/>
           <a:p>
-            <a:pPr algn="ctr"/>
+            <a:pPr algn="ctr">
+              <a:lnSpc>
+                <a:spcPts val="1100"/>
+              </a:lnSpc>
+            </a:pPr>
             <a:r>
               <a:rPr lang="es-ES" sz="1100" dirty="0"/>
-              <a:t>Puesta en marcha</a:t>
+              <a:t>Puesta </a:t>
+            </a:r>
+            <a:br>
+              <a:rPr lang="es-ES" sz="1100" dirty="0"/>
+            </a:br>
+            <a:r>
+              <a:rPr lang="es-ES" sz="1100" dirty="0"/>
+              <a:t>en marcha</a:t>
             </a:r>
           </a:p>
         </p:txBody>
@@ -13266,8 +12891,8 @@
         </p:nvSpPr>
         <p:spPr>
           <a:xfrm>
-            <a:off x="5265661" y="1471646"/>
-            <a:ext cx="2194560" cy="536622"/>
+            <a:off x="5094801" y="1543029"/>
+            <a:ext cx="2392439" cy="536622"/>
           </a:xfrm>
           <a:prstGeom prst="rect">
             <a:avLst/>
@@ -13288,13 +12913,31 @@
               </a:spcBef>
             </a:pPr>
             <a:r>
-              <a:rPr lang="es-ES" sz="1000">
+              <a:rPr lang="es-ES" sz="1000" dirty="0">
                 <a:solidFill>
                   <a:srgbClr val="4B4B4B"/>
                 </a:solidFill>
                 <a:latin typeface="Adobe Clean Light" panose="020B0303020404020204" pitchFamily="34" charset="0"/>
               </a:rPr>
-              <a:t>Impulse la adopción de prácticas recomendadas de personalización y componentes principales en AEM as a Cloud Service.</a:t>
+              <a:t>Impulse la adopción de prácticas recomendadas de personalización y componentes principales en AEM as a Cloud </a:t>
+            </a:r>
+            <a:r>
+              <a:rPr lang="es-ES" sz="1000" dirty="0" err="1">
+                <a:solidFill>
+                  <a:srgbClr val="4B4B4B"/>
+                </a:solidFill>
+                <a:latin typeface="Adobe Clean Light" panose="020B0303020404020204" pitchFamily="34" charset="0"/>
+              </a:rPr>
+              <a:t>Service</a:t>
+            </a:r>
+            <a:r>
+              <a:rPr lang="es-ES" sz="1000" dirty="0">
+                <a:solidFill>
+                  <a:srgbClr val="4B4B4B"/>
+                </a:solidFill>
+                <a:latin typeface="Adobe Clean Light" panose="020B0303020404020204" pitchFamily="34" charset="0"/>
+              </a:rPr>
+              <a:t>.</a:t>
             </a:r>
           </a:p>
         </p:txBody>
@@ -13313,8 +12956,8 @@
         </p:nvSpPr>
         <p:spPr>
           <a:xfrm>
-            <a:off x="2835999" y="1464006"/>
-            <a:ext cx="2194560" cy="717376"/>
+            <a:off x="2920059" y="1535389"/>
+            <a:ext cx="2090679" cy="717376"/>
           </a:xfrm>
           <a:prstGeom prst="rect">
             <a:avLst/>
@@ -13335,7 +12978,7 @@
               </a:spcBef>
             </a:pPr>
             <a:r>
-              <a:rPr lang="es-ES" sz="1000">
+              <a:rPr lang="es-ES" sz="1000" dirty="0">
                 <a:solidFill>
                   <a:srgbClr val="4B4B4B"/>
                 </a:solidFill>
@@ -13360,8 +13003,8 @@
         </p:nvSpPr>
         <p:spPr>
           <a:xfrm>
-            <a:off x="355868" y="1417898"/>
-            <a:ext cx="2194560" cy="717376"/>
+            <a:off x="355867" y="1489281"/>
+            <a:ext cx="2396719" cy="717376"/>
           </a:xfrm>
           <a:prstGeom prst="rect">
             <a:avLst/>
@@ -13443,8 +13086,8 @@
         </p:nvSpPr>
         <p:spPr>
           <a:xfrm>
-            <a:off x="5181599" y="936612"/>
-            <a:ext cx="2278621" cy="646331"/>
+            <a:off x="5010741" y="890617"/>
+            <a:ext cx="1928813" cy="646331"/>
           </a:xfrm>
           <a:prstGeom prst="rect">
             <a:avLst/>
@@ -13472,26 +13115,7 @@
                 <a:latin typeface="Adobe Clean"/>
                 <a:cs typeface="Adobe Clean"/>
               </a:rPr>
-              <a:t>Prácticas recomendadas de personalización para AEM </a:t>
-            </a:r>
-            <a:br>
-              <a:rPr lang="sk-SK" sz="1200" b="1" dirty="0">
-                <a:solidFill>
-                  <a:srgbClr val="020302"/>
-                </a:solidFill>
-                <a:latin typeface="Adobe Clean"/>
-                <a:cs typeface="Adobe Clean"/>
-              </a:rPr>
-            </a:br>
-            <a:r>
-              <a:rPr lang="es-ES" sz="1200" b="1" dirty="0">
-                <a:solidFill>
-                  <a:srgbClr val="020302"/>
-                </a:solidFill>
-                <a:latin typeface="Adobe Clean"/>
-                <a:cs typeface="Adobe Clean"/>
-              </a:rPr>
-              <a:t>as a Cloud </a:t>
+              <a:t>Prácticas recomendadas de personalización para AEM as a Cloud </a:t>
             </a:r>
             <a:r>
               <a:rPr lang="es-ES" sz="1200" b="1" dirty="0" err="1">
@@ -13527,7 +13151,7 @@
         </p:nvSpPr>
         <p:spPr>
           <a:xfrm>
-            <a:off x="2752587" y="908302"/>
+            <a:off x="2836647" y="908302"/>
             <a:ext cx="2090681" cy="461665"/>
           </a:xfrm>
           <a:prstGeom prst="rect">
@@ -13624,7 +13248,7 @@
               <a:t>Gobernanza de AEM </a:t>
             </a:r>
             <a:br>
-              <a:rPr lang="sk-SK" sz="1200" b="1" dirty="0">
+              <a:rPr lang="es-ES" sz="1200" b="1" dirty="0">
                 <a:solidFill>
                   <a:srgbClr val="020302"/>
                 </a:solidFill>
@@ -13866,7 +13490,7 @@
         <p:spPr>
           <a:xfrm>
             <a:off x="6754821" y="9283729"/>
-            <a:ext cx="930275" cy="662305"/>
+            <a:ext cx="1093527" cy="662305"/>
           </a:xfrm>
           <a:prstGeom prst="rect">
             <a:avLst/>
@@ -13887,7 +13511,7 @@
               </a:spcBef>
             </a:pPr>
             <a:r>
-              <a:rPr lang="es-ES" sz="800">
+              <a:rPr lang="es-ES" sz="800" dirty="0">
                 <a:solidFill>
                   <a:srgbClr val="777879"/>
                 </a:solidFill>
@@ -13904,7 +13528,7 @@
               </a:lnSpc>
             </a:pPr>
             <a:r>
-              <a:rPr lang="es-ES" sz="800">
+              <a:rPr lang="es-ES" sz="800" dirty="0">
                 <a:solidFill>
                   <a:srgbClr val="777879"/>
                 </a:solidFill>
@@ -13921,7 +13545,7 @@
               </a:lnSpc>
             </a:pPr>
             <a:r>
-              <a:rPr lang="es-ES" sz="800">
+              <a:rPr lang="es-ES" sz="800" dirty="0">
                 <a:solidFill>
                   <a:srgbClr val="777879"/>
                 </a:solidFill>
@@ -13941,7 +13565,7 @@
               </a:spcBef>
             </a:pPr>
             <a:r>
-              <a:rPr lang="es-ES" sz="800">
+              <a:rPr lang="es-ES" sz="800" dirty="0">
                 <a:solidFill>
                   <a:srgbClr val="777879"/>
                 </a:solidFill>
@@ -13961,7 +13585,7 @@
               </a:spcBef>
             </a:pPr>
             <a:r>
-              <a:rPr lang="es-ES" sz="800" u="sng">
+              <a:rPr lang="es-ES" sz="800" u="sng" dirty="0">
                 <a:solidFill>
                   <a:srgbClr val="5F5F5F"/>
                 </a:solidFill>
@@ -14128,8 +13752,8 @@
         </p:nvSpPr>
         <p:spPr>
           <a:xfrm>
-            <a:off x="75947" y="9437110"/>
-            <a:ext cx="5466715" cy="570865"/>
+            <a:off x="75948" y="9437110"/>
+            <a:ext cx="5115178" cy="570865"/>
           </a:xfrm>
           <a:prstGeom prst="rect">
             <a:avLst/>
@@ -14157,26 +13781,7 @@
                 <a:latin typeface="AdobeClean-LightIt"/>
                 <a:cs typeface="AdobeClean-LightIt"/>
               </a:rPr>
-              <a:t>Para saber más sobre las ofertas de asistencia de Adobe y el nivel adecuado para usted, póngase </a:t>
-            </a:r>
-            <a:br>
-              <a:rPr lang="sk-SK" sz="1100" i="1" dirty="0">
-                <a:solidFill>
-                  <a:srgbClr val="777879"/>
-                </a:solidFill>
-                <a:latin typeface="AdobeClean-LightIt"/>
-                <a:cs typeface="AdobeClean-LightIt"/>
-              </a:rPr>
-            </a:br>
-            <a:r>
-              <a:rPr lang="es-ES" sz="1100" i="1" dirty="0">
-                <a:solidFill>
-                  <a:srgbClr val="777879"/>
-                </a:solidFill>
-                <a:latin typeface="AdobeClean-LightIt"/>
-                <a:cs typeface="AdobeClean-LightIt"/>
-              </a:rPr>
-              <a:t>en contacto con su administrador de cuentas (NAM) o con su </a:t>
+              <a:t>Para saber más sobre las ofertas de asistencia de Adobe y el nivel adecuado para usted, póngase en contacto con su administrador de cuentas (NAM) o con su </a:t>
             </a:r>
             <a:r>
               <a:rPr lang="es-ES" sz="1100" i="1" dirty="0" err="1">
@@ -14354,7 +13959,7 @@
               </a:spcBef>
             </a:pPr>
             <a:r>
-              <a:rPr lang="es-ES" sz="1400" b="1">
+              <a:rPr lang="es-ES" sz="1400" b="1" dirty="0">
                 <a:solidFill>
                   <a:srgbClr val="020302"/>
                 </a:solidFill>
@@ -14371,7 +13976,7 @@
               </a:spcBef>
             </a:pPr>
             <a:r>
-              <a:rPr lang="es-ES" sz="1000">
+              <a:rPr lang="es-ES" sz="1000" dirty="0">
                 <a:solidFill>
                   <a:srgbClr val="1F1F1F"/>
                 </a:solidFill>
@@ -14397,7 +14002,7 @@
           <p:nvPr>
             <p:extLst>
               <p:ext uri="{D42A27DB-BD31-4B8C-83A1-F6EECF244321}">
-                <p14:modId xmlns:p14="http://schemas.microsoft.com/office/powerpoint/2010/main" val="3975465108"/>
+                <p14:modId xmlns:p14="http://schemas.microsoft.com/office/powerpoint/2010/main" val="2687255584"/>
               </p:ext>
             </p:extLst>
           </p:nvPr>
@@ -14515,13 +14120,30 @@
                     <a:p>
                       <a:pPr algn="ctr"/>
                       <a:r>
-                        <a:rPr lang="es-ES" sz="1100">
+                        <a:rPr lang="es-ES" sz="1100" dirty="0">
                           <a:solidFill>
                             <a:schemeClr val="tx1"/>
                           </a:solidFill>
                           <a:latin typeface="Adobe Clean" panose="020B0503020404020204" pitchFamily="34" charset="0"/>
                         </a:rPr>
-                        <a:t>Europa, Oriente Medio y África</a:t>
+                        <a:t>Europa, Oriente Medio </a:t>
+                      </a:r>
+                      <a:br>
+                        <a:rPr lang="es-ES" sz="1100" dirty="0">
+                          <a:solidFill>
+                            <a:schemeClr val="tx1"/>
+                          </a:solidFill>
+                          <a:latin typeface="Adobe Clean" panose="020B0503020404020204" pitchFamily="34" charset="0"/>
+                        </a:rPr>
+                      </a:br>
+                      <a:r>
+                        <a:rPr lang="es-ES" sz="1100" dirty="0">
+                          <a:solidFill>
+                            <a:schemeClr val="tx1"/>
+                          </a:solidFill>
+                          <a:latin typeface="Adobe Clean" panose="020B0503020404020204" pitchFamily="34" charset="0"/>
+                        </a:rPr>
+                        <a:t>y África</a:t>
                       </a:r>
                     </a:p>
                   </a:txBody>
@@ -15007,7 +14629,7 @@
                         <a:buNone/>
                       </a:pPr>
                       <a:r>
-                        <a:rPr lang="es-ES" sz="1100">
+                        <a:rPr lang="es-ES" sz="1100" dirty="0">
                           <a:solidFill>
                             <a:schemeClr val="tx1"/>
                           </a:solidFill>
@@ -15052,7 +14674,7 @@
                     <a:p>
                       <a:pPr algn="ctr"/>
                       <a:r>
-                        <a:rPr lang="es-ES" sz="1100" i="0">
+                        <a:rPr lang="es-ES" sz="1100" i="0" dirty="0">
                           <a:solidFill>
                             <a:schemeClr val="tx1"/>
                           </a:solidFill>
@@ -15061,7 +14683,7 @@
                         <a:t> </a:t>
                       </a:r>
                       <a:r>
-                        <a:rPr lang="es-ES" sz="1100" i="0" baseline="30000">
+                        <a:rPr lang="es-ES" sz="1100" i="0" baseline="30000" dirty="0">
                           <a:solidFill>
                             <a:schemeClr val="tx1"/>
                           </a:solidFill>
@@ -15070,7 +14692,7 @@
                         <a:t>1 </a:t>
                       </a:r>
                       <a:r>
-                        <a:rPr lang="es-ES" sz="1100" i="0">
+                        <a:rPr lang="es-ES" sz="1100" i="0" dirty="0">
                           <a:solidFill>
                             <a:schemeClr val="tx1"/>
                           </a:solidFill>
@@ -15133,7 +14755,7 @@
                     <a:bodyPr/>
                     <a:lstStyle/>
                     <a:p>
-                      <a:endParaRPr lang="en-US" sz="1100" dirty="0">
+                      <a:endParaRPr lang="en-US" sz="1100">
                         <a:solidFill>
                           <a:schemeClr val="tx1"/>
                         </a:solidFill>
@@ -15194,7 +14816,7 @@
                     <a:bodyPr/>
                     <a:lstStyle/>
                     <a:p>
-                      <a:endParaRPr lang="en-US" sz="1100" dirty="0">
+                      <a:endParaRPr lang="en-US" sz="1100">
                         <a:solidFill>
                           <a:schemeClr val="tx1"/>
                         </a:solidFill>
@@ -15255,7 +14877,7 @@
                     <a:bodyPr/>
                     <a:lstStyle/>
                     <a:p>
-                      <a:endParaRPr lang="en-US" sz="1100" dirty="0">
+                      <a:endParaRPr lang="en-US" sz="1100">
                         <a:solidFill>
                           <a:schemeClr val="tx1"/>
                         </a:solidFill>
@@ -15467,7 +15089,7 @@
         </p:nvSpPr>
         <p:spPr>
           <a:xfrm>
-            <a:off x="4675505" y="8541244"/>
+            <a:off x="4732495" y="8541244"/>
             <a:ext cx="810895" cy="382797"/>
           </a:xfrm>
           <a:prstGeom prst="rect">
@@ -15515,8 +15137,8 @@
         </p:nvSpPr>
         <p:spPr>
           <a:xfrm>
-            <a:off x="6477000" y="8543943"/>
-            <a:ext cx="810895" cy="382797"/>
+            <a:off x="6334125" y="8543943"/>
+            <a:ext cx="1090528" cy="385445"/>
           </a:xfrm>
           <a:prstGeom prst="rect">
             <a:avLst/>
@@ -15564,7 +15186,7 @@
           <p:nvPr>
             <p:extLst>
               <p:ext uri="{D42A27DB-BD31-4B8C-83A1-F6EECF244321}">
-                <p14:modId xmlns:p14="http://schemas.microsoft.com/office/powerpoint/2010/main" val="3724188075"/>
+                <p14:modId xmlns:p14="http://schemas.microsoft.com/office/powerpoint/2010/main" val="376313894"/>
               </p:ext>
             </p:extLst>
           </p:nvPr>
@@ -15708,7 +15330,7 @@
                         <a:t> League permite a Adobe ayudar a las empresas a alcanzar el valor que esperan de su inversión en Adobe. Es el lugar unificado </a:t>
                       </a:r>
                       <a:br>
-                        <a:rPr lang="sk-SK" sz="1000" b="0" dirty="0">
+                        <a:rPr lang="es-ES" sz="1000" b="0" dirty="0">
                           <a:solidFill>
                             <a:srgbClr val="000000"/>
                           </a:solidFill>
@@ -15729,7 +15351,7 @@
                         <a:t>en el que los clientes pueden aprender, dialogar y crecer siguiendo </a:t>
                       </a:r>
                       <a:br>
-                        <a:rPr lang="sk-SK" sz="1000" b="0" dirty="0">
+                        <a:rPr lang="es-ES" sz="1000" b="0" dirty="0">
                           <a:solidFill>
                             <a:srgbClr val="000000"/>
                           </a:solidFill>
@@ -15750,7 +15372,7 @@
                         <a:t>un camino personalizado hacia el éxito que incluye tutoriales </a:t>
                       </a:r>
                       <a:br>
-                        <a:rPr lang="sk-SK" sz="1000" b="0" dirty="0">
+                        <a:rPr lang="es-ES" sz="1000" b="0" dirty="0">
                           <a:solidFill>
                             <a:srgbClr val="000000"/>
                           </a:solidFill>
@@ -15771,7 +15393,7 @@
                         <a:t>de autoayuda, documentación de productos, formación dirigida </a:t>
                       </a:r>
                       <a:br>
-                        <a:rPr lang="sk-SK" sz="1000" b="0" dirty="0">
+                        <a:rPr lang="es-ES" sz="1000" b="0" dirty="0">
                           <a:solidFill>
                             <a:srgbClr val="000000"/>
                           </a:solidFill>
@@ -17076,21 +16698,6 @@
 </file>
 
 <file path=customXml/item1.xml><?xml version="1.0" encoding="utf-8"?>
-<p:properties xmlns:p="http://schemas.microsoft.com/office/2006/metadata/properties" xmlns:xsi="http://www.w3.org/2001/XMLSchema-instance" xmlns:pc="http://schemas.microsoft.com/office/infopath/2007/PartnerControls">
-  <documentManagement/>
-</p:properties>
-</file>
-
-<file path=customXml/item2.xml><?xml version="1.0" encoding="utf-8"?>
-<?mso-contentType ?>
-<FormTemplates xmlns="http://schemas.microsoft.com/sharepoint/v3/contenttype/forms">
-  <Display>DocumentLibraryForm</Display>
-  <Edit>DocumentLibraryForm</Edit>
-  <New>DocumentLibraryForm</New>
-</FormTemplates>
-</file>
-
-<file path=customXml/item3.xml><?xml version="1.0" encoding="utf-8"?>
 <ct:contentTypeSchema xmlns:ct="http://schemas.microsoft.com/office/2006/metadata/contentType" xmlns:ma="http://schemas.microsoft.com/office/2006/metadata/properties/metaAttributes" ct:_="" ma:_="" ma:contentTypeName="Document" ma:contentTypeID="0x010100E783BF6876BCC646A459363AF21A7736" ma:contentTypeVersion="10" ma:contentTypeDescription="Create a new document." ma:contentTypeScope="" ma:versionID="c4ffda7f4f415767600769e454c2ea87">
   <xsd:schema xmlns:xsd="http://www.w3.org/2001/XMLSchema" xmlns:xs="http://www.w3.org/2001/XMLSchema" xmlns:p="http://schemas.microsoft.com/office/2006/metadata/properties" xmlns:ns2="8a053bff-88be-49e4-9a87-e748e18b8b62" xmlns:ns3="6c8368ec-3776-49b5-a5bb-90648cf9530f" targetNamespace="http://schemas.microsoft.com/office/2006/metadata/properties" ma:root="true" ma:fieldsID="df3ec33bccc23e23bce7bc897fad43d1" ns2:_="" ns3:_="">
     <xsd:import namespace="8a053bff-88be-49e4-9a87-e748e18b8b62"/>
@@ -17295,7 +16902,41 @@
 </ct:contentTypeSchema>
 </file>
 
+<file path=customXml/item2.xml><?xml version="1.0" encoding="utf-8"?>
+<p:properties xmlns:p="http://schemas.microsoft.com/office/2006/metadata/properties" xmlns:xsi="http://www.w3.org/2001/XMLSchema-instance" xmlns:pc="http://schemas.microsoft.com/office/infopath/2007/PartnerControls">
+  <documentManagement/>
+</p:properties>
+</file>
+
+<file path=customXml/item3.xml><?xml version="1.0" encoding="utf-8"?>
+<?mso-contentType ?>
+<FormTemplates xmlns="http://schemas.microsoft.com/sharepoint/v3/contenttype/forms">
+  <Display>DocumentLibraryForm</Display>
+  <Edit>DocumentLibraryForm</Edit>
+  <New>DocumentLibraryForm</New>
+</FormTemplates>
+</file>
+
 <file path=customXml/itemProps1.xml><?xml version="1.0" encoding="utf-8"?>
+<ds:datastoreItem xmlns:ds="http://schemas.openxmlformats.org/officeDocument/2006/customXml" ds:itemID="{75C1A8FD-3884-41A0-BE37-D15776C885D1}">
+  <ds:schemaRefs>
+    <ds:schemaRef ds:uri="6c8368ec-3776-49b5-a5bb-90648cf9530f"/>
+    <ds:schemaRef ds:uri="8a053bff-88be-49e4-9a87-e748e18b8b62"/>
+    <ds:schemaRef ds:uri="http://purl.org/dc/elements/1.1/"/>
+    <ds:schemaRef ds:uri="http://purl.org/dc/terms/"/>
+    <ds:schemaRef ds:uri="http://schemas.microsoft.com/internal/obd"/>
+    <ds:schemaRef ds:uri="http://schemas.microsoft.com/office/2006/documentManagement/types"/>
+    <ds:schemaRef ds:uri="http://schemas.microsoft.com/office/2006/metadata/contentType"/>
+    <ds:schemaRef ds:uri="http://schemas.microsoft.com/office/2006/metadata/properties"/>
+    <ds:schemaRef ds:uri="http://schemas.microsoft.com/office/2006/metadata/properties/metaAttributes"/>
+    <ds:schemaRef ds:uri="http://schemas.microsoft.com/office/infopath/2007/PartnerControls"/>
+    <ds:schemaRef ds:uri="http://schemas.openxmlformats.org/package/2006/metadata/core-properties"/>
+    <ds:schemaRef ds:uri="http://www.w3.org/2001/XMLSchema"/>
+  </ds:schemaRefs>
+</ds:datastoreItem>
+</file>
+
+<file path=customXml/itemProps2.xml><?xml version="1.0" encoding="utf-8"?>
 <ds:datastoreItem xmlns:ds="http://schemas.openxmlformats.org/officeDocument/2006/customXml" ds:itemID="{CED41536-010B-47B1-9229-B72BE4090090}">
   <ds:schemaRefs>
     <ds:schemaRef ds:uri="http://schemas.microsoft.com/office/2006/metadata/properties"/>
@@ -17304,29 +16945,10 @@
 </ds:datastoreItem>
 </file>
 
-<file path=customXml/itemProps2.xml><?xml version="1.0" encoding="utf-8"?>
+<file path=customXml/itemProps3.xml><?xml version="1.0" encoding="utf-8"?>
 <ds:datastoreItem xmlns:ds="http://schemas.openxmlformats.org/officeDocument/2006/customXml" ds:itemID="{669D9D3B-3229-44EE-9964-24A06AE66887}">
   <ds:schemaRefs>
     <ds:schemaRef ds:uri="http://schemas.microsoft.com/sharepoint/v3/contenttype/forms"/>
   </ds:schemaRefs>
 </ds:datastoreItem>
-</file>
-
-<file path=customXml/itemProps3.xml><?xml version="1.0" encoding="utf-8"?>
-<ds:datastoreItem xmlns:ds="http://schemas.openxmlformats.org/officeDocument/2006/customXml" ds:itemID="{75C1A8FD-3884-41A0-BE37-D15776C885D1}">
-  <ds:schemaRefs>
-    <ds:schemaRef ds:uri="http://schemas.microsoft.com/office/2006/metadata/contentType"/>
-    <ds:schemaRef ds:uri="http://schemas.microsoft.com/office/2006/metadata/properties/metaAttributes"/>
-    <ds:schemaRef ds:uri="http://www.w3.org/2001/XMLSchema"/>
-    <ds:schemaRef ds:uri="http://schemas.microsoft.com/office/2006/metadata/properties"/>
-    <ds:schemaRef ds:uri="8a053bff-88be-49e4-9a87-e748e18b8b62"/>
-    <ds:schemaRef ds:uri="6c8368ec-3776-49b5-a5bb-90648cf9530f"/>
-    <ds:schemaRef ds:uri="http://schemas.microsoft.com/office/2006/documentManagement/types"/>
-    <ds:schemaRef ds:uri="http://schemas.microsoft.com/office/infopath/2007/PartnerControls"/>
-    <ds:schemaRef ds:uri="http://schemas.openxmlformats.org/package/2006/metadata/core-properties"/>
-    <ds:schemaRef ds:uri="http://purl.org/dc/elements/1.1/"/>
-    <ds:schemaRef ds:uri="http://purl.org/dc/terms/"/>
-    <ds:schemaRef ds:uri="http://schemas.microsoft.com/internal/obd"/>
-  </ds:schemaRefs>
-</ds:datastoreItem>
 </file>
--- a/help/data-sheets/assets/EliteSupportDatasheet.pptx
+++ b/help/data-sheets/assets/EliteSupportDatasheet.pptx
@@ -159,26 +159,26 @@
 <file path=ppt/changesInfos/changesInfo1.xml><?xml version="1.0" encoding="utf-8"?>
 <pc:chgInfo xmlns:a="http://schemas.openxmlformats.org/drawingml/2006/main" xmlns:r="http://schemas.openxmlformats.org/officeDocument/2006/relationships" xmlns:ac="http://schemas.microsoft.com/office/drawing/2013/main/command" xmlns:pc="http://schemas.microsoft.com/office/powerpoint/2013/main/command">
   <pc:docChgLst>
-    <pc:chgData name="Lauren Schutte" userId="6e08b2d3-447a-4d66-86be-444d50df187f" providerId="ADAL" clId="{0BC4D7A0-4BBD-1B49-BE14-170949F0EA37}"/>
+    <pc:chgData name="Akilah Johnson" userId="2fa3aa60-0c9c-4d06-bae2-795983241227" providerId="ADAL" clId="{4F9F8D59-37FF-0B43-9EF5-31D48C73FC8D}"/>
     <pc:docChg chg="modSld">
-      <pc:chgData name="Lauren Schutte" userId="6e08b2d3-447a-4d66-86be-444d50df187f" providerId="ADAL" clId="{0BC4D7A0-4BBD-1B49-BE14-170949F0EA37}" dt="2021-10-13T19:10:14.671" v="3" actId="1035"/>
+      <pc:chgData name="Akilah Johnson" userId="2fa3aa60-0c9c-4d06-bae2-795983241227" providerId="ADAL" clId="{4F9F8D59-37FF-0B43-9EF5-31D48C73FC8D}" dt="2021-11-24T00:07:01.857" v="8" actId="20577"/>
       <pc:docMkLst>
         <pc:docMk/>
       </pc:docMkLst>
       <pc:sldChg chg="modSp mod">
-        <pc:chgData name="Lauren Schutte" userId="6e08b2d3-447a-4d66-86be-444d50df187f" providerId="ADAL" clId="{0BC4D7A0-4BBD-1B49-BE14-170949F0EA37}" dt="2021-10-13T19:10:14.671" v="3" actId="1035"/>
+        <pc:chgData name="Akilah Johnson" userId="2fa3aa60-0c9c-4d06-bae2-795983241227" providerId="ADAL" clId="{4F9F8D59-37FF-0B43-9EF5-31D48C73FC8D}" dt="2021-11-24T00:07:01.857" v="8" actId="20577"/>
         <pc:sldMkLst>
           <pc:docMk/>
           <pc:sldMk cId="0" sldId="256"/>
         </pc:sldMkLst>
-        <pc:spChg chg="mod">
-          <ac:chgData name="Lauren Schutte" userId="6e08b2d3-447a-4d66-86be-444d50df187f" providerId="ADAL" clId="{0BC4D7A0-4BBD-1B49-BE14-170949F0EA37}" dt="2021-10-13T19:10:14.671" v="3" actId="1035"/>
-          <ac:spMkLst>
+        <pc:graphicFrameChg chg="modGraphic">
+          <ac:chgData name="Akilah Johnson" userId="2fa3aa60-0c9c-4d06-bae2-795983241227" providerId="ADAL" clId="{4F9F8D59-37FF-0B43-9EF5-31D48C73FC8D}" dt="2021-11-24T00:07:01.857" v="8" actId="20577"/>
+          <ac:graphicFrameMkLst>
             <pc:docMk/>
             <pc:sldMk cId="0" sldId="256"/>
-            <ac:spMk id="4" creationId="{00000000-0000-0000-0000-000000000000}"/>
-          </ac:spMkLst>
-        </pc:spChg>
+            <ac:graphicFrameMk id="7" creationId="{00000000-0000-0000-0000-000000000000}"/>
+          </ac:graphicFrameMkLst>
+        </pc:graphicFrameChg>
       </pc:sldChg>
     </pc:docChg>
   </pc:docChgLst>
@@ -203,6 +203,30 @@
             <ac:graphicFrameMk id="7" creationId="{00000000-0000-0000-0000-000000000000}"/>
           </ac:graphicFrameMkLst>
         </pc:graphicFrameChg>
+      </pc:sldChg>
+    </pc:docChg>
+  </pc:docChgLst>
+  <pc:docChgLst>
+    <pc:chgData name="Lauren Schutte" userId="6e08b2d3-447a-4d66-86be-444d50df187f" providerId="ADAL" clId="{0BC4D7A0-4BBD-1B49-BE14-170949F0EA37}"/>
+    <pc:docChg chg="modSld">
+      <pc:chgData name="Lauren Schutte" userId="6e08b2d3-447a-4d66-86be-444d50df187f" providerId="ADAL" clId="{0BC4D7A0-4BBD-1B49-BE14-170949F0EA37}" dt="2021-10-13T19:10:14.671" v="3" actId="1035"/>
+      <pc:docMkLst>
+        <pc:docMk/>
+      </pc:docMkLst>
+      <pc:sldChg chg="modSp mod">
+        <pc:chgData name="Lauren Schutte" userId="6e08b2d3-447a-4d66-86be-444d50df187f" providerId="ADAL" clId="{0BC4D7A0-4BBD-1B49-BE14-170949F0EA37}" dt="2021-10-13T19:10:14.671" v="3" actId="1035"/>
+        <pc:sldMkLst>
+          <pc:docMk/>
+          <pc:sldMk cId="0" sldId="256"/>
+        </pc:sldMkLst>
+        <pc:spChg chg="mod">
+          <ac:chgData name="Lauren Schutte" userId="6e08b2d3-447a-4d66-86be-444d50df187f" providerId="ADAL" clId="{0BC4D7A0-4BBD-1B49-BE14-170949F0EA37}" dt="2021-10-13T19:10:14.671" v="3" actId="1035"/>
+          <ac:spMkLst>
+            <pc:docMk/>
+            <pc:sldMk cId="0" sldId="256"/>
+            <ac:spMk id="4" creationId="{00000000-0000-0000-0000-000000000000}"/>
+          </ac:spMkLst>
+        </pc:spChg>
       </pc:sldChg>
     </pc:docChg>
   </pc:docChgLst>
@@ -261,30 +285,6 @@
       </pc:sldChg>
     </pc:docChg>
   </pc:docChgLst>
-  <pc:docChgLst>
-    <pc:chgData name="Akilah Johnson" userId="2fa3aa60-0c9c-4d06-bae2-795983241227" providerId="ADAL" clId="{4F9F8D59-37FF-0B43-9EF5-31D48C73FC8D}"/>
-    <pc:docChg chg="modSld">
-      <pc:chgData name="Akilah Johnson" userId="2fa3aa60-0c9c-4d06-bae2-795983241227" providerId="ADAL" clId="{4F9F8D59-37FF-0B43-9EF5-31D48C73FC8D}" dt="2021-11-24T00:07:01.857" v="8" actId="20577"/>
-      <pc:docMkLst>
-        <pc:docMk/>
-      </pc:docMkLst>
-      <pc:sldChg chg="modSp mod">
-        <pc:chgData name="Akilah Johnson" userId="2fa3aa60-0c9c-4d06-bae2-795983241227" providerId="ADAL" clId="{4F9F8D59-37FF-0B43-9EF5-31D48C73FC8D}" dt="2021-11-24T00:07:01.857" v="8" actId="20577"/>
-        <pc:sldMkLst>
-          <pc:docMk/>
-          <pc:sldMk cId="0" sldId="256"/>
-        </pc:sldMkLst>
-        <pc:graphicFrameChg chg="modGraphic">
-          <ac:chgData name="Akilah Johnson" userId="2fa3aa60-0c9c-4d06-bae2-795983241227" providerId="ADAL" clId="{4F9F8D59-37FF-0B43-9EF5-31D48C73FC8D}" dt="2021-11-24T00:07:01.857" v="8" actId="20577"/>
-          <ac:graphicFrameMkLst>
-            <pc:docMk/>
-            <pc:sldMk cId="0" sldId="256"/>
-            <ac:graphicFrameMk id="7" creationId="{00000000-0000-0000-0000-000000000000}"/>
-          </ac:graphicFrameMkLst>
-        </pc:graphicFrameChg>
-      </pc:sldChg>
-    </pc:docChg>
-  </pc:docChgLst>
 </pc:chgInfo>
 </file>
 
@@ -370,7 +370,7 @@
           <a:p>
             <a:fld id="{C12E57D6-2086-AA47-A7A4-C0CDE7C14E44}" type="datetimeFigureOut">
               <a:rPr lang="en-US" smtClean="0"/>
-              <a:t>1/20/22</a:t>
+              <a:t>2/15/2022</a:t>
             </a:fld>
             <a:endParaRPr lang="en-US"/>
           </a:p>
@@ -944,7 +944,7 @@
           <a:p>
             <a:fld id="{1D8BD707-D9CF-40AE-B4C6-C98DA3205C09}" type="datetimeFigureOut">
               <a:rPr lang="en-US"/>
-              <a:t>1/20/22</a:t>
+              <a:t>2/15/2022</a:t>
             </a:fld>
             <a:endParaRPr lang="en-US"/>
           </a:p>
@@ -1189,7 +1189,7 @@
           <a:p>
             <a:fld id="{1D8BD707-D9CF-40AE-B4C6-C98DA3205C09}" type="datetimeFigureOut">
               <a:rPr lang="en-US"/>
-              <a:t>1/20/22</a:t>
+              <a:t>2/15/2022</a:t>
             </a:fld>
             <a:endParaRPr lang="en-US"/>
           </a:p>
@@ -1447,7 +1447,7 @@
           <a:p>
             <a:fld id="{1D8BD707-D9CF-40AE-B4C6-C98DA3205C09}" type="datetimeFigureOut">
               <a:rPr lang="en-US"/>
-              <a:t>1/20/22</a:t>
+              <a:t>2/15/2022</a:t>
             </a:fld>
             <a:endParaRPr lang="en-US"/>
           </a:p>
@@ -1639,7 +1639,7 @@
           <a:p>
             <a:fld id="{1D8BD707-D9CF-40AE-B4C6-C98DA3205C09}" type="datetimeFigureOut">
               <a:rPr lang="en-US"/>
-              <a:t>1/20/22</a:t>
+              <a:t>2/15/2022</a:t>
             </a:fld>
             <a:endParaRPr lang="en-US"/>
           </a:p>
@@ -1802,7 +1802,7 @@
           <a:p>
             <a:fld id="{1D8BD707-D9CF-40AE-B4C6-C98DA3205C09}" type="datetimeFigureOut">
               <a:rPr lang="en-US"/>
-              <a:t>1/20/22</a:t>
+              <a:t>2/15/2022</a:t>
             </a:fld>
             <a:endParaRPr lang="en-US"/>
           </a:p>
@@ -2065,7 +2065,7 @@
           <a:p>
             <a:fld id="{1D8BD707-D9CF-40AE-B4C6-C98DA3205C09}" type="datetimeFigureOut">
               <a:rPr lang="en-US"/>
-              <a:t>1/20/22</a:t>
+              <a:t>2/15/2022</a:t>
             </a:fld>
             <a:endParaRPr lang="en-US"/>
           </a:p>
@@ -2341,7 +2341,7 @@
         <p:spPr>
           <a:xfrm>
             <a:off x="502828" y="65103"/>
-            <a:ext cx="3840572" cy="366767"/>
+            <a:ext cx="4933876" cy="366767"/>
           </a:xfrm>
           <a:prstGeom prst="rect">
             <a:avLst/>
@@ -2359,16 +2359,9 @@
               </a:spcBef>
             </a:pPr>
             <a:r>
-              <a:rPr sz="2300"/>
-              <a:t>ADOBE </a:t>
-            </a:r>
-            <a:r>
-              <a:rPr lang="en-US" sz="2300"/>
-              <a:t>SUPPORT PLANS</a:t>
-            </a:r>
-            <a:endParaRPr sz="2300">
-              <a:latin typeface="Adobe Clean" panose="020B0503020404020204" pitchFamily="34" charset="0"/>
-            </a:endParaRPr>
+              <a:rPr lang="es-ES" sz="2300" dirty="0"/>
+              <a:t>PLANES DE SOPORTE DE ADOBE</a:t>
+            </a:r>
           </a:p>
         </p:txBody>
       </p:sp>
@@ -2402,77 +2395,17 @@
               </a:spcBef>
             </a:pPr>
             <a:r>
-              <a:rPr lang="en-US" sz="1100" spc="-5" dirty="0">
+              <a:rPr lang="es-ES" sz="1100" dirty="0">
                 <a:solidFill>
                   <a:srgbClr val="FFFFFF"/>
                 </a:solidFill>
                 <a:latin typeface="AdobeClean-Light"/>
                 <a:cs typeface="AdobeClean-Light"/>
               </a:rPr>
-              <a:t>Standard</a:t>
-            </a:r>
-            <a:r>
-              <a:rPr sz="1100" dirty="0">
-                <a:solidFill>
-                  <a:srgbClr val="FFFFFF"/>
-                </a:solidFill>
-                <a:latin typeface="AdobeClean-Light"/>
-                <a:cs typeface="AdobeClean-Light"/>
-              </a:rPr>
-              <a:t> |</a:t>
-            </a:r>
-            <a:r>
-              <a:rPr sz="1100" spc="10" dirty="0">
-                <a:solidFill>
-                  <a:srgbClr val="FFFFFF"/>
-                </a:solidFill>
-                <a:latin typeface="AdobeClean-Light"/>
-                <a:cs typeface="AdobeClean-Light"/>
-              </a:rPr>
-              <a:t> </a:t>
-            </a:r>
-            <a:r>
-              <a:rPr sz="1100" spc="-5" dirty="0">
-                <a:solidFill>
-                  <a:srgbClr val="FFFFFF"/>
-                </a:solidFill>
-                <a:latin typeface="AdobeClean-Light"/>
-                <a:cs typeface="AdobeClean-Light"/>
-              </a:rPr>
-              <a:t>Enterprise</a:t>
-            </a:r>
-            <a:r>
-              <a:rPr sz="1100" spc="10" dirty="0">
-                <a:solidFill>
-                  <a:srgbClr val="FFFFFF"/>
-                </a:solidFill>
-                <a:latin typeface="AdobeClean-Light"/>
-                <a:cs typeface="AdobeClean-Light"/>
-              </a:rPr>
-              <a:t> </a:t>
-            </a:r>
-            <a:r>
-              <a:rPr sz="1100" dirty="0">
-                <a:solidFill>
-                  <a:srgbClr val="FFFFFF"/>
-                </a:solidFill>
-                <a:latin typeface="AdobeClean-Light"/>
-                <a:cs typeface="AdobeClean-Light"/>
-              </a:rPr>
-              <a:t>|</a:t>
-            </a:r>
-            <a:r>
-              <a:rPr sz="1100" spc="5" dirty="0">
-                <a:solidFill>
-                  <a:srgbClr val="FFFFFF"/>
-                </a:solidFill>
-                <a:latin typeface="AdobeClean-Light"/>
-                <a:cs typeface="AdobeClean-Light"/>
-              </a:rPr>
-              <a:t> </a:t>
-            </a:r>
-            <a:r>
-              <a:rPr sz="1100" b="1" spc="-65" dirty="0">
+              <a:t>Standard | Enterprise | </a:t>
+            </a:r>
+            <a:r>
+              <a:rPr lang="es-ES" sz="1100" b="1" dirty="0">
                 <a:solidFill>
                   <a:srgbClr val="FFFFFF"/>
                 </a:solidFill>
@@ -2481,10 +2414,6 @@
               </a:rPr>
               <a:t>Elite</a:t>
             </a:r>
-            <a:endParaRPr sz="1100" dirty="0">
-              <a:latin typeface="Arial"/>
-              <a:cs typeface="Arial"/>
-            </a:endParaRPr>
           </a:p>
           <a:p>
             <a:pPr marL="12700" marR="1076325">
@@ -2493,21 +2422,86 @@
               </a:spcBef>
             </a:pPr>
             <a:r>
-              <a:rPr lang="en-US" sz="900" dirty="0">
+              <a:rPr lang="es-ES" sz="800" dirty="0">
                 <a:solidFill>
                   <a:schemeClr val="bg1"/>
                 </a:solidFill>
                 <a:latin typeface="Adobe Clean SemiLight" panose="020B0403020404020204" pitchFamily="34" charset="0"/>
               </a:rPr>
-              <a:t>Adobe provides a comprehensive range of technical resources to help support your business included as part of your Experience Cloud license subscription and further enhanced in the ELITE support package. ELITE support includes access to personalized learning paths and monitored community forums via the Adobe Experience League. You can also take advantage of our detailed and in-depth technical product documentation and current release notes. ELITE customers will also have access to a Named Support Engineer as well as a Technical Account Manager who combine and work in partnership with you to provide best in class proactive and reactive support while acting as your designated technical contacts in the Adobe Support Team. With deep experience in your designated Experience Cloud solutions, your support team work to ensure that no matter how complex your support needs are, the Adobe Support team will be there side by side with you throughout, to ensure you maximize your investment in the Adobe Experience Cloud solutions and to help you avoid problems before they happen.</a:t>
-            </a:r>
-            <a:endParaRPr sz="900" dirty="0">
-              <a:solidFill>
-                <a:schemeClr val="bg1"/>
-              </a:solidFill>
-              <a:latin typeface="AdobeClean-Light"/>
-              <a:cs typeface="AdobeClean-Light"/>
-            </a:endParaRPr>
+              <a:t>Adobe ofrece una amplia variedad de recursos técnicos para ayudar a su negocio, incluidos como parte de su suscripción de licencia de </a:t>
+            </a:r>
+            <a:r>
+              <a:rPr lang="es-ES" sz="800" dirty="0" err="1">
+                <a:solidFill>
+                  <a:schemeClr val="bg1"/>
+                </a:solidFill>
+                <a:latin typeface="Adobe Clean SemiLight" panose="020B0403020404020204" pitchFamily="34" charset="0"/>
+              </a:rPr>
+              <a:t>Experience</a:t>
+            </a:r>
+            <a:r>
+              <a:rPr lang="es-ES" sz="800" dirty="0">
+                <a:solidFill>
+                  <a:schemeClr val="bg1"/>
+                </a:solidFill>
+                <a:latin typeface="Adobe Clean SemiLight" panose="020B0403020404020204" pitchFamily="34" charset="0"/>
+              </a:rPr>
+              <a:t> Cloud y todavía más mejorados en el paquete de soporte ELITE. El paquete ELITE incluye acceso a rutas de aprendizaje personalizadas y foros de la comunidad monitorizados a través de Adobe </a:t>
+            </a:r>
+            <a:r>
+              <a:rPr lang="es-ES" sz="800" dirty="0" err="1">
+                <a:solidFill>
+                  <a:schemeClr val="bg1"/>
+                </a:solidFill>
+                <a:latin typeface="Adobe Clean SemiLight" panose="020B0403020404020204" pitchFamily="34" charset="0"/>
+              </a:rPr>
+              <a:t>Experience</a:t>
+            </a:r>
+            <a:r>
+              <a:rPr lang="es-ES" sz="800" dirty="0">
+                <a:solidFill>
+                  <a:schemeClr val="bg1"/>
+                </a:solidFill>
+                <a:latin typeface="Adobe Clean SemiLight" panose="020B0403020404020204" pitchFamily="34" charset="0"/>
+              </a:rPr>
+              <a:t> League. También puede disfrutar de documentación técnica completa y detallada sobre productos y notas de la versión actual. Los clientes del paquete ELITE también podrán contar con un ingeniero de asistencia técnica especializado además de un gestor técnico de cuentas que trabajarán codo con codo con usted para proporcionar la asistencia idónea y proactiva y, a su vez, serán sus puntos de contacto para cualquier problema técnico dentro del equipo de Soporte de Adobe. Su equipo de Soporte, que cuenta con una amplia experiencia en su soluciones de </a:t>
+            </a:r>
+            <a:r>
+              <a:rPr lang="es-ES" sz="800" dirty="0" err="1">
+                <a:solidFill>
+                  <a:schemeClr val="bg1"/>
+                </a:solidFill>
+                <a:latin typeface="Adobe Clean SemiLight" panose="020B0403020404020204" pitchFamily="34" charset="0"/>
+              </a:rPr>
+              <a:t>Experience</a:t>
+            </a:r>
+            <a:r>
+              <a:rPr lang="es-ES" sz="800" dirty="0">
+                <a:solidFill>
+                  <a:schemeClr val="bg1"/>
+                </a:solidFill>
+                <a:latin typeface="Adobe Clean SemiLight" panose="020B0403020404020204" pitchFamily="34" charset="0"/>
+              </a:rPr>
+              <a:t> Cloud, trabajará para asegurarse de que pueden estar con usted de principio a fin para solucionar cualquier problema, sin importar su complejidad, de forma que pueda sacar el máximo provecho a su inversión en las soluciones de Adobe </a:t>
+            </a:r>
+            <a:r>
+              <a:rPr lang="es-ES" sz="800" dirty="0" err="1">
+                <a:solidFill>
+                  <a:schemeClr val="bg1"/>
+                </a:solidFill>
+                <a:latin typeface="Adobe Clean SemiLight" panose="020B0403020404020204" pitchFamily="34" charset="0"/>
+              </a:rPr>
+              <a:t>Experience</a:t>
+            </a:r>
+            <a:r>
+              <a:rPr lang="es-ES" sz="800" dirty="0">
+                <a:solidFill>
+                  <a:schemeClr val="bg1"/>
+                </a:solidFill>
+                <a:latin typeface="Adobe Clean SemiLight" panose="020B0403020404020204" pitchFamily="34" charset="0"/>
+              </a:rPr>
+              <a:t> Cloud y para ayudarle a evitar problemas antes de que se conviertan en realidad.</a:t>
+            </a:r>
           </a:p>
         </p:txBody>
       </p:sp>
@@ -2520,7 +2514,7 @@
         <p:spPr>
           <a:xfrm>
             <a:off x="168564" y="7162800"/>
-            <a:ext cx="2780665" cy="238760"/>
+            <a:ext cx="4062060" cy="228268"/>
           </a:xfrm>
           <a:prstGeom prst="rect">
             <a:avLst/>
@@ -2541,7 +2535,7 @@
               </a:spcBef>
             </a:pPr>
             <a:r>
-              <a:rPr sz="1400" b="1" u="heavy" spc="20">
+              <a:rPr lang="es-ES" sz="1400" b="1" u="heavy" dirty="0">
                 <a:solidFill>
                   <a:srgbClr val="020302"/>
                 </a:solidFill>
@@ -2553,447 +2547,8 @@
                 <a:latin typeface="Adobe Clean"/>
                 <a:cs typeface="Adobe Clean"/>
               </a:rPr>
-              <a:t>S</a:t>
-            </a:r>
-            <a:r>
-              <a:rPr sz="1400" b="1" u="heavy">
-                <a:solidFill>
-                  <a:srgbClr val="020302"/>
-                </a:solidFill>
-                <a:uFill>
-                  <a:solidFill>
-                    <a:srgbClr val="020302"/>
-                  </a:solidFill>
-                </a:uFill>
-                <a:latin typeface="Adobe Clean"/>
-                <a:cs typeface="Adobe Clean"/>
-              </a:rPr>
-              <a:t>er</a:t>
-            </a:r>
-            <a:r>
-              <a:rPr sz="1400" b="1" u="heavy" spc="10">
-                <a:solidFill>
-                  <a:srgbClr val="020302"/>
-                </a:solidFill>
-                <a:uFill>
-                  <a:solidFill>
-                    <a:srgbClr val="020302"/>
-                  </a:solidFill>
-                </a:uFill>
-                <a:latin typeface="Adobe Clean"/>
-                <a:cs typeface="Adobe Clean"/>
-              </a:rPr>
-              <a:t>vi</a:t>
-            </a:r>
-            <a:r>
-              <a:rPr sz="1400" b="1" u="heavy">
-                <a:solidFill>
-                  <a:srgbClr val="020302"/>
-                </a:solidFill>
-                <a:uFill>
-                  <a:solidFill>
-                    <a:srgbClr val="020302"/>
-                  </a:solidFill>
-                </a:uFill>
-                <a:latin typeface="Adobe Clean"/>
-                <a:cs typeface="Adobe Clean"/>
-              </a:rPr>
-              <a:t>ce</a:t>
-            </a:r>
-            <a:r>
-              <a:rPr sz="1400" b="1" u="heavy" spc="20">
-                <a:solidFill>
-                  <a:srgbClr val="020302"/>
-                </a:solidFill>
-                <a:uFill>
-                  <a:solidFill>
-                    <a:srgbClr val="020302"/>
-                  </a:solidFill>
-                </a:uFill>
-                <a:latin typeface="Adobe Clean"/>
-                <a:cs typeface="Adobe Clean"/>
-              </a:rPr>
-              <a:t> </a:t>
-            </a:r>
-            <a:r>
-              <a:rPr sz="1400" b="1" u="heavy" spc="-20">
-                <a:solidFill>
-                  <a:srgbClr val="020302"/>
-                </a:solidFill>
-                <a:uFill>
-                  <a:solidFill>
-                    <a:srgbClr val="020302"/>
-                  </a:solidFill>
-                </a:uFill>
-                <a:latin typeface="Adobe Clean"/>
-                <a:cs typeface="Adobe Clean"/>
-              </a:rPr>
-              <a:t>Le</a:t>
-            </a:r>
-            <a:r>
-              <a:rPr sz="1400" b="1" u="heavy" spc="-10">
-                <a:solidFill>
-                  <a:srgbClr val="020302"/>
-                </a:solidFill>
-                <a:uFill>
-                  <a:solidFill>
-                    <a:srgbClr val="020302"/>
-                  </a:solidFill>
-                </a:uFill>
-                <a:latin typeface="Adobe Clean"/>
-                <a:cs typeface="Adobe Clean"/>
-              </a:rPr>
-              <a:t>v</a:t>
-            </a:r>
-            <a:r>
-              <a:rPr sz="1400" b="1" u="heavy" spc="-20">
-                <a:solidFill>
-                  <a:srgbClr val="020302"/>
-                </a:solidFill>
-                <a:uFill>
-                  <a:solidFill>
-                    <a:srgbClr val="020302"/>
-                  </a:solidFill>
-                </a:uFill>
-                <a:latin typeface="Adobe Clean"/>
-                <a:cs typeface="Adobe Clean"/>
-              </a:rPr>
-              <a:t>e</a:t>
-            </a:r>
-            <a:r>
-              <a:rPr sz="1400" b="1" u="heavy">
-                <a:solidFill>
-                  <a:srgbClr val="020302"/>
-                </a:solidFill>
-                <a:uFill>
-                  <a:solidFill>
-                    <a:srgbClr val="020302"/>
-                  </a:solidFill>
-                </a:uFill>
-                <a:latin typeface="Adobe Clean"/>
-                <a:cs typeface="Adobe Clean"/>
-              </a:rPr>
-              <a:t>l</a:t>
-            </a:r>
-            <a:r>
-              <a:rPr sz="1400" b="1" u="heavy" spc="-10">
-                <a:solidFill>
-                  <a:srgbClr val="020302"/>
-                </a:solidFill>
-                <a:uFill>
-                  <a:solidFill>
-                    <a:srgbClr val="020302"/>
-                  </a:solidFill>
-                </a:uFill>
-                <a:latin typeface="Adobe Clean"/>
-                <a:cs typeface="Adobe Clean"/>
-              </a:rPr>
-              <a:t> </a:t>
-            </a:r>
-            <a:r>
-              <a:rPr sz="1400" b="1" u="heavy" spc="-65">
-                <a:solidFill>
-                  <a:srgbClr val="020302"/>
-                </a:solidFill>
-                <a:uFill>
-                  <a:solidFill>
-                    <a:srgbClr val="020302"/>
-                  </a:solidFill>
-                </a:uFill>
-                <a:latin typeface="Adobe Clean"/>
-                <a:cs typeface="Adobe Clean"/>
-              </a:rPr>
-              <a:t>T</a:t>
-            </a:r>
-            <a:r>
-              <a:rPr sz="1400" b="1" u="heavy" spc="-35">
-                <a:solidFill>
-                  <a:srgbClr val="020302"/>
-                </a:solidFill>
-                <a:uFill>
-                  <a:solidFill>
-                    <a:srgbClr val="020302"/>
-                  </a:solidFill>
-                </a:uFill>
-                <a:latin typeface="Adobe Clean"/>
-                <a:cs typeface="Adobe Clean"/>
-              </a:rPr>
-              <a:t>a</a:t>
-            </a:r>
-            <a:r>
-              <a:rPr sz="1400" b="1" u="heavy" spc="-45">
-                <a:solidFill>
-                  <a:srgbClr val="020302"/>
-                </a:solidFill>
-                <a:uFill>
-                  <a:solidFill>
-                    <a:srgbClr val="020302"/>
-                  </a:solidFill>
-                </a:uFill>
-                <a:latin typeface="Adobe Clean"/>
-                <a:cs typeface="Adobe Clean"/>
-              </a:rPr>
-              <a:t>r</a:t>
-            </a:r>
-            <a:r>
-              <a:rPr sz="1400" b="1" u="heavy" spc="-35">
-                <a:solidFill>
-                  <a:srgbClr val="020302"/>
-                </a:solidFill>
-                <a:uFill>
-                  <a:solidFill>
-                    <a:srgbClr val="020302"/>
-                  </a:solidFill>
-                </a:uFill>
-                <a:latin typeface="Adobe Clean"/>
-                <a:cs typeface="Adobe Clean"/>
-              </a:rPr>
-              <a:t>g</a:t>
-            </a:r>
-            <a:r>
-              <a:rPr sz="1400" b="1" u="heavy" spc="-55">
-                <a:solidFill>
-                  <a:srgbClr val="020302"/>
-                </a:solidFill>
-                <a:uFill>
-                  <a:solidFill>
-                    <a:srgbClr val="020302"/>
-                  </a:solidFill>
-                </a:uFill>
-                <a:latin typeface="Adobe Clean"/>
-                <a:cs typeface="Adobe Clean"/>
-              </a:rPr>
-              <a:t>et</a:t>
-            </a:r>
-            <a:r>
-              <a:rPr sz="1400" b="1" u="heavy" spc="-45">
-                <a:solidFill>
-                  <a:srgbClr val="020302"/>
-                </a:solidFill>
-                <a:uFill>
-                  <a:solidFill>
-                    <a:srgbClr val="020302"/>
-                  </a:solidFill>
-                </a:uFill>
-                <a:latin typeface="Adobe Clean"/>
-                <a:cs typeface="Adobe Clean"/>
-              </a:rPr>
-              <a:t>s</a:t>
-            </a:r>
-            <a:r>
-              <a:rPr sz="1400" b="1" u="heavy">
-                <a:solidFill>
-                  <a:srgbClr val="020302"/>
-                </a:solidFill>
-                <a:uFill>
-                  <a:solidFill>
-                    <a:srgbClr val="020302"/>
-                  </a:solidFill>
-                </a:uFill>
-                <a:latin typeface="Adobe Clean"/>
-                <a:cs typeface="Adobe Clean"/>
-              </a:rPr>
-              <a:t>:</a:t>
-            </a:r>
-            <a:r>
-              <a:rPr sz="1400" b="1" u="heavy" spc="-80">
-                <a:solidFill>
-                  <a:srgbClr val="020302"/>
-                </a:solidFill>
-                <a:uFill>
-                  <a:solidFill>
-                    <a:srgbClr val="020302"/>
-                  </a:solidFill>
-                </a:uFill>
-                <a:latin typeface="Adobe Clean"/>
-                <a:cs typeface="Adobe Clean"/>
-              </a:rPr>
-              <a:t> </a:t>
-            </a:r>
-            <a:r>
-              <a:rPr sz="1400" b="1" u="heavy" spc="-20">
-                <a:solidFill>
-                  <a:srgbClr val="020302"/>
-                </a:solidFill>
-                <a:uFill>
-                  <a:solidFill>
-                    <a:srgbClr val="020302"/>
-                  </a:solidFill>
-                </a:uFill>
-                <a:latin typeface="Adobe Clean"/>
-                <a:cs typeface="Adobe Clean"/>
-              </a:rPr>
-              <a:t>I</a:t>
-            </a:r>
-            <a:r>
-              <a:rPr sz="1400" b="1" u="heavy" spc="-10">
-                <a:solidFill>
-                  <a:srgbClr val="020302"/>
-                </a:solidFill>
-                <a:uFill>
-                  <a:solidFill>
-                    <a:srgbClr val="020302"/>
-                  </a:solidFill>
-                </a:uFill>
-                <a:latin typeface="Adobe Clean"/>
-                <a:cs typeface="Adobe Clean"/>
-              </a:rPr>
-              <a:t>ni</a:t>
-            </a:r>
-            <a:r>
-              <a:rPr sz="1400" b="1" u="heavy" spc="-20">
-                <a:solidFill>
-                  <a:srgbClr val="020302"/>
-                </a:solidFill>
-                <a:uFill>
-                  <a:solidFill>
-                    <a:srgbClr val="020302"/>
-                  </a:solidFill>
-                </a:uFill>
-                <a:latin typeface="Adobe Clean"/>
-                <a:cs typeface="Adobe Clean"/>
-              </a:rPr>
-              <a:t>t</a:t>
-            </a:r>
-            <a:r>
-              <a:rPr sz="1400" b="1" u="heavy" spc="-10">
-                <a:solidFill>
-                  <a:srgbClr val="020302"/>
-                </a:solidFill>
-                <a:uFill>
-                  <a:solidFill>
-                    <a:srgbClr val="020302"/>
-                  </a:solidFill>
-                </a:uFill>
-                <a:latin typeface="Adobe Clean"/>
-                <a:cs typeface="Adobe Clean"/>
-              </a:rPr>
-              <a:t>i</a:t>
-            </a:r>
-            <a:r>
-              <a:rPr sz="1400" b="1" u="heavy">
-                <a:solidFill>
-                  <a:srgbClr val="020302"/>
-                </a:solidFill>
-                <a:uFill>
-                  <a:solidFill>
-                    <a:srgbClr val="020302"/>
-                  </a:solidFill>
-                </a:uFill>
-                <a:latin typeface="Adobe Clean"/>
-                <a:cs typeface="Adobe Clean"/>
-              </a:rPr>
-              <a:t>al</a:t>
-            </a:r>
-            <a:r>
-              <a:rPr sz="1400" b="1" u="heavy" spc="-140">
-                <a:solidFill>
-                  <a:srgbClr val="020302"/>
-                </a:solidFill>
-                <a:uFill>
-                  <a:solidFill>
-                    <a:srgbClr val="020302"/>
-                  </a:solidFill>
-                </a:uFill>
-                <a:latin typeface="Adobe Clean"/>
-                <a:cs typeface="Adobe Clean"/>
-              </a:rPr>
-              <a:t> </a:t>
-            </a:r>
-            <a:r>
-              <a:rPr sz="1400" b="1" u="heavy" spc="-15">
-                <a:solidFill>
-                  <a:srgbClr val="020302"/>
-                </a:solidFill>
-                <a:uFill>
-                  <a:solidFill>
-                    <a:srgbClr val="020302"/>
-                  </a:solidFill>
-                </a:uFill>
-                <a:latin typeface="Adobe Clean"/>
-                <a:cs typeface="Adobe Clean"/>
-              </a:rPr>
-              <a:t>R</a:t>
-            </a:r>
-            <a:r>
-              <a:rPr sz="1400" b="1" u="heavy" spc="-25">
-                <a:solidFill>
-                  <a:srgbClr val="020302"/>
-                </a:solidFill>
-                <a:uFill>
-                  <a:solidFill>
-                    <a:srgbClr val="020302"/>
-                  </a:solidFill>
-                </a:uFill>
-                <a:latin typeface="Adobe Clean"/>
-                <a:cs typeface="Adobe Clean"/>
-              </a:rPr>
-              <a:t>e</a:t>
-            </a:r>
-            <a:r>
-              <a:rPr sz="1400" b="1" u="heavy" spc="-15">
-                <a:solidFill>
-                  <a:srgbClr val="020302"/>
-                </a:solidFill>
-                <a:uFill>
-                  <a:solidFill>
-                    <a:srgbClr val="020302"/>
-                  </a:solidFill>
-                </a:uFill>
-                <a:latin typeface="Adobe Clean"/>
-                <a:cs typeface="Adobe Clean"/>
-              </a:rPr>
-              <a:t>s</a:t>
-            </a:r>
-            <a:r>
-              <a:rPr sz="1400" b="1" u="heavy" spc="-25">
-                <a:solidFill>
-                  <a:srgbClr val="020302"/>
-                </a:solidFill>
-                <a:uFill>
-                  <a:solidFill>
-                    <a:srgbClr val="020302"/>
-                  </a:solidFill>
-                </a:uFill>
-                <a:latin typeface="Adobe Clean"/>
-                <a:cs typeface="Adobe Clean"/>
-              </a:rPr>
-              <a:t>p</a:t>
-            </a:r>
-            <a:r>
-              <a:rPr sz="1400" b="1" u="heavy" spc="-15">
-                <a:solidFill>
-                  <a:srgbClr val="020302"/>
-                </a:solidFill>
-                <a:uFill>
-                  <a:solidFill>
-                    <a:srgbClr val="020302"/>
-                  </a:solidFill>
-                </a:uFill>
-                <a:latin typeface="Adobe Clean"/>
-                <a:cs typeface="Adobe Clean"/>
-              </a:rPr>
-              <a:t>ons</a:t>
-            </a:r>
-            <a:r>
-              <a:rPr sz="1400" b="1" u="heavy">
-                <a:solidFill>
-                  <a:srgbClr val="020302"/>
-                </a:solidFill>
-                <a:uFill>
-                  <a:solidFill>
-                    <a:srgbClr val="020302"/>
-                  </a:solidFill>
-                </a:uFill>
-                <a:latin typeface="Adobe Clean"/>
-                <a:cs typeface="Adobe Clean"/>
-              </a:rPr>
-              <a:t>e</a:t>
-            </a:r>
-            <a:endParaRPr sz="1400">
-              <a:latin typeface="Adobe Clean"/>
-              <a:cs typeface="Adobe Clean"/>
-            </a:endParaRPr>
+              <a:t>Destinatarios de nivel de servicio: Respuesta inicial</a:t>
+            </a:r>
           </a:p>
         </p:txBody>
       </p:sp>
@@ -3006,14 +2561,14 @@
           <p:nvPr>
             <p:extLst>
               <p:ext uri="{D42A27DB-BD31-4B8C-83A1-F6EECF244321}">
-                <p14:modId xmlns:p14="http://schemas.microsoft.com/office/powerpoint/2010/main" val="3940642931"/>
+                <p14:modId xmlns:p14="http://schemas.microsoft.com/office/powerpoint/2010/main" val="1566660601"/>
               </p:ext>
             </p:extLst>
           </p:nvPr>
         </p:nvGraphicFramePr>
         <p:xfrm>
           <a:off x="145668" y="7473158"/>
-          <a:ext cx="7409815" cy="2259721"/>
+          <a:ext cx="7417143" cy="2386721"/>
         </p:xfrm>
         <a:graphic>
           <a:graphicData uri="http://schemas.openxmlformats.org/drawingml/2006/table">
@@ -3022,21 +2577,21 @@
                 <a:tableStyleId>{2D5ABB26-0587-4C30-8999-92F81FD0307C}</a:tableStyleId>
               </a:tblPr>
               <a:tblGrid>
-                <a:gridCol w="4654932">
+                <a:gridCol w="4663440">
                   <a:extLst>
                     <a:ext uri="{9D8B030D-6E8A-4147-A177-3AD203B41FA5}">
                       <a16:colId xmlns:a16="http://schemas.microsoft.com/office/drawing/2014/main" val="20000"/>
                     </a:ext>
                   </a:extLst>
                 </a:gridCol>
-                <a:gridCol w="1371600">
+                <a:gridCol w="1371012">
                   <a:extLst>
                     <a:ext uri="{9D8B030D-6E8A-4147-A177-3AD203B41FA5}">
                       <a16:colId xmlns:a16="http://schemas.microsoft.com/office/drawing/2014/main" val="20001"/>
                     </a:ext>
                   </a:extLst>
                 </a:gridCol>
-                <a:gridCol w="1383283">
+                <a:gridCol w="1382691">
                   <a:extLst>
                     <a:ext uri="{9D8B030D-6E8A-4147-A177-3AD203B41FA5}">
                       <a16:colId xmlns:a16="http://schemas.microsoft.com/office/drawing/2014/main" val="20002"/>
@@ -3059,19 +2614,15 @@
                         </a:spcBef>
                       </a:pPr>
                       <a:r>
-                        <a:rPr sz="900" spc="0">
+                        <a:rPr lang="es-ES" sz="900" dirty="0">
                           <a:solidFill>
                             <a:srgbClr val="020302"/>
                           </a:solidFill>
                           <a:latin typeface="Adobe Clean"/>
                           <a:cs typeface="Adobe Clean"/>
                         </a:rPr>
-                        <a:t>Priority</a:t>
+                        <a:t>Prioridad</a:t>
                       </a:r>
-                      <a:endParaRPr sz="900" spc="0">
-                        <a:latin typeface="Adobe Clean"/>
-                        <a:cs typeface="Adobe Clean"/>
-                      </a:endParaRPr>
                     </a:p>
                   </a:txBody>
                   <a:tcPr marL="0" marR="0" marT="5715" marB="0" anchor="ctr">
@@ -3118,29 +2669,15 @@
                         </a:spcBef>
                       </a:pPr>
                       <a:r>
-                        <a:rPr lang="en-US" sz="900" spc="0" dirty="0">
+                        <a:rPr lang="es-ES" sz="900">
                           <a:solidFill>
                             <a:srgbClr val="020302"/>
                           </a:solidFill>
                           <a:latin typeface="Adobe Clean"/>
                           <a:cs typeface="Adobe Clean"/>
                         </a:rPr>
-                        <a:t>Standard </a:t>
+                        <a:t>Soporte Standard</a:t>
                       </a:r>
-                      <a:r>
-                        <a:rPr sz="900" spc="0" dirty="0">
-                          <a:solidFill>
-                            <a:srgbClr val="020302"/>
-                          </a:solidFill>
-                          <a:latin typeface="Adobe Clean"/>
-                          <a:cs typeface="Adobe Clean"/>
-                        </a:rPr>
-                        <a:t> Support</a:t>
-                      </a:r>
-                      <a:endParaRPr sz="900" spc="0" dirty="0">
-                        <a:latin typeface="Adobe Clean"/>
-                        <a:cs typeface="Adobe Clean"/>
-                      </a:endParaRPr>
                     </a:p>
                   </a:txBody>
                   <a:tcPr marL="0" marR="0" marT="5715" marB="0" anchor="ctr">
@@ -3190,39 +2727,15 @@
                         </a:spcBef>
                       </a:pPr>
                       <a:r>
-                        <a:rPr sz="900" spc="0">
+                        <a:rPr lang="es-ES" sz="900">
                           <a:solidFill>
                             <a:srgbClr val="FFFFFF"/>
                           </a:solidFill>
                           <a:latin typeface="Adobe Clean"/>
                           <a:cs typeface="Adobe Clean"/>
                         </a:rPr>
-                        <a:t>Elite</a:t>
+                        <a:t>Soporte Elite</a:t>
                       </a:r>
-                      <a:r>
-                        <a:rPr lang="en-US" sz="900" spc="0">
-                          <a:solidFill>
-                            <a:srgbClr val="FFFFFF"/>
-                          </a:solidFill>
-                          <a:latin typeface="Adobe Clean"/>
-                          <a:cs typeface="Adobe Clean"/>
-                        </a:rPr>
-                        <a:t>  </a:t>
-                      </a:r>
-                      <a:r>
-                        <a:rPr sz="900" spc="0">
-                          <a:solidFill>
-                            <a:srgbClr val="FFFFFF"/>
-                          </a:solidFill>
-                          <a:latin typeface="Adobe Clean"/>
-                          <a:cs typeface="Adobe Clean"/>
-                        </a:rPr>
-                        <a:t>Support</a:t>
-                      </a:r>
-                      <a:endParaRPr sz="900" spc="0">
-                        <a:latin typeface="Adobe Clean"/>
-                        <a:cs typeface="Adobe Clean"/>
-                      </a:endParaRPr>
                     </a:p>
                   </a:txBody>
                   <a:tcPr marL="0" marR="0" marT="8255" marB="0" anchor="ctr">
@@ -3279,19 +2792,15 @@
                         </a:spcBef>
                       </a:pPr>
                       <a:r>
-                        <a:rPr sz="900" b="1" spc="0">
+                        <a:rPr lang="es-ES" sz="900" b="1" dirty="0">
                           <a:solidFill>
                             <a:srgbClr val="020302"/>
                           </a:solidFill>
                           <a:latin typeface="Adobe Clean"/>
                           <a:cs typeface="Adobe Clean"/>
                         </a:rPr>
-                        <a:t>PRIORITY 1</a:t>
+                        <a:t>PRIORIDAD 1</a:t>
                       </a:r>
-                      <a:endParaRPr sz="900" spc="0">
-                        <a:latin typeface="Adobe Clean"/>
-                        <a:cs typeface="Adobe Clean"/>
-                      </a:endParaRPr>
                     </a:p>
                     <a:p>
                       <a:pPr marL="50165" marR="495300" algn="l">
@@ -3303,19 +2812,14 @@
                         </a:spcBef>
                       </a:pPr>
                       <a:r>
-                        <a:rPr lang="en-US" sz="900" b="0" i="0" u="none" strike="noStrike" spc="0">
+                        <a:rPr lang="es-ES" sz="900" b="0" i="0" u="none" strike="noStrike" dirty="0">
                           <a:solidFill>
                             <a:srgbClr val="000000"/>
                           </a:solidFill>
-                          <a:effectLst/>
                           <a:latin typeface="Adobe Clean Light"/>
                         </a:rPr>
-                        <a:t>Customer's production business functions are down or have significant data loss or service degradation and immediate attention is required to restore functionality and usability</a:t>
+                        <a:t>Las funciones empresariales de producción del cliente no están activadas o pierden datos o presentan una degradación del servicio significativa, por lo que se requiere atención inmediata para restaurar la funcionalidad y facilidad de uso.</a:t>
                       </a:r>
-                      <a:endParaRPr sz="900" spc="0">
-                        <a:latin typeface="Adobe Clean Light"/>
-                        <a:cs typeface="AdobeClean-Light"/>
-                      </a:endParaRPr>
                     </a:p>
                   </a:txBody>
                   <a:tcPr marL="0" marR="0" marT="0" marB="0" anchor="ctr">
@@ -3359,59 +2863,15 @@
                         </a:lnSpc>
                       </a:pPr>
                       <a:r>
-                        <a:rPr sz="900" spc="0">
+                        <a:rPr lang="es-ES" sz="900" dirty="0">
                           <a:solidFill>
                             <a:srgbClr val="020302"/>
                           </a:solidFill>
                           <a:latin typeface="AdobeClean-Light"/>
                           <a:cs typeface="AdobeClean-Light"/>
                         </a:rPr>
-                        <a:t>24x7/</a:t>
+                        <a:t>24 x 7/1 hora</a:t>
                       </a:r>
-                      <a:r>
-                        <a:rPr lang="en-US" sz="900" spc="0">
-                          <a:solidFill>
-                            <a:srgbClr val="020302"/>
-                          </a:solidFill>
-                          <a:latin typeface="AdobeClean-Light"/>
-                          <a:cs typeface="AdobeClean-Light"/>
-                        </a:rPr>
-                        <a:t>          </a:t>
-                      </a:r>
-                      <a:r>
-                        <a:rPr sz="900" spc="0">
-                          <a:solidFill>
-                            <a:srgbClr val="020302"/>
-                          </a:solidFill>
-                          <a:latin typeface="AdobeClean-Light"/>
-                          <a:cs typeface="AdobeClean-Light"/>
-                        </a:rPr>
-                        <a:t> 1</a:t>
-                      </a:r>
-                      <a:r>
-                        <a:rPr lang="en-US" sz="900" spc="0">
-                          <a:solidFill>
-                            <a:srgbClr val="020302"/>
-                          </a:solidFill>
-                          <a:latin typeface="AdobeClean-Light"/>
-                          <a:cs typeface="AdobeClean-Light"/>
-                        </a:rPr>
-                        <a:t> </a:t>
-                      </a:r>
-                      <a:r>
-                        <a:rPr sz="900" spc="0">
-                          <a:solidFill>
-                            <a:srgbClr val="020302"/>
-                          </a:solidFill>
-                          <a:latin typeface="AdobeClean-Light"/>
-                          <a:cs typeface="AdobeClean-Light"/>
-                        </a:rPr>
-                        <a:t>hour</a:t>
-                      </a:r>
-                      <a:endParaRPr sz="900" spc="0">
-                        <a:latin typeface="AdobeClean-Light"/>
-                        <a:cs typeface="AdobeClean-Light"/>
-                      </a:endParaRPr>
                     </a:p>
                   </a:txBody>
                   <a:tcPr marL="0" marR="0" marT="0" marB="0" anchor="ctr">
@@ -3455,69 +2915,34 @@
                         </a:lnSpc>
                       </a:pPr>
                       <a:r>
-                        <a:rPr lang="en-US" sz="900" spc="0">
+                        <a:rPr lang="es-ES" sz="900" dirty="0">
                           <a:solidFill>
                             <a:srgbClr val="020302"/>
                           </a:solidFill>
                           <a:latin typeface="AdobeClean-Light"/>
                           <a:cs typeface="AdobeClean-Light"/>
                         </a:rPr>
-                        <a:t>2</a:t>
+                        <a:t>24 x 7/</a:t>
                       </a:r>
-                      <a:r>
-                        <a:rPr sz="900" spc="0">
+                      <a:br>
+                        <a:rPr lang="es-ES" sz="900" dirty="0">
                           <a:solidFill>
                             <a:srgbClr val="020302"/>
                           </a:solidFill>
                           <a:latin typeface="AdobeClean-Light"/>
                           <a:cs typeface="AdobeClean-Light"/>
                         </a:rPr>
-                        <a:t>4x7 /</a:t>
-                      </a:r>
+                      </a:br>
                       <a:r>
-                        <a:rPr lang="en-US" sz="900" spc="0">
+                        <a:rPr lang="es-ES" sz="900" dirty="0">
                           <a:solidFill>
                             <a:srgbClr val="020302"/>
                           </a:solidFill>
                           <a:latin typeface="AdobeClean-Light"/>
                           <a:cs typeface="AdobeClean-Light"/>
                         </a:rPr>
-                        <a:t>  </a:t>
+                        <a:t>15 minutos</a:t>
                       </a:r>
-                      <a:r>
-                        <a:rPr sz="900" spc="0">
-                          <a:solidFill>
-                            <a:srgbClr val="020302"/>
-                          </a:solidFill>
-                          <a:latin typeface="AdobeClean-Light"/>
-                          <a:cs typeface="AdobeClean-Light"/>
-                        </a:rPr>
-                        <a:t> 15</a:t>
-                      </a:r>
-                      <a:r>
-                        <a:rPr lang="en-US" sz="900" spc="0">
-                          <a:solidFill>
-                            <a:srgbClr val="020302"/>
-                          </a:solidFill>
-                          <a:latin typeface="AdobeClean-Light"/>
-                          <a:cs typeface="AdobeClean-Light"/>
-                        </a:rPr>
-                        <a:t> </a:t>
-                      </a:r>
-                      <a:r>
-                        <a:rPr sz="900" spc="0">
-                          <a:solidFill>
-                            <a:srgbClr val="020302"/>
-                          </a:solidFill>
-                          <a:latin typeface="AdobeClean-Light"/>
-                          <a:cs typeface="AdobeClean-Light"/>
-                        </a:rPr>
-                        <a:t>minutes</a:t>
-                      </a:r>
-                      <a:endParaRPr sz="900" spc="0">
-                        <a:latin typeface="AdobeClean-Light"/>
-                        <a:cs typeface="AdobeClean-Light"/>
-                      </a:endParaRPr>
                     </a:p>
                   </a:txBody>
                   <a:tcPr marL="0" marR="0" marT="2540" marB="0" anchor="ctr">
@@ -3579,19 +3004,15 @@
                         </a:spcBef>
                       </a:pPr>
                       <a:r>
-                        <a:rPr sz="900" b="1" spc="0">
+                        <a:rPr lang="es-ES" sz="900" b="1" dirty="0">
                           <a:solidFill>
                             <a:srgbClr val="020302"/>
                           </a:solidFill>
                           <a:latin typeface="Adobe Clean"/>
                           <a:cs typeface="Adobe Clean"/>
                         </a:rPr>
-                        <a:t>PRIORITY 2</a:t>
+                        <a:t>PRIORIDAD 2</a:t>
                       </a:r>
-                      <a:endParaRPr sz="900" spc="0">
-                        <a:latin typeface="Adobe Clean"/>
-                        <a:cs typeface="Adobe Clean"/>
-                      </a:endParaRPr>
                     </a:p>
                     <a:p>
                       <a:pPr marL="49530" marR="719455" algn="l">
@@ -3603,19 +3024,31 @@
                         </a:spcBef>
                       </a:pPr>
                       <a:r>
-                        <a:rPr lang="en-US" sz="900" b="0" i="0" u="none" strike="noStrike" spc="0">
+                        <a:rPr lang="es-ES" sz="900" b="0" i="0" u="none" strike="noStrike" spc="-30" baseline="0" dirty="0">
                           <a:solidFill>
                             <a:srgbClr val="000000"/>
                           </a:solidFill>
-                          <a:effectLst/>
                           <a:latin typeface="Adobe Clean Light"/>
                         </a:rPr>
-                        <a:t>Customer's business functions have major service degradation or potential data loss, or a major feature is impacted</a:t>
+                        <a:t>Las funciones empresariales del cliente presentan una importante degradación del servicio </a:t>
                       </a:r>
-                      <a:endParaRPr sz="900" spc="0">
-                        <a:latin typeface="Adobe Clean Light"/>
-                        <a:cs typeface="AdobeClean-Light"/>
-                      </a:endParaRPr>
+                      <a:br>
+                        <a:rPr lang="es-ES" sz="900" b="0" i="0" u="none" strike="noStrike" spc="-30" baseline="0" dirty="0">
+                          <a:solidFill>
+                            <a:srgbClr val="000000"/>
+                          </a:solidFill>
+                          <a:latin typeface="Adobe Clean Light"/>
+                        </a:rPr>
+                      </a:br>
+                      <a:r>
+                        <a:rPr lang="es-ES" sz="900" b="0" i="0" u="none" strike="noStrike" spc="-30" baseline="0" dirty="0">
+                          <a:solidFill>
+                            <a:srgbClr val="000000"/>
+                          </a:solidFill>
+                          <a:latin typeface="Adobe Clean Light"/>
+                        </a:rPr>
+                        <a:t>o hay una posible pérdida de datos, o una función clave se está viendo  afectada.</a:t>
+                      </a:r>
                     </a:p>
                   </a:txBody>
                   <a:tcPr marL="0" marR="0" marT="0" marB="0" anchor="ctr">
@@ -3653,65 +3086,40 @@
                     <a:bodyPr/>
                     <a:lstStyle/>
                     <a:p>
-                      <a:pPr marL="473075" marR="343535" indent="-175895" algn="l">
+                      <a:pPr marL="285750" marR="343535" indent="0" algn="ctr">
                         <a:lnSpc>
                           <a:spcPct val="102200"/>
                         </a:lnSpc>
                       </a:pPr>
                       <a:r>
-                        <a:rPr sz="900" spc="0">
+                        <a:rPr lang="es-ES" sz="900" dirty="0">
                           <a:solidFill>
                             <a:srgbClr val="020302"/>
                           </a:solidFill>
                           <a:latin typeface="AdobeClean-Light"/>
                           <a:cs typeface="AdobeClean-Light"/>
                         </a:rPr>
-                        <a:t>Business hours</a:t>
+                        <a:t>Horario de trabajo/</a:t>
                       </a:r>
-                      <a:r>
-                        <a:rPr lang="en-US" sz="900" spc="0">
+                      <a:br>
+                        <a:rPr lang="es-ES" sz="900" dirty="0">
                           <a:solidFill>
                             <a:srgbClr val="020302"/>
                           </a:solidFill>
                           <a:latin typeface="AdobeClean-Light"/>
                           <a:cs typeface="AdobeClean-Light"/>
                         </a:rPr>
-                        <a:t> </a:t>
-                      </a:r>
+                      </a:br>
                       <a:r>
-                        <a:rPr sz="900" spc="0">
+                        <a:rPr lang="es-ES" sz="900" dirty="0">
                           <a:solidFill>
                             <a:srgbClr val="020302"/>
                           </a:solidFill>
                           <a:latin typeface="AdobeClean-Light"/>
                           <a:cs typeface="AdobeClean-Light"/>
                         </a:rPr>
-                        <a:t>/</a:t>
+                        <a:t>4 horas</a:t>
                       </a:r>
-                      <a:r>
-                        <a:rPr lang="en-US" sz="900" spc="0">
-                          <a:solidFill>
-                            <a:srgbClr val="020302"/>
-                          </a:solidFill>
-                          <a:latin typeface="AdobeClean-Light"/>
-                          <a:cs typeface="AdobeClean-Light"/>
-                        </a:rPr>
-                        <a:t>       </a:t>
-                      </a:r>
-                      <a:r>
-                        <a:rPr sz="900" spc="0">
-                          <a:solidFill>
-                            <a:srgbClr val="020302"/>
-                          </a:solidFill>
-                          <a:latin typeface="AdobeClean-Light"/>
-                          <a:cs typeface="AdobeClean-Light"/>
-                        </a:rPr>
-                        <a:t>4 hours</a:t>
-                      </a:r>
-                      <a:endParaRPr sz="900" spc="0">
-                        <a:latin typeface="AdobeClean-Light"/>
-                        <a:cs typeface="AdobeClean-Light"/>
-                      </a:endParaRPr>
                     </a:p>
                   </a:txBody>
                   <a:tcPr marL="0" marR="0" marT="0" marB="0" anchor="ctr">
@@ -3752,59 +3160,34 @@
                         </a:lnSpc>
                       </a:pPr>
                       <a:r>
-                        <a:rPr sz="900" spc="0">
+                        <a:rPr lang="es-ES" sz="900" dirty="0">
                           <a:solidFill>
                             <a:srgbClr val="020302"/>
                           </a:solidFill>
                           <a:latin typeface="AdobeClean-Light"/>
                           <a:cs typeface="AdobeClean-Light"/>
                         </a:rPr>
-                        <a:t>24x5 /</a:t>
+                        <a:t>24 x 5/</a:t>
                       </a:r>
-                      <a:r>
-                        <a:rPr lang="en-US" sz="900" spc="0">
+                      <a:br>
+                        <a:rPr lang="es-ES" sz="900" dirty="0">
                           <a:solidFill>
                             <a:srgbClr val="020302"/>
                           </a:solidFill>
                           <a:latin typeface="AdobeClean-Light"/>
                           <a:cs typeface="AdobeClean-Light"/>
                         </a:rPr>
-                        <a:t> </a:t>
-                      </a:r>
+                      </a:br>
                       <a:r>
-                        <a:rPr sz="900" spc="0">
+                        <a:rPr lang="es-ES" sz="900" dirty="0">
                           <a:solidFill>
                             <a:srgbClr val="020302"/>
                           </a:solidFill>
                           <a:latin typeface="AdobeClean-Light"/>
                           <a:cs typeface="AdobeClean-Light"/>
                         </a:rPr>
-                        <a:t> 30</a:t>
+                        <a:t>30 minutos</a:t>
                       </a:r>
-                      <a:r>
-                        <a:rPr lang="en-US" sz="900" spc="0">
-                          <a:solidFill>
-                            <a:srgbClr val="020302"/>
-                          </a:solidFill>
-                          <a:latin typeface="AdobeClean-Light"/>
-                          <a:cs typeface="AdobeClean-Light"/>
-                        </a:rPr>
-                        <a:t> m</a:t>
-                      </a:r>
-                      <a:r>
-                        <a:rPr sz="900" spc="0">
-                          <a:solidFill>
-                            <a:srgbClr val="020302"/>
-                          </a:solidFill>
-                          <a:latin typeface="AdobeClean-Light"/>
-                          <a:cs typeface="AdobeClean-Light"/>
-                        </a:rPr>
-                        <a:t>inutes</a:t>
-                      </a:r>
-                      <a:endParaRPr sz="900" spc="0">
-                        <a:latin typeface="AdobeClean-Light"/>
-                        <a:cs typeface="AdobeClean-Light"/>
-                      </a:endParaRPr>
                     </a:p>
                   </a:txBody>
                   <a:tcPr marL="0" marR="0" marT="5080" marB="0" anchor="ctr">
@@ -3863,19 +3246,15 @@
                         </a:spcBef>
                       </a:pPr>
                       <a:r>
-                        <a:rPr sz="900" b="1" spc="0">
+                        <a:rPr lang="es-ES" sz="900" b="1" dirty="0">
                           <a:solidFill>
                             <a:srgbClr val="020302"/>
                           </a:solidFill>
                           <a:latin typeface="Adobe Clean"/>
                           <a:cs typeface="Adobe Clean"/>
                         </a:rPr>
-                        <a:t>PRIORITY 3</a:t>
+                        <a:t>PRIORIDAD 3</a:t>
                       </a:r>
-                      <a:endParaRPr sz="900" spc="0">
-                        <a:latin typeface="Adobe Clean"/>
-                        <a:cs typeface="Adobe Clean"/>
-                      </a:endParaRPr>
                     </a:p>
                     <a:p>
                       <a:pPr marL="48895" marR="387985" indent="-2540" algn="l">
@@ -3887,19 +3266,31 @@
                         </a:spcBef>
                       </a:pPr>
                       <a:r>
-                        <a:rPr lang="en-US" sz="900" b="0" i="0" u="none" strike="noStrike" spc="0">
+                        <a:rPr lang="es-ES" sz="900" b="0" i="0" u="none" strike="noStrike" dirty="0">
                           <a:solidFill>
                             <a:srgbClr val="000000"/>
                           </a:solidFill>
-                          <a:effectLst/>
                           <a:latin typeface="Adobe Clean Light"/>
                         </a:rPr>
-                        <a:t>Customer’s business functions have minor to no service degradation but there exists a solution/workaround allowing business functions to continue normally</a:t>
+                        <a:t>Las funciones empresariales del cliente presentan una menor degradación del servicio, </a:t>
                       </a:r>
-                      <a:endParaRPr sz="900" spc="0">
-                        <a:latin typeface="AdobeClean-Light"/>
-                        <a:cs typeface="AdobeClean-Light"/>
-                      </a:endParaRPr>
+                      <a:br>
+                        <a:rPr lang="es-ES" sz="900" b="0" i="0" u="none" strike="noStrike" dirty="0">
+                          <a:solidFill>
+                            <a:srgbClr val="000000"/>
+                          </a:solidFill>
+                          <a:latin typeface="Adobe Clean Light"/>
+                        </a:rPr>
+                      </a:br>
+                      <a:r>
+                        <a:rPr lang="es-ES" sz="900" b="0" i="0" u="none" strike="noStrike" dirty="0">
+                          <a:solidFill>
+                            <a:srgbClr val="000000"/>
+                          </a:solidFill>
+                          <a:latin typeface="Adobe Clean Light"/>
+                        </a:rPr>
+                        <a:t>o ninguna degradación en absoluto, pero existe una solución que permite que las funciones empresariales sigan funcionando con normalidad.</a:t>
+                      </a:r>
                     </a:p>
                   </a:txBody>
                   <a:tcPr marL="0" marR="0" marT="0" marB="0" anchor="ctr">
@@ -3937,25 +3328,40 @@
                     <a:bodyPr/>
                     <a:lstStyle/>
                     <a:p>
-                      <a:pPr marL="473075" marR="343535" indent="-175895" algn="l">
+                      <a:pPr marL="401638" marR="343535" indent="0" algn="ctr">
                         <a:lnSpc>
                           <a:spcPct val="102200"/>
                         </a:lnSpc>
                       </a:pPr>
                       <a:r>
-                        <a:rPr lang="en-US" sz="900" spc="0">
+                        <a:rPr lang="es-ES" sz="900" dirty="0">
                           <a:solidFill>
                             <a:srgbClr val="020302"/>
                           </a:solidFill>
                           <a:latin typeface="AdobeClean-Light"/>
                           <a:cs typeface="AdobeClean-Light"/>
                         </a:rPr>
-                        <a:t>Business hours /       6 hours</a:t>
+                        <a:t>Horario de trabajo/</a:t>
                       </a:r>
-                      <a:endParaRPr lang="en-US" sz="900" spc="0">
-                        <a:latin typeface="AdobeClean-Light"/>
-                        <a:cs typeface="AdobeClean-Light"/>
-                      </a:endParaRPr>
+                      <a:br>
+                        <a:rPr lang="es-ES" sz="900" dirty="0">
+                          <a:solidFill>
+                            <a:srgbClr val="020302"/>
+                          </a:solidFill>
+                          <a:latin typeface="AdobeClean-Light"/>
+                          <a:cs typeface="AdobeClean-Light"/>
+                        </a:rPr>
+                      </a:br>
+                      <a:r>
+                        <a:rPr lang="es-ES" sz="900" dirty="0">
+                          <a:solidFill>
+                            <a:srgbClr val="020302"/>
+                          </a:solidFill>
+                          <a:latin typeface="AdobeClean-Light"/>
+                          <a:cs typeface="AdobeClean-Light"/>
+                        </a:rPr>
+                        <a:t>6 horas</a:t>
+                      </a:r>
                     </a:p>
                   </a:txBody>
                   <a:tcPr marL="0" marR="0" marT="0" marB="0" anchor="ctr">
@@ -3996,7 +3402,7 @@
                         </a:lnSpc>
                       </a:pPr>
                       <a:r>
-                        <a:rPr lang="en-US" sz="900" spc="0">
+                        <a:rPr lang="es-ES" sz="900" dirty="0">
                           <a:solidFill>
                             <a:srgbClr val="020302"/>
                           </a:solidFill>
@@ -4007,7 +3413,7 @@
                         <a:t>2</a:t>
                       </a:r>
                       <a:r>
-                        <a:rPr sz="900" spc="0">
+                        <a:rPr lang="es-ES" sz="900" dirty="0">
                           <a:solidFill>
                             <a:srgbClr val="020302"/>
                           </a:solidFill>
@@ -4015,29 +3421,7 @@
                           <a:ea typeface="+mn-ea"/>
                           <a:cs typeface="AdobeClean-Light"/>
                         </a:rPr>
-                        <a:t>4x5/</a:t>
-                      </a:r>
-                      <a:r>
-                        <a:rPr lang="en-US" sz="900" spc="0">
-                          <a:solidFill>
-                            <a:srgbClr val="020302"/>
-                          </a:solidFill>
-                          <a:latin typeface="AdobeClean-Light"/>
-                          <a:ea typeface="+mn-ea"/>
-                          <a:cs typeface="AdobeClean-Light"/>
-                        </a:rPr>
-                        <a:t>   </a:t>
-                      </a:r>
-                      <a:r>
-                        <a:rPr sz="900" spc="0">
-                          <a:solidFill>
-                            <a:srgbClr val="020302"/>
-                          </a:solidFill>
-                          <a:latin typeface="AdobeClean-Light"/>
-                          <a:ea typeface="+mn-ea"/>
-                          <a:cs typeface="AdobeClean-Light"/>
-                        </a:rPr>
-                        <a:t>1 hour</a:t>
+                        <a:t>4 x 5/1 hora</a:t>
                       </a:r>
                     </a:p>
                   </a:txBody>
@@ -4097,19 +3481,15 @@
                         </a:spcBef>
                       </a:pPr>
                       <a:r>
-                        <a:rPr sz="900" b="1" spc="0">
+                        <a:rPr lang="es-ES" sz="900" b="1" dirty="0">
                           <a:solidFill>
                             <a:srgbClr val="020302"/>
                           </a:solidFill>
                           <a:latin typeface="Adobe Clean"/>
                           <a:cs typeface="Adobe Clean"/>
                         </a:rPr>
-                        <a:t>PRIORITY 4</a:t>
+                        <a:t>PRIORIDAD 4</a:t>
                       </a:r>
-                      <a:endParaRPr sz="900" spc="0">
-                        <a:latin typeface="Adobe Clean"/>
-                        <a:cs typeface="Adobe Clean"/>
-                      </a:endParaRPr>
                     </a:p>
                     <a:p>
                       <a:pPr marL="62230" algn="l">
@@ -4121,19 +3501,14 @@
                         </a:spcBef>
                       </a:pPr>
                       <a:r>
-                        <a:rPr lang="en-US" sz="900" b="0" i="0" u="none" strike="noStrike" spc="0">
+                        <a:rPr lang="es-ES" sz="900" b="0" i="0" u="none" strike="noStrike" dirty="0">
                           <a:solidFill>
                             <a:srgbClr val="000000"/>
                           </a:solidFill>
-                          <a:effectLst/>
                           <a:latin typeface="Adobe Clean Light"/>
                         </a:rPr>
-                        <a:t>General question regarding current product functionality or an enhancement request</a:t>
+                        <a:t>Pregunta general sobre la funcionalidad actual del producto o una solicitud de mejora.</a:t>
                       </a:r>
-                      <a:endParaRPr sz="900" spc="0">
-                        <a:latin typeface="Adobe Clean Light"/>
-                        <a:cs typeface="AdobeClean-Light"/>
-                      </a:endParaRPr>
                     </a:p>
                   </a:txBody>
                   <a:tcPr marL="0" marR="0" marT="0" marB="0" anchor="ctr">
@@ -4171,25 +3546,40 @@
                     <a:bodyPr/>
                     <a:lstStyle/>
                     <a:p>
-                      <a:pPr marL="473075" marR="343535" indent="-175895" algn="l">
+                      <a:pPr marL="285750" marR="343535" indent="0" algn="ctr">
                         <a:lnSpc>
                           <a:spcPct val="102200"/>
                         </a:lnSpc>
                       </a:pPr>
                       <a:r>
-                        <a:rPr lang="en-US" sz="900" spc="0">
+                        <a:rPr lang="es-ES" sz="900" dirty="0">
                           <a:solidFill>
                             <a:srgbClr val="020302"/>
                           </a:solidFill>
                           <a:latin typeface="AdobeClean-Light"/>
                           <a:cs typeface="AdobeClean-Light"/>
                         </a:rPr>
-                        <a:t>Business days /       3 days</a:t>
+                        <a:t>Días laborables/</a:t>
                       </a:r>
-                      <a:endParaRPr lang="en-US" sz="900" spc="0">
-                        <a:latin typeface="AdobeClean-Light"/>
-                        <a:cs typeface="AdobeClean-Light"/>
-                      </a:endParaRPr>
+                      <a:br>
+                        <a:rPr lang="es-ES" sz="900" dirty="0">
+                          <a:solidFill>
+                            <a:srgbClr val="020302"/>
+                          </a:solidFill>
+                          <a:latin typeface="AdobeClean-Light"/>
+                          <a:cs typeface="AdobeClean-Light"/>
+                        </a:rPr>
+                      </a:br>
+                      <a:r>
+                        <a:rPr lang="es-ES" sz="900" dirty="0">
+                          <a:solidFill>
+                            <a:srgbClr val="020302"/>
+                          </a:solidFill>
+                          <a:latin typeface="AdobeClean-Light"/>
+                          <a:cs typeface="AdobeClean-Light"/>
+                        </a:rPr>
+                        <a:t>3 días</a:t>
+                      </a:r>
                     </a:p>
                   </a:txBody>
                   <a:tcPr marL="0" marR="0" marT="0" marB="0" anchor="ctr">
@@ -4224,25 +3614,40 @@
                     <a:bodyPr/>
                     <a:lstStyle/>
                     <a:p>
-                      <a:pPr marL="473075" marR="343535" indent="-175895" algn="l">
+                      <a:pPr marL="285750" marR="343535" indent="0" algn="ctr">
                         <a:lnSpc>
                           <a:spcPct val="102200"/>
                         </a:lnSpc>
                       </a:pPr>
                       <a:r>
-                        <a:rPr lang="en-US" sz="900" spc="0" dirty="0">
+                        <a:rPr lang="es-ES" sz="900" dirty="0">
                           <a:solidFill>
                             <a:srgbClr val="020302"/>
                           </a:solidFill>
                           <a:latin typeface="AdobeClean-Light"/>
                           <a:cs typeface="AdobeClean-Light"/>
                         </a:rPr>
-                        <a:t>Business days /       1 day</a:t>
+                        <a:t>Días laborables/</a:t>
                       </a:r>
-                      <a:endParaRPr lang="en-US" sz="900" spc="0" dirty="0">
-                        <a:latin typeface="AdobeClean-Light"/>
-                        <a:cs typeface="AdobeClean-Light"/>
-                      </a:endParaRPr>
+                      <a:br>
+                        <a:rPr lang="es-ES" sz="900" dirty="0">
+                          <a:solidFill>
+                            <a:srgbClr val="020302"/>
+                          </a:solidFill>
+                          <a:latin typeface="AdobeClean-Light"/>
+                          <a:cs typeface="AdobeClean-Light"/>
+                        </a:rPr>
+                      </a:br>
+                      <a:r>
+                        <a:rPr lang="es-ES" sz="900" dirty="0">
+                          <a:solidFill>
+                            <a:srgbClr val="020302"/>
+                          </a:solidFill>
+                          <a:latin typeface="AdobeClean-Light"/>
+                          <a:cs typeface="AdobeClean-Light"/>
+                        </a:rPr>
+                        <a:t>1 día</a:t>
+                      </a:r>
                     </a:p>
                   </a:txBody>
                   <a:tcPr marL="0" marR="0" marT="27940" marB="0" anchor="ctr">
@@ -4321,7 +3726,7 @@
         <p:spPr>
           <a:xfrm>
             <a:off x="97787" y="9888626"/>
-            <a:ext cx="2202180" cy="149860"/>
+            <a:ext cx="2377440" cy="149860"/>
           </a:xfrm>
           <a:prstGeom prst="rect">
             <a:avLst/>
@@ -4342,99 +3747,95 @@
               </a:spcBef>
             </a:pPr>
             <a:r>
-              <a:rPr sz="800" spc="-15">
+              <a:rPr lang="es-ES" sz="800" dirty="0">
                 <a:solidFill>
                   <a:srgbClr val="6D6D6D"/>
                 </a:solidFill>
                 <a:latin typeface="Adobe Clean"/>
                 <a:cs typeface="Adobe Clean"/>
               </a:rPr>
-              <a:t>©2021 </a:t>
-            </a:r>
-            <a:r>
-              <a:rPr sz="800" spc="-5">
+              <a:t>©2021 Adobe. </a:t>
+            </a:r>
+            <a:r>
+              <a:rPr lang="es-ES" sz="800" dirty="0" err="1">
                 <a:solidFill>
                   <a:srgbClr val="6D6D6D"/>
                 </a:solidFill>
                 <a:latin typeface="Adobe Clean"/>
                 <a:cs typeface="Adobe Clean"/>
               </a:rPr>
-              <a:t>Adobe. All</a:t>
-            </a:r>
-            <a:r>
-              <a:rPr sz="800" spc="-15">
+              <a:t>All</a:t>
+            </a:r>
+            <a:r>
+              <a:rPr lang="es-ES" sz="800" dirty="0">
                 <a:solidFill>
                   <a:srgbClr val="6D6D6D"/>
                 </a:solidFill>
                 <a:latin typeface="Adobe Clean"/>
                 <a:cs typeface="Adobe Clean"/>
               </a:rPr>
-              <a:t> Rights</a:t>
-            </a:r>
-            <a:r>
-              <a:rPr sz="800" spc="-5">
+              <a:t> </a:t>
+            </a:r>
+            <a:r>
+              <a:rPr lang="es-ES" sz="800" dirty="0" err="1">
                 <a:solidFill>
                   <a:srgbClr val="6D6D6D"/>
                 </a:solidFill>
                 <a:latin typeface="Adobe Clean"/>
                 <a:cs typeface="Adobe Clean"/>
               </a:rPr>
-              <a:t> </a:t>
-            </a:r>
-            <a:r>
-              <a:rPr sz="800" spc="-15">
+              <a:t>Rights</a:t>
+            </a:r>
+            <a:r>
+              <a:rPr lang="es-ES" sz="800" dirty="0">
                 <a:solidFill>
                   <a:srgbClr val="6D6D6D"/>
                 </a:solidFill>
                 <a:latin typeface="Adobe Clean"/>
                 <a:cs typeface="Adobe Clean"/>
               </a:rPr>
-              <a:t>Reserved.</a:t>
-            </a:r>
-            <a:r>
-              <a:rPr sz="800" spc="-10">
+              <a:t> </a:t>
+            </a:r>
+            <a:r>
+              <a:rPr lang="es-ES" sz="800" dirty="0" err="1">
                 <a:solidFill>
                   <a:srgbClr val="6D6D6D"/>
                 </a:solidFill>
                 <a:latin typeface="Adobe Clean"/>
                 <a:cs typeface="Adobe Clean"/>
               </a:rPr>
-              <a:t> </a:t>
-            </a:r>
-            <a:r>
-              <a:rPr sz="800" spc="-5">
+              <a:t>Reserved</a:t>
+            </a:r>
+            <a:r>
+              <a:rPr lang="es-ES" sz="800" dirty="0">
                 <a:solidFill>
                   <a:srgbClr val="6D6D6D"/>
                 </a:solidFill>
                 <a:latin typeface="Adobe Clean"/>
                 <a:cs typeface="Adobe Clean"/>
               </a:rPr>
-              <a:t>Adobe</a:t>
-            </a:r>
-            <a:r>
-              <a:rPr sz="800" spc="65">
+              <a:t>. Adobe </a:t>
+            </a:r>
+            <a:r>
+              <a:rPr lang="es-ES" sz="800" dirty="0" err="1">
                 <a:solidFill>
                   <a:srgbClr val="6D6D6D"/>
                 </a:solidFill>
                 <a:latin typeface="Adobe Clean"/>
                 <a:cs typeface="Adobe Clean"/>
               </a:rPr>
-              <a:t> </a:t>
-            </a:r>
-            <a:r>
-              <a:rPr sz="800" spc="-15">
+              <a:t>Confidential</a:t>
+            </a:r>
+            <a:r>
+              <a:rPr lang="es-ES" sz="800" dirty="0">
                 <a:solidFill>
                   <a:srgbClr val="6D6D6D"/>
                 </a:solidFill>
                 <a:latin typeface="Adobe Clean"/>
                 <a:cs typeface="Adobe Clean"/>
               </a:rPr>
-              <a:t>Confidential.</a:t>
-            </a:r>
-            <a:endParaRPr sz="800">
-              <a:latin typeface="Adobe Clean"/>
-              <a:cs typeface="Adobe Clean"/>
-            </a:endParaRPr>
+              <a:t>.</a:t>
+            </a:r>
           </a:p>
         </p:txBody>
       </p:sp>
@@ -4467,7 +3868,7 @@
           <a:lstStyle/>
           <a:p>
             <a:r>
-              <a:rPr lang="en-US" sz="700" i="1">
+              <a:rPr lang="es-ES" sz="700" i="1">
                 <a:solidFill>
                   <a:schemeClr val="bg1"/>
                 </a:solidFill>
@@ -4492,14 +3893,14 @@
           <p:nvPr>
             <p:extLst>
               <p:ext uri="{D42A27DB-BD31-4B8C-83A1-F6EECF244321}">
-                <p14:modId xmlns:p14="http://schemas.microsoft.com/office/powerpoint/2010/main" val="2453616751"/>
+                <p14:modId xmlns:p14="http://schemas.microsoft.com/office/powerpoint/2010/main" val="761193501"/>
               </p:ext>
             </p:extLst>
           </p:nvPr>
         </p:nvGraphicFramePr>
         <p:xfrm>
           <a:off x="273550" y="2258474"/>
-          <a:ext cx="7281935" cy="4738570"/>
+          <a:ext cx="7281935" cy="4839582"/>
         </p:xfrm>
         <a:graphic>
           <a:graphicData uri="http://schemas.openxmlformats.org/drawingml/2006/table">
@@ -4515,21 +3916,21 @@
                     </a:ext>
                   </a:extLst>
                 </a:gridCol>
-                <a:gridCol w="3042833">
+                <a:gridCol w="3145626">
                   <a:extLst>
                     <a:ext uri="{9D8B030D-6E8A-4147-A177-3AD203B41FA5}">
                       <a16:colId xmlns:a16="http://schemas.microsoft.com/office/drawing/2014/main" val="20001"/>
                     </a:ext>
                   </a:extLst>
                 </a:gridCol>
-                <a:gridCol w="1384643">
+                <a:gridCol w="1365504">
                   <a:extLst>
                     <a:ext uri="{9D8B030D-6E8A-4147-A177-3AD203B41FA5}">
                       <a16:colId xmlns:a16="http://schemas.microsoft.com/office/drawing/2014/main" val="2563521174"/>
                     </a:ext>
                   </a:extLst>
                 </a:gridCol>
-                <a:gridCol w="1384643">
+                <a:gridCol w="1300989">
                   <a:extLst>
                     <a:ext uri="{9D8B030D-6E8A-4147-A177-3AD203B41FA5}">
                       <a16:colId xmlns:a16="http://schemas.microsoft.com/office/drawing/2014/main" val="20003"/>
@@ -4581,39 +3982,15 @@
                         <a:defRPr/>
                       </a:pPr>
                       <a:r>
-                        <a:rPr lang="en-US" sz="900" spc="-20" dirty="0">
+                        <a:rPr lang="es-ES" sz="900">
                           <a:solidFill>
                             <a:srgbClr val="404040"/>
                           </a:solidFill>
                           <a:latin typeface="Adobe Clean"/>
                           <a:cs typeface="Adobe Clean"/>
                         </a:rPr>
-                        <a:t>Standard </a:t>
+                        <a:t>Soporte Standard</a:t>
                       </a:r>
-                      <a:r>
-                        <a:rPr lang="en-US" sz="900" spc="-135" dirty="0">
-                          <a:solidFill>
-                            <a:srgbClr val="404040"/>
-                          </a:solidFill>
-                          <a:latin typeface="Adobe Clean"/>
-                          <a:cs typeface="Adobe Clean"/>
-                        </a:rPr>
-                        <a:t> </a:t>
-                      </a:r>
-                      <a:r>
-                        <a:rPr lang="en-US" sz="900" spc="-20" dirty="0">
-                          <a:solidFill>
-                            <a:srgbClr val="404040"/>
-                          </a:solidFill>
-                          <a:latin typeface="Adobe Clean"/>
-                          <a:cs typeface="Adobe Clean"/>
-                        </a:rPr>
-                        <a:t>Support</a:t>
-                      </a:r>
-                      <a:endParaRPr lang="en-US" sz="900" dirty="0">
-                        <a:latin typeface="Adobe Clean"/>
-                        <a:cs typeface="Adobe Clean"/>
-                      </a:endParaRPr>
                     </a:p>
                   </a:txBody>
                   <a:tcPr marL="0" marR="0" marT="7620" marB="0" anchor="ctr">
@@ -4654,29 +4031,15 @@
                         </a:spcBef>
                       </a:pPr>
                       <a:r>
-                        <a:rPr lang="en-US" sz="900" spc="-20">
+                        <a:rPr lang="es-ES" sz="900">
                           <a:solidFill>
                             <a:srgbClr val="FFFFFF"/>
                           </a:solidFill>
                           <a:latin typeface="Adobe Clean"/>
                           <a:cs typeface="Adobe Clean"/>
                         </a:rPr>
-                        <a:t>Elite </a:t>
+                        <a:t>Soporte Elite</a:t>
                       </a:r>
-                      <a:r>
-                        <a:rPr sz="900" spc="-20">
-                          <a:solidFill>
-                            <a:srgbClr val="FFFFFF"/>
-                          </a:solidFill>
-                          <a:latin typeface="Adobe Clean"/>
-                          <a:cs typeface="Adobe Clean"/>
-                        </a:rPr>
-                        <a:t>Support</a:t>
-                      </a:r>
-                      <a:endParaRPr sz="900">
-                        <a:latin typeface="Adobe Clean"/>
-                        <a:cs typeface="Adobe Clean"/>
-                      </a:endParaRPr>
                     </a:p>
                   </a:txBody>
                   <a:tcPr marL="0" marR="0" marT="7620" marB="0" anchor="ctr">
@@ -4741,7 +4104,7 @@
                     <a:bodyPr/>
                     <a:lstStyle/>
                     <a:p>
-                      <a:pPr marL="0" marR="0" lvl="0" indent="0" algn="ctr" defTabSz="914400" eaLnBrk="1" fontAlgn="auto" latinLnBrk="0" hangingPunct="1">
+                      <a:pPr marL="0" marR="0" lvl="0" indent="0" algn="l" defTabSz="914400" rtl="0" eaLnBrk="1" fontAlgn="auto" latinLnBrk="0" hangingPunct="1">
                         <a:lnSpc>
                           <a:spcPct val="100000"/>
                         </a:lnSpc>
@@ -4822,13 +4185,13 @@
                         <a:defRPr/>
                       </a:pPr>
                       <a:r>
-                        <a:rPr lang="en-US" sz="800" i="1">
+                        <a:rPr lang="es-ES" sz="800" i="1">
                           <a:solidFill>
                             <a:schemeClr val="bg1"/>
                           </a:solidFill>
                           <a:latin typeface="Adobe Clean Light" panose="020B0303020404020204" pitchFamily="34" charset="0"/>
                         </a:rPr>
-                        <a:t>Paid Support ($)</a:t>
+                        <a:t>Soporte de pago ($)</a:t>
                       </a:r>
                     </a:p>
                   </a:txBody>
@@ -4892,22 +4255,15 @@
                         </a:spcBef>
                       </a:pPr>
                       <a:r>
-                        <a:rPr lang="en-US" sz="1000" b="1" i="0" spc="0">
+                        <a:rPr lang="es-ES" sz="1000" b="1" i="0">
                           <a:solidFill>
                             <a:schemeClr val="bg1"/>
                           </a:solidFill>
                           <a:latin typeface="Adobe Clean" panose="020B0503020404020204" pitchFamily="34" charset="0"/>
                           <a:cs typeface="AdobeClean-Light"/>
                         </a:rPr>
-                        <a:t>Assigned Experts</a:t>
+                        <a:t>Expertos asignados</a:t>
                       </a:r>
-                      <a:endParaRPr sz="1000" b="1" i="0" spc="0">
-                        <a:solidFill>
-                          <a:schemeClr val="bg1"/>
-                        </a:solidFill>
-                        <a:latin typeface="Adobe Clean" panose="020B0503020404020204" pitchFamily="34" charset="0"/>
-                        <a:cs typeface="AdobeClean-Light"/>
-                      </a:endParaRPr>
                     </a:p>
                   </a:txBody>
                   <a:tcPr marL="0" marR="0" marT="58419" marB="0" anchor="ctr">
@@ -4954,19 +4310,15 @@
                         </a:spcBef>
                       </a:pPr>
                       <a:r>
-                        <a:rPr sz="900" spc="0">
+                        <a:rPr lang="es-ES" sz="900">
                           <a:solidFill>
                             <a:srgbClr val="020302"/>
                           </a:solidFill>
                           <a:latin typeface="AdobeClean-Light"/>
                           <a:cs typeface="AdobeClean-Light"/>
                         </a:rPr>
-                        <a:t>Account Support Lead</a:t>
+                        <a:t>Responsable de la asistencia técnica de la cuenta</a:t>
                       </a:r>
-                      <a:endParaRPr sz="900" spc="0">
-                        <a:latin typeface="AdobeClean-Light"/>
-                        <a:cs typeface="AdobeClean-Light"/>
-                      </a:endParaRPr>
                     </a:p>
                   </a:txBody>
                   <a:tcPr marL="0" marR="0" marT="58419" marB="0">
@@ -5001,7 +4353,7 @@
                     <a:bodyPr/>
                     <a:lstStyle/>
                     <a:p>
-                      <a:pPr algn="ctr">
+                      <a:pPr algn="l" rtl="0">
                         <a:lnSpc>
                           <a:spcPct val="100000"/>
                         </a:lnSpc>
@@ -5042,7 +4394,7 @@
                     <a:bodyPr/>
                     <a:lstStyle/>
                     <a:p>
-                      <a:pPr algn="ctr">
+                      <a:pPr algn="l" rtl="0">
                         <a:lnSpc>
                           <a:spcPct val="100000"/>
                         </a:lnSpc>
@@ -5085,7 +4437,7 @@
                     <a:bodyPr/>
                     <a:lstStyle/>
                     <a:p>
-                      <a:pPr marL="50800">
+                      <a:pPr marL="50800" algn="l" rtl="0">
                         <a:lnSpc>
                           <a:spcPct val="100000"/>
                         </a:lnSpc>
@@ -5131,19 +4483,15 @@
                         </a:spcBef>
                       </a:pPr>
                       <a:r>
-                        <a:rPr sz="900" spc="0">
+                        <a:rPr lang="es-ES" sz="900">
                           <a:solidFill>
                             <a:srgbClr val="020302"/>
                           </a:solidFill>
                           <a:latin typeface="AdobeClean-Light"/>
                           <a:cs typeface="AdobeClean-Light"/>
                         </a:rPr>
-                        <a:t>Named Support Engineer</a:t>
+                        <a:t>Ingeniero de asistencia técnica especializado</a:t>
                       </a:r>
-                      <a:endParaRPr sz="900" spc="0">
-                        <a:latin typeface="AdobeClean-Light"/>
-                        <a:cs typeface="AdobeClean-Light"/>
-                      </a:endParaRPr>
                     </a:p>
                   </a:txBody>
                   <a:tcPr marL="0" marR="0" marT="58419" marB="0">
@@ -5166,7 +4514,7 @@
                     <a:bodyPr/>
                     <a:lstStyle/>
                     <a:p>
-                      <a:pPr algn="ctr">
+                      <a:pPr algn="l" rtl="0">
                         <a:lnSpc>
                           <a:spcPct val="100000"/>
                         </a:lnSpc>
@@ -5213,7 +4561,7 @@
                         <a:defRPr/>
                       </a:pPr>
                       <a:r>
-                        <a:rPr lang="en-US" sz="900">
+                        <a:rPr lang="es-ES" sz="900">
                           <a:solidFill>
                             <a:srgbClr val="020302"/>
                           </a:solidFill>
@@ -5222,10 +4570,6 @@
                         </a:rPr>
                         <a:t></a:t>
                       </a:r>
-                      <a:endParaRPr lang="en-US" sz="900">
-                        <a:latin typeface="Wingdings"/>
-                        <a:cs typeface="Wingdings"/>
-                      </a:endParaRPr>
                     </a:p>
                   </a:txBody>
                   <a:tcPr marL="0" marR="0" marT="0" marB="0" anchor="ctr">
@@ -5248,7 +4592,7 @@
                     <a:bodyPr/>
                     <a:lstStyle/>
                     <a:p>
-                      <a:pPr marL="50800">
+                      <a:pPr marL="50800" algn="l" rtl="0">
                         <a:lnSpc>
                           <a:spcPct val="100000"/>
                         </a:lnSpc>
@@ -5306,19 +4650,15 @@
                         </a:spcBef>
                       </a:pPr>
                       <a:r>
-                        <a:rPr sz="900" spc="0">
+                        <a:rPr lang="es-ES" sz="900">
                           <a:solidFill>
                             <a:srgbClr val="020302"/>
                           </a:solidFill>
                           <a:latin typeface="AdobeClean-Light"/>
                           <a:cs typeface="AdobeClean-Light"/>
                         </a:rPr>
-                        <a:t>Technical Account Manager</a:t>
+                        <a:t>Gestor técnico de cuentas</a:t>
                       </a:r>
-                      <a:endParaRPr sz="900" spc="0">
-                        <a:latin typeface="AdobeClean-Light"/>
-                        <a:cs typeface="AdobeClean-Light"/>
-                      </a:endParaRPr>
                     </a:p>
                   </a:txBody>
                   <a:tcPr marL="0" marR="0" marT="63500" marB="0">
@@ -5347,7 +4687,7 @@
                     <a:bodyPr/>
                     <a:lstStyle/>
                     <a:p>
-                      <a:pPr algn="ctr">
+                      <a:pPr algn="l" rtl="0">
                         <a:lnSpc>
                           <a:spcPct val="100000"/>
                         </a:lnSpc>
@@ -5403,7 +4743,7 @@
                         <a:defRPr/>
                       </a:pPr>
                       <a:r>
-                        <a:rPr lang="en-US" sz="900">
+                        <a:rPr lang="es-ES" sz="900">
                           <a:solidFill>
                             <a:srgbClr val="020302"/>
                           </a:solidFill>
@@ -5412,10 +4752,6 @@
                         </a:rPr>
                         <a:t></a:t>
                       </a:r>
-                      <a:endParaRPr lang="en-US" sz="900">
-                        <a:latin typeface="Wingdings"/>
-                        <a:cs typeface="Wingdings"/>
-                      </a:endParaRPr>
                     </a:p>
                   </a:txBody>
                   <a:tcPr marL="0" marR="0" marT="0" marB="0" anchor="ctr">
@@ -5456,22 +4792,15 @@
                         </a:spcBef>
                       </a:pPr>
                       <a:r>
-                        <a:rPr lang="en-US" sz="1000" b="1" i="0" spc="0">
+                        <a:rPr lang="es-ES" sz="1000" b="1" i="0">
                           <a:solidFill>
                             <a:schemeClr val="bg1"/>
                           </a:solidFill>
                           <a:latin typeface="Adobe Clean" panose="020B0503020404020204" pitchFamily="34" charset="0"/>
                           <a:cs typeface="AdobeClean-Light"/>
                         </a:rPr>
-                        <a:t>Support Services</a:t>
+                        <a:t>Servicios de soporte</a:t>
                       </a:r>
-                      <a:endParaRPr sz="1000" b="1" i="0" spc="0">
-                        <a:solidFill>
-                          <a:schemeClr val="bg1"/>
-                        </a:solidFill>
-                        <a:latin typeface="Adobe Clean" panose="020B0503020404020204" pitchFamily="34" charset="0"/>
-                        <a:cs typeface="AdobeClean-Light"/>
-                      </a:endParaRPr>
                     </a:p>
                   </a:txBody>
                   <a:tcPr marL="0" marR="0" marT="57150" marB="0" anchor="ctr">
@@ -5527,29 +4856,15 @@
                         </a:spcBef>
                       </a:pPr>
                       <a:r>
-                        <a:rPr lang="en-US" sz="900" spc="0">
+                        <a:rPr lang="es-ES" sz="900">
                           <a:solidFill>
                             <a:srgbClr val="020302"/>
                           </a:solidFill>
                           <a:latin typeface="AdobeClean-Light"/>
                           <a:cs typeface="AdobeClean-Light"/>
                         </a:rPr>
-                        <a:t>Online</a:t>
+                        <a:t>Soporte Online</a:t>
                       </a:r>
-                      <a:r>
-                        <a:rPr sz="900" spc="0">
-                          <a:solidFill>
-                            <a:srgbClr val="020302"/>
-                          </a:solidFill>
-                          <a:latin typeface="AdobeClean-Light"/>
-                          <a:cs typeface="AdobeClean-Light"/>
-                        </a:rPr>
-                        <a:t> Support</a:t>
-                      </a:r>
-                      <a:endParaRPr sz="900" spc="0">
-                        <a:latin typeface="AdobeClean-Light"/>
-                        <a:cs typeface="AdobeClean-Light"/>
-                      </a:endParaRPr>
                     </a:p>
                   </a:txBody>
                   <a:tcPr marL="0" marR="0" marT="57150" marB="0">
@@ -5587,39 +4902,15 @@
                         </a:spcBef>
                       </a:pPr>
                       <a:r>
-                        <a:rPr sz="900" spc="-25">
+                        <a:rPr lang="es-ES" sz="900">
                           <a:solidFill>
                             <a:srgbClr val="020302"/>
                           </a:solidFill>
                           <a:latin typeface="AdobeClean-Light"/>
                           <a:cs typeface="AdobeClean-Light"/>
                         </a:rPr>
-                        <a:t>Business</a:t>
+                        <a:t>Horario de trabajo</a:t>
                       </a:r>
-                      <a:r>
-                        <a:rPr sz="900" spc="-15">
-                          <a:solidFill>
-                            <a:srgbClr val="020302"/>
-                          </a:solidFill>
-                          <a:latin typeface="AdobeClean-Light"/>
-                          <a:cs typeface="AdobeClean-Light"/>
-                        </a:rPr>
-                        <a:t> </a:t>
-                      </a:r>
-                      <a:r>
-                        <a:rPr sz="900" spc="-30">
-                          <a:solidFill>
-                            <a:srgbClr val="020302"/>
-                          </a:solidFill>
-                          <a:latin typeface="AdobeClean-Light"/>
-                          <a:cs typeface="AdobeClean-Light"/>
-                        </a:rPr>
-                        <a:t>hours</a:t>
-                      </a:r>
-                      <a:endParaRPr sz="900">
-                        <a:latin typeface="AdobeClean-Light"/>
-                        <a:cs typeface="AdobeClean-Light"/>
-                      </a:endParaRPr>
                     </a:p>
                   </a:txBody>
                   <a:tcPr marL="0" marR="0" marT="67945" marB="0">
@@ -5658,19 +4949,15 @@
                         </a:spcBef>
                       </a:pPr>
                       <a:r>
-                        <a:rPr lang="en-US" sz="900" spc="-25">
+                        <a:rPr lang="es-ES" sz="900">
                           <a:solidFill>
                             <a:srgbClr val="020302"/>
                           </a:solidFill>
                           <a:latin typeface="AdobeClean-Light"/>
                           <a:cs typeface="AdobeClean-Light"/>
                         </a:rPr>
-                        <a:t>24x5</a:t>
+                        <a:t>24 x 5</a:t>
                       </a:r>
-                      <a:endParaRPr sz="900">
-                        <a:latin typeface="AdobeClean-Light"/>
-                        <a:cs typeface="AdobeClean-Light"/>
-                      </a:endParaRPr>
                     </a:p>
                   </a:txBody>
                   <a:tcPr marL="0" marR="0" marT="67945" marB="0" anchor="ctr">
@@ -5702,7 +4989,7 @@
                     <a:bodyPr/>
                     <a:lstStyle/>
                     <a:p>
-                      <a:pPr marL="50800">
+                      <a:pPr marL="50800" algn="l" rtl="0">
                         <a:lnSpc>
                           <a:spcPct val="100000"/>
                         </a:lnSpc>
@@ -5751,39 +5038,15 @@
                         </a:spcBef>
                       </a:pPr>
                       <a:r>
-                        <a:rPr sz="900" spc="0">
+                        <a:rPr lang="es-ES" sz="900">
                           <a:solidFill>
                             <a:srgbClr val="020302"/>
                           </a:solidFill>
                           <a:latin typeface="AdobeClean-Light"/>
                           <a:cs typeface="AdobeClean-Light"/>
                         </a:rPr>
-                        <a:t>24x7</a:t>
+                        <a:t>Soporte con problemas P1 24 x 7 x 365</a:t>
                       </a:r>
-                      <a:r>
-                        <a:rPr lang="en-US" sz="900" spc="0">
-                          <a:solidFill>
-                            <a:srgbClr val="020302"/>
-                          </a:solidFill>
-                          <a:latin typeface="AdobeClean-Light"/>
-                          <a:cs typeface="AdobeClean-Light"/>
-                        </a:rPr>
-                        <a:t>x365</a:t>
-                      </a:r>
-                      <a:r>
-                        <a:rPr sz="900" spc="0">
-                          <a:solidFill>
-                            <a:srgbClr val="020302"/>
-                          </a:solidFill>
-                          <a:latin typeface="AdobeClean-Light"/>
-                          <a:cs typeface="AdobeClean-Light"/>
-                        </a:rPr>
-                        <a:t> P1 Issue Support</a:t>
-                      </a:r>
-                      <a:endParaRPr sz="900" spc="0">
-                        <a:latin typeface="AdobeClean-Light"/>
-                        <a:cs typeface="AdobeClean-Light"/>
-                      </a:endParaRPr>
                     </a:p>
                   </a:txBody>
                   <a:tcPr marL="0" marR="0" marT="57785" marB="0">
@@ -5815,7 +5078,7 @@
                         </a:spcBef>
                       </a:pPr>
                       <a:r>
-                        <a:rPr sz="900">
+                        <a:rPr lang="es-ES" sz="900">
                           <a:solidFill>
                             <a:srgbClr val="020302"/>
                           </a:solidFill>
@@ -5824,10 +5087,6 @@
                         </a:rPr>
                         <a:t></a:t>
                       </a:r>
-                      <a:endParaRPr sz="900">
-                        <a:latin typeface="Wingdings"/>
-                        <a:cs typeface="Wingdings"/>
-                      </a:endParaRPr>
                     </a:p>
                   </a:txBody>
                   <a:tcPr marL="0" marR="0" marT="58419" marB="0">
@@ -5857,7 +5116,7 @@
                         </a:spcBef>
                       </a:pPr>
                       <a:r>
-                        <a:rPr sz="900">
+                        <a:rPr lang="es-ES" sz="900">
                           <a:solidFill>
                             <a:srgbClr val="020302"/>
                           </a:solidFill>
@@ -5866,10 +5125,6 @@
                         </a:rPr>
                         <a:t></a:t>
                       </a:r>
-                      <a:endParaRPr sz="900">
-                        <a:latin typeface="Wingdings"/>
-                        <a:cs typeface="Wingdings"/>
-                      </a:endParaRPr>
                     </a:p>
                   </a:txBody>
                   <a:tcPr marL="0" marR="0" marT="58419" marB="0" anchor="ctr">
@@ -5892,7 +5147,7 @@
                     <a:bodyPr/>
                     <a:lstStyle/>
                     <a:p>
-                      <a:pPr marL="50800">
+                      <a:pPr marL="50800" algn="l" rtl="0">
                         <a:lnSpc>
                           <a:spcPct val="100000"/>
                         </a:lnSpc>
@@ -5950,19 +5205,15 @@
                         </a:spcBef>
                       </a:pPr>
                       <a:r>
-                        <a:rPr lang="en-US" sz="900" spc="0">
+                        <a:rPr lang="es-ES" sz="900">
                           <a:solidFill>
                             <a:srgbClr val="020302"/>
                           </a:solidFill>
                           <a:latin typeface="AdobeClean-Light"/>
                           <a:cs typeface="AdobeClean-Light"/>
                         </a:rPr>
-                        <a:t>Named Support Contacts (per product)</a:t>
+                        <a:t>Contactos de soporte particulares (por producto)</a:t>
                       </a:r>
-                      <a:endParaRPr sz="900" spc="0">
-                        <a:latin typeface="AdobeClean-Light"/>
-                        <a:cs typeface="AdobeClean-Light"/>
-                      </a:endParaRPr>
                     </a:p>
                   </a:txBody>
                   <a:tcPr marL="0" marR="0" marT="57785" marB="0">
@@ -6000,7 +5251,7 @@
                         </a:spcBef>
                       </a:pPr>
                       <a:r>
-                        <a:rPr sz="900">
+                        <a:rPr lang="es-ES" sz="900">
                           <a:solidFill>
                             <a:srgbClr val="020302"/>
                           </a:solidFill>
@@ -6009,10 +5260,6 @@
                         </a:rPr>
                         <a:t>4</a:t>
                       </a:r>
-                      <a:endParaRPr sz="900">
-                        <a:latin typeface="AdobeClean-Light"/>
-                        <a:cs typeface="AdobeClean-Light"/>
-                      </a:endParaRPr>
                     </a:p>
                   </a:txBody>
                   <a:tcPr marL="0" marR="0" marT="57785" marB="0">
@@ -6042,7 +5289,7 @@
                         </a:spcBef>
                       </a:pPr>
                       <a:r>
-                        <a:rPr lang="en-US" sz="900">
+                        <a:rPr lang="es-ES" sz="900">
                           <a:solidFill>
                             <a:srgbClr val="020302"/>
                           </a:solidFill>
@@ -6051,10 +5298,6 @@
                         </a:rPr>
                         <a:t>15</a:t>
                       </a:r>
-                      <a:endParaRPr sz="900">
-                        <a:latin typeface="AdobeClean-Light"/>
-                        <a:cs typeface="AdobeClean-Light"/>
-                      </a:endParaRPr>
                     </a:p>
                   </a:txBody>
                   <a:tcPr marL="0" marR="0" marT="57785" marB="0" anchor="ctr">
@@ -6077,7 +5320,7 @@
                     <a:bodyPr/>
                     <a:lstStyle/>
                     <a:p>
-                      <a:pPr marL="50800">
+                      <a:pPr marL="50800" algn="l" rtl="0">
                         <a:lnSpc>
                           <a:spcPct val="100000"/>
                         </a:lnSpc>
@@ -6126,19 +5369,15 @@
                         </a:spcBef>
                       </a:pPr>
                       <a:r>
-                        <a:rPr lang="en-US" sz="900" spc="0">
+                        <a:rPr lang="es-ES" sz="900" dirty="0">
                           <a:solidFill>
                             <a:srgbClr val="020302"/>
                           </a:solidFill>
                           <a:latin typeface="AdobeClean-Light"/>
                           <a:cs typeface="AdobeClean-Light"/>
                         </a:rPr>
-                        <a:t>Live Telephone Support</a:t>
+                        <a:t>Asistencia telefónica en directo</a:t>
                       </a:r>
-                      <a:endParaRPr sz="900" spc="0">
-                        <a:latin typeface="AdobeClean-Light"/>
-                        <a:cs typeface="AdobeClean-Light"/>
-                      </a:endParaRPr>
                     </a:p>
                   </a:txBody>
                   <a:tcPr marL="0" marR="0" marT="57785" marB="0">
@@ -6161,7 +5400,7 @@
                     <a:bodyPr/>
                     <a:lstStyle/>
                     <a:p>
-                      <a:pPr algn="ctr">
+                      <a:pPr algn="l" rtl="0">
                         <a:lnSpc>
                           <a:spcPct val="100000"/>
                         </a:lnSpc>
@@ -6202,7 +5441,7 @@
                         </a:spcBef>
                       </a:pPr>
                       <a:r>
-                        <a:rPr sz="900">
+                        <a:rPr lang="es-ES" sz="900">
                           <a:solidFill>
                             <a:srgbClr val="020302"/>
                           </a:solidFill>
@@ -6211,10 +5450,6 @@
                         </a:rPr>
                         <a:t></a:t>
                       </a:r>
-                      <a:endParaRPr sz="900">
-                        <a:latin typeface="Wingdings"/>
-                        <a:cs typeface="Wingdings"/>
-                      </a:endParaRPr>
                     </a:p>
                   </a:txBody>
                   <a:tcPr marL="0" marR="0" marT="59054" marB="0" anchor="ctr">
@@ -6237,7 +5472,7 @@
                     <a:bodyPr/>
                     <a:lstStyle/>
                     <a:p>
-                      <a:pPr marL="50800">
+                      <a:pPr marL="50800" algn="l" rtl="0">
                         <a:lnSpc>
                           <a:spcPct val="100000"/>
                         </a:lnSpc>
@@ -6286,19 +5521,15 @@
                         </a:spcBef>
                       </a:pPr>
                       <a:r>
-                        <a:rPr sz="900" spc="0">
+                        <a:rPr lang="es-ES" sz="900">
                           <a:solidFill>
                             <a:srgbClr val="020302"/>
                           </a:solidFill>
                           <a:latin typeface="AdobeClean-Light"/>
                           <a:cs typeface="AdobeClean-Light"/>
                         </a:rPr>
-                        <a:t>Escalation Management</a:t>
+                        <a:t>Administración de la escalabilidad</a:t>
                       </a:r>
-                      <a:endParaRPr sz="900" spc="0">
-                        <a:latin typeface="AdobeClean-Light"/>
-                        <a:cs typeface="AdobeClean-Light"/>
-                      </a:endParaRPr>
                     </a:p>
                   </a:txBody>
                   <a:tcPr marL="0" marR="0" marT="58419" marB="0">
@@ -6321,7 +5552,7 @@
                     <a:bodyPr/>
                     <a:lstStyle/>
                     <a:p>
-                      <a:pPr algn="ctr">
+                      <a:pPr algn="l" rtl="0">
                         <a:lnSpc>
                           <a:spcPct val="100000"/>
                         </a:lnSpc>
@@ -6362,7 +5593,7 @@
                         </a:spcBef>
                       </a:pPr>
                       <a:r>
-                        <a:rPr sz="900">
+                        <a:rPr lang="es-ES" sz="900">
                           <a:solidFill>
                             <a:srgbClr val="020302"/>
                           </a:solidFill>
@@ -6371,10 +5602,6 @@
                         </a:rPr>
                         <a:t></a:t>
                       </a:r>
-                      <a:endParaRPr sz="900">
-                        <a:latin typeface="Wingdings"/>
-                        <a:cs typeface="Wingdings"/>
-                      </a:endParaRPr>
                     </a:p>
                   </a:txBody>
                   <a:tcPr marL="0" marR="0" marT="59690" marB="0" anchor="ctr">
@@ -6397,7 +5624,7 @@
                     <a:bodyPr/>
                     <a:lstStyle/>
                     <a:p>
-                      <a:pPr marL="50800">
+                      <a:pPr marL="50800" algn="l" rtl="0">
                         <a:lnSpc>
                           <a:spcPct val="100000"/>
                         </a:lnSpc>
@@ -6446,29 +5673,15 @@
                         </a:spcBef>
                       </a:pPr>
                       <a:r>
-                        <a:rPr sz="900" spc="0">
+                        <a:rPr lang="es-ES" sz="900">
                           <a:solidFill>
                             <a:srgbClr val="020302"/>
                           </a:solidFill>
                           <a:latin typeface="AdobeClean-Light"/>
                           <a:cs typeface="AdobeClean-Light"/>
                         </a:rPr>
-                        <a:t>Service Reviews </a:t>
+                        <a:t>Revisiones de servicio al año</a:t>
                       </a:r>
-                      <a:r>
-                        <a:rPr lang="en-US" sz="900" spc="0">
-                          <a:solidFill>
-                            <a:srgbClr val="020302"/>
-                          </a:solidFill>
-                          <a:latin typeface="AdobeClean-Light"/>
-                          <a:cs typeface="AdobeClean-Light"/>
-                        </a:rPr>
-                        <a:t>per Year</a:t>
-                      </a:r>
-                      <a:endParaRPr sz="900" spc="0">
-                        <a:latin typeface="AdobeClean-Light"/>
-                        <a:cs typeface="AdobeClean-Light"/>
-                      </a:endParaRPr>
                     </a:p>
                   </a:txBody>
                   <a:tcPr marL="0" marR="0" marT="57150" marB="0">
@@ -6491,7 +5704,7 @@
                     <a:bodyPr/>
                     <a:lstStyle/>
                     <a:p>
-                      <a:pPr>
+                      <a:pPr algn="l" rtl="0">
                         <a:lnSpc>
                           <a:spcPct val="100000"/>
                         </a:lnSpc>
@@ -6526,16 +5739,12 @@
                         </a:lnSpc>
                       </a:pPr>
                       <a:r>
-                        <a:rPr lang="en-US" sz="900">
+                        <a:rPr lang="es-ES" sz="900">
                           <a:latin typeface="Times New Roman"/>
                           <a:cs typeface="Times New Roman"/>
                         </a:rPr>
                         <a:t>4</a:t>
                       </a:r>
-                      <a:endParaRPr sz="900">
-                        <a:latin typeface="Times New Roman"/>
-                        <a:cs typeface="Times New Roman"/>
-                      </a:endParaRPr>
                     </a:p>
                   </a:txBody>
                   <a:tcPr marL="0" marR="0" marT="0" marB="0" anchor="ctr">
@@ -6577,16 +5786,12 @@
                         </a:spcBef>
                       </a:pPr>
                       <a:r>
-                        <a:rPr lang="en-US" sz="900" spc="0">
+                        <a:rPr lang="es-ES" sz="900">
                           <a:latin typeface="AdobeClean-Light"/>
                           <a:cs typeface="AdobeClean-Light"/>
                         </a:rPr>
-                        <a:t>Expert Sessions per Year</a:t>
+                        <a:t>Sesiones con expertos al año</a:t>
                       </a:r>
-                      <a:endParaRPr sz="900" spc="0">
-                        <a:latin typeface="AdobeClean-Light"/>
-                        <a:cs typeface="AdobeClean-Light"/>
-                      </a:endParaRPr>
                     </a:p>
                   </a:txBody>
                   <a:tcPr marL="0" marR="0" marT="57150" marB="0">
@@ -6615,7 +5820,7 @@
                     <a:bodyPr/>
                     <a:lstStyle/>
                     <a:p>
-                      <a:pPr>
+                      <a:pPr algn="l" rtl="0">
                         <a:lnSpc>
                           <a:spcPct val="100000"/>
                         </a:lnSpc>
@@ -6650,16 +5855,12 @@
                         </a:lnSpc>
                       </a:pPr>
                       <a:r>
-                        <a:rPr lang="en-US" sz="900">
+                        <a:rPr lang="es-ES" sz="900">
                           <a:latin typeface="Times New Roman"/>
                           <a:cs typeface="Times New Roman"/>
                         </a:rPr>
                         <a:t>4</a:t>
                       </a:r>
-                      <a:endParaRPr sz="900">
-                        <a:latin typeface="Times New Roman"/>
-                        <a:cs typeface="Times New Roman"/>
-                      </a:endParaRPr>
                     </a:p>
                   </a:txBody>
                   <a:tcPr marL="0" marR="0" marT="0" marB="0" anchor="ctr">
@@ -6701,16 +5902,12 @@
                         </a:spcBef>
                       </a:pPr>
                       <a:r>
-                        <a:rPr lang="en-US" sz="900" spc="0">
+                        <a:rPr lang="es-ES" sz="900">
                           <a:latin typeface="AdobeClean-Light"/>
                           <a:cs typeface="AdobeClean-Light"/>
                         </a:rPr>
-                        <a:t>Case Reviews</a:t>
+                        <a:t>Reseñas de casos</a:t>
                       </a:r>
-                      <a:endParaRPr sz="900" spc="0">
-                        <a:latin typeface="AdobeClean-Light"/>
-                        <a:cs typeface="AdobeClean-Light"/>
-                      </a:endParaRPr>
                     </a:p>
                   </a:txBody>
                   <a:tcPr marL="0" marR="0" marT="57150" marB="0">
@@ -6739,7 +5936,7 @@
                     <a:bodyPr/>
                     <a:lstStyle/>
                     <a:p>
-                      <a:pPr>
+                      <a:pPr algn="l" rtl="0">
                         <a:lnSpc>
                           <a:spcPct val="100000"/>
                         </a:lnSpc>
@@ -6786,7 +5983,7 @@
                         <a:defRPr/>
                       </a:pPr>
                       <a:r>
-                        <a:rPr lang="en-US" sz="900">
+                        <a:rPr lang="es-ES" sz="900">
                           <a:solidFill>
                             <a:srgbClr val="020302"/>
                           </a:solidFill>
@@ -6795,10 +5992,6 @@
                         </a:rPr>
                         <a:t></a:t>
                       </a:r>
-                      <a:endParaRPr lang="en-US" sz="900">
-                        <a:latin typeface="Wingdings"/>
-                        <a:cs typeface="Wingdings"/>
-                      </a:endParaRPr>
                     </a:p>
                   </a:txBody>
                   <a:tcPr marL="0" marR="0" marT="0" marB="0" anchor="ctr">
@@ -6821,7 +6014,7 @@
                     <a:bodyPr/>
                     <a:lstStyle/>
                     <a:p>
-                      <a:pPr marL="48895">
+                      <a:pPr marL="48895" algn="l" rtl="0">
                         <a:lnSpc>
                           <a:spcPct val="100000"/>
                         </a:lnSpc>
@@ -6879,29 +6072,15 @@
                         </a:spcBef>
                       </a:pPr>
                       <a:r>
-                        <a:rPr sz="900" spc="0">
+                        <a:rPr lang="es-ES" sz="900">
                           <a:solidFill>
                             <a:srgbClr val="020302"/>
                           </a:solidFill>
                           <a:latin typeface="AdobeClean-Light"/>
                           <a:cs typeface="AdobeClean-Light"/>
                         </a:rPr>
-                        <a:t>Event </a:t>
+                        <a:t>Gestión de eventos</a:t>
                       </a:r>
-                      <a:r>
-                        <a:rPr lang="en-US" sz="900" spc="0">
-                          <a:solidFill>
-                            <a:srgbClr val="020302"/>
-                          </a:solidFill>
-                          <a:latin typeface="AdobeClean-Light"/>
-                          <a:cs typeface="AdobeClean-Light"/>
-                        </a:rPr>
-                        <a:t>Management</a:t>
-                      </a:r>
-                      <a:endParaRPr sz="900" spc="0">
-                        <a:latin typeface="AdobeClean-Light"/>
-                        <a:cs typeface="AdobeClean-Light"/>
-                      </a:endParaRPr>
                     </a:p>
                   </a:txBody>
                   <a:tcPr marL="0" marR="0" marT="58419" marB="0">
@@ -6930,7 +6109,7 @@
                     <a:bodyPr/>
                     <a:lstStyle/>
                     <a:p>
-                      <a:pPr>
+                      <a:pPr algn="l" rtl="0">
                         <a:lnSpc>
                           <a:spcPct val="100000"/>
                         </a:lnSpc>
@@ -6977,7 +6156,7 @@
                         <a:defRPr/>
                       </a:pPr>
                       <a:r>
-                        <a:rPr lang="en-US" sz="900">
+                        <a:rPr lang="es-ES" sz="900">
                           <a:solidFill>
                             <a:srgbClr val="020302"/>
                           </a:solidFill>
@@ -6986,10 +6165,6 @@
                         </a:rPr>
                         <a:t></a:t>
                       </a:r>
-                      <a:endParaRPr lang="en-US" sz="900">
-                        <a:latin typeface="Wingdings"/>
-                        <a:cs typeface="Wingdings"/>
-                      </a:endParaRPr>
                     </a:p>
                   </a:txBody>
                   <a:tcPr marL="0" marR="0" marT="0" marB="0" anchor="ctr">
@@ -7012,7 +6187,7 @@
                     <a:bodyPr/>
                     <a:lstStyle/>
                     <a:p>
-                      <a:pPr marL="48895">
+                      <a:pPr marL="48895" algn="l" rtl="0">
                         <a:lnSpc>
                           <a:spcPct val="100000"/>
                         </a:lnSpc>
@@ -7061,39 +6236,15 @@
                         </a:spcBef>
                       </a:pPr>
                       <a:r>
-                        <a:rPr sz="900" spc="0">
+                        <a:rPr lang="es-ES" sz="900">
                           <a:solidFill>
                             <a:srgbClr val="020302"/>
                           </a:solidFill>
                           <a:latin typeface="AdobeClean-Light"/>
                           <a:cs typeface="AdobeClean-Light"/>
                         </a:rPr>
-                        <a:t>Environment</a:t>
+                        <a:t>Revisión, mantenimiento y monitorización del entorno</a:t>
                       </a:r>
-                      <a:r>
-                        <a:rPr lang="en-US" sz="900" spc="0">
-                          <a:solidFill>
-                            <a:srgbClr val="020302"/>
-                          </a:solidFill>
-                          <a:latin typeface="AdobeClean-Light"/>
-                          <a:cs typeface="AdobeClean-Light"/>
-                        </a:rPr>
-                        <a:t> </a:t>
-                      </a:r>
-                      <a:r>
-                        <a:rPr sz="900" spc="0">
-                          <a:solidFill>
-                            <a:srgbClr val="020302"/>
-                          </a:solidFill>
-                          <a:latin typeface="AdobeClean-Light"/>
-                          <a:cs typeface="AdobeClean-Light"/>
-                        </a:rPr>
-                        <a:t>Review, Maintenance &amp; Monitoring</a:t>
-                      </a:r>
-                      <a:endParaRPr sz="900" spc="0">
-                        <a:latin typeface="AdobeClean-Light"/>
-                        <a:cs typeface="AdobeClean-Light"/>
-                      </a:endParaRPr>
                     </a:p>
                   </a:txBody>
                   <a:tcPr marL="0" marR="0" marT="59055" marB="0">
@@ -7116,7 +6267,7 @@
                     <a:bodyPr/>
                     <a:lstStyle/>
                     <a:p>
-                      <a:pPr>
+                      <a:pPr algn="l" rtl="0">
                         <a:lnSpc>
                           <a:spcPct val="100000"/>
                         </a:lnSpc>
@@ -7163,7 +6314,7 @@
                         <a:defRPr/>
                       </a:pPr>
                       <a:r>
-                        <a:rPr lang="en-US" sz="900">
+                        <a:rPr lang="es-ES" sz="900">
                           <a:solidFill>
                             <a:srgbClr val="020302"/>
                           </a:solidFill>
@@ -7172,10 +6323,6 @@
                         </a:rPr>
                         <a:t></a:t>
                       </a:r>
-                      <a:endParaRPr lang="en-US" sz="900">
-                        <a:latin typeface="Wingdings"/>
-                        <a:cs typeface="Wingdings"/>
-                      </a:endParaRPr>
                     </a:p>
                   </a:txBody>
                   <a:tcPr marL="0" marR="0" marT="0" marB="0" anchor="ctr">
@@ -7198,7 +6345,7 @@
                     <a:bodyPr/>
                     <a:lstStyle/>
                     <a:p>
-                      <a:pPr marL="49530">
+                      <a:pPr marL="49530" algn="l" rtl="0">
                         <a:lnSpc>
                           <a:spcPct val="100000"/>
                         </a:lnSpc>
@@ -7247,19 +6394,15 @@
                         </a:spcBef>
                       </a:pPr>
                       <a:r>
-                        <a:rPr sz="900" spc="0">
+                        <a:rPr lang="es-ES" sz="900" dirty="0">
                           <a:solidFill>
                             <a:srgbClr val="020302"/>
                           </a:solidFill>
                           <a:latin typeface="AdobeClean-Light"/>
                           <a:cs typeface="AdobeClean-Light"/>
                         </a:rPr>
-                        <a:t>Release, Migration, Upgrade &amp; Product Roadmap Review</a:t>
+                        <a:t>Lanzamiento, migración, actualización y revisión de la hoja de ruta del producto</a:t>
                       </a:r>
-                      <a:endParaRPr sz="900" spc="0">
-                        <a:latin typeface="AdobeClean-Light"/>
-                        <a:cs typeface="AdobeClean-Light"/>
-                      </a:endParaRPr>
                     </a:p>
                   </a:txBody>
                   <a:tcPr marL="0" marR="0" marT="63500" marB="0">
@@ -7282,7 +6425,7 @@
                     <a:bodyPr/>
                     <a:lstStyle/>
                     <a:p>
-                      <a:pPr>
+                      <a:pPr algn="l" rtl="0">
                         <a:lnSpc>
                           <a:spcPct val="100000"/>
                         </a:lnSpc>
@@ -7329,7 +6472,7 @@
                         <a:defRPr/>
                       </a:pPr>
                       <a:r>
-                        <a:rPr lang="en-US" sz="900">
+                        <a:rPr lang="es-ES" sz="900">
                           <a:solidFill>
                             <a:srgbClr val="020302"/>
                           </a:solidFill>
@@ -7338,10 +6481,6 @@
                         </a:rPr>
                         <a:t></a:t>
                       </a:r>
-                      <a:endParaRPr lang="en-US" sz="900">
-                        <a:latin typeface="Wingdings"/>
-                        <a:cs typeface="Wingdings"/>
-                      </a:endParaRPr>
                     </a:p>
                   </a:txBody>
                   <a:tcPr marL="0" marR="0" marT="0" marB="0" anchor="ctr">
@@ -7364,7 +6503,7 @@
                     <a:bodyPr/>
                     <a:lstStyle/>
                     <a:p>
-                      <a:pPr marL="49530">
+                      <a:pPr marL="49530" algn="l" rtl="0">
                         <a:lnSpc>
                           <a:spcPct val="100000"/>
                         </a:lnSpc>
@@ -7422,11 +6561,11 @@
                         </a:spcBef>
                       </a:pPr>
                       <a:r>
-                        <a:rPr sz="900" spc="0">
+                        <a:rPr lang="es-ES" sz="900">
                           <a:latin typeface="AdobeClean-Light"/>
                           <a:cs typeface="AdobeClean-Light"/>
                         </a:rPr>
-                        <a:t>Cloud Support Activities – Experience Manager as Cloud</a:t>
+                        <a:t>Actividades de asistencia en la nube: Experience Manager as Cloud</a:t>
                       </a:r>
                     </a:p>
                   </a:txBody>
@@ -7456,7 +6595,7 @@
                     <a:bodyPr/>
                     <a:lstStyle/>
                     <a:p>
-                      <a:pPr>
+                      <a:pPr algn="l" rtl="0">
                         <a:lnSpc>
                           <a:spcPct val="100000"/>
                         </a:lnSpc>
@@ -7512,7 +6651,7 @@
                         <a:defRPr/>
                       </a:pPr>
                       <a:r>
-                        <a:rPr lang="en-US" sz="900">
+                        <a:rPr lang="es-ES" sz="900">
                           <a:solidFill>
                             <a:srgbClr val="020302"/>
                           </a:solidFill>
@@ -7521,10 +6660,6 @@
                         </a:rPr>
                         <a:t></a:t>
                       </a:r>
-                      <a:endParaRPr lang="en-US" sz="900">
-                        <a:latin typeface="Wingdings"/>
-                        <a:cs typeface="Wingdings"/>
-                      </a:endParaRPr>
                     </a:p>
                   </a:txBody>
                   <a:tcPr marL="0" marR="0" marT="0" marB="0" anchor="ctr">
@@ -7565,22 +6700,15 @@
                         </a:spcBef>
                       </a:pPr>
                       <a:r>
-                        <a:rPr lang="en-US" sz="1000" b="1" i="0" spc="0">
+                        <a:rPr lang="es-ES" sz="1000" b="1" i="0">
                           <a:solidFill>
                             <a:schemeClr val="bg1"/>
                           </a:solidFill>
                           <a:latin typeface="Adobe Clean" panose="020B0503020404020204" pitchFamily="34" charset="0"/>
                           <a:cs typeface="AdobeClean-Light"/>
                         </a:rPr>
-                        <a:t>Field Services</a:t>
+                        <a:t>Servicios de campo</a:t>
                       </a:r>
-                      <a:endParaRPr sz="1000" b="1" i="0" spc="0">
-                        <a:solidFill>
-                          <a:schemeClr val="bg1"/>
-                        </a:solidFill>
-                        <a:latin typeface="Adobe Clean" panose="020B0503020404020204" pitchFamily="34" charset="0"/>
-                        <a:cs typeface="AdobeClean-Light"/>
-                      </a:endParaRPr>
                     </a:p>
                   </a:txBody>
                   <a:tcPr marL="0" marR="0" marT="48260" marB="0" anchor="ctr">
@@ -7633,14 +6761,14 @@
                         </a:spcBef>
                       </a:pPr>
                       <a:r>
-                        <a:rPr sz="900" spc="0">
+                        <a:rPr lang="es-ES" sz="900">
                           <a:solidFill>
                             <a:srgbClr val="020302"/>
                           </a:solidFill>
                           <a:latin typeface="AdobeClean-Light"/>
                           <a:cs typeface="AdobeClean-Light"/>
                         </a:rPr>
-                        <a:t>Launch Advisory Services – First Year of new solution</a:t>
+                        <a:t>Servicios de Launch Advisory: primer año de la nueva solución</a:t>
                       </a:r>
                     </a:p>
                   </a:txBody>
@@ -7680,7 +6808,7 @@
                     <a:bodyPr/>
                     <a:lstStyle/>
                     <a:p>
-                      <a:pPr>
+                      <a:pPr algn="l" rtl="0">
                         <a:lnSpc>
                           <a:spcPct val="100000"/>
                         </a:lnSpc>
@@ -7752,7 +6880,7 @@
                         <a:defRPr/>
                       </a:pPr>
                       <a:r>
-                        <a:rPr lang="en-US" sz="900">
+                        <a:rPr lang="es-ES" sz="900">
                           <a:solidFill>
                             <a:srgbClr val="020302"/>
                           </a:solidFill>
@@ -7761,10 +6889,6 @@
                         </a:rPr>
                         <a:t></a:t>
                       </a:r>
-                      <a:endParaRPr lang="en-US" sz="900">
-                        <a:latin typeface="Wingdings"/>
-                        <a:cs typeface="Wingdings"/>
-                      </a:endParaRPr>
                     </a:p>
                   </a:txBody>
                   <a:tcPr marL="0" marR="0" marT="0" marB="0" anchor="ctr">
@@ -7843,11 +6967,11 @@
                         <a:defRPr/>
                       </a:pPr>
                       <a:r>
-                        <a:rPr lang="en-US" sz="900" spc="0">
+                        <a:rPr lang="es-ES" sz="900">
                           <a:latin typeface="AdobeClean-Light"/>
                           <a:cs typeface="AdobeClean-Light"/>
                         </a:rPr>
-                        <a:t>Field Service Activities </a:t>
+                        <a:t>Actividades del servicio de campo </a:t>
                       </a:r>
                     </a:p>
                   </a:txBody>
@@ -7881,7 +7005,7 @@
                     <a:bodyPr/>
                     <a:lstStyle/>
                     <a:p>
-                      <a:pPr algn="ctr"/>
+                      <a:pPr algn="l" rtl="0"/>
                       <a:endParaRPr lang="en-US"/>
                     </a:p>
                   </a:txBody>
@@ -7930,13 +7054,12 @@
                     <a:p>
                       <a:pPr algn="ctr"/>
                       <a:r>
-                        <a:rPr lang="en-US" sz="900" dirty="0">
+                        <a:rPr lang="es-ES" sz="900" dirty="0">
                           <a:latin typeface="Times New Roman"/>
                           <a:cs typeface="Times New Roman"/>
                         </a:rPr>
                         <a:t>4</a:t>
                       </a:r>
-                      <a:endParaRPr lang="en-US" dirty="0"/>
                     </a:p>
                   </a:txBody>
                   <a:tcPr marL="0" marR="0" marT="0" marB="0" anchor="ctr">
@@ -8070,7 +7193,7 @@
         <p:spPr>
           <a:xfrm>
             <a:off x="357339" y="608961"/>
-            <a:ext cx="1647825" cy="238760"/>
+            <a:ext cx="2653141" cy="228268"/>
           </a:xfrm>
           <a:prstGeom prst="rect">
             <a:avLst/>
@@ -8091,59 +7214,15 @@
               </a:spcBef>
             </a:pPr>
             <a:r>
-              <a:rPr sz="1400" b="1" spc="-10">
+              <a:rPr lang="es-ES" sz="1400" b="1" dirty="0">
                 <a:solidFill>
                   <a:srgbClr val="020302"/>
                 </a:solidFill>
                 <a:latin typeface="Adobe Clean"/>
                 <a:cs typeface="Adobe Clean"/>
               </a:rPr>
-              <a:t>Elite</a:t>
-            </a:r>
-            <a:r>
-              <a:rPr sz="1400" b="1" spc="-50">
-                <a:solidFill>
-                  <a:srgbClr val="020302"/>
-                </a:solidFill>
-                <a:latin typeface="Adobe Clean"/>
-                <a:cs typeface="Adobe Clean"/>
-              </a:rPr>
-              <a:t> </a:t>
-            </a:r>
-            <a:r>
-              <a:rPr sz="1400" b="1" spc="-10">
-                <a:solidFill>
-                  <a:srgbClr val="020302"/>
-                </a:solidFill>
-                <a:latin typeface="Adobe Clean"/>
-                <a:cs typeface="Adobe Clean"/>
-              </a:rPr>
-              <a:t>Support</a:t>
-            </a:r>
-            <a:r>
-              <a:rPr sz="1400" b="1" spc="-45">
-                <a:solidFill>
-                  <a:srgbClr val="020302"/>
-                </a:solidFill>
-                <a:latin typeface="Adobe Clean"/>
-                <a:cs typeface="Adobe Clean"/>
-              </a:rPr>
-              <a:t> </a:t>
-            </a:r>
-            <a:r>
-              <a:rPr sz="1400" b="1" spc="-15">
-                <a:solidFill>
-                  <a:srgbClr val="020302"/>
-                </a:solidFill>
-                <a:latin typeface="Adobe Clean"/>
-                <a:cs typeface="Adobe Clean"/>
-              </a:rPr>
-              <a:t>Features</a:t>
-            </a:r>
-            <a:endParaRPr sz="1400">
-              <a:latin typeface="Adobe Clean"/>
-              <a:cs typeface="Adobe Clean"/>
-            </a:endParaRPr>
+              <a:t>Funciones de soporte Elite</a:t>
+            </a:r>
           </a:p>
         </p:txBody>
       </p:sp>
@@ -8156,7 +7235,7 @@
         <p:spPr>
           <a:xfrm>
             <a:off x="2868167" y="1433668"/>
-            <a:ext cx="2194560" cy="936154"/>
+            <a:ext cx="2194560" cy="843821"/>
           </a:xfrm>
           <a:prstGeom prst="rect">
             <a:avLst/>
@@ -8177,19 +7256,15 @@
               </a:spcBef>
             </a:pPr>
             <a:r>
-              <a:rPr sz="1000">
+              <a:rPr lang="es-ES" sz="900" dirty="0">
                 <a:solidFill>
                   <a:srgbClr val="4B4B4B"/>
                 </a:solidFill>
                 <a:latin typeface="AdobeClean-Light"/>
                 <a:cs typeface="AdobeClean-Light"/>
               </a:rPr>
-              <a:t>A designated support engineer who  becomes familiar with your solution  environment and business goals. The NSE  is an experienced support engineer that  helps coordinate your Enterprise Support  experience.</a:t>
-            </a:r>
-            <a:endParaRPr sz="1000">
-              <a:latin typeface="AdobeClean-Light"/>
-              <a:cs typeface="AdobeClean-Light"/>
-            </a:endParaRPr>
+              <a:t>Un ingeniero de asistencia técnica especializado que esté familiarizado con el entorno de su solución y sus objetivos empresariales. Es un ingeniero de asistencia técnica experimentado que le ayudará a coordinar su experiencia de soporte Enterprise.</a:t>
+            </a:r>
           </a:p>
         </p:txBody>
       </p:sp>
@@ -8249,8 +7324,8 @@
         </p:nvSpPr>
         <p:spPr>
           <a:xfrm>
-            <a:off x="5333365" y="1433668"/>
-            <a:ext cx="2194560" cy="936154"/>
+            <a:off x="5333364" y="1433668"/>
+            <a:ext cx="2292715" cy="982320"/>
           </a:xfrm>
           <a:prstGeom prst="rect">
             <a:avLst/>
@@ -8271,19 +7346,15 @@
               </a:spcBef>
             </a:pPr>
             <a:r>
-              <a:rPr sz="1000">
+              <a:rPr lang="es-ES" sz="900" dirty="0">
                 <a:solidFill>
                   <a:srgbClr val="4B4B4B"/>
                 </a:solidFill>
                 <a:latin typeface="AdobeClean-Light"/>
                 <a:cs typeface="AdobeClean-Light"/>
               </a:rPr>
-              <a:t>Regular scheduled review of open  support requests, ensuring customer  alignment on case description, business  impact, status, priority and agreement on  next steps required to ensure an  expedient resolution.</a:t>
-            </a:r>
-            <a:endParaRPr sz="1000">
-              <a:latin typeface="AdobeClean-Light"/>
-              <a:cs typeface="AdobeClean-Light"/>
-            </a:endParaRPr>
+              <a:t>Revisión programada periódica de las solicitudes de soporte abiertas, lo que garantiza la alineación del cliente en la descripción de casos, el impacto empresarial, el estado, la prioridad y el acuerdo en cuanto a los siguientes pasos necesarios para garantizar una solución adecuada.</a:t>
+            </a:r>
           </a:p>
         </p:txBody>
       </p:sp>
@@ -8320,7 +7391,7 @@
         <p:spPr>
           <a:xfrm>
             <a:off x="324341" y="1433668"/>
-            <a:ext cx="2194560" cy="782265"/>
+            <a:ext cx="2194560" cy="705321"/>
           </a:xfrm>
           <a:prstGeom prst="rect">
             <a:avLst/>
@@ -8341,24 +7412,14 @@
               </a:spcBef>
             </a:pPr>
             <a:r>
-              <a:rPr sz="1000">
+              <a:rPr lang="es-ES" sz="900" dirty="0">
                 <a:solidFill>
                   <a:srgbClr val="020302"/>
                 </a:solidFill>
                 <a:latin typeface="AdobeClean-Light"/>
                 <a:cs typeface="AdobeClean-Light"/>
               </a:rPr>
-              <a:t>A designated Technical Account Manager to  oversee your Elite experience, coordinate  the support and field services  engagements, and provide proactive services  to maximize your business valu</a:t>
-            </a:r>
-            <a:r>
-              <a:rPr lang="en-US" sz="1000">
-                <a:solidFill>
-                  <a:srgbClr val="020302"/>
-                </a:solidFill>
-                <a:latin typeface="AdobeClean-Light"/>
-                <a:cs typeface="AdobeClean-Light"/>
-              </a:rPr>
-              <a:t>e.</a:t>
+              <a:t>Un gestor técnico de cuentas particular para supervisar su experiencia con Elite, coordinar las contrataciones de asistencia y los servicios de campo, y proporcionar servicios proactivos para maximizar el valor empresarial.</a:t>
             </a:r>
           </a:p>
         </p:txBody>
@@ -8372,7 +7433,7 @@
         <p:spPr>
           <a:xfrm>
             <a:off x="689237" y="1126245"/>
-            <a:ext cx="2194560" cy="169277"/>
+            <a:ext cx="2194560" cy="153888"/>
           </a:xfrm>
           <a:prstGeom prst="rect">
             <a:avLst/>
@@ -8393,19 +7454,15 @@
               </a:spcBef>
             </a:pPr>
             <a:r>
-              <a:rPr sz="1100" b="1">
+              <a:rPr lang="es-ES" sz="1000" b="1" dirty="0">
                 <a:solidFill>
                   <a:srgbClr val="020302"/>
                 </a:solidFill>
                 <a:latin typeface="Adobe Clean" panose="020B0503020404020204" pitchFamily="34" charset="0"/>
                 <a:cs typeface="Arial"/>
               </a:rPr>
-              <a:t>Technical Account Manager</a:t>
-            </a:r>
-            <a:endParaRPr sz="1100">
-              <a:latin typeface="Adobe Clean" panose="020B0503020404020204" pitchFamily="34" charset="0"/>
-              <a:cs typeface="Arial"/>
-            </a:endParaRPr>
+              <a:t>Gestor técnico de cuentas</a:t>
+            </a:r>
           </a:p>
         </p:txBody>
       </p:sp>
@@ -8466,7 +7523,7 @@
         <p:spPr>
           <a:xfrm>
             <a:off x="2791726" y="5243920"/>
-            <a:ext cx="2194560" cy="499111"/>
+            <a:ext cx="2194560" cy="606128"/>
           </a:xfrm>
           <a:prstGeom prst="rect">
             <a:avLst/>
@@ -8487,49 +7544,15 @@
               </a:spcBef>
             </a:pPr>
             <a:r>
-              <a:rPr sz="1000">
+              <a:rPr lang="es-ES" sz="900" dirty="0">
                 <a:solidFill>
                   <a:srgbClr val="020302"/>
                 </a:solidFill>
                 <a:latin typeface="AdobeClean-Light"/>
                 <a:cs typeface="AdobeClean-Light"/>
               </a:rPr>
-              <a:t>Ongoing knowledge transfer from Adobe  </a:t>
-            </a:r>
-            <a:r>
-              <a:rPr lang="en-US" sz="1000">
-                <a:solidFill>
-                  <a:srgbClr val="020302"/>
-                </a:solidFill>
-                <a:latin typeface="AdobeClean-Light"/>
-                <a:cs typeface="AdobeClean-Light"/>
-              </a:rPr>
-              <a:t>Support team</a:t>
-            </a:r>
-            <a:r>
-              <a:rPr sz="1000">
-                <a:solidFill>
-                  <a:srgbClr val="020302"/>
-                </a:solidFill>
-                <a:latin typeface="AdobeClean-Light"/>
-                <a:cs typeface="AdobeClean-Light"/>
-              </a:rPr>
-              <a:t> to provide </a:t>
-            </a:r>
-            <a:r>
-              <a:rPr lang="en-US" sz="1000">
-                <a:solidFill>
-                  <a:srgbClr val="020302"/>
-                </a:solidFill>
-                <a:latin typeface="AdobeClean-Light"/>
-                <a:cs typeface="AdobeClean-Light"/>
-              </a:rPr>
-              <a:t>best practices around solution usage.</a:t>
-            </a:r>
-            <a:endParaRPr sz="1000">
-              <a:latin typeface="AdobeClean-Light"/>
-              <a:cs typeface="AdobeClean-Light"/>
-            </a:endParaRPr>
+              <a:t>Transferencia de conocimientos en curso del equipo de soporte de Adobe para ofrecer prácticas recomendadas sobre el uso de la solución.</a:t>
+            </a:r>
           </a:p>
         </p:txBody>
       </p:sp>
@@ -8542,7 +7565,7 @@
         <p:spPr>
           <a:xfrm>
             <a:off x="5265661" y="5243920"/>
-            <a:ext cx="2194560" cy="669927"/>
+            <a:ext cx="2194560" cy="606128"/>
           </a:xfrm>
           <a:prstGeom prst="rect">
             <a:avLst/>
@@ -8563,19 +7586,15 @@
               </a:spcBef>
             </a:pPr>
             <a:r>
-              <a:rPr sz="1000">
+              <a:rPr lang="es-ES" sz="900" dirty="0">
                 <a:solidFill>
                   <a:srgbClr val="020302"/>
                 </a:solidFill>
                 <a:latin typeface="AdobeClean-Light"/>
                 <a:cs typeface="AdobeClean-Light"/>
               </a:rPr>
-              <a:t>Manage key events to ensure you have the  right level of support, coverage, and  mitigation plan in place during those key  business and project milestones.</a:t>
-            </a:r>
-            <a:endParaRPr sz="1000">
-              <a:latin typeface="AdobeClean-Light"/>
-              <a:cs typeface="AdobeClean-Light"/>
-            </a:endParaRPr>
+              <a:t>Administre eventos clave para garantizar que dispone del nivel adecuado de asistencia, cobertura y plan de mitigación durante esos hitos clave empresariales y de proyecto.</a:t>
+            </a:r>
           </a:p>
         </p:txBody>
       </p:sp>
@@ -8588,7 +7607,7 @@
         <p:spPr>
           <a:xfrm>
             <a:off x="324341" y="5262204"/>
-            <a:ext cx="2194560" cy="698781"/>
+            <a:ext cx="2194560" cy="792781"/>
           </a:xfrm>
           <a:prstGeom prst="rect">
             <a:avLst/>
@@ -8609,19 +7628,15 @@
               </a:spcBef>
             </a:pPr>
             <a:r>
-              <a:rPr sz="1000">
+              <a:rPr lang="es-ES" sz="900" dirty="0">
                 <a:solidFill>
                   <a:srgbClr val="020302"/>
                 </a:solidFill>
                 <a:latin typeface="AdobeClean-Light"/>
                 <a:cs typeface="AdobeClean-Light"/>
               </a:rPr>
-              <a:t>Receive personalized guidance on new  product features to take advantage of  latest innovations, and have Adobe  experts review release and upgrade plan.</a:t>
-            </a:r>
-            <a:endParaRPr sz="1000">
-              <a:latin typeface="AdobeClean-Light"/>
-              <a:cs typeface="AdobeClean-Light"/>
-            </a:endParaRPr>
+              <a:t>Reciba orientación personalizada sobre las nuevas funciones de los productos para aprovechar las últimas innovaciones, y pida a los expertos en Adobe que revisen la versión y el plan de actualización.</a:t>
+            </a:r>
           </a:p>
         </p:txBody>
       </p:sp>
@@ -8634,7 +7649,7 @@
         <p:spPr>
           <a:xfrm>
             <a:off x="97787" y="9888626"/>
-            <a:ext cx="2202180" cy="149860"/>
+            <a:ext cx="2377440" cy="149860"/>
           </a:xfrm>
           <a:prstGeom prst="rect">
             <a:avLst/>
@@ -8655,99 +7670,95 @@
               </a:spcBef>
             </a:pPr>
             <a:r>
-              <a:rPr sz="800" spc="-15">
+              <a:rPr lang="es-ES" sz="800" dirty="0">
                 <a:solidFill>
                   <a:srgbClr val="6D6D6D"/>
                 </a:solidFill>
                 <a:latin typeface="Adobe Clean"/>
                 <a:cs typeface="Adobe Clean"/>
               </a:rPr>
-              <a:t>©2021 </a:t>
-            </a:r>
-            <a:r>
-              <a:rPr sz="800" spc="-5">
+              <a:t>©2021 Adobe. </a:t>
+            </a:r>
+            <a:r>
+              <a:rPr lang="es-ES" sz="800" dirty="0" err="1">
                 <a:solidFill>
                   <a:srgbClr val="6D6D6D"/>
                 </a:solidFill>
                 <a:latin typeface="Adobe Clean"/>
                 <a:cs typeface="Adobe Clean"/>
               </a:rPr>
-              <a:t>Adobe. All</a:t>
-            </a:r>
-            <a:r>
-              <a:rPr sz="800" spc="-15">
+              <a:t>All</a:t>
+            </a:r>
+            <a:r>
+              <a:rPr lang="es-ES" sz="800" dirty="0">
                 <a:solidFill>
                   <a:srgbClr val="6D6D6D"/>
                 </a:solidFill>
                 <a:latin typeface="Adobe Clean"/>
                 <a:cs typeface="Adobe Clean"/>
               </a:rPr>
-              <a:t> Rights</a:t>
-            </a:r>
-            <a:r>
-              <a:rPr sz="800" spc="-5">
+              <a:t> </a:t>
+            </a:r>
+            <a:r>
+              <a:rPr lang="es-ES" sz="800" dirty="0" err="1">
                 <a:solidFill>
                   <a:srgbClr val="6D6D6D"/>
                 </a:solidFill>
                 <a:latin typeface="Adobe Clean"/>
                 <a:cs typeface="Adobe Clean"/>
               </a:rPr>
-              <a:t> </a:t>
-            </a:r>
-            <a:r>
-              <a:rPr sz="800" spc="-15">
+              <a:t>Rights</a:t>
+            </a:r>
+            <a:r>
+              <a:rPr lang="es-ES" sz="800" dirty="0">
                 <a:solidFill>
                   <a:srgbClr val="6D6D6D"/>
                 </a:solidFill>
                 <a:latin typeface="Adobe Clean"/>
                 <a:cs typeface="Adobe Clean"/>
               </a:rPr>
-              <a:t>Reserved.</a:t>
-            </a:r>
-            <a:r>
-              <a:rPr sz="800" spc="-10">
+              <a:t> </a:t>
+            </a:r>
+            <a:r>
+              <a:rPr lang="es-ES" sz="800" dirty="0" err="1">
                 <a:solidFill>
                   <a:srgbClr val="6D6D6D"/>
                 </a:solidFill>
                 <a:latin typeface="Adobe Clean"/>
                 <a:cs typeface="Adobe Clean"/>
               </a:rPr>
-              <a:t> </a:t>
-            </a:r>
-            <a:r>
-              <a:rPr sz="800" spc="-5">
+              <a:t>Reserved</a:t>
+            </a:r>
+            <a:r>
+              <a:rPr lang="es-ES" sz="800" dirty="0">
                 <a:solidFill>
                   <a:srgbClr val="6D6D6D"/>
                 </a:solidFill>
                 <a:latin typeface="Adobe Clean"/>
                 <a:cs typeface="Adobe Clean"/>
               </a:rPr>
-              <a:t>Adobe</a:t>
-            </a:r>
-            <a:r>
-              <a:rPr sz="800" spc="65">
+              <a:t>. Adobe </a:t>
+            </a:r>
+            <a:r>
+              <a:rPr lang="es-ES" sz="800" dirty="0" err="1">
                 <a:solidFill>
                   <a:srgbClr val="6D6D6D"/>
                 </a:solidFill>
                 <a:latin typeface="Adobe Clean"/>
                 <a:cs typeface="Adobe Clean"/>
               </a:rPr>
-              <a:t> </a:t>
-            </a:r>
-            <a:r>
-              <a:rPr sz="800" spc="-15">
+              <a:t>Confidential</a:t>
+            </a:r>
+            <a:r>
+              <a:rPr lang="es-ES" sz="800" dirty="0">
                 <a:solidFill>
                   <a:srgbClr val="6D6D6D"/>
                 </a:solidFill>
                 <a:latin typeface="Adobe Clean"/>
                 <a:cs typeface="Adobe Clean"/>
               </a:rPr>
-              <a:t>Confidential.</a:t>
-            </a:r>
-            <a:endParaRPr sz="800">
-              <a:latin typeface="Adobe Clean"/>
-              <a:cs typeface="Adobe Clean"/>
-            </a:endParaRPr>
+              <a:t>.</a:t>
+            </a:r>
           </a:p>
         </p:txBody>
       </p:sp>
@@ -8805,7 +7816,7 @@
         <p:spPr>
           <a:xfrm>
             <a:off x="2791726" y="9060487"/>
-            <a:ext cx="2194560" cy="487313"/>
+            <a:ext cx="2194560" cy="718145"/>
           </a:xfrm>
           <a:prstGeom prst="rect">
             <a:avLst/>
@@ -8829,154 +7840,14 @@
               </a:tabLst>
             </a:pPr>
             <a:r>
-              <a:rPr sz="1000" spc="-20">
+              <a:rPr lang="es-ES" sz="900" dirty="0">
                 <a:solidFill>
                   <a:srgbClr val="020302"/>
                 </a:solidFill>
                 <a:latin typeface="AdobeClean-Light"/>
                 <a:cs typeface="AdobeClean-Light"/>
               </a:rPr>
-              <a:t>Start </a:t>
-            </a:r>
-            <a:r>
-              <a:rPr sz="1000">
-                <a:solidFill>
-                  <a:srgbClr val="020302"/>
-                </a:solidFill>
-                <a:latin typeface="AdobeClean-Light"/>
-                <a:cs typeface="AdobeClean-Light"/>
-              </a:rPr>
-              <a:t>a </a:t>
-            </a:r>
-            <a:r>
-              <a:rPr sz="1000" spc="-15">
-                <a:solidFill>
-                  <a:srgbClr val="020302"/>
-                </a:solidFill>
-                <a:latin typeface="AdobeClean-Light"/>
-                <a:cs typeface="AdobeClean-Light"/>
-              </a:rPr>
-              <a:t>chat </a:t>
-            </a:r>
-            <a:r>
-              <a:rPr sz="1000" spc="-10">
-                <a:solidFill>
-                  <a:srgbClr val="020302"/>
-                </a:solidFill>
-                <a:latin typeface="AdobeClean-Light"/>
-                <a:cs typeface="AdobeClean-Light"/>
-              </a:rPr>
-              <a:t>session </a:t>
-            </a:r>
-            <a:r>
-              <a:rPr sz="1000" spc="-5">
-                <a:solidFill>
-                  <a:srgbClr val="020302"/>
-                </a:solidFill>
-                <a:latin typeface="AdobeClean-Light"/>
-                <a:cs typeface="AdobeClean-Light"/>
-              </a:rPr>
-              <a:t>to </a:t>
-            </a:r>
-            <a:r>
-              <a:rPr sz="1000" spc="-10">
-                <a:solidFill>
-                  <a:srgbClr val="020302"/>
-                </a:solidFill>
-                <a:latin typeface="AdobeClean-Light"/>
-                <a:cs typeface="AdobeClean-Light"/>
-              </a:rPr>
-              <a:t>get </a:t>
-            </a:r>
-            <a:r>
-              <a:rPr sz="1000" spc="-20">
-                <a:solidFill>
-                  <a:srgbClr val="020302"/>
-                </a:solidFill>
-                <a:latin typeface="AdobeClean-Light"/>
-                <a:cs typeface="AdobeClean-Light"/>
-              </a:rPr>
-              <a:t>answers</a:t>
-            </a:r>
-            <a:r>
-              <a:rPr lang="en-US" sz="1000" spc="-45">
-                <a:solidFill>
-                  <a:srgbClr val="020302"/>
-                </a:solidFill>
-                <a:latin typeface="AdobeClean-Light"/>
-                <a:cs typeface="AdobeClean-Light"/>
-              </a:rPr>
-              <a:t> </a:t>
-            </a:r>
-            <a:r>
-              <a:rPr lang="en-US" sz="1000">
-                <a:solidFill>
-                  <a:srgbClr val="020302"/>
-                </a:solidFill>
-                <a:latin typeface="AdobeClean-Light"/>
-                <a:cs typeface="AdobeClean-Light"/>
-              </a:rPr>
-              <a:t>&amp; </a:t>
-            </a:r>
-            <a:r>
-              <a:rPr sz="1000" spc="-15">
-                <a:solidFill>
-                  <a:srgbClr val="020302"/>
-                </a:solidFill>
-                <a:latin typeface="AdobeClean-Light"/>
-                <a:cs typeface="AdobeClean-Light"/>
-              </a:rPr>
-              <a:t>help </a:t>
-            </a:r>
-            <a:r>
-              <a:rPr sz="1000" spc="-10">
-                <a:solidFill>
-                  <a:srgbClr val="020302"/>
-                </a:solidFill>
-                <a:latin typeface="AdobeClean-Light"/>
-                <a:cs typeface="AdobeClean-Light"/>
-              </a:rPr>
-              <a:t>with</a:t>
-            </a:r>
-            <a:r>
-              <a:rPr sz="1000" spc="85">
-                <a:solidFill>
-                  <a:srgbClr val="020302"/>
-                </a:solidFill>
-                <a:latin typeface="AdobeClean-Light"/>
-                <a:cs typeface="AdobeClean-Light"/>
-              </a:rPr>
-              <a:t> </a:t>
-            </a:r>
-            <a:r>
-              <a:rPr sz="1000" spc="-10">
-                <a:solidFill>
-                  <a:srgbClr val="020302"/>
-                </a:solidFill>
-                <a:latin typeface="AdobeClean-Light"/>
-                <a:cs typeface="AdobeClean-Light"/>
-              </a:rPr>
-              <a:t>case </a:t>
-            </a:r>
-            <a:r>
-              <a:rPr sz="1000" spc="-20">
-                <a:solidFill>
-                  <a:srgbClr val="020302"/>
-                </a:solidFill>
-                <a:latin typeface="AdobeClean-Light"/>
-                <a:cs typeface="AdobeClean-Light"/>
-              </a:rPr>
-              <a:t>submission</a:t>
-            </a:r>
-            <a:r>
-              <a:rPr lang="en-US" sz="1000" spc="-20">
-                <a:solidFill>
-                  <a:srgbClr val="020302"/>
-                </a:solidFill>
-                <a:latin typeface="AdobeClean-Light"/>
-                <a:cs typeface="AdobeClean-Light"/>
-              </a:rPr>
-              <a:t>.</a:t>
+              <a:t>Inicie una sesión de chat para obtener respuestas y ayuda con el envío de casos.</a:t>
             </a:r>
           </a:p>
           <a:p>
@@ -8992,39 +7863,15 @@
               </a:tabLst>
             </a:pPr>
             <a:r>
-              <a:rPr sz="1000" i="1" spc="-10">
+              <a:rPr lang="es-ES" sz="900" i="1" dirty="0">
                 <a:solidFill>
                   <a:srgbClr val="7A7A7A"/>
                 </a:solidFill>
                 <a:latin typeface="AdobeClean-LightIt"/>
                 <a:cs typeface="AdobeClean-LightIt"/>
               </a:rPr>
-              <a:t>*Not all </a:t>
-            </a:r>
-            <a:r>
-              <a:rPr sz="1000" i="1" spc="-20">
-                <a:solidFill>
-                  <a:srgbClr val="7A7A7A"/>
-                </a:solidFill>
-                <a:latin typeface="AdobeClean-LightIt"/>
-                <a:cs typeface="AdobeClean-LightIt"/>
-              </a:rPr>
-              <a:t>products have live chat support</a:t>
-            </a:r>
-            <a:r>
-              <a:rPr sz="900" i="1" spc="-20">
-                <a:solidFill>
-                  <a:srgbClr val="7A7A7A"/>
-                </a:solidFill>
-                <a:latin typeface="AdobeClean-LightIt"/>
-                <a:cs typeface="AdobeClean-LightIt"/>
-              </a:rPr>
-              <a:t>.  </a:t>
-            </a:r>
-            <a:endParaRPr sz="900">
-              <a:latin typeface="AdobeClean-Light"/>
-              <a:cs typeface="AdobeClean-Light"/>
-            </a:endParaRPr>
+              <a:t>* No todos los productos ofrecen la opción de disfrutar de asistencia mediante chat en directo.  </a:t>
+            </a:r>
           </a:p>
         </p:txBody>
       </p:sp>
@@ -9071,12 +7918,12 @@
               <a:defRPr/>
             </a:pPr>
             <a:r>
-              <a:rPr lang="en-US" sz="1200">
+              <a:rPr lang="es-ES" sz="1200" dirty="0">
                 <a:solidFill>
                   <a:srgbClr val="000000"/>
                 </a:solidFill>
               </a:rPr>
-              <a:t>Community Forums</a:t>
+              <a:t>Foros de la comunidad</a:t>
             </a:r>
           </a:p>
         </p:txBody>
@@ -9119,12 +7966,12 @@
               </a:spcAft>
             </a:pPr>
             <a:r>
-              <a:rPr lang="en-US" sz="1200" b="1">
+              <a:rPr lang="es-ES" sz="1200" b="1" dirty="0">
                 <a:latin typeface="+mj-lt"/>
                 <a:ea typeface="Open Sans" pitchFamily="34" charset="0"/>
                 <a:cs typeface="Open Sans" pitchFamily="34" charset="0"/>
               </a:rPr>
-              <a:t>Online Forums</a:t>
+              <a:t>Foros en línea</a:t>
             </a:r>
           </a:p>
         </p:txBody>
@@ -9144,7 +7991,7 @@
         <p:spPr>
           <a:xfrm>
             <a:off x="324341" y="7152361"/>
-            <a:ext cx="2194560" cy="959237"/>
+            <a:ext cx="2194560" cy="1005403"/>
           </a:xfrm>
           <a:prstGeom prst="rect">
             <a:avLst/>
@@ -9157,13 +8004,13 @@
           <a:lstStyle/>
           <a:p>
             <a:r>
-              <a:rPr lang="en-US" sz="1000">
+              <a:rPr lang="es-ES" sz="900" dirty="0">
                 <a:solidFill>
                   <a:srgbClr val="4B4B4B"/>
                 </a:solidFill>
                 <a:latin typeface="Adobe Clean Light" panose="020B0303020404020204" pitchFamily="34" charset="0"/>
               </a:rPr>
-              <a:t>Continuous online access to a growing database of technical solutions, product documentation, FAQs and more. Connect with practitioners and other customers on Adobe Community to share best practices and lessons learned.</a:t>
+              <a:t>Acceso continuo en línea a una base de datos donde encontrará cada vez más soluciones técnicas, documentación de productos, preguntas frecuentes y mucho más. Hable con profesionales y otros clientes en la Comunidad de Adobe para compartir prácticas recomendadas y lecciones aprendidas.</a:t>
             </a:r>
           </a:p>
         </p:txBody>
@@ -9211,7 +8058,7 @@
               <a:defRPr/>
             </a:pPr>
             <a:r>
-              <a:rPr lang="en-US" sz="1200">
+              <a:rPr lang="es-ES" sz="1200">
                 <a:solidFill>
                   <a:srgbClr val="000000"/>
                 </a:solidFill>
@@ -9259,12 +8106,12 @@
               </a:spcAft>
             </a:pPr>
             <a:r>
-              <a:rPr lang="en-US" sz="1200" b="1">
+              <a:rPr lang="es-ES" sz="1200" b="1">
                 <a:latin typeface="+mj-lt"/>
                 <a:ea typeface="Open Sans" pitchFamily="34" charset="0"/>
                 <a:cs typeface="Open Sans" pitchFamily="34" charset="0"/>
               </a:rPr>
-              <a:t>Self-guided Journeys</a:t>
+              <a:t>Recorridos autoguiados</a:t>
             </a:r>
           </a:p>
         </p:txBody>
@@ -9284,7 +8131,7 @@
         <p:spPr>
           <a:xfrm>
             <a:off x="5265661" y="7152361"/>
-            <a:ext cx="2194560" cy="1113125"/>
+            <a:ext cx="2194560" cy="1143903"/>
           </a:xfrm>
           <a:prstGeom prst="rect">
             <a:avLst/>
@@ -9297,13 +8144,67 @@
           <a:lstStyle/>
           <a:p>
             <a:r>
-              <a:rPr lang="en-US" sz="1000">
+              <a:rPr lang="es-ES" sz="900" dirty="0">
                 <a:solidFill>
                   <a:srgbClr val="4B4B4B"/>
                 </a:solidFill>
                 <a:latin typeface="Adobe Clean Light" panose="020B0303020404020204" pitchFamily="34" charset="0"/>
               </a:rPr>
-              <a:t>Experience Makers are made with Experience League. Customers can kickstart their Customer Experience Management abilities with personalized learning to develop skills, engage with a global community of peers, and earn career advancing recognition.</a:t>
+              <a:t>Los </a:t>
+            </a:r>
+            <a:r>
+              <a:rPr lang="es-ES" sz="900" dirty="0" err="1">
+                <a:solidFill>
+                  <a:srgbClr val="4B4B4B"/>
+                </a:solidFill>
+                <a:latin typeface="Adobe Clean Light" panose="020B0303020404020204" pitchFamily="34" charset="0"/>
+              </a:rPr>
+              <a:t>experience</a:t>
+            </a:r>
+            <a:r>
+              <a:rPr lang="es-ES" sz="900" dirty="0">
+                <a:solidFill>
+                  <a:srgbClr val="4B4B4B"/>
+                </a:solidFill>
+                <a:latin typeface="Adobe Clean Light" panose="020B0303020404020204" pitchFamily="34" charset="0"/>
+              </a:rPr>
+              <a:t> </a:t>
+            </a:r>
+            <a:r>
+              <a:rPr lang="es-ES" sz="900" dirty="0" err="1">
+                <a:solidFill>
+                  <a:srgbClr val="4B4B4B"/>
+                </a:solidFill>
+                <a:latin typeface="Adobe Clean Light" panose="020B0303020404020204" pitchFamily="34" charset="0"/>
+              </a:rPr>
+              <a:t>makers</a:t>
+            </a:r>
+            <a:r>
+              <a:rPr lang="es-ES" sz="900" dirty="0">
+                <a:solidFill>
+                  <a:srgbClr val="4B4B4B"/>
+                </a:solidFill>
+                <a:latin typeface="Adobe Clean Light" panose="020B0303020404020204" pitchFamily="34" charset="0"/>
+              </a:rPr>
+              <a:t> se realizan con </a:t>
+            </a:r>
+            <a:r>
+              <a:rPr lang="es-ES" sz="900" dirty="0" err="1">
+                <a:solidFill>
+                  <a:srgbClr val="4B4B4B"/>
+                </a:solidFill>
+                <a:latin typeface="Adobe Clean Light" panose="020B0303020404020204" pitchFamily="34" charset="0"/>
+              </a:rPr>
+              <a:t>Experience</a:t>
+            </a:r>
+            <a:r>
+              <a:rPr lang="es-ES" sz="900" dirty="0">
+                <a:solidFill>
+                  <a:srgbClr val="4B4B4B"/>
+                </a:solidFill>
+                <a:latin typeface="Adobe Clean Light" panose="020B0303020404020204" pitchFamily="34" charset="0"/>
+              </a:rPr>
+              <a:t> League. Los clientes pueden aplicar sus conocimientos de administración de la experiencia del cliente con aprendizaje personalizado para desarrollar habilidades, interactuar con la comunidad internacional de compañeros y obtener reconocimiento en su trayectoria profesional.</a:t>
             </a:r>
           </a:p>
         </p:txBody>
@@ -9324,7 +8225,7 @@
         </p:nvSpPr>
         <p:spPr>
           <a:xfrm>
-            <a:off x="3201544" y="8560230"/>
+            <a:off x="3201544" y="8499270"/>
             <a:ext cx="1543003" cy="184666"/>
           </a:xfrm>
           <a:prstGeom prst="rect">
@@ -9351,12 +8252,12 @@
               <a:defRPr/>
             </a:pPr>
             <a:r>
-              <a:rPr lang="en-US" sz="1200">
+              <a:rPr lang="es-ES" sz="1200" dirty="0">
                 <a:solidFill>
                   <a:srgbClr val="000000"/>
                 </a:solidFill>
               </a:rPr>
-              <a:t>Live Chat  Support*</a:t>
+              <a:t>Asistencia mediante chat en directo*</a:t>
             </a:r>
           </a:p>
         </p:txBody>
@@ -9377,7 +8278,7 @@
         </p:nvSpPr>
         <p:spPr>
           <a:xfrm>
-            <a:off x="3201544" y="8741449"/>
+            <a:off x="3201544" y="8845081"/>
             <a:ext cx="840166" cy="184666"/>
           </a:xfrm>
           <a:prstGeom prst="rect">
@@ -9399,12 +8300,12 @@
               </a:spcAft>
             </a:pPr>
             <a:r>
-              <a:rPr lang="en-US" sz="1200" b="1">
+              <a:rPr lang="es-ES" sz="1200" b="1" dirty="0">
                 <a:latin typeface="+mj-lt"/>
                 <a:ea typeface="Open Sans" pitchFamily="34" charset="0"/>
                 <a:cs typeface="Open Sans" pitchFamily="34" charset="0"/>
               </a:rPr>
-              <a:t>Chat Support</a:t>
+              <a:t>Asistencia mediante chat</a:t>
             </a:r>
           </a:p>
         </p:txBody>
@@ -9452,12 +8353,12 @@
               <a:defRPr/>
             </a:pPr>
             <a:r>
-              <a:rPr lang="en-US" sz="1200">
+              <a:rPr lang="es-ES" sz="1200">
                 <a:solidFill>
                   <a:srgbClr val="000000"/>
                 </a:solidFill>
               </a:rPr>
-              <a:t>24X7 P1 </a:t>
+              <a:t>24/7 P1 </a:t>
             </a:r>
           </a:p>
         </p:txBody>
@@ -9500,12 +8401,12 @@
               </a:spcAft>
             </a:pPr>
             <a:r>
-              <a:rPr lang="en-US" sz="1200" b="1">
+              <a:rPr lang="es-ES" sz="1200" b="1">
                 <a:latin typeface="+mj-lt"/>
                 <a:ea typeface="Open Sans" pitchFamily="34" charset="0"/>
                 <a:cs typeface="Open Sans" pitchFamily="34" charset="0"/>
               </a:rPr>
-              <a:t>Phone  Support</a:t>
+              <a:t>Asistencia telefónica</a:t>
             </a:r>
           </a:p>
         </p:txBody>
@@ -9525,7 +8426,7 @@
         <p:spPr>
           <a:xfrm>
             <a:off x="2791726" y="7152361"/>
-            <a:ext cx="2194560" cy="805349"/>
+            <a:ext cx="2194560" cy="866904"/>
           </a:xfrm>
           <a:prstGeom prst="rect">
             <a:avLst/>
@@ -9538,35 +8439,20 @@
           <a:lstStyle/>
           <a:p>
             <a:r>
-              <a:rPr lang="en-US" sz="1000">
+              <a:rPr lang="es-ES" sz="900" b="1" dirty="0">
                 <a:solidFill>
                   <a:srgbClr val="020302"/>
                 </a:solidFill>
                 <a:latin typeface="AdobeClean-Light"/>
               </a:rPr>
-              <a:t>Authorized users or </a:t>
-            </a:r>
-            <a:r>
-              <a:rPr lang="en-US" sz="1000" b="1">
-                <a:solidFill>
-                  <a:srgbClr val="020302"/>
-                </a:solidFill>
-                <a:latin typeface="AdobeClean-Light"/>
-              </a:rPr>
-              <a:t>Named Support Contacts </a:t>
-            </a:r>
-            <a:r>
-              <a:rPr lang="en-US" sz="1000">
+              <a:t>Los usuarios autorizados o los contactos de soporte particulares</a:t>
+            </a:r>
+            <a:r>
+              <a:rPr lang="es-ES" sz="900" dirty="0">
                 <a:latin typeface="Adobe Clean Light" panose="020B0303020404020204" pitchFamily="34" charset="0"/>
               </a:rPr>
-              <a:t>can submit issues through all available  channels (including phone for P1) and interact with our technical support team on behalf of your company. </a:t>
-            </a:r>
-            <a:endParaRPr lang="en-US" sz="1000">
-              <a:solidFill>
-                <a:srgbClr val="000000"/>
-              </a:solidFill>
-              <a:latin typeface="Adobe Clean Light" panose="020B0303020404020204" pitchFamily="34" charset="0"/>
-            </a:endParaRPr>
+              <a:t> pueden enviar problemas a través de todos los canales disponibles (incluido el teléfono en el caso de los problemas P1) y hablar con nuestro equipo de asistencia en nombre de su empresa. </a:t>
+            </a:r>
           </a:p>
         </p:txBody>
       </p:sp>
@@ -9634,8 +8520,8 @@
         </p:nvSpPr>
         <p:spPr>
           <a:xfrm>
-            <a:off x="689237" y="8560230"/>
-            <a:ext cx="991521" cy="184666"/>
+            <a:off x="689236" y="8560230"/>
+            <a:ext cx="1280160" cy="184666"/>
           </a:xfrm>
           <a:prstGeom prst="rect">
             <a:avLst/>
@@ -9661,12 +8547,12 @@
               <a:defRPr/>
             </a:pPr>
             <a:r>
-              <a:rPr lang="en-US" sz="1200">
+              <a:rPr lang="es-ES" sz="1200" dirty="0">
                 <a:solidFill>
                   <a:srgbClr val="000000"/>
                 </a:solidFill>
               </a:rPr>
-              <a:t>Office Hours</a:t>
+              <a:t>Horario de oficina</a:t>
             </a:r>
           </a:p>
         </p:txBody>
@@ -9709,12 +8595,12 @@
               </a:spcAft>
             </a:pPr>
             <a:r>
-              <a:rPr lang="en-US" sz="1200" b="1">
+              <a:rPr lang="es-ES" sz="1200" b="1">
                 <a:latin typeface="+mj-lt"/>
                 <a:ea typeface="Open Sans" pitchFamily="34" charset="0"/>
                 <a:cs typeface="Open Sans" pitchFamily="34" charset="0"/>
               </a:rPr>
-              <a:t>Webinars</a:t>
+              <a:t>Seminarios web</a:t>
             </a:r>
           </a:p>
         </p:txBody>
@@ -9734,7 +8620,7 @@
         <p:spPr>
           <a:xfrm>
             <a:off x="355868" y="9026059"/>
-            <a:ext cx="2194560" cy="805349"/>
+            <a:ext cx="2223474" cy="866904"/>
           </a:xfrm>
           <a:prstGeom prst="rect">
             <a:avLst/>
@@ -9747,13 +8633,13 @@
           <a:lstStyle/>
           <a:p>
             <a:r>
-              <a:rPr lang="en-US" sz="1000">
+              <a:rPr lang="es-ES" sz="900" spc="-30" dirty="0">
                 <a:solidFill>
                   <a:srgbClr val="4B4B4B"/>
                 </a:solidFill>
                 <a:latin typeface="Adobe Clean Light" panose="020B0303020404020204" pitchFamily="34" charset="0"/>
               </a:rPr>
-              <a:t>Office Hours led by the Adobe Customer Support team includes sessions designed to inform as well as help participants troubleshoot problems and provide tips and tricks for success with Adobe solutions. </a:t>
+              <a:t>En el horario de oficina del equipo de asistencia al cliente de Adobe se incluyen sesiones diseñadas para informar y ayudar a los participantes a solucionar problemas, así como para proporcionar consejos y trucos para que los participantes logren el éxito con las soluciones de Adobe. </a:t>
             </a:r>
           </a:p>
         </p:txBody>
@@ -9775,7 +8661,7 @@
         <p:spPr>
           <a:xfrm>
             <a:off x="5723508" y="8560230"/>
-            <a:ext cx="1303746" cy="184666"/>
+            <a:ext cx="1463040" cy="184666"/>
           </a:xfrm>
           <a:prstGeom prst="rect">
             <a:avLst/>
@@ -9801,12 +8687,12 @@
               <a:defRPr/>
             </a:pPr>
             <a:r>
-              <a:rPr lang="en-US" sz="1200">
+              <a:rPr lang="es-ES" sz="1200" dirty="0">
                 <a:solidFill>
                   <a:srgbClr val="000000"/>
                 </a:solidFill>
               </a:rPr>
-              <a:t>Self-help Portals</a:t>
+              <a:t>Portales de autoayuda</a:t>
             </a:r>
           </a:p>
         </p:txBody>
@@ -9849,12 +8735,12 @@
               </a:spcAft>
             </a:pPr>
             <a:r>
-              <a:rPr lang="en-US" sz="1200" b="1">
+              <a:rPr lang="es-ES" sz="1200" b="1">
                 <a:latin typeface="+mj-lt"/>
                 <a:ea typeface="Open Sans" pitchFamily="34" charset="0"/>
                 <a:cs typeface="Open Sans" pitchFamily="34" charset="0"/>
               </a:rPr>
-              <a:t>24/7 Support Portal</a:t>
+              <a:t>Portal de asistencia 24/7</a:t>
             </a:r>
           </a:p>
         </p:txBody>
@@ -9874,7 +8760,7 @@
         <p:spPr>
           <a:xfrm>
             <a:off x="5265661" y="8987081"/>
-            <a:ext cx="2194560" cy="805349"/>
+            <a:ext cx="2194560" cy="866904"/>
           </a:xfrm>
           <a:prstGeom prst="rect">
             <a:avLst/>
@@ -9887,30 +8773,13 @@
           <a:lstStyle/>
           <a:p>
             <a:r>
-              <a:rPr lang="en-US" sz="1000">
+              <a:rPr lang="es-ES" sz="900" dirty="0">
                 <a:solidFill>
                   <a:srgbClr val="4B4B4B"/>
                 </a:solidFill>
                 <a:latin typeface="Adobe Clean Light" panose="020B0303020404020204" pitchFamily="34" charset="0"/>
               </a:rPr>
-              <a:t>On-demand access to the online </a:t>
-            </a:r>
-            <a:br>
-              <a:rPr lang="en-US" sz="1000">
-                <a:solidFill>
-                  <a:srgbClr val="4B4B4B"/>
-                </a:solidFill>
-                <a:latin typeface="Adobe Clean Light" panose="020B0303020404020204" pitchFamily="34" charset="0"/>
-              </a:rPr>
-            </a:br>
-            <a:r>
-              <a:rPr lang="en-US" sz="1000">
-                <a:solidFill>
-                  <a:srgbClr val="4B4B4B"/>
-                </a:solidFill>
-                <a:latin typeface="Adobe Clean Light" panose="020B0303020404020204" pitchFamily="34" charset="0"/>
-              </a:rPr>
-              <a:t>Self-help Support Portal to submit support requests, review case status, and browse other resources, like our knowledgebase, news and alerts, featured tips, and more.</a:t>
+              <a:t>Acceso al portal de asistencia de autoayuda en línea previa solicitud para enviar solicitudes de asistencia, revisar el estado de los casos y examinar otros recursos, como la base de conocimiento, noticias y alertas, sugerencias destacadas, y mucho más.</a:t>
             </a:r>
           </a:p>
         </p:txBody>
@@ -10240,19 +9109,15 @@
               </a:spcBef>
             </a:pPr>
             <a:r>
-              <a:rPr lang="en-US" sz="1400" b="1" dirty="0">
+              <a:rPr lang="es-ES" sz="1400" b="1">
                 <a:solidFill>
                   <a:srgbClr val="020302"/>
                 </a:solidFill>
                 <a:latin typeface="Adobe Clean"/>
                 <a:cs typeface="Adobe Clean"/>
               </a:rPr>
-              <a:t>Standard Support Features</a:t>
-            </a:r>
-            <a:endParaRPr lang="en-US" sz="1400" dirty="0">
-              <a:latin typeface="Adobe Clean"/>
-              <a:cs typeface="Adobe Clean"/>
-            </a:endParaRPr>
+              <a:t>Funciones de soporte Standard</a:t>
+            </a:r>
           </a:p>
         </p:txBody>
       </p:sp>
@@ -10453,7 +9318,7 @@
         <p:spPr>
           <a:xfrm>
             <a:off x="324341" y="4031705"/>
-            <a:ext cx="2194560" cy="499111"/>
+            <a:ext cx="2194560" cy="452368"/>
           </a:xfrm>
           <a:prstGeom prst="rect">
             <a:avLst/>
@@ -10474,22 +9339,15 @@
               </a:spcBef>
             </a:pPr>
             <a:r>
-              <a:rPr lang="en-US" sz="1000">
+              <a:rPr lang="es-ES" sz="900" dirty="0">
                 <a:solidFill>
                   <a:srgbClr val="020302"/>
                 </a:solidFill>
                 <a:latin typeface="AdobeClean-Light"/>
                 <a:cs typeface="AdobeClean-Light"/>
               </a:rPr>
-              <a:t>Proactive review of your solution  deployment, configuration, and overall  architecture, including integrations.</a:t>
-            </a:r>
-            <a:endParaRPr lang="en-US" sz="1000">
-              <a:solidFill>
-                <a:prstClr val="black"/>
-              </a:solidFill>
-              <a:latin typeface="AdobeClean-Light"/>
-              <a:cs typeface="AdobeClean-Light"/>
-            </a:endParaRPr>
+              <a:t>Revisión proactiva de la implementación, configuración y arquitectura general de la solución, incluidas las integraciones.</a:t>
+            </a:r>
           </a:p>
         </p:txBody>
       </p:sp>
@@ -10508,7 +9366,7 @@
         <p:spPr>
           <a:xfrm>
             <a:off x="5265661" y="4031705"/>
-            <a:ext cx="2194560" cy="652615"/>
+            <a:ext cx="2194560" cy="740074"/>
           </a:xfrm>
           <a:prstGeom prst="rect">
             <a:avLst/>
@@ -10529,22 +9387,15 @@
               </a:spcBef>
             </a:pPr>
             <a:r>
-              <a:rPr lang="en-US" sz="1000">
+              <a:rPr lang="es-ES" sz="900" dirty="0">
                 <a:solidFill>
                   <a:srgbClr val="020302"/>
                 </a:solidFill>
                 <a:latin typeface="AdobeClean-Light"/>
                 <a:cs typeface="AdobeClean-Light"/>
               </a:rPr>
-              <a:t>Receive maintenance best practices and latest  fixes (SPs, MR, patches, FPs) to remain up-to-  date on all maintenance checks.</a:t>
-            </a:r>
-            <a:endParaRPr lang="en-US" sz="1000">
-              <a:solidFill>
-                <a:prstClr val="black"/>
-              </a:solidFill>
-              <a:latin typeface="AdobeClean-Light"/>
-              <a:cs typeface="AdobeClean-Light"/>
-            </a:endParaRPr>
+              <a:t>Reciba las prácticas recomendadas de mantenimiento y las correcciones más recientes (SP, MR, parches, FP) para mantenerse actualizado en cuando a todas las comprobaciones de mantenimiento.</a:t>
+            </a:r>
           </a:p>
         </p:txBody>
       </p:sp>
@@ -10563,7 +9414,7 @@
         <p:spPr>
           <a:xfrm>
             <a:off x="2852427" y="2847845"/>
-            <a:ext cx="2194560" cy="615553"/>
+            <a:ext cx="2194560" cy="553998"/>
           </a:xfrm>
           <a:prstGeom prst="rect">
             <a:avLst/>
@@ -10581,22 +9432,15 @@
               </a:spcBef>
             </a:pPr>
             <a:r>
-              <a:rPr lang="en-US" sz="1000">
+              <a:rPr lang="es-ES" sz="900">
                 <a:solidFill>
                   <a:srgbClr val="4B4B4B"/>
                 </a:solidFill>
                 <a:latin typeface="AdobeClean-Light"/>
                 <a:cs typeface="AdobeClean-Light"/>
               </a:rPr>
-              <a:t>A regular review of Elite program services, support metrics, and deliverables, including a forward-looking plan</a:t>
-            </a:r>
-            <a:endParaRPr lang="en-US" sz="1000">
-              <a:solidFill>
-                <a:prstClr val="black"/>
-              </a:solidFill>
-              <a:latin typeface="AdobeClean-Light"/>
-              <a:cs typeface="AdobeClean-Light"/>
-            </a:endParaRPr>
+              <a:t>Una revisión periódica de los servicios del programa Elite, las métricas de soporte y los entregables, incluyendo un plan orientado al futuro.</a:t>
+            </a:r>
           </a:p>
         </p:txBody>
       </p:sp>
@@ -10615,7 +9459,7 @@
         <p:spPr>
           <a:xfrm>
             <a:off x="5431520" y="2854370"/>
-            <a:ext cx="2194560" cy="615553"/>
+            <a:ext cx="2194560" cy="553998"/>
           </a:xfrm>
           <a:prstGeom prst="rect">
             <a:avLst/>
@@ -10633,22 +9477,15 @@
               </a:spcBef>
             </a:pPr>
             <a:r>
-              <a:rPr lang="en-US" sz="1000">
+              <a:rPr lang="es-ES" sz="900" dirty="0">
                 <a:solidFill>
                   <a:srgbClr val="4B4B4B"/>
                 </a:solidFill>
                 <a:latin typeface="AdobeClean-Light"/>
                 <a:cs typeface="AdobeClean-Light"/>
               </a:rPr>
-              <a:t>A 60-minute session focusing on a  specific product feature and how it can  be utilized to solve common business  problems.</a:t>
-            </a:r>
-            <a:endParaRPr lang="en-US" sz="1000">
-              <a:solidFill>
-                <a:prstClr val="black"/>
-              </a:solidFill>
-              <a:latin typeface="AdobeClean-Light"/>
-              <a:cs typeface="AdobeClean-Light"/>
-            </a:endParaRPr>
+              <a:t>Una sesión de 60 minutos centrada en una función específica del producto y en cómo se puede utilizar para resolver problemas empresariales comunes.</a:t>
+            </a:r>
           </a:p>
         </p:txBody>
       </p:sp>
@@ -10667,7 +9504,7 @@
         <p:spPr>
           <a:xfrm>
             <a:off x="324341" y="2842848"/>
-            <a:ext cx="2194560" cy="615553"/>
+            <a:ext cx="2194560" cy="692497"/>
           </a:xfrm>
           <a:prstGeom prst="rect">
             <a:avLst/>
@@ -10685,16 +9522,15 @@
               </a:spcBef>
             </a:pPr>
             <a:r>
-              <a:rPr lang="en-US" sz="1000">
+              <a:rPr lang="es-ES" sz="900" dirty="0">
                 <a:solidFill>
                   <a:srgbClr val="4B4B4B"/>
                 </a:solidFill>
                 <a:latin typeface="AdobeClean-Light"/>
                 <a:cs typeface="AdobeClean-Light"/>
               </a:rPr>
-              <a:t>A designated point of contact within Adobe  who can provide escalation assistance,  regular updates and ensure priority is given  to your most critical open support requests.</a:t>
-            </a:r>
-            <a:endParaRPr lang="en-US"/>
+              <a:t>Un punto de contacto designado de Adobe que puede proporcionar asistencia en cuanto a escalabilidad y actualizaciones frecuentes, así como garantizar que se dé prioridad a sus solicitudes de soporte abierto más críticas.</a:t>
+            </a:r>
           </a:p>
         </p:txBody>
       </p:sp>
@@ -10713,7 +9549,7 @@
         <p:spPr>
           <a:xfrm>
             <a:off x="3153726" y="1126245"/>
-            <a:ext cx="2194560" cy="169277"/>
+            <a:ext cx="2194560" cy="307777"/>
           </a:xfrm>
           <a:prstGeom prst="rect">
             <a:avLst/>
@@ -10731,22 +9567,15 @@
               </a:spcBef>
             </a:pPr>
             <a:r>
-              <a:rPr lang="en-US" sz="1100" b="1">
+              <a:rPr lang="es-ES" sz="1000" b="1">
                 <a:solidFill>
                   <a:srgbClr val="020302"/>
                 </a:solidFill>
                 <a:latin typeface="Adobe Clean" panose="020B0503020404020204" pitchFamily="34" charset="0"/>
                 <a:cs typeface="Arial"/>
               </a:rPr>
-              <a:t>Named Support Engineer</a:t>
-            </a:r>
-            <a:endParaRPr lang="en-US" sz="1100">
-              <a:solidFill>
-                <a:prstClr val="black"/>
-              </a:solidFill>
-              <a:latin typeface="Adobe Clean" panose="020B0503020404020204" pitchFamily="34" charset="0"/>
-              <a:cs typeface="Arial"/>
-            </a:endParaRPr>
+              <a:t>Ingeniero de asistencia técnica especializado</a:t>
+            </a:r>
           </a:p>
         </p:txBody>
       </p:sp>
@@ -10765,7 +9594,7 @@
         <p:spPr>
           <a:xfrm>
             <a:off x="5723508" y="1126245"/>
-            <a:ext cx="2194560" cy="169277"/>
+            <a:ext cx="2194560" cy="153888"/>
           </a:xfrm>
           <a:prstGeom prst="rect">
             <a:avLst/>
@@ -10783,22 +9612,15 @@
               </a:spcBef>
             </a:pPr>
             <a:r>
-              <a:rPr lang="en-US" sz="1100" b="1">
+              <a:rPr lang="es-ES" sz="1000" b="1">
                 <a:solidFill>
                   <a:srgbClr val="020302"/>
                 </a:solidFill>
                 <a:latin typeface="Adobe Clean" panose="020B0503020404020204" pitchFamily="34" charset="0"/>
                 <a:cs typeface="Arial"/>
               </a:rPr>
-              <a:t>Case Reviews</a:t>
-            </a:r>
-            <a:endParaRPr lang="en-US" sz="1100">
-              <a:solidFill>
-                <a:prstClr val="black"/>
-              </a:solidFill>
-              <a:latin typeface="Adobe Clean" panose="020B0503020404020204" pitchFamily="34" charset="0"/>
-              <a:cs typeface="Arial"/>
-            </a:endParaRPr>
+              <a:t>Reseñas de casos</a:t>
+            </a:r>
           </a:p>
         </p:txBody>
       </p:sp>
@@ -10817,7 +9639,7 @@
         <p:spPr>
           <a:xfrm>
             <a:off x="5723508" y="3778989"/>
-            <a:ext cx="2194560" cy="169277"/>
+            <a:ext cx="2194560" cy="153888"/>
           </a:xfrm>
           <a:prstGeom prst="rect">
             <a:avLst/>
@@ -10835,22 +9657,15 @@
               </a:spcBef>
             </a:pPr>
             <a:r>
-              <a:rPr lang="en-US" sz="1100" b="1">
+              <a:rPr lang="es-ES" sz="1000" b="1">
                 <a:solidFill>
                   <a:srgbClr val="020302"/>
                 </a:solidFill>
                 <a:latin typeface="Adobe Clean" panose="020B0503020404020204" pitchFamily="34" charset="0"/>
                 <a:cs typeface="Adobe Clean"/>
               </a:rPr>
-              <a:t>Maintenance &amp; Monitoring</a:t>
-            </a:r>
-            <a:endParaRPr lang="en-US" sz="1100">
-              <a:solidFill>
-                <a:prstClr val="black"/>
-              </a:solidFill>
-              <a:latin typeface="Adobe Clean" panose="020B0503020404020204" pitchFamily="34" charset="0"/>
-              <a:cs typeface="Adobe Clean"/>
-            </a:endParaRPr>
+              <a:t>Mantenimiento y monitorización</a:t>
+            </a:r>
           </a:p>
         </p:txBody>
       </p:sp>
@@ -10869,7 +9684,7 @@
         <p:spPr>
           <a:xfrm>
             <a:off x="3138805" y="3778989"/>
-            <a:ext cx="2194560" cy="169277"/>
+            <a:ext cx="2194560" cy="153888"/>
           </a:xfrm>
           <a:prstGeom prst="rect">
             <a:avLst/>
@@ -10887,22 +9702,15 @@
               </a:spcBef>
             </a:pPr>
             <a:r>
-              <a:rPr lang="en-US" sz="1100" b="1">
+              <a:rPr lang="es-ES" sz="1000" b="1">
                 <a:solidFill>
                   <a:srgbClr val="020302"/>
                 </a:solidFill>
                 <a:latin typeface="Adobe Clean" panose="020B0503020404020204" pitchFamily="34" charset="0"/>
                 <a:cs typeface="Adobe Clean"/>
               </a:rPr>
-              <a:t>Solution Roadmap Review</a:t>
-            </a:r>
-            <a:endParaRPr lang="en-US" sz="1100">
-              <a:solidFill>
-                <a:prstClr val="black"/>
-              </a:solidFill>
-              <a:latin typeface="Adobe Clean" panose="020B0503020404020204" pitchFamily="34" charset="0"/>
-              <a:cs typeface="Adobe Clean"/>
-            </a:endParaRPr>
+              <a:t>Revisión del plan de las soluciones</a:t>
+            </a:r>
           </a:p>
         </p:txBody>
       </p:sp>
@@ -10921,7 +9729,7 @@
         <p:spPr>
           <a:xfrm>
             <a:off x="689237" y="3778989"/>
-            <a:ext cx="2194560" cy="169277"/>
+            <a:ext cx="2194560" cy="153888"/>
           </a:xfrm>
           <a:prstGeom prst="rect">
             <a:avLst/>
@@ -10939,22 +9747,15 @@
               </a:spcBef>
             </a:pPr>
             <a:r>
-              <a:rPr lang="en-US" sz="1100" b="1">
+              <a:rPr lang="es-ES" sz="1000" b="1">
                 <a:solidFill>
                   <a:srgbClr val="020302"/>
                 </a:solidFill>
                 <a:latin typeface="Adobe Clean" panose="020B0503020404020204" pitchFamily="34" charset="0"/>
                 <a:cs typeface="Adobe Clean"/>
               </a:rPr>
-              <a:t>Environment Review</a:t>
-            </a:r>
-            <a:endParaRPr lang="en-US" sz="1100">
-              <a:solidFill>
-                <a:prstClr val="black"/>
-              </a:solidFill>
-              <a:latin typeface="Adobe Clean" panose="020B0503020404020204" pitchFamily="34" charset="0"/>
-              <a:cs typeface="Adobe Clean"/>
-            </a:endParaRPr>
+              <a:t>Revisión del entorno</a:t>
+            </a:r>
           </a:p>
         </p:txBody>
       </p:sp>
@@ -10973,7 +9774,7 @@
         <p:spPr>
           <a:xfrm>
             <a:off x="689237" y="2599639"/>
-            <a:ext cx="2194560" cy="169277"/>
+            <a:ext cx="2194560" cy="153888"/>
           </a:xfrm>
           <a:prstGeom prst="rect">
             <a:avLst/>
@@ -10991,22 +9792,15 @@
               </a:spcBef>
             </a:pPr>
             <a:r>
-              <a:rPr lang="en-US" sz="1100" b="1">
+              <a:rPr lang="es-ES" sz="1000" b="1" dirty="0">
                 <a:solidFill>
                   <a:srgbClr val="020302"/>
                 </a:solidFill>
                 <a:latin typeface="Adobe Clean" panose="020B0503020404020204" pitchFamily="34" charset="0"/>
                 <a:cs typeface="Adobe Clean"/>
               </a:rPr>
-              <a:t>Escalation Management</a:t>
-            </a:r>
-            <a:endParaRPr lang="en-US" sz="1100">
-              <a:solidFill>
-                <a:prstClr val="black"/>
-              </a:solidFill>
-              <a:latin typeface="Adobe Clean" panose="020B0503020404020204" pitchFamily="34" charset="0"/>
-              <a:cs typeface="Adobe Clean"/>
-            </a:endParaRPr>
+              <a:t>Administración de la escalabilidad</a:t>
+            </a:r>
           </a:p>
         </p:txBody>
       </p:sp>
@@ -11025,7 +9819,7 @@
         <p:spPr>
           <a:xfrm>
             <a:off x="3153726" y="2599639"/>
-            <a:ext cx="2194560" cy="169277"/>
+            <a:ext cx="2194560" cy="153888"/>
           </a:xfrm>
           <a:prstGeom prst="rect">
             <a:avLst/>
@@ -11043,22 +9837,15 @@
               </a:spcBef>
             </a:pPr>
             <a:r>
-              <a:rPr lang="en-US" sz="1100" b="1">
+              <a:rPr lang="es-ES" sz="1000" b="1">
                 <a:solidFill>
                   <a:srgbClr val="020302"/>
                 </a:solidFill>
                 <a:latin typeface="Adobe Clean" panose="020B0503020404020204" pitchFamily="34" charset="0"/>
                 <a:cs typeface="Adobe Clean"/>
               </a:rPr>
-              <a:t>Service Reviews</a:t>
-            </a:r>
-            <a:endParaRPr lang="en-US" sz="1100">
-              <a:solidFill>
-                <a:prstClr val="black"/>
-              </a:solidFill>
-              <a:latin typeface="Adobe Clean" panose="020B0503020404020204" pitchFamily="34" charset="0"/>
-              <a:cs typeface="Adobe Clean"/>
-            </a:endParaRPr>
+              <a:t>Revisiones del servicio</a:t>
+            </a:r>
           </a:p>
         </p:txBody>
       </p:sp>
@@ -11077,7 +9864,7 @@
         <p:spPr>
           <a:xfrm>
             <a:off x="5723508" y="2599639"/>
-            <a:ext cx="2194560" cy="169277"/>
+            <a:ext cx="2194560" cy="153888"/>
           </a:xfrm>
           <a:prstGeom prst="rect">
             <a:avLst/>
@@ -11095,22 +9882,15 @@
               </a:spcBef>
             </a:pPr>
             <a:r>
-              <a:rPr lang="en-US" sz="1100" b="1">
+              <a:rPr lang="es-ES" sz="1000" b="1">
                 <a:solidFill>
                   <a:srgbClr val="020302"/>
                 </a:solidFill>
                 <a:latin typeface="Adobe Clean" panose="020B0503020404020204" pitchFamily="34" charset="0"/>
                 <a:cs typeface="Adobe Clean"/>
               </a:rPr>
-              <a:t>Expert Sessions</a:t>
-            </a:r>
-            <a:endParaRPr lang="en-US" sz="1100">
-              <a:solidFill>
-                <a:prstClr val="black"/>
-              </a:solidFill>
-              <a:latin typeface="Adobe Clean" panose="020B0503020404020204" pitchFamily="34" charset="0"/>
-              <a:cs typeface="Adobe Clean"/>
-            </a:endParaRPr>
+              <a:t>Sesiones de expertos</a:t>
+            </a:r>
           </a:p>
         </p:txBody>
       </p:sp>
@@ -11129,7 +9909,7 @@
         <p:spPr>
           <a:xfrm>
             <a:off x="689237" y="4935181"/>
-            <a:ext cx="2194560" cy="169277"/>
+            <a:ext cx="2194560" cy="153888"/>
           </a:xfrm>
           <a:prstGeom prst="rect">
             <a:avLst/>
@@ -11147,22 +9927,15 @@
               </a:spcBef>
             </a:pPr>
             <a:r>
-              <a:rPr lang="en-US" sz="1100" b="1">
+              <a:rPr lang="es-ES" sz="1000" b="1">
                 <a:solidFill>
                   <a:srgbClr val="020302"/>
                 </a:solidFill>
                 <a:latin typeface="Adobe Clean" panose="020B0503020404020204" pitchFamily="34" charset="0"/>
                 <a:cs typeface="Adobe Clean"/>
               </a:rPr>
-              <a:t>Release Preparation &amp; Review</a:t>
-            </a:r>
-            <a:endParaRPr lang="en-US" sz="1100">
-              <a:solidFill>
-                <a:prstClr val="black"/>
-              </a:solidFill>
-              <a:latin typeface="Adobe Clean" panose="020B0503020404020204" pitchFamily="34" charset="0"/>
-              <a:cs typeface="Adobe Clean"/>
-            </a:endParaRPr>
+              <a:t>Preparación y revisión de la versión</a:t>
+            </a:r>
           </a:p>
         </p:txBody>
       </p:sp>
@@ -11181,7 +9954,7 @@
         <p:spPr>
           <a:xfrm>
             <a:off x="3113405" y="4935181"/>
-            <a:ext cx="2194560" cy="169277"/>
+            <a:ext cx="2194560" cy="153888"/>
           </a:xfrm>
           <a:prstGeom prst="rect">
             <a:avLst/>
@@ -11202,19 +9975,15 @@
               </a:spcBef>
             </a:pPr>
             <a:r>
-              <a:rPr lang="en-US" sz="1100" b="1">
+              <a:rPr lang="es-ES" sz="1000" b="1">
                 <a:solidFill>
                   <a:srgbClr val="020302"/>
                 </a:solidFill>
                 <a:latin typeface="Adobe Clean" panose="020B0503020404020204" pitchFamily="34" charset="0"/>
                 <a:cs typeface="Adobe Clean"/>
               </a:rPr>
-              <a:t>Knowledge Transfer</a:t>
-            </a:r>
-            <a:endParaRPr lang="en-US" sz="1100">
-              <a:latin typeface="Adobe Clean" panose="020B0503020404020204" pitchFamily="34" charset="0"/>
-              <a:cs typeface="Adobe Clean"/>
-            </a:endParaRPr>
+              <a:t>Transferencia de conocimientos</a:t>
+            </a:r>
           </a:p>
         </p:txBody>
       </p:sp>
@@ -11233,7 +10002,7 @@
         <p:spPr>
           <a:xfrm>
             <a:off x="5723508" y="4935181"/>
-            <a:ext cx="2194560" cy="169277"/>
+            <a:ext cx="2194560" cy="153888"/>
           </a:xfrm>
           <a:prstGeom prst="rect">
             <a:avLst/>
@@ -11254,19 +10023,15 @@
               </a:spcBef>
             </a:pPr>
             <a:r>
-              <a:rPr lang="en-US" sz="1100" b="1">
+              <a:rPr lang="es-ES" sz="1000" b="1">
                 <a:solidFill>
                   <a:srgbClr val="020302"/>
                 </a:solidFill>
                 <a:latin typeface="Adobe Clean" panose="020B0503020404020204" pitchFamily="34" charset="0"/>
                 <a:cs typeface="Adobe Clean"/>
               </a:rPr>
-              <a:t>Event Management</a:t>
-            </a:r>
-            <a:endParaRPr lang="en-US" sz="1100">
-              <a:latin typeface="Adobe Clean" panose="020B0503020404020204" pitchFamily="34" charset="0"/>
-              <a:cs typeface="Adobe Clean"/>
-            </a:endParaRPr>
+              <a:t>Gestión de eventos</a:t>
+            </a:r>
           </a:p>
         </p:txBody>
       </p:sp>
@@ -11593,7 +10358,7 @@
         <p:spPr>
           <a:xfrm>
             <a:off x="2764975" y="4039530"/>
-            <a:ext cx="2282011" cy="708399"/>
+            <a:ext cx="2282011" cy="798360"/>
           </a:xfrm>
           <a:prstGeom prst="rect">
             <a:avLst/>
@@ -11614,19 +10379,15 @@
               </a:spcBef>
             </a:pPr>
             <a:r>
-              <a:rPr lang="en-US" sz="1000">
+              <a:rPr lang="es-ES" sz="900" dirty="0">
                 <a:solidFill>
                   <a:srgbClr val="020302"/>
                 </a:solidFill>
                 <a:latin typeface="AdobeClean-Light"/>
                 <a:cs typeface="AdobeClean-Light"/>
               </a:rPr>
-              <a:t>Compare and align Adobe solution  roadmap with your project roadmap to  mitigate risk and prepare for the future.</a:t>
-            </a:r>
-            <a:endParaRPr lang="en-US" sz="1000">
-              <a:latin typeface="AdobeClean-Light"/>
-              <a:cs typeface="AdobeClean-Light"/>
-            </a:endParaRPr>
+              <a:t>Compare y alinee la hoja de ruta de la solución de Adobe con la hoja de ruta de su proyecto para mitigar el riesgo y prepararse para el futuro.</a:t>
+            </a:r>
           </a:p>
           <a:p>
             <a:pPr marL="18415" marR="262255" lvl="0">
@@ -11638,7 +10399,7 @@
               </a:spcBef>
             </a:pPr>
             <a:r>
-              <a:rPr lang="en-US" sz="1000">
+              <a:rPr lang="es-ES" sz="900" dirty="0">
                 <a:solidFill>
                   <a:srgbClr val="020302"/>
                 </a:solidFill>
@@ -11647,13 +10408,6 @@
               </a:rPr>
               <a:t>.</a:t>
             </a:r>
-            <a:endParaRPr lang="en-US" sz="1000">
-              <a:solidFill>
-                <a:prstClr val="black"/>
-              </a:solidFill>
-              <a:latin typeface="AdobeClean-Light"/>
-              <a:cs typeface="AdobeClean-Light"/>
-            </a:endParaRPr>
           </a:p>
         </p:txBody>
       </p:sp>
@@ -11982,8 +10736,8 @@
         </p:nvSpPr>
         <p:spPr>
           <a:xfrm>
-            <a:off x="4843269" y="2329688"/>
-            <a:ext cx="1656080" cy="238760"/>
+            <a:off x="4654292" y="2329688"/>
+            <a:ext cx="2688335" cy="228268"/>
           </a:xfrm>
           <a:prstGeom prst="rect">
             <a:avLst/>
@@ -12004,179 +10758,15 @@
               </a:spcBef>
             </a:pPr>
             <a:r>
-              <a:rPr sz="1400" b="1" spc="-25">
+              <a:rPr lang="es-ES" sz="1400" b="1" dirty="0">
                 <a:solidFill>
                   <a:srgbClr val="020302"/>
                 </a:solidFill>
                 <a:latin typeface="Adobe Clean"/>
                 <a:cs typeface="Adobe Clean"/>
               </a:rPr>
-              <a:t>Fi</a:t>
-            </a:r>
-            <a:r>
-              <a:rPr sz="1400" b="1" spc="-35">
-                <a:solidFill>
-                  <a:srgbClr val="020302"/>
-                </a:solidFill>
-                <a:latin typeface="Adobe Clean"/>
-                <a:cs typeface="Adobe Clean"/>
-              </a:rPr>
-              <a:t>e</a:t>
-            </a:r>
-            <a:r>
-              <a:rPr sz="1400" b="1" spc="-25">
-                <a:solidFill>
-                  <a:srgbClr val="020302"/>
-                </a:solidFill>
-                <a:latin typeface="Adobe Clean"/>
-                <a:cs typeface="Adobe Clean"/>
-              </a:rPr>
-              <a:t>l</a:t>
-            </a:r>
-            <a:r>
-              <a:rPr sz="1400" b="1">
-                <a:solidFill>
-                  <a:srgbClr val="020302"/>
-                </a:solidFill>
-                <a:latin typeface="Adobe Clean"/>
-                <a:cs typeface="Adobe Clean"/>
-              </a:rPr>
-              <a:t>d</a:t>
-            </a:r>
-            <a:r>
-              <a:rPr sz="1400" b="1" spc="-40">
-                <a:solidFill>
-                  <a:srgbClr val="020302"/>
-                </a:solidFill>
-                <a:latin typeface="Adobe Clean"/>
-                <a:cs typeface="Adobe Clean"/>
-              </a:rPr>
-              <a:t> </a:t>
-            </a:r>
-            <a:r>
-              <a:rPr sz="1400" b="1" spc="25">
-                <a:solidFill>
-                  <a:srgbClr val="020302"/>
-                </a:solidFill>
-                <a:latin typeface="Adobe Clean"/>
-                <a:cs typeface="Adobe Clean"/>
-              </a:rPr>
-              <a:t>S</a:t>
-            </a:r>
-            <a:r>
-              <a:rPr sz="1400" b="1" spc="5">
-                <a:solidFill>
-                  <a:srgbClr val="020302"/>
-                </a:solidFill>
-                <a:latin typeface="Adobe Clean"/>
-                <a:cs typeface="Adobe Clean"/>
-              </a:rPr>
-              <a:t>e</a:t>
-            </a:r>
-            <a:r>
-              <a:rPr sz="1400" b="1" spc="15">
-                <a:solidFill>
-                  <a:srgbClr val="020302"/>
-                </a:solidFill>
-                <a:latin typeface="Adobe Clean"/>
-                <a:cs typeface="Adobe Clean"/>
-              </a:rPr>
-              <a:t>rvi</a:t>
-            </a:r>
-            <a:r>
-              <a:rPr sz="1400" b="1" spc="5">
-                <a:solidFill>
-                  <a:srgbClr val="020302"/>
-                </a:solidFill>
-                <a:latin typeface="Adobe Clean"/>
-                <a:cs typeface="Adobe Clean"/>
-              </a:rPr>
-              <a:t>c</a:t>
-            </a:r>
-            <a:r>
-              <a:rPr sz="1400" b="1">
-                <a:solidFill>
-                  <a:srgbClr val="020302"/>
-                </a:solidFill>
-                <a:latin typeface="Adobe Clean"/>
-                <a:cs typeface="Adobe Clean"/>
-              </a:rPr>
-              <a:t>e</a:t>
-            </a:r>
-            <a:r>
-              <a:rPr sz="1400" b="1" spc="-190">
-                <a:solidFill>
-                  <a:srgbClr val="020302"/>
-                </a:solidFill>
-                <a:latin typeface="Adobe Clean"/>
-                <a:cs typeface="Adobe Clean"/>
-              </a:rPr>
-              <a:t> </a:t>
-            </a:r>
-            <a:r>
-              <a:rPr sz="1400" b="1" spc="5">
-                <a:solidFill>
-                  <a:srgbClr val="020302"/>
-                </a:solidFill>
-                <a:latin typeface="Adobe Clean"/>
-                <a:cs typeface="Adobe Clean"/>
-              </a:rPr>
-              <a:t>A</a:t>
-            </a:r>
-            <a:r>
-              <a:rPr sz="1400" b="1" spc="-5">
-                <a:solidFill>
-                  <a:srgbClr val="020302"/>
-                </a:solidFill>
-                <a:latin typeface="Adobe Clean"/>
-                <a:cs typeface="Adobe Clean"/>
-              </a:rPr>
-              <a:t>ct</a:t>
-            </a:r>
-            <a:r>
-              <a:rPr sz="1400" b="1" spc="5">
-                <a:solidFill>
-                  <a:srgbClr val="020302"/>
-                </a:solidFill>
-                <a:latin typeface="Adobe Clean"/>
-                <a:cs typeface="Adobe Clean"/>
-              </a:rPr>
-              <a:t>ivi</a:t>
-            </a:r>
-            <a:r>
-              <a:rPr sz="1400" b="1" spc="-5">
-                <a:solidFill>
-                  <a:srgbClr val="020302"/>
-                </a:solidFill>
-                <a:latin typeface="Adobe Clean"/>
-                <a:cs typeface="Adobe Clean"/>
-              </a:rPr>
-              <a:t>t</a:t>
-            </a:r>
-            <a:r>
-              <a:rPr sz="1400" b="1" spc="5">
-                <a:solidFill>
-                  <a:srgbClr val="020302"/>
-                </a:solidFill>
-                <a:latin typeface="Adobe Clean"/>
-                <a:cs typeface="Adobe Clean"/>
-              </a:rPr>
-              <a:t>i</a:t>
-            </a:r>
-            <a:r>
-              <a:rPr sz="1400" b="1" spc="-5">
-                <a:solidFill>
-                  <a:srgbClr val="020302"/>
-                </a:solidFill>
-                <a:latin typeface="Adobe Clean"/>
-                <a:cs typeface="Adobe Clean"/>
-              </a:rPr>
-              <a:t>es</a:t>
-            </a:r>
-            <a:endParaRPr sz="1400">
-              <a:latin typeface="Adobe Clean"/>
-              <a:cs typeface="Adobe Clean"/>
-            </a:endParaRPr>
+              <a:t>Actividades del servicio de campo</a:t>
+            </a:r>
           </a:p>
         </p:txBody>
       </p:sp>
@@ -12189,7 +10779,7 @@
         <p:spPr>
           <a:xfrm>
             <a:off x="914422" y="2342312"/>
-            <a:ext cx="1242060" cy="238760"/>
+            <a:ext cx="1636006" cy="228268"/>
           </a:xfrm>
           <a:prstGeom prst="rect">
             <a:avLst/>
@@ -12210,96 +10800,39 @@
               </a:spcBef>
             </a:pPr>
             <a:r>
-              <a:rPr sz="1400" b="1" spc="-25">
+              <a:rPr lang="es-ES" sz="1400" b="1" dirty="0" err="1">
                 <a:solidFill>
                   <a:srgbClr val="020302"/>
                 </a:solidFill>
                 <a:latin typeface="Adobe Clean"/>
                 <a:cs typeface="Adobe Clean"/>
               </a:rPr>
-              <a:t>L</a:t>
-            </a:r>
-            <a:r>
-              <a:rPr sz="1400" b="1" spc="-5">
+              <a:t>Launch</a:t>
+            </a:r>
+            <a:r>
+              <a:rPr lang="es-ES" sz="1400" b="1" dirty="0">
                 <a:solidFill>
                   <a:srgbClr val="020302"/>
                 </a:solidFill>
                 <a:latin typeface="Adobe Clean"/>
                 <a:cs typeface="Adobe Clean"/>
               </a:rPr>
-              <a:t>a</a:t>
-            </a:r>
-            <a:r>
-              <a:rPr sz="1400" b="1" spc="-20">
+              <a:t> </a:t>
+            </a:r>
+            <a:r>
+              <a:rPr lang="es-ES" sz="1400" b="1" dirty="0" err="1">
                 <a:solidFill>
                   <a:srgbClr val="020302"/>
                 </a:solidFill>
                 <a:latin typeface="Adobe Clean"/>
                 <a:cs typeface="Adobe Clean"/>
               </a:rPr>
-              <a:t>u</a:t>
-            </a:r>
-            <a:r>
-              <a:rPr sz="1400" b="1" spc="-15">
-                <a:solidFill>
-                  <a:srgbClr val="020302"/>
-                </a:solidFill>
-                <a:latin typeface="Adobe Clean"/>
-                <a:cs typeface="Adobe Clean"/>
-              </a:rPr>
-              <a:t>n</a:t>
-            </a:r>
-            <a:r>
-              <a:rPr sz="1400" b="1" spc="-25">
-                <a:solidFill>
-                  <a:srgbClr val="020302"/>
-                </a:solidFill>
-                <a:latin typeface="Adobe Clean"/>
-                <a:cs typeface="Adobe Clean"/>
-              </a:rPr>
-              <a:t>c</a:t>
-            </a:r>
-            <a:r>
-              <a:rPr sz="1400" b="1">
-                <a:solidFill>
-                  <a:srgbClr val="020302"/>
-                </a:solidFill>
-                <a:latin typeface="Adobe Clean"/>
-                <a:cs typeface="Adobe Clean"/>
-              </a:rPr>
-              <a:t>h</a:t>
-            </a:r>
-            <a:r>
-              <a:rPr sz="1400" b="1" spc="-25">
-                <a:solidFill>
-                  <a:srgbClr val="020302"/>
-                </a:solidFill>
-                <a:latin typeface="Adobe Clean"/>
-                <a:cs typeface="Adobe Clean"/>
-              </a:rPr>
-              <a:t> </a:t>
-            </a:r>
-            <a:r>
-              <a:rPr sz="1400" b="1" spc="-10">
-                <a:solidFill>
-                  <a:srgbClr val="020302"/>
-                </a:solidFill>
-                <a:latin typeface="Adobe Clean"/>
-                <a:cs typeface="Adobe Clean"/>
-              </a:rPr>
-              <a:t>Advisor</a:t>
-            </a:r>
-            <a:r>
-              <a:rPr sz="1400" b="1">
-                <a:solidFill>
-                  <a:srgbClr val="020302"/>
-                </a:solidFill>
-                <a:latin typeface="Adobe Clean"/>
-                <a:cs typeface="Adobe Clean"/>
-              </a:rPr>
-              <a:t>y</a:t>
-            </a:r>
-            <a:endParaRPr sz="1400">
+              <a:t>Advisory</a:t>
+            </a:r>
+            <a:endParaRPr lang="es-ES" sz="1400" b="1" dirty="0">
+              <a:solidFill>
+                <a:srgbClr val="020302"/>
+              </a:solidFill>
               <a:latin typeface="Adobe Clean"/>
               <a:cs typeface="Adobe Clean"/>
             </a:endParaRPr>
@@ -12315,7 +10848,7 @@
         <p:spPr>
           <a:xfrm>
             <a:off x="242187" y="2787904"/>
-            <a:ext cx="3004185" cy="635000"/>
+            <a:ext cx="3357493" cy="628377"/>
           </a:xfrm>
           <a:prstGeom prst="rect">
             <a:avLst/>
@@ -12336,90 +10869,117 @@
               </a:spcBef>
             </a:pPr>
             <a:r>
-              <a:rPr sz="1000">
+              <a:rPr lang="es-ES" sz="1000" dirty="0">
                 <a:solidFill>
                   <a:srgbClr val="1F1F1F"/>
                 </a:solidFill>
                 <a:latin typeface="AdobeClean-Light"/>
                 <a:cs typeface="AdobeClean-Light"/>
               </a:rPr>
-              <a:t>For customers implementing a </a:t>
-            </a:r>
-            <a:r>
-              <a:rPr sz="1000" b="1">
+              <a:t>Para los clientes que piensan implementar una </a:t>
+            </a:r>
+            <a:r>
+              <a:rPr lang="es-ES" sz="1000" b="1" dirty="0">
                 <a:solidFill>
                   <a:srgbClr val="1F1F1F"/>
                 </a:solidFill>
                 <a:latin typeface="Adobe Clean"/>
                 <a:cs typeface="Adobe Clean"/>
               </a:rPr>
-              <a:t>new Adobe Experience Cloud  solution, </a:t>
-            </a:r>
-            <a:r>
-              <a:rPr sz="1000">
+              <a:t>nueva solución de Adobe </a:t>
+            </a:r>
+            <a:r>
+              <a:rPr lang="es-ES" sz="1000" b="1" dirty="0" err="1">
+                <a:solidFill>
+                  <a:srgbClr val="1F1F1F"/>
+                </a:solidFill>
+                <a:latin typeface="Adobe Clean"/>
+                <a:cs typeface="Adobe Clean"/>
+              </a:rPr>
+              <a:t>Experience</a:t>
+            </a:r>
+            <a:r>
+              <a:rPr lang="es-ES" sz="1000" b="1" dirty="0">
+                <a:solidFill>
+                  <a:srgbClr val="1F1F1F"/>
+                </a:solidFill>
+                <a:latin typeface="Adobe Clean"/>
+                <a:cs typeface="Adobe Clean"/>
+              </a:rPr>
+              <a:t> Cloud, </a:t>
+            </a:r>
+            <a:r>
+              <a:rPr lang="es-ES" sz="1000" dirty="0" err="1">
                 <a:latin typeface="AdobeClean-Light"/>
                 <a:cs typeface="AdobeClean-Light"/>
               </a:rPr>
-              <a:t>Launch Advisory </a:t>
-            </a:r>
-            <a:r>
-              <a:rPr sz="1000">
+              <a:t>Launch</a:t>
+            </a:r>
+            <a:r>
+              <a:rPr lang="es-ES" sz="1000" dirty="0">
+                <a:latin typeface="AdobeClean-Light"/>
+                <a:cs typeface="AdobeClean-Light"/>
+              </a:rPr>
+              <a:t> </a:t>
+            </a:r>
+            <a:r>
+              <a:rPr lang="es-ES" sz="1000" dirty="0" err="1">
+                <a:latin typeface="AdobeClean-Light"/>
+                <a:cs typeface="AdobeClean-Light"/>
+              </a:rPr>
+              <a:t>Advisory</a:t>
+            </a:r>
+            <a:r>
+              <a:rPr lang="es-ES" sz="1000" dirty="0">
+                <a:latin typeface="AdobeClean-Light"/>
+                <a:cs typeface="AdobeClean-Light"/>
+              </a:rPr>
+              <a:t> </a:t>
+            </a:r>
+            <a:r>
+              <a:rPr lang="es-ES" sz="1000" dirty="0">
                 <a:latin typeface="AdobeClean-SemiLight"/>
                 <a:cs typeface="AdobeClean-SemiLight"/>
               </a:rPr>
-              <a:t>is a </a:t>
-            </a:r>
-            <a:r>
-              <a:rPr sz="950">
+              <a:t>es un servicio </a:t>
+            </a:r>
+            <a:r>
+              <a:rPr lang="es-ES" sz="950" dirty="0">
                 <a:latin typeface="AdobeClean-SemiLight"/>
                 <a:cs typeface="AdobeClean-SemiLight"/>
               </a:rPr>
-              <a:t>core set of advisory</a:t>
-            </a:r>
-          </a:p>
-          <a:p>
-            <a:pPr marL="12700" marR="86995" indent="-635">
-              <a:lnSpc>
-                <a:spcPct val="100000"/>
-              </a:lnSpc>
-            </a:pPr>
-            <a:r>
-              <a:rPr sz="950">
-                <a:latin typeface="AdobeClean-SemiLight"/>
-                <a:cs typeface="AdobeClean-SemiLight"/>
-              </a:rPr>
-              <a:t>services </a:t>
-            </a:r>
-            <a:r>
-              <a:rPr sz="1000">
+              <a:t>esencial de asesoría cuyas </a:t>
+            </a:r>
+            <a:r>
+              <a:rPr lang="es-ES" sz="1000" dirty="0">
                 <a:latin typeface="AdobeClean-Light"/>
                 <a:cs typeface="AdobeClean-Light"/>
               </a:rPr>
-              <a:t>and recommendations that are proven to </a:t>
-            </a:r>
-            <a:r>
-              <a:rPr sz="950">
+              <a:t>recomendaciones ayudan a </a:t>
+            </a:r>
+            <a:r>
+              <a:rPr lang="es-ES" sz="950" dirty="0">
                 <a:latin typeface="AdobeClean-Light"/>
                 <a:cs typeface="AdobeClean-Light"/>
               </a:rPr>
-              <a:t>support  successful deployments </a:t>
-            </a:r>
-            <a:r>
-              <a:rPr sz="1000">
+              <a:t>conseguir implementaciones adecuadas </a:t>
+            </a:r>
+            <a:r>
+              <a:rPr lang="es-ES" sz="1000" dirty="0">
                 <a:latin typeface="AdobeClean-Light"/>
                 <a:cs typeface="AdobeClean-Light"/>
               </a:rPr>
-              <a:t>and </a:t>
-            </a:r>
-            <a:r>
-              <a:rPr sz="950">
+              <a:t>y </a:t>
+            </a:r>
+            <a:r>
+              <a:rPr lang="es-ES" sz="950" dirty="0">
                 <a:latin typeface="AdobeClean-Light"/>
                 <a:cs typeface="AdobeClean-Light"/>
               </a:rPr>
-              <a:t>accelerate time-to-value</a:t>
-            </a:r>
-            <a:r>
-              <a:rPr sz="1000">
+              <a:t>agilizan la obtención de rentabilidad</a:t>
+            </a:r>
+            <a:r>
+              <a:rPr lang="es-ES" sz="1000" dirty="0">
                 <a:latin typeface="AdobeClean-Light"/>
                 <a:cs typeface="AdobeClean-Light"/>
               </a:rPr>
@@ -12537,79 +11097,131 @@
               </a:spcBef>
             </a:pPr>
             <a:r>
-              <a:rPr sz="1000">
+              <a:rPr lang="es-ES" sz="1000" dirty="0">
                 <a:solidFill>
                   <a:srgbClr val="4B4B4B"/>
                 </a:solidFill>
                 <a:latin typeface="AdobeClean-Light"/>
                 <a:cs typeface="AdobeClean-Light"/>
               </a:rPr>
-              <a:t>Field Services are used for </a:t>
-            </a:r>
-            <a:r>
-              <a:rPr sz="1000" b="1">
+              <a:t>Los servicios de campo se utilizan para</a:t>
+            </a:r>
+            <a:r>
+              <a:rPr lang="es-ES" sz="1000" b="1" dirty="0">
                 <a:solidFill>
                   <a:srgbClr val="4B4B4B"/>
                 </a:solidFill>
                 <a:latin typeface="Adobe Clean"/>
                 <a:cs typeface="Adobe Clean"/>
               </a:rPr>
-              <a:t>quick resolution</a:t>
-            </a:r>
-            <a:r>
-              <a:rPr sz="1000">
+              <a:t> fines de resolución rápida</a:t>
+            </a:r>
+            <a:r>
+              <a:rPr lang="es-ES" sz="1000" dirty="0">
                 <a:solidFill>
                   <a:srgbClr val="4B4B4B"/>
                 </a:solidFill>
                 <a:latin typeface="AdobeClean-Light"/>
                 <a:cs typeface="AdobeClean-Light"/>
               </a:rPr>
-              <a:t>, focused customer success  and accelerated </a:t>
-            </a:r>
-            <a:r>
-              <a:rPr sz="1000" b="1">
+              <a:t>, éxito centrado en el cliente y</a:t>
+            </a:r>
+            <a:r>
+              <a:rPr lang="es-ES" sz="1000" dirty="0">
+                <a:solidFill>
+                  <a:srgbClr val="4B4B4B"/>
+                </a:solidFill>
+              </a:rPr>
+              <a:t> </a:t>
+            </a:r>
+            <a:r>
+              <a:rPr lang="es-ES" sz="1000" b="1" dirty="0">
                 <a:solidFill>
                   <a:srgbClr val="4B4B4B"/>
                 </a:solidFill>
                 <a:latin typeface="Adobe Clean"/>
                 <a:cs typeface="Adobe Clean"/>
               </a:rPr>
-              <a:t>time-to-value</a:t>
-            </a:r>
-            <a:r>
-              <a:rPr sz="1000">
+              <a:t>una obtención de rentabilidad más rápida</a:t>
+            </a:r>
+            <a:r>
+              <a:rPr lang="es-ES" sz="1000" dirty="0">
                 <a:solidFill>
                   <a:srgbClr val="4B4B4B"/>
                 </a:solidFill>
                 <a:latin typeface="AdobeClean-Light"/>
                 <a:cs typeface="AdobeClean-Light"/>
               </a:rPr>
-              <a:t>. If Launch advisory is active there will be  </a:t>
-            </a:r>
-            <a:r>
-              <a:rPr sz="1000" b="1">
+              <a:t>. Si </a:t>
+            </a:r>
+            <a:r>
+              <a:rPr lang="es-ES" sz="1000" dirty="0" err="1">
+                <a:solidFill>
+                  <a:srgbClr val="4B4B4B"/>
+                </a:solidFill>
+                <a:latin typeface="AdobeClean-Light"/>
+                <a:cs typeface="AdobeClean-Light"/>
+              </a:rPr>
+              <a:t>Launch</a:t>
+            </a:r>
+            <a:r>
+              <a:rPr lang="es-ES" sz="1000" dirty="0">
+                <a:solidFill>
+                  <a:srgbClr val="4B4B4B"/>
+                </a:solidFill>
+                <a:latin typeface="AdobeClean-Light"/>
+                <a:cs typeface="AdobeClean-Light"/>
+              </a:rPr>
+              <a:t> </a:t>
+            </a:r>
+            <a:r>
+              <a:rPr lang="es-ES" sz="1000" dirty="0" err="1">
+                <a:solidFill>
+                  <a:srgbClr val="4B4B4B"/>
+                </a:solidFill>
+                <a:latin typeface="AdobeClean-Light"/>
+                <a:cs typeface="AdobeClean-Light"/>
+              </a:rPr>
+              <a:t>Advisory</a:t>
+            </a:r>
+            <a:r>
+              <a:rPr lang="es-ES" sz="1000" dirty="0">
+                <a:solidFill>
+                  <a:srgbClr val="4B4B4B"/>
+                </a:solidFill>
+                <a:latin typeface="AdobeClean-Light"/>
+                <a:cs typeface="AdobeClean-Light"/>
+              </a:rPr>
+              <a:t> está activado,</a:t>
+            </a:r>
+            <a:r>
+              <a:rPr lang="es-ES" sz="1000" dirty="0">
+                <a:solidFill>
+                  <a:srgbClr val="4B4B4B"/>
+                </a:solidFill>
+              </a:rPr>
+              <a:t> </a:t>
+            </a:r>
+            <a:r>
+              <a:rPr lang="es-ES" sz="1000" b="1" dirty="0">
                 <a:solidFill>
                   <a:srgbClr val="4B4B4B"/>
                 </a:solidFill>
                 <a:latin typeface="Adobe Clean"/>
                 <a:cs typeface="Adobe Clean"/>
               </a:rPr>
-              <a:t>no Field Services in year 1 </a:t>
-            </a:r>
-            <a:r>
-              <a:rPr sz="1000">
+              <a:t>no habrá ningún servicio de campo en el año 1</a:t>
+            </a:r>
+            <a:r>
+              <a:rPr lang="es-ES" sz="1000" dirty="0">
                 <a:solidFill>
                   <a:srgbClr val="4B4B4B"/>
                 </a:solidFill>
                 <a:latin typeface="AdobeClean-Light"/>
                 <a:cs typeface="AdobeClean-Light"/>
               </a:rPr>
-              <a:t>for any solution product covered by a  Support contract.</a:t>
-            </a:r>
-            <a:endParaRPr sz="1000">
-              <a:latin typeface="AdobeClean-Light"/>
-              <a:cs typeface="AdobeClean-Light"/>
-            </a:endParaRPr>
+              <a:t> para ningún producto de solución cubierto por un contrato de soporte de Adobe.</a:t>
+            </a:r>
           </a:p>
         </p:txBody>
       </p:sp>
@@ -12705,7 +11317,7 @@
         </p:nvSpPr>
         <p:spPr>
           <a:xfrm>
-            <a:off x="263464" y="5348732"/>
+            <a:off x="263464" y="5306060"/>
             <a:ext cx="3114040" cy="482600"/>
           </a:xfrm>
           <a:prstGeom prst="rect">
@@ -12727,11 +11339,32 @@
               </a:spcBef>
             </a:pPr>
             <a:r>
-              <a:rPr sz="1000">
+              <a:rPr lang="es-ES" sz="1000" dirty="0" err="1">
                 <a:latin typeface="AdobeClean-Light"/>
                 <a:cs typeface="AdobeClean-Light"/>
               </a:rPr>
-              <a:t>Launch Advisory will align with your project schedule through  common milestones (Kickoff, Define, Design, Go-live and Post  Launch) to guide, validate, assess and make recommendations.</a:t>
+              <a:t>Launch</a:t>
+            </a:r>
+            <a:r>
+              <a:rPr lang="es-ES" sz="1000" dirty="0">
+                <a:latin typeface="AdobeClean-Light"/>
+                <a:cs typeface="AdobeClean-Light"/>
+              </a:rPr>
+              <a:t> </a:t>
+            </a:r>
+            <a:r>
+              <a:rPr lang="es-ES" sz="1000" dirty="0" err="1">
+                <a:latin typeface="AdobeClean-Light"/>
+                <a:cs typeface="AdobeClean-Light"/>
+              </a:rPr>
+              <a:t>Advisory</a:t>
+            </a:r>
+            <a:r>
+              <a:rPr lang="es-ES" sz="1000" dirty="0">
+                <a:latin typeface="AdobeClean-Light"/>
+                <a:cs typeface="AdobeClean-Light"/>
+              </a:rPr>
+              <a:t> se alineará con la programación de su proyecto a través de hitos comunes (inicio, definición, diseño, lanzamiento y lanzamiento posterior) para guiar, validar, evaluar y hacer recomendaciones.</a:t>
             </a:r>
           </a:p>
         </p:txBody>
@@ -12744,8 +11377,8 @@
         </p:nvSpPr>
         <p:spPr>
           <a:xfrm>
-            <a:off x="263464" y="5982715"/>
-            <a:ext cx="1247140" cy="166712"/>
+            <a:off x="263464" y="5940043"/>
+            <a:ext cx="1554480" cy="166712"/>
           </a:xfrm>
           <a:prstGeom prst="rect">
             <a:avLst/>
@@ -12766,11 +11399,11 @@
               </a:spcBef>
             </a:pPr>
             <a:r>
-              <a:rPr sz="1000">
+              <a:rPr lang="es-ES" sz="1000" dirty="0">
                 <a:latin typeface="AdobeClean-Light"/>
                 <a:cs typeface="AdobeClean-Light"/>
               </a:rPr>
-              <a:t>Key Deliverables include:</a:t>
+              <a:t>Entre los entregables clave se incluyen:</a:t>
             </a:r>
           </a:p>
         </p:txBody>
@@ -12783,7 +11416,7 @@
         </p:nvSpPr>
         <p:spPr>
           <a:xfrm>
-            <a:off x="205422" y="6308299"/>
+            <a:off x="205422" y="6265627"/>
             <a:ext cx="2745105" cy="592470"/>
           </a:xfrm>
           <a:prstGeom prst="rect">
@@ -12804,12 +11437,12 @@
               <a:buChar char="•"/>
             </a:pPr>
             <a:r>
-              <a:rPr lang="en-US" sz="1000">
+              <a:rPr lang="es-ES" sz="1000">
                 <a:solidFill>
                   <a:prstClr val="black"/>
                 </a:solidFill>
               </a:rPr>
-              <a:t>Kickoff (including project collaboration plan) deck</a:t>
+              <a:t>Plan de lanzamiento (incluido el plan de colaboración del proyecto)</a:t>
             </a:r>
           </a:p>
           <a:p>
@@ -12821,12 +11454,12 @@
               <a:buChar char="•"/>
             </a:pPr>
             <a:r>
-              <a:rPr lang="en-US" sz="1000">
+              <a:rPr lang="es-ES" sz="1000">
                 <a:solidFill>
                   <a:prstClr val="black"/>
                 </a:solidFill>
               </a:rPr>
-              <a:t>Assessment &amp; recommendations document(s)</a:t>
+              <a:t>Documentos de evaluación y recomendaciones</a:t>
             </a:r>
           </a:p>
           <a:p>
@@ -12838,12 +11471,12 @@
               <a:buChar char="•"/>
             </a:pPr>
             <a:r>
-              <a:rPr lang="en-US" sz="1000">
+              <a:rPr lang="es-ES" sz="1000">
                 <a:solidFill>
                   <a:prstClr val="black"/>
                 </a:solidFill>
               </a:rPr>
-              <a:t>Engagement summary</a:t>
+              <a:t>Resumen de la participación</a:t>
             </a:r>
           </a:p>
         </p:txBody>
@@ -12857,7 +11490,7 @@
         <p:spPr>
           <a:xfrm>
             <a:off x="263464" y="4126991"/>
-            <a:ext cx="3141980" cy="1070610"/>
+            <a:ext cx="3520546" cy="1070610"/>
           </a:xfrm>
           <a:prstGeom prst="rect">
             <a:avLst/>
@@ -12878,19 +11511,15 @@
               </a:spcBef>
             </a:pPr>
             <a:r>
-              <a:rPr sz="1600">
+              <a:rPr lang="es-ES" sz="1600" dirty="0">
                 <a:solidFill>
                   <a:srgbClr val="FFFFFF"/>
                 </a:solidFill>
                 <a:latin typeface="Arial"/>
                 <a:cs typeface="Arial"/>
               </a:rPr>
-              <a:t>Implementation</a:t>
-            </a:r>
-            <a:endParaRPr sz="1600">
-              <a:latin typeface="Arial"/>
-              <a:cs typeface="Arial"/>
-            </a:endParaRPr>
+              <a:t>Implementación</a:t>
+            </a:r>
           </a:p>
           <a:p>
             <a:pPr marL="12700" marR="5080">
@@ -12902,32 +11531,39 @@
               </a:spcBef>
             </a:pPr>
             <a:r>
-              <a:rPr sz="1000">
+              <a:rPr lang="es-ES" sz="1000" dirty="0">
                 <a:latin typeface="AdobeClean-Light"/>
                 <a:cs typeface="AdobeClean-Light"/>
               </a:rPr>
-              <a:t>Adobe solution experts help validate requirements, architecture,  development process, and launch readiness reviews </a:t>
-            </a:r>
-            <a:r>
-              <a:rPr sz="1000">
+              <a:t>Los expertos en soluciones de Adobe ayudan a validar los requisitos, la arquitectura, el proceso de desarrollo y las revisiones de la preparación de los lanzamientos </a:t>
+            </a:r>
+            <a:r>
+              <a:rPr lang="es-ES" sz="1000" dirty="0" err="1">
                 <a:latin typeface="AdobeClean-SemiLight"/>
                 <a:cs typeface="AdobeClean-SemiLight"/>
               </a:rPr>
-              <a:t>with </a:t>
-            </a:r>
-            <a:r>
-              <a:rPr sz="950">
+              <a:t>con</a:t>
+            </a:r>
+            <a:r>
+              <a:rPr lang="es-ES" sz="950" dirty="0" err="1">
                 <a:latin typeface="AdobeClean-SemiLight"/>
                 <a:cs typeface="AdobeClean-SemiLight"/>
               </a:rPr>
-              <a:t>best  practice-based guidance </a:t>
-            </a:r>
-            <a:r>
-              <a:rPr sz="1000">
+              <a:t>directrices</a:t>
+            </a:r>
+            <a:r>
+              <a:rPr lang="es-ES" sz="950" dirty="0">
                 <a:latin typeface="AdobeClean-SemiLight"/>
                 <a:cs typeface="AdobeClean-SemiLight"/>
               </a:rPr>
-              <a:t>to customers and implementation  partners.</a:t>
+              <a:t> basadas en prácticas recomendadas</a:t>
+            </a:r>
+            <a:r>
+              <a:rPr lang="es-ES" sz="1000" dirty="0">
+                <a:latin typeface="AdobeClean-SemiLight"/>
+                <a:cs typeface="AdobeClean-SemiLight"/>
+              </a:rPr>
+              <a:t> para los clientes y los socios de implementación.</a:t>
             </a:r>
           </a:p>
         </p:txBody>
@@ -12939,15 +11575,20 @@
           <p:nvPr/>
         </p:nvPicPr>
         <p:blipFill>
-          <a:blip r:embed="rId3" cstate="print"/>
-          <a:stretch>
-            <a:fillRect/>
-          </a:stretch>
+          <a:blip r:embed="rId3" cstate="print">
+            <a:extLst>
+              <a:ext uri="{28A0092B-C50C-407E-A947-70E740481C1C}">
+                <a14:useLocalDpi xmlns:a14="http://schemas.microsoft.com/office/drawing/2010/main" val="0"/>
+              </a:ext>
+            </a:extLst>
+          </a:blip>
+          <a:srcRect/>
+          <a:stretch/>
         </p:blipFill>
         <p:spPr>
           <a:xfrm>
-            <a:off x="363328" y="6930985"/>
-            <a:ext cx="3053821" cy="2818913"/>
+            <a:off x="363328" y="7028522"/>
+            <a:ext cx="3053821" cy="2818911"/>
           </a:xfrm>
           <a:prstGeom prst="rect">
             <a:avLst/>
@@ -12962,8 +11603,8 @@
         </p:nvSpPr>
         <p:spPr>
           <a:xfrm>
-            <a:off x="3947346" y="5363972"/>
-            <a:ext cx="3335020" cy="659765"/>
+            <a:off x="3947346" y="5321300"/>
+            <a:ext cx="3684846" cy="806183"/>
           </a:xfrm>
           <a:prstGeom prst="rect">
             <a:avLst/>
@@ -12984,30 +11625,19 @@
               </a:spcBef>
             </a:pPr>
             <a:r>
-              <a:rPr sz="1000" b="1">
+              <a:rPr lang="es-ES" sz="1000" b="1" dirty="0">
                 <a:latin typeface="Arial"/>
                 <a:cs typeface="Arial"/>
               </a:rPr>
-              <a:t>Technical Track Activities </a:t>
-            </a:r>
-            <a:r>
-              <a:rPr sz="1000">
+              <a:t>Las actividades de seguimiento técnicas</a:t>
+            </a:r>
+            <a:r>
+              <a:rPr lang="es-ES" sz="1000" dirty="0">
                 <a:latin typeface="AdobeClean-Light"/>
                 <a:cs typeface="AdobeClean-Light"/>
               </a:rPr>
-              <a:t>ensure customers are technically sound  and maximizing their tool adoption. Specifically, these types of  activities include support and recommendations related to platform  configurations, integrations and troubleshooting</a:t>
-            </a:r>
-            <a:r>
-              <a:rPr lang="en-US" sz="1000">
-                <a:latin typeface="AdobeClean-Light"/>
-                <a:cs typeface="AdobeClean-Light"/>
-              </a:rPr>
-              <a:t>.</a:t>
-            </a:r>
-            <a:endParaRPr sz="1000">
-              <a:latin typeface="AdobeClean-Light"/>
-              <a:cs typeface="AdobeClean-Light"/>
-            </a:endParaRPr>
+              <a:t> garantizan que los clientes estén técnicamente implementados y maximicen la adopción de sus herramientas. Específicamente, estos tipos de actividades incluyen soporte y recomendaciones relacionadas con configuraciones de plataforma, integraciones y resolución de problemas.</a:t>
+            </a:r>
           </a:p>
         </p:txBody>
       </p:sp>
@@ -13019,8 +11649,8 @@
         </p:nvSpPr>
         <p:spPr>
           <a:xfrm>
-            <a:off x="3947346" y="6174740"/>
-            <a:ext cx="2099310" cy="1436291"/>
+            <a:off x="3947346" y="6132068"/>
+            <a:ext cx="2453454" cy="1436291"/>
           </a:xfrm>
           <a:prstGeom prst="rect">
             <a:avLst/>
@@ -13041,11 +11671,11 @@
               </a:spcBef>
             </a:pPr>
             <a:r>
-              <a:rPr sz="1000">
+              <a:rPr lang="es-ES" sz="1000" dirty="0">
                 <a:latin typeface="AdobeClean-Light"/>
                 <a:cs typeface="AdobeClean-Light"/>
               </a:rPr>
-              <a:t>Types of technical activities available::</a:t>
+              <a:t>Tipos de actividades técnicas disponibles:</a:t>
             </a:r>
           </a:p>
           <a:p>
@@ -13060,12 +11690,12 @@
               <a:buChar char="ü"/>
             </a:pPr>
             <a:r>
-              <a:rPr lang="en-US" sz="1000">
+              <a:rPr lang="es-ES" sz="1000" dirty="0">
                 <a:solidFill>
                   <a:prstClr val="black"/>
                 </a:solidFill>
               </a:rPr>
-              <a:t>Health audit</a:t>
+              <a:t>Auditoría de estado</a:t>
             </a:r>
           </a:p>
           <a:p>
@@ -13080,12 +11710,12 @@
               <a:buChar char="ü"/>
             </a:pPr>
             <a:r>
-              <a:rPr lang="en-US" sz="1000">
+              <a:rPr lang="es-ES" sz="1000" dirty="0">
                 <a:solidFill>
                   <a:prstClr val="black"/>
                 </a:solidFill>
               </a:rPr>
-              <a:t>Platform audit</a:t>
+              <a:t>Auditoría de plataforma</a:t>
             </a:r>
           </a:p>
           <a:p>
@@ -13100,12 +11730,12 @@
               <a:buChar char="ü"/>
             </a:pPr>
             <a:r>
-              <a:rPr lang="en-US" sz="1000">
+              <a:rPr lang="es-ES" sz="1000" dirty="0">
                 <a:solidFill>
                   <a:prstClr val="black"/>
                 </a:solidFill>
               </a:rPr>
-              <a:t>Feature set enablement</a:t>
+              <a:t>Habilitación del conjunto de funciones</a:t>
             </a:r>
           </a:p>
           <a:p>
@@ -13120,12 +11750,12 @@
               <a:buChar char="ü"/>
             </a:pPr>
             <a:r>
-              <a:rPr lang="en-US" sz="1000">
+              <a:rPr lang="es-ES" sz="1000" dirty="0">
                 <a:solidFill>
                   <a:prstClr val="black"/>
                 </a:solidFill>
               </a:rPr>
-              <a:t>Basic integrations and configurations</a:t>
+              <a:t>Integraciones y configuraciones básicas</a:t>
             </a:r>
           </a:p>
           <a:p>
@@ -13140,12 +11770,12 @@
               <a:buChar char="ü"/>
             </a:pPr>
             <a:r>
-              <a:rPr lang="en-US" sz="1000">
+              <a:rPr lang="es-ES" sz="1000" dirty="0">
                 <a:solidFill>
                   <a:prstClr val="black"/>
                 </a:solidFill>
               </a:rPr>
-              <a:t>Customer solution troubleshooting</a:t>
+              <a:t>Solución de problemas del cliente</a:t>
             </a:r>
           </a:p>
           <a:p>
@@ -13160,12 +11790,12 @@
               <a:buChar char="ü"/>
             </a:pPr>
             <a:r>
-              <a:rPr lang="en-US" sz="1000">
+              <a:rPr lang="es-ES" sz="1000" dirty="0">
                 <a:solidFill>
                   <a:prstClr val="black"/>
                 </a:solidFill>
               </a:rPr>
-              <a:t>Cloud service support</a:t>
+              <a:t>Soporte del servicio en la nube</a:t>
             </a:r>
           </a:p>
         </p:txBody>
@@ -13178,7 +11808,7 @@
         </p:nvSpPr>
         <p:spPr>
           <a:xfrm>
-            <a:off x="3942774" y="7717028"/>
+            <a:off x="3942774" y="7674356"/>
             <a:ext cx="3208655" cy="1989006"/>
           </a:xfrm>
           <a:prstGeom prst="rect">
@@ -13200,18 +11830,18 @@
               </a:spcBef>
             </a:pPr>
             <a:r>
-              <a:rPr sz="1000" b="1">
+              <a:rPr lang="es-ES" sz="1000" b="1">
                 <a:latin typeface="Arial"/>
                 <a:cs typeface="Arial"/>
               </a:rPr>
-              <a:t>Strategic Track Activities </a:t>
-            </a:r>
-            <a:r>
-              <a:rPr sz="1000">
+              <a:t>Las actividades de seguimiento estratégicas</a:t>
+            </a:r>
+            <a:r>
+              <a:rPr lang="es-ES" sz="1000">
                 <a:latin typeface="AdobeClean-Light"/>
                 <a:cs typeface="AdobeClean-Light"/>
               </a:rPr>
-              <a:t>locate opportunities to ensure value is  being realized from a customer’s Adobe solutions. They include  support recommendations related to strategy, measurement and  maturity to drive value realization across one or more Adobe  solutions.</a:t>
+              <a:t> localizan oportunidades para garantizar que las soluciones de Adobe de un cliente estén obteniendo valor. Incluyen recomendaciones de soporte relacionadas con la estrategia, la medición y la madurez para impulsar la realización de valor en una o más soluciones de Adobe.</a:t>
             </a:r>
           </a:p>
           <a:p>
@@ -13235,11 +11865,11 @@
               </a:lnSpc>
             </a:pPr>
             <a:r>
-              <a:rPr sz="1000">
+              <a:rPr lang="es-ES" sz="1000">
                 <a:latin typeface="AdobeClean-Light"/>
                 <a:cs typeface="AdobeClean-Light"/>
               </a:rPr>
-              <a:t>Types of strategic activities available::</a:t>
+              <a:t>Tipos de actividades estratégicas disponibles:</a:t>
             </a:r>
           </a:p>
           <a:p>
@@ -13254,12 +11884,12 @@
               <a:buChar char="ü"/>
             </a:pPr>
             <a:r>
-              <a:rPr lang="en-US" sz="1000">
+              <a:rPr lang="es-ES" sz="1000">
                 <a:solidFill>
                   <a:prstClr val="black"/>
                 </a:solidFill>
               </a:rPr>
-              <a:t>Maturity Roadmap</a:t>
+              <a:t>Plan de madurez</a:t>
             </a:r>
           </a:p>
           <a:p>
@@ -13274,12 +11904,12 @@
               <a:buChar char="ü"/>
             </a:pPr>
             <a:r>
-              <a:rPr lang="en-US" sz="1000">
+              <a:rPr lang="es-ES" sz="1000">
                 <a:solidFill>
                   <a:prstClr val="black"/>
                 </a:solidFill>
               </a:rPr>
-              <a:t>Use case development/measurement</a:t>
+              <a:t>Medición y desarrollo de casos de uso</a:t>
             </a:r>
           </a:p>
           <a:p>
@@ -13294,12 +11924,12 @@
               <a:buChar char="ü"/>
             </a:pPr>
             <a:r>
-              <a:rPr lang="en-US" sz="1000">
+              <a:rPr lang="es-ES" sz="1000">
                 <a:solidFill>
                   <a:prstClr val="black"/>
                 </a:solidFill>
               </a:rPr>
-              <a:t>Reporting &amp; analysis</a:t>
+              <a:t>Informes y análisis</a:t>
             </a:r>
           </a:p>
           <a:p>
@@ -13314,12 +11944,12 @@
               <a:buChar char="ü"/>
             </a:pPr>
             <a:r>
-              <a:rPr lang="en-US" sz="1000">
+              <a:rPr lang="es-ES" sz="1000">
                 <a:solidFill>
                   <a:prstClr val="black"/>
                 </a:solidFill>
               </a:rPr>
-              <a:t>Best practices enablement</a:t>
+              <a:t>Habilitación de prácticas recomendadas</a:t>
             </a:r>
           </a:p>
         </p:txBody>
@@ -13354,19 +11984,15 @@
               </a:spcBef>
             </a:pPr>
             <a:r>
-              <a:rPr sz="1600">
+              <a:rPr lang="es-ES" sz="1600">
                 <a:solidFill>
                   <a:srgbClr val="FFFFFF"/>
                 </a:solidFill>
                 <a:latin typeface="Arial"/>
                 <a:cs typeface="Arial"/>
               </a:rPr>
-              <a:t>Run &amp; Operate</a:t>
-            </a:r>
-            <a:endParaRPr sz="1600">
-              <a:latin typeface="Arial"/>
-              <a:cs typeface="Arial"/>
-            </a:endParaRPr>
+              <a:t>Ejecutar y operar</a:t>
+            </a:r>
           </a:p>
           <a:p>
             <a:pPr marL="12700">
@@ -13375,57 +12001,17 @@
               </a:spcBef>
             </a:pPr>
             <a:r>
-              <a:rPr sz="1000">
+              <a:rPr lang="es-ES" sz="1000">
                 <a:solidFill>
                   <a:srgbClr val="1F1F1F"/>
                 </a:solidFill>
                 <a:latin typeface="Adobe Clean"/>
                 <a:cs typeface="Adobe Clean"/>
               </a:rPr>
-              <a:t>As an </a:t>
-            </a:r>
-            <a:r>
-              <a:rPr lang="en-US" sz="1000">
-                <a:solidFill>
-                  <a:srgbClr val="1F1F1F"/>
-                </a:solidFill>
-                <a:latin typeface="Adobe Clean"/>
-                <a:cs typeface="Adobe Clean"/>
-              </a:rPr>
-              <a:t>Elite</a:t>
-            </a:r>
-            <a:r>
-              <a:rPr sz="1000">
-                <a:solidFill>
-                  <a:srgbClr val="1F1F1F"/>
-                </a:solidFill>
-                <a:latin typeface="Adobe Clean"/>
-                <a:cs typeface="Adobe Clean"/>
-              </a:rPr>
-              <a:t> customer, you are</a:t>
-            </a:r>
-            <a:r>
-              <a:rPr lang="en-US" sz="1000">
-                <a:solidFill>
-                  <a:srgbClr val="1F1F1F"/>
-                </a:solidFill>
-                <a:latin typeface="Adobe Clean"/>
-                <a:cs typeface="Adobe Clean"/>
-              </a:rPr>
-              <a:t> </a:t>
-            </a:r>
-            <a:r>
-              <a:rPr sz="1000">
-                <a:solidFill>
-                  <a:srgbClr val="1F1F1F"/>
-                </a:solidFill>
-                <a:latin typeface="Adobe Clean"/>
-                <a:cs typeface="Adobe Clean"/>
-              </a:rPr>
-              <a:t> eligible for</a:t>
-            </a:r>
-            <a:r>
-              <a:rPr lang="en-US" sz="1200">
+              <a:t>Como cliente Elite, puede optar a </a:t>
+            </a:r>
+            <a:r>
+              <a:rPr lang="es-ES" sz="1200">
                 <a:solidFill>
                   <a:srgbClr val="1F1F1F"/>
                 </a:solidFill>
@@ -13440,7 +12026,7 @@
               <a:t> </a:t>
             </a:r>
             <a:r>
-              <a:rPr lang="en-US" sz="1200" u="sng">
+              <a:rPr lang="es-ES" sz="1200" u="sng">
                 <a:solidFill>
                   <a:srgbClr val="1F1F1F"/>
                 </a:solidFill>
@@ -13455,7 +12041,7 @@
               <a:t>4</a:t>
             </a:r>
             <a:r>
-              <a:rPr sz="1200" b="1">
+              <a:rPr lang="es-ES" sz="1200" b="1">
                 <a:solidFill>
                   <a:srgbClr val="1F1F1F"/>
                 </a:solidFill>
@@ -13465,77 +12051,67 @@
               <a:t> </a:t>
             </a:r>
             <a:r>
-              <a:rPr sz="1000" b="1">
+              <a:rPr lang="es-ES" sz="1000" b="1">
                 <a:solidFill>
                   <a:srgbClr val="1F1F1F"/>
                 </a:solidFill>
                 <a:latin typeface="Arial"/>
                 <a:cs typeface="Arial"/>
               </a:rPr>
-              <a:t>activities per </a:t>
-            </a:r>
-            <a:r>
-              <a:rPr lang="en-US" sz="1000" b="1">
+              <a:t>actividades al año </a:t>
+            </a:r>
+            <a:r>
+              <a:rPr lang="es-ES" sz="1000">
+                <a:solidFill>
+                  <a:srgbClr val="1F1F1F"/>
+                </a:solidFill>
+                <a:latin typeface="Adobe Clean"/>
+                <a:cs typeface="Arial"/>
+              </a:rPr>
+              <a:t>en</a:t>
+            </a:r>
+            <a:r>
+              <a:rPr lang="es-ES" sz="1000">
+                <a:solidFill>
+                  <a:srgbClr val="1F1F1F"/>
+                </a:solidFill>
+                <a:latin typeface="Adobe Clean"/>
+                <a:cs typeface="Adobe Clean"/>
+              </a:rPr>
+              <a:t> los dos ámbitos siguientes: </a:t>
+            </a:r>
+            <a:r>
+              <a:rPr lang="es-ES" sz="1000" b="1">
                 <a:solidFill>
                   <a:srgbClr val="1F1F1F"/>
                 </a:solidFill>
                 <a:latin typeface="Arial"/>
                 <a:cs typeface="Arial"/>
               </a:rPr>
-              <a:t>year </a:t>
-            </a:r>
-            <a:r>
-              <a:rPr lang="en-US" sz="1000">
-                <a:solidFill>
-                  <a:srgbClr val="1F1F1F"/>
-                </a:solidFill>
-                <a:latin typeface="Adobe Clean"/>
-                <a:cs typeface="Arial"/>
-              </a:rPr>
-              <a:t>from</a:t>
-            </a:r>
-            <a:r>
-              <a:rPr sz="1000">
+              <a:t>Técnico </a:t>
+            </a:r>
+            <a:r>
+              <a:rPr lang="es-ES" sz="1000">
                 <a:solidFill>
                   <a:srgbClr val="1F1F1F"/>
                 </a:solidFill>
                 <a:latin typeface="Adobe Clean"/>
                 <a:cs typeface="Adobe Clean"/>
               </a:rPr>
-              <a:t> the following two tracks: </a:t>
-            </a:r>
-            <a:r>
-              <a:rPr sz="1000" b="1">
+              <a:t>o </a:t>
+            </a:r>
+            <a:r>
+              <a:rPr lang="es-ES" sz="1000" b="1">
                 <a:solidFill>
                   <a:srgbClr val="1F1F1F"/>
                 </a:solidFill>
                 <a:latin typeface="Arial"/>
                 <a:cs typeface="Arial"/>
               </a:rPr>
-              <a:t>Technical </a:t>
-            </a:r>
-            <a:r>
-              <a:rPr sz="1000">
-                <a:solidFill>
-                  <a:srgbClr val="1F1F1F"/>
-                </a:solidFill>
-                <a:latin typeface="Adobe Clean"/>
-                <a:cs typeface="Adobe Clean"/>
-              </a:rPr>
-              <a:t>and/or </a:t>
-            </a:r>
-            <a:r>
-              <a:rPr sz="1000" b="1">
-                <a:solidFill>
-                  <a:srgbClr val="1F1F1F"/>
-                </a:solidFill>
-                <a:latin typeface="Arial"/>
-                <a:cs typeface="Arial"/>
-              </a:rPr>
-              <a:t>Strategic</a:t>
-            </a:r>
-            <a:r>
-              <a:rPr lang="en-US" sz="1000" b="1">
+              <a:t>Estratégico</a:t>
+            </a:r>
+            <a:r>
+              <a:rPr lang="es-ES" sz="1000" b="1">
                 <a:solidFill>
                   <a:srgbClr val="1F1F1F"/>
                 </a:solidFill>
@@ -13544,10 +12120,6 @@
               </a:rPr>
               <a:t>.</a:t>
             </a:r>
-            <a:endParaRPr sz="1000">
-              <a:latin typeface="AdobeClean-Light"/>
-              <a:cs typeface="AdobeClean-Light"/>
-            </a:endParaRPr>
           </a:p>
         </p:txBody>
       </p:sp>
@@ -13560,7 +12132,7 @@
         <p:spPr>
           <a:xfrm>
             <a:off x="923023" y="538480"/>
-            <a:ext cx="2323349" cy="228268"/>
+            <a:ext cx="3538215" cy="228268"/>
           </a:xfrm>
           <a:prstGeom prst="rect">
             <a:avLst/>
@@ -13581,69 +12153,15 @@
               </a:spcBef>
             </a:pPr>
             <a:r>
-              <a:rPr sz="1400" b="1" spc="-15">
+              <a:rPr lang="es-ES" sz="1400" b="1" dirty="0">
                 <a:solidFill>
                   <a:srgbClr val="020302"/>
                 </a:solidFill>
                 <a:latin typeface="Adobe Clean"/>
                 <a:cs typeface="Adobe Clean"/>
               </a:rPr>
-              <a:t>Cloud</a:t>
-            </a:r>
-            <a:r>
-              <a:rPr sz="1400" b="1" spc="-45">
-                <a:solidFill>
-                  <a:srgbClr val="020302"/>
-                </a:solidFill>
-                <a:latin typeface="Adobe Clean"/>
-                <a:cs typeface="Adobe Clean"/>
-              </a:rPr>
-              <a:t> </a:t>
-            </a:r>
-            <a:r>
-              <a:rPr sz="1400" b="1" spc="-15">
-                <a:solidFill>
-                  <a:srgbClr val="020302"/>
-                </a:solidFill>
-                <a:latin typeface="Adobe Clean"/>
-                <a:cs typeface="Adobe Clean"/>
-              </a:rPr>
-              <a:t>Support</a:t>
-            </a:r>
-            <a:r>
-              <a:rPr sz="1400" b="1" spc="-50">
-                <a:solidFill>
-                  <a:srgbClr val="020302"/>
-                </a:solidFill>
-                <a:latin typeface="Adobe Clean"/>
-                <a:cs typeface="Adobe Clean"/>
-              </a:rPr>
-              <a:t> </a:t>
-            </a:r>
-            <a:r>
-              <a:rPr sz="1400" b="1" spc="-15">
-                <a:solidFill>
-                  <a:srgbClr val="020302"/>
-                </a:solidFill>
-                <a:latin typeface="Adobe Clean"/>
-                <a:cs typeface="Adobe Clean"/>
-              </a:rPr>
-              <a:t>Activities</a:t>
-            </a:r>
-            <a:r>
-              <a:rPr lang="en-US" sz="1400" b="1" spc="-15">
-                <a:solidFill>
-                  <a:srgbClr val="020302"/>
-                </a:solidFill>
-                <a:latin typeface="Adobe Clean"/>
-                <a:cs typeface="Adobe Clean"/>
-              </a:rPr>
-              <a:t> - AEM</a:t>
-            </a:r>
-            <a:endParaRPr sz="1400">
-              <a:latin typeface="Adobe Clean"/>
-              <a:cs typeface="Adobe Clean"/>
-            </a:endParaRPr>
+              <a:t>Actividades de soporte en la nube - AEM</a:t>
+            </a:r>
           </a:p>
         </p:txBody>
       </p:sp>
@@ -13759,6 +12277,10 @@
           </p:nvPr>
         </p:nvSpPr>
         <p:spPr>
+          <a:xfrm>
+            <a:off x="97786" y="9861194"/>
+            <a:ext cx="2377440" cy="149859"/>
+          </a:xfrm>
           <a:prstGeom prst="rect">
             <a:avLst/>
           </a:prstGeom>
@@ -13778,36 +12300,40 @@
               </a:spcBef>
             </a:pPr>
             <a:r>
-              <a:rPr spc="-5"/>
-              <a:t>©2021 Adobe. All</a:t>
-            </a:r>
-            <a:r>
-              <a:rPr spc="-15"/>
-              <a:t> Rights</a:t>
-            </a:r>
-            <a:r>
-              <a:rPr spc="-10"/>
+              <a:rPr lang="es-ES" dirty="0"/>
+              <a:t>©2021 Adobe. </a:t>
+            </a:r>
+            <a:r>
+              <a:rPr lang="es-ES" dirty="0" err="1"/>
+              <a:t>All</a:t>
+            </a:r>
+            <a:r>
+              <a:rPr lang="es-ES" dirty="0"/>
               <a:t> </a:t>
             </a:r>
             <a:r>
-              <a:rPr spc="-15"/>
-              <a:t>Reserved.</a:t>
-            </a:r>
-            <a:r>
-              <a:rPr spc="-10"/>
+              <a:rPr lang="es-ES" dirty="0" err="1"/>
+              <a:t>Rights</a:t>
+            </a:r>
+            <a:r>
+              <a:rPr lang="es-ES" dirty="0"/>
               <a:t> </a:t>
             </a:r>
             <a:r>
-              <a:rPr spc="-5"/>
-              <a:t>Adobe</a:t>
-            </a:r>
-            <a:r>
-              <a:rPr spc="60"/>
-              <a:t> </a:t>
-            </a:r>
-            <a:r>
-              <a:rPr spc="-15"/>
-              <a:t>Confidential.</a:t>
+              <a:rPr lang="es-ES" dirty="0" err="1"/>
+              <a:t>Reserved</a:t>
+            </a:r>
+            <a:r>
+              <a:rPr lang="es-ES" dirty="0"/>
+              <a:t>. Adobe </a:t>
+            </a:r>
+            <a:r>
+              <a:rPr lang="es-ES" dirty="0" err="1"/>
+              <a:t>Confidential</a:t>
+            </a:r>
+            <a:r>
+              <a:rPr lang="es-ES" dirty="0"/>
+              <a:t>.</a:t>
             </a:r>
           </a:p>
         </p:txBody>
@@ -13863,8 +12389,8 @@
           <a:p>
             <a:pPr algn="ctr"/>
             <a:r>
-              <a:rPr lang="en-US" sz="1600"/>
-              <a:t>Run &amp; Operate</a:t>
+              <a:rPr lang="es-ES" sz="1600" dirty="0"/>
+              <a:t>Ejecutar y operar</a:t>
             </a:r>
           </a:p>
         </p:txBody>
@@ -13920,8 +12446,8 @@
           <a:p>
             <a:pPr algn="ctr"/>
             <a:r>
-              <a:rPr lang="en-US" sz="1600"/>
-              <a:t>Implementation</a:t>
+              <a:rPr lang="es-ES" sz="1600"/>
+              <a:t>Implementación</a:t>
             </a:r>
           </a:p>
         </p:txBody>
@@ -13940,7 +12466,7 @@
         </p:nvSpPr>
         <p:spPr>
           <a:xfrm>
-            <a:off x="2918286" y="3586760"/>
+            <a:off x="2918286" y="3519704"/>
             <a:ext cx="933111" cy="261610"/>
           </a:xfrm>
           <a:prstGeom prst="rect">
@@ -13956,8 +12482,8 @@
           <a:p>
             <a:pPr algn="ctr"/>
             <a:r>
-              <a:rPr lang="en-US" sz="1100"/>
-              <a:t>Post Launch</a:t>
+              <a:rPr lang="es-ES" sz="1100"/>
+              <a:t>Después del lanzamiento</a:t>
             </a:r>
           </a:p>
         </p:txBody>
@@ -13976,7 +12502,7 @@
         </p:nvSpPr>
         <p:spPr>
           <a:xfrm>
-            <a:off x="2236134" y="3586760"/>
+            <a:off x="2236134" y="3519704"/>
             <a:ext cx="826006" cy="261610"/>
           </a:xfrm>
           <a:prstGeom prst="rect">
@@ -13992,8 +12518,8 @@
           <a:p>
             <a:pPr algn="ctr"/>
             <a:r>
-              <a:rPr lang="en-US" sz="1100"/>
-              <a:t>Go-Live</a:t>
+              <a:rPr lang="es-ES" sz="1100" dirty="0"/>
+              <a:t>Puesta en marcha</a:t>
             </a:r>
           </a:p>
         </p:txBody>
@@ -14028,8 +12554,8 @@
           <a:p>
             <a:pPr algn="ctr"/>
             <a:r>
-              <a:rPr lang="en-US" sz="1100"/>
-              <a:t>Define</a:t>
+              <a:rPr lang="es-ES" sz="1100"/>
+              <a:t>Definir</a:t>
             </a:r>
           </a:p>
         </p:txBody>
@@ -14064,8 +12590,8 @@
           <a:p>
             <a:pPr algn="ctr"/>
             <a:r>
-              <a:rPr lang="en-US" sz="1100"/>
-              <a:t>Kickoff</a:t>
+              <a:rPr lang="es-ES" sz="1100"/>
+              <a:t>Empezar</a:t>
             </a:r>
           </a:p>
         </p:txBody>
@@ -14100,8 +12626,8 @@
           <a:p>
             <a:pPr algn="ctr"/>
             <a:r>
-              <a:rPr lang="en-US" sz="1100"/>
-              <a:t>Design</a:t>
+              <a:rPr lang="es-ES" sz="1100"/>
+              <a:t>Diseñar</a:t>
             </a:r>
           </a:p>
         </p:txBody>
@@ -14158,14 +12684,14 @@
           <a:p>
             <a:pPr algn="ctr"/>
             <a:r>
-              <a:rPr lang="en-US" sz="1400">
+              <a:rPr lang="es-ES" sz="1400" dirty="0">
                 <a:solidFill>
                   <a:schemeClr val="accent1">
                     <a:lumMod val="50000"/>
                   </a:schemeClr>
                 </a:solidFill>
               </a:rPr>
-              <a:t>4 Activities per Year</a:t>
+              <a:t>4 actividades al año</a:t>
             </a:r>
           </a:p>
         </p:txBody>
@@ -14206,20 +12732,32 @@
               </a:spcBef>
             </a:pPr>
             <a:r>
-              <a:rPr lang="en-US" sz="1000">
+              <a:rPr lang="es-ES" sz="1000" dirty="0">
                 <a:solidFill>
                   <a:srgbClr val="4B4B4B"/>
                 </a:solidFill>
                 <a:latin typeface="Adobe Clean Light" panose="020B0303020404020204" pitchFamily="34" charset="0"/>
               </a:rPr>
-              <a:t>Drive adoption of customization best practices and core components in AEM as a Cloud Service.</a:t>
-            </a:r>
-            <a:endParaRPr sz="1000">
-              <a:solidFill>
-                <a:srgbClr val="4B4B4B"/>
-              </a:solidFill>
-              <a:latin typeface="Adobe Clean Light" panose="020B0303020404020204" pitchFamily="34" charset="0"/>
-            </a:endParaRPr>
+              <a:t>Impulse la adopción de prácticas recomendadas de personalización y componentes principales en AEM as a Cloud </a:t>
+            </a:r>
+            <a:r>
+              <a:rPr lang="es-ES" sz="1000" dirty="0" err="1">
+                <a:solidFill>
+                  <a:srgbClr val="4B4B4B"/>
+                </a:solidFill>
+                <a:latin typeface="Adobe Clean Light" panose="020B0303020404020204" pitchFamily="34" charset="0"/>
+              </a:rPr>
+              <a:t>Service</a:t>
+            </a:r>
+            <a:r>
+              <a:rPr lang="es-ES" sz="1000" dirty="0">
+                <a:solidFill>
+                  <a:srgbClr val="4B4B4B"/>
+                </a:solidFill>
+                <a:latin typeface="Adobe Clean Light" panose="020B0303020404020204" pitchFamily="34" charset="0"/>
+              </a:rPr>
+              <a:t>.</a:t>
+            </a:r>
           </a:p>
         </p:txBody>
       </p:sp>
@@ -14259,20 +12797,14 @@
               </a:spcBef>
             </a:pPr>
             <a:r>
-              <a:rPr lang="en-US" sz="1000">
+              <a:rPr lang="es-ES" sz="1000" dirty="0">
                 <a:solidFill>
                   <a:srgbClr val="4B4B4B"/>
                 </a:solidFill>
                 <a:latin typeface="Adobe Clean Light" panose="020B0303020404020204" pitchFamily="34" charset="0"/>
               </a:rPr>
-              <a:t>Identify, review and provide recommendations on customized solution adoption areas that have opportunities for optimization.</a:t>
-            </a:r>
-            <a:endParaRPr sz="1000">
-              <a:solidFill>
-                <a:srgbClr val="4B4B4B"/>
-              </a:solidFill>
-              <a:latin typeface="Adobe Clean Light" panose="020B0303020404020204" pitchFamily="34" charset="0"/>
-            </a:endParaRPr>
+              <a:t>Identifique, revise y proporcione recomendaciones sobre áreas de adopción de soluciones personalizadas con oportunidades de optimización.</a:t>
+            </a:r>
           </a:p>
         </p:txBody>
       </p:sp>
@@ -14312,20 +12844,14 @@
               </a:spcBef>
             </a:pPr>
             <a:r>
-              <a:rPr lang="en-US" sz="1000">
+              <a:rPr lang="es-ES" sz="1000">
                 <a:solidFill>
                   <a:srgbClr val="4B4B4B"/>
                 </a:solidFill>
                 <a:latin typeface="Adobe Clean Light" panose="020B0303020404020204" pitchFamily="34" charset="0"/>
               </a:rPr>
-              <a:t>Technical &amp; operational governance to assist AEM as a Cloud Service Customers in adhering to industry standards and best practices for AEM as a Cloud Service.</a:t>
-            </a:r>
-            <a:endParaRPr sz="1000">
-              <a:solidFill>
-                <a:srgbClr val="4B4B4B"/>
-              </a:solidFill>
-              <a:latin typeface="Adobe Clean Light" panose="020B0303020404020204" pitchFamily="34" charset="0"/>
-            </a:endParaRPr>
+              <a:t>Gobernanza técnica y operativa para ayudar a los clientes de AEM as a Cloud Service a cumplir con los estándares del sector y las prácticas recomendadas para AEM as a Cloud Service.</a:t>
+            </a:r>
           </a:p>
         </p:txBody>
       </p:sp>
@@ -14365,489 +12891,15 @@
               </a:spcBef>
             </a:pPr>
             <a:r>
-              <a:rPr lang="en-US" sz="1200" b="1" spc="-15">
+              <a:rPr lang="es-ES" sz="1200" b="1">
                 <a:solidFill>
                   <a:srgbClr val="020302"/>
                 </a:solidFill>
                 <a:latin typeface="Adobe Clean"/>
                 <a:cs typeface="Adobe Clean"/>
               </a:rPr>
-              <a:t>C</a:t>
-            </a:r>
-            <a:r>
-              <a:rPr lang="en-US" sz="1200" b="1" spc="-20">
-                <a:solidFill>
-                  <a:srgbClr val="020302"/>
-                </a:solidFill>
-                <a:latin typeface="Adobe Clean"/>
-                <a:cs typeface="Adobe Clean"/>
-              </a:rPr>
-              <a:t>u</a:t>
-            </a:r>
-            <a:r>
-              <a:rPr lang="en-US" sz="1200" b="1" spc="-25">
-                <a:solidFill>
-                  <a:srgbClr val="020302"/>
-                </a:solidFill>
-                <a:latin typeface="Adobe Clean"/>
-                <a:cs typeface="Adobe Clean"/>
-              </a:rPr>
-              <a:t>st</a:t>
-            </a:r>
-            <a:r>
-              <a:rPr lang="en-US" sz="1200" b="1" spc="-15">
-                <a:solidFill>
-                  <a:srgbClr val="020302"/>
-                </a:solidFill>
-                <a:latin typeface="Adobe Clean"/>
-                <a:cs typeface="Adobe Clean"/>
-              </a:rPr>
-              <a:t>o</a:t>
-            </a:r>
-            <a:r>
-              <a:rPr lang="en-US" sz="1200" b="1" spc="-20">
-                <a:solidFill>
-                  <a:srgbClr val="020302"/>
-                </a:solidFill>
-                <a:latin typeface="Adobe Clean"/>
-                <a:cs typeface="Adobe Clean"/>
-              </a:rPr>
-              <a:t>miza</a:t>
-            </a:r>
-            <a:r>
-              <a:rPr lang="en-US" sz="1200" b="1" spc="-25">
-                <a:solidFill>
-                  <a:srgbClr val="020302"/>
-                </a:solidFill>
-                <a:latin typeface="Adobe Clean"/>
-                <a:cs typeface="Adobe Clean"/>
-              </a:rPr>
-              <a:t>t</a:t>
-            </a:r>
-            <a:r>
-              <a:rPr lang="en-US" sz="1200" b="1" spc="-20">
-                <a:solidFill>
-                  <a:srgbClr val="020302"/>
-                </a:solidFill>
-                <a:latin typeface="Adobe Clean"/>
-                <a:cs typeface="Adobe Clean"/>
-              </a:rPr>
-              <a:t>i</a:t>
-            </a:r>
-            <a:r>
-              <a:rPr lang="en-US" sz="1200" b="1" spc="-15">
-                <a:solidFill>
-                  <a:srgbClr val="020302"/>
-                </a:solidFill>
-                <a:latin typeface="Adobe Clean"/>
-                <a:cs typeface="Adobe Clean"/>
-              </a:rPr>
-              <a:t>o</a:t>
-            </a:r>
-            <a:r>
-              <a:rPr lang="en-US" sz="1200" b="1">
-                <a:solidFill>
-                  <a:srgbClr val="020302"/>
-                </a:solidFill>
-                <a:latin typeface="Adobe Clean"/>
-                <a:cs typeface="Adobe Clean"/>
-              </a:rPr>
-              <a:t>n</a:t>
-            </a:r>
-            <a:r>
-              <a:rPr lang="en-US" sz="1200" b="1" spc="-50">
-                <a:solidFill>
-                  <a:srgbClr val="020302"/>
-                </a:solidFill>
-                <a:latin typeface="Adobe Clean"/>
-                <a:cs typeface="Adobe Clean"/>
-              </a:rPr>
-              <a:t> </a:t>
-            </a:r>
-            <a:r>
-              <a:rPr lang="en-US" sz="1200" b="1" spc="-20">
-                <a:solidFill>
-                  <a:srgbClr val="020302"/>
-                </a:solidFill>
-                <a:latin typeface="Adobe Clean"/>
-                <a:cs typeface="Adobe Clean"/>
-              </a:rPr>
-              <a:t>B</a:t>
-            </a:r>
-            <a:r>
-              <a:rPr lang="en-US" sz="1200" b="1" spc="-25">
-                <a:solidFill>
-                  <a:srgbClr val="020302"/>
-                </a:solidFill>
-                <a:latin typeface="Adobe Clean"/>
-                <a:cs typeface="Adobe Clean"/>
-              </a:rPr>
-              <a:t>es</a:t>
-            </a:r>
-            <a:r>
-              <a:rPr lang="en-US" sz="1200" b="1">
-                <a:solidFill>
-                  <a:srgbClr val="020302"/>
-                </a:solidFill>
-                <a:latin typeface="Adobe Clean"/>
-                <a:cs typeface="Adobe Clean"/>
-              </a:rPr>
-              <a:t>t</a:t>
-            </a:r>
-            <a:r>
-              <a:rPr lang="en-US" sz="1200" b="1" spc="-50">
-                <a:solidFill>
-                  <a:srgbClr val="020302"/>
-                </a:solidFill>
-                <a:latin typeface="Adobe Clean"/>
-                <a:cs typeface="Adobe Clean"/>
-              </a:rPr>
-              <a:t> </a:t>
-            </a:r>
-            <a:r>
-              <a:rPr lang="en-US" sz="1200" b="1" spc="-25">
-                <a:solidFill>
-                  <a:srgbClr val="020302"/>
-                </a:solidFill>
-                <a:latin typeface="Adobe Clean"/>
-                <a:cs typeface="Adobe Clean"/>
-              </a:rPr>
-              <a:t>P</a:t>
-            </a:r>
-            <a:r>
-              <a:rPr lang="en-US" sz="1200" b="1" spc="-20">
-                <a:solidFill>
-                  <a:srgbClr val="020302"/>
-                </a:solidFill>
-                <a:latin typeface="Adobe Clean"/>
-                <a:cs typeface="Adobe Clean"/>
-              </a:rPr>
-              <a:t>ra</a:t>
-            </a:r>
-            <a:r>
-              <a:rPr lang="en-US" sz="1200" b="1" spc="-30">
-                <a:solidFill>
-                  <a:srgbClr val="020302"/>
-                </a:solidFill>
-                <a:latin typeface="Adobe Clean"/>
-                <a:cs typeface="Adobe Clean"/>
-              </a:rPr>
-              <a:t>c</a:t>
-            </a:r>
-            <a:r>
-              <a:rPr lang="en-US" sz="1200" b="1" spc="-25">
-                <a:solidFill>
-                  <a:srgbClr val="020302"/>
-                </a:solidFill>
-                <a:latin typeface="Adobe Clean"/>
-                <a:cs typeface="Adobe Clean"/>
-              </a:rPr>
-              <a:t>t</a:t>
-            </a:r>
-            <a:r>
-              <a:rPr lang="en-US" sz="1200" b="1" spc="-20">
-                <a:solidFill>
-                  <a:srgbClr val="020302"/>
-                </a:solidFill>
-                <a:latin typeface="Adobe Clean"/>
-                <a:cs typeface="Adobe Clean"/>
-              </a:rPr>
-              <a:t>i</a:t>
-            </a:r>
-            <a:r>
-              <a:rPr lang="en-US" sz="1200" b="1" spc="-30">
-                <a:solidFill>
-                  <a:srgbClr val="020302"/>
-                </a:solidFill>
-                <a:latin typeface="Adobe Clean"/>
-                <a:cs typeface="Adobe Clean"/>
-              </a:rPr>
-              <a:t>c</a:t>
-            </a:r>
-            <a:r>
-              <a:rPr lang="en-US" sz="1200" b="1" spc="-25">
-                <a:solidFill>
-                  <a:srgbClr val="020302"/>
-                </a:solidFill>
-                <a:latin typeface="Adobe Clean"/>
-                <a:cs typeface="Adobe Clean"/>
-              </a:rPr>
-              <a:t>e</a:t>
-            </a:r>
-            <a:r>
-              <a:rPr lang="en-US" sz="1200" b="1">
-                <a:solidFill>
-                  <a:srgbClr val="020302"/>
-                </a:solidFill>
-                <a:latin typeface="Adobe Clean"/>
-                <a:cs typeface="Adobe Clean"/>
-              </a:rPr>
-              <a:t>s</a:t>
-            </a:r>
-            <a:r>
-              <a:rPr lang="en-US" sz="1200" b="1" spc="-45">
-                <a:solidFill>
-                  <a:srgbClr val="020302"/>
-                </a:solidFill>
-                <a:latin typeface="Adobe Clean"/>
-                <a:cs typeface="Adobe Clean"/>
-              </a:rPr>
-              <a:t> </a:t>
-            </a:r>
-            <a:r>
-              <a:rPr lang="en-US" sz="1200" b="1" spc="-25">
-                <a:solidFill>
-                  <a:srgbClr val="020302"/>
-                </a:solidFill>
-                <a:latin typeface="Adobe Clean"/>
-                <a:cs typeface="Adobe Clean"/>
-              </a:rPr>
-              <a:t>f</a:t>
-            </a:r>
-            <a:r>
-              <a:rPr lang="en-US" sz="1200" b="1" spc="-15">
-                <a:solidFill>
-                  <a:srgbClr val="020302"/>
-                </a:solidFill>
-                <a:latin typeface="Adobe Clean"/>
-                <a:cs typeface="Adobe Clean"/>
-              </a:rPr>
-              <a:t>o</a:t>
-            </a:r>
-            <a:r>
-              <a:rPr lang="en-US" sz="1200" b="1">
-                <a:solidFill>
-                  <a:srgbClr val="020302"/>
-                </a:solidFill>
-                <a:latin typeface="Adobe Clean"/>
-                <a:cs typeface="Adobe Clean"/>
-              </a:rPr>
-              <a:t>r</a:t>
-            </a:r>
-            <a:r>
-              <a:rPr lang="en-US" sz="1200" b="1" spc="-45">
-                <a:solidFill>
-                  <a:srgbClr val="020302"/>
-                </a:solidFill>
-                <a:latin typeface="Adobe Clean"/>
-                <a:cs typeface="Adobe Clean"/>
-              </a:rPr>
-              <a:t> </a:t>
-            </a:r>
-            <a:r>
-              <a:rPr lang="en-US" sz="1200" b="1" spc="-30">
-                <a:solidFill>
-                  <a:srgbClr val="020302"/>
-                </a:solidFill>
-                <a:latin typeface="Adobe Clean"/>
-                <a:cs typeface="Adobe Clean"/>
-              </a:rPr>
-              <a:t>AE</a:t>
-            </a:r>
-            <a:r>
-              <a:rPr lang="en-US" sz="1200" b="1">
-                <a:solidFill>
-                  <a:srgbClr val="020302"/>
-                </a:solidFill>
-                <a:latin typeface="Adobe Clean"/>
-                <a:cs typeface="Adobe Clean"/>
-              </a:rPr>
-              <a:t>M</a:t>
-            </a:r>
-            <a:r>
-              <a:rPr lang="en-US" sz="1200" b="1" spc="-55">
-                <a:solidFill>
-                  <a:srgbClr val="020302"/>
-                </a:solidFill>
-                <a:latin typeface="Adobe Clean"/>
-                <a:cs typeface="Adobe Clean"/>
-              </a:rPr>
-              <a:t> </a:t>
-            </a:r>
-            <a:r>
-              <a:rPr lang="en-US" sz="1200" b="1" spc="-20">
-                <a:solidFill>
-                  <a:srgbClr val="020302"/>
-                </a:solidFill>
-                <a:latin typeface="Adobe Clean"/>
-                <a:cs typeface="Adobe Clean"/>
-              </a:rPr>
-              <a:t>a</a:t>
-            </a:r>
-            <a:r>
-              <a:rPr lang="en-US" sz="1200" b="1">
-                <a:solidFill>
-                  <a:srgbClr val="020302"/>
-                </a:solidFill>
-                <a:latin typeface="Adobe Clean"/>
-                <a:cs typeface="Adobe Clean"/>
-              </a:rPr>
-              <a:t>s</a:t>
-            </a:r>
-            <a:r>
-              <a:rPr lang="en-US" sz="1200" b="1" spc="-45">
-                <a:solidFill>
-                  <a:srgbClr val="020302"/>
-                </a:solidFill>
-                <a:latin typeface="Adobe Clean"/>
-                <a:cs typeface="Adobe Clean"/>
-              </a:rPr>
-              <a:t> </a:t>
-            </a:r>
-            <a:r>
-              <a:rPr lang="en-US" sz="1200" b="1">
-                <a:solidFill>
-                  <a:srgbClr val="020302"/>
-                </a:solidFill>
-                <a:latin typeface="Adobe Clean"/>
-                <a:cs typeface="Adobe Clean"/>
-              </a:rPr>
-              <a:t>a</a:t>
-            </a:r>
-            <a:r>
-              <a:rPr lang="en-US" sz="1200" b="1" spc="-45">
-                <a:solidFill>
-                  <a:srgbClr val="020302"/>
-                </a:solidFill>
-                <a:latin typeface="Adobe Clean"/>
-                <a:cs typeface="Adobe Clean"/>
-              </a:rPr>
-              <a:t> </a:t>
-            </a:r>
-            <a:r>
-              <a:rPr lang="en-US" sz="1200" b="1" spc="-15">
-                <a:solidFill>
-                  <a:srgbClr val="020302"/>
-                </a:solidFill>
-                <a:latin typeface="Adobe Clean"/>
-                <a:cs typeface="Adobe Clean"/>
-              </a:rPr>
-              <a:t>C</a:t>
-            </a:r>
-            <a:r>
-              <a:rPr lang="en-US" sz="1200" b="1" spc="-25">
-                <a:solidFill>
-                  <a:srgbClr val="020302"/>
-                </a:solidFill>
-                <a:latin typeface="Adobe Clean"/>
-                <a:cs typeface="Adobe Clean"/>
-              </a:rPr>
-              <a:t>l</a:t>
-            </a:r>
-            <a:r>
-              <a:rPr lang="en-US" sz="1200" b="1" spc="-15">
-                <a:solidFill>
-                  <a:srgbClr val="020302"/>
-                </a:solidFill>
-                <a:latin typeface="Adobe Clean"/>
-                <a:cs typeface="Adobe Clean"/>
-              </a:rPr>
-              <a:t>o</a:t>
-            </a:r>
-            <a:r>
-              <a:rPr lang="en-US" sz="1200" b="1" spc="-20">
-                <a:solidFill>
-                  <a:srgbClr val="020302"/>
-                </a:solidFill>
-                <a:latin typeface="Adobe Clean"/>
-                <a:cs typeface="Adobe Clean"/>
-              </a:rPr>
-              <a:t>u</a:t>
-            </a:r>
-            <a:r>
-              <a:rPr lang="en-US" sz="1200" b="1">
-                <a:solidFill>
-                  <a:srgbClr val="020302"/>
-                </a:solidFill>
-                <a:latin typeface="Adobe Clean"/>
-                <a:cs typeface="Adobe Clean"/>
-              </a:rPr>
-              <a:t>d</a:t>
-            </a:r>
-            <a:r>
-              <a:rPr lang="en-US" sz="1200" b="1" spc="-50">
-                <a:solidFill>
-                  <a:srgbClr val="020302"/>
-                </a:solidFill>
-                <a:latin typeface="Adobe Clean"/>
-                <a:cs typeface="Adobe Clean"/>
-              </a:rPr>
-              <a:t> </a:t>
-            </a:r>
-            <a:r>
-              <a:rPr lang="en-US" sz="1200" b="1" spc="-20">
-                <a:solidFill>
-                  <a:srgbClr val="020302"/>
-                </a:solidFill>
-                <a:latin typeface="Adobe Clean"/>
-                <a:cs typeface="Adobe Clean"/>
-              </a:rPr>
-              <a:t>S</a:t>
-            </a:r>
-            <a:r>
-              <a:rPr lang="en-US" sz="1200" b="1" spc="-25">
-                <a:solidFill>
-                  <a:srgbClr val="020302"/>
-                </a:solidFill>
-                <a:latin typeface="Adobe Clean"/>
-                <a:cs typeface="Adobe Clean"/>
-              </a:rPr>
-              <a:t>e</a:t>
-            </a:r>
-            <a:r>
-              <a:rPr lang="en-US" sz="1200" b="1" spc="-20">
-                <a:solidFill>
-                  <a:srgbClr val="020302"/>
-                </a:solidFill>
-                <a:latin typeface="Adobe Clean"/>
-                <a:cs typeface="Adobe Clean"/>
-              </a:rPr>
-              <a:t>r</a:t>
-            </a:r>
-            <a:r>
-              <a:rPr lang="en-US" sz="1200" b="1" spc="-30">
-                <a:solidFill>
-                  <a:srgbClr val="020302"/>
-                </a:solidFill>
-                <a:latin typeface="Adobe Clean"/>
-                <a:cs typeface="Adobe Clean"/>
-              </a:rPr>
-              <a:t>v</a:t>
-            </a:r>
-            <a:r>
-              <a:rPr lang="en-US" sz="1200" b="1" spc="-20">
-                <a:solidFill>
-                  <a:srgbClr val="020302"/>
-                </a:solidFill>
-                <a:latin typeface="Adobe Clean"/>
-                <a:cs typeface="Adobe Clean"/>
-              </a:rPr>
-              <a:t>i</a:t>
-            </a:r>
-            <a:r>
-              <a:rPr lang="en-US" sz="1200" b="1" spc="-30">
-                <a:solidFill>
-                  <a:srgbClr val="020302"/>
-                </a:solidFill>
-                <a:latin typeface="Adobe Clean"/>
-                <a:cs typeface="Adobe Clean"/>
-              </a:rPr>
-              <a:t>c</a:t>
-            </a:r>
-            <a:r>
-              <a:rPr lang="en-US" sz="1200" b="1">
-                <a:solidFill>
-                  <a:srgbClr val="020302"/>
-                </a:solidFill>
-                <a:latin typeface="Adobe Clean"/>
-                <a:cs typeface="Adobe Clean"/>
-              </a:rPr>
-              <a:t>e</a:t>
-            </a:r>
-            <a:endParaRPr lang="en-US" sz="1200">
-              <a:latin typeface="Adobe Clean"/>
-              <a:cs typeface="Adobe Clean"/>
-            </a:endParaRPr>
+              <a:t>Prácticas recomendadas de personalización para AEM as a Cloud Service</a:t>
+            </a:r>
           </a:p>
         </p:txBody>
       </p:sp>
@@ -14887,19 +12939,15 @@
               </a:spcBef>
             </a:pPr>
             <a:r>
-              <a:rPr lang="en-US" sz="1200" b="1" spc="-25">
+              <a:rPr lang="es-ES" sz="1200" b="1">
                 <a:solidFill>
                   <a:srgbClr val="020302"/>
                 </a:solidFill>
                 <a:latin typeface="Adobe Clean"/>
                 <a:cs typeface="Adobe Clean"/>
               </a:rPr>
-              <a:t>Value-added Services for AEM as a Cloud Service</a:t>
-            </a:r>
-            <a:endParaRPr lang="en-US" sz="1200">
-              <a:latin typeface="Adobe Clean"/>
-              <a:cs typeface="Adobe Clean"/>
-            </a:endParaRPr>
+              <a:t>Servicios de valor añadido para AEM as a Cloud Service</a:t>
+            </a:r>
           </a:p>
         </p:txBody>
       </p:sp>
@@ -14939,356 +12987,29 @@
               </a:spcBef>
             </a:pPr>
             <a:r>
-              <a:rPr lang="en-US" sz="1200" b="1" spc="-20">
+              <a:rPr lang="es-ES" sz="1200" b="1" dirty="0">
                 <a:solidFill>
                   <a:srgbClr val="020302"/>
                 </a:solidFill>
                 <a:latin typeface="Adobe Clean"/>
                 <a:cs typeface="Adobe Clean"/>
               </a:rPr>
-              <a:t>G</a:t>
-            </a:r>
-            <a:r>
-              <a:rPr lang="en-US" sz="1200" b="1" spc="-15">
+              <a:t>Gobernanza de AEM as a Cloud </a:t>
+            </a:r>
+            <a:r>
+              <a:rPr lang="es-ES" sz="1200" b="1" dirty="0" err="1">
                 <a:solidFill>
                   <a:srgbClr val="020302"/>
                 </a:solidFill>
                 <a:latin typeface="Adobe Clean"/>
                 <a:cs typeface="Adobe Clean"/>
               </a:rPr>
-              <a:t>o</a:t>
-            </a:r>
-            <a:r>
-              <a:rPr lang="en-US" sz="1200" b="1" spc="-25">
-                <a:solidFill>
-                  <a:srgbClr val="020302"/>
-                </a:solidFill>
-                <a:latin typeface="Adobe Clean"/>
-                <a:cs typeface="Adobe Clean"/>
-              </a:rPr>
-              <a:t>ve</a:t>
-            </a:r>
-            <a:r>
-              <a:rPr lang="en-US" sz="1200" b="1" spc="-20">
-                <a:solidFill>
-                  <a:srgbClr val="020302"/>
-                </a:solidFill>
-                <a:latin typeface="Adobe Clean"/>
-                <a:cs typeface="Adobe Clean"/>
-              </a:rPr>
-              <a:t>r</a:t>
-            </a:r>
-            <a:r>
-              <a:rPr lang="en-US" sz="1200" b="1" spc="-25">
-                <a:solidFill>
-                  <a:srgbClr val="020302"/>
-                </a:solidFill>
-                <a:latin typeface="Adobe Clean"/>
-                <a:cs typeface="Adobe Clean"/>
-              </a:rPr>
-              <a:t>n</a:t>
-            </a:r>
-            <a:r>
-              <a:rPr lang="en-US" sz="1200" b="1" spc="-20">
-                <a:solidFill>
-                  <a:srgbClr val="020302"/>
-                </a:solidFill>
-                <a:latin typeface="Adobe Clean"/>
-                <a:cs typeface="Adobe Clean"/>
-              </a:rPr>
-              <a:t>a</a:t>
-            </a:r>
-            <a:r>
-              <a:rPr lang="en-US" sz="1200" b="1" spc="-25">
-                <a:solidFill>
-                  <a:srgbClr val="020302"/>
-                </a:solidFill>
-                <a:latin typeface="Adobe Clean"/>
-                <a:cs typeface="Adobe Clean"/>
-              </a:rPr>
-              <a:t>n</a:t>
-            </a:r>
-            <a:r>
-              <a:rPr lang="en-US" sz="1200" b="1" spc="-30">
-                <a:solidFill>
-                  <a:srgbClr val="020302"/>
-                </a:solidFill>
-                <a:latin typeface="Adobe Clean"/>
-                <a:cs typeface="Adobe Clean"/>
-              </a:rPr>
-              <a:t>c</a:t>
-            </a:r>
-            <a:r>
-              <a:rPr lang="en-US" sz="1200" b="1">
-                <a:solidFill>
-                  <a:srgbClr val="020302"/>
-                </a:solidFill>
-                <a:latin typeface="Adobe Clean"/>
-                <a:cs typeface="Adobe Clean"/>
-              </a:rPr>
-              <a:t>e</a:t>
-            </a:r>
-            <a:r>
-              <a:rPr lang="en-US" sz="1200" b="1" spc="-50">
-                <a:solidFill>
-                  <a:srgbClr val="020302"/>
-                </a:solidFill>
-                <a:latin typeface="Adobe Clean"/>
-                <a:cs typeface="Adobe Clean"/>
-              </a:rPr>
-              <a:t> </a:t>
-            </a:r>
-            <a:r>
-              <a:rPr lang="en-US" sz="1200" b="1" spc="-25">
-                <a:solidFill>
-                  <a:srgbClr val="020302"/>
-                </a:solidFill>
-                <a:latin typeface="Adobe Clean"/>
-                <a:cs typeface="Adobe Clean"/>
-              </a:rPr>
-              <a:t>f</a:t>
-            </a:r>
-            <a:r>
-              <a:rPr lang="en-US" sz="1200" b="1" spc="-15">
-                <a:solidFill>
-                  <a:srgbClr val="020302"/>
-                </a:solidFill>
-                <a:latin typeface="Adobe Clean"/>
-                <a:cs typeface="Adobe Clean"/>
-              </a:rPr>
-              <a:t>o</a:t>
-            </a:r>
-            <a:r>
-              <a:rPr lang="en-US" sz="1200" b="1">
-                <a:solidFill>
-                  <a:srgbClr val="020302"/>
-                </a:solidFill>
-                <a:latin typeface="Adobe Clean"/>
-                <a:cs typeface="Adobe Clean"/>
-              </a:rPr>
-              <a:t>r</a:t>
-            </a:r>
-            <a:r>
-              <a:rPr lang="en-US" sz="1200" b="1" spc="-45">
-                <a:solidFill>
-                  <a:srgbClr val="020302"/>
-                </a:solidFill>
-                <a:latin typeface="Adobe Clean"/>
-                <a:cs typeface="Adobe Clean"/>
-              </a:rPr>
-              <a:t> </a:t>
-            </a:r>
-            <a:r>
-              <a:rPr lang="en-US" sz="1200" b="1" spc="-30">
-                <a:solidFill>
-                  <a:srgbClr val="020302"/>
-                </a:solidFill>
-                <a:latin typeface="Adobe Clean"/>
-                <a:cs typeface="Adobe Clean"/>
-              </a:rPr>
-              <a:t>A</a:t>
-            </a:r>
-            <a:r>
-              <a:rPr lang="en-US" sz="1200" b="1" spc="-25">
-                <a:solidFill>
-                  <a:srgbClr val="020302"/>
-                </a:solidFill>
-                <a:latin typeface="Adobe Clean"/>
-                <a:cs typeface="Adobe Clean"/>
-              </a:rPr>
-              <a:t>E</a:t>
-            </a:r>
-            <a:r>
-              <a:rPr lang="en-US" sz="1200" b="1">
-                <a:solidFill>
-                  <a:srgbClr val="020302"/>
-                </a:solidFill>
-                <a:latin typeface="Adobe Clean"/>
-                <a:cs typeface="Adobe Clean"/>
-              </a:rPr>
-              <a:t>M</a:t>
-            </a:r>
-            <a:r>
-              <a:rPr lang="en-US" sz="1200" b="1" spc="-50">
-                <a:solidFill>
-                  <a:srgbClr val="020302"/>
-                </a:solidFill>
-                <a:latin typeface="Adobe Clean"/>
-                <a:cs typeface="Adobe Clean"/>
-              </a:rPr>
-              <a:t> </a:t>
-            </a:r>
-            <a:r>
-              <a:rPr lang="en-US" sz="1200" b="1" spc="-20">
-                <a:solidFill>
-                  <a:srgbClr val="020302"/>
-                </a:solidFill>
-                <a:latin typeface="Adobe Clean"/>
-                <a:cs typeface="Adobe Clean"/>
-              </a:rPr>
-              <a:t>a</a:t>
-            </a:r>
-            <a:r>
-              <a:rPr lang="en-US" sz="1200" b="1">
-                <a:solidFill>
-                  <a:srgbClr val="020302"/>
-                </a:solidFill>
-                <a:latin typeface="Adobe Clean"/>
-                <a:cs typeface="Adobe Clean"/>
-              </a:rPr>
-              <a:t>s</a:t>
-            </a:r>
-            <a:r>
-              <a:rPr lang="en-US" sz="1200" b="1" spc="-45">
-                <a:solidFill>
-                  <a:srgbClr val="020302"/>
-                </a:solidFill>
-                <a:latin typeface="Adobe Clean"/>
-                <a:cs typeface="Adobe Clean"/>
-              </a:rPr>
-              <a:t> </a:t>
-            </a:r>
-            <a:r>
-              <a:rPr lang="en-US" sz="1200" b="1">
-                <a:solidFill>
-                  <a:srgbClr val="020302"/>
-                </a:solidFill>
-                <a:latin typeface="Adobe Clean"/>
-                <a:cs typeface="Adobe Clean"/>
-              </a:rPr>
-              <a:t>a</a:t>
-            </a:r>
-            <a:r>
-              <a:rPr lang="en-US" sz="1200" b="1" spc="-40">
-                <a:solidFill>
-                  <a:srgbClr val="020302"/>
-                </a:solidFill>
-                <a:latin typeface="Adobe Clean"/>
-                <a:cs typeface="Adobe Clean"/>
-              </a:rPr>
-              <a:t> </a:t>
-            </a:r>
-            <a:r>
-              <a:rPr lang="en-US" sz="1200" b="1" spc="-15">
-                <a:solidFill>
-                  <a:srgbClr val="020302"/>
-                </a:solidFill>
-                <a:latin typeface="Adobe Clean"/>
-                <a:cs typeface="Adobe Clean"/>
-              </a:rPr>
-              <a:t>C</a:t>
-            </a:r>
-            <a:r>
-              <a:rPr lang="en-US" sz="1200" b="1" spc="-25">
-                <a:solidFill>
-                  <a:srgbClr val="020302"/>
-                </a:solidFill>
-                <a:latin typeface="Adobe Clean"/>
-                <a:cs typeface="Adobe Clean"/>
-              </a:rPr>
-              <a:t>l</a:t>
-            </a:r>
-            <a:r>
-              <a:rPr lang="en-US" sz="1200" b="1" spc="-15">
-                <a:solidFill>
-                  <a:srgbClr val="020302"/>
-                </a:solidFill>
-                <a:latin typeface="Adobe Clean"/>
-                <a:cs typeface="Adobe Clean"/>
-              </a:rPr>
-              <a:t>ou</a:t>
-            </a:r>
-            <a:r>
-              <a:rPr lang="en-US" sz="1200" b="1">
-                <a:solidFill>
-                  <a:srgbClr val="020302"/>
-                </a:solidFill>
-                <a:latin typeface="Adobe Clean"/>
-                <a:cs typeface="Adobe Clean"/>
-              </a:rPr>
-              <a:t>d</a:t>
-            </a:r>
-            <a:r>
-              <a:rPr lang="en-US" sz="1200" b="1" spc="-50">
-                <a:solidFill>
-                  <a:srgbClr val="020302"/>
-                </a:solidFill>
-                <a:latin typeface="Adobe Clean"/>
-                <a:cs typeface="Adobe Clean"/>
-              </a:rPr>
-              <a:t> </a:t>
-            </a:r>
-            <a:r>
-              <a:rPr lang="en-US" sz="1200" b="1" spc="-20">
-                <a:solidFill>
-                  <a:srgbClr val="020302"/>
-                </a:solidFill>
-                <a:latin typeface="Adobe Clean"/>
-                <a:cs typeface="Adobe Clean"/>
-              </a:rPr>
-              <a:t>S</a:t>
-            </a:r>
-            <a:r>
-              <a:rPr lang="en-US" sz="1200" b="1" spc="-25">
-                <a:solidFill>
-                  <a:srgbClr val="020302"/>
-                </a:solidFill>
-                <a:latin typeface="Adobe Clean"/>
-                <a:cs typeface="Adobe Clean"/>
-              </a:rPr>
-              <a:t>e</a:t>
-            </a:r>
-            <a:r>
-              <a:rPr lang="en-US" sz="1200" b="1" spc="-20">
-                <a:solidFill>
-                  <a:srgbClr val="020302"/>
-                </a:solidFill>
-                <a:latin typeface="Adobe Clean"/>
-                <a:cs typeface="Adobe Clean"/>
-              </a:rPr>
-              <a:t>r</a:t>
-            </a:r>
-            <a:r>
-              <a:rPr lang="en-US" sz="1200" b="1" spc="-25">
-                <a:solidFill>
-                  <a:srgbClr val="020302"/>
-                </a:solidFill>
-                <a:latin typeface="Adobe Clean"/>
-                <a:cs typeface="Adobe Clean"/>
-              </a:rPr>
-              <a:t>v</a:t>
-            </a:r>
-            <a:r>
-              <a:rPr lang="en-US" sz="1200" b="1" spc="-20">
-                <a:solidFill>
-                  <a:srgbClr val="020302"/>
-                </a:solidFill>
-                <a:latin typeface="Adobe Clean"/>
-                <a:cs typeface="Adobe Clean"/>
-              </a:rPr>
-              <a:t>i</a:t>
-            </a:r>
-            <a:r>
-              <a:rPr lang="en-US" sz="1200" b="1" spc="-30">
-                <a:solidFill>
-                  <a:srgbClr val="020302"/>
-                </a:solidFill>
-                <a:latin typeface="Adobe Clean"/>
-                <a:cs typeface="Adobe Clean"/>
-              </a:rPr>
-              <a:t>c</a:t>
-            </a:r>
-            <a:r>
-              <a:rPr lang="en-US" sz="1200" b="1">
-                <a:solidFill>
-                  <a:srgbClr val="020302"/>
-                </a:solidFill>
-                <a:latin typeface="Adobe Clean"/>
-                <a:cs typeface="Adobe Clean"/>
-              </a:rPr>
-              <a:t>e</a:t>
-            </a:r>
-            <a:endParaRPr lang="en-US" sz="1200">
+              <a:t>Service</a:t>
+            </a:r>
+            <a:endParaRPr lang="es-ES" sz="1200" b="1" dirty="0">
+              <a:solidFill>
+                <a:srgbClr val="020302"/>
+              </a:solidFill>
               <a:latin typeface="Adobe Clean"/>
               <a:cs typeface="Adobe Clean"/>
             </a:endParaRPr>
@@ -15352,49 +13073,15 @@
               </a:lnSpc>
             </a:pPr>
             <a:r>
-              <a:rPr sz="500" spc="-5">
+              <a:rPr lang="es-ES" sz="500">
                 <a:solidFill>
                   <a:srgbClr val="6C6C6C"/>
                 </a:solidFill>
                 <a:latin typeface="Adobe Clean"/>
                 <a:cs typeface="Adobe Clean"/>
               </a:rPr>
-              <a:t>©2020 Adobe. All Rights Reserved. </a:t>
-            </a:r>
-            <a:r>
-              <a:rPr sz="500">
-                <a:solidFill>
-                  <a:srgbClr val="6C6C6C"/>
-                </a:solidFill>
-                <a:latin typeface="Adobe Clean"/>
-                <a:cs typeface="Adobe Clean"/>
-              </a:rPr>
-              <a:t>Adobe</a:t>
-            </a:r>
-            <a:r>
-              <a:rPr sz="500" spc="5">
-                <a:solidFill>
-                  <a:srgbClr val="6C6C6C"/>
-                </a:solidFill>
-                <a:latin typeface="Adobe Clean"/>
-                <a:cs typeface="Adobe Clean"/>
-              </a:rPr>
-              <a:t> </a:t>
-            </a:r>
-            <a:r>
-              <a:rPr sz="500" spc="-5">
-                <a:solidFill>
-                  <a:srgbClr val="6C6C6C"/>
-                </a:solidFill>
-                <a:latin typeface="Adobe Clean"/>
-                <a:cs typeface="Adobe Clean"/>
-              </a:rPr>
-              <a:t>Confidential.</a:t>
-            </a:r>
-            <a:endParaRPr sz="500">
-              <a:latin typeface="Adobe Clean"/>
-              <a:cs typeface="Adobe Clean"/>
-            </a:endParaRPr>
+              <a:t>©2020 Adobe. All Rights Reserved. Adobe Confidential.</a:t>
+            </a:r>
           </a:p>
           <a:p>
             <a:pPr>
@@ -15420,39 +13107,15 @@
               </a:spcBef>
             </a:pPr>
             <a:r>
-              <a:rPr sz="800" spc="-5">
+              <a:rPr lang="es-ES" sz="800">
                 <a:solidFill>
                   <a:srgbClr val="6D6D6D"/>
                 </a:solidFill>
                 <a:latin typeface="Adobe Clean"/>
                 <a:cs typeface="Adobe Clean"/>
               </a:rPr>
-              <a:t>©2020 Adobe. All Rights Reserved. Adobe</a:t>
-            </a:r>
-            <a:r>
-              <a:rPr sz="800" spc="75">
-                <a:solidFill>
-                  <a:srgbClr val="6D6D6D"/>
-                </a:solidFill>
-                <a:latin typeface="Adobe Clean"/>
-                <a:cs typeface="Adobe Clean"/>
-              </a:rPr>
-              <a:t> </a:t>
-            </a:r>
-            <a:r>
-              <a:rPr sz="800" spc="-5">
-                <a:solidFill>
-                  <a:srgbClr val="6D6D6D"/>
-                </a:solidFill>
-                <a:latin typeface="Adobe Clean"/>
-                <a:cs typeface="Adobe Clean"/>
-              </a:rPr>
-              <a:t>Confidential.</a:t>
-            </a:r>
-            <a:endParaRPr sz="800">
-              <a:latin typeface="Adobe Clean"/>
-              <a:cs typeface="Adobe Clean"/>
-            </a:endParaRPr>
+              <a:t>©2020 Adobe. All Rights Reserved. Adobe Confidential.</a:t>
+            </a:r>
           </a:p>
         </p:txBody>
       </p:sp>
@@ -15536,19 +13199,15 @@
               </a:spcBef>
             </a:pPr>
             <a:r>
-              <a:rPr lang="en-US" sz="1400" b="1" spc="-15">
+              <a:rPr lang="es-ES" sz="1400" b="1">
                 <a:solidFill>
                   <a:srgbClr val="020302"/>
                 </a:solidFill>
                 <a:latin typeface="Adobe Clean"/>
                 <a:cs typeface="Adobe Clean"/>
               </a:rPr>
-              <a:t>Resources</a:t>
-            </a:r>
-            <a:endParaRPr sz="1400">
-              <a:latin typeface="Adobe Clean"/>
-              <a:cs typeface="Adobe Clean"/>
-            </a:endParaRPr>
+              <a:t>Recursos</a:t>
+            </a:r>
           </a:p>
         </p:txBody>
       </p:sp>
@@ -15582,7 +13241,7 @@
               </a:spcBef>
             </a:pPr>
             <a:r>
-              <a:rPr sz="800" spc="-15">
+              <a:rPr lang="es-ES" sz="800">
                 <a:solidFill>
                   <a:srgbClr val="777879"/>
                 </a:solidFill>
@@ -15591,10 +13250,6 @@
               </a:rPr>
               <a:t>Adobe</a:t>
             </a:r>
-            <a:endParaRPr sz="800">
-              <a:latin typeface="Adobe Clean"/>
-              <a:cs typeface="Adobe Clean"/>
-            </a:endParaRPr>
           </a:p>
           <a:p>
             <a:pPr marL="12700">
@@ -15603,39 +13258,15 @@
               </a:lnSpc>
             </a:pPr>
             <a:r>
-              <a:rPr sz="800" spc="-15">
+              <a:rPr lang="es-ES" sz="800">
                 <a:solidFill>
                   <a:srgbClr val="777879"/>
                 </a:solidFill>
                 <a:latin typeface="Adobe Clean"/>
                 <a:cs typeface="Adobe Clean"/>
               </a:rPr>
-              <a:t>345 Park</a:t>
-            </a:r>
-            <a:r>
-              <a:rPr sz="800" spc="-100">
-                <a:solidFill>
-                  <a:srgbClr val="777879"/>
-                </a:solidFill>
-                <a:latin typeface="Adobe Clean"/>
-                <a:cs typeface="Adobe Clean"/>
-              </a:rPr>
-              <a:t> </a:t>
-            </a:r>
-            <a:r>
-              <a:rPr sz="800" spc="-15">
-                <a:solidFill>
-                  <a:srgbClr val="777879"/>
-                </a:solidFill>
-                <a:latin typeface="Adobe Clean"/>
-                <a:cs typeface="Adobe Clean"/>
-              </a:rPr>
-              <a:t>Avenue</a:t>
-            </a:r>
-            <a:endParaRPr sz="800">
-              <a:latin typeface="Adobe Clean"/>
-              <a:cs typeface="Adobe Clean"/>
-            </a:endParaRPr>
+              <a:t>345 Park Avenue</a:t>
+            </a:r>
           </a:p>
           <a:p>
             <a:pPr marL="12700">
@@ -15644,49 +13275,15 @@
               </a:lnSpc>
             </a:pPr>
             <a:r>
-              <a:rPr sz="800" spc="-10">
+              <a:rPr lang="es-ES" sz="800">
                 <a:solidFill>
                   <a:srgbClr val="777879"/>
                 </a:solidFill>
                 <a:latin typeface="Adobe Clean"/>
                 <a:cs typeface="Adobe Clean"/>
               </a:rPr>
-              <a:t>San </a:t>
-            </a:r>
-            <a:r>
-              <a:rPr sz="800" spc="-15">
-                <a:solidFill>
-                  <a:srgbClr val="777879"/>
-                </a:solidFill>
-                <a:latin typeface="Adobe Clean"/>
-                <a:cs typeface="Adobe Clean"/>
-              </a:rPr>
-              <a:t>Jose,</a:t>
-            </a:r>
-            <a:r>
-              <a:rPr sz="800" spc="-140">
-                <a:solidFill>
-                  <a:srgbClr val="777879"/>
-                </a:solidFill>
-                <a:latin typeface="Adobe Clean"/>
-                <a:cs typeface="Adobe Clean"/>
-              </a:rPr>
-              <a:t> </a:t>
-            </a:r>
-            <a:r>
-              <a:rPr sz="800" spc="-20">
-                <a:solidFill>
-                  <a:srgbClr val="777879"/>
-                </a:solidFill>
-                <a:latin typeface="Adobe Clean"/>
-                <a:cs typeface="Adobe Clean"/>
-              </a:rPr>
-              <a:t>CA95110-2704</a:t>
-            </a:r>
-            <a:endParaRPr sz="800">
-              <a:latin typeface="Adobe Clean"/>
-              <a:cs typeface="Adobe Clean"/>
-            </a:endParaRPr>
+              <a:t>San José, CA95110-2704</a:t>
+            </a:r>
           </a:p>
           <a:p>
             <a:pPr marL="12700">
@@ -15698,19 +13295,15 @@
               </a:spcBef>
             </a:pPr>
             <a:r>
-              <a:rPr sz="800" spc="-10">
+              <a:rPr lang="es-ES" sz="800">
                 <a:solidFill>
                   <a:srgbClr val="777879"/>
                 </a:solidFill>
                 <a:latin typeface="Adobe Clean"/>
                 <a:cs typeface="Adobe Clean"/>
               </a:rPr>
-              <a:t>USA</a:t>
-            </a:r>
-            <a:endParaRPr sz="800">
-              <a:latin typeface="Adobe Clean"/>
-              <a:cs typeface="Adobe Clean"/>
-            </a:endParaRPr>
+              <a:t>EE. UU.</a:t>
+            </a:r>
           </a:p>
           <a:p>
             <a:pPr marL="12700">
@@ -15722,7 +13315,7 @@
               </a:spcBef>
             </a:pPr>
             <a:r>
-              <a:rPr sz="800" u="sng" spc="-25">
+              <a:rPr lang="es-ES" sz="800" u="sng">
                 <a:solidFill>
                   <a:srgbClr val="5F5F5F"/>
                 </a:solidFill>
@@ -15737,10 +13330,6 @@
               </a:rPr>
               <a:t>www.adobe.com</a:t>
             </a:r>
-            <a:endParaRPr sz="800">
-              <a:latin typeface="Adobe Clean"/>
-              <a:cs typeface="Adobe Clean"/>
-            </a:endParaRPr>
           </a:p>
         </p:txBody>
       </p:sp>
@@ -15915,429 +13504,15 @@
               </a:spcBef>
             </a:pPr>
             <a:r>
-              <a:rPr sz="1100" i="1" spc="-10">
+              <a:rPr lang="es-ES" sz="1100" i="1">
                 <a:solidFill>
                   <a:srgbClr val="777879"/>
                 </a:solidFill>
                 <a:latin typeface="AdobeClean-LightIt"/>
                 <a:cs typeface="AdobeClean-LightIt"/>
               </a:rPr>
-              <a:t>To</a:t>
-            </a:r>
-            <a:r>
-              <a:rPr sz="1100" i="1" spc="-50">
-                <a:solidFill>
-                  <a:srgbClr val="777879"/>
-                </a:solidFill>
-                <a:latin typeface="AdobeClean-LightIt"/>
-                <a:cs typeface="AdobeClean-LightIt"/>
-              </a:rPr>
-              <a:t> </a:t>
-            </a:r>
-            <a:r>
-              <a:rPr sz="1100" i="1" spc="-15">
-                <a:solidFill>
-                  <a:srgbClr val="777879"/>
-                </a:solidFill>
-                <a:latin typeface="AdobeClean-LightIt"/>
-                <a:cs typeface="AdobeClean-LightIt"/>
-              </a:rPr>
-              <a:t>learn</a:t>
-            </a:r>
-            <a:r>
-              <a:rPr sz="1100" i="1" spc="-40">
-                <a:solidFill>
-                  <a:srgbClr val="777879"/>
-                </a:solidFill>
-                <a:latin typeface="AdobeClean-LightIt"/>
-                <a:cs typeface="AdobeClean-LightIt"/>
-              </a:rPr>
-              <a:t> </a:t>
-            </a:r>
-            <a:r>
-              <a:rPr sz="1100" i="1" spc="-15">
-                <a:solidFill>
-                  <a:srgbClr val="777879"/>
-                </a:solidFill>
-                <a:latin typeface="AdobeClean-LightIt"/>
-                <a:cs typeface="AdobeClean-LightIt"/>
-              </a:rPr>
-              <a:t>more</a:t>
-            </a:r>
-            <a:r>
-              <a:rPr sz="1100" i="1" spc="-45">
-                <a:solidFill>
-                  <a:srgbClr val="777879"/>
-                </a:solidFill>
-                <a:latin typeface="AdobeClean-LightIt"/>
-                <a:cs typeface="AdobeClean-LightIt"/>
-              </a:rPr>
-              <a:t> </a:t>
-            </a:r>
-            <a:r>
-              <a:rPr sz="1100" i="1" spc="-15">
-                <a:solidFill>
-                  <a:srgbClr val="777879"/>
-                </a:solidFill>
-                <a:latin typeface="AdobeClean-LightIt"/>
-                <a:cs typeface="AdobeClean-LightIt"/>
-              </a:rPr>
-              <a:t>about</a:t>
-            </a:r>
-            <a:r>
-              <a:rPr sz="1100" i="1" spc="-45">
-                <a:solidFill>
-                  <a:srgbClr val="777879"/>
-                </a:solidFill>
-                <a:latin typeface="AdobeClean-LightIt"/>
-                <a:cs typeface="AdobeClean-LightIt"/>
-              </a:rPr>
-              <a:t> </a:t>
-            </a:r>
-            <a:r>
-              <a:rPr sz="1100" i="1" spc="-15">
-                <a:solidFill>
-                  <a:srgbClr val="777879"/>
-                </a:solidFill>
-                <a:latin typeface="AdobeClean-LightIt"/>
-                <a:cs typeface="AdobeClean-LightIt"/>
-              </a:rPr>
-              <a:t>Adobe</a:t>
-            </a:r>
-            <a:r>
-              <a:rPr sz="1100" i="1" spc="-60">
-                <a:solidFill>
-                  <a:srgbClr val="777879"/>
-                </a:solidFill>
-                <a:latin typeface="AdobeClean-LightIt"/>
-                <a:cs typeface="AdobeClean-LightIt"/>
-              </a:rPr>
-              <a:t> </a:t>
-            </a:r>
-            <a:r>
-              <a:rPr sz="1100" i="1" spc="-15">
-                <a:solidFill>
-                  <a:srgbClr val="777879"/>
-                </a:solidFill>
-                <a:latin typeface="AdobeClean-LightIt"/>
-                <a:cs typeface="AdobeClean-LightIt"/>
-              </a:rPr>
-              <a:t>Support</a:t>
-            </a:r>
-            <a:r>
-              <a:rPr lang="en-US" sz="1100" i="1" spc="-15">
-                <a:solidFill>
-                  <a:srgbClr val="777879"/>
-                </a:solidFill>
-                <a:latin typeface="AdobeClean-LightIt"/>
-                <a:cs typeface="AdobeClean-LightIt"/>
-              </a:rPr>
-              <a:t> Offerings</a:t>
-            </a:r>
-            <a:r>
-              <a:rPr sz="1100" i="1" spc="-75">
-                <a:solidFill>
-                  <a:srgbClr val="777879"/>
-                </a:solidFill>
-                <a:latin typeface="AdobeClean-LightIt"/>
-                <a:cs typeface="AdobeClean-LightIt"/>
-              </a:rPr>
-              <a:t> </a:t>
-            </a:r>
-            <a:r>
-              <a:rPr sz="1100" i="1" spc="-15">
-                <a:solidFill>
-                  <a:srgbClr val="777879"/>
-                </a:solidFill>
-                <a:latin typeface="AdobeClean-LightIt"/>
-                <a:cs typeface="AdobeClean-LightIt"/>
-              </a:rPr>
-              <a:t>and</a:t>
-            </a:r>
-            <a:r>
-              <a:rPr sz="1100" i="1" spc="-50">
-                <a:solidFill>
-                  <a:srgbClr val="777879"/>
-                </a:solidFill>
-                <a:latin typeface="AdobeClean-LightIt"/>
-                <a:cs typeface="AdobeClean-LightIt"/>
-              </a:rPr>
-              <a:t> </a:t>
-            </a:r>
-            <a:r>
-              <a:rPr sz="1100" i="1" spc="-15">
-                <a:solidFill>
-                  <a:srgbClr val="777879"/>
-                </a:solidFill>
-                <a:latin typeface="AdobeClean-LightIt"/>
-                <a:cs typeface="AdobeClean-LightIt"/>
-              </a:rPr>
-              <a:t>the</a:t>
-            </a:r>
-            <a:r>
-              <a:rPr sz="1100" i="1" spc="-55">
-                <a:solidFill>
-                  <a:srgbClr val="777879"/>
-                </a:solidFill>
-                <a:latin typeface="AdobeClean-LightIt"/>
-                <a:cs typeface="AdobeClean-LightIt"/>
-              </a:rPr>
-              <a:t> </a:t>
-            </a:r>
-            <a:r>
-              <a:rPr sz="1100" i="1" spc="-15">
-                <a:solidFill>
-                  <a:srgbClr val="777879"/>
-                </a:solidFill>
-                <a:latin typeface="AdobeClean-LightIt"/>
-                <a:cs typeface="AdobeClean-LightIt"/>
-              </a:rPr>
-              <a:t>right</a:t>
-            </a:r>
-            <a:r>
-              <a:rPr sz="1100" i="1" spc="-95">
-                <a:solidFill>
-                  <a:srgbClr val="777879"/>
-                </a:solidFill>
-                <a:latin typeface="AdobeClean-LightIt"/>
-                <a:cs typeface="AdobeClean-LightIt"/>
-              </a:rPr>
-              <a:t> </a:t>
-            </a:r>
-            <a:r>
-              <a:rPr sz="1100" i="1" spc="-15">
-                <a:solidFill>
-                  <a:srgbClr val="777879"/>
-                </a:solidFill>
-                <a:latin typeface="AdobeClean-LightIt"/>
-                <a:cs typeface="AdobeClean-LightIt"/>
-              </a:rPr>
-              <a:t>level</a:t>
-            </a:r>
-            <a:r>
-              <a:rPr sz="1100" i="1" spc="-55">
-                <a:solidFill>
-                  <a:srgbClr val="777879"/>
-                </a:solidFill>
-                <a:latin typeface="AdobeClean-LightIt"/>
-                <a:cs typeface="AdobeClean-LightIt"/>
-              </a:rPr>
-              <a:t> </a:t>
-            </a:r>
-            <a:r>
-              <a:rPr sz="1100" i="1" spc="-15">
-                <a:solidFill>
-                  <a:srgbClr val="777879"/>
-                </a:solidFill>
-                <a:latin typeface="AdobeClean-LightIt"/>
-                <a:cs typeface="AdobeClean-LightIt"/>
-              </a:rPr>
-              <a:t>for</a:t>
-            </a:r>
-            <a:r>
-              <a:rPr sz="1100" i="1" spc="-85">
-                <a:solidFill>
-                  <a:srgbClr val="777879"/>
-                </a:solidFill>
-                <a:latin typeface="AdobeClean-LightIt"/>
-                <a:cs typeface="AdobeClean-LightIt"/>
-              </a:rPr>
-              <a:t> </a:t>
-            </a:r>
-            <a:r>
-              <a:rPr sz="1100" i="1" spc="-15">
-                <a:solidFill>
-                  <a:srgbClr val="777879"/>
-                </a:solidFill>
-                <a:latin typeface="AdobeClean-LightIt"/>
-                <a:cs typeface="AdobeClean-LightIt"/>
-              </a:rPr>
-              <a:t>you,</a:t>
-            </a:r>
-            <a:r>
-              <a:rPr sz="1100" i="1" spc="-65">
-                <a:solidFill>
-                  <a:srgbClr val="777879"/>
-                </a:solidFill>
-                <a:latin typeface="AdobeClean-LightIt"/>
-                <a:cs typeface="AdobeClean-LightIt"/>
-              </a:rPr>
-              <a:t> </a:t>
-            </a:r>
-            <a:r>
-              <a:rPr sz="1100" i="1" spc="-15">
-                <a:solidFill>
-                  <a:srgbClr val="777879"/>
-                </a:solidFill>
-                <a:latin typeface="AdobeClean-LightIt"/>
-                <a:cs typeface="AdobeClean-LightIt"/>
-              </a:rPr>
-              <a:t>contact</a:t>
-            </a:r>
-            <a:r>
-              <a:rPr sz="1100" i="1" spc="-85">
-                <a:solidFill>
-                  <a:srgbClr val="777879"/>
-                </a:solidFill>
-                <a:latin typeface="AdobeClean-LightIt"/>
-                <a:cs typeface="AdobeClean-LightIt"/>
-              </a:rPr>
-              <a:t> </a:t>
-            </a:r>
-            <a:r>
-              <a:rPr sz="1100" i="1" spc="-15">
-                <a:solidFill>
-                  <a:srgbClr val="777879"/>
-                </a:solidFill>
-                <a:latin typeface="AdobeClean-LightIt"/>
-                <a:cs typeface="AdobeClean-LightIt"/>
-              </a:rPr>
-              <a:t>your</a:t>
-            </a:r>
-            <a:r>
-              <a:rPr sz="1100" i="1" spc="-70">
-                <a:solidFill>
-                  <a:srgbClr val="777879"/>
-                </a:solidFill>
-                <a:latin typeface="AdobeClean-LightIt"/>
-                <a:cs typeface="AdobeClean-LightIt"/>
-              </a:rPr>
-              <a:t> </a:t>
-            </a:r>
-            <a:r>
-              <a:rPr sz="1100" i="1" spc="-15">
-                <a:solidFill>
-                  <a:srgbClr val="777879"/>
-                </a:solidFill>
-                <a:latin typeface="AdobeClean-LightIt"/>
-                <a:cs typeface="AdobeClean-LightIt"/>
-              </a:rPr>
-              <a:t>Named</a:t>
-            </a:r>
-            <a:r>
-              <a:rPr sz="1100" i="1" spc="-55">
-                <a:solidFill>
-                  <a:srgbClr val="777879"/>
-                </a:solidFill>
-                <a:latin typeface="AdobeClean-LightIt"/>
-                <a:cs typeface="AdobeClean-LightIt"/>
-              </a:rPr>
-              <a:t> </a:t>
-            </a:r>
-            <a:r>
-              <a:rPr sz="1100" i="1" spc="-25">
-                <a:solidFill>
-                  <a:srgbClr val="777879"/>
-                </a:solidFill>
-                <a:latin typeface="AdobeClean-LightIt"/>
-                <a:cs typeface="AdobeClean-LightIt"/>
-              </a:rPr>
-              <a:t>Account</a:t>
-            </a:r>
-            <a:r>
-              <a:rPr sz="1100" i="1" spc="-120">
-                <a:solidFill>
-                  <a:srgbClr val="777879"/>
-                </a:solidFill>
-                <a:latin typeface="AdobeClean-LightIt"/>
-                <a:cs typeface="AdobeClean-LightIt"/>
-              </a:rPr>
-              <a:t> </a:t>
-            </a:r>
-            <a:r>
-              <a:rPr sz="1100" i="1" spc="-20">
-                <a:solidFill>
-                  <a:srgbClr val="777879"/>
-                </a:solidFill>
-                <a:latin typeface="AdobeClean-LightIt"/>
-                <a:cs typeface="AdobeClean-LightIt"/>
-              </a:rPr>
-              <a:t>Manager  </a:t>
-            </a:r>
-            <a:r>
-              <a:rPr sz="1100" i="1" spc="-15">
-                <a:solidFill>
-                  <a:srgbClr val="777879"/>
-                </a:solidFill>
-                <a:latin typeface="AdobeClean-LightIt"/>
-                <a:cs typeface="AdobeClean-LightIt"/>
-              </a:rPr>
-              <a:t>(NAM) </a:t>
-            </a:r>
-            <a:r>
-              <a:rPr sz="1100" i="1" spc="-10">
-                <a:solidFill>
-                  <a:srgbClr val="777879"/>
-                </a:solidFill>
-                <a:latin typeface="AdobeClean-LightIt"/>
-                <a:cs typeface="AdobeClean-LightIt"/>
-              </a:rPr>
-              <a:t>or </a:t>
-            </a:r>
-            <a:r>
-              <a:rPr sz="1100" i="1" spc="-15">
-                <a:solidFill>
-                  <a:srgbClr val="777879"/>
-                </a:solidFill>
-                <a:latin typeface="AdobeClean-LightIt"/>
-                <a:cs typeface="AdobeClean-LightIt"/>
-              </a:rPr>
-              <a:t>Customer </a:t>
-            </a:r>
-            <a:r>
-              <a:rPr sz="1100" i="1" spc="-20">
-                <a:solidFill>
-                  <a:srgbClr val="777879"/>
-                </a:solidFill>
-                <a:latin typeface="AdobeClean-LightIt"/>
-                <a:cs typeface="AdobeClean-LightIt"/>
-              </a:rPr>
-              <a:t>Success</a:t>
-            </a:r>
-            <a:r>
-              <a:rPr sz="1100" i="1" spc="-180">
-                <a:solidFill>
-                  <a:srgbClr val="777879"/>
-                </a:solidFill>
-                <a:latin typeface="AdobeClean-LightIt"/>
-                <a:cs typeface="AdobeClean-LightIt"/>
-              </a:rPr>
-              <a:t> </a:t>
-            </a:r>
-            <a:r>
-              <a:rPr sz="1100" i="1" spc="-15">
-                <a:solidFill>
-                  <a:srgbClr val="777879"/>
-                </a:solidFill>
-                <a:latin typeface="AdobeClean-LightIt"/>
-                <a:cs typeface="AdobeClean-LightIt"/>
-              </a:rPr>
-              <a:t>Manager</a:t>
-            </a:r>
-            <a:r>
-              <a:rPr lang="en-US" sz="1100" i="1" spc="-15">
-                <a:solidFill>
-                  <a:srgbClr val="777879"/>
-                </a:solidFill>
-                <a:latin typeface="AdobeClean-LightIt"/>
-                <a:cs typeface="AdobeClean-LightIt"/>
-              </a:rPr>
-              <a:t> </a:t>
-            </a:r>
-            <a:r>
-              <a:rPr sz="1100" i="1" spc="-15">
-                <a:solidFill>
-                  <a:srgbClr val="777879"/>
-                </a:solidFill>
-                <a:latin typeface="AdobeClean-LightIt"/>
-                <a:cs typeface="AdobeClean-LightIt"/>
-              </a:rPr>
-              <a:t>(CSM)</a:t>
-            </a:r>
-            <a:endParaRPr sz="1100">
-              <a:latin typeface="AdobeClean-LightIt"/>
-              <a:cs typeface="AdobeClean-LightIt"/>
-            </a:endParaRPr>
+              <a:t>Para saber más sobre las ofertas de asistencia de Adobe y el nivel adecuado para usted, póngase en contacto con su administrador de cuentas (NAM) o con su Customer Success Manager (CSM)</a:t>
+            </a:r>
           </a:p>
           <a:p>
             <a:pPr marL="34290">
@@ -16349,59 +13524,15 @@
               </a:spcBef>
             </a:pPr>
             <a:r>
-              <a:rPr sz="800" spc="-5">
+              <a:rPr lang="es-ES" sz="800">
                 <a:solidFill>
                   <a:srgbClr val="6D6D6D"/>
                 </a:solidFill>
                 <a:latin typeface="Adobe Clean"/>
                 <a:cs typeface="Adobe Clean"/>
               </a:rPr>
-              <a:t>©202</a:t>
-            </a:r>
-            <a:r>
-              <a:rPr lang="en-US" sz="800" spc="-5">
-                <a:solidFill>
-                  <a:srgbClr val="6D6D6D"/>
-                </a:solidFill>
-                <a:latin typeface="Adobe Clean"/>
-                <a:cs typeface="Adobe Clean"/>
-              </a:rPr>
-              <a:t>1</a:t>
-            </a:r>
-            <a:r>
-              <a:rPr sz="800" spc="-5">
-                <a:solidFill>
-                  <a:srgbClr val="6D6D6D"/>
-                </a:solidFill>
-                <a:latin typeface="Adobe Clean"/>
-                <a:cs typeface="Adobe Clean"/>
-              </a:rPr>
-              <a:t> Adobe. All Rights Reserved. Adobe</a:t>
-            </a:r>
-            <a:r>
-              <a:rPr sz="800" spc="75">
-                <a:solidFill>
-                  <a:srgbClr val="6D6D6D"/>
-                </a:solidFill>
-                <a:latin typeface="Adobe Clean"/>
-                <a:cs typeface="Adobe Clean"/>
-              </a:rPr>
-              <a:t> </a:t>
-            </a:r>
-            <a:r>
-              <a:rPr sz="800" spc="-5">
-                <a:solidFill>
-                  <a:srgbClr val="6D6D6D"/>
-                </a:solidFill>
-                <a:latin typeface="Adobe Clean"/>
-                <a:cs typeface="Adobe Clean"/>
-              </a:rPr>
-              <a:t>Confidential.</a:t>
-            </a:r>
-            <a:endParaRPr sz="800">
-              <a:latin typeface="Adobe Clean"/>
-              <a:cs typeface="Adobe Clean"/>
-            </a:endParaRPr>
+              <a:t>©2021 Adobe. All Rights Reserved. Adobe Confidential.</a:t>
+            </a:r>
           </a:p>
         </p:txBody>
       </p:sp>
@@ -16438,19 +13569,15 @@
               </a:spcBef>
             </a:pPr>
             <a:r>
-              <a:rPr lang="en-US" sz="1400" b="1" spc="-15">
+              <a:rPr lang="es-ES" sz="1400" b="1" dirty="0">
                 <a:solidFill>
                   <a:srgbClr val="020302"/>
                 </a:solidFill>
                 <a:latin typeface="Adobe Clean"/>
                 <a:cs typeface="Adobe Clean"/>
               </a:rPr>
-              <a:t>Regional scope of Adobe Support, Local Hours Of Operation And Language Support</a:t>
-            </a:r>
-            <a:endParaRPr lang="en-US" sz="1400" spc="-15">
-              <a:ea typeface="+mn-lt"/>
-              <a:cs typeface="+mn-lt"/>
-            </a:endParaRPr>
+              <a:t>Alcance regional del Soporte de Adobe, horas locales de trabajo y compatibilidad de idioma</a:t>
+            </a:r>
           </a:p>
           <a:p>
             <a:pPr>
@@ -16459,17 +13586,14 @@
               </a:spcBef>
             </a:pPr>
             <a:r>
-              <a:rPr lang="en-US" sz="1000" spc="-15">
+              <a:rPr lang="es-ES" sz="1000" dirty="0">
                 <a:solidFill>
                   <a:srgbClr val="1F1F1F"/>
                 </a:solidFill>
                 <a:latin typeface="AdobeClean-Light"/>
               </a:rPr>
-              <a:t>The regional scope of Adobe Support is established by aligning the customer's billing address (via the Sales Order or other Adobe Support purchasing document) to one of the following regions:</a:t>
-            </a:r>
-            <a:endParaRPr lang="en-US" sz="1000">
-              <a:latin typeface="AdobeClean-Light"/>
-            </a:endParaRPr>
+              <a:t>El alcance regional del Soporte de Adobe se establece asignando la dirección de facturación del cliente (mediante la orden de venta o el documento de compra de Soporte de Adobe) con una de estas regiones:</a:t>
+            </a:r>
           </a:p>
         </p:txBody>
       </p:sp>
@@ -16488,7 +13612,7 @@
           <p:nvPr>
             <p:extLst>
               <p:ext uri="{D42A27DB-BD31-4B8C-83A1-F6EECF244321}">
-                <p14:modId xmlns:p14="http://schemas.microsoft.com/office/powerpoint/2010/main" val="3975465108"/>
+                <p14:modId xmlns:p14="http://schemas.microsoft.com/office/powerpoint/2010/main" val="1393784457"/>
               </p:ext>
             </p:extLst>
           </p:nvPr>
@@ -16541,13 +13665,13 @@
                     <a:p>
                       <a:pPr algn="ctr"/>
                       <a:r>
-                        <a:rPr lang="en-US" sz="1100">
+                        <a:rPr lang="es-ES" sz="1100">
                           <a:solidFill>
                             <a:schemeClr val="tx1"/>
                           </a:solidFill>
                           <a:latin typeface="Adobe Clean" panose="020B0503020404020204" pitchFamily="34" charset="0"/>
                         </a:rPr>
-                        <a:t>Americas</a:t>
+                        <a:t>América</a:t>
                       </a:r>
                     </a:p>
                   </a:txBody>
@@ -16606,13 +13730,30 @@
                     <a:p>
                       <a:pPr algn="ctr"/>
                       <a:r>
-                        <a:rPr lang="en-US" sz="1100">
+                        <a:rPr lang="es-ES" sz="1100" dirty="0">
                           <a:solidFill>
                             <a:schemeClr val="tx1"/>
                           </a:solidFill>
                           <a:latin typeface="Adobe Clean" panose="020B0503020404020204" pitchFamily="34" charset="0"/>
                         </a:rPr>
-                        <a:t>Europe, Middle East &amp; Africa</a:t>
+                        <a:t>Europa, Oriente Medio </a:t>
+                      </a:r>
+                      <a:br>
+                        <a:rPr lang="es-ES" sz="1100" dirty="0">
+                          <a:solidFill>
+                            <a:schemeClr val="tx1"/>
+                          </a:solidFill>
+                          <a:latin typeface="Adobe Clean" panose="020B0503020404020204" pitchFamily="34" charset="0"/>
+                        </a:rPr>
+                      </a:br>
+                      <a:r>
+                        <a:rPr lang="es-ES" sz="1100" dirty="0">
+                          <a:solidFill>
+                            <a:schemeClr val="tx1"/>
+                          </a:solidFill>
+                          <a:latin typeface="Adobe Clean" panose="020B0503020404020204" pitchFamily="34" charset="0"/>
+                        </a:rPr>
+                        <a:t>y África</a:t>
                       </a:r>
                     </a:p>
                   </a:txBody>
@@ -16671,13 +13812,13 @@
                     <a:p>
                       <a:pPr algn="ctr"/>
                       <a:r>
-                        <a:rPr lang="en-US" sz="1100">
+                        <a:rPr lang="es-ES" sz="1100" dirty="0">
                           <a:solidFill>
                             <a:schemeClr val="tx1"/>
                           </a:solidFill>
                           <a:latin typeface="Adobe Clean" panose="020B0503020404020204" pitchFamily="34" charset="0"/>
                         </a:rPr>
-                        <a:t>Asia Pacific</a:t>
+                        <a:t>Asia-Pacífico</a:t>
                       </a:r>
                     </a:p>
                   </a:txBody>
@@ -16736,16 +13877,16 @@
                     <a:p>
                       <a:pPr algn="ctr"/>
                       <a:r>
-                        <a:rPr lang="en-US" sz="1100">
+                        <a:rPr lang="es-ES" sz="1100" dirty="0">
                           <a:solidFill>
                             <a:schemeClr val="tx1"/>
                           </a:solidFill>
                           <a:latin typeface="Adobe Clean" panose="020B0503020404020204" pitchFamily="34" charset="0"/>
                         </a:rPr>
-                        <a:t>Japan </a:t>
+                        <a:t>Japón </a:t>
                       </a:r>
                       <a:r>
-                        <a:rPr lang="en-US" sz="1100" baseline="30000">
+                        <a:rPr lang="es-ES" sz="1100" baseline="30000" dirty="0">
                           <a:solidFill>
                             <a:schemeClr val="tx1"/>
                           </a:solidFill>
@@ -16753,12 +13894,6 @@
                         </a:rPr>
                         <a:t>1 </a:t>
                       </a:r>
-                      <a:endParaRPr lang="en-US" sz="1100">
-                        <a:solidFill>
-                          <a:schemeClr val="tx1"/>
-                        </a:solidFill>
-                        <a:latin typeface="Adobe Clean" panose="020B0503020404020204" pitchFamily="34" charset="0"/>
-                      </a:endParaRPr>
                     </a:p>
                   </a:txBody>
                   <a:tcPr anchor="ctr">
@@ -16823,13 +13958,13 @@
                     <a:p>
                       <a:pPr algn="ctr"/>
                       <a:r>
-                        <a:rPr lang="en-US" sz="1100">
+                        <a:rPr lang="es-ES" sz="1100">
                           <a:solidFill>
                             <a:schemeClr val="tx1"/>
                           </a:solidFill>
                           <a:latin typeface="Adobe Clean" panose="020B0503020404020204" pitchFamily="34" charset="0"/>
                         </a:rPr>
-                        <a:t>6 am – 5:30 pm</a:t>
+                        <a:t>06:00 h - 17:30 h</a:t>
                       </a:r>
                     </a:p>
                   </a:txBody>
@@ -16888,13 +14023,13 @@
                     <a:p>
                       <a:pPr algn="ctr"/>
                       <a:r>
-                        <a:rPr lang="en-US" sz="1100">
+                        <a:rPr lang="es-ES" sz="1100" dirty="0">
                           <a:solidFill>
                             <a:schemeClr val="tx1"/>
                           </a:solidFill>
                           <a:latin typeface="Adobe Clean" panose="020B0503020404020204" pitchFamily="34" charset="0"/>
                         </a:rPr>
-                        <a:t>9 am – 5 pm</a:t>
+                        <a:t>09:00 h - 17:00 h</a:t>
                       </a:r>
                     </a:p>
                   </a:txBody>
@@ -16953,13 +14088,13 @@
                     <a:p>
                       <a:pPr algn="ctr"/>
                       <a:r>
-                        <a:rPr lang="en-US" sz="1100">
+                        <a:rPr lang="es-ES" sz="1100" dirty="0">
                           <a:solidFill>
                             <a:schemeClr val="tx1"/>
                           </a:solidFill>
                           <a:latin typeface="Adobe Clean" panose="020B0503020404020204" pitchFamily="34" charset="0"/>
                         </a:rPr>
-                        <a:t>9 am – 5 pm</a:t>
+                        <a:t>09:00 h - 17:00 h</a:t>
                       </a:r>
                     </a:p>
                   </a:txBody>
@@ -17018,13 +14153,13 @@
                     <a:p>
                       <a:pPr algn="ctr"/>
                       <a:r>
-                        <a:rPr lang="en-US" sz="1100">
+                        <a:rPr lang="es-ES" sz="1100">
                           <a:solidFill>
                             <a:schemeClr val="tx1"/>
                           </a:solidFill>
                           <a:latin typeface="Adobe Clean" panose="020B0503020404020204" pitchFamily="34" charset="0"/>
                         </a:rPr>
-                        <a:t>9 am – 5:30 pm</a:t>
+                        <a:t>09:00 h - 17:30 h</a:t>
                       </a:r>
                     </a:p>
                   </a:txBody>
@@ -17104,23 +14239,17 @@
                         <a:buNone/>
                       </a:pPr>
                       <a:r>
-                        <a:rPr lang="en-US" sz="1100">
+                        <a:rPr lang="es-ES" sz="1100" dirty="0">
                           <a:solidFill>
                             <a:schemeClr val="tx1"/>
                           </a:solidFill>
                           <a:latin typeface="Adobe Clean"/>
                         </a:rPr>
-                        <a:t>Language support is only available in English and Japanese. </a:t>
+                        <a:t>Compatibilidad de idioma solo disponible en inglés y japonés </a:t>
                       </a:r>
-                      <a:endParaRPr lang="en-US" sz="1100">
-                        <a:solidFill>
-                          <a:schemeClr val="tx1"/>
-                        </a:solidFill>
-                        <a:latin typeface="Adobe Clean" panose="020B0503020404020204" pitchFamily="34" charset="0"/>
-                      </a:endParaRPr>
                     </a:p>
                     <a:p>
-                      <a:pPr marL="0" marR="0" lvl="0" indent="0" algn="ctr" defTabSz="914400" eaLnBrk="1" fontAlgn="auto" latinLnBrk="0" hangingPunct="1">
+                      <a:pPr marL="0" marR="0" lvl="0" indent="0" algn="l" defTabSz="914400" rtl="0" eaLnBrk="1" fontAlgn="auto" latinLnBrk="0" hangingPunct="1">
                         <a:lnSpc>
                           <a:spcPct val="100000"/>
                         </a:lnSpc>
@@ -17137,7 +14266,7 @@
                         <a:tabLst/>
                         <a:defRPr/>
                       </a:pPr>
-                      <a:endParaRPr kumimoji="0" lang="en-US" sz="1100" b="1" i="0" u="none" strike="noStrike" kern="0" cap="none" spc="0" normalizeH="0" baseline="30000" noProof="0">
+                      <a:endParaRPr kumimoji="0" lang="en-US" sz="1100" b="1" i="0" u="none" strike="noStrike" kern="0" cap="none" spc="0" normalizeH="0" baseline="30000" noProof="0" dirty="0">
                         <a:ln>
                           <a:noFill/>
                         </a:ln>
@@ -17155,7 +14284,7 @@
                     <a:p>
                       <a:pPr algn="ctr"/>
                       <a:r>
-                        <a:rPr lang="en-US" sz="1100" i="0">
+                        <a:rPr lang="es-ES" sz="1100" i="0" dirty="0">
                           <a:solidFill>
                             <a:schemeClr val="tx1"/>
                           </a:solidFill>
@@ -17164,7 +14293,7 @@
                         <a:t> </a:t>
                       </a:r>
                       <a:r>
-                        <a:rPr lang="en-US" sz="1100" i="0" baseline="30000">
+                        <a:rPr lang="es-ES" sz="1100" i="0" baseline="30000" dirty="0">
                           <a:solidFill>
                             <a:schemeClr val="tx1"/>
                           </a:solidFill>
@@ -17173,20 +14302,14 @@
                         <a:t>1 </a:t>
                       </a:r>
                       <a:r>
-                        <a:rPr lang="en-US" sz="1100" i="0">
+                        <a:rPr lang="es-ES" sz="1100" i="0" dirty="0">
                           <a:solidFill>
                             <a:schemeClr val="tx1"/>
                           </a:solidFill>
                           <a:latin typeface="Adobe Clean"/>
                         </a:rPr>
-                        <a:t>P2, P3, P4 cases are limited to business hours only in Japan.</a:t>
+                        <a:t>Los casos de P2, P3, P4 se limitan únicamente al horario laboral en Japón.</a:t>
                       </a:r>
-                      <a:endParaRPr lang="en-US" sz="1100" b="1" i="0">
-                        <a:solidFill>
-                          <a:schemeClr val="tx1"/>
-                        </a:solidFill>
-                        <a:latin typeface="Adobe Clean"/>
-                      </a:endParaRPr>
                     </a:p>
                   </a:txBody>
                   <a:tcPr anchor="ctr">
@@ -17541,7 +14664,7 @@
           </a:bodyPr>
           <a:lstStyle/>
           <a:p>
-            <a:pPr marL="139065" marR="5080" indent="-139065">
+            <a:pPr marR="5080" algn="ctr">
               <a:lnSpc>
                 <a:spcPts val="1390"/>
               </a:lnSpc>
@@ -17550,129 +14673,15 @@
               </a:spcBef>
             </a:pPr>
             <a:r>
-              <a:rPr sz="1200" b="1" spc="-15">
+              <a:rPr lang="es-ES" sz="1200" b="1" dirty="0">
                 <a:solidFill>
                   <a:srgbClr val="FFFFFF"/>
                 </a:solidFill>
                 <a:latin typeface="Adobe Clean"/>
                 <a:cs typeface="Adobe Clean"/>
               </a:rPr>
-              <a:t>U</a:t>
-            </a:r>
-            <a:r>
-              <a:rPr sz="1200" b="1" spc="-20">
-                <a:solidFill>
-                  <a:srgbClr val="FFFFFF"/>
-                </a:solidFill>
-                <a:latin typeface="Adobe Clean"/>
-                <a:cs typeface="Adobe Clean"/>
-              </a:rPr>
-              <a:t>n</a:t>
-            </a:r>
-            <a:r>
-              <a:rPr sz="1200" b="1" spc="-25">
-                <a:solidFill>
-                  <a:srgbClr val="FFFFFF"/>
-                </a:solidFill>
-                <a:latin typeface="Adobe Clean"/>
-                <a:cs typeface="Adobe Clean"/>
-              </a:rPr>
-              <a:t>p</a:t>
-            </a:r>
-            <a:r>
-              <a:rPr sz="1200" b="1" spc="-15">
-                <a:solidFill>
-                  <a:srgbClr val="FFFFFF"/>
-                </a:solidFill>
-                <a:latin typeface="Adobe Clean"/>
-                <a:cs typeface="Adobe Clean"/>
-              </a:rPr>
-              <a:t>a</a:t>
-            </a:r>
-            <a:r>
-              <a:rPr sz="1200" b="1" spc="-25">
-                <a:solidFill>
-                  <a:srgbClr val="FFFFFF"/>
-                </a:solidFill>
-                <a:latin typeface="Adobe Clean"/>
-                <a:cs typeface="Adobe Clean"/>
-              </a:rPr>
-              <a:t>r</a:t>
-            </a:r>
-            <a:r>
-              <a:rPr sz="1200" b="1" spc="-15">
-                <a:solidFill>
-                  <a:srgbClr val="FFFFFF"/>
-                </a:solidFill>
-                <a:latin typeface="Adobe Clean"/>
-                <a:cs typeface="Adobe Clean"/>
-              </a:rPr>
-              <a:t>a</a:t>
-            </a:r>
-            <a:r>
-              <a:rPr sz="1200" b="1" spc="-30">
-                <a:solidFill>
-                  <a:srgbClr val="FFFFFF"/>
-                </a:solidFill>
-                <a:latin typeface="Adobe Clean"/>
-                <a:cs typeface="Adobe Clean"/>
-              </a:rPr>
-              <a:t>ll</a:t>
-            </a:r>
-            <a:r>
-              <a:rPr sz="1200" b="1" spc="-25">
-                <a:solidFill>
-                  <a:srgbClr val="FFFFFF"/>
-                </a:solidFill>
-                <a:latin typeface="Adobe Clean"/>
-                <a:cs typeface="Adobe Clean"/>
-              </a:rPr>
-              <a:t>e</a:t>
-            </a:r>
-            <a:r>
-              <a:rPr sz="1200" b="1" spc="-30">
-                <a:solidFill>
-                  <a:srgbClr val="FFFFFF"/>
-                </a:solidFill>
-                <a:latin typeface="Adobe Clean"/>
-                <a:cs typeface="Adobe Clean"/>
-              </a:rPr>
-              <a:t>l</a:t>
-            </a:r>
-            <a:r>
-              <a:rPr sz="1200" b="1" spc="-25">
-                <a:solidFill>
-                  <a:srgbClr val="FFFFFF"/>
-                </a:solidFill>
-                <a:latin typeface="Adobe Clean"/>
-                <a:cs typeface="Adobe Clean"/>
-              </a:rPr>
-              <a:t>e</a:t>
-            </a:r>
-            <a:r>
-              <a:rPr sz="1200" b="1">
-                <a:solidFill>
-                  <a:srgbClr val="FFFFFF"/>
-                </a:solidFill>
-                <a:latin typeface="Adobe Clean"/>
-                <a:cs typeface="Adobe Clean"/>
-              </a:rPr>
-              <a:t>d  </a:t>
-            </a:r>
-            <a:r>
-              <a:rPr sz="1200" b="1" spc="-25">
-                <a:solidFill>
-                  <a:srgbClr val="FFFFFF"/>
-                </a:solidFill>
-                <a:latin typeface="Adobe Clean"/>
-                <a:cs typeface="Adobe Clean"/>
-              </a:rPr>
-              <a:t>Expertise</a:t>
-            </a:r>
-            <a:endParaRPr sz="1200">
-              <a:latin typeface="Adobe Clean"/>
-              <a:cs typeface="Adobe Clean"/>
-            </a:endParaRPr>
+              <a:t>Experiencia sin igual</a:t>
+            </a:r>
           </a:p>
         </p:txBody>
       </p:sp>
@@ -17690,8 +14699,8 @@
         </p:nvSpPr>
         <p:spPr>
           <a:xfrm>
-            <a:off x="4732495" y="8541244"/>
-            <a:ext cx="810895" cy="382797"/>
+            <a:off x="4610575" y="8541244"/>
+            <a:ext cx="955073" cy="382797"/>
           </a:xfrm>
           <a:prstGeom prst="rect">
             <a:avLst/>
@@ -17703,7 +14712,7 @@
           </a:bodyPr>
           <a:lstStyle/>
           <a:p>
-            <a:pPr marL="139065" marR="5080" indent="-139065">
+            <a:pPr marR="5080" algn="ctr">
               <a:lnSpc>
                 <a:spcPts val="1390"/>
               </a:lnSpc>
@@ -17712,19 +14721,34 @@
               </a:spcBef>
             </a:pPr>
             <a:r>
-              <a:rPr lang="en-US" sz="1200" b="1" spc="-15">
+              <a:rPr lang="es-ES" sz="1200" b="1" dirty="0">
                 <a:solidFill>
                   <a:srgbClr val="FFFFFF"/>
                 </a:solidFill>
                 <a:latin typeface="Adobe Clean"/>
                 <a:cs typeface="Adobe Clean"/>
               </a:rPr>
-              <a:t>Accelerated Support</a:t>
-            </a:r>
-            <a:endParaRPr sz="1200">
-              <a:latin typeface="Adobe Clean"/>
-              <a:cs typeface="Adobe Clean"/>
-            </a:endParaRPr>
+              <a:t>Asistencia </a:t>
+            </a:r>
+            <a:br>
+              <a:rPr lang="es-ES" sz="1200" b="1" dirty="0">
+                <a:solidFill>
+                  <a:srgbClr val="FFFFFF"/>
+                </a:solidFill>
+                <a:latin typeface="Adobe Clean"/>
+                <a:cs typeface="Adobe Clean"/>
+              </a:rPr>
+            </a:br>
+            <a:r>
+              <a:rPr lang="es-ES" sz="1200" b="1" dirty="0">
+                <a:solidFill>
+                  <a:srgbClr val="FFFFFF"/>
+                </a:solidFill>
+                <a:latin typeface="Adobe Clean"/>
+                <a:cs typeface="Adobe Clean"/>
+              </a:rPr>
+              <a:t>ágil</a:t>
+            </a:r>
           </a:p>
         </p:txBody>
       </p:sp>
@@ -17742,8 +14766,8 @@
         </p:nvSpPr>
         <p:spPr>
           <a:xfrm>
-            <a:off x="6624119" y="8543943"/>
-            <a:ext cx="510540" cy="385445"/>
+            <a:off x="6480048" y="8543943"/>
+            <a:ext cx="837491" cy="385445"/>
           </a:xfrm>
           <a:prstGeom prst="rect">
             <a:avLst/>
@@ -17755,7 +14779,7 @@
           </a:bodyPr>
           <a:lstStyle/>
           <a:p>
-            <a:pPr marL="50800" marR="5080" indent="-51435">
+            <a:pPr marR="5080" algn="ctr">
               <a:lnSpc>
                 <a:spcPts val="1390"/>
               </a:lnSpc>
@@ -17764,109 +14788,15 @@
               </a:spcBef>
             </a:pPr>
             <a:r>
-              <a:rPr sz="1200" b="1" spc="-50">
+              <a:rPr lang="es-ES" sz="1200" b="1" dirty="0">
                 <a:solidFill>
                   <a:srgbClr val="FFFFFF"/>
                 </a:solidFill>
                 <a:latin typeface="Adobe Clean"/>
                 <a:cs typeface="Adobe Clean"/>
               </a:rPr>
-              <a:t>S</a:t>
-            </a:r>
-            <a:r>
-              <a:rPr sz="1200" b="1" spc="-20">
-                <a:solidFill>
-                  <a:srgbClr val="FFFFFF"/>
-                </a:solidFill>
-                <a:latin typeface="Adobe Clean"/>
-                <a:cs typeface="Adobe Clean"/>
-              </a:rPr>
-              <a:t>t</a:t>
-            </a:r>
-            <a:r>
-              <a:rPr sz="1200" b="1" spc="-75">
-                <a:solidFill>
-                  <a:srgbClr val="FFFFFF"/>
-                </a:solidFill>
-                <a:latin typeface="Adobe Clean"/>
-                <a:cs typeface="Adobe Clean"/>
-              </a:rPr>
-              <a:t>r</a:t>
-            </a:r>
-            <a:r>
-              <a:rPr sz="1200" b="1" spc="-90">
-                <a:solidFill>
-                  <a:srgbClr val="FFFFFF"/>
-                </a:solidFill>
-                <a:latin typeface="Adobe Clean"/>
-                <a:cs typeface="Adobe Clean"/>
-              </a:rPr>
-              <a:t>a</a:t>
-            </a:r>
-            <a:r>
-              <a:rPr sz="1200" b="1" spc="-55">
-                <a:solidFill>
-                  <a:srgbClr val="FFFFFF"/>
-                </a:solidFill>
-                <a:latin typeface="Adobe Clean"/>
-                <a:cs typeface="Adobe Clean"/>
-              </a:rPr>
-              <a:t>t</a:t>
-            </a:r>
-            <a:r>
-              <a:rPr sz="1200" b="1" spc="-100">
-                <a:solidFill>
-                  <a:srgbClr val="FFFFFF"/>
-                </a:solidFill>
-                <a:latin typeface="Adobe Clean"/>
-                <a:cs typeface="Adobe Clean"/>
-              </a:rPr>
-              <a:t>e</a:t>
-            </a:r>
-            <a:r>
-              <a:rPr sz="1200" b="1" spc="-80">
-                <a:solidFill>
-                  <a:srgbClr val="FFFFFF"/>
-                </a:solidFill>
-                <a:latin typeface="Adobe Clean"/>
-                <a:cs typeface="Adobe Clean"/>
-              </a:rPr>
-              <a:t>g</a:t>
-            </a:r>
-            <a:r>
-              <a:rPr sz="1200" b="1" spc="-35">
-                <a:solidFill>
-                  <a:srgbClr val="FFFFFF"/>
-                </a:solidFill>
-                <a:latin typeface="Adobe Clean"/>
-                <a:cs typeface="Adobe Clean"/>
-              </a:rPr>
-              <a:t>i</a:t>
-            </a:r>
-            <a:r>
-              <a:rPr sz="1200" b="1">
-                <a:solidFill>
-                  <a:srgbClr val="FFFFFF"/>
-                </a:solidFill>
-                <a:latin typeface="Adobe Clean"/>
-                <a:cs typeface="Adobe Clean"/>
-              </a:rPr>
-              <a:t>c  </a:t>
-            </a:r>
-            <a:r>
-              <a:rPr sz="1200" b="1" spc="-45">
-                <a:solidFill>
-                  <a:srgbClr val="FFFFFF"/>
-                </a:solidFill>
-                <a:latin typeface="Adobe Clean"/>
-                <a:cs typeface="Adobe Clean"/>
-              </a:rPr>
-              <a:t>Advice</a:t>
-            </a:r>
-            <a:endParaRPr sz="1200">
-              <a:latin typeface="Adobe Clean"/>
-              <a:cs typeface="Adobe Clean"/>
-            </a:endParaRPr>
+              <a:t>Asesoría estratégica</a:t>
+            </a:r>
           </a:p>
         </p:txBody>
       </p:sp>
@@ -17892,7 +14822,7 @@
         </p:nvGraphicFramePr>
         <p:xfrm>
           <a:off x="194236" y="1059345"/>
-          <a:ext cx="7368291" cy="2931160"/>
+          <a:ext cx="7368291" cy="3388360"/>
         </p:xfrm>
         <a:graphic>
           <a:graphicData uri="http://schemas.openxmlformats.org/drawingml/2006/table">
@@ -17923,7 +14853,7 @@
                     <a:lstStyle/>
                     <a:p>
                       <a:r>
-                        <a:rPr lang="en-US" sz="1100" b="0">
+                        <a:rPr lang="es-ES" sz="1100" b="0">
                           <a:solidFill>
                             <a:schemeClr val="tx1"/>
                           </a:solidFill>
@@ -17934,14 +14864,6 @@
                         </a:rPr>
                         <a:t>Experience League</a:t>
                       </a:r>
-                      <a:endParaRPr lang="en-US" sz="1100" b="0">
-                        <a:solidFill>
-                          <a:schemeClr val="tx1"/>
-                        </a:solidFill>
-                        <a:latin typeface="Adobe Clean" panose="020B0503020404020204" pitchFamily="34" charset="0"/>
-                        <a:ea typeface="+mn-ea"/>
-                        <a:cs typeface="+mn-cs"/>
-                      </a:endParaRPr>
                     </a:p>
                   </a:txBody>
                   <a:tcPr marL="47625" marR="47625" marT="0" marB="0" anchor="ctr">
@@ -18015,7 +14937,7 @@
                         <a:defRPr/>
                       </a:pPr>
                       <a:r>
-                        <a:rPr lang="en-US" sz="1000" b="0" kern="1200">
+                        <a:rPr lang="es-ES" sz="1000" b="0" dirty="0" err="1">
                           <a:solidFill>
                             <a:srgbClr val="000000"/>
                           </a:solidFill>
@@ -18023,7 +14945,18 @@
                           <a:ea typeface="+mn-ea"/>
                           <a:cs typeface="+mn-cs"/>
                         </a:rPr>
-                        <a:t>Experience League is how Adobe helps businesses achieve the value they expect from their Adobe investment. It’s the unified place where customers can learn, connect, and grow along a personalized path to success that includes self-help tutorials, product documentation, instructor-led training, community and technical support. </a:t>
+                        <a:t>Experience</a:t>
+                      </a:r>
+                      <a:r>
+                        <a:rPr lang="es-ES" sz="1000" b="0" dirty="0">
+                          <a:solidFill>
+                            <a:srgbClr val="000000"/>
+                          </a:solidFill>
+                          <a:latin typeface="Adobe Clean Light" panose="020B0303020404020204" pitchFamily="34" charset="0"/>
+                          <a:ea typeface="+mn-ea"/>
+                          <a:cs typeface="+mn-cs"/>
+                        </a:rPr>
+                        <a:t> League permite a Adobe ayudar a las empresas a alcanzar el valor que esperan de su inversión en Adobe. Es el lugar unificado en el que los clientes pueden aprender, dialogar y crecer siguiendo un camino personalizado hacia el éxito que incluye tutoriales de autoayuda, documentación de productos, formación dirigida por instructores, y asistencia técnica y comunitaria. </a:t>
                       </a:r>
                     </a:p>
                   </a:txBody>
@@ -18105,39 +15038,28 @@
                         <a:defRPr/>
                       </a:pPr>
                       <a:r>
-                        <a:rPr lang="en-US" sz="1100">
+                        <a:rPr lang="es-ES" sz="1100">
                           <a:solidFill>
                             <a:schemeClr val="dk1"/>
                           </a:solidFill>
-                          <a:effectLst/>
                           <a:latin typeface="Adobe Clean" panose="020B0503020404020204" pitchFamily="34" charset="0"/>
                           <a:ea typeface="+mn-ea"/>
                           <a:cs typeface="+mn-cs"/>
                           <a:hlinkClick r:id="rId8"/>
                         </a:rPr>
-                        <a:t>Training</a:t>
+                        <a:t>Formación</a:t>
                       </a:r>
                       <a:r>
-                        <a:rPr lang="en-US" sz="1100">
+                        <a:rPr lang="es-ES" sz="1100">
                           <a:solidFill>
                             <a:schemeClr val="dk1"/>
                           </a:solidFill>
-                          <a:effectLst/>
                           <a:latin typeface="Adobe Clean" panose="020B0503020404020204" pitchFamily="34" charset="0"/>
                           <a:ea typeface="+mn-ea"/>
                           <a:cs typeface="+mn-cs"/>
                         </a:rPr>
                         <a:t> </a:t>
                       </a:r>
-                      <a:endParaRPr lang="en-US" sz="1100">
-                        <a:solidFill>
-                          <a:schemeClr val="tx1"/>
-                        </a:solidFill>
-                        <a:effectLst/>
-                        <a:latin typeface="Adobe Clean" panose="020B0503020404020204" pitchFamily="34" charset="0"/>
-                        <a:ea typeface="+mn-ea"/>
-                        <a:cs typeface="+mn-cs"/>
-                      </a:endParaRPr>
                     </a:p>
                   </a:txBody>
                   <a:tcPr anchor="ctr">
@@ -18211,7 +15133,7 @@
                         <a:defRPr/>
                       </a:pPr>
                       <a:r>
-                        <a:rPr lang="en-US" sz="1000" kern="1200">
+                        <a:rPr lang="es-ES" sz="1000" dirty="0">
                           <a:solidFill>
                             <a:srgbClr val="000000"/>
                           </a:solidFill>
@@ -18219,7 +15141,73 @@
                           <a:ea typeface="+mn-ea"/>
                           <a:cs typeface="+mn-cs"/>
                         </a:rPr>
-                        <a:t>Adobe Digital Learning Services courses are accessible from Experience League. Learning courses integrate both on-demand and instructor-led lessons.  Here you can accrue skills that have recognized market value and position them to drive success in your organizations.</a:t>
+                        <a:t>Puede acceder a los cursos de Adobe Digital </a:t>
+                      </a:r>
+                      <a:r>
+                        <a:rPr lang="es-ES" sz="1000" dirty="0" err="1">
+                          <a:solidFill>
+                            <a:srgbClr val="000000"/>
+                          </a:solidFill>
+                          <a:latin typeface="Adobe Clean Light" panose="020B0303020404020204" pitchFamily="34" charset="0"/>
+                          <a:ea typeface="+mn-ea"/>
+                          <a:cs typeface="+mn-cs"/>
+                        </a:rPr>
+                        <a:t>Learning</a:t>
+                      </a:r>
+                      <a:r>
+                        <a:rPr lang="es-ES" sz="1000" dirty="0">
+                          <a:solidFill>
+                            <a:srgbClr val="000000"/>
+                          </a:solidFill>
+                          <a:latin typeface="Adobe Clean Light" panose="020B0303020404020204" pitchFamily="34" charset="0"/>
+                          <a:ea typeface="+mn-ea"/>
+                          <a:cs typeface="+mn-cs"/>
+                        </a:rPr>
+                        <a:t> </a:t>
+                      </a:r>
+                      <a:r>
+                        <a:rPr lang="es-ES" sz="1000" dirty="0" err="1">
+                          <a:solidFill>
+                            <a:srgbClr val="000000"/>
+                          </a:solidFill>
+                          <a:latin typeface="Adobe Clean Light" panose="020B0303020404020204" pitchFamily="34" charset="0"/>
+                          <a:ea typeface="+mn-ea"/>
+                          <a:cs typeface="+mn-cs"/>
+                        </a:rPr>
+                        <a:t>Services</a:t>
+                      </a:r>
+                      <a:r>
+                        <a:rPr lang="es-ES" sz="1000" dirty="0">
+                          <a:solidFill>
+                            <a:srgbClr val="000000"/>
+                          </a:solidFill>
+                          <a:latin typeface="Adobe Clean Light" panose="020B0303020404020204" pitchFamily="34" charset="0"/>
+                          <a:ea typeface="+mn-ea"/>
+                          <a:cs typeface="+mn-cs"/>
+                        </a:rPr>
+                        <a:t> desde </a:t>
+                      </a:r>
+                      <a:r>
+                        <a:rPr lang="es-ES" sz="1000" dirty="0" err="1">
+                          <a:solidFill>
+                            <a:srgbClr val="000000"/>
+                          </a:solidFill>
+                          <a:latin typeface="Adobe Clean Light" panose="020B0303020404020204" pitchFamily="34" charset="0"/>
+                          <a:ea typeface="+mn-ea"/>
+                          <a:cs typeface="+mn-cs"/>
+                        </a:rPr>
+                        <a:t>Experience</a:t>
+                      </a:r>
+                      <a:r>
+                        <a:rPr lang="es-ES" sz="1000" dirty="0">
+                          <a:solidFill>
+                            <a:srgbClr val="000000"/>
+                          </a:solidFill>
+                          <a:latin typeface="Adobe Clean Light" panose="020B0303020404020204" pitchFamily="34" charset="0"/>
+                          <a:ea typeface="+mn-ea"/>
+                          <a:cs typeface="+mn-cs"/>
+                        </a:rPr>
+                        <a:t> League. Los cursos de formación incluyen desde lecciones bajo demanda hasta lecciones impartidas por instructores.  Aquí puede aprender habilidades con valor de mercado reconocido para impulsar el éxito en su organización.</a:t>
                       </a:r>
                     </a:p>
                   </a:txBody>
@@ -18301,27 +15289,17 @@
                         <a:defRPr/>
                       </a:pPr>
                       <a:r>
-                        <a:rPr lang="en-US" sz="1100">
+                        <a:rPr lang="es-ES" sz="1100" dirty="0">
                           <a:solidFill>
                             <a:schemeClr val="tx1"/>
                           </a:solidFill>
-                          <a:effectLst/>
                           <a:latin typeface="Adobe Clean" panose="020B0503020404020204" pitchFamily="34" charset="0"/>
                           <a:ea typeface="+mn-ea"/>
                           <a:cs typeface="+mn-cs"/>
                           <a:hlinkClick r:id="rId9"/>
                         </a:rPr>
-                        <a:t>Production Issues &amp; System Outages</a:t>
+                        <a:t>Problemas de producción e interrupciones del sistema</a:t>
                       </a:r>
-                      <a:endParaRPr lang="en-US" sz="1100">
-                        <a:solidFill>
-                          <a:schemeClr val="tx1"/>
-                        </a:solidFill>
-                        <a:effectLst/>
-                        <a:latin typeface="Adobe Clean" panose="020B0503020404020204" pitchFamily="34" charset="0"/>
-                        <a:ea typeface="+mn-ea"/>
-                        <a:cs typeface="+mn-cs"/>
-                      </a:endParaRPr>
                     </a:p>
                   </a:txBody>
                   <a:tcPr anchor="ctr">
@@ -18395,7 +15373,7 @@
                         <a:defRPr/>
                       </a:pPr>
                       <a:r>
-                        <a:rPr lang="en-US" sz="1000" kern="1200">
+                        <a:rPr lang="es-ES" sz="1000" dirty="0">
                           <a:solidFill>
                             <a:srgbClr val="000000"/>
                           </a:solidFill>
@@ -18403,7 +15381,7 @@
                           <a:ea typeface="+mn-ea"/>
                           <a:cs typeface="+mn-cs"/>
                         </a:rPr>
-                        <a:t>Status.adobe.com conveys the health information of all Adobe products and services that are deployed in multi-tenant environments. Customers can choose their subscription preferences to get email notifications whenever Adobe creates, updates or resolves a product event. This can include scheduled maintenance or service issues of varying levels of severity. </a:t>
+                        <a:t>Status.adobe.com transmite la información de estado de todos los productos y servicios de Adobe implementados en entornos de varios inquilinos. Los clientes pueden elegir sus preferencias de suscripción para recibir notificaciones por correo electrónico cada vez que Adobe cree, actualice o resuelva un evento de producto. Esto puede incluir problemas de mantenimiento o servicio programados de diversos niveles de gravedad. </a:t>
                       </a:r>
                     </a:p>
                   </a:txBody>
@@ -18485,27 +15463,17 @@
                         <a:defRPr/>
                       </a:pPr>
                       <a:r>
-                        <a:rPr lang="en-US" sz="1100">
+                        <a:rPr lang="es-ES" sz="1100">
                           <a:solidFill>
                             <a:schemeClr val="tx1"/>
                           </a:solidFill>
-                          <a:effectLst/>
                           <a:latin typeface="Adobe Clean" panose="020B0503020404020204" pitchFamily="34" charset="0"/>
                           <a:ea typeface="+mn-ea"/>
                           <a:cs typeface="+mn-cs"/>
                           <a:hlinkClick r:id="rId10"/>
                         </a:rPr>
-                        <a:t>Terms and Conditions</a:t>
+                        <a:t>Términos y condiciones</a:t>
                       </a:r>
-                      <a:endParaRPr lang="en-US" sz="1100">
-                        <a:solidFill>
-                          <a:schemeClr val="tx1"/>
-                        </a:solidFill>
-                        <a:effectLst/>
-                        <a:latin typeface="Adobe Clean" panose="020B0503020404020204" pitchFamily="34" charset="0"/>
-                        <a:ea typeface="+mn-ea"/>
-                        <a:cs typeface="+mn-cs"/>
-                      </a:endParaRPr>
                     </a:p>
                   </a:txBody>
                   <a:tcPr anchor="ctr">
@@ -18562,7 +15530,7 @@
                     <a:lstStyle/>
                     <a:p>
                       <a:r>
-                        <a:rPr lang="en-US" sz="1000" kern="1200">
+                        <a:rPr lang="es-ES" sz="1000" dirty="0">
                           <a:solidFill>
                             <a:srgbClr val="000000"/>
                           </a:solidFill>
@@ -18570,7 +15538,7 @@
                           <a:ea typeface="+mn-ea"/>
                           <a:cs typeface="+mn-cs"/>
                         </a:rPr>
-                        <a:t>Terms and conditions detailing Support Services offerings</a:t>
+                        <a:t>Términos y condiciones de las ofertas de los servicios de soporte</a:t>
                       </a:r>
                     </a:p>
                   </a:txBody>
@@ -19341,12 +16309,9 @@
 </file>
 
 <file path=customXml/item1.xml><?xml version="1.0" encoding="utf-8"?>
-<?mso-contentType ?>
-<FormTemplates xmlns="http://schemas.microsoft.com/sharepoint/v3/contenttype/forms">
-  <Display>DocumentLibraryForm</Display>
-  <Edit>DocumentLibraryForm</Edit>
-  <New>DocumentLibraryForm</New>
-</FormTemplates>
+<p:properties xmlns:p="http://schemas.microsoft.com/office/2006/metadata/properties" xmlns:xsi="http://www.w3.org/2001/XMLSchema-instance" xmlns:pc="http://schemas.microsoft.com/office/infopath/2007/PartnerControls">
+  <documentManagement/>
+</p:properties>
 </file>
 
 <file path=customXml/item2.xml><?xml version="1.0" encoding="utf-8"?>
@@ -19555,15 +16520,19 @@
 </file>
 
 <file path=customXml/item3.xml><?xml version="1.0" encoding="utf-8"?>
-<p:properties xmlns:p="http://schemas.microsoft.com/office/2006/metadata/properties" xmlns:xsi="http://www.w3.org/2001/XMLSchema-instance" xmlns:pc="http://schemas.microsoft.com/office/infopath/2007/PartnerControls">
-  <documentManagement/>
-</p:properties>
+<?mso-contentType ?>
+<FormTemplates xmlns="http://schemas.microsoft.com/sharepoint/v3/contenttype/forms">
+  <Display>DocumentLibraryForm</Display>
+  <Edit>DocumentLibraryForm</Edit>
+  <New>DocumentLibraryForm</New>
+</FormTemplates>
 </file>
 
 <file path=customXml/itemProps1.xml><?xml version="1.0" encoding="utf-8"?>
-<ds:datastoreItem xmlns:ds="http://schemas.openxmlformats.org/officeDocument/2006/customXml" ds:itemID="{669D9D3B-3229-44EE-9964-24A06AE66887}">
+<ds:datastoreItem xmlns:ds="http://schemas.openxmlformats.org/officeDocument/2006/customXml" ds:itemID="{CED41536-010B-47B1-9229-B72BE4090090}">
   <ds:schemaRefs>
-    <ds:schemaRef ds:uri="http://schemas.microsoft.com/sharepoint/v3/contenttype/forms"/>
+    <ds:schemaRef ds:uri="http://schemas.microsoft.com/office/2006/metadata/properties"/>
+    <ds:schemaRef ds:uri="http://schemas.microsoft.com/office/infopath/2007/PartnerControls"/>
   </ds:schemaRefs>
 </ds:datastoreItem>
 </file>
@@ -19588,10 +16557,9 @@
 </file>
 
 <file path=customXml/itemProps3.xml><?xml version="1.0" encoding="utf-8"?>
-<ds:datastoreItem xmlns:ds="http://schemas.openxmlformats.org/officeDocument/2006/customXml" ds:itemID="{CED41536-010B-47B1-9229-B72BE4090090}">
+<ds:datastoreItem xmlns:ds="http://schemas.openxmlformats.org/officeDocument/2006/customXml" ds:itemID="{669D9D3B-3229-44EE-9964-24A06AE66887}">
   <ds:schemaRefs>
-    <ds:schemaRef ds:uri="http://schemas.microsoft.com/office/2006/metadata/properties"/>
-    <ds:schemaRef ds:uri="http://schemas.microsoft.com/office/infopath/2007/PartnerControls"/>
+    <ds:schemaRef ds:uri="http://schemas.microsoft.com/sharepoint/v3/contenttype/forms"/>
   </ds:schemaRefs>
 </ds:datastoreItem>
 </file>